--- a/Presentations/31082023HRI_Metadata_Schema_ImagingGroup_KickOff.pptx
+++ b/Presentations/31082023HRI_Metadata_Schema_ImagingGroup_KickOff.pptx
@@ -5,7 +5,7 @@
     <p:sldMasterId id="2147483648" r:id="rId1"/>
   </p:sldMasterIdLst>
   <p:notesMasterIdLst>
-    <p:notesMasterId r:id="rId29"/>
+    <p:notesMasterId r:id="rId28"/>
   </p:notesMasterIdLst>
   <p:sldIdLst>
     <p:sldId id="309" r:id="rId2"/>
@@ -17,24 +17,23 @@
     <p:sldId id="335" r:id="rId8"/>
     <p:sldId id="336" r:id="rId9"/>
     <p:sldId id="337" r:id="rId10"/>
-    <p:sldId id="338" r:id="rId11"/>
-    <p:sldId id="323" r:id="rId12"/>
-    <p:sldId id="324" r:id="rId13"/>
-    <p:sldId id="330" r:id="rId14"/>
-    <p:sldId id="331" r:id="rId15"/>
-    <p:sldId id="339" r:id="rId16"/>
-    <p:sldId id="332" r:id="rId17"/>
-    <p:sldId id="326" r:id="rId18"/>
-    <p:sldId id="333" r:id="rId19"/>
-    <p:sldId id="340" r:id="rId20"/>
-    <p:sldId id="345" r:id="rId21"/>
-    <p:sldId id="274" r:id="rId22"/>
-    <p:sldId id="341" r:id="rId23"/>
-    <p:sldId id="342" r:id="rId24"/>
-    <p:sldId id="344" r:id="rId25"/>
-    <p:sldId id="291" r:id="rId26"/>
-    <p:sldId id="270" r:id="rId27"/>
-    <p:sldId id="271" r:id="rId28"/>
+    <p:sldId id="323" r:id="rId11"/>
+    <p:sldId id="324" r:id="rId12"/>
+    <p:sldId id="330" r:id="rId13"/>
+    <p:sldId id="331" r:id="rId14"/>
+    <p:sldId id="339" r:id="rId15"/>
+    <p:sldId id="332" r:id="rId16"/>
+    <p:sldId id="326" r:id="rId17"/>
+    <p:sldId id="333" r:id="rId18"/>
+    <p:sldId id="340" r:id="rId19"/>
+    <p:sldId id="345" r:id="rId20"/>
+    <p:sldId id="274" r:id="rId21"/>
+    <p:sldId id="341" r:id="rId22"/>
+    <p:sldId id="342" r:id="rId23"/>
+    <p:sldId id="344" r:id="rId24"/>
+    <p:sldId id="291" r:id="rId25"/>
+    <p:sldId id="270" r:id="rId26"/>
+    <p:sldId id="271" r:id="rId27"/>
   </p:sldIdLst>
   <p:sldSz cx="12192000" cy="6858000"/>
   <p:notesSz cx="6858000" cy="9144000"/>
@@ -147,31 +146,6 @@
   <p188:author id="{241C8CEE-0987-009D-9338-71D7BC7E3088}" name="Fieke Schoots (Health-RI)" initials="F(" userId="S::fieke.schoots@health-ri.nl::c650de30-a4bc-45b5-bfec-600d760a8266" providerId="AD"/>
   <p188:author id="{27E0C9F6-6EAB-1D12-DBED-DFFA5E760741}" name="Brullemans-Spansier, Mirjam" initials="BM" userId="S::mirjam.brullemans-spansier_radboudumc.nl#ext#@healthri.onmicrosoft.com::67a7e84c-49d5-40e2-b4dd-bc71ba86a793" providerId="AD"/>
 </p188:authorLst>
-</file>
-
-<file path=ppt/comments/modernComment_135_C84E3BCF.xml><?xml version="1.0" encoding="utf-8"?>
-<p188:cmLst xmlns:a="http://schemas.openxmlformats.org/drawingml/2006/main" xmlns:r="http://schemas.openxmlformats.org/officeDocument/2006/relationships" xmlns:p188="http://schemas.microsoft.com/office/powerpoint/2018/8/main">
-  <p188:cm id="{EAAF85CA-68AD-4123-9FA3-5D80607A2C5F}" authorId="{3C300036-250B-7139-4F9F-0235196545EB}" status="resolved" created="2023-08-12T19:50:54.152">
-    <ac:txMkLst xmlns:ac="http://schemas.microsoft.com/office/drawing/2013/main/command">
-      <pc:docMk xmlns:pc="http://schemas.microsoft.com/office/powerpoint/2013/main/command"/>
-      <pc:sldMk xmlns:pc="http://schemas.microsoft.com/office/powerpoint/2013/main/command" cId="3360570319" sldId="309"/>
-      <ac:spMk id="3" creationId="{E1911E7C-5CE0-3579-29F9-2C5795D87C29}"/>
-      <ac:txMk cp="0">
-        <ac:context len="1" hash="13"/>
-      </ac:txMk>
-    </ac:txMkLst>
-    <p188:txBody>
-      <a:bodyPr/>
-      <a:lstStyle/>
-      <a:p>
-        <a:r>
-          <a:rPr lang="en-GB"/>
-          <a:t>To discuss with FAIR hub team so Nodes are informed and can help</a:t>
-        </a:r>
-      </a:p>
-    </p188:txBody>
-  </p188:cm>
-</p188:cmLst>
 </file>
 
 <file path=ppt/notesMasters/notesMaster1.xml><?xml version="1.0" encoding="utf-8"?>
@@ -5402,7 +5376,7 @@
         </p:nvSpPr>
         <p:spPr>
           <a:xfrm>
-            <a:off x="3517017" y="1637196"/>
+            <a:off x="3249394" y="2128749"/>
             <a:ext cx="10250800" cy="2219600"/>
           </a:xfrm>
           <a:prstGeom prst="rect">
@@ -5677,7 +5651,7 @@
         </p:nvSpPr>
         <p:spPr>
           <a:xfrm>
-            <a:off x="724161" y="2746996"/>
+            <a:off x="657049" y="3619451"/>
             <a:ext cx="11302837" cy="2307200"/>
           </a:xfrm>
           <a:prstGeom prst="rect">
@@ -6007,179 +5981,10 @@
   <p:clrMapOvr>
     <a:masterClrMapping/>
   </p:clrMapOvr>
-  <p:extLst>
-    <p:ext uri="{6950BFC3-D8DA-4A85-94F7-54DA5524770B}">
-      <p188:commentRel xmlns:p188="http://schemas.microsoft.com/office/powerpoint/2018/8/main" r:id="rId2"/>
-    </p:ext>
-  </p:extLst>
 </p:sld>
 </file>
 
 <file path=ppt/slides/slide10.xml><?xml version="1.0" encoding="utf-8"?>
-<p:sld xmlns:a="http://schemas.openxmlformats.org/drawingml/2006/main" xmlns:r="http://schemas.openxmlformats.org/officeDocument/2006/relationships" xmlns:p="http://schemas.openxmlformats.org/presentationml/2006/main">
-  <p:cSld>
-    <p:spTree>
-      <p:nvGrpSpPr>
-        <p:cNvPr id="1" name=""/>
-        <p:cNvGrpSpPr/>
-        <p:nvPr/>
-      </p:nvGrpSpPr>
-      <p:grpSpPr>
-        <a:xfrm>
-          <a:off x="0" y="0"/>
-          <a:ext cx="0" cy="0"/>
-          <a:chOff x="0" y="0"/>
-          <a:chExt cx="0" cy="0"/>
-        </a:xfrm>
-      </p:grpSpPr>
-      <p:sp>
-        <p:nvSpPr>
-          <p:cNvPr id="2" name="Title 1">
-            <a:extLst>
-              <a:ext uri="{FF2B5EF4-FFF2-40B4-BE49-F238E27FC236}">
-                <a16:creationId xmlns:a16="http://schemas.microsoft.com/office/drawing/2014/main" id="{88482CF1-18FC-02EE-A82B-1FF0DAD72602}"/>
-              </a:ext>
-            </a:extLst>
-          </p:cNvPr>
-          <p:cNvSpPr>
-            <a:spLocks noGrp="1"/>
-          </p:cNvSpPr>
-          <p:nvPr>
-            <p:ph type="title"/>
-          </p:nvPr>
-        </p:nvSpPr>
-        <p:spPr/>
-        <p:txBody>
-          <a:bodyPr/>
-          <a:lstStyle/>
-          <a:p>
-            <a:r>
-              <a:rPr lang="en-NL" dirty="0"/>
-              <a:t>Metadata Schema Structure?</a:t>
-            </a:r>
-          </a:p>
-        </p:txBody>
-      </p:sp>
-      <p:sp>
-        <p:nvSpPr>
-          <p:cNvPr id="3" name="Text Placeholder 2">
-            <a:extLst>
-              <a:ext uri="{FF2B5EF4-FFF2-40B4-BE49-F238E27FC236}">
-                <a16:creationId xmlns:a16="http://schemas.microsoft.com/office/drawing/2014/main" id="{A2FF1618-113F-6BB0-D1A8-BBB0FB244651}"/>
-              </a:ext>
-            </a:extLst>
-          </p:cNvPr>
-          <p:cNvSpPr>
-            <a:spLocks noGrp="1"/>
-          </p:cNvSpPr>
-          <p:nvPr>
-            <p:ph type="body" idx="1"/>
-          </p:nvPr>
-        </p:nvSpPr>
-        <p:spPr/>
-        <p:txBody>
-          <a:bodyPr/>
-          <a:lstStyle/>
-          <a:p>
-            <a:r>
-              <a:rPr lang="en-GB" sz="1200" dirty="0"/>
-              <a:t>is a definition that provides organization to the metadata in the domain, represented in a formal language. </a:t>
-            </a:r>
-          </a:p>
-          <a:p>
-            <a:endParaRPr lang="en-GB" sz="1200" dirty="0"/>
-          </a:p>
-          <a:p>
-            <a:r>
-              <a:rPr lang="en-GB" sz="1200" dirty="0"/>
-              <a:t>The metadata schema can be represented as Ontology(</a:t>
-            </a:r>
-            <a:r>
-              <a:rPr lang="en-GB" sz="1200" dirty="0" err="1"/>
-              <a:t>ies</a:t>
-            </a:r>
-            <a:r>
-              <a:rPr lang="en-GB" sz="1200" dirty="0"/>
-              <a:t>) and it is represented in the RDF schema (RDFS) or OWL (Web Ontology Language) languages or other dialects (</a:t>
-            </a:r>
-            <a:r>
-              <a:rPr lang="en-GB" sz="1200" dirty="0" err="1"/>
-              <a:t>e.g</a:t>
-            </a:r>
-            <a:r>
-              <a:rPr lang="en-GB" sz="1200" dirty="0"/>
-              <a:t> SHACL). </a:t>
-            </a:r>
-          </a:p>
-          <a:p>
-            <a:endParaRPr lang="en-GB" sz="1200" dirty="0"/>
-          </a:p>
-          <a:p>
-            <a:r>
-              <a:rPr lang="en-GB" sz="1200" dirty="0"/>
-              <a:t>Three main components are:</a:t>
-            </a:r>
-          </a:p>
-          <a:p>
-            <a:endParaRPr lang="en-GB" sz="1200" dirty="0"/>
-          </a:p>
-          <a:p>
-            <a:pPr lvl="1"/>
-            <a:r>
-              <a:rPr lang="en-GB" sz="1200" dirty="0"/>
-              <a:t>Classes: is an abstraction mechanism for creating a collection of objects with similar characteristics. The Objects call instances of a class.  (e.g. Class(Dataset) and individual(dataset-100)  is an instance of it). Class can have hierarchical relationships (subclass) which allows for inheritance and subsumption.</a:t>
-            </a:r>
-          </a:p>
-          <a:p>
-            <a:pPr lvl="1"/>
-            <a:endParaRPr lang="en-GB" sz="1200" dirty="0"/>
-          </a:p>
-          <a:p>
-            <a:pPr lvl="1"/>
-            <a:r>
-              <a:rPr lang="en-GB" sz="1200" dirty="0"/>
-              <a:t>Datatype Property: these are relationships between instances of classes. (e.g. dataset’s title is a datatype property that related all the instance of the class dataset to a string datatype). </a:t>
-            </a:r>
-          </a:p>
-          <a:p>
-            <a:pPr lvl="1"/>
-            <a:endParaRPr lang="en-GB" sz="1200" dirty="0"/>
-          </a:p>
-          <a:p>
-            <a:pPr lvl="1"/>
-            <a:r>
-              <a:rPr lang="en-GB" sz="1200" dirty="0"/>
-              <a:t>Object Property: These are relationships between instances of two classes. For example ”</a:t>
-            </a:r>
-            <a:r>
-              <a:rPr lang="en-GB" sz="1200" dirty="0" err="1"/>
-              <a:t>hasDistribution</a:t>
-            </a:r>
-            <a:r>
-              <a:rPr lang="en-GB" sz="1200" dirty="0"/>
-              <a:t>” is an object property that related all the instances of class dataset to instances of class distribution. </a:t>
-            </a:r>
-            <a:endParaRPr lang="en-NL" sz="1200" dirty="0"/>
-          </a:p>
-          <a:p>
-            <a:endParaRPr lang="en-NL" dirty="0"/>
-          </a:p>
-        </p:txBody>
-      </p:sp>
-    </p:spTree>
-    <p:extLst>
-      <p:ext uri="{BB962C8B-B14F-4D97-AF65-F5344CB8AC3E}">
-        <p14:creationId xmlns:p14="http://schemas.microsoft.com/office/powerpoint/2010/main" val="861247650"/>
-      </p:ext>
-    </p:extLst>
-  </p:cSld>
-  <p:clrMapOvr>
-    <a:masterClrMapping/>
-  </p:clrMapOvr>
-</p:sld>
-</file>
-
-<file path=ppt/slides/slide11.xml><?xml version="1.0" encoding="utf-8"?>
 <p:sld xmlns:a="http://schemas.openxmlformats.org/drawingml/2006/main" xmlns:r="http://schemas.openxmlformats.org/officeDocument/2006/relationships" xmlns:p="http://schemas.openxmlformats.org/presentationml/2006/main">
   <p:cSld>
     <p:spTree>
@@ -6577,7 +6382,7 @@
 </p:sld>
 </file>
 
-<file path=ppt/slides/slide12.xml><?xml version="1.0" encoding="utf-8"?>
+<file path=ppt/slides/slide11.xml><?xml version="1.0" encoding="utf-8"?>
 <p:sld xmlns:a="http://schemas.openxmlformats.org/drawingml/2006/main" xmlns:r="http://schemas.openxmlformats.org/officeDocument/2006/relationships" xmlns:p="http://schemas.openxmlformats.org/presentationml/2006/main">
   <p:cSld>
     <p:spTree>
@@ -6866,7 +6671,7 @@
 </p:sld>
 </file>
 
-<file path=ppt/slides/slide13.xml><?xml version="1.0" encoding="utf-8"?>
+<file path=ppt/slides/slide12.xml><?xml version="1.0" encoding="utf-8"?>
 <p:sld xmlns:a="http://schemas.openxmlformats.org/drawingml/2006/main" xmlns:r="http://schemas.openxmlformats.org/officeDocument/2006/relationships" xmlns:p="http://schemas.openxmlformats.org/presentationml/2006/main">
   <p:cSld>
     <p:spTree>
@@ -7247,7 +7052,7 @@
 </p:sld>
 </file>
 
-<file path=ppt/slides/slide14.xml><?xml version="1.0" encoding="utf-8"?>
+<file path=ppt/slides/slide13.xml><?xml version="1.0" encoding="utf-8"?>
 <p:sld xmlns:a="http://schemas.openxmlformats.org/drawingml/2006/main" xmlns:r="http://schemas.openxmlformats.org/officeDocument/2006/relationships" xmlns:p="http://schemas.openxmlformats.org/presentationml/2006/main">
   <p:cSld>
     <p:spTree>
@@ -7348,7 +7153,7 @@
 </p:sld>
 </file>
 
-<file path=ppt/slides/slide15.xml><?xml version="1.0" encoding="utf-8"?>
+<file path=ppt/slides/slide14.xml><?xml version="1.0" encoding="utf-8"?>
 <p:sld xmlns:a="http://schemas.openxmlformats.org/drawingml/2006/main" xmlns:r="http://schemas.openxmlformats.org/officeDocument/2006/relationships" xmlns:p="http://schemas.openxmlformats.org/presentationml/2006/main">
   <p:cSld>
     <p:spTree>
@@ -7424,6 +7229,13 @@
             </a:r>
           </a:p>
           <a:p>
+            <a:endParaRPr lang="en-US" sz="2800" dirty="0">
+              <a:latin typeface="Lato" panose="020F0502020204030203" pitchFamily="34" charset="0"/>
+              <a:ea typeface="Lato" panose="020F0502020204030203" pitchFamily="34" charset="0"/>
+              <a:cs typeface="Lato" panose="020F0502020204030203" pitchFamily="34" charset="0"/>
+            </a:endParaRPr>
+          </a:p>
+          <a:p>
             <a:r>
               <a:rPr lang="en-US" sz="2800" dirty="0">
                 <a:latin typeface="Lato" panose="020F0502020204030203" pitchFamily="34" charset="0"/>
@@ -7450,6 +7262,23 @@
             </a:r>
           </a:p>
           <a:p>
+            <a:endParaRPr lang="en-US" sz="2800" dirty="0">
+              <a:latin typeface="Lato" panose="020F0502020204030203" pitchFamily="34" charset="0"/>
+              <a:ea typeface="Lato" panose="020F0502020204030203" pitchFamily="34" charset="0"/>
+              <a:cs typeface="Lato" panose="020F0502020204030203" pitchFamily="34" charset="0"/>
+            </a:endParaRPr>
+          </a:p>
+          <a:p>
+            <a:r>
+              <a:rPr lang="en-US" sz="2800" dirty="0">
+                <a:latin typeface="Lato" panose="020F0502020204030203" pitchFamily="34" charset="0"/>
+                <a:ea typeface="Lato" panose="020F0502020204030203" pitchFamily="34" charset="0"/>
+                <a:cs typeface="Lato" panose="020F0502020204030203" pitchFamily="34" charset="0"/>
+              </a:rPr>
+              <a:t>Think of collecting instance data for populating the core model</a:t>
+            </a:r>
+          </a:p>
+          <a:p>
             <a:endParaRPr lang="en-NL" dirty="0"/>
           </a:p>
         </p:txBody>
@@ -7467,7 +7296,7 @@
 </p:sld>
 </file>
 
-<file path=ppt/slides/slide16.xml><?xml version="1.0" encoding="utf-8"?>
+<file path=ppt/slides/slide15.xml><?xml version="1.0" encoding="utf-8"?>
 <p:sld xmlns:a="http://schemas.openxmlformats.org/drawingml/2006/main" xmlns:r="http://schemas.openxmlformats.org/officeDocument/2006/relationships" xmlns:p="http://schemas.openxmlformats.org/presentationml/2006/main">
   <p:cSld>
     <p:spTree>
@@ -7544,7 +7373,7 @@
         </p:nvSpPr>
         <p:spPr>
           <a:xfrm>
-            <a:off x="256699" y="1633328"/>
+            <a:off x="419817" y="1595228"/>
             <a:ext cx="11352363" cy="4575411"/>
           </a:xfrm>
         </p:spPr>
@@ -7746,7 +7575,7 @@
 </p:sld>
 </file>
 
-<file path=ppt/slides/slide17.xml><?xml version="1.0" encoding="utf-8"?>
+<file path=ppt/slides/slide16.xml><?xml version="1.0" encoding="utf-8"?>
 <p:sld xmlns:a="http://schemas.openxmlformats.org/drawingml/2006/main" xmlns:r="http://schemas.openxmlformats.org/officeDocument/2006/relationships" xmlns:p="http://schemas.openxmlformats.org/presentationml/2006/main">
   <p:cSld>
     <p:spTree>
@@ -14588,7 +14417,7 @@
 </p:sld>
 </file>
 
-<file path=ppt/slides/slide18.xml><?xml version="1.0" encoding="utf-8"?>
+<file path=ppt/slides/slide17.xml><?xml version="1.0" encoding="utf-8"?>
 <p:sld xmlns:a="http://schemas.openxmlformats.org/drawingml/2006/main" xmlns:r="http://schemas.openxmlformats.org/officeDocument/2006/relationships" xmlns:p="http://schemas.openxmlformats.org/presentationml/2006/main">
   <p:cSld>
     <p:spTree>
@@ -14864,7 +14693,7 @@
 </p:sld>
 </file>
 
-<file path=ppt/slides/slide19.xml><?xml version="1.0" encoding="utf-8"?>
+<file path=ppt/slides/slide18.xml><?xml version="1.0" encoding="utf-8"?>
 <p:sld xmlns:a="http://schemas.openxmlformats.org/drawingml/2006/main" xmlns:r="http://schemas.openxmlformats.org/officeDocument/2006/relationships" xmlns:p="http://schemas.openxmlformats.org/presentationml/2006/main">
   <p:cSld>
     <p:spTree>
@@ -15090,6 +14919,136 @@
     <p:extLst>
       <p:ext uri="{BB962C8B-B14F-4D97-AF65-F5344CB8AC3E}">
         <p14:creationId xmlns:p14="http://schemas.microsoft.com/office/powerpoint/2010/main" val="312026378"/>
+      </p:ext>
+    </p:extLst>
+  </p:cSld>
+  <p:clrMapOvr>
+    <a:masterClrMapping/>
+  </p:clrMapOvr>
+</p:sld>
+</file>
+
+<file path=ppt/slides/slide19.xml><?xml version="1.0" encoding="utf-8"?>
+<p:sld xmlns:a="http://schemas.openxmlformats.org/drawingml/2006/main" xmlns:r="http://schemas.openxmlformats.org/officeDocument/2006/relationships" xmlns:p="http://schemas.openxmlformats.org/presentationml/2006/main">
+  <p:cSld>
+    <p:spTree>
+      <p:nvGrpSpPr>
+        <p:cNvPr id="1" name=""/>
+        <p:cNvGrpSpPr/>
+        <p:nvPr/>
+      </p:nvGrpSpPr>
+      <p:grpSpPr>
+        <a:xfrm>
+          <a:off x="0" y="0"/>
+          <a:ext cx="0" cy="0"/>
+          <a:chOff x="0" y="0"/>
+          <a:chExt cx="0" cy="0"/>
+        </a:xfrm>
+      </p:grpSpPr>
+      <p:sp>
+        <p:nvSpPr>
+          <p:cNvPr id="2" name="Title 1">
+            <a:extLst>
+              <a:ext uri="{FF2B5EF4-FFF2-40B4-BE49-F238E27FC236}">
+                <a16:creationId xmlns:a16="http://schemas.microsoft.com/office/drawing/2014/main" id="{3ED7B476-AFF7-BCC5-BB41-E08ACF094A3B}"/>
+              </a:ext>
+            </a:extLst>
+          </p:cNvPr>
+          <p:cNvSpPr>
+            <a:spLocks noGrp="1"/>
+          </p:cNvSpPr>
+          <p:nvPr>
+            <p:ph type="title"/>
+          </p:nvPr>
+        </p:nvSpPr>
+        <p:spPr/>
+        <p:txBody>
+          <a:bodyPr/>
+          <a:lstStyle/>
+          <a:p>
+            <a:r>
+              <a:rPr lang="en-NL" dirty="0"/>
+              <a:t>Semantic modelling</a:t>
+            </a:r>
+          </a:p>
+        </p:txBody>
+      </p:sp>
+      <p:sp>
+        <p:nvSpPr>
+          <p:cNvPr id="3" name="Text Placeholder 2">
+            <a:extLst>
+              <a:ext uri="{FF2B5EF4-FFF2-40B4-BE49-F238E27FC236}">
+                <a16:creationId xmlns:a16="http://schemas.microsoft.com/office/drawing/2014/main" id="{672D87A6-801D-1AA1-0BD7-FC7F5BC8A314}"/>
+              </a:ext>
+            </a:extLst>
+          </p:cNvPr>
+          <p:cNvSpPr>
+            <a:spLocks noGrp="1"/>
+          </p:cNvSpPr>
+          <p:nvPr>
+            <p:ph type="body" idx="1"/>
+          </p:nvPr>
+        </p:nvSpPr>
+        <p:spPr/>
+        <p:txBody>
+          <a:bodyPr/>
+          <a:lstStyle/>
+          <a:p>
+            <a:pPr marL="101600" indent="0">
+              <a:buNone/>
+            </a:pPr>
+            <a:r>
+              <a:rPr lang="en-GB" dirty="0"/>
+              <a:t>Identify:</a:t>
+            </a:r>
+          </a:p>
+          <a:p>
+            <a:pPr lvl="1"/>
+            <a:r>
+              <a:rPr lang="en-GB" dirty="0"/>
+              <a:t>Classes: is an abstraction mechanism for creating a collection of objects with similar characteristics. The Objects call instances of a class.  (e.g. Class(Dataset) and individual(dataset-100)  is an instance of it). Class can have hierarchical relationships (subclass) which allows for inheritance and subsumption.</a:t>
+            </a:r>
+          </a:p>
+          <a:p>
+            <a:pPr lvl="1"/>
+            <a:endParaRPr lang="en-GB" sz="1200" dirty="0"/>
+          </a:p>
+          <a:p>
+            <a:pPr lvl="1"/>
+            <a:r>
+              <a:rPr lang="en-GB" dirty="0"/>
+              <a:t>Datatype Property: these are relationships between instances of classes. (e.g. dataset’s title is a datatype property that related all the instance of the class dataset to a string datatype). </a:t>
+            </a:r>
+          </a:p>
+          <a:p>
+            <a:pPr lvl="1"/>
+            <a:endParaRPr lang="en-GB" dirty="0"/>
+          </a:p>
+          <a:p>
+            <a:pPr lvl="1"/>
+            <a:r>
+              <a:rPr lang="en-GB" dirty="0"/>
+              <a:t>Object Property: These are relationships between instances of two classes. For example ”</a:t>
+            </a:r>
+            <a:r>
+              <a:rPr lang="en-GB" dirty="0" err="1"/>
+              <a:t>hasDistribution</a:t>
+            </a:r>
+            <a:r>
+              <a:rPr lang="en-GB" dirty="0"/>
+              <a:t>” is an object property that related all the instances of class dataset to instances of class distribution. </a:t>
+            </a:r>
+            <a:endParaRPr lang="en-NL" dirty="0"/>
+          </a:p>
+          <a:p>
+            <a:endParaRPr lang="en-NL" dirty="0"/>
+          </a:p>
+        </p:txBody>
+      </p:sp>
+    </p:spTree>
+    <p:extLst>
+      <p:ext uri="{BB962C8B-B14F-4D97-AF65-F5344CB8AC3E}">
+        <p14:creationId xmlns:p14="http://schemas.microsoft.com/office/powerpoint/2010/main" val="2051141413"/>
       </p:ext>
     </p:extLst>
   </p:cSld>
@@ -15190,7 +15149,7 @@
         </p:nvSpPr>
         <p:spPr>
           <a:xfrm>
-            <a:off x="414068" y="1492503"/>
+            <a:off x="1137968" y="2449540"/>
             <a:ext cx="10600702" cy="2261100"/>
           </a:xfrm>
           <a:prstGeom prst="rect">
@@ -15272,136 +15231,6 @@
 </file>
 
 <file path=ppt/slides/slide20.xml><?xml version="1.0" encoding="utf-8"?>
-<p:sld xmlns:a="http://schemas.openxmlformats.org/drawingml/2006/main" xmlns:r="http://schemas.openxmlformats.org/officeDocument/2006/relationships" xmlns:p="http://schemas.openxmlformats.org/presentationml/2006/main">
-  <p:cSld>
-    <p:spTree>
-      <p:nvGrpSpPr>
-        <p:cNvPr id="1" name=""/>
-        <p:cNvGrpSpPr/>
-        <p:nvPr/>
-      </p:nvGrpSpPr>
-      <p:grpSpPr>
-        <a:xfrm>
-          <a:off x="0" y="0"/>
-          <a:ext cx="0" cy="0"/>
-          <a:chOff x="0" y="0"/>
-          <a:chExt cx="0" cy="0"/>
-        </a:xfrm>
-      </p:grpSpPr>
-      <p:sp>
-        <p:nvSpPr>
-          <p:cNvPr id="2" name="Title 1">
-            <a:extLst>
-              <a:ext uri="{FF2B5EF4-FFF2-40B4-BE49-F238E27FC236}">
-                <a16:creationId xmlns:a16="http://schemas.microsoft.com/office/drawing/2014/main" id="{3ED7B476-AFF7-BCC5-BB41-E08ACF094A3B}"/>
-              </a:ext>
-            </a:extLst>
-          </p:cNvPr>
-          <p:cNvSpPr>
-            <a:spLocks noGrp="1"/>
-          </p:cNvSpPr>
-          <p:nvPr>
-            <p:ph type="title"/>
-          </p:nvPr>
-        </p:nvSpPr>
-        <p:spPr/>
-        <p:txBody>
-          <a:bodyPr/>
-          <a:lstStyle/>
-          <a:p>
-            <a:r>
-              <a:rPr lang="en-NL" dirty="0"/>
-              <a:t>Semantic modelling</a:t>
-            </a:r>
-          </a:p>
-        </p:txBody>
-      </p:sp>
-      <p:sp>
-        <p:nvSpPr>
-          <p:cNvPr id="3" name="Text Placeholder 2">
-            <a:extLst>
-              <a:ext uri="{FF2B5EF4-FFF2-40B4-BE49-F238E27FC236}">
-                <a16:creationId xmlns:a16="http://schemas.microsoft.com/office/drawing/2014/main" id="{672D87A6-801D-1AA1-0BD7-FC7F5BC8A314}"/>
-              </a:ext>
-            </a:extLst>
-          </p:cNvPr>
-          <p:cNvSpPr>
-            <a:spLocks noGrp="1"/>
-          </p:cNvSpPr>
-          <p:nvPr>
-            <p:ph type="body" idx="1"/>
-          </p:nvPr>
-        </p:nvSpPr>
-        <p:spPr/>
-        <p:txBody>
-          <a:bodyPr/>
-          <a:lstStyle/>
-          <a:p>
-            <a:pPr marL="101600" indent="0">
-              <a:buNone/>
-            </a:pPr>
-            <a:r>
-              <a:rPr lang="en-GB" dirty="0"/>
-              <a:t>Identify:</a:t>
-            </a:r>
-          </a:p>
-          <a:p>
-            <a:pPr lvl="1"/>
-            <a:r>
-              <a:rPr lang="en-GB" dirty="0"/>
-              <a:t>Classes: is an abstraction mechanism for creating a collection of objects with similar characteristics. The Objects call instances of a class.  (e.g. Class(Dataset) and individual(dataset-100)  is an instance of it). Class can have hierarchical relationships (subclass) which allows for inheritance and subsumption.</a:t>
-            </a:r>
-          </a:p>
-          <a:p>
-            <a:pPr lvl="1"/>
-            <a:endParaRPr lang="en-GB" sz="1200" dirty="0"/>
-          </a:p>
-          <a:p>
-            <a:pPr lvl="1"/>
-            <a:r>
-              <a:rPr lang="en-GB" dirty="0"/>
-              <a:t>Datatype Property: these are relationships between instances of classes. (e.g. dataset’s title is a datatype property that related all the instance of the class dataset to a string datatype). </a:t>
-            </a:r>
-          </a:p>
-          <a:p>
-            <a:pPr lvl="1"/>
-            <a:endParaRPr lang="en-GB" dirty="0"/>
-          </a:p>
-          <a:p>
-            <a:pPr lvl="1"/>
-            <a:r>
-              <a:rPr lang="en-GB" dirty="0"/>
-              <a:t>Object Property: These are relationships between instances of two classes. For example ”</a:t>
-            </a:r>
-            <a:r>
-              <a:rPr lang="en-GB" dirty="0" err="1"/>
-              <a:t>hasDistribution</a:t>
-            </a:r>
-            <a:r>
-              <a:rPr lang="en-GB" dirty="0"/>
-              <a:t>” is an object property that related all the instances of class dataset to instances of class distribution. </a:t>
-            </a:r>
-            <a:endParaRPr lang="en-NL" dirty="0"/>
-          </a:p>
-          <a:p>
-            <a:endParaRPr lang="en-NL" dirty="0"/>
-          </a:p>
-        </p:txBody>
-      </p:sp>
-    </p:spTree>
-    <p:extLst>
-      <p:ext uri="{BB962C8B-B14F-4D97-AF65-F5344CB8AC3E}">
-        <p14:creationId xmlns:p14="http://schemas.microsoft.com/office/powerpoint/2010/main" val="2051141413"/>
-      </p:ext>
-    </p:extLst>
-  </p:cSld>
-  <p:clrMapOvr>
-    <a:masterClrMapping/>
-  </p:clrMapOvr>
-</p:sld>
-</file>
-
-<file path=ppt/slides/slide21.xml><?xml version="1.0" encoding="utf-8"?>
 <p:sld xmlns:a="http://schemas.openxmlformats.org/drawingml/2006/main" xmlns:r="http://schemas.openxmlformats.org/officeDocument/2006/relationships" xmlns:p="http://schemas.openxmlformats.org/presentationml/2006/main">
   <p:cSld>
     <p:spTree>
@@ -16561,7 +16390,7 @@
 </p:sld>
 </file>
 
-<file path=ppt/slides/slide22.xml><?xml version="1.0" encoding="utf-8"?>
+<file path=ppt/slides/slide21.xml><?xml version="1.0" encoding="utf-8"?>
 <p:sld xmlns:a="http://schemas.openxmlformats.org/drawingml/2006/main" xmlns:r="http://schemas.openxmlformats.org/officeDocument/2006/relationships" xmlns:p="http://schemas.openxmlformats.org/presentationml/2006/main">
   <p:cSld>
     <p:spTree>
@@ -16697,7 +16526,7 @@
 </p:sld>
 </file>
 
-<file path=ppt/slides/slide23.xml><?xml version="1.0" encoding="utf-8"?>
+<file path=ppt/slides/slide22.xml><?xml version="1.0" encoding="utf-8"?>
 <p:sld xmlns:a="http://schemas.openxmlformats.org/drawingml/2006/main" xmlns:r="http://schemas.openxmlformats.org/officeDocument/2006/relationships" xmlns:p="http://schemas.openxmlformats.org/presentationml/2006/main">
   <p:cSld>
     <p:spTree>
@@ -16855,7 +16684,7 @@
 </p:sld>
 </file>
 
-<file path=ppt/slides/slide24.xml><?xml version="1.0" encoding="utf-8"?>
+<file path=ppt/slides/slide23.xml><?xml version="1.0" encoding="utf-8"?>
 <p:sld xmlns:a="http://schemas.openxmlformats.org/drawingml/2006/main" xmlns:r="http://schemas.openxmlformats.org/officeDocument/2006/relationships" xmlns:p="http://schemas.openxmlformats.org/presentationml/2006/main">
   <p:cSld>
     <p:spTree>
@@ -16958,7 +16787,7 @@
 </p:sld>
 </file>
 
-<file path=ppt/slides/slide25.xml><?xml version="1.0" encoding="utf-8"?>
+<file path=ppt/slides/slide24.xml><?xml version="1.0" encoding="utf-8"?>
 <p:sld xmlns:a="http://schemas.openxmlformats.org/drawingml/2006/main" xmlns:r="http://schemas.openxmlformats.org/officeDocument/2006/relationships" xmlns:p="http://schemas.openxmlformats.org/presentationml/2006/main">
   <p:cSld>
     <p:spTree>
@@ -17021,7 +16850,12 @@
             <p:ph type="body" idx="1"/>
           </p:nvPr>
         </p:nvSpPr>
-        <p:spPr/>
+        <p:spPr>
+          <a:xfrm>
+            <a:off x="267925" y="2746666"/>
+            <a:ext cx="10251600" cy="3014800"/>
+          </a:xfrm>
+        </p:spPr>
         <p:txBody>
           <a:bodyPr/>
           <a:lstStyle/>
@@ -17082,7 +16916,7 @@
 </p:sld>
 </file>
 
-<file path=ppt/slides/slide26.xml><?xml version="1.0" encoding="utf-8"?>
+<file path=ppt/slides/slide25.xml><?xml version="1.0" encoding="utf-8"?>
 <p:sld xmlns:a="http://schemas.openxmlformats.org/drawingml/2006/main" xmlns:r="http://schemas.openxmlformats.org/officeDocument/2006/relationships" xmlns:p="http://schemas.openxmlformats.org/presentationml/2006/main">
   <p:cSld>
     <p:spTree>
@@ -17311,7 +17145,7 @@
 </p:sld>
 </file>
 
-<file path=ppt/slides/slide27.xml><?xml version="1.0" encoding="utf-8"?>
+<file path=ppt/slides/slide26.xml><?xml version="1.0" encoding="utf-8"?>
 <p:sld xmlns:a="http://schemas.openxmlformats.org/drawingml/2006/main" xmlns:r="http://schemas.openxmlformats.org/officeDocument/2006/relationships" xmlns:p="http://schemas.openxmlformats.org/presentationml/2006/main">
   <p:cSld>
     <p:spTree>
@@ -17398,42 +17232,38 @@
               <a:rPr lang="en-GB" dirty="0"/>
               <a:t>Julia</a:t>
             </a:r>
-            <a:endParaRPr dirty="0"/>
           </a:p>
           <a:p>
             <a:r>
               <a:rPr lang="en-GB" dirty="0" err="1"/>
               <a:t>Kees</a:t>
             </a:r>
-            <a:endParaRPr dirty="0"/>
+            <a:endParaRPr lang="en-GB" dirty="0"/>
           </a:p>
           <a:p>
             <a:r>
               <a:rPr lang="en-GB" dirty="0"/>
               <a:t>Luiz</a:t>
             </a:r>
-            <a:endParaRPr dirty="0"/>
           </a:p>
           <a:p>
             <a:r>
               <a:rPr lang="en-GB" dirty="0" err="1"/>
               <a:t>Mijke</a:t>
             </a:r>
-            <a:endParaRPr dirty="0"/>
+            <a:endParaRPr lang="en-GB" dirty="0"/>
           </a:p>
           <a:p>
             <a:r>
               <a:rPr lang="en-GB" dirty="0"/>
               <a:t>Marianne</a:t>
             </a:r>
-            <a:endParaRPr dirty="0"/>
           </a:p>
           <a:p>
             <a:r>
               <a:rPr lang="en-GB" dirty="0"/>
               <a:t>Jeroen</a:t>
             </a:r>
-            <a:endParaRPr dirty="0"/>
           </a:p>
           <a:p>
             <a:r>
@@ -17557,7 +17387,7 @@
             </a:pPr>
             <a:r>
               <a:rPr lang="en-GB" sz="2800" dirty="0"/>
-              <a:t>International standards</a:t>
+              <a:t>We need to comply with International standards</a:t>
             </a:r>
           </a:p>
           <a:p>
@@ -17655,7 +17485,7 @@
         </p:nvSpPr>
         <p:spPr>
           <a:xfrm>
-            <a:off x="414068" y="418985"/>
+            <a:off x="414067" y="576234"/>
             <a:ext cx="11352364" cy="443199"/>
           </a:xfrm>
         </p:spPr>
@@ -38800,7 +38630,12 @@
             <p:ph type="body" idx="1"/>
           </p:nvPr>
         </p:nvSpPr>
-        <p:spPr/>
+        <p:spPr>
+          <a:xfrm>
+            <a:off x="731567" y="1141294"/>
+            <a:ext cx="11352363" cy="4575411"/>
+          </a:xfrm>
+        </p:spPr>
         <p:txBody>
           <a:bodyPr/>
           <a:lstStyle/>

--- a/Presentations/31082023HRI_Metadata_Schema_ImagingGroup_KickOff.pptx
+++ b/Presentations/31082023HRI_Metadata_Schema_ImagingGroup_KickOff.pptx
@@ -26,11 +26,11 @@
     <p:sldId id="326" r:id="rId17"/>
     <p:sldId id="333" r:id="rId18"/>
     <p:sldId id="340" r:id="rId19"/>
-    <p:sldId id="345" r:id="rId20"/>
-    <p:sldId id="274" r:id="rId21"/>
-    <p:sldId id="341" r:id="rId22"/>
-    <p:sldId id="342" r:id="rId23"/>
-    <p:sldId id="344" r:id="rId24"/>
+    <p:sldId id="341" r:id="rId20"/>
+    <p:sldId id="342" r:id="rId21"/>
+    <p:sldId id="344" r:id="rId22"/>
+    <p:sldId id="345" r:id="rId23"/>
+    <p:sldId id="274" r:id="rId24"/>
     <p:sldId id="291" r:id="rId25"/>
     <p:sldId id="270" r:id="rId26"/>
     <p:sldId id="271" r:id="rId27"/>
@@ -14756,7 +14756,7 @@
         </p:nvSpPr>
         <p:spPr>
           <a:xfrm>
-            <a:off x="414067" y="964325"/>
+            <a:off x="653723" y="1497725"/>
             <a:ext cx="10873051" cy="4101662"/>
           </a:xfrm>
           <a:noFill/>
@@ -14814,6 +14814,15 @@
               </a:spcBef>
               <a:buNone/>
             </a:pPr>
+            <a:endParaRPr lang="en-GB" sz="2000" dirty="0"/>
+          </a:p>
+          <a:p>
+            <a:pPr marL="0" indent="0">
+              <a:spcBef>
+                <a:spcPts val="0"/>
+              </a:spcBef>
+              <a:buNone/>
+            </a:pPr>
             <a:r>
               <a:rPr lang="en-GB" sz="2000" dirty="0"/>
               <a:t>Make an inventory of the important terms and their definitions</a:t>
@@ -14844,7 +14853,7 @@
             </a:pPr>
             <a:r>
               <a:rPr lang="en-GB" sz="2000" dirty="0"/>
-              <a:t>Define them in </a:t>
+              <a:t>Represent them in </a:t>
             </a:r>
             <a:r>
               <a:rPr lang="en-GB" sz="2000" dirty="0" err="1"/>
@@ -14852,50 +14861,15 @@
             </a:r>
             <a:r>
               <a:rPr lang="en-GB" sz="2000" dirty="0"/>
-              <a:t> compliant manner (class, attribute, relations, controlled vocabulary, taxonomies)</a:t>
+              <a:t> compliant manner -- semantic modelling (class, attribute, relations, controlled vocabulary, taxonomies)</a:t>
             </a:r>
           </a:p>
           <a:p>
-            <a:pPr marL="342900" indent="-342900">
-              <a:spcBef>
-                <a:spcPts val="0"/>
-              </a:spcBef>
-            </a:pPr>
+            <a:pPr lvl="1"/>
             <a:r>
               <a:rPr lang="en-GB" sz="2000" dirty="0"/>
-              <a:t>	dataset </a:t>
+              <a:t>	</a:t>
             </a:r>
-          </a:p>
-          <a:p>
-            <a:pPr marL="342900" indent="-342900">
-              <a:spcBef>
-                <a:spcPts val="0"/>
-              </a:spcBef>
-            </a:pPr>
-            <a:r>
-              <a:rPr lang="en-GB" sz="2000" dirty="0"/>
-              <a:t>	dataset tile </a:t>
-            </a:r>
-          </a:p>
-          <a:p>
-            <a:pPr marL="342900" indent="-342900">
-              <a:spcBef>
-                <a:spcPts val="0"/>
-              </a:spcBef>
-            </a:pPr>
-            <a:r>
-              <a:rPr lang="en-GB" sz="2000" dirty="0"/>
-              <a:t>	dataset created data </a:t>
-            </a:r>
-          </a:p>
-          <a:p>
-            <a:pPr marL="0" indent="0">
-              <a:spcBef>
-                <a:spcPts val="0"/>
-              </a:spcBef>
-              <a:buNone/>
-            </a:pPr>
-            <a:endParaRPr lang="en-GB" sz="2000" dirty="0"/>
           </a:p>
           <a:p>
             <a:endParaRPr lang="en-GB" sz="2534" dirty="0"/>
@@ -14950,7 +14924,7 @@
           <p:cNvPr id="2" name="Title 1">
             <a:extLst>
               <a:ext uri="{FF2B5EF4-FFF2-40B4-BE49-F238E27FC236}">
-                <a16:creationId xmlns:a16="http://schemas.microsoft.com/office/drawing/2014/main" id="{3ED7B476-AFF7-BCC5-BB41-E08ACF094A3B}"/>
+                <a16:creationId xmlns:a16="http://schemas.microsoft.com/office/drawing/2014/main" id="{79EE33A1-0805-809E-3EC0-CDC7A4435F6E}"/>
               </a:ext>
             </a:extLst>
           </p:cNvPr>
@@ -14968,17 +14942,17 @@
           <a:p>
             <a:r>
               <a:rPr lang="en-NL" dirty="0"/>
-              <a:t>Semantic modelling</a:t>
+              <a:t>Reuse elements from DICOM </a:t>
             </a:r>
           </a:p>
         </p:txBody>
       </p:sp>
       <p:sp>
         <p:nvSpPr>
-          <p:cNvPr id="3" name="Text Placeholder 2">
+          <p:cNvPr id="4" name="Text Placeholder 2">
             <a:extLst>
               <a:ext uri="{FF2B5EF4-FFF2-40B4-BE49-F238E27FC236}">
-                <a16:creationId xmlns:a16="http://schemas.microsoft.com/office/drawing/2014/main" id="{672D87A6-801D-1AA1-0BD7-FC7F5BC8A314}"/>
+                <a16:creationId xmlns:a16="http://schemas.microsoft.com/office/drawing/2014/main" id="{E32D75DF-9DE3-2FD3-1A72-2DBFC5299A73}"/>
               </a:ext>
             </a:extLst>
           </p:cNvPr>
@@ -14994,61 +14968,67 @@
           <a:bodyPr/>
           <a:lstStyle/>
           <a:p>
-            <a:pPr marL="101600" indent="0">
-              <a:buNone/>
-            </a:pPr>
+            <a:r>
+              <a:rPr lang="en-US" dirty="0"/>
+              <a:t>Align your model with the </a:t>
+            </a:r>
+            <a:r>
+              <a:rPr lang="en-NL" dirty="0"/>
+              <a:t>exsiting standards in your domain</a:t>
+            </a:r>
+          </a:p>
+          <a:p>
+            <a:endParaRPr lang="en-NL" dirty="0"/>
+          </a:p>
+          <a:p>
             <a:r>
               <a:rPr lang="en-GB" dirty="0"/>
-              <a:t>Identify:</a:t>
-            </a:r>
-          </a:p>
-          <a:p>
-            <a:pPr lvl="1"/>
-            <a:r>
-              <a:rPr lang="en-GB" dirty="0"/>
-              <a:t>Classes: is an abstraction mechanism for creating a collection of objects with similar characteristics. The Objects call instances of a class.  (e.g. Class(Dataset) and individual(dataset-100)  is an instance of it). Class can have hierarchical relationships (subclass) which allows for inheritance and subsumption.</a:t>
-            </a:r>
-          </a:p>
-          <a:p>
-            <a:pPr lvl="1"/>
-            <a:endParaRPr lang="en-GB" sz="1200" dirty="0"/>
-          </a:p>
-          <a:p>
-            <a:pPr lvl="1"/>
-            <a:r>
-              <a:rPr lang="en-GB" dirty="0"/>
-              <a:t>Datatype Property: these are relationships between instances of classes. (e.g. dataset’s title is a datatype property that related all the instance of the class dataset to a string datatype). </a:t>
-            </a:r>
-          </a:p>
-          <a:p>
-            <a:pPr lvl="1"/>
-            <a:endParaRPr lang="en-GB" dirty="0"/>
-          </a:p>
-          <a:p>
-            <a:pPr lvl="1"/>
-            <a:r>
-              <a:rPr lang="en-GB" dirty="0"/>
-              <a:t>Object Property: These are relationships between instances of two classes. For example ”</a:t>
+              <a:t>DICOM® is the international standard to transmit, store, retrieve, print, process, and display medical imaging information” - From https://</a:t>
             </a:r>
             <a:r>
               <a:rPr lang="en-GB" dirty="0" err="1"/>
-              <a:t>hasDistribution</a:t>
+              <a:t>www.dicomstandard.org</a:t>
             </a:r>
             <a:r>
               <a:rPr lang="en-GB" dirty="0"/>
-              <a:t>” is an object property that related all the instances of class dataset to instances of class distribution. </a:t>
+              <a:t>/, (</a:t>
             </a:r>
-            <a:endParaRPr lang="en-NL" dirty="0"/>
-          </a:p>
-          <a:p>
-            <a:endParaRPr lang="en-NL" dirty="0"/>
+            <a:r>
+              <a:rPr lang="en-GB" dirty="0" err="1"/>
+              <a:t>Mildenberger</a:t>
+            </a:r>
+            <a:r>
+              <a:rPr lang="en-GB" dirty="0"/>
+              <a:t> et al, 2002)</a:t>
+            </a:r>
+          </a:p>
+          <a:p>
+            <a:pPr marL="1073150" lvl="2" indent="0">
+              <a:buNone/>
+            </a:pPr>
+            <a:endParaRPr lang="en-GB" dirty="0"/>
+          </a:p>
+          <a:p>
+            <a:endParaRPr lang="en-GB" dirty="0"/>
+          </a:p>
+          <a:p>
+            <a:endParaRPr lang="en-GB" dirty="0"/>
+          </a:p>
+          <a:p>
+            <a:endParaRPr lang="en-GB" dirty="0"/>
+          </a:p>
+          <a:p>
+            <a:pPr marL="615950" lvl="1" indent="0">
+              <a:buNone/>
+            </a:pPr>
+            <a:endParaRPr lang="en-GB" dirty="0"/>
           </a:p>
         </p:txBody>
       </p:sp>
     </p:spTree>
     <p:extLst>
       <p:ext uri="{BB962C8B-B14F-4D97-AF65-F5344CB8AC3E}">
-        <p14:creationId xmlns:p14="http://schemas.microsoft.com/office/powerpoint/2010/main" val="2051141413"/>
+        <p14:creationId xmlns:p14="http://schemas.microsoft.com/office/powerpoint/2010/main" val="3571080125"/>
       </p:ext>
     </p:extLst>
   </p:cSld>
@@ -15232,6 +15212,412 @@
 
 <file path=ppt/slides/slide20.xml><?xml version="1.0" encoding="utf-8"?>
 <p:sld xmlns:a="http://schemas.openxmlformats.org/drawingml/2006/main" xmlns:r="http://schemas.openxmlformats.org/officeDocument/2006/relationships" xmlns:p="http://schemas.openxmlformats.org/presentationml/2006/main">
+  <p:cSld>
+    <p:spTree>
+      <p:nvGrpSpPr>
+        <p:cNvPr id="1" name=""/>
+        <p:cNvGrpSpPr/>
+        <p:nvPr/>
+      </p:nvGrpSpPr>
+      <p:grpSpPr>
+        <a:xfrm>
+          <a:off x="0" y="0"/>
+          <a:ext cx="0" cy="0"/>
+          <a:chOff x="0" y="0"/>
+          <a:chExt cx="0" cy="0"/>
+        </a:xfrm>
+      </p:grpSpPr>
+      <p:sp>
+        <p:nvSpPr>
+          <p:cNvPr id="2" name="Title 1">
+            <a:extLst>
+              <a:ext uri="{FF2B5EF4-FFF2-40B4-BE49-F238E27FC236}">
+                <a16:creationId xmlns:a16="http://schemas.microsoft.com/office/drawing/2014/main" id="{359D7DBA-E347-8020-5364-595C54E9A47B}"/>
+              </a:ext>
+            </a:extLst>
+          </p:cNvPr>
+          <p:cNvSpPr>
+            <a:spLocks noGrp="1"/>
+          </p:cNvSpPr>
+          <p:nvPr>
+            <p:ph type="title"/>
+          </p:nvPr>
+        </p:nvSpPr>
+        <p:spPr>
+          <a:xfrm>
+            <a:off x="414068" y="418985"/>
+            <a:ext cx="11352363" cy="443199"/>
+          </a:xfrm>
+        </p:spPr>
+        <p:txBody>
+          <a:bodyPr/>
+          <a:lstStyle/>
+          <a:p>
+            <a:r>
+              <a:rPr lang="en-NL" dirty="0"/>
+              <a:t>Address the gap</a:t>
+            </a:r>
+          </a:p>
+        </p:txBody>
+      </p:sp>
+      <p:sp>
+        <p:nvSpPr>
+          <p:cNvPr id="3" name="Text Placeholder 2">
+            <a:extLst>
+              <a:ext uri="{FF2B5EF4-FFF2-40B4-BE49-F238E27FC236}">
+                <a16:creationId xmlns:a16="http://schemas.microsoft.com/office/drawing/2014/main" id="{5C0B47AC-9FFD-5E60-438C-4F12EAA41D86}"/>
+              </a:ext>
+            </a:extLst>
+          </p:cNvPr>
+          <p:cNvSpPr>
+            <a:spLocks noGrp="1"/>
+          </p:cNvSpPr>
+          <p:nvPr>
+            <p:ph type="body" idx="1"/>
+          </p:nvPr>
+        </p:nvSpPr>
+        <p:spPr>
+          <a:xfrm>
+            <a:off x="214372" y="1416269"/>
+            <a:ext cx="11352363" cy="4575411"/>
+          </a:xfrm>
+        </p:spPr>
+        <p:txBody>
+          <a:bodyPr/>
+          <a:lstStyle/>
+          <a:p>
+            <a:pPr marL="742950" lvl="1" indent="-285750">
+              <a:buFont typeface="Courier New" panose="02070309020205020404" pitchFamily="49" charset="0"/>
+              <a:buChar char="o"/>
+            </a:pPr>
+            <a:r>
+              <a:rPr lang="en-GB" sz="1800" kern="0" dirty="0">
+                <a:effectLst/>
+                <a:latin typeface="AppleSystemUIFont"/>
+                <a:ea typeface="Calibri" panose="020F0502020204030204" pitchFamily="34" charset="0"/>
+                <a:cs typeface="AppleSystemUIFont"/>
+              </a:rPr>
+              <a:t>If you find terms in your metadata that </a:t>
+            </a:r>
+            <a:r>
+              <a:rPr lang="en-US" sz="1800" kern="0" dirty="0">
+                <a:effectLst/>
+                <a:latin typeface="AppleSystemUIFont"/>
+                <a:ea typeface="Calibri" panose="020F0502020204030204" pitchFamily="34" charset="0"/>
+                <a:cs typeface="AppleSystemUIFont"/>
+              </a:rPr>
+              <a:t>can be mapped to DICOM, it is a good practice to reuse DICOM element</a:t>
+            </a:r>
+          </a:p>
+          <a:p>
+            <a:pPr marL="742950" lvl="1" indent="-285750">
+              <a:buFont typeface="Courier New" panose="02070309020205020404" pitchFamily="49" charset="0"/>
+              <a:buChar char="o"/>
+            </a:pPr>
+            <a:endParaRPr lang="en-NL" sz="2067" kern="100" dirty="0">
+              <a:effectLst/>
+              <a:latin typeface="Calibri" panose="020F0502020204030204" pitchFamily="34" charset="0"/>
+              <a:ea typeface="Calibri" panose="020F0502020204030204" pitchFamily="34" charset="0"/>
+              <a:cs typeface="Times New Roman" panose="02020603050405020304" pitchFamily="18" charset="0"/>
+            </a:endParaRPr>
+          </a:p>
+          <a:p>
+            <a:pPr marL="742950" lvl="1" indent="-285750">
+              <a:buFont typeface="Courier New" panose="02070309020205020404" pitchFamily="49" charset="0"/>
+              <a:buChar char="o"/>
+            </a:pPr>
+            <a:r>
+              <a:rPr lang="en-GB" sz="1800" kern="0" dirty="0">
+                <a:effectLst/>
+                <a:latin typeface="AppleSystemUIFont"/>
+                <a:ea typeface="Calibri" panose="020F0502020204030204" pitchFamily="34" charset="0"/>
+                <a:cs typeface="AppleSystemUIFont"/>
+              </a:rPr>
+              <a:t>You might consider extending the standard if applicable, if the requirement definitions ar</a:t>
+            </a:r>
+            <a:r>
+              <a:rPr lang="en-GB" sz="1800" kern="0" dirty="0">
+                <a:latin typeface="AppleSystemUIFont"/>
+                <a:ea typeface="Calibri" panose="020F0502020204030204" pitchFamily="34" charset="0"/>
+                <a:cs typeface="AppleSystemUIFont"/>
+              </a:rPr>
+              <a:t>e same</a:t>
+            </a:r>
+            <a:endParaRPr lang="en-NL" sz="1800" kern="100" dirty="0">
+              <a:effectLst/>
+              <a:latin typeface="Calibri" panose="020F0502020204030204" pitchFamily="34" charset="0"/>
+              <a:ea typeface="Calibri" panose="020F0502020204030204" pitchFamily="34" charset="0"/>
+              <a:cs typeface="Times New Roman" panose="02020603050405020304" pitchFamily="18" charset="0"/>
+            </a:endParaRPr>
+          </a:p>
+          <a:p>
+            <a:endParaRPr lang="en-NL" dirty="0"/>
+          </a:p>
+        </p:txBody>
+      </p:sp>
+    </p:spTree>
+    <p:extLst>
+      <p:ext uri="{BB962C8B-B14F-4D97-AF65-F5344CB8AC3E}">
+        <p14:creationId xmlns:p14="http://schemas.microsoft.com/office/powerpoint/2010/main" val="2975397528"/>
+      </p:ext>
+    </p:extLst>
+  </p:cSld>
+  <p:clrMapOvr>
+    <a:masterClrMapping/>
+  </p:clrMapOvr>
+</p:sld>
+</file>
+
+<file path=ppt/slides/slide21.xml><?xml version="1.0" encoding="utf-8"?>
+<p:sld xmlns:a="http://schemas.openxmlformats.org/drawingml/2006/main" xmlns:r="http://schemas.openxmlformats.org/officeDocument/2006/relationships" xmlns:p="http://schemas.openxmlformats.org/presentationml/2006/main">
+  <p:cSld>
+    <p:spTree>
+      <p:nvGrpSpPr>
+        <p:cNvPr id="1" name=""/>
+        <p:cNvGrpSpPr/>
+        <p:nvPr/>
+      </p:nvGrpSpPr>
+      <p:grpSpPr>
+        <a:xfrm>
+          <a:off x="0" y="0"/>
+          <a:ext cx="0" cy="0"/>
+          <a:chOff x="0" y="0"/>
+          <a:chExt cx="0" cy="0"/>
+        </a:xfrm>
+      </p:grpSpPr>
+      <p:sp>
+        <p:nvSpPr>
+          <p:cNvPr id="2" name="Title 1">
+            <a:extLst>
+              <a:ext uri="{FF2B5EF4-FFF2-40B4-BE49-F238E27FC236}">
+                <a16:creationId xmlns:a16="http://schemas.microsoft.com/office/drawing/2014/main" id="{3B71C312-CDD0-B719-10D7-EA4F5BA11DCA}"/>
+              </a:ext>
+            </a:extLst>
+          </p:cNvPr>
+          <p:cNvSpPr>
+            <a:spLocks noGrp="1"/>
+          </p:cNvSpPr>
+          <p:nvPr>
+            <p:ph type="title"/>
+          </p:nvPr>
+        </p:nvSpPr>
+        <p:spPr/>
+        <p:txBody>
+          <a:bodyPr/>
+          <a:lstStyle/>
+          <a:p>
+            <a:r>
+              <a:rPr lang="en-NL" dirty="0"/>
+              <a:t>Implement (Formal)</a:t>
+            </a:r>
+          </a:p>
+        </p:txBody>
+      </p:sp>
+      <p:sp>
+        <p:nvSpPr>
+          <p:cNvPr id="3" name="Text Placeholder 2">
+            <a:extLst>
+              <a:ext uri="{FF2B5EF4-FFF2-40B4-BE49-F238E27FC236}">
+                <a16:creationId xmlns:a16="http://schemas.microsoft.com/office/drawing/2014/main" id="{35678D38-6485-3136-62B7-CF487ABDFAAF}"/>
+              </a:ext>
+            </a:extLst>
+          </p:cNvPr>
+          <p:cNvSpPr>
+            <a:spLocks noGrp="1"/>
+          </p:cNvSpPr>
+          <p:nvPr>
+            <p:ph type="body" idx="1"/>
+          </p:nvPr>
+        </p:nvSpPr>
+        <p:spPr/>
+        <p:txBody>
+          <a:bodyPr/>
+          <a:lstStyle/>
+          <a:p>
+            <a:r>
+              <a:rPr lang="en-GB" dirty="0"/>
+              <a:t>The domain model in owl/</a:t>
+            </a:r>
+            <a:r>
+              <a:rPr lang="en-GB" dirty="0" err="1"/>
+              <a:t>rdf</a:t>
+            </a:r>
+            <a:endParaRPr lang="en-GB" dirty="0"/>
+          </a:p>
+          <a:p>
+            <a:r>
+              <a:rPr lang="en-GB" dirty="0"/>
+              <a:t>Vocabularies and taxonomies in SKOS</a:t>
+            </a:r>
+          </a:p>
+          <a:p>
+            <a:r>
+              <a:rPr lang="en-GB" dirty="0"/>
+              <a:t>The data validation rules and data constraints in SHACL</a:t>
+            </a:r>
+          </a:p>
+        </p:txBody>
+      </p:sp>
+    </p:spTree>
+    <p:extLst>
+      <p:ext uri="{BB962C8B-B14F-4D97-AF65-F5344CB8AC3E}">
+        <p14:creationId xmlns:p14="http://schemas.microsoft.com/office/powerpoint/2010/main" val="3052729773"/>
+      </p:ext>
+    </p:extLst>
+  </p:cSld>
+  <p:clrMapOvr>
+    <a:masterClrMapping/>
+  </p:clrMapOvr>
+</p:sld>
+</file>
+
+<file path=ppt/slides/slide22.xml><?xml version="1.0" encoding="utf-8"?>
+<p:sld xmlns:a="http://schemas.openxmlformats.org/drawingml/2006/main" xmlns:r="http://schemas.openxmlformats.org/officeDocument/2006/relationships" xmlns:p="http://schemas.openxmlformats.org/presentationml/2006/main" show="0">
+  <p:cSld>
+    <p:spTree>
+      <p:nvGrpSpPr>
+        <p:cNvPr id="1" name=""/>
+        <p:cNvGrpSpPr/>
+        <p:nvPr/>
+      </p:nvGrpSpPr>
+      <p:grpSpPr>
+        <a:xfrm>
+          <a:off x="0" y="0"/>
+          <a:ext cx="0" cy="0"/>
+          <a:chOff x="0" y="0"/>
+          <a:chExt cx="0" cy="0"/>
+        </a:xfrm>
+      </p:grpSpPr>
+      <p:sp>
+        <p:nvSpPr>
+          <p:cNvPr id="2" name="Title 1">
+            <a:extLst>
+              <a:ext uri="{FF2B5EF4-FFF2-40B4-BE49-F238E27FC236}">
+                <a16:creationId xmlns:a16="http://schemas.microsoft.com/office/drawing/2014/main" id="{3ED7B476-AFF7-BCC5-BB41-E08ACF094A3B}"/>
+              </a:ext>
+            </a:extLst>
+          </p:cNvPr>
+          <p:cNvSpPr>
+            <a:spLocks noGrp="1"/>
+          </p:cNvSpPr>
+          <p:nvPr>
+            <p:ph type="title"/>
+          </p:nvPr>
+        </p:nvSpPr>
+        <p:spPr/>
+        <p:txBody>
+          <a:bodyPr/>
+          <a:lstStyle/>
+          <a:p>
+            <a:r>
+              <a:rPr lang="en-GB" dirty="0"/>
+              <a:t>T</a:t>
+            </a:r>
+            <a:r>
+              <a:rPr lang="en-NL" dirty="0"/>
+              <a:t>he next step: Semantic modelling</a:t>
+            </a:r>
+          </a:p>
+        </p:txBody>
+      </p:sp>
+      <p:sp>
+        <p:nvSpPr>
+          <p:cNvPr id="3" name="Text Placeholder 2">
+            <a:extLst>
+              <a:ext uri="{FF2B5EF4-FFF2-40B4-BE49-F238E27FC236}">
+                <a16:creationId xmlns:a16="http://schemas.microsoft.com/office/drawing/2014/main" id="{672D87A6-801D-1AA1-0BD7-FC7F5BC8A314}"/>
+              </a:ext>
+            </a:extLst>
+          </p:cNvPr>
+          <p:cNvSpPr>
+            <a:spLocks noGrp="1"/>
+          </p:cNvSpPr>
+          <p:nvPr>
+            <p:ph type="body" idx="1"/>
+          </p:nvPr>
+        </p:nvSpPr>
+        <p:spPr/>
+        <p:txBody>
+          <a:bodyPr/>
+          <a:lstStyle/>
+          <a:p>
+            <a:pPr marL="101600" indent="0">
+              <a:buNone/>
+            </a:pPr>
+            <a:r>
+              <a:rPr lang="en-GB" dirty="0"/>
+              <a:t>Create:</a:t>
+            </a:r>
+          </a:p>
+          <a:p>
+            <a:pPr lvl="1"/>
+            <a:r>
+              <a:rPr lang="en-GB" dirty="0"/>
+              <a:t>Classes: is an abstraction mechanism for creating a collection of objects with similar characteristics. The Objects call instances of a class.  (e.g. Class(Dataset) and individual(dataset-100)  is an instance of it). Class can have hierarchical relationships (subclass) which allows for inheritance and subsumption.</a:t>
+            </a:r>
+          </a:p>
+          <a:p>
+            <a:pPr lvl="1"/>
+            <a:r>
+              <a:rPr lang="en-GB" dirty="0"/>
+              <a:t>Enumeration: Categorical data (controlled vocabularies)</a:t>
+            </a:r>
+          </a:p>
+          <a:p>
+            <a:pPr lvl="1"/>
+            <a:r>
+              <a:rPr lang="en-GB" dirty="0"/>
+              <a:t>Class axiom: subclass and hierarchies</a:t>
+            </a:r>
+            <a:endParaRPr lang="en-GB" sz="1200" dirty="0"/>
+          </a:p>
+          <a:p>
+            <a:pPr lvl="1"/>
+            <a:r>
+              <a:rPr lang="en-GB" dirty="0"/>
+              <a:t>Datatype Property: these are relationships between instances of classes. (e.g. dataset’s title is a datatype property that related all the instance of the class dataset to a string datatype). </a:t>
+            </a:r>
+          </a:p>
+          <a:p>
+            <a:pPr lvl="1"/>
+            <a:endParaRPr lang="en-GB" dirty="0"/>
+          </a:p>
+          <a:p>
+            <a:pPr lvl="1"/>
+            <a:r>
+              <a:rPr lang="en-GB" dirty="0"/>
+              <a:t>Object Property: These are relationships between instances of two classes. For example ”</a:t>
+            </a:r>
+            <a:r>
+              <a:rPr lang="en-GB" dirty="0" err="1"/>
+              <a:t>hasDistribution</a:t>
+            </a:r>
+            <a:r>
+              <a:rPr lang="en-GB" dirty="0"/>
+              <a:t>” is an object property that related all the instances of class dataset to instances of class distribution. </a:t>
+            </a:r>
+            <a:endParaRPr lang="en-NL" dirty="0"/>
+          </a:p>
+          <a:p>
+            <a:endParaRPr lang="en-NL" dirty="0"/>
+          </a:p>
+        </p:txBody>
+      </p:sp>
+    </p:spTree>
+    <p:extLst>
+      <p:ext uri="{BB962C8B-B14F-4D97-AF65-F5344CB8AC3E}">
+        <p14:creationId xmlns:p14="http://schemas.microsoft.com/office/powerpoint/2010/main" val="2051141413"/>
+      </p:ext>
+    </p:extLst>
+  </p:cSld>
+  <p:clrMapOvr>
+    <a:masterClrMapping/>
+  </p:clrMapOvr>
+</p:sld>
+</file>
+
+<file path=ppt/slides/slide23.xml><?xml version="1.0" encoding="utf-8"?>
+<p:sld xmlns:a="http://schemas.openxmlformats.org/drawingml/2006/main" xmlns:r="http://schemas.openxmlformats.org/officeDocument/2006/relationships" xmlns:p="http://schemas.openxmlformats.org/presentationml/2006/main" show="0">
   <p:cSld>
     <p:spTree>
       <p:nvGrpSpPr>
@@ -16381,403 +16767,6 @@
     <p:extLst>
       <p:ext uri="{BB962C8B-B14F-4D97-AF65-F5344CB8AC3E}">
         <p14:creationId xmlns:p14="http://schemas.microsoft.com/office/powerpoint/2010/main" val="553191039"/>
-      </p:ext>
-    </p:extLst>
-  </p:cSld>
-  <p:clrMapOvr>
-    <a:masterClrMapping/>
-  </p:clrMapOvr>
-</p:sld>
-</file>
-
-<file path=ppt/slides/slide21.xml><?xml version="1.0" encoding="utf-8"?>
-<p:sld xmlns:a="http://schemas.openxmlformats.org/drawingml/2006/main" xmlns:r="http://schemas.openxmlformats.org/officeDocument/2006/relationships" xmlns:p="http://schemas.openxmlformats.org/presentationml/2006/main">
-  <p:cSld>
-    <p:spTree>
-      <p:nvGrpSpPr>
-        <p:cNvPr id="1" name=""/>
-        <p:cNvGrpSpPr/>
-        <p:nvPr/>
-      </p:nvGrpSpPr>
-      <p:grpSpPr>
-        <a:xfrm>
-          <a:off x="0" y="0"/>
-          <a:ext cx="0" cy="0"/>
-          <a:chOff x="0" y="0"/>
-          <a:chExt cx="0" cy="0"/>
-        </a:xfrm>
-      </p:grpSpPr>
-      <p:sp>
-        <p:nvSpPr>
-          <p:cNvPr id="2" name="Title 1">
-            <a:extLst>
-              <a:ext uri="{FF2B5EF4-FFF2-40B4-BE49-F238E27FC236}">
-                <a16:creationId xmlns:a16="http://schemas.microsoft.com/office/drawing/2014/main" id="{79EE33A1-0805-809E-3EC0-CDC7A4435F6E}"/>
-              </a:ext>
-            </a:extLst>
-          </p:cNvPr>
-          <p:cNvSpPr>
-            <a:spLocks noGrp="1"/>
-          </p:cNvSpPr>
-          <p:nvPr>
-            <p:ph type="title"/>
-          </p:nvPr>
-        </p:nvSpPr>
-        <p:spPr/>
-        <p:txBody>
-          <a:bodyPr/>
-          <a:lstStyle/>
-          <a:p>
-            <a:r>
-              <a:rPr lang="en-NL" dirty="0"/>
-              <a:t>Reuse elements from DICOM </a:t>
-            </a:r>
-          </a:p>
-        </p:txBody>
-      </p:sp>
-      <p:sp>
-        <p:nvSpPr>
-          <p:cNvPr id="4" name="Text Placeholder 2">
-            <a:extLst>
-              <a:ext uri="{FF2B5EF4-FFF2-40B4-BE49-F238E27FC236}">
-                <a16:creationId xmlns:a16="http://schemas.microsoft.com/office/drawing/2014/main" id="{E32D75DF-9DE3-2FD3-1A72-2DBFC5299A73}"/>
-              </a:ext>
-            </a:extLst>
-          </p:cNvPr>
-          <p:cNvSpPr>
-            <a:spLocks noGrp="1"/>
-          </p:cNvSpPr>
-          <p:nvPr>
-            <p:ph type="body" idx="1"/>
-          </p:nvPr>
-        </p:nvSpPr>
-        <p:spPr/>
-        <p:txBody>
-          <a:bodyPr/>
-          <a:lstStyle/>
-          <a:p>
-            <a:r>
-              <a:rPr lang="en-US" dirty="0"/>
-              <a:t>Align your model with the </a:t>
-            </a:r>
-            <a:r>
-              <a:rPr lang="en-NL" dirty="0"/>
-              <a:t>exsiting standards in your domain</a:t>
-            </a:r>
-          </a:p>
-          <a:p>
-            <a:endParaRPr lang="en-NL" dirty="0"/>
-          </a:p>
-          <a:p>
-            <a:r>
-              <a:rPr lang="en-GB" dirty="0"/>
-              <a:t>DICOM® is the international standard to transmit, store, retrieve, print, process, and display medical imaging information” - From https://</a:t>
-            </a:r>
-            <a:r>
-              <a:rPr lang="en-GB" dirty="0" err="1"/>
-              <a:t>www.dicomstandard.org</a:t>
-            </a:r>
-            <a:r>
-              <a:rPr lang="en-GB" dirty="0"/>
-              <a:t>/, (</a:t>
-            </a:r>
-            <a:r>
-              <a:rPr lang="en-GB" dirty="0" err="1"/>
-              <a:t>Mildenberger</a:t>
-            </a:r>
-            <a:r>
-              <a:rPr lang="en-GB" dirty="0"/>
-              <a:t> et al, 2002)</a:t>
-            </a:r>
-          </a:p>
-          <a:p>
-            <a:pPr marL="1073150" lvl="2" indent="0">
-              <a:buNone/>
-            </a:pPr>
-            <a:endParaRPr lang="en-GB" dirty="0"/>
-          </a:p>
-          <a:p>
-            <a:endParaRPr lang="en-GB" dirty="0"/>
-          </a:p>
-          <a:p>
-            <a:endParaRPr lang="en-GB" dirty="0"/>
-          </a:p>
-          <a:p>
-            <a:endParaRPr lang="en-GB" dirty="0"/>
-          </a:p>
-          <a:p>
-            <a:pPr marL="615950" lvl="1" indent="0">
-              <a:buNone/>
-            </a:pPr>
-            <a:endParaRPr lang="en-GB" dirty="0"/>
-          </a:p>
-        </p:txBody>
-      </p:sp>
-    </p:spTree>
-    <p:extLst>
-      <p:ext uri="{BB962C8B-B14F-4D97-AF65-F5344CB8AC3E}">
-        <p14:creationId xmlns:p14="http://schemas.microsoft.com/office/powerpoint/2010/main" val="3571080125"/>
-      </p:ext>
-    </p:extLst>
-  </p:cSld>
-  <p:clrMapOvr>
-    <a:masterClrMapping/>
-  </p:clrMapOvr>
-</p:sld>
-</file>
-
-<file path=ppt/slides/slide22.xml><?xml version="1.0" encoding="utf-8"?>
-<p:sld xmlns:a="http://schemas.openxmlformats.org/drawingml/2006/main" xmlns:r="http://schemas.openxmlformats.org/officeDocument/2006/relationships" xmlns:p="http://schemas.openxmlformats.org/presentationml/2006/main">
-  <p:cSld>
-    <p:spTree>
-      <p:nvGrpSpPr>
-        <p:cNvPr id="1" name=""/>
-        <p:cNvGrpSpPr/>
-        <p:nvPr/>
-      </p:nvGrpSpPr>
-      <p:grpSpPr>
-        <a:xfrm>
-          <a:off x="0" y="0"/>
-          <a:ext cx="0" cy="0"/>
-          <a:chOff x="0" y="0"/>
-          <a:chExt cx="0" cy="0"/>
-        </a:xfrm>
-      </p:grpSpPr>
-      <p:sp>
-        <p:nvSpPr>
-          <p:cNvPr id="2" name="Title 1">
-            <a:extLst>
-              <a:ext uri="{FF2B5EF4-FFF2-40B4-BE49-F238E27FC236}">
-                <a16:creationId xmlns:a16="http://schemas.microsoft.com/office/drawing/2014/main" id="{359D7DBA-E347-8020-5364-595C54E9A47B}"/>
-              </a:ext>
-            </a:extLst>
-          </p:cNvPr>
-          <p:cNvSpPr>
-            <a:spLocks noGrp="1"/>
-          </p:cNvSpPr>
-          <p:nvPr>
-            <p:ph type="title"/>
-          </p:nvPr>
-        </p:nvSpPr>
-        <p:spPr>
-          <a:xfrm>
-            <a:off x="414068" y="418985"/>
-            <a:ext cx="11352363" cy="443199"/>
-          </a:xfrm>
-        </p:spPr>
-        <p:txBody>
-          <a:bodyPr/>
-          <a:lstStyle/>
-          <a:p>
-            <a:r>
-              <a:rPr lang="en-NL" dirty="0"/>
-              <a:t>Address the gap</a:t>
-            </a:r>
-          </a:p>
-        </p:txBody>
-      </p:sp>
-      <p:sp>
-        <p:nvSpPr>
-          <p:cNvPr id="3" name="Text Placeholder 2">
-            <a:extLst>
-              <a:ext uri="{FF2B5EF4-FFF2-40B4-BE49-F238E27FC236}">
-                <a16:creationId xmlns:a16="http://schemas.microsoft.com/office/drawing/2014/main" id="{5C0B47AC-9FFD-5E60-438C-4F12EAA41D86}"/>
-              </a:ext>
-            </a:extLst>
-          </p:cNvPr>
-          <p:cNvSpPr>
-            <a:spLocks noGrp="1"/>
-          </p:cNvSpPr>
-          <p:nvPr>
-            <p:ph type="body" idx="1"/>
-          </p:nvPr>
-        </p:nvSpPr>
-        <p:spPr>
-          <a:xfrm>
-            <a:off x="214372" y="1416269"/>
-            <a:ext cx="11352363" cy="4575411"/>
-          </a:xfrm>
-        </p:spPr>
-        <p:txBody>
-          <a:bodyPr/>
-          <a:lstStyle/>
-          <a:p>
-            <a:pPr marL="742950" lvl="1" indent="-285750">
-              <a:buFont typeface="Courier New" panose="02070309020205020404" pitchFamily="49" charset="0"/>
-              <a:buChar char="o"/>
-            </a:pPr>
-            <a:r>
-              <a:rPr lang="en-GB" sz="1800" kern="0" dirty="0">
-                <a:effectLst/>
-                <a:latin typeface="AppleSystemUIFont"/>
-                <a:ea typeface="Calibri" panose="020F0502020204030204" pitchFamily="34" charset="0"/>
-                <a:cs typeface="AppleSystemUIFont"/>
-              </a:rPr>
-              <a:t>If you find terms in your metadata that </a:t>
-            </a:r>
-            <a:r>
-              <a:rPr lang="en-US" sz="1800" kern="0" dirty="0">
-                <a:effectLst/>
-                <a:latin typeface="AppleSystemUIFont"/>
-                <a:ea typeface="Calibri" panose="020F0502020204030204" pitchFamily="34" charset="0"/>
-                <a:cs typeface="AppleSystemUIFont"/>
-              </a:rPr>
-              <a:t>can be mapped to DICOM, it is a good practice to reuse DICOM element</a:t>
-            </a:r>
-          </a:p>
-          <a:p>
-            <a:pPr marL="742950" lvl="1" indent="-285750">
-              <a:buFont typeface="Courier New" panose="02070309020205020404" pitchFamily="49" charset="0"/>
-              <a:buChar char="o"/>
-            </a:pPr>
-            <a:endParaRPr lang="en-NL" sz="2067" kern="100" dirty="0">
-              <a:effectLst/>
-              <a:latin typeface="Calibri" panose="020F0502020204030204" pitchFamily="34" charset="0"/>
-              <a:ea typeface="Calibri" panose="020F0502020204030204" pitchFamily="34" charset="0"/>
-              <a:cs typeface="Times New Roman" panose="02020603050405020304" pitchFamily="18" charset="0"/>
-            </a:endParaRPr>
-          </a:p>
-          <a:p>
-            <a:pPr marL="742950" lvl="1" indent="-285750">
-              <a:buFont typeface="Courier New" panose="02070309020205020404" pitchFamily="49" charset="0"/>
-              <a:buChar char="o"/>
-            </a:pPr>
-            <a:r>
-              <a:rPr lang="en-GB" sz="1800" kern="0" dirty="0">
-                <a:effectLst/>
-                <a:latin typeface="AppleSystemUIFont"/>
-                <a:ea typeface="Calibri" panose="020F0502020204030204" pitchFamily="34" charset="0"/>
-                <a:cs typeface="AppleSystemUIFont"/>
-              </a:rPr>
-              <a:t>You might consider extending the standard if applicable, if the requirement definitions ar</a:t>
-            </a:r>
-            <a:r>
-              <a:rPr lang="en-GB" sz="1800" kern="0" dirty="0">
-                <a:latin typeface="AppleSystemUIFont"/>
-                <a:ea typeface="Calibri" panose="020F0502020204030204" pitchFamily="34" charset="0"/>
-                <a:cs typeface="AppleSystemUIFont"/>
-              </a:rPr>
-              <a:t>e same</a:t>
-            </a:r>
-            <a:endParaRPr lang="en-NL" sz="1800" kern="100" dirty="0">
-              <a:effectLst/>
-              <a:latin typeface="Calibri" panose="020F0502020204030204" pitchFamily="34" charset="0"/>
-              <a:ea typeface="Calibri" panose="020F0502020204030204" pitchFamily="34" charset="0"/>
-              <a:cs typeface="Times New Roman" panose="02020603050405020304" pitchFamily="18" charset="0"/>
-            </a:endParaRPr>
-          </a:p>
-          <a:p>
-            <a:endParaRPr lang="en-NL" dirty="0"/>
-          </a:p>
-        </p:txBody>
-      </p:sp>
-    </p:spTree>
-    <p:extLst>
-      <p:ext uri="{BB962C8B-B14F-4D97-AF65-F5344CB8AC3E}">
-        <p14:creationId xmlns:p14="http://schemas.microsoft.com/office/powerpoint/2010/main" val="2975397528"/>
-      </p:ext>
-    </p:extLst>
-  </p:cSld>
-  <p:clrMapOvr>
-    <a:masterClrMapping/>
-  </p:clrMapOvr>
-</p:sld>
-</file>
-
-<file path=ppt/slides/slide23.xml><?xml version="1.0" encoding="utf-8"?>
-<p:sld xmlns:a="http://schemas.openxmlformats.org/drawingml/2006/main" xmlns:r="http://schemas.openxmlformats.org/officeDocument/2006/relationships" xmlns:p="http://schemas.openxmlformats.org/presentationml/2006/main">
-  <p:cSld>
-    <p:spTree>
-      <p:nvGrpSpPr>
-        <p:cNvPr id="1" name=""/>
-        <p:cNvGrpSpPr/>
-        <p:nvPr/>
-      </p:nvGrpSpPr>
-      <p:grpSpPr>
-        <a:xfrm>
-          <a:off x="0" y="0"/>
-          <a:ext cx="0" cy="0"/>
-          <a:chOff x="0" y="0"/>
-          <a:chExt cx="0" cy="0"/>
-        </a:xfrm>
-      </p:grpSpPr>
-      <p:sp>
-        <p:nvSpPr>
-          <p:cNvPr id="2" name="Title 1">
-            <a:extLst>
-              <a:ext uri="{FF2B5EF4-FFF2-40B4-BE49-F238E27FC236}">
-                <a16:creationId xmlns:a16="http://schemas.microsoft.com/office/drawing/2014/main" id="{3B71C312-CDD0-B719-10D7-EA4F5BA11DCA}"/>
-              </a:ext>
-            </a:extLst>
-          </p:cNvPr>
-          <p:cNvSpPr>
-            <a:spLocks noGrp="1"/>
-          </p:cNvSpPr>
-          <p:nvPr>
-            <p:ph type="title"/>
-          </p:nvPr>
-        </p:nvSpPr>
-        <p:spPr/>
-        <p:txBody>
-          <a:bodyPr/>
-          <a:lstStyle/>
-          <a:p>
-            <a:r>
-              <a:rPr lang="en-NL" dirty="0"/>
-              <a:t>Implement (Formal)</a:t>
-            </a:r>
-          </a:p>
-        </p:txBody>
-      </p:sp>
-      <p:sp>
-        <p:nvSpPr>
-          <p:cNvPr id="3" name="Text Placeholder 2">
-            <a:extLst>
-              <a:ext uri="{FF2B5EF4-FFF2-40B4-BE49-F238E27FC236}">
-                <a16:creationId xmlns:a16="http://schemas.microsoft.com/office/drawing/2014/main" id="{35678D38-6485-3136-62B7-CF487ABDFAAF}"/>
-              </a:ext>
-            </a:extLst>
-          </p:cNvPr>
-          <p:cNvSpPr>
-            <a:spLocks noGrp="1"/>
-          </p:cNvSpPr>
-          <p:nvPr>
-            <p:ph type="body" idx="1"/>
-          </p:nvPr>
-        </p:nvSpPr>
-        <p:spPr/>
-        <p:txBody>
-          <a:bodyPr/>
-          <a:lstStyle/>
-          <a:p>
-            <a:r>
-              <a:rPr lang="en-GB" dirty="0"/>
-              <a:t>The domain model in owl/</a:t>
-            </a:r>
-            <a:r>
-              <a:rPr lang="en-GB" dirty="0" err="1"/>
-              <a:t>rdf</a:t>
-            </a:r>
-            <a:endParaRPr lang="en-GB" dirty="0"/>
-          </a:p>
-          <a:p>
-            <a:r>
-              <a:rPr lang="en-GB" dirty="0"/>
-              <a:t>Vocabularies and taxonomies in SKOS</a:t>
-            </a:r>
-          </a:p>
-          <a:p>
-            <a:r>
-              <a:rPr lang="en-GB" dirty="0"/>
-              <a:t>The data validation rules and data constraints in SHACL</a:t>
-            </a:r>
-          </a:p>
-        </p:txBody>
-      </p:sp>
-    </p:spTree>
-    <p:extLst>
-      <p:ext uri="{BB962C8B-B14F-4D97-AF65-F5344CB8AC3E}">
-        <p14:creationId xmlns:p14="http://schemas.microsoft.com/office/powerpoint/2010/main" val="3052729773"/>
       </p:ext>
     </p:extLst>
   </p:cSld>

--- a/Presentations/31082023HRI_Metadata_Schema_ImagingGroup_KickOff.pptx
+++ b/Presentations/31082023HRI_Metadata_Schema_ImagingGroup_KickOff.pptx
@@ -22,8 +22,8 @@
     <p:sldId id="330" r:id="rId13"/>
     <p:sldId id="331" r:id="rId14"/>
     <p:sldId id="339" r:id="rId15"/>
-    <p:sldId id="332" r:id="rId16"/>
-    <p:sldId id="326" r:id="rId17"/>
+    <p:sldId id="326" r:id="rId16"/>
+    <p:sldId id="332" r:id="rId17"/>
     <p:sldId id="333" r:id="rId18"/>
     <p:sldId id="340" r:id="rId19"/>
     <p:sldId id="341" r:id="rId20"/>
@@ -5664,7 +5664,7 @@
         </p:spPr>
         <p:txBody>
           <a:bodyPr spcFirstLastPara="1" vert="horz" wrap="square" lIns="121900" tIns="121900" rIns="121900" bIns="121900" rtlCol="0" anchor="t" anchorCtr="0">
-            <a:normAutofit fontScale="77500" lnSpcReduction="20000"/>
+            <a:normAutofit fontScale="92500"/>
           </a:bodyPr>
           <a:lstStyle>
             <a:lvl1pPr marL="457200" marR="0" lvl="0" indent="-355600" algn="l" defTabSz="914400" rtl="0" eaLnBrk="1" latinLnBrk="0" hangingPunct="1">
@@ -5903,10 +5903,11 @@
             </a:lvl9pPr>
           </a:lstStyle>
           <a:p>
-            <a:pPr>
-              <a:spcBef>
-                <a:spcPts val="0"/>
-              </a:spcBef>
+            <a:pPr marL="101600" indent="0">
+              <a:spcBef>
+                <a:spcPts val="0"/>
+              </a:spcBef>
+              <a:buNone/>
             </a:pPr>
             <a:r>
               <a:rPr lang="en-GB" b="1" dirty="0"/>
@@ -5914,18 +5915,11 @@
             </a:r>
           </a:p>
           <a:p>
-            <a:pPr>
-              <a:spcBef>
-                <a:spcPts val="0"/>
-              </a:spcBef>
-            </a:pPr>
-            <a:endParaRPr lang="en-GB" dirty="0"/>
-          </a:p>
-          <a:p>
-            <a:pPr>
-              <a:spcBef>
-                <a:spcPts val="0"/>
-              </a:spcBef>
+            <a:pPr marL="101600" indent="0">
+              <a:spcBef>
+                <a:spcPts val="0"/>
+              </a:spcBef>
+              <a:buNone/>
             </a:pPr>
             <a:r>
               <a:rPr lang="en-GB" dirty="0"/>
@@ -5949,14 +5943,12 @@
             <a:endParaRPr lang="en-GB" dirty="0"/>
           </a:p>
           <a:p>
-            <a:pPr>
-              <a:spcBef>
-                <a:spcPts val="0"/>
-              </a:spcBef>
+            <a:pPr marL="101600" indent="0">
+              <a:spcBef>
+                <a:spcPts val="0"/>
+              </a:spcBef>
+              <a:buNone/>
             </a:pPr>
-            <a:br>
-              <a:rPr lang="en-GB" dirty="0"/>
-            </a:br>
             <a:r>
               <a:rPr lang="en-GB" dirty="0"/>
               <a:t>                                          </a:t>
@@ -5966,7 +5958,7 @@
             </a:br>
             <a:r>
               <a:rPr lang="en-GB" dirty="0"/>
-              <a:t>Imaging Group Kick-off                                                                                        Health-RI, 31 August 2023    </a:t>
+              <a:t>Imaging Group Kick-off                                                                                     31August 2023    </a:t>
             </a:r>
           </a:p>
         </p:txBody>
@@ -6538,7 +6530,7 @@
             </a:pPr>
             <a:r>
               <a:rPr lang="en-US" sz="2000" dirty="0"/>
-              <a:t>Expressing constraints and usages on DCAT properties and classes, and </a:t>
+              <a:t>Expressing constraints and usages notes on DCAT properties and classes, and </a:t>
             </a:r>
           </a:p>
           <a:p>
@@ -6554,17 +6546,6 @@
               <a:rPr lang="en-US" sz="2000" dirty="0"/>
               <a:t>Including additional properties and usages of controlled vocabularies</a:t>
             </a:r>
-          </a:p>
-          <a:p>
-            <a:pPr marL="742950" lvl="1" indent="-285750">
-              <a:lnSpc>
-                <a:spcPct val="95000"/>
-              </a:lnSpc>
-              <a:buSzPts val="852"/>
-              <a:buFontTx/>
-              <a:buChar char="-"/>
-            </a:pPr>
-            <a:endParaRPr lang="en-US" sz="2000" dirty="0"/>
           </a:p>
           <a:p>
             <a:pPr marL="742950" lvl="1" indent="-285750">
@@ -6650,8 +6631,127 @@
                 <a:ea typeface="Lato"/>
                 <a:cs typeface="Lato"/>
               </a:rPr>
-              <a:t>Link to the specification -- https://www.w3.org/TR/vocab-dcat-2/</a:t>
+              <a:t>Link to the specification -- </a:t>
             </a:r>
+            <a:r>
+              <a:rPr lang="en-US" sz="2000" dirty="0">
+                <a:solidFill>
+                  <a:srgbClr val="000000"/>
+                </a:solidFill>
+                <a:latin typeface="Lato"/>
+                <a:ea typeface="Lato"/>
+                <a:cs typeface="Lato"/>
+                <a:hlinkClick r:id="rId2"/>
+              </a:rPr>
+              <a:t>https://www.w3.org/TR/vocab-dcat-2/</a:t>
+            </a:r>
+            <a:endParaRPr lang="en-US" sz="2000" dirty="0">
+              <a:solidFill>
+                <a:srgbClr val="000000"/>
+              </a:solidFill>
+              <a:latin typeface="Lato"/>
+              <a:ea typeface="Lato"/>
+              <a:cs typeface="Lato"/>
+            </a:endParaRPr>
+          </a:p>
+          <a:p>
+            <a:pPr marL="342900" indent="-342900">
+              <a:lnSpc>
+                <a:spcPct val="95000"/>
+              </a:lnSpc>
+              <a:buSzPts val="852"/>
+              <a:buFont typeface="Wingdings" pitchFamily="2" charset="2"/>
+              <a:buChar char="§"/>
+            </a:pPr>
+            <a:r>
+              <a:rPr lang="en-US" sz="2000" dirty="0">
+                <a:solidFill>
+                  <a:srgbClr val="000000"/>
+                </a:solidFill>
+                <a:latin typeface="Lato"/>
+                <a:ea typeface="Lato"/>
+                <a:cs typeface="Lato"/>
+              </a:rPr>
+              <a:t>You can also find it on health-</a:t>
+            </a:r>
+            <a:r>
+              <a:rPr lang="en-US" sz="2000" dirty="0" err="1">
+                <a:solidFill>
+                  <a:srgbClr val="000000"/>
+                </a:solidFill>
+                <a:latin typeface="Lato"/>
+                <a:ea typeface="Lato"/>
+                <a:cs typeface="Lato"/>
+              </a:rPr>
+              <a:t>ri</a:t>
+            </a:r>
+            <a:r>
+              <a:rPr lang="en-US" sz="2000" dirty="0">
+                <a:solidFill>
+                  <a:srgbClr val="000000"/>
+                </a:solidFill>
+                <a:latin typeface="Lato"/>
+                <a:ea typeface="Lato"/>
+                <a:cs typeface="Lato"/>
+              </a:rPr>
+              <a:t> git </a:t>
+            </a:r>
+            <a:r>
+              <a:rPr lang="en-US" sz="2000" dirty="0">
+                <a:solidFill>
+                  <a:srgbClr val="000000"/>
+                </a:solidFill>
+                <a:latin typeface="Lato"/>
+                <a:ea typeface="Lato"/>
+                <a:cs typeface="Lato"/>
+                <a:hlinkClick r:id="rId3"/>
+              </a:rPr>
+              <a:t>https://github.com/Health-RI/health-ri-metadata/tree/master/DCAT-AP</a:t>
+            </a:r>
+            <a:endParaRPr lang="en-US" sz="2000" dirty="0">
+              <a:solidFill>
+                <a:srgbClr val="000000"/>
+              </a:solidFill>
+              <a:latin typeface="Lato"/>
+              <a:ea typeface="Lato"/>
+              <a:cs typeface="Lato"/>
+            </a:endParaRPr>
+          </a:p>
+          <a:p>
+            <a:pPr marL="342900" indent="-342900">
+              <a:lnSpc>
+                <a:spcPct val="95000"/>
+              </a:lnSpc>
+              <a:buSzPts val="852"/>
+              <a:buFont typeface="Wingdings" pitchFamily="2" charset="2"/>
+              <a:buChar char="§"/>
+            </a:pPr>
+            <a:endParaRPr lang="en-US" sz="2000" dirty="0">
+              <a:solidFill>
+                <a:srgbClr val="000000"/>
+              </a:solidFill>
+              <a:latin typeface="Lato"/>
+              <a:ea typeface="Lato"/>
+              <a:cs typeface="Lato"/>
+            </a:endParaRPr>
+          </a:p>
+          <a:p>
+            <a:pPr marL="342900" indent="-342900">
+              <a:lnSpc>
+                <a:spcPct val="95000"/>
+              </a:lnSpc>
+              <a:buSzPts val="852"/>
+              <a:buFont typeface="Wingdings" pitchFamily="2" charset="2"/>
+              <a:buChar char="§"/>
+            </a:pPr>
+            <a:endParaRPr lang="en-US" sz="2000" dirty="0">
+              <a:solidFill>
+                <a:srgbClr val="000000"/>
+              </a:solidFill>
+              <a:latin typeface="Lato"/>
+              <a:ea typeface="Lato"/>
+              <a:cs typeface="Lato"/>
+            </a:endParaRPr>
           </a:p>
           <a:p>
             <a:endParaRPr lang="en-NL" sz="1600" dirty="0"/>
@@ -7132,8 +7232,8 @@
         </p:blipFill>
         <p:spPr>
           <a:xfrm>
-            <a:off x="1497459" y="862184"/>
-            <a:ext cx="8573133" cy="5163900"/>
+            <a:off x="1192659" y="862184"/>
+            <a:ext cx="9195941" cy="5539039"/>
           </a:xfrm>
           <a:prstGeom prst="rect">
             <a:avLst/>
@@ -7193,7 +7293,7 @@
           <a:p>
             <a:r>
               <a:rPr lang="en-NL" dirty="0"/>
-              <a:t>Practical step for the CORE</a:t>
+              <a:t>Practical step for aligning with the CORE</a:t>
             </a:r>
           </a:p>
         </p:txBody>
@@ -7275,10 +7375,24 @@
                 <a:ea typeface="Lato" panose="020F0502020204030203" pitchFamily="34" charset="0"/>
                 <a:cs typeface="Lato" panose="020F0502020204030203" pitchFamily="34" charset="0"/>
               </a:rPr>
-              <a:t>Think of collecting instance data for populating the core model</a:t>
+              <a:t>Think of listing the resources and instance metadata that will be part of health-</a:t>
             </a:r>
-          </a:p>
-          <a:p>
+            <a:r>
+              <a:rPr lang="en-US" sz="2800" dirty="0" err="1">
+                <a:latin typeface="Lato" panose="020F0502020204030203" pitchFamily="34" charset="0"/>
+                <a:ea typeface="Lato" panose="020F0502020204030203" pitchFamily="34" charset="0"/>
+                <a:cs typeface="Lato" panose="020F0502020204030203" pitchFamily="34" charset="0"/>
+              </a:rPr>
+              <a:t>ri</a:t>
+            </a:r>
+            <a:r>
+              <a:rPr lang="en-US" sz="2800" dirty="0">
+                <a:latin typeface="Lato" panose="020F0502020204030203" pitchFamily="34" charset="0"/>
+                <a:ea typeface="Lato" panose="020F0502020204030203" pitchFamily="34" charset="0"/>
+                <a:cs typeface="Lato" panose="020F0502020204030203" pitchFamily="34" charset="0"/>
+              </a:rPr>
+              <a:t> portal</a:t>
+            </a:r>
             <a:endParaRPr lang="en-NL" dirty="0"/>
           </a:p>
         </p:txBody>
@@ -7297,285 +7411,6 @@
 </file>
 
 <file path=ppt/slides/slide15.xml><?xml version="1.0" encoding="utf-8"?>
-<p:sld xmlns:a="http://schemas.openxmlformats.org/drawingml/2006/main" xmlns:r="http://schemas.openxmlformats.org/officeDocument/2006/relationships" xmlns:p="http://schemas.openxmlformats.org/presentationml/2006/main">
-  <p:cSld>
-    <p:spTree>
-      <p:nvGrpSpPr>
-        <p:cNvPr id="1" name=""/>
-        <p:cNvGrpSpPr/>
-        <p:nvPr/>
-      </p:nvGrpSpPr>
-      <p:grpSpPr>
-        <a:xfrm>
-          <a:off x="0" y="0"/>
-          <a:ext cx="0" cy="0"/>
-          <a:chOff x="0" y="0"/>
-          <a:chExt cx="0" cy="0"/>
-        </a:xfrm>
-      </p:grpSpPr>
-      <p:sp>
-        <p:nvSpPr>
-          <p:cNvPr id="2" name="Title 1">
-            <a:extLst>
-              <a:ext uri="{FF2B5EF4-FFF2-40B4-BE49-F238E27FC236}">
-                <a16:creationId xmlns:a16="http://schemas.microsoft.com/office/drawing/2014/main" id="{72395C7D-5BF7-9571-AFE5-B0360E41E81E}"/>
-              </a:ext>
-            </a:extLst>
-          </p:cNvPr>
-          <p:cNvSpPr>
-            <a:spLocks noGrp="1"/>
-          </p:cNvSpPr>
-          <p:nvPr>
-            <p:ph type="title"/>
-          </p:nvPr>
-        </p:nvSpPr>
-        <p:spPr>
-          <a:xfrm>
-            <a:off x="419818" y="809129"/>
-            <a:ext cx="11352363" cy="443199"/>
-          </a:xfrm>
-        </p:spPr>
-        <p:txBody>
-          <a:bodyPr/>
-          <a:lstStyle/>
-          <a:p>
-            <a:r>
-              <a:rPr lang="en-GB" dirty="0">
-                <a:latin typeface="Lato" panose="020F0502020204030203" pitchFamily="34" charset="0"/>
-                <a:ea typeface="Lato" panose="020F0502020204030203" pitchFamily="34" charset="0"/>
-                <a:cs typeface="Lato" panose="020F0502020204030203" pitchFamily="34" charset="0"/>
-              </a:rPr>
-              <a:t>Defining</a:t>
-            </a:r>
-            <a:r>
-              <a:rPr lang="en-GB" dirty="0"/>
-              <a:t> Leaves – Specialized/domain Metadata </a:t>
-            </a:r>
-            <a:endParaRPr lang="en-NL" dirty="0"/>
-          </a:p>
-        </p:txBody>
-      </p:sp>
-      <p:sp>
-        <p:nvSpPr>
-          <p:cNvPr id="3" name="Text Placeholder 2">
-            <a:extLst>
-              <a:ext uri="{FF2B5EF4-FFF2-40B4-BE49-F238E27FC236}">
-                <a16:creationId xmlns:a16="http://schemas.microsoft.com/office/drawing/2014/main" id="{9E8B732C-AC67-2DC8-3B49-4CE082F6997E}"/>
-              </a:ext>
-            </a:extLst>
-          </p:cNvPr>
-          <p:cNvSpPr>
-            <a:spLocks noGrp="1"/>
-          </p:cNvSpPr>
-          <p:nvPr>
-            <p:ph type="body" idx="1"/>
-          </p:nvPr>
-        </p:nvSpPr>
-        <p:spPr>
-          <a:xfrm>
-            <a:off x="419817" y="1595228"/>
-            <a:ext cx="11352363" cy="4575411"/>
-          </a:xfrm>
-        </p:spPr>
-        <p:txBody>
-          <a:bodyPr/>
-          <a:lstStyle/>
-          <a:p>
-            <a:pPr marL="101600" indent="0">
-              <a:buNone/>
-            </a:pPr>
-            <a:r>
-              <a:rPr lang="en-GB" sz="2000" dirty="0">
-                <a:latin typeface="Lato"/>
-                <a:ea typeface="Lato"/>
-                <a:cs typeface="Lato"/>
-              </a:rPr>
-              <a:t>Domains (e.g. Imaging group, omics, biobanks &amp; collections) will specialize the generic/core schema into their needs and properties</a:t>
-            </a:r>
-            <a:endParaRPr lang="en-GB" dirty="0">
-              <a:latin typeface="Lato"/>
-              <a:ea typeface="Lato"/>
-              <a:cs typeface="Lato"/>
-            </a:endParaRPr>
-          </a:p>
-          <a:p>
-            <a:r>
-              <a:rPr lang="en-GB" sz="2000" dirty="0">
-                <a:latin typeface="Lato"/>
-                <a:ea typeface="Lato"/>
-                <a:cs typeface="Lato"/>
-              </a:rPr>
-              <a:t>Go to </a:t>
-            </a:r>
-            <a:r>
-              <a:rPr lang="en-GB" sz="2000" dirty="0">
-                <a:ea typeface="Lato"/>
-                <a:hlinkClick r:id="rId2"/>
-              </a:rPr>
-              <a:t>https://github.com/Health-RI/health-ri-metadata</a:t>
-            </a:r>
-          </a:p>
-          <a:p>
-            <a:pPr lvl="1"/>
-            <a:r>
-              <a:rPr lang="en-GB" sz="1400" dirty="0">
-                <a:latin typeface="Lato"/>
-                <a:ea typeface="Lato"/>
-                <a:cs typeface="Lato"/>
-              </a:rPr>
-              <a:t>Request Jeroen </a:t>
-            </a:r>
-            <a:r>
-              <a:rPr lang="en-GB" sz="1400" dirty="0" err="1">
-                <a:latin typeface="Lato"/>
-                <a:ea typeface="Lato"/>
-                <a:cs typeface="Lato"/>
-              </a:rPr>
-              <a:t>Beliën</a:t>
-            </a:r>
-            <a:r>
-              <a:rPr lang="en-GB" sz="1400" dirty="0">
-                <a:latin typeface="Lato"/>
-                <a:ea typeface="Lato"/>
-                <a:cs typeface="Lato"/>
-              </a:rPr>
-              <a:t> 🧙 to add you to the HRI Metadata repo </a:t>
-            </a:r>
-            <a:r>
-              <a:rPr lang="en-GB" sz="1400" u="sng" dirty="0">
-                <a:solidFill>
-                  <a:schemeClr val="hlink"/>
-                </a:solidFill>
-                <a:latin typeface="Lato"/>
-                <a:ea typeface="Lato"/>
-                <a:cs typeface="Lato"/>
-                <a:hlinkClick r:id="rId3">
-                  <a:extLst>
-                    <a:ext uri="{A12FA001-AC4F-418D-AE19-62706E023703}">
-                      <ahyp:hlinkClr xmlns:ahyp="http://schemas.microsoft.com/office/drawing/2018/hyperlinkcolor" val="tx"/>
-                    </a:ext>
-                  </a:extLst>
-                </a:hlinkClick>
-              </a:rPr>
-              <a:t>health-ri-metadata</a:t>
-            </a:r>
-            <a:r>
-              <a:rPr lang="en-GB" sz="1400" dirty="0">
-                <a:latin typeface="Lato"/>
-                <a:ea typeface="Lato"/>
-                <a:cs typeface="Lato"/>
-              </a:rPr>
-              <a:t>/</a:t>
-            </a:r>
-            <a:r>
-              <a:rPr lang="en-GB" sz="1400" u="sng" dirty="0">
-                <a:solidFill>
-                  <a:schemeClr val="hlink"/>
-                </a:solidFill>
-                <a:latin typeface="Lato"/>
-                <a:ea typeface="Lato"/>
-                <a:cs typeface="Lato"/>
-                <a:hlinkClick r:id="rId4">
-                  <a:extLst>
-                    <a:ext uri="{A12FA001-AC4F-418D-AE19-62706E023703}">
-                      <ahyp:hlinkClr xmlns:ahyp="http://schemas.microsoft.com/office/drawing/2018/hyperlinkcolor" val="tx"/>
-                    </a:ext>
-                  </a:extLst>
-                </a:hlinkClick>
-              </a:rPr>
-              <a:t>Leaves</a:t>
-            </a:r>
-            <a:r>
-              <a:rPr lang="en-GB" sz="1400" dirty="0">
-                <a:latin typeface="Lato"/>
-                <a:ea typeface="Lato"/>
-                <a:cs typeface="Lato"/>
-              </a:rPr>
-              <a:t>/</a:t>
-            </a:r>
-            <a:endParaRPr lang="en-GB" sz="1400" dirty="0"/>
-          </a:p>
-          <a:p>
-            <a:r>
-              <a:rPr lang="en-GB" sz="2000" dirty="0">
-                <a:latin typeface="Lato"/>
-                <a:ea typeface="Lato"/>
-                <a:cs typeface="Lato"/>
-              </a:rPr>
-              <a:t>Use the metadata requirement template sheet, in the Leave folder</a:t>
-            </a:r>
-          </a:p>
-          <a:p>
-            <a:r>
-              <a:rPr lang="en-GB" sz="2000" dirty="0">
-                <a:latin typeface="Lato"/>
-                <a:ea typeface="Lato"/>
-                <a:cs typeface="Lato"/>
-              </a:rPr>
-              <a:t>Document your domain specific requirements:  </a:t>
-            </a:r>
-          </a:p>
-          <a:p>
-            <a:pPr lvl="1"/>
-            <a:r>
-              <a:rPr lang="en-GB" sz="1466" dirty="0">
-                <a:latin typeface="Lato"/>
-                <a:ea typeface="Lato"/>
-                <a:cs typeface="Lato"/>
-              </a:rPr>
-              <a:t>term | definition | role in the ontology | rules and constraint| mapping to existing standards (DICOM)</a:t>
-            </a:r>
-            <a:endParaRPr lang="en-GB" sz="1466" dirty="0">
-              <a:latin typeface="Lato" panose="020F0502020204030203" pitchFamily="34" charset="0"/>
-              <a:ea typeface="Lato" panose="020F0502020204030203" pitchFamily="34" charset="0"/>
-              <a:cs typeface="Lato" panose="020F0502020204030203" pitchFamily="34" charset="0"/>
-            </a:endParaRPr>
-          </a:p>
-          <a:p>
-            <a:r>
-              <a:rPr lang="en-GB" sz="2000" dirty="0">
-                <a:latin typeface="Lato"/>
-                <a:ea typeface="Lato"/>
-                <a:cs typeface="Lato"/>
-              </a:rPr>
-              <a:t>Feedback / Result from Domain groups are expected to be shared via Git</a:t>
-            </a:r>
-            <a:endParaRPr lang="en-GB" sz="2000" dirty="0">
-              <a:latin typeface="Lato" panose="020F0502020204030203" pitchFamily="34" charset="0"/>
-              <a:ea typeface="Lato" panose="020F0502020204030203" pitchFamily="34" charset="0"/>
-              <a:cs typeface="Lato" panose="020F0502020204030203" pitchFamily="34" charset="0"/>
-            </a:endParaRPr>
-          </a:p>
-          <a:p>
-            <a:pPr lvl="1"/>
-            <a:r>
-              <a:rPr lang="en-GB" sz="2000" dirty="0">
-                <a:latin typeface="Lato"/>
-                <a:ea typeface="Lato"/>
-                <a:cs typeface="Lato"/>
-              </a:rPr>
-              <a:t>Make a new issue on git and assign to Dena and/or Bruna</a:t>
-            </a:r>
-          </a:p>
-          <a:p>
-            <a:endParaRPr lang="en-NL" sz="1600" dirty="0"/>
-          </a:p>
-        </p:txBody>
-      </p:sp>
-    </p:spTree>
-    <p:extLst>
-      <p:ext uri="{BB962C8B-B14F-4D97-AF65-F5344CB8AC3E}">
-        <p14:creationId xmlns:p14="http://schemas.microsoft.com/office/powerpoint/2010/main" val="2177682535"/>
-      </p:ext>
-    </p:extLst>
-  </p:cSld>
-  <p:clrMapOvr>
-    <a:masterClrMapping/>
-  </p:clrMapOvr>
-</p:sld>
-</file>
-
-<file path=ppt/slides/slide16.xml><?xml version="1.0" encoding="utf-8"?>
 <p:sld xmlns:a="http://schemas.openxmlformats.org/drawingml/2006/main" xmlns:r="http://schemas.openxmlformats.org/officeDocument/2006/relationships" xmlns:p="http://schemas.openxmlformats.org/presentationml/2006/main">
   <p:cSld>
     <p:spTree>
@@ -13733,8 +13568,8 @@
         </p:nvSpPr>
         <p:spPr>
           <a:xfrm>
-            <a:off x="404086" y="4667177"/>
-            <a:ext cx="4572955" cy="523220"/>
+            <a:off x="335418" y="4667176"/>
+            <a:ext cx="4641624" cy="523220"/>
           </a:xfrm>
           <a:prstGeom prst="rect">
             <a:avLst/>
@@ -14408,6 +14243,285 @@
     <p:extLst>
       <p:ext uri="{BB962C8B-B14F-4D97-AF65-F5344CB8AC3E}">
         <p14:creationId xmlns:p14="http://schemas.microsoft.com/office/powerpoint/2010/main" val="463139866"/>
+      </p:ext>
+    </p:extLst>
+  </p:cSld>
+  <p:clrMapOvr>
+    <a:masterClrMapping/>
+  </p:clrMapOvr>
+</p:sld>
+</file>
+
+<file path=ppt/slides/slide16.xml><?xml version="1.0" encoding="utf-8"?>
+<p:sld xmlns:a="http://schemas.openxmlformats.org/drawingml/2006/main" xmlns:r="http://schemas.openxmlformats.org/officeDocument/2006/relationships" xmlns:p="http://schemas.openxmlformats.org/presentationml/2006/main">
+  <p:cSld>
+    <p:spTree>
+      <p:nvGrpSpPr>
+        <p:cNvPr id="1" name=""/>
+        <p:cNvGrpSpPr/>
+        <p:nvPr/>
+      </p:nvGrpSpPr>
+      <p:grpSpPr>
+        <a:xfrm>
+          <a:off x="0" y="0"/>
+          <a:ext cx="0" cy="0"/>
+          <a:chOff x="0" y="0"/>
+          <a:chExt cx="0" cy="0"/>
+        </a:xfrm>
+      </p:grpSpPr>
+      <p:sp>
+        <p:nvSpPr>
+          <p:cNvPr id="2" name="Title 1">
+            <a:extLst>
+              <a:ext uri="{FF2B5EF4-FFF2-40B4-BE49-F238E27FC236}">
+                <a16:creationId xmlns:a16="http://schemas.microsoft.com/office/drawing/2014/main" id="{72395C7D-5BF7-9571-AFE5-B0360E41E81E}"/>
+              </a:ext>
+            </a:extLst>
+          </p:cNvPr>
+          <p:cNvSpPr>
+            <a:spLocks noGrp="1"/>
+          </p:cNvSpPr>
+          <p:nvPr>
+            <p:ph type="title"/>
+          </p:nvPr>
+        </p:nvSpPr>
+        <p:spPr>
+          <a:xfrm>
+            <a:off x="419818" y="809129"/>
+            <a:ext cx="11352363" cy="443199"/>
+          </a:xfrm>
+        </p:spPr>
+        <p:txBody>
+          <a:bodyPr/>
+          <a:lstStyle/>
+          <a:p>
+            <a:r>
+              <a:rPr lang="en-GB" dirty="0">
+                <a:latin typeface="Lato" panose="020F0502020204030203" pitchFamily="34" charset="0"/>
+                <a:ea typeface="Lato" panose="020F0502020204030203" pitchFamily="34" charset="0"/>
+                <a:cs typeface="Lato" panose="020F0502020204030203" pitchFamily="34" charset="0"/>
+              </a:rPr>
+              <a:t>Defining</a:t>
+            </a:r>
+            <a:r>
+              <a:rPr lang="en-GB" dirty="0"/>
+              <a:t> Leaves – Specialized/domain Metadata </a:t>
+            </a:r>
+            <a:endParaRPr lang="en-NL" dirty="0"/>
+          </a:p>
+        </p:txBody>
+      </p:sp>
+      <p:sp>
+        <p:nvSpPr>
+          <p:cNvPr id="3" name="Text Placeholder 2">
+            <a:extLst>
+              <a:ext uri="{FF2B5EF4-FFF2-40B4-BE49-F238E27FC236}">
+                <a16:creationId xmlns:a16="http://schemas.microsoft.com/office/drawing/2014/main" id="{9E8B732C-AC67-2DC8-3B49-4CE082F6997E}"/>
+              </a:ext>
+            </a:extLst>
+          </p:cNvPr>
+          <p:cNvSpPr>
+            <a:spLocks noGrp="1"/>
+          </p:cNvSpPr>
+          <p:nvPr>
+            <p:ph type="body" idx="1"/>
+          </p:nvPr>
+        </p:nvSpPr>
+        <p:spPr>
+          <a:xfrm>
+            <a:off x="419817" y="1595228"/>
+            <a:ext cx="11352363" cy="4575411"/>
+          </a:xfrm>
+        </p:spPr>
+        <p:txBody>
+          <a:bodyPr/>
+          <a:lstStyle/>
+          <a:p>
+            <a:pPr marL="101600" indent="0">
+              <a:buNone/>
+            </a:pPr>
+            <a:r>
+              <a:rPr lang="en-GB" sz="2000" dirty="0">
+                <a:latin typeface="Lato"/>
+                <a:ea typeface="Lato"/>
+                <a:cs typeface="Lato"/>
+              </a:rPr>
+              <a:t>Domains (e.g. Imaging group, omics, biobanks &amp; collections) will specialize the generic/core schema into their needs and properties</a:t>
+            </a:r>
+            <a:endParaRPr lang="en-GB" dirty="0">
+              <a:latin typeface="Lato"/>
+              <a:ea typeface="Lato"/>
+              <a:cs typeface="Lato"/>
+            </a:endParaRPr>
+          </a:p>
+          <a:p>
+            <a:r>
+              <a:rPr lang="en-GB" sz="2000" dirty="0">
+                <a:latin typeface="Lato"/>
+                <a:ea typeface="Lato"/>
+                <a:cs typeface="Lato"/>
+              </a:rPr>
+              <a:t>Go to </a:t>
+            </a:r>
+            <a:r>
+              <a:rPr lang="en-GB" sz="2000" dirty="0">
+                <a:ea typeface="Lato"/>
+                <a:hlinkClick r:id="rId2"/>
+              </a:rPr>
+              <a:t>https://github.com/Health-RI/health-ri-metadata</a:t>
+            </a:r>
+          </a:p>
+          <a:p>
+            <a:pPr lvl="1"/>
+            <a:r>
+              <a:rPr lang="en-GB" sz="1400" dirty="0">
+                <a:latin typeface="Lato"/>
+                <a:ea typeface="Lato"/>
+                <a:cs typeface="Lato"/>
+              </a:rPr>
+              <a:t>Request Jeroen </a:t>
+            </a:r>
+            <a:r>
+              <a:rPr lang="en-GB" sz="1400" dirty="0" err="1">
+                <a:latin typeface="Lato"/>
+                <a:ea typeface="Lato"/>
+                <a:cs typeface="Lato"/>
+              </a:rPr>
+              <a:t>Beliën</a:t>
+            </a:r>
+            <a:r>
+              <a:rPr lang="en-GB" sz="1400" dirty="0">
+                <a:latin typeface="Lato"/>
+                <a:ea typeface="Lato"/>
+                <a:cs typeface="Lato"/>
+              </a:rPr>
+              <a:t> 🧙 to add you to the HRI Metadata repo </a:t>
+            </a:r>
+            <a:r>
+              <a:rPr lang="en-GB" sz="1400" u="sng" dirty="0">
+                <a:solidFill>
+                  <a:schemeClr val="hlink"/>
+                </a:solidFill>
+                <a:latin typeface="Lato"/>
+                <a:ea typeface="Lato"/>
+                <a:cs typeface="Lato"/>
+                <a:hlinkClick r:id="rId3">
+                  <a:extLst>
+                    <a:ext uri="{A12FA001-AC4F-418D-AE19-62706E023703}">
+                      <ahyp:hlinkClr xmlns:ahyp="http://schemas.microsoft.com/office/drawing/2018/hyperlinkcolor" val="tx"/>
+                    </a:ext>
+                  </a:extLst>
+                </a:hlinkClick>
+              </a:rPr>
+              <a:t>health-ri-metadata</a:t>
+            </a:r>
+            <a:r>
+              <a:rPr lang="en-GB" sz="1400" dirty="0">
+                <a:latin typeface="Lato"/>
+                <a:ea typeface="Lato"/>
+                <a:cs typeface="Lato"/>
+              </a:rPr>
+              <a:t>/</a:t>
+            </a:r>
+            <a:r>
+              <a:rPr lang="en-GB" sz="1400" u="sng" dirty="0">
+                <a:solidFill>
+                  <a:schemeClr val="hlink"/>
+                </a:solidFill>
+                <a:latin typeface="Lato"/>
+                <a:ea typeface="Lato"/>
+                <a:cs typeface="Lato"/>
+                <a:hlinkClick r:id="rId4">
+                  <a:extLst>
+                    <a:ext uri="{A12FA001-AC4F-418D-AE19-62706E023703}">
+                      <ahyp:hlinkClr xmlns:ahyp="http://schemas.microsoft.com/office/drawing/2018/hyperlinkcolor" val="tx"/>
+                    </a:ext>
+                  </a:extLst>
+                </a:hlinkClick>
+              </a:rPr>
+              <a:t>Leaves</a:t>
+            </a:r>
+            <a:r>
+              <a:rPr lang="en-GB" sz="1400" dirty="0">
+                <a:latin typeface="Lato"/>
+                <a:ea typeface="Lato"/>
+                <a:cs typeface="Lato"/>
+              </a:rPr>
+              <a:t>/</a:t>
+            </a:r>
+            <a:endParaRPr lang="en-GB" sz="1400" dirty="0"/>
+          </a:p>
+          <a:p>
+            <a:r>
+              <a:rPr lang="en-GB" sz="2000" dirty="0">
+                <a:latin typeface="Lato"/>
+                <a:ea typeface="Lato"/>
+                <a:cs typeface="Lato"/>
+              </a:rPr>
+              <a:t>Use the metadata requirement template sheet, in the Leave folder</a:t>
+            </a:r>
+          </a:p>
+          <a:p>
+            <a:r>
+              <a:rPr lang="en-GB" sz="2000" dirty="0">
+                <a:latin typeface="Lato"/>
+                <a:ea typeface="Lato"/>
+                <a:cs typeface="Lato"/>
+              </a:rPr>
+              <a:t>Document your domain specific requirements:  </a:t>
+            </a:r>
+          </a:p>
+          <a:p>
+            <a:pPr lvl="1"/>
+            <a:r>
+              <a:rPr lang="en-GB" sz="1466" dirty="0">
+                <a:latin typeface="Lato"/>
+                <a:ea typeface="Lato"/>
+                <a:cs typeface="Lato"/>
+              </a:rPr>
+              <a:t>term | definition | role in the ontology | rules and constraint| mapping to existing standards (DICOM)</a:t>
+            </a:r>
+            <a:endParaRPr lang="en-GB" sz="1466" dirty="0">
+              <a:latin typeface="Lato" panose="020F0502020204030203" pitchFamily="34" charset="0"/>
+              <a:ea typeface="Lato" panose="020F0502020204030203" pitchFamily="34" charset="0"/>
+              <a:cs typeface="Lato" panose="020F0502020204030203" pitchFamily="34" charset="0"/>
+            </a:endParaRPr>
+          </a:p>
+          <a:p>
+            <a:r>
+              <a:rPr lang="en-GB" sz="2000" dirty="0">
+                <a:latin typeface="Lato"/>
+                <a:ea typeface="Lato"/>
+                <a:cs typeface="Lato"/>
+              </a:rPr>
+              <a:t>Feedback / Result from Domain groups are expected to be shared via Git</a:t>
+            </a:r>
+            <a:endParaRPr lang="en-GB" sz="2000" dirty="0">
+              <a:latin typeface="Lato" panose="020F0502020204030203" pitchFamily="34" charset="0"/>
+              <a:ea typeface="Lato" panose="020F0502020204030203" pitchFamily="34" charset="0"/>
+              <a:cs typeface="Lato" panose="020F0502020204030203" pitchFamily="34" charset="0"/>
+            </a:endParaRPr>
+          </a:p>
+          <a:p>
+            <a:pPr lvl="1"/>
+            <a:r>
+              <a:rPr lang="en-GB" sz="2000" dirty="0">
+                <a:latin typeface="Lato"/>
+                <a:ea typeface="Lato"/>
+                <a:cs typeface="Lato"/>
+              </a:rPr>
+              <a:t>Make a new issue on git and assign to Dena and/or Bruna</a:t>
+            </a:r>
+          </a:p>
+          <a:p>
+            <a:endParaRPr lang="en-NL" sz="1600" dirty="0"/>
+          </a:p>
+        </p:txBody>
+      </p:sp>
+    </p:spTree>
+    <p:extLst>
+      <p:ext uri="{BB962C8B-B14F-4D97-AF65-F5344CB8AC3E}">
+        <p14:creationId xmlns:p14="http://schemas.microsoft.com/office/powerpoint/2010/main" val="2177682535"/>
       </p:ext>
     </p:extLst>
   </p:cSld>

--- a/Presentations/31082023HRI_Metadata_Schema_ImagingGroup_KickOff.pptx
+++ b/Presentations/31082023HRI_Metadata_Schema_ImagingGroup_KickOff.pptx
@@ -5,7 +5,7 @@
     <p:sldMasterId id="2147483648" r:id="rId1"/>
   </p:sldMasterIdLst>
   <p:notesMasterIdLst>
-    <p:notesMasterId r:id="rId28"/>
+    <p:notesMasterId r:id="rId30"/>
   </p:notesMasterIdLst>
   <p:sldIdLst>
     <p:sldId id="309" r:id="rId2"/>
@@ -15,25 +15,27 @@
     <p:sldId id="290" r:id="rId6"/>
     <p:sldId id="327" r:id="rId7"/>
     <p:sldId id="335" r:id="rId8"/>
-    <p:sldId id="336" r:id="rId9"/>
-    <p:sldId id="337" r:id="rId10"/>
-    <p:sldId id="323" r:id="rId11"/>
-    <p:sldId id="324" r:id="rId12"/>
-    <p:sldId id="330" r:id="rId13"/>
-    <p:sldId id="331" r:id="rId14"/>
-    <p:sldId id="339" r:id="rId15"/>
-    <p:sldId id="326" r:id="rId16"/>
-    <p:sldId id="332" r:id="rId17"/>
-    <p:sldId id="333" r:id="rId18"/>
-    <p:sldId id="340" r:id="rId19"/>
-    <p:sldId id="341" r:id="rId20"/>
-    <p:sldId id="342" r:id="rId21"/>
-    <p:sldId id="344" r:id="rId22"/>
-    <p:sldId id="345" r:id="rId23"/>
-    <p:sldId id="274" r:id="rId24"/>
-    <p:sldId id="291" r:id="rId25"/>
-    <p:sldId id="270" r:id="rId26"/>
-    <p:sldId id="271" r:id="rId27"/>
+    <p:sldId id="337" r:id="rId9"/>
+    <p:sldId id="323" r:id="rId10"/>
+    <p:sldId id="324" r:id="rId11"/>
+    <p:sldId id="330" r:id="rId12"/>
+    <p:sldId id="331" r:id="rId13"/>
+    <p:sldId id="339" r:id="rId14"/>
+    <p:sldId id="326" r:id="rId15"/>
+    <p:sldId id="332" r:id="rId16"/>
+    <p:sldId id="333" r:id="rId17"/>
+    <p:sldId id="340" r:id="rId18"/>
+    <p:sldId id="346" r:id="rId19"/>
+    <p:sldId id="347" r:id="rId20"/>
+    <p:sldId id="341" r:id="rId21"/>
+    <p:sldId id="342" r:id="rId22"/>
+    <p:sldId id="336" r:id="rId23"/>
+    <p:sldId id="344" r:id="rId24"/>
+    <p:sldId id="345" r:id="rId25"/>
+    <p:sldId id="274" r:id="rId26"/>
+    <p:sldId id="291" r:id="rId27"/>
+    <p:sldId id="270" r:id="rId28"/>
+    <p:sldId id="271" r:id="rId29"/>
   </p:sldIdLst>
   <p:sldSz cx="12192000" cy="6858000"/>
   <p:notesSz cx="6858000" cy="9144000"/>
@@ -735,6 +737,147 @@
             <p:ph type="sldImg"/>
           </p:nvPr>
         </p:nvSpPr>
+        <p:spPr/>
+      </p:sp>
+      <p:sp>
+        <p:nvSpPr>
+          <p:cNvPr id="3" name="Notes Placeholder 2"/>
+          <p:cNvSpPr>
+            <a:spLocks noGrp="1"/>
+          </p:cNvSpPr>
+          <p:nvPr>
+            <p:ph type="body" idx="1"/>
+          </p:nvPr>
+        </p:nvSpPr>
+        <p:spPr/>
+        <p:txBody>
+          <a:bodyPr/>
+          <a:lstStyle/>
+          <a:p>
+            <a:pPr marL="0" indent="0">
+              <a:spcBef>
+                <a:spcPts val="0"/>
+              </a:spcBef>
+              <a:buNone/>
+            </a:pPr>
+            <a:r>
+              <a:rPr lang="en-GB" sz="2000" dirty="0"/>
+              <a:t>. Represent the terms in </a:t>
+            </a:r>
+            <a:r>
+              <a:rPr lang="en-GB" sz="2000" dirty="0" err="1"/>
+              <a:t>rdf</a:t>
+            </a:r>
+            <a:r>
+              <a:rPr lang="en-GB" sz="2000" dirty="0"/>
+              <a:t> compliant manner -- semantic modelling </a:t>
+            </a:r>
+          </a:p>
+          <a:p>
+            <a:pPr lvl="1"/>
+            <a:r>
+              <a:rPr lang="en-GB" sz="1600" dirty="0"/>
+              <a:t>Classes: is an abstraction mechanism for creating a collection of objects with similar characteristics. The Objects called instances of a class.  (e.g. Class(Dataset) and individual(dataset-100)  is an instance of it). Class can have hierarchical relationships (subclass) which allows for inheritance and subsumption.</a:t>
+            </a:r>
+          </a:p>
+          <a:p>
+            <a:pPr lvl="1"/>
+            <a:r>
+              <a:rPr lang="en-GB" sz="1600" dirty="0"/>
+              <a:t>Enumeration: Categorical data (controlled vocabularies)</a:t>
+            </a:r>
+          </a:p>
+          <a:p>
+            <a:pPr lvl="1"/>
+            <a:r>
+              <a:rPr lang="en-GB" sz="1600" dirty="0"/>
+              <a:t>Datatype Property: these are relationships between instances of classes. (e.g. dataset’s title is a datatype property that related all the instance of the class dataset to a string datatype). </a:t>
+            </a:r>
+          </a:p>
+          <a:p>
+            <a:pPr lvl="1"/>
+            <a:r>
+              <a:rPr lang="en-GB" sz="1600" dirty="0"/>
+              <a:t>Object Property: These are relationships between instances of two classes. For example ”</a:t>
+            </a:r>
+            <a:r>
+              <a:rPr lang="en-GB" sz="1600" dirty="0" err="1"/>
+              <a:t>hasDistribution</a:t>
+            </a:r>
+            <a:r>
+              <a:rPr lang="en-GB" sz="1600" dirty="0"/>
+              <a:t>” is an object property that related all the instances of class dataset to instances of class distribution. </a:t>
+            </a:r>
+            <a:endParaRPr lang="en-NL" sz="1600" dirty="0"/>
+          </a:p>
+          <a:p>
+            <a:endParaRPr lang="en-NL" dirty="0"/>
+          </a:p>
+        </p:txBody>
+      </p:sp>
+      <p:sp>
+        <p:nvSpPr>
+          <p:cNvPr id="4" name="Slide Number Placeholder 3"/>
+          <p:cNvSpPr>
+            <a:spLocks noGrp="1"/>
+          </p:cNvSpPr>
+          <p:nvPr>
+            <p:ph type="sldNum" sz="quarter" idx="5"/>
+          </p:nvPr>
+        </p:nvSpPr>
+        <p:spPr/>
+        <p:txBody>
+          <a:bodyPr/>
+          <a:lstStyle/>
+          <a:p>
+            <a:fld id="{5E89D69C-9871-1346-B305-215A53474772}" type="slidenum">
+              <a:rPr lang="en-NL" smtClean="0"/>
+              <a:t>18</a:t>
+            </a:fld>
+            <a:endParaRPr lang="en-NL"/>
+          </a:p>
+        </p:txBody>
+      </p:sp>
+    </p:spTree>
+    <p:extLst>
+      <p:ext uri="{BB962C8B-B14F-4D97-AF65-F5344CB8AC3E}">
+        <p14:creationId xmlns:p14="http://schemas.microsoft.com/office/powerpoint/2010/main" val="451820948"/>
+      </p:ext>
+    </p:extLst>
+  </p:cSld>
+  <p:clrMapOvr>
+    <a:masterClrMapping/>
+  </p:clrMapOvr>
+</p:notes>
+</file>
+
+<file path=ppt/notesSlides/notesSlide3.xml><?xml version="1.0" encoding="utf-8"?>
+<p:notes xmlns:a="http://schemas.openxmlformats.org/drawingml/2006/main" xmlns:r="http://schemas.openxmlformats.org/officeDocument/2006/relationships" xmlns:p="http://schemas.openxmlformats.org/presentationml/2006/main">
+  <p:cSld>
+    <p:spTree>
+      <p:nvGrpSpPr>
+        <p:cNvPr id="1" name=""/>
+        <p:cNvGrpSpPr/>
+        <p:nvPr/>
+      </p:nvGrpSpPr>
+      <p:grpSpPr>
+        <a:xfrm>
+          <a:off x="0" y="0"/>
+          <a:ext cx="0" cy="0"/>
+          <a:chOff x="0" y="0"/>
+          <a:chExt cx="0" cy="0"/>
+        </a:xfrm>
+      </p:grpSpPr>
+      <p:sp>
+        <p:nvSpPr>
+          <p:cNvPr id="2" name="Slide Image Placeholder 1"/>
+          <p:cNvSpPr>
+            <a:spLocks noGrp="1" noRot="1" noChangeAspect="1"/>
+          </p:cNvSpPr>
+          <p:nvPr>
+            <p:ph type="sldImg"/>
+          </p:nvPr>
+        </p:nvSpPr>
         <p:spPr>
           <a:xfrm>
             <a:off x="381000" y="685800"/>
@@ -774,7 +917,7 @@
 </p:notes>
 </file>
 
-<file path=ppt/notesSlides/notesSlide3.xml><?xml version="1.0" encoding="utf-8"?>
+<file path=ppt/notesSlides/notesSlide4.xml><?xml version="1.0" encoding="utf-8"?>
 <p:notes xmlns:a="http://schemas.openxmlformats.org/drawingml/2006/main" xmlns:r="http://schemas.openxmlformats.org/officeDocument/2006/relationships" xmlns:p="http://schemas.openxmlformats.org/presentationml/2006/main" showMasterSp="0" showMasterPhAnim="0">
   <p:cSld>
     <p:spTree>
@@ -878,7 +1021,7 @@
 </p:notes>
 </file>
 
-<file path=ppt/notesSlides/notesSlide4.xml><?xml version="1.0" encoding="utf-8"?>
+<file path=ppt/notesSlides/notesSlide5.xml><?xml version="1.0" encoding="utf-8"?>
 <p:notes xmlns:a="http://schemas.openxmlformats.org/drawingml/2006/main" xmlns:r="http://schemas.openxmlformats.org/officeDocument/2006/relationships" xmlns:p="http://schemas.openxmlformats.org/presentationml/2006/main" showMasterSp="0" showMasterPhAnim="0">
   <p:cSld>
     <p:spTree>
@@ -5998,404 +6141,6 @@
           <p:cNvPr id="2" name="Title 1">
             <a:extLst>
               <a:ext uri="{FF2B5EF4-FFF2-40B4-BE49-F238E27FC236}">
-                <a16:creationId xmlns:a16="http://schemas.microsoft.com/office/drawing/2014/main" id="{8F4A6392-8159-AF7B-DC52-0940D603756A}"/>
-              </a:ext>
-            </a:extLst>
-          </p:cNvPr>
-          <p:cNvSpPr>
-            <a:spLocks noGrp="1"/>
-          </p:cNvSpPr>
-          <p:nvPr>
-            <p:ph type="title"/>
-          </p:nvPr>
-        </p:nvSpPr>
-        <p:spPr/>
-        <p:txBody>
-          <a:bodyPr/>
-          <a:lstStyle/>
-          <a:p>
-            <a:r>
-              <a:rPr lang="en-NL"/>
-              <a:t>DCAT</a:t>
-            </a:r>
-          </a:p>
-        </p:txBody>
-      </p:sp>
-      <p:sp>
-        <p:nvSpPr>
-          <p:cNvPr id="3" name="Text Placeholder 2">
-            <a:extLst>
-              <a:ext uri="{FF2B5EF4-FFF2-40B4-BE49-F238E27FC236}">
-                <a16:creationId xmlns:a16="http://schemas.microsoft.com/office/drawing/2014/main" id="{0B82F76C-6554-F380-2BB5-95EC9FB21980}"/>
-              </a:ext>
-            </a:extLst>
-          </p:cNvPr>
-          <p:cNvSpPr>
-            <a:spLocks noGrp="1"/>
-          </p:cNvSpPr>
-          <p:nvPr>
-            <p:ph type="body" idx="1"/>
-          </p:nvPr>
-        </p:nvSpPr>
-        <p:spPr>
-          <a:xfrm>
-            <a:off x="256413" y="1428317"/>
-            <a:ext cx="6069794" cy="4582809"/>
-          </a:xfrm>
-        </p:spPr>
-        <p:txBody>
-          <a:bodyPr/>
-          <a:lstStyle/>
-          <a:p>
-            <a:pPr marL="0" lvl="0" indent="0" algn="l" rtl="0">
-              <a:spcBef>
-                <a:spcPts val="0"/>
-              </a:spcBef>
-              <a:spcAft>
-                <a:spcPts val="0"/>
-              </a:spcAft>
-              <a:buNone/>
-            </a:pPr>
-            <a:r>
-              <a:rPr lang="en-GB" sz="2800" b="0" i="0" dirty="0">
-                <a:solidFill>
-                  <a:srgbClr val="000000"/>
-                </a:solidFill>
-                <a:effectLst/>
-                <a:latin typeface="Lato"/>
-                <a:ea typeface="Lato"/>
-                <a:cs typeface="Lato"/>
-              </a:rPr>
-              <a:t>DCAT is an RDF</a:t>
-            </a:r>
-            <a:r>
-              <a:rPr lang="en-GB" sz="1100" dirty="0">
-                <a:solidFill>
-                  <a:srgbClr val="000000"/>
-                </a:solidFill>
-                <a:latin typeface="Lato"/>
-                <a:ea typeface="Lato"/>
-                <a:cs typeface="Lato"/>
-              </a:rPr>
-              <a:t>[1]</a:t>
-            </a:r>
-            <a:r>
-              <a:rPr lang="en-GB" sz="2800" b="0" i="0" dirty="0">
-                <a:solidFill>
-                  <a:srgbClr val="000000"/>
-                </a:solidFill>
-                <a:effectLst/>
-                <a:latin typeface="Lato"/>
-                <a:ea typeface="Lato"/>
-                <a:cs typeface="Lato"/>
-              </a:rPr>
-              <a:t> vocabulary designed to facilitate interoperability between data </a:t>
-            </a:r>
-            <a:r>
-              <a:rPr lang="en-GB" sz="2800" dirty="0">
-                <a:solidFill>
-                  <a:srgbClr val="000000"/>
-                </a:solidFill>
-                <a:latin typeface="Lato"/>
-                <a:ea typeface="Lato"/>
-                <a:cs typeface="Lato"/>
-              </a:rPr>
-              <a:t>catalogues</a:t>
-            </a:r>
-            <a:r>
-              <a:rPr lang="en-GB" sz="2800" b="0" i="0" dirty="0">
-                <a:solidFill>
-                  <a:srgbClr val="000000"/>
-                </a:solidFill>
-                <a:effectLst/>
-                <a:latin typeface="Lato"/>
-                <a:ea typeface="Lato"/>
-                <a:cs typeface="Lato"/>
-              </a:rPr>
-              <a:t> published on the Web.</a:t>
-            </a:r>
-            <a:endParaRPr lang="en-GB" sz="2000" dirty="0">
-              <a:latin typeface="Lato"/>
-              <a:ea typeface="Lato"/>
-              <a:cs typeface="Lato"/>
-            </a:endParaRPr>
-          </a:p>
-          <a:p>
-            <a:pPr marL="0" lvl="0" indent="0" algn="l" rtl="0">
-              <a:spcBef>
-                <a:spcPts val="0"/>
-              </a:spcBef>
-              <a:spcAft>
-                <a:spcPts val="0"/>
-              </a:spcAft>
-              <a:buNone/>
-            </a:pPr>
-            <a:endParaRPr lang="en-GB" sz="2000" dirty="0">
-              <a:latin typeface="Lato" panose="020F0502020204030203" pitchFamily="34" charset="0"/>
-              <a:ea typeface="Lato" panose="020F0502020204030203" pitchFamily="34" charset="0"/>
-              <a:cs typeface="Lato" panose="020F0502020204030203" pitchFamily="34" charset="0"/>
-            </a:endParaRPr>
-          </a:p>
-          <a:p>
-            <a:pPr marL="0" lvl="0" indent="0" algn="l" rtl="0">
-              <a:spcBef>
-                <a:spcPts val="0"/>
-              </a:spcBef>
-              <a:spcAft>
-                <a:spcPts val="0"/>
-              </a:spcAft>
-              <a:buNone/>
-            </a:pPr>
-            <a:endParaRPr lang="en-GB" sz="2000" dirty="0">
-              <a:latin typeface="Lato" panose="020F0502020204030203" pitchFamily="34" charset="0"/>
-              <a:ea typeface="Lato" panose="020F0502020204030203" pitchFamily="34" charset="0"/>
-              <a:cs typeface="Lato" panose="020F0502020204030203" pitchFamily="34" charset="0"/>
-            </a:endParaRPr>
-          </a:p>
-          <a:p>
-            <a:pPr marL="0" lvl="0" indent="0" algn="l" rtl="0">
-              <a:spcBef>
-                <a:spcPts val="0"/>
-              </a:spcBef>
-              <a:spcAft>
-                <a:spcPts val="0"/>
-              </a:spcAft>
-              <a:buNone/>
-            </a:pPr>
-            <a:r>
-              <a:rPr lang="en-GB" sz="2000" dirty="0">
-                <a:latin typeface="Lato"/>
-                <a:ea typeface="Lato"/>
-                <a:cs typeface="Lato"/>
-              </a:rPr>
-              <a:t>prefix </a:t>
-            </a:r>
-            <a:r>
-              <a:rPr lang="en-GB" sz="2000" dirty="0" err="1">
-                <a:latin typeface="Lato"/>
-                <a:ea typeface="Lato"/>
-                <a:cs typeface="Lato"/>
-              </a:rPr>
-              <a:t>dcat</a:t>
-            </a:r>
-            <a:r>
-              <a:rPr lang="en-GB" sz="2000" dirty="0">
-                <a:latin typeface="Lato"/>
-                <a:ea typeface="Lato"/>
-                <a:cs typeface="Lato"/>
-              </a:rPr>
-              <a:t>: &lt;http://www.w3.org/ns/</a:t>
-            </a:r>
-            <a:r>
-              <a:rPr lang="en-GB" sz="2000" dirty="0" err="1">
-                <a:latin typeface="Lato"/>
-                <a:ea typeface="Lato"/>
-                <a:cs typeface="Lato"/>
-              </a:rPr>
-              <a:t>dcat</a:t>
-            </a:r>
-            <a:r>
-              <a:rPr lang="en-GB" sz="2000" dirty="0">
-                <a:latin typeface="Lato"/>
-                <a:ea typeface="Lato"/>
-                <a:cs typeface="Lato"/>
-              </a:rPr>
-              <a:t>#&gt; .</a:t>
-            </a:r>
-          </a:p>
-          <a:p>
-            <a:pPr marL="0" lvl="0" indent="0" algn="l" rtl="0">
-              <a:spcBef>
-                <a:spcPts val="0"/>
-              </a:spcBef>
-              <a:spcAft>
-                <a:spcPts val="0"/>
-              </a:spcAft>
-              <a:buNone/>
-            </a:pPr>
-            <a:endParaRPr lang="en-GB" sz="2000" dirty="0">
-              <a:latin typeface="Lato" panose="020F0502020204030203" pitchFamily="34" charset="0"/>
-              <a:ea typeface="Lato" panose="020F0502020204030203" pitchFamily="34" charset="0"/>
-              <a:cs typeface="Lato" panose="020F0502020204030203" pitchFamily="34" charset="0"/>
-            </a:endParaRPr>
-          </a:p>
-          <a:p>
-            <a:pPr marL="0" lvl="0" indent="0" algn="l" rtl="0">
-              <a:spcBef>
-                <a:spcPts val="0"/>
-              </a:spcBef>
-              <a:spcAft>
-                <a:spcPts val="0"/>
-              </a:spcAft>
-              <a:buNone/>
-            </a:pPr>
-            <a:r>
-              <a:rPr lang="en-GB" sz="2000" dirty="0">
-                <a:latin typeface="Lato"/>
-                <a:ea typeface="Lato"/>
-                <a:cs typeface="Lato"/>
-              </a:rPr>
-              <a:t>Main classes:</a:t>
-            </a:r>
-          </a:p>
-          <a:p>
-            <a:pPr marL="457200" lvl="0" indent="-317500" algn="l" rtl="0">
-              <a:spcBef>
-                <a:spcPts val="0"/>
-              </a:spcBef>
-              <a:spcAft>
-                <a:spcPts val="0"/>
-              </a:spcAft>
-              <a:buSzPts val="1400"/>
-              <a:buChar char="●"/>
-            </a:pPr>
-            <a:r>
-              <a:rPr lang="en-GB" sz="2000" dirty="0" err="1">
-                <a:latin typeface="Lato" panose="020F0502020204030203" pitchFamily="34" charset="0"/>
-                <a:ea typeface="Lato" panose="020F0502020204030203" pitchFamily="34" charset="0"/>
-                <a:cs typeface="Lato" panose="020F0502020204030203" pitchFamily="34" charset="0"/>
-              </a:rPr>
-              <a:t>dcat:Catalogue</a:t>
-            </a:r>
-            <a:endParaRPr lang="en-GB" sz="2000" dirty="0">
-              <a:latin typeface="Lato" panose="020F0502020204030203" pitchFamily="34" charset="0"/>
-              <a:ea typeface="Lato" panose="020F0502020204030203" pitchFamily="34" charset="0"/>
-              <a:cs typeface="Lato" panose="020F0502020204030203" pitchFamily="34" charset="0"/>
-            </a:endParaRPr>
-          </a:p>
-          <a:p>
-            <a:pPr marL="457200" lvl="0" indent="-317500" algn="l" rtl="0">
-              <a:spcBef>
-                <a:spcPts val="0"/>
-              </a:spcBef>
-              <a:spcAft>
-                <a:spcPts val="0"/>
-              </a:spcAft>
-              <a:buSzPts val="1400"/>
-              <a:buChar char="●"/>
-            </a:pPr>
-            <a:r>
-              <a:rPr lang="en-GB" sz="2000" dirty="0" err="1">
-                <a:latin typeface="Lato" panose="020F0502020204030203" pitchFamily="34" charset="0"/>
-                <a:ea typeface="Lato" panose="020F0502020204030203" pitchFamily="34" charset="0"/>
-                <a:cs typeface="Lato" panose="020F0502020204030203" pitchFamily="34" charset="0"/>
-              </a:rPr>
-              <a:t>dcat:Dataset</a:t>
-            </a:r>
-            <a:endParaRPr lang="en-GB" sz="2000" dirty="0">
-              <a:latin typeface="Lato" panose="020F0502020204030203" pitchFamily="34" charset="0"/>
-              <a:ea typeface="Lato" panose="020F0502020204030203" pitchFamily="34" charset="0"/>
-              <a:cs typeface="Lato" panose="020F0502020204030203" pitchFamily="34" charset="0"/>
-            </a:endParaRPr>
-          </a:p>
-          <a:p>
-            <a:pPr marL="457200" lvl="0" indent="-317500" algn="l" rtl="0">
-              <a:spcBef>
-                <a:spcPts val="0"/>
-              </a:spcBef>
-              <a:spcAft>
-                <a:spcPts val="0"/>
-              </a:spcAft>
-              <a:buSzPts val="1400"/>
-              <a:buChar char="●"/>
-            </a:pPr>
-            <a:r>
-              <a:rPr lang="en-GB" sz="2000" dirty="0" err="1">
-                <a:latin typeface="Lato" panose="020F0502020204030203" pitchFamily="34" charset="0"/>
-                <a:ea typeface="Lato" panose="020F0502020204030203" pitchFamily="34" charset="0"/>
-                <a:cs typeface="Lato" panose="020F0502020204030203" pitchFamily="34" charset="0"/>
-              </a:rPr>
-              <a:t>dcat:Distribution</a:t>
-            </a:r>
-            <a:endParaRPr lang="en-GB" sz="2000" dirty="0">
-              <a:latin typeface="Lato" panose="020F0502020204030203" pitchFamily="34" charset="0"/>
-              <a:ea typeface="Lato" panose="020F0502020204030203" pitchFamily="34" charset="0"/>
-              <a:cs typeface="Lato" panose="020F0502020204030203" pitchFamily="34" charset="0"/>
-            </a:endParaRPr>
-          </a:p>
-          <a:p>
-            <a:endParaRPr lang="en-NL" dirty="0"/>
-          </a:p>
-          <a:p>
-            <a:pPr marL="101600" indent="0">
-              <a:buNone/>
-            </a:pPr>
-            <a:r>
-              <a:rPr lang="en-NL" sz="1200" dirty="0"/>
-              <a:t>[1]RDF: Resource Description Framework</a:t>
-            </a:r>
-          </a:p>
-        </p:txBody>
-      </p:sp>
-      <p:pic>
-        <p:nvPicPr>
-          <p:cNvPr id="4" name="Google Shape;110;p17">
-            <a:extLst>
-              <a:ext uri="{FF2B5EF4-FFF2-40B4-BE49-F238E27FC236}">
-                <a16:creationId xmlns:a16="http://schemas.microsoft.com/office/drawing/2014/main" id="{FEAFDDA5-CF5D-BD7F-F72D-A5C78F8E17F8}"/>
-              </a:ext>
-            </a:extLst>
-          </p:cNvPr>
-          <p:cNvPicPr preferRelativeResize="0"/>
-          <p:nvPr/>
-        </p:nvPicPr>
-        <p:blipFill>
-          <a:blip r:embed="rId2">
-            <a:alphaModFix/>
-          </a:blip>
-          <a:stretch>
-            <a:fillRect/>
-          </a:stretch>
-        </p:blipFill>
-        <p:spPr>
-          <a:xfrm>
-            <a:off x="6012586" y="1428317"/>
-            <a:ext cx="5492745" cy="4001365"/>
-          </a:xfrm>
-          <a:prstGeom prst="rect">
-            <a:avLst/>
-          </a:prstGeom>
-          <a:noFill/>
-          <a:ln>
-            <a:noFill/>
-          </a:ln>
-        </p:spPr>
-      </p:pic>
-    </p:spTree>
-    <p:extLst>
-      <p:ext uri="{BB962C8B-B14F-4D97-AF65-F5344CB8AC3E}">
-        <p14:creationId xmlns:p14="http://schemas.microsoft.com/office/powerpoint/2010/main" val="1213726470"/>
-      </p:ext>
-    </p:extLst>
-  </p:cSld>
-  <p:clrMapOvr>
-    <a:masterClrMapping/>
-  </p:clrMapOvr>
-</p:sld>
-</file>
-
-<file path=ppt/slides/slide11.xml><?xml version="1.0" encoding="utf-8"?>
-<p:sld xmlns:a="http://schemas.openxmlformats.org/drawingml/2006/main" xmlns:r="http://schemas.openxmlformats.org/officeDocument/2006/relationships" xmlns:p="http://schemas.openxmlformats.org/presentationml/2006/main">
-  <p:cSld>
-    <p:spTree>
-      <p:nvGrpSpPr>
-        <p:cNvPr id="1" name=""/>
-        <p:cNvGrpSpPr/>
-        <p:nvPr/>
-      </p:nvGrpSpPr>
-      <p:grpSpPr>
-        <a:xfrm>
-          <a:off x="0" y="0"/>
-          <a:ext cx="0" cy="0"/>
-          <a:chOff x="0" y="0"/>
-          <a:chExt cx="0" cy="0"/>
-        </a:xfrm>
-      </p:grpSpPr>
-      <p:sp>
-        <p:nvSpPr>
-          <p:cNvPr id="2" name="Title 1">
-            <a:extLst>
-              <a:ext uri="{FF2B5EF4-FFF2-40B4-BE49-F238E27FC236}">
                 <a16:creationId xmlns:a16="http://schemas.microsoft.com/office/drawing/2014/main" id="{72395C7D-5BF7-9571-AFE5-B0360E41E81E}"/>
               </a:ext>
             </a:extLst>
@@ -6771,7 +6516,7 @@
 </p:sld>
 </file>
 
-<file path=ppt/slides/slide12.xml><?xml version="1.0" encoding="utf-8"?>
+<file path=ppt/slides/slide11.xml><?xml version="1.0" encoding="utf-8"?>
 <p:sld xmlns:a="http://schemas.openxmlformats.org/drawingml/2006/main" xmlns:r="http://schemas.openxmlformats.org/officeDocument/2006/relationships" xmlns:p="http://schemas.openxmlformats.org/presentationml/2006/main">
   <p:cSld>
     <p:spTree>
@@ -7152,7 +6897,7 @@
 </p:sld>
 </file>
 
-<file path=ppt/slides/slide13.xml><?xml version="1.0" encoding="utf-8"?>
+<file path=ppt/slides/slide12.xml><?xml version="1.0" encoding="utf-8"?>
 <p:sld xmlns:a="http://schemas.openxmlformats.org/drawingml/2006/main" xmlns:r="http://schemas.openxmlformats.org/officeDocument/2006/relationships" xmlns:p="http://schemas.openxmlformats.org/presentationml/2006/main">
   <p:cSld>
     <p:spTree>
@@ -7253,7 +6998,7 @@
 </p:sld>
 </file>
 
-<file path=ppt/slides/slide14.xml><?xml version="1.0" encoding="utf-8"?>
+<file path=ppt/slides/slide13.xml><?xml version="1.0" encoding="utf-8"?>
 <p:sld xmlns:a="http://schemas.openxmlformats.org/drawingml/2006/main" xmlns:r="http://schemas.openxmlformats.org/officeDocument/2006/relationships" xmlns:p="http://schemas.openxmlformats.org/presentationml/2006/main">
   <p:cSld>
     <p:spTree>
@@ -7410,7 +7155,7 @@
 </p:sld>
 </file>
 
-<file path=ppt/slides/slide15.xml><?xml version="1.0" encoding="utf-8"?>
+<file path=ppt/slides/slide14.xml><?xml version="1.0" encoding="utf-8"?>
 <p:sld xmlns:a="http://schemas.openxmlformats.org/drawingml/2006/main" xmlns:r="http://schemas.openxmlformats.org/officeDocument/2006/relationships" xmlns:p="http://schemas.openxmlformats.org/presentationml/2006/main">
   <p:cSld>
     <p:spTree>
@@ -14252,7 +13997,7 @@
 </p:sld>
 </file>
 
-<file path=ppt/slides/slide16.xml><?xml version="1.0" encoding="utf-8"?>
+<file path=ppt/slides/slide15.xml><?xml version="1.0" encoding="utf-8"?>
 <p:sld xmlns:a="http://schemas.openxmlformats.org/drawingml/2006/main" xmlns:r="http://schemas.openxmlformats.org/officeDocument/2006/relationships" xmlns:p="http://schemas.openxmlformats.org/presentationml/2006/main">
   <p:cSld>
     <p:spTree>
@@ -14355,165 +14100,6 @@
             </a:endParaRPr>
           </a:p>
           <a:p>
-            <a:r>
-              <a:rPr lang="en-GB" sz="2000" dirty="0">
-                <a:latin typeface="Lato"/>
-                <a:ea typeface="Lato"/>
-                <a:cs typeface="Lato"/>
-              </a:rPr>
-              <a:t>Go to </a:t>
-            </a:r>
-            <a:r>
-              <a:rPr lang="en-GB" sz="2000" dirty="0">
-                <a:ea typeface="Lato"/>
-                <a:hlinkClick r:id="rId2"/>
-              </a:rPr>
-              <a:t>https://github.com/Health-RI/health-ri-metadata</a:t>
-            </a:r>
-          </a:p>
-          <a:p>
-            <a:pPr lvl="1"/>
-            <a:r>
-              <a:rPr lang="en-GB" sz="1400" dirty="0">
-                <a:latin typeface="Lato"/>
-                <a:ea typeface="Lato"/>
-                <a:cs typeface="Lato"/>
-              </a:rPr>
-              <a:t>Request Jeroen </a:t>
-            </a:r>
-            <a:r>
-              <a:rPr lang="en-GB" sz="1400" dirty="0" err="1">
-                <a:latin typeface="Lato"/>
-                <a:ea typeface="Lato"/>
-                <a:cs typeface="Lato"/>
-              </a:rPr>
-              <a:t>Beliën</a:t>
-            </a:r>
-            <a:r>
-              <a:rPr lang="en-GB" sz="1400" dirty="0">
-                <a:latin typeface="Lato"/>
-                <a:ea typeface="Lato"/>
-                <a:cs typeface="Lato"/>
-              </a:rPr>
-              <a:t> 🧙 to add you to the HRI Metadata repo </a:t>
-            </a:r>
-            <a:r>
-              <a:rPr lang="en-GB" sz="1400" u="sng" dirty="0">
-                <a:solidFill>
-                  <a:schemeClr val="hlink"/>
-                </a:solidFill>
-                <a:latin typeface="Lato"/>
-                <a:ea typeface="Lato"/>
-                <a:cs typeface="Lato"/>
-                <a:hlinkClick r:id="rId3">
-                  <a:extLst>
-                    <a:ext uri="{A12FA001-AC4F-418D-AE19-62706E023703}">
-                      <ahyp:hlinkClr xmlns:ahyp="http://schemas.microsoft.com/office/drawing/2018/hyperlinkcolor" val="tx"/>
-                    </a:ext>
-                  </a:extLst>
-                </a:hlinkClick>
-              </a:rPr>
-              <a:t>health-ri-metadata</a:t>
-            </a:r>
-            <a:r>
-              <a:rPr lang="en-GB" sz="1400" dirty="0">
-                <a:latin typeface="Lato"/>
-                <a:ea typeface="Lato"/>
-                <a:cs typeface="Lato"/>
-              </a:rPr>
-              <a:t>/</a:t>
-            </a:r>
-            <a:r>
-              <a:rPr lang="en-GB" sz="1400" u="sng" dirty="0">
-                <a:solidFill>
-                  <a:schemeClr val="hlink"/>
-                </a:solidFill>
-                <a:latin typeface="Lato"/>
-                <a:ea typeface="Lato"/>
-                <a:cs typeface="Lato"/>
-                <a:hlinkClick r:id="rId4">
-                  <a:extLst>
-                    <a:ext uri="{A12FA001-AC4F-418D-AE19-62706E023703}">
-                      <ahyp:hlinkClr xmlns:ahyp="http://schemas.microsoft.com/office/drawing/2018/hyperlinkcolor" val="tx"/>
-                    </a:ext>
-                  </a:extLst>
-                </a:hlinkClick>
-              </a:rPr>
-              <a:t>Leaves</a:t>
-            </a:r>
-            <a:r>
-              <a:rPr lang="en-GB" sz="1400" dirty="0">
-                <a:latin typeface="Lato"/>
-                <a:ea typeface="Lato"/>
-                <a:cs typeface="Lato"/>
-              </a:rPr>
-              <a:t>/</a:t>
-            </a:r>
-            <a:endParaRPr lang="en-GB" sz="1400" dirty="0"/>
-          </a:p>
-          <a:p>
-            <a:r>
-              <a:rPr lang="en-GB" sz="2000" dirty="0">
-                <a:latin typeface="Lato"/>
-                <a:ea typeface="Lato"/>
-                <a:cs typeface="Lato"/>
-              </a:rPr>
-              <a:t>Use the metadata requirement template sheet, in the Leave folder</a:t>
-            </a:r>
-          </a:p>
-          <a:p>
-            <a:r>
-              <a:rPr lang="en-GB" sz="2000" dirty="0">
-                <a:latin typeface="Lato"/>
-                <a:ea typeface="Lato"/>
-                <a:cs typeface="Lato"/>
-              </a:rPr>
-              <a:t>Document your domain specific requirements:  </a:t>
-            </a:r>
-          </a:p>
-          <a:p>
-            <a:pPr lvl="1"/>
-            <a:r>
-              <a:rPr lang="en-GB" sz="1466" dirty="0">
-                <a:latin typeface="Lato"/>
-                <a:ea typeface="Lato"/>
-                <a:cs typeface="Lato"/>
-              </a:rPr>
-              <a:t>term | definition | role in the ontology | rules and constraint| mapping to existing standards (DICOM)</a:t>
-            </a:r>
-            <a:endParaRPr lang="en-GB" sz="1466" dirty="0">
-              <a:latin typeface="Lato" panose="020F0502020204030203" pitchFamily="34" charset="0"/>
-              <a:ea typeface="Lato" panose="020F0502020204030203" pitchFamily="34" charset="0"/>
-              <a:cs typeface="Lato" panose="020F0502020204030203" pitchFamily="34" charset="0"/>
-            </a:endParaRPr>
-          </a:p>
-          <a:p>
-            <a:r>
-              <a:rPr lang="en-GB" sz="2000" dirty="0">
-                <a:latin typeface="Lato"/>
-                <a:ea typeface="Lato"/>
-                <a:cs typeface="Lato"/>
-              </a:rPr>
-              <a:t>Feedback / Result from Domain groups are expected to be shared via Git</a:t>
-            </a:r>
-            <a:endParaRPr lang="en-GB" sz="2000" dirty="0">
-              <a:latin typeface="Lato" panose="020F0502020204030203" pitchFamily="34" charset="0"/>
-              <a:ea typeface="Lato" panose="020F0502020204030203" pitchFamily="34" charset="0"/>
-              <a:cs typeface="Lato" panose="020F0502020204030203" pitchFamily="34" charset="0"/>
-            </a:endParaRPr>
-          </a:p>
-          <a:p>
-            <a:pPr lvl="1"/>
-            <a:r>
-              <a:rPr lang="en-GB" sz="2000" dirty="0">
-                <a:latin typeface="Lato"/>
-                <a:ea typeface="Lato"/>
-                <a:cs typeface="Lato"/>
-              </a:rPr>
-              <a:t>Make a new issue on git and assign to Dena and/or Bruna</a:t>
-            </a:r>
-          </a:p>
-          <a:p>
             <a:endParaRPr lang="en-NL" sz="1600" dirty="0"/>
           </a:p>
         </p:txBody>
@@ -14531,7 +14117,7 @@
 </p:sld>
 </file>
 
-<file path=ppt/slides/slide17.xml><?xml version="1.0" encoding="utf-8"?>
+<file path=ppt/slides/slide16.xml><?xml version="1.0" encoding="utf-8"?>
 <p:sld xmlns:a="http://schemas.openxmlformats.org/drawingml/2006/main" xmlns:r="http://schemas.openxmlformats.org/officeDocument/2006/relationships" xmlns:p="http://schemas.openxmlformats.org/presentationml/2006/main">
   <p:cSld>
     <p:spTree>
@@ -14807,7 +14393,7 @@
 </p:sld>
 </file>
 
-<file path=ppt/slides/slide18.xml><?xml version="1.0" encoding="utf-8"?>
+<file path=ppt/slides/slide17.xml><?xml version="1.0" encoding="utf-8"?>
 <p:sld xmlns:a="http://schemas.openxmlformats.org/drawingml/2006/main" xmlns:r="http://schemas.openxmlformats.org/officeDocument/2006/relationships" xmlns:p="http://schemas.openxmlformats.org/presentationml/2006/main">
   <p:cSld>
     <p:spTree>
@@ -14847,7 +14433,7 @@
           <a:p>
             <a:r>
               <a:rPr lang="en-NL" dirty="0"/>
-              <a:t>Practical steps for defining domain models (leaves)</a:t>
+              <a:t>Practical steps for creating domain models (leaves)</a:t>
             </a:r>
           </a:p>
         </p:txBody>
@@ -14870,8 +14456,8 @@
         </p:nvSpPr>
         <p:spPr>
           <a:xfrm>
-            <a:off x="653723" y="1497725"/>
-            <a:ext cx="10873051" cy="4101662"/>
+            <a:off x="414069" y="1016000"/>
+            <a:ext cx="11112706" cy="5308600"/>
           </a:xfrm>
           <a:noFill/>
           <a:ln>
@@ -14892,8 +14478,28 @@
             </a:pPr>
             <a:r>
               <a:rPr lang="en-GB" sz="2000" dirty="0"/>
-              <a:t>Collect all the metadata requirements in a form of competency queries.</a:t>
-            </a:r>
+              <a:t>1. Collect all the metadata requirements in a form of competency queries.  </a:t>
+            </a:r>
+            <a:r>
+              <a:rPr lang="en-GB" sz="2000" dirty="0">
+                <a:sym typeface="Wingdings" pitchFamily="2" charset="2"/>
+              </a:rPr>
+              <a:t> </a:t>
+            </a:r>
+            <a:r>
+              <a:rPr lang="en-GB" sz="2000" dirty="0">
+                <a:highlight>
+                  <a:srgbClr val="00FFFF"/>
+                </a:highlight>
+                <a:sym typeface="Wingdings" pitchFamily="2" charset="2"/>
+              </a:rPr>
+              <a:t>later on these will form your formal queries for evaluating the coverage. </a:t>
+            </a:r>
+            <a:endParaRPr lang="en-GB" sz="2000" dirty="0">
+              <a:highlight>
+                <a:srgbClr val="00FFFF"/>
+              </a:highlight>
+            </a:endParaRPr>
           </a:p>
           <a:p>
             <a:pPr marL="0" indent="0">
@@ -14908,18 +14514,19 @@
             </a:r>
           </a:p>
           <a:p>
-            <a:pPr lvl="1"/>
-            <a:r>
-              <a:rPr lang="en-GB" sz="2000" dirty="0"/>
+            <a:pPr lvl="2"/>
+            <a:r>
+              <a:rPr lang="en-GB" sz="2267" dirty="0"/>
               <a:t>For the specific data collection method, give me the data and title, format, publisher? </a:t>
             </a:r>
           </a:p>
           <a:p>
-            <a:pPr lvl="1"/>
-            <a:r>
-              <a:rPr lang="en-GB" sz="2000" dirty="0"/>
+            <a:pPr lvl="2"/>
+            <a:r>
+              <a:rPr lang="en-GB" sz="2267" dirty="0"/>
               <a:t>Give me the images with modality “mammography”? </a:t>
             </a:r>
+            <a:endParaRPr lang="en-GB" sz="2000" dirty="0"/>
           </a:p>
           <a:p>
             <a:pPr marL="0" indent="0">
@@ -14928,60 +14535,8 @@
               </a:spcBef>
               <a:buNone/>
             </a:pPr>
-            <a:endParaRPr lang="en-GB" sz="2000" dirty="0"/>
-          </a:p>
-          <a:p>
-            <a:pPr marL="0" indent="0">
-              <a:spcBef>
-                <a:spcPts val="0"/>
-              </a:spcBef>
-              <a:buNone/>
-            </a:pPr>
-            <a:r>
-              <a:rPr lang="en-GB" sz="2000" dirty="0"/>
-              <a:t>Make an inventory of the important terms and their definitions</a:t>
-            </a:r>
-          </a:p>
-          <a:p>
-            <a:pPr lvl="1"/>
-            <a:r>
-              <a:rPr lang="en-GB" sz="2000" dirty="0"/>
-              <a:t>Collection method, image modality, collection title, </a:t>
-            </a:r>
-          </a:p>
-          <a:p>
-            <a:pPr marL="0" indent="0">
-              <a:spcBef>
-                <a:spcPts val="0"/>
-              </a:spcBef>
-              <a:buNone/>
-            </a:pPr>
-            <a:endParaRPr lang="en-GB" sz="2000" dirty="0"/>
-          </a:p>
-          <a:p>
-            <a:pPr marL="0" indent="0">
-              <a:spcBef>
-                <a:spcPts val="0"/>
-              </a:spcBef>
-              <a:buNone/>
-            </a:pPr>
-            <a:r>
-              <a:rPr lang="en-GB" sz="2000" dirty="0"/>
-              <a:t>Represent them in </a:t>
-            </a:r>
-            <a:r>
-              <a:rPr lang="en-GB" sz="2000" dirty="0" err="1"/>
-              <a:t>rdf</a:t>
-            </a:r>
-            <a:r>
-              <a:rPr lang="en-GB" sz="2000" dirty="0"/>
-              <a:t> compliant manner -- semantic modelling (class, attribute, relations, controlled vocabulary, taxonomies)</a:t>
-            </a:r>
-          </a:p>
-          <a:p>
-            <a:pPr lvl="1"/>
-            <a:r>
-              <a:rPr lang="en-GB" sz="2000" dirty="0"/>
+            <a:r>
+              <a:rPr lang="en-GB" sz="2267" dirty="0"/>
               <a:t>	</a:t>
             </a:r>
           </a:p>
@@ -15007,6 +14562,258 @@
     <p:extLst>
       <p:ext uri="{BB962C8B-B14F-4D97-AF65-F5344CB8AC3E}">
         <p14:creationId xmlns:p14="http://schemas.microsoft.com/office/powerpoint/2010/main" val="312026378"/>
+      </p:ext>
+    </p:extLst>
+  </p:cSld>
+  <p:clrMapOvr>
+    <a:masterClrMapping/>
+  </p:clrMapOvr>
+</p:sld>
+</file>
+
+<file path=ppt/slides/slide18.xml><?xml version="1.0" encoding="utf-8"?>
+<p:sld xmlns:a="http://schemas.openxmlformats.org/drawingml/2006/main" xmlns:r="http://schemas.openxmlformats.org/officeDocument/2006/relationships" xmlns:p="http://schemas.openxmlformats.org/presentationml/2006/main">
+  <p:cSld>
+    <p:spTree>
+      <p:nvGrpSpPr>
+        <p:cNvPr id="1" name=""/>
+        <p:cNvGrpSpPr/>
+        <p:nvPr/>
+      </p:nvGrpSpPr>
+      <p:grpSpPr>
+        <a:xfrm>
+          <a:off x="0" y="0"/>
+          <a:ext cx="0" cy="0"/>
+          <a:chOff x="0" y="0"/>
+          <a:chExt cx="0" cy="0"/>
+        </a:xfrm>
+      </p:grpSpPr>
+      <p:sp>
+        <p:nvSpPr>
+          <p:cNvPr id="2" name="Title 1">
+            <a:extLst>
+              <a:ext uri="{FF2B5EF4-FFF2-40B4-BE49-F238E27FC236}">
+                <a16:creationId xmlns:a16="http://schemas.microsoft.com/office/drawing/2014/main" id="{01E5279B-8FAA-44BE-0D90-0247C1078E60}"/>
+              </a:ext>
+            </a:extLst>
+          </p:cNvPr>
+          <p:cNvSpPr>
+            <a:spLocks noGrp="1"/>
+          </p:cNvSpPr>
+          <p:nvPr>
+            <p:ph type="title"/>
+          </p:nvPr>
+        </p:nvSpPr>
+        <p:spPr/>
+        <p:txBody>
+          <a:bodyPr/>
+          <a:lstStyle/>
+          <a:p>
+            <a:r>
+              <a:rPr lang="en-NL" dirty="0"/>
+              <a:t>2 Creat terminology inventory</a:t>
+            </a:r>
+          </a:p>
+        </p:txBody>
+      </p:sp>
+      <p:sp>
+        <p:nvSpPr>
+          <p:cNvPr id="3" name="Text Placeholder 2">
+            <a:extLst>
+              <a:ext uri="{FF2B5EF4-FFF2-40B4-BE49-F238E27FC236}">
+                <a16:creationId xmlns:a16="http://schemas.microsoft.com/office/drawing/2014/main" id="{248EBB87-4496-41E7-BE81-8CE6140F0701}"/>
+              </a:ext>
+            </a:extLst>
+          </p:cNvPr>
+          <p:cNvSpPr>
+            <a:spLocks noGrp="1"/>
+          </p:cNvSpPr>
+          <p:nvPr>
+            <p:ph type="body" idx="1"/>
+          </p:nvPr>
+        </p:nvSpPr>
+        <p:spPr/>
+        <p:txBody>
+          <a:bodyPr/>
+          <a:lstStyle/>
+          <a:p>
+            <a:r>
+              <a:rPr lang="en-GB" sz="2000" dirty="0">
+                <a:latin typeface="Lato"/>
+                <a:ea typeface="Lato"/>
+                <a:cs typeface="Lato"/>
+              </a:rPr>
+              <a:t>Go to </a:t>
+            </a:r>
+            <a:r>
+              <a:rPr lang="en-GB" sz="2000" dirty="0">
+                <a:ea typeface="Lato"/>
+                <a:hlinkClick r:id="rId3"/>
+              </a:rPr>
+              <a:t>https://github.com/Health-RI/health-ri-metadata</a:t>
+            </a:r>
+          </a:p>
+          <a:p>
+            <a:pPr lvl="1"/>
+            <a:r>
+              <a:rPr lang="en-GB" sz="1400" dirty="0">
+                <a:latin typeface="Lato"/>
+                <a:ea typeface="Lato"/>
+                <a:cs typeface="Lato"/>
+              </a:rPr>
+              <a:t>Request Jeroen </a:t>
+            </a:r>
+            <a:r>
+              <a:rPr lang="en-GB" sz="1400" dirty="0" err="1">
+                <a:latin typeface="Lato"/>
+                <a:ea typeface="Lato"/>
+                <a:cs typeface="Lato"/>
+              </a:rPr>
+              <a:t>Beliën</a:t>
+            </a:r>
+            <a:r>
+              <a:rPr lang="en-GB" sz="1400" dirty="0">
+                <a:latin typeface="Lato"/>
+                <a:ea typeface="Lato"/>
+                <a:cs typeface="Lato"/>
+              </a:rPr>
+              <a:t> 🧙 to add you to the HRI Metadata repo </a:t>
+            </a:r>
+            <a:r>
+              <a:rPr lang="en-GB" sz="1400" u="sng" dirty="0">
+                <a:solidFill>
+                  <a:schemeClr val="hlink"/>
+                </a:solidFill>
+                <a:latin typeface="Lato"/>
+                <a:ea typeface="Lato"/>
+                <a:cs typeface="Lato"/>
+                <a:hlinkClick r:id="rId4">
+                  <a:extLst>
+                    <a:ext uri="{A12FA001-AC4F-418D-AE19-62706E023703}">
+                      <ahyp:hlinkClr xmlns:ahyp="http://schemas.microsoft.com/office/drawing/2018/hyperlinkcolor" val="tx"/>
+                    </a:ext>
+                  </a:extLst>
+                </a:hlinkClick>
+              </a:rPr>
+              <a:t>health-ri-metadata</a:t>
+            </a:r>
+            <a:r>
+              <a:rPr lang="en-GB" sz="1400" dirty="0">
+                <a:latin typeface="Lato"/>
+                <a:ea typeface="Lato"/>
+                <a:cs typeface="Lato"/>
+              </a:rPr>
+              <a:t>/</a:t>
+            </a:r>
+            <a:r>
+              <a:rPr lang="en-GB" sz="1400" u="sng" dirty="0">
+                <a:solidFill>
+                  <a:schemeClr val="hlink"/>
+                </a:solidFill>
+                <a:latin typeface="Lato"/>
+                <a:ea typeface="Lato"/>
+                <a:cs typeface="Lato"/>
+                <a:hlinkClick r:id="rId5">
+                  <a:extLst>
+                    <a:ext uri="{A12FA001-AC4F-418D-AE19-62706E023703}">
+                      <ahyp:hlinkClr xmlns:ahyp="http://schemas.microsoft.com/office/drawing/2018/hyperlinkcolor" val="tx"/>
+                    </a:ext>
+                  </a:extLst>
+                </a:hlinkClick>
+              </a:rPr>
+              <a:t>Leaves</a:t>
+            </a:r>
+            <a:r>
+              <a:rPr lang="en-GB" sz="1400" dirty="0">
+                <a:latin typeface="Lato"/>
+                <a:ea typeface="Lato"/>
+                <a:cs typeface="Lato"/>
+              </a:rPr>
+              <a:t>/</a:t>
+            </a:r>
+            <a:endParaRPr lang="en-GB" sz="1400" dirty="0"/>
+          </a:p>
+          <a:p>
+            <a:r>
+              <a:rPr lang="en-GB" sz="2000" dirty="0">
+                <a:latin typeface="Lato"/>
+                <a:ea typeface="Lato"/>
+                <a:cs typeface="Lato"/>
+              </a:rPr>
+              <a:t>Use the metadata requirement template sheet, in the Leave folder</a:t>
+            </a:r>
+          </a:p>
+          <a:p>
+            <a:r>
+              <a:rPr lang="en-GB" sz="2000" dirty="0">
+                <a:latin typeface="Lato"/>
+                <a:ea typeface="Lato"/>
+                <a:cs typeface="Lato"/>
+              </a:rPr>
+              <a:t>Document your domain specific requirements:  </a:t>
+            </a:r>
+          </a:p>
+          <a:p>
+            <a:pPr lvl="1"/>
+            <a:r>
+              <a:rPr lang="en-GB" sz="1466" dirty="0">
+                <a:latin typeface="Lato"/>
+                <a:ea typeface="Lato"/>
+                <a:cs typeface="Lato"/>
+              </a:rPr>
+              <a:t>term | definition | role in the ontology | rules and constraint| mapping to existing standards (DICOM)</a:t>
+            </a:r>
+            <a:endParaRPr lang="en-GB" sz="1466" dirty="0">
+              <a:latin typeface="Lato" panose="020F0502020204030203" pitchFamily="34" charset="0"/>
+              <a:ea typeface="Lato" panose="020F0502020204030203" pitchFamily="34" charset="0"/>
+              <a:cs typeface="Lato" panose="020F0502020204030203" pitchFamily="34" charset="0"/>
+            </a:endParaRPr>
+          </a:p>
+          <a:p>
+            <a:r>
+              <a:rPr lang="en-GB" sz="2000" dirty="0">
+                <a:latin typeface="Lato"/>
+                <a:ea typeface="Lato"/>
+                <a:cs typeface="Lato"/>
+              </a:rPr>
+              <a:t>Feedback / Result from Domain groups are expected to be shared via Git</a:t>
+            </a:r>
+            <a:endParaRPr lang="en-GB" sz="2000" dirty="0">
+              <a:latin typeface="Lato" panose="020F0502020204030203" pitchFamily="34" charset="0"/>
+              <a:ea typeface="Lato" panose="020F0502020204030203" pitchFamily="34" charset="0"/>
+              <a:cs typeface="Lato" panose="020F0502020204030203" pitchFamily="34" charset="0"/>
+            </a:endParaRPr>
+          </a:p>
+          <a:p>
+            <a:pPr lvl="1"/>
+            <a:r>
+              <a:rPr lang="en-GB" sz="2000" dirty="0">
+                <a:latin typeface="Lato"/>
+                <a:ea typeface="Lato"/>
+                <a:cs typeface="Lato"/>
+              </a:rPr>
+              <a:t>Make a new issue on git and assign to Dena and/or Bruna</a:t>
+            </a:r>
+          </a:p>
+          <a:p>
+            <a:pPr marL="0" indent="0">
+              <a:spcBef>
+                <a:spcPts val="0"/>
+              </a:spcBef>
+              <a:buNone/>
+            </a:pPr>
+            <a:r>
+              <a:rPr lang="en-GB" sz="2000" dirty="0"/>
+              <a:t>3. </a:t>
+            </a:r>
+            <a:endParaRPr lang="en-NL" dirty="0"/>
+          </a:p>
+        </p:txBody>
+      </p:sp>
+    </p:spTree>
+    <p:extLst>
+      <p:ext uri="{BB962C8B-B14F-4D97-AF65-F5344CB8AC3E}">
+        <p14:creationId xmlns:p14="http://schemas.microsoft.com/office/powerpoint/2010/main" val="1001372399"/>
       </p:ext>
     </p:extLst>
   </p:cSld>
@@ -15038,7 +14845,7 @@
           <p:cNvPr id="2" name="Title 1">
             <a:extLst>
               <a:ext uri="{FF2B5EF4-FFF2-40B4-BE49-F238E27FC236}">
-                <a16:creationId xmlns:a16="http://schemas.microsoft.com/office/drawing/2014/main" id="{79EE33A1-0805-809E-3EC0-CDC7A4435F6E}"/>
+                <a16:creationId xmlns:a16="http://schemas.microsoft.com/office/drawing/2014/main" id="{53942594-4EFE-E896-C8BF-73E896EB3DC5}"/>
               </a:ext>
             </a:extLst>
           </p:cNvPr>
@@ -15056,17 +14863,17 @@
           <a:p>
             <a:r>
               <a:rPr lang="en-NL" dirty="0"/>
-              <a:t>Reuse elements from DICOM </a:t>
+              <a:t>Sematic modelling</a:t>
             </a:r>
           </a:p>
         </p:txBody>
       </p:sp>
       <p:sp>
         <p:nvSpPr>
-          <p:cNvPr id="4" name="Text Placeholder 2">
+          <p:cNvPr id="3" name="Text Placeholder 2">
             <a:extLst>
               <a:ext uri="{FF2B5EF4-FFF2-40B4-BE49-F238E27FC236}">
-                <a16:creationId xmlns:a16="http://schemas.microsoft.com/office/drawing/2014/main" id="{E32D75DF-9DE3-2FD3-1A72-2DBFC5299A73}"/>
+                <a16:creationId xmlns:a16="http://schemas.microsoft.com/office/drawing/2014/main" id="{CD2BE1E4-3F1A-6964-85E0-E996D4A6F368}"/>
               </a:ext>
             </a:extLst>
           </p:cNvPr>
@@ -15082,67 +14889,73 @@
           <a:bodyPr/>
           <a:lstStyle/>
           <a:p>
-            <a:r>
-              <a:rPr lang="en-US" dirty="0"/>
-              <a:t>Align your model with the </a:t>
-            </a:r>
-            <a:r>
-              <a:rPr lang="en-NL" dirty="0"/>
-              <a:t>exsiting standards in your domain</a:t>
-            </a:r>
-          </a:p>
-          <a:p>
-            <a:endParaRPr lang="en-NL" dirty="0"/>
-          </a:p>
-          <a:p>
-            <a:r>
-              <a:rPr lang="en-GB" dirty="0"/>
-              <a:t>DICOM® is the international standard to transmit, store, retrieve, print, process, and display medical imaging information” - From https://</a:t>
-            </a:r>
-            <a:r>
-              <a:rPr lang="en-GB" dirty="0" err="1"/>
-              <a:t>www.dicomstandard.org</a:t>
-            </a:r>
-            <a:r>
-              <a:rPr lang="en-GB" dirty="0"/>
-              <a:t>/, (</a:t>
-            </a:r>
-            <a:r>
-              <a:rPr lang="en-GB" dirty="0" err="1"/>
-              <a:t>Mildenberger</a:t>
-            </a:r>
-            <a:r>
-              <a:rPr lang="en-GB" dirty="0"/>
-              <a:t> et al, 2002)</a:t>
-            </a:r>
-          </a:p>
-          <a:p>
-            <a:pPr marL="1073150" lvl="2" indent="0">
+            <a:pPr marL="0" indent="0">
+              <a:spcBef>
+                <a:spcPts val="0"/>
+              </a:spcBef>
               <a:buNone/>
             </a:pPr>
-            <a:endParaRPr lang="en-GB" dirty="0"/>
-          </a:p>
-          <a:p>
-            <a:endParaRPr lang="en-GB" dirty="0"/>
-          </a:p>
-          <a:p>
-            <a:endParaRPr lang="en-GB" dirty="0"/>
-          </a:p>
-          <a:p>
-            <a:endParaRPr lang="en-GB" dirty="0"/>
-          </a:p>
-          <a:p>
-            <a:pPr marL="615950" lvl="1" indent="0">
-              <a:buNone/>
-            </a:pPr>
-            <a:endParaRPr lang="en-GB" dirty="0"/>
+            <a:r>
+              <a:rPr lang="en-GB" sz="2000" dirty="0"/>
+              <a:t>. Represent the terms in </a:t>
+            </a:r>
+            <a:r>
+              <a:rPr lang="en-GB" sz="2000" dirty="0" err="1"/>
+              <a:t>rdf</a:t>
+            </a:r>
+            <a:r>
+              <a:rPr lang="en-GB" sz="2000" dirty="0"/>
+              <a:t> compliant manner -- semantic modelling </a:t>
+            </a:r>
+          </a:p>
+          <a:p>
+            <a:r>
+              <a:rPr lang="en-GB" sz="2134" dirty="0"/>
+              <a:t>Classes: an abstraction mechanism for creating a collection of objects with similar characteristics. The Objects called instances of a class.  (e.g. Class(Dataset) and individual(dataset-100)  is an instance of it). </a:t>
+            </a:r>
+          </a:p>
+          <a:p>
+            <a:r>
+              <a:rPr lang="en-GB" sz="2134" dirty="0"/>
+              <a:t>Class Axioms: Class can have hierarchical relationships (subclass) which allows for inheritance and subsumption.</a:t>
+            </a:r>
+          </a:p>
+          <a:p>
+            <a:r>
+              <a:rPr lang="en-GB" sz="2134" dirty="0"/>
+              <a:t>Enumeration: Categorical data (controlled vocabularies)</a:t>
+            </a:r>
+          </a:p>
+          <a:p>
+            <a:r>
+              <a:rPr lang="en-GB" sz="2134" dirty="0"/>
+              <a:t>Datatype Property: these are relationships between instances of classes. (e.g. dataset’s title is a datatype property that related all the instance of the class dataset to a string datatype). </a:t>
+            </a:r>
+          </a:p>
+          <a:p>
+            <a:r>
+              <a:rPr lang="en-GB" sz="2134" dirty="0"/>
+              <a:t>Object Property: These are relationships between instances of two classes. For example ”</a:t>
+            </a:r>
+            <a:r>
+              <a:rPr lang="en-GB" sz="2134" dirty="0" err="1"/>
+              <a:t>hasDistribution</a:t>
+            </a:r>
+            <a:r>
+              <a:rPr lang="en-GB" sz="2134" dirty="0"/>
+              <a:t>” is an object property that related all the instances of class dataset to instances of class distribution. </a:t>
+            </a:r>
+            <a:endParaRPr lang="en-NL" sz="2134" dirty="0"/>
+          </a:p>
+          <a:p>
+            <a:endParaRPr lang="en-NL" dirty="0"/>
           </a:p>
         </p:txBody>
       </p:sp>
     </p:spTree>
     <p:extLst>
       <p:ext uri="{BB962C8B-B14F-4D97-AF65-F5344CB8AC3E}">
-        <p14:creationId xmlns:p14="http://schemas.microsoft.com/office/powerpoint/2010/main" val="3571080125"/>
+        <p14:creationId xmlns:p14="http://schemas.microsoft.com/office/powerpoint/2010/main" val="31927972"/>
       </p:ext>
     </p:extLst>
   </p:cSld>
@@ -15346,6 +15159,142 @@
           <p:cNvPr id="2" name="Title 1">
             <a:extLst>
               <a:ext uri="{FF2B5EF4-FFF2-40B4-BE49-F238E27FC236}">
+                <a16:creationId xmlns:a16="http://schemas.microsoft.com/office/drawing/2014/main" id="{79EE33A1-0805-809E-3EC0-CDC7A4435F6E}"/>
+              </a:ext>
+            </a:extLst>
+          </p:cNvPr>
+          <p:cNvSpPr>
+            <a:spLocks noGrp="1"/>
+          </p:cNvSpPr>
+          <p:nvPr>
+            <p:ph type="title"/>
+          </p:nvPr>
+        </p:nvSpPr>
+        <p:spPr/>
+        <p:txBody>
+          <a:bodyPr/>
+          <a:lstStyle/>
+          <a:p>
+            <a:r>
+              <a:rPr lang="en-NL" dirty="0"/>
+              <a:t>Reuse elements from DICOM </a:t>
+            </a:r>
+          </a:p>
+        </p:txBody>
+      </p:sp>
+      <p:sp>
+        <p:nvSpPr>
+          <p:cNvPr id="4" name="Text Placeholder 2">
+            <a:extLst>
+              <a:ext uri="{FF2B5EF4-FFF2-40B4-BE49-F238E27FC236}">
+                <a16:creationId xmlns:a16="http://schemas.microsoft.com/office/drawing/2014/main" id="{E32D75DF-9DE3-2FD3-1A72-2DBFC5299A73}"/>
+              </a:ext>
+            </a:extLst>
+          </p:cNvPr>
+          <p:cNvSpPr>
+            <a:spLocks noGrp="1"/>
+          </p:cNvSpPr>
+          <p:nvPr>
+            <p:ph type="body" idx="1"/>
+          </p:nvPr>
+        </p:nvSpPr>
+        <p:spPr/>
+        <p:txBody>
+          <a:bodyPr/>
+          <a:lstStyle/>
+          <a:p>
+            <a:r>
+              <a:rPr lang="en-US" dirty="0"/>
+              <a:t>Align your model with the </a:t>
+            </a:r>
+            <a:r>
+              <a:rPr lang="en-NL" dirty="0"/>
+              <a:t>exsiting standards in your domain</a:t>
+            </a:r>
+          </a:p>
+          <a:p>
+            <a:endParaRPr lang="en-NL" dirty="0"/>
+          </a:p>
+          <a:p>
+            <a:r>
+              <a:rPr lang="en-GB" dirty="0"/>
+              <a:t>DICOM® is the international standard to transmit, store, retrieve, print, process, and display medical imaging information” - From https://</a:t>
+            </a:r>
+            <a:r>
+              <a:rPr lang="en-GB" dirty="0" err="1"/>
+              <a:t>www.dicomstandard.org</a:t>
+            </a:r>
+            <a:r>
+              <a:rPr lang="en-GB" dirty="0"/>
+              <a:t>/, (</a:t>
+            </a:r>
+            <a:r>
+              <a:rPr lang="en-GB" dirty="0" err="1"/>
+              <a:t>Mildenberger</a:t>
+            </a:r>
+            <a:r>
+              <a:rPr lang="en-GB" dirty="0"/>
+              <a:t> et al, 2002)</a:t>
+            </a:r>
+          </a:p>
+          <a:p>
+            <a:pPr marL="1073150" lvl="2" indent="0">
+              <a:buNone/>
+            </a:pPr>
+            <a:endParaRPr lang="en-GB" dirty="0"/>
+          </a:p>
+          <a:p>
+            <a:endParaRPr lang="en-GB" dirty="0"/>
+          </a:p>
+          <a:p>
+            <a:endParaRPr lang="en-GB" dirty="0"/>
+          </a:p>
+          <a:p>
+            <a:endParaRPr lang="en-GB" dirty="0"/>
+          </a:p>
+          <a:p>
+            <a:pPr marL="615950" lvl="1" indent="0">
+              <a:buNone/>
+            </a:pPr>
+            <a:endParaRPr lang="en-GB" dirty="0"/>
+          </a:p>
+        </p:txBody>
+      </p:sp>
+    </p:spTree>
+    <p:extLst>
+      <p:ext uri="{BB962C8B-B14F-4D97-AF65-F5344CB8AC3E}">
+        <p14:creationId xmlns:p14="http://schemas.microsoft.com/office/powerpoint/2010/main" val="3571080125"/>
+      </p:ext>
+    </p:extLst>
+  </p:cSld>
+  <p:clrMapOvr>
+    <a:masterClrMapping/>
+  </p:clrMapOvr>
+</p:sld>
+</file>
+
+<file path=ppt/slides/slide21.xml><?xml version="1.0" encoding="utf-8"?>
+<p:sld xmlns:a="http://schemas.openxmlformats.org/drawingml/2006/main" xmlns:r="http://schemas.openxmlformats.org/officeDocument/2006/relationships" xmlns:p="http://schemas.openxmlformats.org/presentationml/2006/main">
+  <p:cSld>
+    <p:spTree>
+      <p:nvGrpSpPr>
+        <p:cNvPr id="1" name=""/>
+        <p:cNvGrpSpPr/>
+        <p:nvPr/>
+      </p:nvGrpSpPr>
+      <p:grpSpPr>
+        <a:xfrm>
+          <a:off x="0" y="0"/>
+          <a:ext cx="0" cy="0"/>
+          <a:chOff x="0" y="0"/>
+          <a:chExt cx="0" cy="0"/>
+        </a:xfrm>
+      </p:grpSpPr>
+      <p:sp>
+        <p:nvSpPr>
+          <p:cNvPr id="2" name="Title 1">
+            <a:extLst>
+              <a:ext uri="{FF2B5EF4-FFF2-40B4-BE49-F238E27FC236}">
                 <a16:creationId xmlns:a16="http://schemas.microsoft.com/office/drawing/2014/main" id="{359D7DBA-E347-8020-5364-595C54E9A47B}"/>
               </a:ext>
             </a:extLst>
@@ -15482,7 +15431,183 @@
 </p:sld>
 </file>
 
-<file path=ppt/slides/slide21.xml><?xml version="1.0" encoding="utf-8"?>
+<file path=ppt/slides/slide22.xml><?xml version="1.0" encoding="utf-8"?>
+<p:sld xmlns:a="http://schemas.openxmlformats.org/drawingml/2006/main" xmlns:r="http://schemas.openxmlformats.org/officeDocument/2006/relationships" xmlns:p="http://schemas.openxmlformats.org/presentationml/2006/main">
+  <p:cSld>
+    <p:spTree>
+      <p:nvGrpSpPr>
+        <p:cNvPr id="1" name=""/>
+        <p:cNvGrpSpPr/>
+        <p:nvPr/>
+      </p:nvGrpSpPr>
+      <p:grpSpPr>
+        <a:xfrm>
+          <a:off x="0" y="0"/>
+          <a:ext cx="0" cy="0"/>
+          <a:chOff x="0" y="0"/>
+          <a:chExt cx="0" cy="0"/>
+        </a:xfrm>
+      </p:grpSpPr>
+      <p:sp>
+        <p:nvSpPr>
+          <p:cNvPr id="2" name="Title 1">
+            <a:extLst>
+              <a:ext uri="{FF2B5EF4-FFF2-40B4-BE49-F238E27FC236}">
+                <a16:creationId xmlns:a16="http://schemas.microsoft.com/office/drawing/2014/main" id="{ABA30330-4B95-EFF8-C083-416C47110721}"/>
+              </a:ext>
+            </a:extLst>
+          </p:cNvPr>
+          <p:cNvSpPr>
+            <a:spLocks noGrp="1"/>
+          </p:cNvSpPr>
+          <p:nvPr>
+            <p:ph type="title"/>
+          </p:nvPr>
+        </p:nvSpPr>
+        <p:spPr/>
+        <p:txBody>
+          <a:bodyPr/>
+          <a:lstStyle/>
+          <a:p>
+            <a:r>
+              <a:rPr lang="en-GB" dirty="0"/>
+              <a:t>Team: HRI Core Metadata Schemas 🌻 </a:t>
+            </a:r>
+            <a:endParaRPr lang="en-NL" dirty="0"/>
+          </a:p>
+        </p:txBody>
+      </p:sp>
+      <p:sp>
+        <p:nvSpPr>
+          <p:cNvPr id="6" name="Google Shape;136;p20">
+            <a:extLst>
+              <a:ext uri="{FF2B5EF4-FFF2-40B4-BE49-F238E27FC236}">
+                <a16:creationId xmlns:a16="http://schemas.microsoft.com/office/drawing/2014/main" id="{14AAB597-7132-AEA5-1586-293955B2481D}"/>
+              </a:ext>
+            </a:extLst>
+          </p:cNvPr>
+          <p:cNvSpPr txBox="1">
+            <a:spLocks noGrp="1"/>
+          </p:cNvSpPr>
+          <p:nvPr>
+            <p:ph type="body" idx="1"/>
+          </p:nvPr>
+        </p:nvSpPr>
+        <p:spPr>
+          <a:prstGeom prst="rect">
+            <a:avLst/>
+          </a:prstGeom>
+        </p:spPr>
+        <p:txBody>
+          <a:bodyPr spcFirstLastPara="1" vert="horz" wrap="square" lIns="121900" tIns="121900" rIns="121900" bIns="121900" rtlCol="0" anchor="t" anchorCtr="0">
+            <a:normAutofit/>
+          </a:bodyPr>
+          <a:lstStyle/>
+          <a:p>
+            <a:pPr lvl="0"/>
+            <a:r>
+              <a:rPr lang="en-GB" dirty="0"/>
+              <a:t>Technical Metadata Team (TMT ) will support the technical part of building a metadata schema (Bruna, Dena, Luiz, </a:t>
+            </a:r>
+            <a:r>
+              <a:rPr lang="en-GB" dirty="0" err="1"/>
+              <a:t>Kees</a:t>
+            </a:r>
+            <a:r>
+              <a:rPr lang="en-GB" dirty="0"/>
+              <a:t>)</a:t>
+            </a:r>
+            <a:endParaRPr dirty="0"/>
+          </a:p>
+          <a:p>
+            <a:r>
+              <a:rPr lang="en-GB" dirty="0">
+                <a:highlight>
+                  <a:srgbClr val="00FF00"/>
+                </a:highlight>
+              </a:rPr>
+              <a:t>Only domain experts (working groups and portal teams) can define the metadata </a:t>
+            </a:r>
+            <a:r>
+              <a:rPr lang="en-GB" b="1" dirty="0">
+                <a:highlight>
+                  <a:srgbClr val="00FF00"/>
+                </a:highlight>
+              </a:rPr>
+              <a:t>properties</a:t>
+            </a:r>
+            <a:r>
+              <a:rPr lang="en-GB" dirty="0">
+                <a:highlight>
+                  <a:srgbClr val="00FF00"/>
+                </a:highlight>
+              </a:rPr>
+              <a:t> (content).</a:t>
+            </a:r>
+            <a:endParaRPr dirty="0">
+              <a:highlight>
+                <a:srgbClr val="00FF00"/>
+              </a:highlight>
+            </a:endParaRPr>
+          </a:p>
+          <a:p>
+            <a:r>
+              <a:rPr lang="en-GB" dirty="0"/>
+              <a:t>TMT add main properties from DCAT, DCAT AP portals, and supplied schemas from the nodes</a:t>
+            </a:r>
+            <a:endParaRPr dirty="0"/>
+          </a:p>
+          <a:p>
+            <a:r>
+              <a:rPr lang="en-GB" b="1" dirty="0"/>
+              <a:t>Who will tell, apart from DCAT, which are the other obligatory fields?</a:t>
+            </a:r>
+            <a:endParaRPr b="1" dirty="0"/>
+          </a:p>
+          <a:p>
+            <a:pPr lvl="1" indent="-431789">
+              <a:buSzPts val="1500"/>
+            </a:pPr>
+            <a:r>
+              <a:rPr lang="en-GB" sz="2000" dirty="0"/>
+              <a:t>Once domain schemas are out for review, TMT can check and embed the obligatory fields in the core schema</a:t>
+            </a:r>
+            <a:endParaRPr sz="2000" dirty="0"/>
+          </a:p>
+          <a:p>
+            <a:pPr lvl="1" indent="-431789">
+              <a:buSzPts val="1500"/>
+            </a:pPr>
+            <a:r>
+              <a:rPr lang="en-GB" sz="2000" dirty="0"/>
+              <a:t>Portal groups will review taking into account usability of the schema in health-</a:t>
+            </a:r>
+            <a:r>
+              <a:rPr lang="en-GB" sz="2000" dirty="0" err="1"/>
+              <a:t>ri</a:t>
+            </a:r>
+            <a:r>
+              <a:rPr lang="en-GB" sz="2000" dirty="0"/>
+              <a:t> infrastructure (Portal) etc</a:t>
+            </a:r>
+            <a:endParaRPr sz="2000" dirty="0"/>
+          </a:p>
+        </p:txBody>
+      </p:sp>
+    </p:spTree>
+    <p:extLst>
+      <p:ext uri="{BB962C8B-B14F-4D97-AF65-F5344CB8AC3E}">
+        <p14:creationId xmlns:p14="http://schemas.microsoft.com/office/powerpoint/2010/main" val="334922474"/>
+      </p:ext>
+    </p:extLst>
+  </p:cSld>
+  <p:clrMapOvr>
+    <a:masterClrMapping/>
+  </p:clrMapOvr>
+</p:sld>
+</file>
+
+<file path=ppt/slides/slide23.xml><?xml version="1.0" encoding="utf-8"?>
 <p:sld xmlns:a="http://schemas.openxmlformats.org/drawingml/2006/main" xmlns:r="http://schemas.openxmlformats.org/officeDocument/2006/relationships" xmlns:p="http://schemas.openxmlformats.org/presentationml/2006/main">
   <p:cSld>
     <p:spTree>
@@ -15515,14 +15640,19 @@
             <p:ph type="title"/>
           </p:nvPr>
         </p:nvSpPr>
-        <p:spPr/>
+        <p:spPr>
+          <a:xfrm>
+            <a:off x="414068" y="613188"/>
+            <a:ext cx="11352363" cy="443199"/>
+          </a:xfrm>
+        </p:spPr>
         <p:txBody>
           <a:bodyPr/>
           <a:lstStyle/>
           <a:p>
             <a:r>
               <a:rPr lang="en-NL" dirty="0"/>
-              <a:t>Implement (Formal)</a:t>
+              <a:t>Next step: Implement (Formal)</a:t>
             </a:r>
           </a:p>
         </p:txBody>
@@ -15550,6 +15680,12 @@
           <a:p>
             <a:r>
               <a:rPr lang="en-GB" dirty="0"/>
+              <a:t>Create Formal ontologies</a:t>
+            </a:r>
+          </a:p>
+          <a:p>
+            <a:r>
+              <a:rPr lang="en-GB" dirty="0"/>
               <a:t>The domain model in owl/</a:t>
             </a:r>
             <a:r>
@@ -15585,7 +15721,7 @@
 </p:sld>
 </file>
 
-<file path=ppt/slides/slide22.xml><?xml version="1.0" encoding="utf-8"?>
+<file path=ppt/slides/slide24.xml><?xml version="1.0" encoding="utf-8"?>
 <p:sld xmlns:a="http://schemas.openxmlformats.org/drawingml/2006/main" xmlns:r="http://schemas.openxmlformats.org/officeDocument/2006/relationships" xmlns:p="http://schemas.openxmlformats.org/presentationml/2006/main" show="0">
   <p:cSld>
     <p:spTree>
@@ -15730,7 +15866,7 @@
 </p:sld>
 </file>
 
-<file path=ppt/slides/slide23.xml><?xml version="1.0" encoding="utf-8"?>
+<file path=ppt/slides/slide25.xml><?xml version="1.0" encoding="utf-8"?>
 <p:sld xmlns:a="http://schemas.openxmlformats.org/drawingml/2006/main" xmlns:r="http://schemas.openxmlformats.org/officeDocument/2006/relationships" xmlns:p="http://schemas.openxmlformats.org/presentationml/2006/main" show="0">
   <p:cSld>
     <p:spTree>
@@ -16890,7 +17026,7 @@
 </p:sld>
 </file>
 
-<file path=ppt/slides/slide24.xml><?xml version="1.0" encoding="utf-8"?>
+<file path=ppt/slides/slide26.xml><?xml version="1.0" encoding="utf-8"?>
 <p:sld xmlns:a="http://schemas.openxmlformats.org/drawingml/2006/main" xmlns:r="http://schemas.openxmlformats.org/officeDocument/2006/relationships" xmlns:p="http://schemas.openxmlformats.org/presentationml/2006/main">
   <p:cSld>
     <p:spTree>
@@ -17019,7 +17155,7 @@
 </p:sld>
 </file>
 
-<file path=ppt/slides/slide25.xml><?xml version="1.0" encoding="utf-8"?>
+<file path=ppt/slides/slide27.xml><?xml version="1.0" encoding="utf-8"?>
 <p:sld xmlns:a="http://schemas.openxmlformats.org/drawingml/2006/main" xmlns:r="http://schemas.openxmlformats.org/officeDocument/2006/relationships" xmlns:p="http://schemas.openxmlformats.org/presentationml/2006/main">
   <p:cSld>
     <p:spTree>
@@ -17248,7 +17384,7 @@
 </p:sld>
 </file>
 
-<file path=ppt/slides/slide26.xml><?xml version="1.0" encoding="utf-8"?>
+<file path=ppt/slides/slide28.xml><?xml version="1.0" encoding="utf-8"?>
 <p:sld xmlns:a="http://schemas.openxmlformats.org/drawingml/2006/main" xmlns:r="http://schemas.openxmlformats.org/officeDocument/2006/relationships" xmlns:p="http://schemas.openxmlformats.org/presentationml/2006/main">
   <p:cSld>
     <p:spTree>
@@ -38517,7 +38653,7 @@
           <p:cNvPr id="2" name="Title 1">
             <a:extLst>
               <a:ext uri="{FF2B5EF4-FFF2-40B4-BE49-F238E27FC236}">
-                <a16:creationId xmlns:a16="http://schemas.microsoft.com/office/drawing/2014/main" id="{ABA30330-4B95-EFF8-C083-416C47110721}"/>
+                <a16:creationId xmlns:a16="http://schemas.microsoft.com/office/drawing/2014/main" id="{8D08096C-7CC0-A756-41CB-EA309F816D61}"/>
               </a:ext>
             </a:extLst>
           </p:cNvPr>
@@ -38535,7 +38671,7 @@
           <a:p>
             <a:r>
               <a:rPr lang="en-GB" dirty="0"/>
-              <a:t>Team: HRI Core Metadata Schemas 🌻 </a:t>
+              <a:t>Defining Core – Generic metadata</a:t>
             </a:r>
             <a:endParaRPr lang="en-NL" dirty="0"/>
           </a:p>
@@ -38543,14 +38679,14 @@
       </p:sp>
       <p:sp>
         <p:nvSpPr>
-          <p:cNvPr id="6" name="Google Shape;136;p20">
+          <p:cNvPr id="3" name="Text Placeholder 2">
             <a:extLst>
               <a:ext uri="{FF2B5EF4-FFF2-40B4-BE49-F238E27FC236}">
-                <a16:creationId xmlns:a16="http://schemas.microsoft.com/office/drawing/2014/main" id="{14AAB597-7132-AEA5-1586-293955B2481D}"/>
+                <a16:creationId xmlns:a16="http://schemas.microsoft.com/office/drawing/2014/main" id="{3B22EC15-046D-BF94-D852-3E374262325F}"/>
               </a:ext>
             </a:extLst>
           </p:cNvPr>
-          <p:cNvSpPr txBox="1">
+          <p:cNvSpPr>
             <a:spLocks noGrp="1"/>
           </p:cNvSpPr>
           <p:nvPr>
@@ -38558,110 +38694,166 @@
           </p:nvPr>
         </p:nvSpPr>
         <p:spPr>
-          <a:prstGeom prst="rect">
-            <a:avLst/>
-          </a:prstGeom>
+          <a:xfrm>
+            <a:off x="731567" y="1141294"/>
+            <a:ext cx="11352363" cy="4575411"/>
+          </a:xfrm>
         </p:spPr>
         <p:txBody>
-          <a:bodyPr spcFirstLastPara="1" vert="horz" wrap="square" lIns="121900" tIns="121900" rIns="121900" bIns="121900" rtlCol="0" anchor="t" anchorCtr="0">
-            <a:normAutofit/>
-          </a:bodyPr>
+          <a:bodyPr/>
           <a:lstStyle/>
           <a:p>
-            <a:pPr lvl="0"/>
-            <a:r>
-              <a:rPr lang="en-GB" dirty="0"/>
-              <a:t>Technical Metadata Team (TMT ) will support the technical part of building a metadata schema (Bruna, Dena, Luiz, </a:t>
-            </a:r>
-            <a:r>
-              <a:rPr lang="en-GB" dirty="0" err="1"/>
-              <a:t>Kees</a:t>
-            </a:r>
-            <a:r>
-              <a:rPr lang="en-GB" dirty="0"/>
-              <a:t>)</a:t>
-            </a:r>
-            <a:endParaRPr dirty="0"/>
-          </a:p>
-          <a:p>
-            <a:r>
-              <a:rPr lang="en-GB" dirty="0">
+            <a:pPr marL="0" indent="0">
+              <a:lnSpc>
+                <a:spcPct val="95000"/>
+              </a:lnSpc>
+              <a:buSzPts val="852"/>
+              <a:buNone/>
+            </a:pPr>
+            <a:r>
+              <a:rPr lang="en-GB" sz="2000" dirty="0"/>
+              <a:t>Currently we have:</a:t>
+            </a:r>
+          </a:p>
+          <a:p>
+            <a:pPr indent="-407024">
+              <a:lnSpc>
+                <a:spcPct val="95000"/>
+              </a:lnSpc>
+              <a:spcBef>
+                <a:spcPts val="1600"/>
+              </a:spcBef>
+              <a:buSzPts val="1208"/>
+            </a:pPr>
+            <a:r>
+              <a:rPr lang="en-GB" sz="2000" dirty="0"/>
+              <a:t>Identified EU standards (DCAT, DCAT AP Portals, DCAT AP Health)</a:t>
+            </a:r>
+          </a:p>
+          <a:p>
+            <a:pPr indent="-407024">
+              <a:lnSpc>
+                <a:spcPct val="95000"/>
+              </a:lnSpc>
+              <a:buSzPts val="1208"/>
+            </a:pPr>
+            <a:r>
+              <a:rPr lang="en-GB" sz="2000" dirty="0"/>
+              <a:t>Collected some NL Nodes and Health-RI metadata schemas (RUMC, AUMC, Princess Maxima, Covid Portal)</a:t>
+            </a:r>
+          </a:p>
+          <a:p>
+            <a:pPr indent="-407024">
+              <a:lnSpc>
+                <a:spcPct val="95000"/>
+              </a:lnSpc>
+              <a:buSzPts val="1208"/>
+            </a:pPr>
+            <a:r>
+              <a:rPr lang="en-GB" sz="2000" dirty="0"/>
+              <a:t>Mapped all of the above </a:t>
+            </a:r>
+            <a:r>
+              <a:rPr lang="en-GB" sz="2000" u="sng" dirty="0">
+                <a:solidFill>
+                  <a:schemeClr val="hlink"/>
+                </a:solidFill>
+                <a:hlinkClick r:id="rId2"/>
+              </a:rPr>
+              <a:t>here</a:t>
+            </a:r>
+            <a:endParaRPr lang="en-GB" sz="2000" dirty="0"/>
+          </a:p>
+          <a:p>
+            <a:pPr marL="0" indent="0">
+              <a:lnSpc>
+                <a:spcPct val="95000"/>
+              </a:lnSpc>
+              <a:spcBef>
+                <a:spcPts val="1600"/>
+              </a:spcBef>
+              <a:buSzPts val="852"/>
+              <a:buNone/>
+            </a:pPr>
+            <a:r>
+              <a:rPr lang="en-GB" sz="2000" dirty="0"/>
+              <a:t>For HRI portal release 0.9:</a:t>
+            </a:r>
+          </a:p>
+          <a:p>
+            <a:pPr indent="-407024">
+              <a:lnSpc>
+                <a:spcPct val="95000"/>
+              </a:lnSpc>
+              <a:spcBef>
+                <a:spcPts val="1600"/>
+              </a:spcBef>
+              <a:buSzPts val="1208"/>
+            </a:pPr>
+            <a:r>
+              <a:rPr lang="en-GB" sz="2000" dirty="0"/>
+              <a:t>Minimal Core: DCAT-AP Portals mandatory fields</a:t>
+            </a:r>
+            <a:r>
+              <a:rPr lang="en-GB" sz="2000" b="1" dirty="0"/>
+              <a:t> </a:t>
+            </a:r>
+          </a:p>
+          <a:p>
+            <a:pPr marL="0" indent="0">
+              <a:lnSpc>
+                <a:spcPct val="95000"/>
+              </a:lnSpc>
+              <a:spcBef>
+                <a:spcPts val="1600"/>
+              </a:spcBef>
+              <a:buSzPts val="852"/>
+              <a:buNone/>
+            </a:pPr>
+            <a:r>
+              <a:rPr lang="en-GB" sz="2000" dirty="0"/>
+              <a:t>For later (HRI portal release 2.0):</a:t>
+            </a:r>
+          </a:p>
+          <a:p>
+            <a:pPr indent="-407024">
+              <a:lnSpc>
+                <a:spcPct val="95000"/>
+              </a:lnSpc>
+              <a:spcBef>
+                <a:spcPts val="1600"/>
+              </a:spcBef>
+              <a:buSzPts val="1208"/>
+            </a:pPr>
+            <a:r>
+              <a:rPr lang="en-GB" sz="2000" dirty="0"/>
+              <a:t>Plan to release HRI Core metadata schema answering: </a:t>
+            </a:r>
+            <a:br>
+              <a:rPr lang="en-GB" sz="2000" dirty="0"/>
+            </a:br>
+            <a:r>
+              <a:rPr lang="en-GB" sz="2000" dirty="0"/>
+              <a:t>	</a:t>
+            </a:r>
+            <a:r>
+              <a:rPr lang="en-GB" sz="2000" b="1" dirty="0">
                 <a:highlight>
-                  <a:srgbClr val="00FF00"/>
+                  <a:srgbClr val="D9EAD3"/>
                 </a:highlight>
               </a:rPr>
-              <a:t>Only domain experts (working groups and portal teams) can define the metadata </a:t>
-            </a:r>
-            <a:r>
-              <a:rPr lang="en-GB" b="1" dirty="0">
-                <a:highlight>
-                  <a:srgbClr val="00FF00"/>
-                </a:highlight>
-              </a:rPr>
-              <a:t>properties</a:t>
-            </a:r>
-            <a:r>
-              <a:rPr lang="en-GB" dirty="0">
-                <a:highlight>
-                  <a:srgbClr val="00FF00"/>
-                </a:highlight>
-              </a:rPr>
-              <a:t> (content).</a:t>
-            </a:r>
-            <a:endParaRPr dirty="0">
-              <a:highlight>
-                <a:srgbClr val="00FF00"/>
-              </a:highlight>
-            </a:endParaRPr>
-          </a:p>
-          <a:p>
-            <a:r>
-              <a:rPr lang="en-GB" dirty="0"/>
-              <a:t>TMT add main properties from DCAT, DCAT AP portals, and supplied schemas from the nodes</a:t>
-            </a:r>
-            <a:endParaRPr dirty="0"/>
-          </a:p>
-          <a:p>
-            <a:r>
-              <a:rPr lang="en-GB" b="1" dirty="0"/>
-              <a:t>Who will tell, apart from DCAT, which are the other obligatory fields?</a:t>
-            </a:r>
-            <a:endParaRPr b="1" dirty="0"/>
-          </a:p>
-          <a:p>
-            <a:pPr lvl="1" indent="-431789">
-              <a:buSzPts val="1500"/>
-            </a:pPr>
-            <a:r>
-              <a:rPr lang="en-GB" sz="2000" dirty="0"/>
-              <a:t>Once domain schemas are out for review, TMT can check and embed the obligatory fields in the core schema</a:t>
-            </a:r>
-            <a:endParaRPr sz="2000" dirty="0"/>
-          </a:p>
-          <a:p>
-            <a:pPr lvl="1" indent="-431789">
-              <a:buSzPts val="1500"/>
-            </a:pPr>
-            <a:r>
-              <a:rPr lang="en-GB" sz="2000" dirty="0"/>
-              <a:t>Portal groups will review taking into account usability of the schema in health-</a:t>
-            </a:r>
-            <a:r>
-              <a:rPr lang="en-GB" sz="2000" dirty="0" err="1"/>
-              <a:t>ri</a:t>
-            </a:r>
-            <a:r>
-              <a:rPr lang="en-GB" sz="2000" dirty="0"/>
-              <a:t> infrastructure (Portal) etc</a:t>
-            </a:r>
-            <a:endParaRPr sz="2000" dirty="0"/>
+              <a:t>What apart from DCAT AP Portals mandatory fields should be in the HRI core?</a:t>
+            </a:r>
+          </a:p>
+          <a:p>
+            <a:endParaRPr lang="en-NL" dirty="0"/>
           </a:p>
         </p:txBody>
       </p:sp>
     </p:spTree>
     <p:extLst>
       <p:ext uri="{BB962C8B-B14F-4D97-AF65-F5344CB8AC3E}">
-        <p14:creationId xmlns:p14="http://schemas.microsoft.com/office/powerpoint/2010/main" val="2199545414"/>
+        <p14:creationId xmlns:p14="http://schemas.microsoft.com/office/powerpoint/2010/main" val="2646470074"/>
       </p:ext>
     </p:extLst>
   </p:cSld>
@@ -38693,7 +38885,7 @@
           <p:cNvPr id="2" name="Title 1">
             <a:extLst>
               <a:ext uri="{FF2B5EF4-FFF2-40B4-BE49-F238E27FC236}">
-                <a16:creationId xmlns:a16="http://schemas.microsoft.com/office/drawing/2014/main" id="{8D08096C-7CC0-A756-41CB-EA309F816D61}"/>
+                <a16:creationId xmlns:a16="http://schemas.microsoft.com/office/drawing/2014/main" id="{8F4A6392-8159-AF7B-DC52-0940D603756A}"/>
               </a:ext>
             </a:extLst>
           </p:cNvPr>
@@ -38710,10 +38902,9 @@
           <a:lstStyle/>
           <a:p>
             <a:r>
-              <a:rPr lang="en-GB" dirty="0"/>
-              <a:t>Defining Core – Generic metadata</a:t>
-            </a:r>
-            <a:endParaRPr lang="en-NL" dirty="0"/>
+              <a:rPr lang="en-NL"/>
+              <a:t>DCAT</a:t>
+            </a:r>
           </a:p>
         </p:txBody>
       </p:sp>
@@ -38722,7 +38913,7 @@
           <p:cNvPr id="3" name="Text Placeholder 2">
             <a:extLst>
               <a:ext uri="{FF2B5EF4-FFF2-40B4-BE49-F238E27FC236}">
-                <a16:creationId xmlns:a16="http://schemas.microsoft.com/office/drawing/2014/main" id="{3B22EC15-046D-BF94-D852-3E374262325F}"/>
+                <a16:creationId xmlns:a16="http://schemas.microsoft.com/office/drawing/2014/main" id="{0B82F76C-6554-F380-2BB5-95EC9FB21980}"/>
               </a:ext>
             </a:extLst>
           </p:cNvPr>
@@ -38735,165 +38926,332 @@
         </p:nvSpPr>
         <p:spPr>
           <a:xfrm>
-            <a:off x="731567" y="1141294"/>
-            <a:ext cx="11352363" cy="4575411"/>
+            <a:off x="256413" y="1428317"/>
+            <a:ext cx="6069794" cy="4582809"/>
           </a:xfrm>
         </p:spPr>
         <p:txBody>
           <a:bodyPr/>
           <a:lstStyle/>
           <a:p>
-            <a:pPr marL="0" indent="0">
-              <a:lnSpc>
-                <a:spcPct val="95000"/>
-              </a:lnSpc>
-              <a:buSzPts val="852"/>
+            <a:pPr marL="0" lvl="0" indent="0" algn="l" rtl="0">
+              <a:spcBef>
+                <a:spcPts val="0"/>
+              </a:spcBef>
+              <a:spcAft>
+                <a:spcPts val="0"/>
+              </a:spcAft>
               <a:buNone/>
             </a:pPr>
             <a:r>
-              <a:rPr lang="en-GB" sz="2000" dirty="0"/>
-              <a:t>Currently we have:</a:t>
-            </a:r>
-          </a:p>
-          <a:p>
-            <a:pPr indent="-407024">
-              <a:lnSpc>
-                <a:spcPct val="95000"/>
-              </a:lnSpc>
-              <a:spcBef>
-                <a:spcPts val="1600"/>
-              </a:spcBef>
-              <a:buSzPts val="1208"/>
-            </a:pPr>
-            <a:r>
-              <a:rPr lang="en-GB" sz="2000" dirty="0"/>
-              <a:t>Identified EU standards (DCAT, DCAT AP Portals, DCAT AP Health)</a:t>
-            </a:r>
-          </a:p>
-          <a:p>
-            <a:pPr indent="-407024">
-              <a:lnSpc>
-                <a:spcPct val="95000"/>
-              </a:lnSpc>
-              <a:buSzPts val="1208"/>
-            </a:pPr>
-            <a:r>
-              <a:rPr lang="en-GB" sz="2000" dirty="0"/>
-              <a:t>Collected some NL Nodes and Health-RI metadata schemas (RUMC, AUMC, Princess Maxima, Covid Portal)</a:t>
-            </a:r>
-          </a:p>
-          <a:p>
-            <a:pPr indent="-407024">
-              <a:lnSpc>
-                <a:spcPct val="95000"/>
-              </a:lnSpc>
-              <a:buSzPts val="1208"/>
-            </a:pPr>
-            <a:r>
-              <a:rPr lang="en-GB" sz="2000" dirty="0"/>
-              <a:t>Mapped all of the above </a:t>
-            </a:r>
-            <a:r>
-              <a:rPr lang="en-GB" sz="2000" u="sng" dirty="0">
-                <a:solidFill>
-                  <a:schemeClr val="hlink"/>
-                </a:solidFill>
-                <a:hlinkClick r:id="rId2"/>
+              <a:rPr lang="en-GB" sz="2800" b="0" i="0" dirty="0">
+                <a:solidFill>
+                  <a:srgbClr val="000000"/>
+                </a:solidFill>
+                <a:effectLst/>
+                <a:latin typeface="Lato"/>
+                <a:ea typeface="Lato"/>
+                <a:cs typeface="Lato"/>
               </a:rPr>
-              <a:t>here</a:t>
-            </a:r>
-            <a:endParaRPr lang="en-GB" sz="2000" dirty="0"/>
-          </a:p>
-          <a:p>
-            <a:pPr marL="0" indent="0">
-              <a:lnSpc>
-                <a:spcPct val="95000"/>
-              </a:lnSpc>
-              <a:spcBef>
-                <a:spcPts val="1600"/>
-              </a:spcBef>
-              <a:buSzPts val="852"/>
+              <a:t>DCAT is an RDF</a:t>
+            </a:r>
+            <a:r>
+              <a:rPr lang="en-GB" sz="1100" dirty="0">
+                <a:solidFill>
+                  <a:srgbClr val="000000"/>
+                </a:solidFill>
+                <a:latin typeface="Lato"/>
+                <a:ea typeface="Lato"/>
+                <a:cs typeface="Lato"/>
+              </a:rPr>
+              <a:t>[1]</a:t>
+            </a:r>
+            <a:r>
+              <a:rPr lang="en-GB" sz="2800" b="0" i="0" dirty="0">
+                <a:solidFill>
+                  <a:srgbClr val="000000"/>
+                </a:solidFill>
+                <a:effectLst/>
+                <a:latin typeface="Lato"/>
+                <a:ea typeface="Lato"/>
+                <a:cs typeface="Lato"/>
+              </a:rPr>
+              <a:t> vocabulary designed to facilitate interoperability between data </a:t>
+            </a:r>
+            <a:r>
+              <a:rPr lang="en-GB" sz="2800" dirty="0">
+                <a:solidFill>
+                  <a:srgbClr val="000000"/>
+                </a:solidFill>
+                <a:latin typeface="Lato"/>
+                <a:ea typeface="Lato"/>
+                <a:cs typeface="Lato"/>
+              </a:rPr>
+              <a:t>catalogues</a:t>
+            </a:r>
+            <a:r>
+              <a:rPr lang="en-GB" sz="2800" b="0" i="0" dirty="0">
+                <a:solidFill>
+                  <a:srgbClr val="000000"/>
+                </a:solidFill>
+                <a:effectLst/>
+                <a:latin typeface="Lato"/>
+                <a:ea typeface="Lato"/>
+                <a:cs typeface="Lato"/>
+              </a:rPr>
+              <a:t> published on the Web.</a:t>
+            </a:r>
+            <a:endParaRPr lang="en-GB" sz="2000" dirty="0">
+              <a:latin typeface="Lato"/>
+              <a:ea typeface="Lato"/>
+              <a:cs typeface="Lato"/>
+            </a:endParaRPr>
+          </a:p>
+          <a:p>
+            <a:pPr marL="0" lvl="0" indent="0" algn="l" rtl="0">
+              <a:spcBef>
+                <a:spcPts val="0"/>
+              </a:spcBef>
+              <a:spcAft>
+                <a:spcPts val="0"/>
+              </a:spcAft>
               <a:buNone/>
             </a:pPr>
-            <a:r>
-              <a:rPr lang="en-GB" sz="2000" dirty="0"/>
-              <a:t>For HRI portal release 0.9:</a:t>
-            </a:r>
-          </a:p>
-          <a:p>
-            <a:pPr indent="-407024">
-              <a:lnSpc>
-                <a:spcPct val="95000"/>
-              </a:lnSpc>
-              <a:spcBef>
-                <a:spcPts val="1600"/>
-              </a:spcBef>
-              <a:buSzPts val="1208"/>
-            </a:pPr>
-            <a:r>
-              <a:rPr lang="en-GB" sz="2000" dirty="0"/>
-              <a:t>Minimal Core: DCAT-AP Portals mandatory fields</a:t>
-            </a:r>
-            <a:r>
-              <a:rPr lang="en-GB" sz="2000" b="1" dirty="0"/>
-              <a:t> </a:t>
-            </a:r>
-          </a:p>
-          <a:p>
-            <a:pPr marL="0" indent="0">
-              <a:lnSpc>
-                <a:spcPct val="95000"/>
-              </a:lnSpc>
-              <a:spcBef>
-                <a:spcPts val="1600"/>
-              </a:spcBef>
-              <a:buSzPts val="852"/>
+            <a:endParaRPr lang="en-GB" sz="2000" dirty="0">
+              <a:latin typeface="Lato" panose="020F0502020204030203" pitchFamily="34" charset="0"/>
+              <a:ea typeface="Lato" panose="020F0502020204030203" pitchFamily="34" charset="0"/>
+              <a:cs typeface="Lato" panose="020F0502020204030203" pitchFamily="34" charset="0"/>
+            </a:endParaRPr>
+          </a:p>
+          <a:p>
+            <a:pPr marL="0" lvl="0" indent="0" algn="l" rtl="0">
+              <a:spcBef>
+                <a:spcPts val="0"/>
+              </a:spcBef>
+              <a:spcAft>
+                <a:spcPts val="0"/>
+              </a:spcAft>
               <a:buNone/>
             </a:pPr>
-            <a:r>
-              <a:rPr lang="en-GB" sz="2000" dirty="0"/>
-              <a:t>For later (HRI portal release 2.0):</a:t>
-            </a:r>
-          </a:p>
-          <a:p>
-            <a:pPr indent="-407024">
-              <a:lnSpc>
-                <a:spcPct val="95000"/>
-              </a:lnSpc>
-              <a:spcBef>
-                <a:spcPts val="1600"/>
-              </a:spcBef>
-              <a:buSzPts val="1208"/>
+            <a:endParaRPr lang="en-GB" sz="2000" dirty="0">
+              <a:latin typeface="Lato" panose="020F0502020204030203" pitchFamily="34" charset="0"/>
+              <a:ea typeface="Lato" panose="020F0502020204030203" pitchFamily="34" charset="0"/>
+              <a:cs typeface="Lato" panose="020F0502020204030203" pitchFamily="34" charset="0"/>
+            </a:endParaRPr>
+          </a:p>
+          <a:p>
+            <a:pPr marL="0" lvl="0" indent="0" algn="l" rtl="0">
+              <a:spcBef>
+                <a:spcPts val="0"/>
+              </a:spcBef>
+              <a:spcAft>
+                <a:spcPts val="0"/>
+              </a:spcAft>
+              <a:buNone/>
             </a:pPr>
             <a:r>
-              <a:rPr lang="en-GB" sz="2000" dirty="0"/>
-              <a:t>Plan to release HRI Core metadata schema answering: </a:t>
-            </a:r>
-            <a:br>
-              <a:rPr lang="en-GB" sz="2000" dirty="0"/>
-            </a:br>
-            <a:r>
-              <a:rPr lang="en-GB" sz="2000" dirty="0"/>
-              <a:t>	</a:t>
-            </a:r>
-            <a:r>
-              <a:rPr lang="en-GB" sz="2000" b="1" dirty="0">
-                <a:highlight>
-                  <a:srgbClr val="D9EAD3"/>
-                </a:highlight>
+              <a:rPr lang="en-GB" sz="2000" dirty="0">
+                <a:latin typeface="Lato"/>
+                <a:ea typeface="Lato"/>
+                <a:cs typeface="Lato"/>
               </a:rPr>
-              <a:t>What apart from DCAT AP Portals mandatory fields should be in the HRI core?</a:t>
-            </a:r>
+              <a:t>prefix </a:t>
+            </a:r>
+            <a:r>
+              <a:rPr lang="en-GB" sz="2000" dirty="0" err="1">
+                <a:latin typeface="Lato"/>
+                <a:ea typeface="Lato"/>
+                <a:cs typeface="Lato"/>
+              </a:rPr>
+              <a:t>dcat</a:t>
+            </a:r>
+            <a:r>
+              <a:rPr lang="en-GB" sz="2000" dirty="0">
+                <a:latin typeface="Lato"/>
+                <a:ea typeface="Lato"/>
+                <a:cs typeface="Lato"/>
+              </a:rPr>
+              <a:t>: &lt;http://www.w3.org/ns/</a:t>
+            </a:r>
+            <a:r>
+              <a:rPr lang="en-GB" sz="2000" dirty="0" err="1">
+                <a:latin typeface="Lato"/>
+                <a:ea typeface="Lato"/>
+                <a:cs typeface="Lato"/>
+              </a:rPr>
+              <a:t>dcat</a:t>
+            </a:r>
+            <a:r>
+              <a:rPr lang="en-GB" sz="2000" dirty="0">
+                <a:latin typeface="Lato"/>
+                <a:ea typeface="Lato"/>
+                <a:cs typeface="Lato"/>
+              </a:rPr>
+              <a:t>#&gt; .</a:t>
+            </a:r>
+          </a:p>
+          <a:p>
+            <a:pPr marL="0" lvl="0" indent="0" algn="l" rtl="0">
+              <a:spcBef>
+                <a:spcPts val="0"/>
+              </a:spcBef>
+              <a:spcAft>
+                <a:spcPts val="0"/>
+              </a:spcAft>
+              <a:buNone/>
+            </a:pPr>
+            <a:endParaRPr lang="en-GB" sz="2000" dirty="0">
+              <a:latin typeface="Lato" panose="020F0502020204030203" pitchFamily="34" charset="0"/>
+              <a:ea typeface="Lato" panose="020F0502020204030203" pitchFamily="34" charset="0"/>
+              <a:cs typeface="Lato" panose="020F0502020204030203" pitchFamily="34" charset="0"/>
+            </a:endParaRPr>
+          </a:p>
+          <a:p>
+            <a:pPr marL="0" lvl="0" indent="0" algn="l" rtl="0">
+              <a:spcBef>
+                <a:spcPts val="0"/>
+              </a:spcBef>
+              <a:spcAft>
+                <a:spcPts val="0"/>
+              </a:spcAft>
+              <a:buNone/>
+            </a:pPr>
+            <a:r>
+              <a:rPr lang="en-GB" sz="2000" dirty="0">
+                <a:latin typeface="Lato"/>
+                <a:ea typeface="Lato"/>
+                <a:cs typeface="Lato"/>
+              </a:rPr>
+              <a:t>Main classes:</a:t>
+            </a:r>
+          </a:p>
+          <a:p>
+            <a:pPr marL="457200" lvl="0" indent="-317500" algn="l" rtl="0">
+              <a:spcBef>
+                <a:spcPts val="0"/>
+              </a:spcBef>
+              <a:spcAft>
+                <a:spcPts val="0"/>
+              </a:spcAft>
+              <a:buSzPts val="1400"/>
+              <a:buChar char="●"/>
+            </a:pPr>
+            <a:r>
+              <a:rPr lang="en-GB" sz="2000" dirty="0" err="1">
+                <a:latin typeface="Lato" panose="020F0502020204030203" pitchFamily="34" charset="0"/>
+                <a:ea typeface="Lato" panose="020F0502020204030203" pitchFamily="34" charset="0"/>
+                <a:cs typeface="Lato" panose="020F0502020204030203" pitchFamily="34" charset="0"/>
+              </a:rPr>
+              <a:t>dcat:Catalogue</a:t>
+            </a:r>
+            <a:endParaRPr lang="en-GB" sz="2000" dirty="0">
+              <a:latin typeface="Lato" panose="020F0502020204030203" pitchFamily="34" charset="0"/>
+              <a:ea typeface="Lato" panose="020F0502020204030203" pitchFamily="34" charset="0"/>
+              <a:cs typeface="Lato" panose="020F0502020204030203" pitchFamily="34" charset="0"/>
+            </a:endParaRPr>
+          </a:p>
+          <a:p>
+            <a:pPr marL="457200" lvl="0" indent="-317500" algn="l" rtl="0">
+              <a:spcBef>
+                <a:spcPts val="0"/>
+              </a:spcBef>
+              <a:spcAft>
+                <a:spcPts val="0"/>
+              </a:spcAft>
+              <a:buSzPts val="1400"/>
+              <a:buChar char="●"/>
+            </a:pPr>
+            <a:r>
+              <a:rPr lang="en-GB" sz="2000" dirty="0" err="1">
+                <a:latin typeface="Lato" panose="020F0502020204030203" pitchFamily="34" charset="0"/>
+                <a:ea typeface="Lato" panose="020F0502020204030203" pitchFamily="34" charset="0"/>
+                <a:cs typeface="Lato" panose="020F0502020204030203" pitchFamily="34" charset="0"/>
+              </a:rPr>
+              <a:t>dcat:Dataset</a:t>
+            </a:r>
+            <a:endParaRPr lang="en-GB" sz="2000" dirty="0">
+              <a:latin typeface="Lato" panose="020F0502020204030203" pitchFamily="34" charset="0"/>
+              <a:ea typeface="Lato" panose="020F0502020204030203" pitchFamily="34" charset="0"/>
+              <a:cs typeface="Lato" panose="020F0502020204030203" pitchFamily="34" charset="0"/>
+            </a:endParaRPr>
+          </a:p>
+          <a:p>
+            <a:pPr marL="457200" lvl="0" indent="-317500" algn="l" rtl="0">
+              <a:spcBef>
+                <a:spcPts val="0"/>
+              </a:spcBef>
+              <a:spcAft>
+                <a:spcPts val="0"/>
+              </a:spcAft>
+              <a:buSzPts val="1400"/>
+              <a:buChar char="●"/>
+            </a:pPr>
+            <a:r>
+              <a:rPr lang="en-GB" sz="2000" dirty="0" err="1">
+                <a:latin typeface="Lato" panose="020F0502020204030203" pitchFamily="34" charset="0"/>
+                <a:ea typeface="Lato" panose="020F0502020204030203" pitchFamily="34" charset="0"/>
+                <a:cs typeface="Lato" panose="020F0502020204030203" pitchFamily="34" charset="0"/>
+              </a:rPr>
+              <a:t>dcat:Distribution</a:t>
+            </a:r>
+            <a:endParaRPr lang="en-GB" sz="2000" dirty="0">
+              <a:latin typeface="Lato" panose="020F0502020204030203" pitchFamily="34" charset="0"/>
+              <a:ea typeface="Lato" panose="020F0502020204030203" pitchFamily="34" charset="0"/>
+              <a:cs typeface="Lato" panose="020F0502020204030203" pitchFamily="34" charset="0"/>
+            </a:endParaRPr>
           </a:p>
           <a:p>
             <a:endParaRPr lang="en-NL" dirty="0"/>
+          </a:p>
+          <a:p>
+            <a:pPr marL="101600" indent="0">
+              <a:buNone/>
+            </a:pPr>
+            <a:r>
+              <a:rPr lang="en-NL" sz="1200" dirty="0"/>
+              <a:t>[1]RDF: Resource Description Framework</a:t>
+            </a:r>
           </a:p>
         </p:txBody>
       </p:sp>
+      <p:pic>
+        <p:nvPicPr>
+          <p:cNvPr id="4" name="Google Shape;110;p17">
+            <a:extLst>
+              <a:ext uri="{FF2B5EF4-FFF2-40B4-BE49-F238E27FC236}">
+                <a16:creationId xmlns:a16="http://schemas.microsoft.com/office/drawing/2014/main" id="{FEAFDDA5-CF5D-BD7F-F72D-A5C78F8E17F8}"/>
+              </a:ext>
+            </a:extLst>
+          </p:cNvPr>
+          <p:cNvPicPr preferRelativeResize="0"/>
+          <p:nvPr/>
+        </p:nvPicPr>
+        <p:blipFill>
+          <a:blip r:embed="rId2">
+            <a:alphaModFix/>
+          </a:blip>
+          <a:stretch>
+            <a:fillRect/>
+          </a:stretch>
+        </p:blipFill>
+        <p:spPr>
+          <a:xfrm>
+            <a:off x="6012586" y="1428317"/>
+            <a:ext cx="5492745" cy="4001365"/>
+          </a:xfrm>
+          <a:prstGeom prst="rect">
+            <a:avLst/>
+          </a:prstGeom>
+          <a:noFill/>
+          <a:ln>
+            <a:noFill/>
+          </a:ln>
+        </p:spPr>
+      </p:pic>
     </p:spTree>
     <p:extLst>
       <p:ext uri="{BB962C8B-B14F-4D97-AF65-F5344CB8AC3E}">
-        <p14:creationId xmlns:p14="http://schemas.microsoft.com/office/powerpoint/2010/main" val="2646470074"/>
+        <p14:creationId xmlns:p14="http://schemas.microsoft.com/office/powerpoint/2010/main" val="1213726470"/>
       </p:ext>
     </p:extLst>
   </p:cSld>

--- a/Presentations/31082023HRI_Metadata_Schema_ImagingGroup_KickOff.pptx
+++ b/Presentations/31082023HRI_Metadata_Schema_ImagingGroup_KickOff.pptx
@@ -5,7 +5,7 @@
     <p:sldMasterId id="2147483648" r:id="rId1"/>
   </p:sldMasterIdLst>
   <p:notesMasterIdLst>
-    <p:notesMasterId r:id="rId30"/>
+    <p:notesMasterId r:id="rId28"/>
   </p:notesMasterIdLst>
   <p:sldIdLst>
     <p:sldId id="309" r:id="rId2"/>
@@ -14,28 +14,26 @@
     <p:sldId id="321" r:id="rId5"/>
     <p:sldId id="290" r:id="rId6"/>
     <p:sldId id="327" r:id="rId7"/>
-    <p:sldId id="335" r:id="rId8"/>
-    <p:sldId id="337" r:id="rId9"/>
-    <p:sldId id="323" r:id="rId10"/>
-    <p:sldId id="324" r:id="rId11"/>
-    <p:sldId id="330" r:id="rId12"/>
-    <p:sldId id="331" r:id="rId13"/>
-    <p:sldId id="339" r:id="rId14"/>
-    <p:sldId id="326" r:id="rId15"/>
-    <p:sldId id="332" r:id="rId16"/>
-    <p:sldId id="333" r:id="rId17"/>
-    <p:sldId id="340" r:id="rId18"/>
-    <p:sldId id="346" r:id="rId19"/>
+    <p:sldId id="337" r:id="rId8"/>
+    <p:sldId id="323" r:id="rId9"/>
+    <p:sldId id="324" r:id="rId10"/>
+    <p:sldId id="330" r:id="rId11"/>
+    <p:sldId id="331" r:id="rId12"/>
+    <p:sldId id="339" r:id="rId13"/>
+    <p:sldId id="326" r:id="rId14"/>
+    <p:sldId id="332" r:id="rId15"/>
+    <p:sldId id="348" r:id="rId16"/>
+    <p:sldId id="349" r:id="rId17"/>
+    <p:sldId id="346" r:id="rId18"/>
+    <p:sldId id="350" r:id="rId19"/>
     <p:sldId id="347" r:id="rId20"/>
-    <p:sldId id="341" r:id="rId21"/>
-    <p:sldId id="342" r:id="rId22"/>
+    <p:sldId id="351" r:id="rId21"/>
+    <p:sldId id="344" r:id="rId22"/>
     <p:sldId id="336" r:id="rId23"/>
-    <p:sldId id="344" r:id="rId24"/>
-    <p:sldId id="345" r:id="rId25"/>
-    <p:sldId id="274" r:id="rId26"/>
-    <p:sldId id="291" r:id="rId27"/>
-    <p:sldId id="270" r:id="rId28"/>
-    <p:sldId id="271" r:id="rId29"/>
+    <p:sldId id="345" r:id="rId24"/>
+    <p:sldId id="274" r:id="rId25"/>
+    <p:sldId id="291" r:id="rId26"/>
+    <p:sldId id="270" r:id="rId27"/>
   </p:sldIdLst>
   <p:sldSz cx="12192000" cy="6858000"/>
   <p:notesSz cx="6858000" cy="9144000"/>
@@ -501,6 +499,194 @@
 </file>
 
 <file path=ppt/notesSlides/notesSlide1.xml><?xml version="1.0" encoding="utf-8"?>
+<p:notes xmlns:a="http://schemas.openxmlformats.org/drawingml/2006/main" xmlns:r="http://schemas.openxmlformats.org/officeDocument/2006/relationships" xmlns:p="http://schemas.openxmlformats.org/presentationml/2006/main">
+  <p:cSld>
+    <p:spTree>
+      <p:nvGrpSpPr>
+        <p:cNvPr id="1" name=""/>
+        <p:cNvGrpSpPr/>
+        <p:nvPr/>
+      </p:nvGrpSpPr>
+      <p:grpSpPr>
+        <a:xfrm>
+          <a:off x="0" y="0"/>
+          <a:ext cx="0" cy="0"/>
+          <a:chOff x="0" y="0"/>
+          <a:chExt cx="0" cy="0"/>
+        </a:xfrm>
+      </p:grpSpPr>
+      <p:sp>
+        <p:nvSpPr>
+          <p:cNvPr id="2" name="Slide Image Placeholder 1"/>
+          <p:cNvSpPr>
+            <a:spLocks noGrp="1" noRot="1" noChangeAspect="1"/>
+          </p:cNvSpPr>
+          <p:nvPr>
+            <p:ph type="sldImg"/>
+          </p:nvPr>
+        </p:nvSpPr>
+        <p:spPr/>
+      </p:sp>
+      <p:sp>
+        <p:nvSpPr>
+          <p:cNvPr id="3" name="Notes Placeholder 2"/>
+          <p:cNvSpPr>
+            <a:spLocks noGrp="1"/>
+          </p:cNvSpPr>
+          <p:nvPr>
+            <p:ph type="body" idx="1"/>
+          </p:nvPr>
+        </p:nvSpPr>
+        <p:spPr/>
+        <p:txBody>
+          <a:bodyPr/>
+          <a:lstStyle/>
+          <a:p>
+            <a:pPr algn="l">
+              <a:buFont typeface="Arial" panose="020B0604020202020204" pitchFamily="34" charset="0"/>
+              <a:buChar char="•"/>
+            </a:pPr>
+            <a:r>
+              <a:rPr lang="en-GB" b="1" i="0" dirty="0">
+                <a:solidFill>
+                  <a:srgbClr val="374151"/>
+                </a:solidFill>
+                <a:effectLst/>
+                <a:latin typeface="Söhne"/>
+              </a:rPr>
+              <a:t>F1:</a:t>
+            </a:r>
+            <a:r>
+              <a:rPr lang="en-GB" b="0" i="0" dirty="0">
+                <a:solidFill>
+                  <a:srgbClr val="374151"/>
+                </a:solidFill>
+                <a:effectLst/>
+                <a:latin typeface="Söhne"/>
+              </a:rPr>
+              <a:t> Data and metadata are assigned a globally unique and persistent identifier.</a:t>
+            </a:r>
+          </a:p>
+          <a:p>
+            <a:pPr algn="l">
+              <a:buFont typeface="Arial" panose="020B0604020202020204" pitchFamily="34" charset="0"/>
+              <a:buChar char="•"/>
+            </a:pPr>
+            <a:r>
+              <a:rPr lang="en-GB" b="1" i="0" dirty="0">
+                <a:solidFill>
+                  <a:srgbClr val="374151"/>
+                </a:solidFill>
+                <a:effectLst/>
+                <a:latin typeface="Söhne"/>
+              </a:rPr>
+              <a:t>F2:</a:t>
+            </a:r>
+            <a:r>
+              <a:rPr lang="en-GB" b="0" i="0" dirty="0">
+                <a:solidFill>
+                  <a:srgbClr val="374151"/>
+                </a:solidFill>
+                <a:effectLst/>
+                <a:latin typeface="Söhne"/>
+              </a:rPr>
+              <a:t> Data are described with rich metadata.</a:t>
+            </a:r>
+          </a:p>
+          <a:p>
+            <a:pPr algn="l">
+              <a:buFont typeface="Arial" panose="020B0604020202020204" pitchFamily="34" charset="0"/>
+              <a:buChar char="•"/>
+            </a:pPr>
+            <a:r>
+              <a:rPr lang="en-GB" b="1" i="0" dirty="0">
+                <a:solidFill>
+                  <a:srgbClr val="374151"/>
+                </a:solidFill>
+                <a:effectLst/>
+                <a:latin typeface="Söhne"/>
+              </a:rPr>
+              <a:t>F3:</a:t>
+            </a:r>
+            <a:r>
+              <a:rPr lang="en-GB" b="0" i="0" dirty="0">
+                <a:solidFill>
+                  <a:srgbClr val="374151"/>
+                </a:solidFill>
+                <a:effectLst/>
+                <a:latin typeface="Söhne"/>
+              </a:rPr>
+              <a:t> Metadata clearly and explicitly include the identifier of the data they describe.</a:t>
+            </a:r>
+          </a:p>
+          <a:p>
+            <a:pPr algn="l">
+              <a:buFont typeface="Arial" panose="020B0604020202020204" pitchFamily="34" charset="0"/>
+              <a:buChar char="•"/>
+            </a:pPr>
+            <a:r>
+              <a:rPr lang="en-GB" b="1" i="0" dirty="0">
+                <a:solidFill>
+                  <a:srgbClr val="374151"/>
+                </a:solidFill>
+                <a:effectLst/>
+                <a:latin typeface="Söhne"/>
+              </a:rPr>
+              <a:t>F4:</a:t>
+            </a:r>
+            <a:r>
+              <a:rPr lang="en-GB" b="0" i="0" dirty="0">
+                <a:solidFill>
+                  <a:srgbClr val="374151"/>
+                </a:solidFill>
+                <a:effectLst/>
+                <a:latin typeface="Söhne"/>
+              </a:rPr>
+              <a:t> Data and metadata are registered or indexed in a searchable resource.</a:t>
+            </a:r>
+          </a:p>
+          <a:p>
+            <a:endParaRPr lang="en-NL" dirty="0"/>
+          </a:p>
+        </p:txBody>
+      </p:sp>
+      <p:sp>
+        <p:nvSpPr>
+          <p:cNvPr id="4" name="Slide Number Placeholder 3"/>
+          <p:cNvSpPr>
+            <a:spLocks noGrp="1"/>
+          </p:cNvSpPr>
+          <p:nvPr>
+            <p:ph type="sldNum" sz="quarter" idx="5"/>
+          </p:nvPr>
+        </p:nvSpPr>
+        <p:spPr/>
+        <p:txBody>
+          <a:bodyPr/>
+          <a:lstStyle/>
+          <a:p>
+            <a:fld id="{5E89D69C-9871-1346-B305-215A53474772}" type="slidenum">
+              <a:rPr lang="en-NL" smtClean="0"/>
+              <a:t>4</a:t>
+            </a:fld>
+            <a:endParaRPr lang="en-NL"/>
+          </a:p>
+        </p:txBody>
+      </p:sp>
+    </p:spTree>
+    <p:extLst>
+      <p:ext uri="{BB962C8B-B14F-4D97-AF65-F5344CB8AC3E}">
+        <p14:creationId xmlns:p14="http://schemas.microsoft.com/office/powerpoint/2010/main" val="2184507588"/>
+      </p:ext>
+    </p:extLst>
+  </p:cSld>
+  <p:clrMapOvr>
+    <a:masterClrMapping/>
+  </p:clrMapOvr>
+</p:notes>
+</file>
+
+<file path=ppt/notesSlides/notesSlide2.xml><?xml version="1.0" encoding="utf-8"?>
 <p:notes xmlns:a="http://schemas.openxmlformats.org/drawingml/2006/main" xmlns:r="http://schemas.openxmlformats.org/officeDocument/2006/relationships" xmlns:p="http://schemas.openxmlformats.org/presentationml/2006/main" showMasterSp="0" showMasterPhAnim="0">
   <p:cSld>
     <p:spTree>
@@ -710,7 +896,7 @@
 </p:notes>
 </file>
 
-<file path=ppt/notesSlides/notesSlide2.xml><?xml version="1.0" encoding="utf-8"?>
+<file path=ppt/notesSlides/notesSlide3.xml><?xml version="1.0" encoding="utf-8"?>
 <p:notes xmlns:a="http://schemas.openxmlformats.org/drawingml/2006/main" xmlns:r="http://schemas.openxmlformats.org/officeDocument/2006/relationships" xmlns:p="http://schemas.openxmlformats.org/presentationml/2006/main">
   <p:cSld>
     <p:spTree>
@@ -754,63 +940,6 @@
           <a:bodyPr/>
           <a:lstStyle/>
           <a:p>
-            <a:pPr marL="0" indent="0">
-              <a:spcBef>
-                <a:spcPts val="0"/>
-              </a:spcBef>
-              <a:buNone/>
-            </a:pPr>
-            <a:r>
-              <a:rPr lang="en-GB" sz="2000" dirty="0"/>
-              <a:t>. Represent the terms in </a:t>
-            </a:r>
-            <a:r>
-              <a:rPr lang="en-GB" sz="2000" dirty="0" err="1"/>
-              <a:t>rdf</a:t>
-            </a:r>
-            <a:r>
-              <a:rPr lang="en-GB" sz="2000" dirty="0"/>
-              <a:t> compliant manner -- semantic modelling </a:t>
-            </a:r>
-          </a:p>
-          <a:p>
-            <a:pPr lvl="1"/>
-            <a:r>
-              <a:rPr lang="en-GB" sz="1600" dirty="0"/>
-              <a:t>Classes: is an abstraction mechanism for creating a collection of objects with similar characteristics. The Objects called instances of a class.  (e.g. Class(Dataset) and individual(dataset-100)  is an instance of it). Class can have hierarchical relationships (subclass) which allows for inheritance and subsumption.</a:t>
-            </a:r>
-          </a:p>
-          <a:p>
-            <a:pPr lvl="1"/>
-            <a:r>
-              <a:rPr lang="en-GB" sz="1600" dirty="0"/>
-              <a:t>Enumeration: Categorical data (controlled vocabularies)</a:t>
-            </a:r>
-          </a:p>
-          <a:p>
-            <a:pPr lvl="1"/>
-            <a:r>
-              <a:rPr lang="en-GB" sz="1600" dirty="0"/>
-              <a:t>Datatype Property: these are relationships between instances of classes. (e.g. dataset’s title is a datatype property that related all the instance of the class dataset to a string datatype). </a:t>
-            </a:r>
-          </a:p>
-          <a:p>
-            <a:pPr lvl="1"/>
-            <a:r>
-              <a:rPr lang="en-GB" sz="1600" dirty="0"/>
-              <a:t>Object Property: These are relationships between instances of two classes. For example ”</a:t>
-            </a:r>
-            <a:r>
-              <a:rPr lang="en-GB" sz="1600" dirty="0" err="1"/>
-              <a:t>hasDistribution</a:t>
-            </a:r>
-            <a:r>
-              <a:rPr lang="en-GB" sz="1600" dirty="0"/>
-              <a:t>” is an object property that related all the instances of class dataset to instances of class distribution. </a:t>
-            </a:r>
-            <a:endParaRPr lang="en-NL" sz="1600" dirty="0"/>
-          </a:p>
-          <a:p>
             <a:endParaRPr lang="en-NL" dirty="0"/>
           </a:p>
         </p:txBody>
@@ -832,7 +961,7 @@
           <a:p>
             <a:fld id="{5E89D69C-9871-1346-B305-215A53474772}" type="slidenum">
               <a:rPr lang="en-NL" smtClean="0"/>
-              <a:t>18</a:t>
+              <a:t>17</a:t>
             </a:fld>
             <a:endParaRPr lang="en-NL"/>
           </a:p>
@@ -851,7 +980,91 @@
 </p:notes>
 </file>
 
-<file path=ppt/notesSlides/notesSlide3.xml><?xml version="1.0" encoding="utf-8"?>
+<file path=ppt/notesSlides/notesSlide4.xml><?xml version="1.0" encoding="utf-8"?>
+<p:notes xmlns:a="http://schemas.openxmlformats.org/drawingml/2006/main" xmlns:r="http://schemas.openxmlformats.org/officeDocument/2006/relationships" xmlns:p="http://schemas.openxmlformats.org/presentationml/2006/main">
+  <p:cSld>
+    <p:spTree>
+      <p:nvGrpSpPr>
+        <p:cNvPr id="1" name=""/>
+        <p:cNvGrpSpPr/>
+        <p:nvPr/>
+      </p:nvGrpSpPr>
+      <p:grpSpPr>
+        <a:xfrm>
+          <a:off x="0" y="0"/>
+          <a:ext cx="0" cy="0"/>
+          <a:chOff x="0" y="0"/>
+          <a:chExt cx="0" cy="0"/>
+        </a:xfrm>
+      </p:grpSpPr>
+      <p:sp>
+        <p:nvSpPr>
+          <p:cNvPr id="2" name="Slide Image Placeholder 1"/>
+          <p:cNvSpPr>
+            <a:spLocks noGrp="1" noRot="1" noChangeAspect="1"/>
+          </p:cNvSpPr>
+          <p:nvPr>
+            <p:ph type="sldImg"/>
+          </p:nvPr>
+        </p:nvSpPr>
+        <p:spPr/>
+      </p:sp>
+      <p:sp>
+        <p:nvSpPr>
+          <p:cNvPr id="3" name="Notes Placeholder 2"/>
+          <p:cNvSpPr>
+            <a:spLocks noGrp="1"/>
+          </p:cNvSpPr>
+          <p:nvPr>
+            <p:ph type="body" idx="1"/>
+          </p:nvPr>
+        </p:nvSpPr>
+        <p:spPr/>
+        <p:txBody>
+          <a:bodyPr/>
+          <a:lstStyle/>
+          <a:p>
+            <a:endParaRPr lang="en-NL" dirty="0"/>
+          </a:p>
+        </p:txBody>
+      </p:sp>
+      <p:sp>
+        <p:nvSpPr>
+          <p:cNvPr id="4" name="Slide Number Placeholder 3"/>
+          <p:cNvSpPr>
+            <a:spLocks noGrp="1"/>
+          </p:cNvSpPr>
+          <p:nvPr>
+            <p:ph type="sldNum" sz="quarter" idx="5"/>
+          </p:nvPr>
+        </p:nvSpPr>
+        <p:spPr/>
+        <p:txBody>
+          <a:bodyPr/>
+          <a:lstStyle/>
+          <a:p>
+            <a:fld id="{5E89D69C-9871-1346-B305-215A53474772}" type="slidenum">
+              <a:rPr lang="en-NL" smtClean="0"/>
+              <a:t>20</a:t>
+            </a:fld>
+            <a:endParaRPr lang="en-NL"/>
+          </a:p>
+        </p:txBody>
+      </p:sp>
+    </p:spTree>
+    <p:extLst>
+      <p:ext uri="{BB962C8B-B14F-4D97-AF65-F5344CB8AC3E}">
+        <p14:creationId xmlns:p14="http://schemas.microsoft.com/office/powerpoint/2010/main" val="3684584153"/>
+      </p:ext>
+    </p:extLst>
+  </p:cSld>
+  <p:clrMapOvr>
+    <a:masterClrMapping/>
+  </p:clrMapOvr>
+</p:notes>
+</file>
+
+<file path=ppt/notesSlides/notesSlide5.xml><?xml version="1.0" encoding="utf-8"?>
 <p:notes xmlns:a="http://schemas.openxmlformats.org/drawingml/2006/main" xmlns:r="http://schemas.openxmlformats.org/officeDocument/2006/relationships" xmlns:p="http://schemas.openxmlformats.org/presentationml/2006/main">
   <p:cSld>
     <p:spTree>
@@ -917,7 +1130,7 @@
 </p:notes>
 </file>
 
-<file path=ppt/notesSlides/notesSlide4.xml><?xml version="1.0" encoding="utf-8"?>
+<file path=ppt/notesSlides/notesSlide6.xml><?xml version="1.0" encoding="utf-8"?>
 <p:notes xmlns:a="http://schemas.openxmlformats.org/drawingml/2006/main" xmlns:r="http://schemas.openxmlformats.org/officeDocument/2006/relationships" xmlns:p="http://schemas.openxmlformats.org/presentationml/2006/main" showMasterSp="0" showMasterPhAnim="0">
   <p:cSld>
     <p:spTree>
@@ -978,110 +1191,6 @@
       <p:sp>
         <p:nvSpPr>
           <p:cNvPr id="220" name="Google Shape;220;g24bc57abd04_0_142:notes"/>
-          <p:cNvSpPr txBox="1">
-            <a:spLocks noGrp="1"/>
-          </p:cNvSpPr>
-          <p:nvPr>
-            <p:ph type="body" idx="1"/>
-          </p:nvPr>
-        </p:nvSpPr>
-        <p:spPr>
-          <a:xfrm>
-            <a:off x="685800" y="4343400"/>
-            <a:ext cx="5486400" cy="4114800"/>
-          </a:xfrm>
-          <a:prstGeom prst="rect">
-            <a:avLst/>
-          </a:prstGeom>
-        </p:spPr>
-        <p:txBody>
-          <a:bodyPr spcFirstLastPara="1" wrap="square" lIns="91425" tIns="91425" rIns="91425" bIns="91425" anchor="t" anchorCtr="0">
-            <a:noAutofit/>
-          </a:bodyPr>
-          <a:lstStyle/>
-          <a:p>
-            <a:pPr marL="0" lvl="0" indent="0" algn="l" rtl="0">
-              <a:spcBef>
-                <a:spcPts val="0"/>
-              </a:spcBef>
-              <a:spcAft>
-                <a:spcPts val="0"/>
-              </a:spcAft>
-              <a:buNone/>
-            </a:pPr>
-            <a:endParaRPr/>
-          </a:p>
-        </p:txBody>
-      </p:sp>
-    </p:spTree>
-  </p:cSld>
-  <p:clrMapOvr>
-    <a:masterClrMapping/>
-  </p:clrMapOvr>
-</p:notes>
-</file>
-
-<file path=ppt/notesSlides/notesSlide5.xml><?xml version="1.0" encoding="utf-8"?>
-<p:notes xmlns:a="http://schemas.openxmlformats.org/drawingml/2006/main" xmlns:r="http://schemas.openxmlformats.org/officeDocument/2006/relationships" xmlns:p="http://schemas.openxmlformats.org/presentationml/2006/main" showMasterSp="0" showMasterPhAnim="0">
-  <p:cSld>
-    <p:spTree>
-      <p:nvGrpSpPr>
-        <p:cNvPr id="1" name="Shape 226"/>
-        <p:cNvGrpSpPr/>
-        <p:nvPr/>
-      </p:nvGrpSpPr>
-      <p:grpSpPr>
-        <a:xfrm>
-          <a:off x="0" y="0"/>
-          <a:ext cx="0" cy="0"/>
-          <a:chOff x="0" y="0"/>
-          <a:chExt cx="0" cy="0"/>
-        </a:xfrm>
-      </p:grpSpPr>
-      <p:sp>
-        <p:nvSpPr>
-          <p:cNvPr id="227" name="Google Shape;227;g24bc57abd04_0_148:notes"/>
-          <p:cNvSpPr>
-            <a:spLocks noGrp="1" noRot="1" noChangeAspect="1"/>
-          </p:cNvSpPr>
-          <p:nvPr>
-            <p:ph type="sldImg" idx="2"/>
-          </p:nvPr>
-        </p:nvSpPr>
-        <p:spPr>
-          <a:xfrm>
-            <a:off x="381000" y="685800"/>
-            <a:ext cx="6096000" cy="3429000"/>
-          </a:xfrm>
-          <a:custGeom>
-            <a:avLst/>
-            <a:gdLst/>
-            <a:ahLst/>
-            <a:cxnLst/>
-            <a:rect l="l" t="t" r="r" b="b"/>
-            <a:pathLst>
-              <a:path w="120000" h="120000" extrusionOk="0">
-                <a:moveTo>
-                  <a:pt x="0" y="0"/>
-                </a:moveTo>
-                <a:lnTo>
-                  <a:pt x="120000" y="0"/>
-                </a:lnTo>
-                <a:lnTo>
-                  <a:pt x="120000" y="120000"/>
-                </a:lnTo>
-                <a:lnTo>
-                  <a:pt x="0" y="120000"/>
-                </a:lnTo>
-                <a:close/>
-              </a:path>
-            </a:pathLst>
-          </a:custGeom>
-        </p:spPr>
-      </p:sp>
-      <p:sp>
-        <p:nvSpPr>
-          <p:cNvPr id="228" name="Google Shape;228;g24bc57abd04_0_148:notes"/>
           <p:cNvSpPr txBox="1">
             <a:spLocks noGrp="1"/>
           </p:cNvSpPr>
@@ -5520,7 +5629,7 @@
         <p:spPr>
           <a:xfrm>
             <a:off x="3249394" y="2128749"/>
-            <a:ext cx="10250800" cy="2219600"/>
+            <a:ext cx="4713506" cy="919251"/>
           </a:xfrm>
           <a:prstGeom prst="rect">
             <a:avLst/>
@@ -6120,403 +6229,6 @@
 </file>
 
 <file path=ppt/slides/slide10.xml><?xml version="1.0" encoding="utf-8"?>
-<p:sld xmlns:a="http://schemas.openxmlformats.org/drawingml/2006/main" xmlns:r="http://schemas.openxmlformats.org/officeDocument/2006/relationships" xmlns:p="http://schemas.openxmlformats.org/presentationml/2006/main">
-  <p:cSld>
-    <p:spTree>
-      <p:nvGrpSpPr>
-        <p:cNvPr id="1" name=""/>
-        <p:cNvGrpSpPr/>
-        <p:nvPr/>
-      </p:nvGrpSpPr>
-      <p:grpSpPr>
-        <a:xfrm>
-          <a:off x="0" y="0"/>
-          <a:ext cx="0" cy="0"/>
-          <a:chOff x="0" y="0"/>
-          <a:chExt cx="0" cy="0"/>
-        </a:xfrm>
-      </p:grpSpPr>
-      <p:sp>
-        <p:nvSpPr>
-          <p:cNvPr id="2" name="Title 1">
-            <a:extLst>
-              <a:ext uri="{FF2B5EF4-FFF2-40B4-BE49-F238E27FC236}">
-                <a16:creationId xmlns:a16="http://schemas.microsoft.com/office/drawing/2014/main" id="{72395C7D-5BF7-9571-AFE5-B0360E41E81E}"/>
-              </a:ext>
-            </a:extLst>
-          </p:cNvPr>
-          <p:cNvSpPr>
-            <a:spLocks noGrp="1"/>
-          </p:cNvSpPr>
-          <p:nvPr>
-            <p:ph type="title"/>
-          </p:nvPr>
-        </p:nvSpPr>
-        <p:spPr>
-          <a:xfrm>
-            <a:off x="292818" y="415429"/>
-            <a:ext cx="11352363" cy="443199"/>
-          </a:xfrm>
-        </p:spPr>
-        <p:txBody>
-          <a:bodyPr/>
-          <a:lstStyle/>
-          <a:p>
-            <a:r>
-              <a:rPr lang="en-GB" dirty="0">
-                <a:hlinkClick r:id="rId2">
-                  <a:extLst>
-                    <a:ext uri="{A12FA001-AC4F-418D-AE19-62706E023703}">
-                      <ahyp:hlinkClr xmlns:ahyp="http://schemas.microsoft.com/office/drawing/2018/hyperlinkcolor" val="tx"/>
-                    </a:ext>
-                  </a:extLst>
-                </a:hlinkClick>
-              </a:rPr>
-              <a:t>Objectives of DCAT</a:t>
-            </a:r>
-            <a:r>
-              <a:rPr lang="en-GB" dirty="0"/>
-              <a:t>-AP</a:t>
-            </a:r>
-            <a:endParaRPr lang="en-NL" dirty="0"/>
-          </a:p>
-        </p:txBody>
-      </p:sp>
-      <p:sp>
-        <p:nvSpPr>
-          <p:cNvPr id="3" name="Text Placeholder 2">
-            <a:extLst>
-              <a:ext uri="{FF2B5EF4-FFF2-40B4-BE49-F238E27FC236}">
-                <a16:creationId xmlns:a16="http://schemas.microsoft.com/office/drawing/2014/main" id="{9E8B732C-AC67-2DC8-3B49-4CE082F6997E}"/>
-              </a:ext>
-            </a:extLst>
-          </p:cNvPr>
-          <p:cNvSpPr>
-            <a:spLocks noGrp="1"/>
-          </p:cNvSpPr>
-          <p:nvPr>
-            <p:ph type="body" idx="1"/>
-          </p:nvPr>
-        </p:nvSpPr>
-        <p:spPr>
-          <a:xfrm>
-            <a:off x="294799" y="1058585"/>
-            <a:ext cx="11352363" cy="4575411"/>
-          </a:xfrm>
-        </p:spPr>
-        <p:txBody>
-          <a:bodyPr/>
-          <a:lstStyle/>
-          <a:p>
-            <a:pPr marL="285750" lvl="0" indent="-285750" algn="l" rtl="0">
-              <a:lnSpc>
-                <a:spcPct val="95000"/>
-              </a:lnSpc>
-              <a:spcBef>
-                <a:spcPts val="0"/>
-              </a:spcBef>
-              <a:spcAft>
-                <a:spcPts val="0"/>
-              </a:spcAft>
-              <a:buSzPts val="852"/>
-              <a:buFontTx/>
-              <a:buChar char="-"/>
-            </a:pPr>
-            <a:r>
-              <a:rPr lang="en-US" sz="2000" dirty="0"/>
-              <a:t>Supporting the discovery of/access to data in a cross border and cross domain environment, by harvesting data from distributed portals. </a:t>
-            </a:r>
-          </a:p>
-          <a:p>
-            <a:pPr marL="285750" lvl="0" indent="-285750" algn="l" rtl="0">
-              <a:lnSpc>
-                <a:spcPct val="95000"/>
-              </a:lnSpc>
-              <a:spcBef>
-                <a:spcPts val="0"/>
-              </a:spcBef>
-              <a:spcAft>
-                <a:spcPts val="0"/>
-              </a:spcAft>
-              <a:buSzPts val="852"/>
-              <a:buFontTx/>
-              <a:buChar char="-"/>
-            </a:pPr>
-            <a:endParaRPr lang="en-US" sz="2000" dirty="0"/>
-          </a:p>
-          <a:p>
-            <a:pPr marL="285750" lvl="0" indent="-285750" algn="l" rtl="0">
-              <a:lnSpc>
-                <a:spcPct val="95000"/>
-              </a:lnSpc>
-              <a:spcBef>
-                <a:spcPts val="0"/>
-              </a:spcBef>
-              <a:spcAft>
-                <a:spcPts val="0"/>
-              </a:spcAft>
-              <a:buSzPts val="852"/>
-              <a:buFontTx/>
-              <a:buChar char="-"/>
-            </a:pPr>
-            <a:r>
-              <a:rPr lang="en-US" sz="2000" dirty="0"/>
-              <a:t>In the form of an application profile of W3C DCAT, by: </a:t>
-            </a:r>
-          </a:p>
-          <a:p>
-            <a:pPr marL="742950" lvl="1" indent="-285750">
-              <a:lnSpc>
-                <a:spcPct val="95000"/>
-              </a:lnSpc>
-              <a:buSzPts val="852"/>
-              <a:buFontTx/>
-              <a:buChar char="-"/>
-            </a:pPr>
-            <a:r>
-              <a:rPr lang="en-US" sz="2000" dirty="0"/>
-              <a:t>Expressing constraints and usages notes on DCAT properties and classes, and </a:t>
-            </a:r>
-          </a:p>
-          <a:p>
-            <a:pPr marL="742950" lvl="1" indent="-285750">
-              <a:lnSpc>
-                <a:spcPct val="95000"/>
-              </a:lnSpc>
-              <a:buSzPts val="852"/>
-              <a:buFontTx/>
-              <a:buChar char="-"/>
-            </a:pPr>
-            <a:r>
-              <a:rPr lang="en-US" sz="2000" dirty="0"/>
-              <a:t>Including additional properties and usages of controlled vocabularies</a:t>
-            </a:r>
-          </a:p>
-          <a:p>
-            <a:pPr marL="742950" lvl="1" indent="-285750">
-              <a:lnSpc>
-                <a:spcPct val="95000"/>
-              </a:lnSpc>
-              <a:buSzPts val="852"/>
-              <a:buFontTx/>
-              <a:buChar char="-"/>
-            </a:pPr>
-            <a:endParaRPr lang="en-US" sz="2000" dirty="0"/>
-          </a:p>
-          <a:p>
-            <a:pPr marL="285750" indent="-285750">
-              <a:lnSpc>
-                <a:spcPct val="95000"/>
-              </a:lnSpc>
-              <a:buSzPts val="852"/>
-              <a:buFontTx/>
-              <a:buChar char="-"/>
-            </a:pPr>
-            <a:r>
-              <a:rPr lang="en-US" sz="2000" dirty="0"/>
-              <a:t>In such a way that the metadata descriptions are maximally harmonized across Europe, and provide a reliable source for the European Data Portal</a:t>
-            </a:r>
-          </a:p>
-          <a:p>
-            <a:pPr marL="285750" indent="-285750">
-              <a:lnSpc>
-                <a:spcPct val="95000"/>
-              </a:lnSpc>
-              <a:buSzPts val="852"/>
-              <a:buFontTx/>
-              <a:buChar char="-"/>
-            </a:pPr>
-            <a:endParaRPr lang="en-US" sz="2000" dirty="0"/>
-          </a:p>
-          <a:p>
-            <a:pPr marL="285750" indent="-285750">
-              <a:lnSpc>
-                <a:spcPct val="95000"/>
-              </a:lnSpc>
-              <a:buSzPts val="852"/>
-              <a:buFontTx/>
-              <a:buChar char="-"/>
-            </a:pPr>
-            <a:r>
-              <a:rPr lang="en-US" sz="2000" dirty="0"/>
-              <a:t>Extensions exists to serve different communities better, </a:t>
-            </a:r>
-            <a:r>
-              <a:rPr lang="en-US" sz="2000" dirty="0" err="1"/>
-              <a:t>BregDCAT</a:t>
-            </a:r>
-            <a:r>
-              <a:rPr lang="en-US" sz="2000" dirty="0"/>
-              <a:t>-AP, GEODCAT-AP, </a:t>
-            </a:r>
-            <a:r>
-              <a:rPr lang="en-US" sz="2000" dirty="0" err="1"/>
-              <a:t>StatDCAT</a:t>
-            </a:r>
-            <a:r>
-              <a:rPr lang="en-US" sz="2000" dirty="0"/>
-              <a:t>-AP. </a:t>
-            </a:r>
-          </a:p>
-          <a:p>
-            <a:pPr marL="342900" indent="-342900">
-              <a:lnSpc>
-                <a:spcPct val="95000"/>
-              </a:lnSpc>
-              <a:buSzPts val="852"/>
-              <a:buFont typeface="Wingdings" pitchFamily="2" charset="2"/>
-              <a:buChar char="§"/>
-            </a:pPr>
-            <a:r>
-              <a:rPr lang="en-US" sz="2000" dirty="0">
-                <a:solidFill>
-                  <a:srgbClr val="000000"/>
-                </a:solidFill>
-                <a:latin typeface="Lato"/>
-                <a:ea typeface="Lato"/>
-                <a:cs typeface="Lato"/>
-              </a:rPr>
-              <a:t>Link to the specification -- </a:t>
-            </a:r>
-            <a:r>
-              <a:rPr lang="en-US" sz="2000" dirty="0">
-                <a:solidFill>
-                  <a:srgbClr val="000000"/>
-                </a:solidFill>
-                <a:latin typeface="Lato"/>
-                <a:ea typeface="Lato"/>
-                <a:cs typeface="Lato"/>
-                <a:hlinkClick r:id="rId2"/>
-              </a:rPr>
-              <a:t>https://www.w3.org/TR/vocab-dcat-2/</a:t>
-            </a:r>
-            <a:endParaRPr lang="en-US" sz="2000" dirty="0">
-              <a:solidFill>
-                <a:srgbClr val="000000"/>
-              </a:solidFill>
-              <a:latin typeface="Lato"/>
-              <a:ea typeface="Lato"/>
-              <a:cs typeface="Lato"/>
-            </a:endParaRPr>
-          </a:p>
-          <a:p>
-            <a:pPr marL="342900" indent="-342900">
-              <a:lnSpc>
-                <a:spcPct val="95000"/>
-              </a:lnSpc>
-              <a:buSzPts val="852"/>
-              <a:buFont typeface="Wingdings" pitchFamily="2" charset="2"/>
-              <a:buChar char="§"/>
-            </a:pPr>
-            <a:r>
-              <a:rPr lang="en-US" sz="2000" dirty="0">
-                <a:solidFill>
-                  <a:srgbClr val="000000"/>
-                </a:solidFill>
-                <a:latin typeface="Lato"/>
-                <a:ea typeface="Lato"/>
-                <a:cs typeface="Lato"/>
-              </a:rPr>
-              <a:t>You can also find it on health-</a:t>
-            </a:r>
-            <a:r>
-              <a:rPr lang="en-US" sz="2000" dirty="0" err="1">
-                <a:solidFill>
-                  <a:srgbClr val="000000"/>
-                </a:solidFill>
-                <a:latin typeface="Lato"/>
-                <a:ea typeface="Lato"/>
-                <a:cs typeface="Lato"/>
-              </a:rPr>
-              <a:t>ri</a:t>
-            </a:r>
-            <a:r>
-              <a:rPr lang="en-US" sz="2000" dirty="0">
-                <a:solidFill>
-                  <a:srgbClr val="000000"/>
-                </a:solidFill>
-                <a:latin typeface="Lato"/>
-                <a:ea typeface="Lato"/>
-                <a:cs typeface="Lato"/>
-              </a:rPr>
-              <a:t> git </a:t>
-            </a:r>
-            <a:r>
-              <a:rPr lang="en-US" sz="2000" dirty="0">
-                <a:solidFill>
-                  <a:srgbClr val="000000"/>
-                </a:solidFill>
-                <a:latin typeface="Lato"/>
-                <a:ea typeface="Lato"/>
-                <a:cs typeface="Lato"/>
-                <a:hlinkClick r:id="rId3"/>
-              </a:rPr>
-              <a:t>https://github.com/Health-RI/health-ri-metadata/tree/master/DCAT-AP</a:t>
-            </a:r>
-            <a:endParaRPr lang="en-US" sz="2000" dirty="0">
-              <a:solidFill>
-                <a:srgbClr val="000000"/>
-              </a:solidFill>
-              <a:latin typeface="Lato"/>
-              <a:ea typeface="Lato"/>
-              <a:cs typeface="Lato"/>
-            </a:endParaRPr>
-          </a:p>
-          <a:p>
-            <a:pPr marL="342900" indent="-342900">
-              <a:lnSpc>
-                <a:spcPct val="95000"/>
-              </a:lnSpc>
-              <a:buSzPts val="852"/>
-              <a:buFont typeface="Wingdings" pitchFamily="2" charset="2"/>
-              <a:buChar char="§"/>
-            </a:pPr>
-            <a:endParaRPr lang="en-US" sz="2000" dirty="0">
-              <a:solidFill>
-                <a:srgbClr val="000000"/>
-              </a:solidFill>
-              <a:latin typeface="Lato"/>
-              <a:ea typeface="Lato"/>
-              <a:cs typeface="Lato"/>
-            </a:endParaRPr>
-          </a:p>
-          <a:p>
-            <a:pPr marL="342900" indent="-342900">
-              <a:lnSpc>
-                <a:spcPct val="95000"/>
-              </a:lnSpc>
-              <a:buSzPts val="852"/>
-              <a:buFont typeface="Wingdings" pitchFamily="2" charset="2"/>
-              <a:buChar char="§"/>
-            </a:pPr>
-            <a:endParaRPr lang="en-US" sz="2000" dirty="0">
-              <a:solidFill>
-                <a:srgbClr val="000000"/>
-              </a:solidFill>
-              <a:latin typeface="Lato"/>
-              <a:ea typeface="Lato"/>
-              <a:cs typeface="Lato"/>
-            </a:endParaRPr>
-          </a:p>
-          <a:p>
-            <a:endParaRPr lang="en-NL" sz="1600" dirty="0"/>
-          </a:p>
-        </p:txBody>
-      </p:sp>
-    </p:spTree>
-    <p:extLst>
-      <p:ext uri="{BB962C8B-B14F-4D97-AF65-F5344CB8AC3E}">
-        <p14:creationId xmlns:p14="http://schemas.microsoft.com/office/powerpoint/2010/main" val="4267923108"/>
-      </p:ext>
-    </p:extLst>
-  </p:cSld>
-  <p:clrMapOvr>
-    <a:masterClrMapping/>
-  </p:clrMapOvr>
-</p:sld>
-</file>
-
-<file path=ppt/slides/slide11.xml><?xml version="1.0" encoding="utf-8"?>
 <p:sld xmlns:a="http://schemas.openxmlformats.org/drawingml/2006/main" xmlns:r="http://schemas.openxmlformats.org/officeDocument/2006/relationships" xmlns:p="http://schemas.openxmlformats.org/presentationml/2006/main">
   <p:cSld>
     <p:spTree>
@@ -6897,7 +6609,7 @@
 </p:sld>
 </file>
 
-<file path=ppt/slides/slide12.xml><?xml version="1.0" encoding="utf-8"?>
+<file path=ppt/slides/slide11.xml><?xml version="1.0" encoding="utf-8"?>
 <p:sld xmlns:a="http://schemas.openxmlformats.org/drawingml/2006/main" xmlns:r="http://schemas.openxmlformats.org/officeDocument/2006/relationships" xmlns:p="http://schemas.openxmlformats.org/presentationml/2006/main">
   <p:cSld>
     <p:spTree>
@@ -6998,7 +6710,7 @@
 </p:sld>
 </file>
 
-<file path=ppt/slides/slide13.xml><?xml version="1.0" encoding="utf-8"?>
+<file path=ppt/slides/slide12.xml><?xml version="1.0" encoding="utf-8"?>
 <p:sld xmlns:a="http://schemas.openxmlformats.org/drawingml/2006/main" xmlns:r="http://schemas.openxmlformats.org/officeDocument/2006/relationships" xmlns:p="http://schemas.openxmlformats.org/presentationml/2006/main">
   <p:cSld>
     <p:spTree>
@@ -7038,7 +6750,7 @@
           <a:p>
             <a:r>
               <a:rPr lang="en-NL" dirty="0"/>
-              <a:t>Practical step for aligning with the CORE</a:t>
+              <a:t>Practical steps for aligning with the core metadata schema</a:t>
             </a:r>
           </a:p>
         </p:txBody>
@@ -7120,7 +6832,7 @@
                 <a:ea typeface="Lato" panose="020F0502020204030203" pitchFamily="34" charset="0"/>
                 <a:cs typeface="Lato" panose="020F0502020204030203" pitchFamily="34" charset="0"/>
               </a:rPr>
-              <a:t>Think of listing the resources and instance metadata that will be part of health-</a:t>
+              <a:t>Think of listing the resources and collect metadata instances that will be part of health-</a:t>
             </a:r>
             <a:r>
               <a:rPr lang="en-US" sz="2800" dirty="0" err="1">
@@ -7155,7 +6867,7 @@
 </p:sld>
 </file>
 
-<file path=ppt/slides/slide14.xml><?xml version="1.0" encoding="utf-8"?>
+<file path=ppt/slides/slide13.xml><?xml version="1.0" encoding="utf-8"?>
 <p:sld xmlns:a="http://schemas.openxmlformats.org/drawingml/2006/main" xmlns:r="http://schemas.openxmlformats.org/officeDocument/2006/relationships" xmlns:p="http://schemas.openxmlformats.org/presentationml/2006/main">
   <p:cSld>
     <p:spTree>
@@ -12672,7 +12384,7 @@
           </a:lstStyle>
           <a:p>
             <a:r>
-              <a:rPr lang="en-GB" sz="3500" kern="0">
+              <a:rPr lang="en-GB" sz="3500" kern="0" dirty="0">
                 <a:solidFill>
                   <a:schemeClr val="accent1"/>
                 </a:solidFill>
@@ -12682,7 +12394,7 @@
               </a:rPr>
               <a:t>Health-RI domain (leaves) metadata schemas </a:t>
             </a:r>
-            <a:endParaRPr sz="3500" kern="0">
+            <a:endParaRPr sz="3500" kern="0" dirty="0">
               <a:solidFill>
                 <a:schemeClr val="accent1"/>
               </a:solidFill>
@@ -13997,7 +13709,7 @@
 </p:sld>
 </file>
 
-<file path=ppt/slides/slide15.xml><?xml version="1.0" encoding="utf-8"?>
+<file path=ppt/slides/slide14.xml><?xml version="1.0" encoding="utf-8"?>
 <p:sld xmlns:a="http://schemas.openxmlformats.org/drawingml/2006/main" xmlns:r="http://schemas.openxmlformats.org/officeDocument/2006/relationships" xmlns:p="http://schemas.openxmlformats.org/presentationml/2006/main">
   <p:cSld>
     <p:spTree>
@@ -14032,8 +13744,8 @@
         </p:nvSpPr>
         <p:spPr>
           <a:xfrm>
-            <a:off x="419818" y="809129"/>
-            <a:ext cx="11352363" cy="443199"/>
+            <a:off x="419818" y="482601"/>
+            <a:ext cx="11352364" cy="769728"/>
           </a:xfrm>
         </p:spPr>
         <p:txBody>
@@ -14050,7 +13762,7 @@
             </a:r>
             <a:r>
               <a:rPr lang="en-GB" dirty="0"/>
-              <a:t> Leaves – Specialized/domain Metadata </a:t>
+              <a:t> Leaves – domain-specific Metadata </a:t>
             </a:r>
             <a:endParaRPr lang="en-NL" dirty="0"/>
           </a:p>
@@ -14074,7 +13786,851 @@
         </p:nvSpPr>
         <p:spPr>
           <a:xfrm>
-            <a:off x="419817" y="1595228"/>
+            <a:off x="419815" y="1252329"/>
+            <a:ext cx="11352363" cy="868571"/>
+          </a:xfrm>
+        </p:spPr>
+        <p:txBody>
+          <a:bodyPr/>
+          <a:lstStyle/>
+          <a:p>
+            <a:pPr marL="101600" indent="0">
+              <a:buNone/>
+            </a:pPr>
+            <a:r>
+              <a:rPr lang="en-GB" sz="2000" dirty="0">
+                <a:latin typeface="Lato"/>
+                <a:ea typeface="Lato"/>
+                <a:cs typeface="Lato"/>
+              </a:rPr>
+              <a:t>Domains (e.g. Imaging group, omics, biobanks &amp; collections) will specialize the generic/core schema into their needs and properties. </a:t>
+            </a:r>
+            <a:endParaRPr lang="en-GB" dirty="0">
+              <a:latin typeface="Lato"/>
+              <a:ea typeface="Lato"/>
+              <a:cs typeface="Lato"/>
+            </a:endParaRPr>
+          </a:p>
+          <a:p>
+            <a:endParaRPr lang="en-NL" sz="1600" dirty="0"/>
+          </a:p>
+        </p:txBody>
+      </p:sp>
+      <p:sp>
+        <p:nvSpPr>
+          <p:cNvPr id="4" name="Title 1">
+            <a:extLst>
+              <a:ext uri="{FF2B5EF4-FFF2-40B4-BE49-F238E27FC236}">
+                <a16:creationId xmlns:a16="http://schemas.microsoft.com/office/drawing/2014/main" id="{6733CFC4-FAA3-1043-4A2B-6E16A0F05AC7}"/>
+              </a:ext>
+            </a:extLst>
+          </p:cNvPr>
+          <p:cNvSpPr txBox="1">
+            <a:spLocks/>
+          </p:cNvSpPr>
+          <p:nvPr/>
+        </p:nvSpPr>
+        <p:spPr>
+          <a:xfrm>
+            <a:off x="419815" y="2323703"/>
+            <a:ext cx="11352363" cy="443199"/>
+          </a:xfrm>
+          <a:prstGeom prst="rect">
+            <a:avLst/>
+          </a:prstGeom>
+          <a:noFill/>
+          <a:ln>
+            <a:noFill/>
+          </a:ln>
+        </p:spPr>
+        <p:txBody>
+          <a:bodyPr spcFirstLastPara="1" vert="horz" wrap="square" lIns="0" tIns="0" rIns="0" bIns="0" rtlCol="0" anchor="t" anchorCtr="0">
+            <a:noAutofit/>
+          </a:bodyPr>
+          <a:lstStyle>
+            <a:lvl1pPr marR="0" lvl="0" algn="l" defTabSz="914400" rtl="0" eaLnBrk="1" latinLnBrk="0" hangingPunct="1">
+              <a:lnSpc>
+                <a:spcPct val="90000"/>
+              </a:lnSpc>
+              <a:spcBef>
+                <a:spcPts val="0"/>
+              </a:spcBef>
+              <a:spcAft>
+                <a:spcPts val="0"/>
+              </a:spcAft>
+              <a:buClr>
+                <a:schemeClr val="accent1"/>
+              </a:buClr>
+              <a:buSzPts val="2400"/>
+              <a:buFont typeface="Calibri"/>
+              <a:buNone/>
+              <a:defRPr sz="3200" b="1" i="0" u="none" strike="noStrike" kern="1200" cap="none">
+                <a:solidFill>
+                  <a:schemeClr val="accent1"/>
+                </a:solidFill>
+                <a:latin typeface="Calibri"/>
+                <a:ea typeface="Calibri"/>
+                <a:cs typeface="Calibri"/>
+                <a:sym typeface="Calibri"/>
+              </a:defRPr>
+            </a:lvl1pPr>
+            <a:lvl2pPr marR="0" lvl="1" algn="l" rtl="0">
+              <a:lnSpc>
+                <a:spcPct val="100000"/>
+              </a:lnSpc>
+              <a:spcBef>
+                <a:spcPts val="0"/>
+              </a:spcBef>
+              <a:spcAft>
+                <a:spcPts val="0"/>
+              </a:spcAft>
+              <a:buClr>
+                <a:srgbClr val="000000"/>
+              </a:buClr>
+              <a:buSzPts val="1400"/>
+              <a:buFont typeface="Arial"/>
+              <a:buNone/>
+              <a:defRPr sz="2400" b="0" i="0" u="none" strike="noStrike" cap="none">
+                <a:solidFill>
+                  <a:srgbClr val="000000"/>
+                </a:solidFill>
+                <a:latin typeface="Arial"/>
+                <a:ea typeface="Arial"/>
+                <a:cs typeface="Arial"/>
+                <a:sym typeface="Arial"/>
+              </a:defRPr>
+            </a:lvl2pPr>
+            <a:lvl3pPr marR="0" lvl="2" algn="l" rtl="0">
+              <a:lnSpc>
+                <a:spcPct val="100000"/>
+              </a:lnSpc>
+              <a:spcBef>
+                <a:spcPts val="0"/>
+              </a:spcBef>
+              <a:spcAft>
+                <a:spcPts val="0"/>
+              </a:spcAft>
+              <a:buClr>
+                <a:srgbClr val="000000"/>
+              </a:buClr>
+              <a:buSzPts val="1400"/>
+              <a:buFont typeface="Arial"/>
+              <a:buNone/>
+              <a:defRPr sz="2400" b="0" i="0" u="none" strike="noStrike" cap="none">
+                <a:solidFill>
+                  <a:srgbClr val="000000"/>
+                </a:solidFill>
+                <a:latin typeface="Arial"/>
+                <a:ea typeface="Arial"/>
+                <a:cs typeface="Arial"/>
+                <a:sym typeface="Arial"/>
+              </a:defRPr>
+            </a:lvl3pPr>
+            <a:lvl4pPr marR="0" lvl="3" algn="l" rtl="0">
+              <a:lnSpc>
+                <a:spcPct val="100000"/>
+              </a:lnSpc>
+              <a:spcBef>
+                <a:spcPts val="0"/>
+              </a:spcBef>
+              <a:spcAft>
+                <a:spcPts val="0"/>
+              </a:spcAft>
+              <a:buClr>
+                <a:srgbClr val="000000"/>
+              </a:buClr>
+              <a:buSzPts val="1400"/>
+              <a:buFont typeface="Arial"/>
+              <a:buNone/>
+              <a:defRPr sz="2400" b="0" i="0" u="none" strike="noStrike" cap="none">
+                <a:solidFill>
+                  <a:srgbClr val="000000"/>
+                </a:solidFill>
+                <a:latin typeface="Arial"/>
+                <a:ea typeface="Arial"/>
+                <a:cs typeface="Arial"/>
+                <a:sym typeface="Arial"/>
+              </a:defRPr>
+            </a:lvl4pPr>
+            <a:lvl5pPr marR="0" lvl="4" algn="l" rtl="0">
+              <a:lnSpc>
+                <a:spcPct val="100000"/>
+              </a:lnSpc>
+              <a:spcBef>
+                <a:spcPts val="0"/>
+              </a:spcBef>
+              <a:spcAft>
+                <a:spcPts val="0"/>
+              </a:spcAft>
+              <a:buClr>
+                <a:srgbClr val="000000"/>
+              </a:buClr>
+              <a:buSzPts val="1400"/>
+              <a:buFont typeface="Arial"/>
+              <a:buNone/>
+              <a:defRPr sz="2400" b="0" i="0" u="none" strike="noStrike" cap="none">
+                <a:solidFill>
+                  <a:srgbClr val="000000"/>
+                </a:solidFill>
+                <a:latin typeface="Arial"/>
+                <a:ea typeface="Arial"/>
+                <a:cs typeface="Arial"/>
+                <a:sym typeface="Arial"/>
+              </a:defRPr>
+            </a:lvl5pPr>
+            <a:lvl6pPr marR="0" lvl="5" algn="l" rtl="0">
+              <a:lnSpc>
+                <a:spcPct val="100000"/>
+              </a:lnSpc>
+              <a:spcBef>
+                <a:spcPts val="0"/>
+              </a:spcBef>
+              <a:spcAft>
+                <a:spcPts val="0"/>
+              </a:spcAft>
+              <a:buClr>
+                <a:srgbClr val="000000"/>
+              </a:buClr>
+              <a:buSzPts val="1400"/>
+              <a:buFont typeface="Arial"/>
+              <a:buNone/>
+              <a:defRPr sz="2400" b="0" i="0" u="none" strike="noStrike" cap="none">
+                <a:solidFill>
+                  <a:srgbClr val="000000"/>
+                </a:solidFill>
+                <a:latin typeface="Arial"/>
+                <a:ea typeface="Arial"/>
+                <a:cs typeface="Arial"/>
+                <a:sym typeface="Arial"/>
+              </a:defRPr>
+            </a:lvl6pPr>
+            <a:lvl7pPr marR="0" lvl="6" algn="l" rtl="0">
+              <a:lnSpc>
+                <a:spcPct val="100000"/>
+              </a:lnSpc>
+              <a:spcBef>
+                <a:spcPts val="0"/>
+              </a:spcBef>
+              <a:spcAft>
+                <a:spcPts val="0"/>
+              </a:spcAft>
+              <a:buClr>
+                <a:srgbClr val="000000"/>
+              </a:buClr>
+              <a:buSzPts val="1400"/>
+              <a:buFont typeface="Arial"/>
+              <a:buNone/>
+              <a:defRPr sz="2400" b="0" i="0" u="none" strike="noStrike" cap="none">
+                <a:solidFill>
+                  <a:srgbClr val="000000"/>
+                </a:solidFill>
+                <a:latin typeface="Arial"/>
+                <a:ea typeface="Arial"/>
+                <a:cs typeface="Arial"/>
+                <a:sym typeface="Arial"/>
+              </a:defRPr>
+            </a:lvl7pPr>
+            <a:lvl8pPr marR="0" lvl="7" algn="l" rtl="0">
+              <a:lnSpc>
+                <a:spcPct val="100000"/>
+              </a:lnSpc>
+              <a:spcBef>
+                <a:spcPts val="0"/>
+              </a:spcBef>
+              <a:spcAft>
+                <a:spcPts val="0"/>
+              </a:spcAft>
+              <a:buClr>
+                <a:srgbClr val="000000"/>
+              </a:buClr>
+              <a:buSzPts val="1400"/>
+              <a:buFont typeface="Arial"/>
+              <a:buNone/>
+              <a:defRPr sz="2400" b="0" i="0" u="none" strike="noStrike" cap="none">
+                <a:solidFill>
+                  <a:srgbClr val="000000"/>
+                </a:solidFill>
+                <a:latin typeface="Arial"/>
+                <a:ea typeface="Arial"/>
+                <a:cs typeface="Arial"/>
+                <a:sym typeface="Arial"/>
+              </a:defRPr>
+            </a:lvl8pPr>
+            <a:lvl9pPr marR="0" lvl="8" algn="l" rtl="0">
+              <a:lnSpc>
+                <a:spcPct val="100000"/>
+              </a:lnSpc>
+              <a:spcBef>
+                <a:spcPts val="0"/>
+              </a:spcBef>
+              <a:spcAft>
+                <a:spcPts val="0"/>
+              </a:spcAft>
+              <a:buClr>
+                <a:srgbClr val="000000"/>
+              </a:buClr>
+              <a:buSzPts val="1400"/>
+              <a:buFont typeface="Arial"/>
+              <a:buNone/>
+              <a:defRPr sz="2400" b="0" i="0" u="none" strike="noStrike" cap="none">
+                <a:solidFill>
+                  <a:srgbClr val="000000"/>
+                </a:solidFill>
+                <a:latin typeface="Arial"/>
+                <a:ea typeface="Arial"/>
+                <a:cs typeface="Arial"/>
+                <a:sym typeface="Arial"/>
+              </a:defRPr>
+            </a:lvl9pPr>
+          </a:lstStyle>
+          <a:p>
+            <a:r>
+              <a:rPr lang="en-GB" dirty="0"/>
+              <a:t>What </a:t>
+            </a:r>
+            <a:r>
+              <a:rPr lang="en-GB" dirty="0">
+                <a:latin typeface="Lato" panose="020F0502020204030203" pitchFamily="34" charset="0"/>
+                <a:ea typeface="Lato" panose="020F0502020204030203" pitchFamily="34" charset="0"/>
+                <a:cs typeface="Lato" panose="020F0502020204030203" pitchFamily="34" charset="0"/>
+              </a:rPr>
+              <a:t>metadata</a:t>
+            </a:r>
+            <a:r>
+              <a:rPr lang="en-GB" dirty="0"/>
+              <a:t> should you prioritise?</a:t>
+            </a:r>
+            <a:endParaRPr lang="en-NL" dirty="0"/>
+          </a:p>
+        </p:txBody>
+      </p:sp>
+      <p:sp>
+        <p:nvSpPr>
+          <p:cNvPr id="5" name="Text Placeholder 2">
+            <a:extLst>
+              <a:ext uri="{FF2B5EF4-FFF2-40B4-BE49-F238E27FC236}">
+                <a16:creationId xmlns:a16="http://schemas.microsoft.com/office/drawing/2014/main" id="{B4DFC832-DC00-28E0-6799-1C92B4A08A9D}"/>
+              </a:ext>
+            </a:extLst>
+          </p:cNvPr>
+          <p:cNvSpPr txBox="1">
+            <a:spLocks/>
+          </p:cNvSpPr>
+          <p:nvPr/>
+        </p:nvSpPr>
+        <p:spPr>
+          <a:xfrm>
+            <a:off x="419815" y="2766902"/>
+            <a:ext cx="9677400" cy="1019412"/>
+          </a:xfrm>
+          <a:prstGeom prst="rect">
+            <a:avLst/>
+          </a:prstGeom>
+          <a:noFill/>
+          <a:ln>
+            <a:noFill/>
+          </a:ln>
+        </p:spPr>
+        <p:txBody>
+          <a:bodyPr spcFirstLastPara="1" vert="horz" wrap="square" lIns="91425" tIns="45700" rIns="91425" bIns="45700" rtlCol="0" anchor="t" anchorCtr="0">
+            <a:noAutofit/>
+          </a:bodyPr>
+          <a:lstStyle>
+            <a:lvl1pPr marL="457200" marR="0" lvl="0" indent="-355600" algn="l" defTabSz="914400" rtl="0" eaLnBrk="1" latinLnBrk="0" hangingPunct="1">
+              <a:lnSpc>
+                <a:spcPct val="90000"/>
+              </a:lnSpc>
+              <a:spcBef>
+                <a:spcPts val="1000"/>
+              </a:spcBef>
+              <a:spcAft>
+                <a:spcPts val="0"/>
+              </a:spcAft>
+              <a:buClr>
+                <a:schemeClr val="accent2"/>
+              </a:buClr>
+              <a:buSzPts val="2000"/>
+              <a:buFont typeface="Arial"/>
+              <a:buChar char="•"/>
+              <a:defRPr sz="2667" b="0" i="0" u="none" strike="noStrike" kern="1200" cap="none">
+                <a:solidFill>
+                  <a:srgbClr val="3F3F3F"/>
+                </a:solidFill>
+                <a:latin typeface="Calibri"/>
+                <a:ea typeface="Calibri"/>
+                <a:cs typeface="Calibri"/>
+                <a:sym typeface="Calibri"/>
+              </a:defRPr>
+            </a:lvl1pPr>
+            <a:lvl2pPr marL="914400" marR="0" lvl="1" indent="-330200" algn="l" defTabSz="914400" rtl="0" eaLnBrk="1" latinLnBrk="0" hangingPunct="1">
+              <a:lnSpc>
+                <a:spcPct val="90000"/>
+              </a:lnSpc>
+              <a:spcBef>
+                <a:spcPts val="500"/>
+              </a:spcBef>
+              <a:spcAft>
+                <a:spcPts val="0"/>
+              </a:spcAft>
+              <a:buClr>
+                <a:schemeClr val="accent2"/>
+              </a:buClr>
+              <a:buSzPts val="1600"/>
+              <a:buFont typeface="NTR"/>
+              <a:buChar char="-"/>
+              <a:defRPr sz="2133" b="0" i="0" u="none" strike="noStrike" kern="1200" cap="none">
+                <a:solidFill>
+                  <a:srgbClr val="3F3F3F"/>
+                </a:solidFill>
+                <a:latin typeface="Calibri"/>
+                <a:ea typeface="Calibri"/>
+                <a:cs typeface="Calibri"/>
+                <a:sym typeface="Calibri"/>
+              </a:defRPr>
+            </a:lvl2pPr>
+            <a:lvl3pPr marL="1371600" marR="0" lvl="2" indent="-342900" algn="l" defTabSz="914400" rtl="0" eaLnBrk="1" latinLnBrk="0" hangingPunct="1">
+              <a:lnSpc>
+                <a:spcPct val="90000"/>
+              </a:lnSpc>
+              <a:spcBef>
+                <a:spcPts val="500"/>
+              </a:spcBef>
+              <a:spcAft>
+                <a:spcPts val="0"/>
+              </a:spcAft>
+              <a:buClr>
+                <a:schemeClr val="accent2"/>
+              </a:buClr>
+              <a:buSzPts val="1800"/>
+              <a:buFont typeface="NTR"/>
+              <a:buChar char="-"/>
+              <a:defRPr sz="2400" b="0" i="1" u="none" strike="noStrike" kern="1200" cap="none">
+                <a:solidFill>
+                  <a:srgbClr val="595959"/>
+                </a:solidFill>
+                <a:latin typeface="Calibri"/>
+                <a:ea typeface="Calibri"/>
+                <a:cs typeface="Calibri"/>
+                <a:sym typeface="Calibri"/>
+              </a:defRPr>
+            </a:lvl3pPr>
+            <a:lvl4pPr marL="1828800" marR="0" lvl="3" indent="-330200" algn="l" defTabSz="914400" rtl="0" eaLnBrk="1" latinLnBrk="0" hangingPunct="1">
+              <a:lnSpc>
+                <a:spcPct val="90000"/>
+              </a:lnSpc>
+              <a:spcBef>
+                <a:spcPts val="500"/>
+              </a:spcBef>
+              <a:spcAft>
+                <a:spcPts val="0"/>
+              </a:spcAft>
+              <a:buClr>
+                <a:srgbClr val="595959"/>
+              </a:buClr>
+              <a:buSzPts val="1600"/>
+              <a:buFont typeface="Arial"/>
+              <a:buChar char="•"/>
+              <a:defRPr sz="2133" b="0" i="0" u="none" strike="noStrike" kern="1200" cap="none">
+                <a:solidFill>
+                  <a:srgbClr val="595959"/>
+                </a:solidFill>
+                <a:latin typeface="Calibri"/>
+                <a:ea typeface="Calibri"/>
+                <a:cs typeface="Calibri"/>
+                <a:sym typeface="Calibri"/>
+              </a:defRPr>
+            </a:lvl4pPr>
+            <a:lvl5pPr marL="2286000" marR="0" lvl="4" indent="-330200" algn="l" defTabSz="914400" rtl="0" eaLnBrk="1" latinLnBrk="0" hangingPunct="1">
+              <a:lnSpc>
+                <a:spcPct val="90000"/>
+              </a:lnSpc>
+              <a:spcBef>
+                <a:spcPts val="500"/>
+              </a:spcBef>
+              <a:spcAft>
+                <a:spcPts val="0"/>
+              </a:spcAft>
+              <a:buClr>
+                <a:schemeClr val="accent2"/>
+              </a:buClr>
+              <a:buSzPts val="1600"/>
+              <a:buFont typeface="Courier New"/>
+              <a:buChar char="o"/>
+              <a:defRPr sz="2133" b="0" i="0" u="none" strike="noStrike" kern="1200" cap="none">
+                <a:solidFill>
+                  <a:srgbClr val="595959"/>
+                </a:solidFill>
+                <a:latin typeface="Calibri"/>
+                <a:ea typeface="Calibri"/>
+                <a:cs typeface="Calibri"/>
+                <a:sym typeface="Calibri"/>
+              </a:defRPr>
+            </a:lvl5pPr>
+            <a:lvl6pPr marL="2743200" marR="0" lvl="5" indent="-314325" algn="l" defTabSz="914400" rtl="0" eaLnBrk="1" latinLnBrk="0" hangingPunct="1">
+              <a:lnSpc>
+                <a:spcPct val="90000"/>
+              </a:lnSpc>
+              <a:spcBef>
+                <a:spcPts val="500"/>
+              </a:spcBef>
+              <a:spcAft>
+                <a:spcPts val="0"/>
+              </a:spcAft>
+              <a:buClr>
+                <a:schemeClr val="dk1"/>
+              </a:buClr>
+              <a:buSzPts val="1350"/>
+              <a:buFont typeface="Arial"/>
+              <a:buChar char="•"/>
+              <a:defRPr sz="1800" b="0" i="0" u="none" strike="noStrike" kern="1200" cap="none">
+                <a:solidFill>
+                  <a:schemeClr val="dk1"/>
+                </a:solidFill>
+                <a:latin typeface="Calibri"/>
+                <a:ea typeface="Calibri"/>
+                <a:cs typeface="Calibri"/>
+                <a:sym typeface="Calibri"/>
+              </a:defRPr>
+            </a:lvl6pPr>
+            <a:lvl7pPr marL="3200400" marR="0" lvl="6" indent="-314325" algn="l" defTabSz="914400" rtl="0" eaLnBrk="1" latinLnBrk="0" hangingPunct="1">
+              <a:lnSpc>
+                <a:spcPct val="90000"/>
+              </a:lnSpc>
+              <a:spcBef>
+                <a:spcPts val="500"/>
+              </a:spcBef>
+              <a:spcAft>
+                <a:spcPts val="0"/>
+              </a:spcAft>
+              <a:buClr>
+                <a:schemeClr val="dk1"/>
+              </a:buClr>
+              <a:buSzPts val="1350"/>
+              <a:buFont typeface="Arial"/>
+              <a:buChar char="•"/>
+              <a:defRPr sz="1800" b="0" i="0" u="none" strike="noStrike" kern="1200" cap="none">
+                <a:solidFill>
+                  <a:schemeClr val="dk1"/>
+                </a:solidFill>
+                <a:latin typeface="Calibri"/>
+                <a:ea typeface="Calibri"/>
+                <a:cs typeface="Calibri"/>
+                <a:sym typeface="Calibri"/>
+              </a:defRPr>
+            </a:lvl7pPr>
+            <a:lvl8pPr marL="3657600" marR="0" lvl="7" indent="-314325" algn="l" defTabSz="914400" rtl="0" eaLnBrk="1" latinLnBrk="0" hangingPunct="1">
+              <a:lnSpc>
+                <a:spcPct val="90000"/>
+              </a:lnSpc>
+              <a:spcBef>
+                <a:spcPts val="500"/>
+              </a:spcBef>
+              <a:spcAft>
+                <a:spcPts val="0"/>
+              </a:spcAft>
+              <a:buClr>
+                <a:schemeClr val="dk1"/>
+              </a:buClr>
+              <a:buSzPts val="1350"/>
+              <a:buFont typeface="Arial"/>
+              <a:buChar char="•"/>
+              <a:defRPr sz="1800" b="0" i="0" u="none" strike="noStrike" kern="1200" cap="none">
+                <a:solidFill>
+                  <a:schemeClr val="dk1"/>
+                </a:solidFill>
+                <a:latin typeface="Calibri"/>
+                <a:ea typeface="Calibri"/>
+                <a:cs typeface="Calibri"/>
+                <a:sym typeface="Calibri"/>
+              </a:defRPr>
+            </a:lvl8pPr>
+            <a:lvl9pPr marL="4114800" marR="0" lvl="8" indent="-314325" algn="l" defTabSz="914400" rtl="0" eaLnBrk="1" latinLnBrk="0" hangingPunct="1">
+              <a:lnSpc>
+                <a:spcPct val="90000"/>
+              </a:lnSpc>
+              <a:spcBef>
+                <a:spcPts val="500"/>
+              </a:spcBef>
+              <a:spcAft>
+                <a:spcPts val="0"/>
+              </a:spcAft>
+              <a:buClr>
+                <a:schemeClr val="dk1"/>
+              </a:buClr>
+              <a:buSzPts val="1350"/>
+              <a:buFont typeface="Arial"/>
+              <a:buChar char="•"/>
+              <a:defRPr sz="1800" b="0" i="0" u="none" strike="noStrike" kern="1200" cap="none">
+                <a:solidFill>
+                  <a:schemeClr val="dk1"/>
+                </a:solidFill>
+                <a:latin typeface="Calibri"/>
+                <a:ea typeface="Calibri"/>
+                <a:cs typeface="Calibri"/>
+                <a:sym typeface="Calibri"/>
+              </a:defRPr>
+            </a:lvl9pPr>
+          </a:lstStyle>
+          <a:p>
+            <a:pPr marL="0" indent="0">
+              <a:spcBef>
+                <a:spcPts val="0"/>
+              </a:spcBef>
+              <a:buFont typeface="Arial"/>
+              <a:buNone/>
+            </a:pPr>
+            <a:endParaRPr lang="en-GB" sz="1050" dirty="0"/>
+          </a:p>
+          <a:p>
+            <a:pPr marL="0" indent="0">
+              <a:spcBef>
+                <a:spcPts val="0"/>
+              </a:spcBef>
+              <a:buFont typeface="Arial"/>
+              <a:buNone/>
+            </a:pPr>
+            <a:r>
+              <a:rPr lang="en-GB" sz="1800" dirty="0">
+                <a:latin typeface="Lato"/>
+                <a:ea typeface="Lato"/>
+                <a:cs typeface="Lato"/>
+              </a:rPr>
+              <a:t>FAIR</a:t>
+            </a:r>
+          </a:p>
+          <a:p>
+            <a:pPr indent="-304958">
+              <a:spcBef>
+                <a:spcPts val="1200"/>
+              </a:spcBef>
+              <a:buSzPct val="100000"/>
+              <a:buFont typeface="Arial"/>
+              <a:buChar char="●"/>
+            </a:pPr>
+            <a:r>
+              <a:rPr lang="en-GB" sz="1800" dirty="0">
+                <a:latin typeface="Lato"/>
+                <a:ea typeface="Lato"/>
+                <a:cs typeface="Lato"/>
+              </a:rPr>
+              <a:t>Important to find your dataset (e.g. diagnosis, sample size, subjects (people, demo)</a:t>
+            </a:r>
+          </a:p>
+          <a:p>
+            <a:pPr indent="-304958">
+              <a:spcBef>
+                <a:spcPts val="0"/>
+              </a:spcBef>
+              <a:buSzPct val="100000"/>
+              <a:buFont typeface="Arial"/>
+              <a:buChar char="●"/>
+            </a:pPr>
+            <a:r>
+              <a:rPr lang="en-GB" sz="1800" dirty="0">
+                <a:latin typeface="Lato"/>
+                <a:ea typeface="Lato"/>
+                <a:cs typeface="Lato"/>
+              </a:rPr>
+              <a:t>Increase accessibility (sharing protocol/access constraints)</a:t>
+            </a:r>
+          </a:p>
+          <a:p>
+            <a:pPr indent="-304958">
+              <a:spcBef>
+                <a:spcPts val="0"/>
+              </a:spcBef>
+              <a:buSzPct val="100000"/>
+              <a:buFont typeface="Arial"/>
+              <a:buChar char="●"/>
+            </a:pPr>
+            <a:r>
+              <a:rPr lang="en-GB" sz="1800" dirty="0">
+                <a:latin typeface="Lato"/>
+                <a:ea typeface="Lato"/>
+                <a:cs typeface="Lato"/>
+              </a:rPr>
+              <a:t>Increase interoperability (which vocabulary, coding language was used in your data)</a:t>
+            </a:r>
+          </a:p>
+          <a:p>
+            <a:pPr indent="-304958">
+              <a:spcBef>
+                <a:spcPts val="0"/>
+              </a:spcBef>
+              <a:buSzPct val="100000"/>
+              <a:buFont typeface="Arial"/>
+              <a:buChar char="●"/>
+            </a:pPr>
+            <a:r>
+              <a:rPr lang="en-GB" sz="1800" dirty="0">
+                <a:latin typeface="Lato"/>
+                <a:ea typeface="Lato"/>
+                <a:cs typeface="Lato"/>
+              </a:rPr>
+              <a:t>Increase reusability (consent/license, provenance, standards used for coding your data, study protocols as a quality standard, pointer to the data)</a:t>
+            </a:r>
+          </a:p>
+          <a:p>
+            <a:pPr marL="0" indent="0">
+              <a:spcBef>
+                <a:spcPts val="1200"/>
+              </a:spcBef>
+              <a:buFont typeface="Arial"/>
+              <a:buNone/>
+            </a:pPr>
+            <a:r>
+              <a:rPr lang="en-GB" sz="1800" dirty="0">
+                <a:latin typeface="Lato"/>
+                <a:ea typeface="Lato"/>
+                <a:cs typeface="Lato"/>
+              </a:rPr>
+              <a:t>Other</a:t>
+            </a:r>
+          </a:p>
+          <a:p>
+            <a:pPr indent="-304958">
+              <a:spcBef>
+                <a:spcPts val="1200"/>
+              </a:spcBef>
+              <a:buSzPct val="100000"/>
+              <a:buFont typeface="Arial"/>
+              <a:buChar char="●"/>
+            </a:pPr>
+            <a:r>
+              <a:rPr lang="en-GB" sz="1800" dirty="0">
+                <a:latin typeface="Lato"/>
+                <a:ea typeface="Lato"/>
+                <a:cs typeface="Lato"/>
+              </a:rPr>
+              <a:t>Important for the “visuals” of the portal (e.g. Logo URL, Landing Page URL)</a:t>
+            </a:r>
+          </a:p>
+          <a:p>
+            <a:pPr indent="-304958">
+              <a:spcBef>
+                <a:spcPts val="0"/>
+              </a:spcBef>
+              <a:buSzPct val="100000"/>
+              <a:buFont typeface="Arial"/>
+              <a:buChar char="●"/>
+            </a:pPr>
+            <a:r>
+              <a:rPr lang="en-GB" sz="1800" dirty="0">
+                <a:latin typeface="Lato"/>
+                <a:ea typeface="Lato"/>
+                <a:cs typeface="Lato"/>
+              </a:rPr>
+              <a:t>Important for your domain (e.g. imaging example)</a:t>
+            </a:r>
+          </a:p>
+          <a:p>
+            <a:pPr marL="0" indent="0">
+              <a:spcBef>
+                <a:spcPts val="1600"/>
+              </a:spcBef>
+              <a:buFont typeface="Arial"/>
+              <a:buNone/>
+            </a:pPr>
+            <a:endParaRPr lang="en-US" sz="1800" dirty="0">
+              <a:latin typeface="Lato"/>
+              <a:ea typeface="Lato"/>
+              <a:cs typeface="Lato"/>
+            </a:endParaRPr>
+          </a:p>
+          <a:p>
+            <a:pPr marL="50800" indent="0">
+              <a:buSzPct val="100000"/>
+              <a:buFont typeface="Arial"/>
+              <a:buNone/>
+            </a:pPr>
+            <a:endParaRPr lang="en-US" sz="1800" dirty="0">
+              <a:latin typeface="Lato"/>
+              <a:ea typeface="Lato"/>
+              <a:cs typeface="Lato"/>
+            </a:endParaRPr>
+          </a:p>
+          <a:p>
+            <a:endParaRPr lang="en-NL" dirty="0"/>
+          </a:p>
+        </p:txBody>
+      </p:sp>
+    </p:spTree>
+    <p:extLst>
+      <p:ext uri="{BB962C8B-B14F-4D97-AF65-F5344CB8AC3E}">
+        <p14:creationId xmlns:p14="http://schemas.microsoft.com/office/powerpoint/2010/main" val="2177682535"/>
+      </p:ext>
+    </p:extLst>
+  </p:cSld>
+  <p:clrMapOvr>
+    <a:masterClrMapping/>
+  </p:clrMapOvr>
+</p:sld>
+</file>
+
+<file path=ppt/slides/slide15.xml><?xml version="1.0" encoding="utf-8"?>
+<p:sld xmlns:a="http://schemas.openxmlformats.org/drawingml/2006/main" xmlns:r="http://schemas.openxmlformats.org/officeDocument/2006/relationships" xmlns:p="http://schemas.openxmlformats.org/presentationml/2006/main">
+  <p:cSld>
+    <p:spTree>
+      <p:nvGrpSpPr>
+        <p:cNvPr id="1" name=""/>
+        <p:cNvGrpSpPr/>
+        <p:nvPr/>
+      </p:nvGrpSpPr>
+      <p:grpSpPr>
+        <a:xfrm>
+          <a:off x="0" y="0"/>
+          <a:ext cx="0" cy="0"/>
+          <a:chOff x="0" y="0"/>
+          <a:chExt cx="0" cy="0"/>
+        </a:xfrm>
+      </p:grpSpPr>
+      <p:sp>
+        <p:nvSpPr>
+          <p:cNvPr id="2" name="Title 1">
+            <a:extLst>
+              <a:ext uri="{FF2B5EF4-FFF2-40B4-BE49-F238E27FC236}">
+                <a16:creationId xmlns:a16="http://schemas.microsoft.com/office/drawing/2014/main" id="{AF8BDB29-B724-F530-1839-5DF8E6693579}"/>
+              </a:ext>
+            </a:extLst>
+          </p:cNvPr>
+          <p:cNvSpPr>
+            <a:spLocks noGrp="1"/>
+          </p:cNvSpPr>
+          <p:nvPr>
+            <p:ph type="title"/>
+          </p:nvPr>
+        </p:nvSpPr>
+        <p:spPr/>
+        <p:txBody>
+          <a:bodyPr/>
+          <a:lstStyle/>
+          <a:p>
+            <a:r>
+              <a:rPr lang="en-NL" dirty="0"/>
+              <a:t>Steps towards Leaves – Health-RI Git</a:t>
+            </a:r>
+          </a:p>
+        </p:txBody>
+      </p:sp>
+      <p:sp>
+        <p:nvSpPr>
+          <p:cNvPr id="3" name="Text Placeholder 2">
+            <a:extLst>
+              <a:ext uri="{FF2B5EF4-FFF2-40B4-BE49-F238E27FC236}">
+                <a16:creationId xmlns:a16="http://schemas.microsoft.com/office/drawing/2014/main" id="{2FCAFCED-EB93-C069-A18D-D0258582B260}"/>
+              </a:ext>
+            </a:extLst>
+          </p:cNvPr>
+          <p:cNvSpPr>
+            <a:spLocks noGrp="1"/>
+          </p:cNvSpPr>
+          <p:nvPr>
+            <p:ph type="body" idx="1"/>
+          </p:nvPr>
+        </p:nvSpPr>
+        <p:spPr>
+          <a:xfrm>
+            <a:off x="414068" y="1141294"/>
             <a:ext cx="11352363" cy="4575411"/>
           </a:xfrm>
         </p:spPr>
@@ -14082,8 +14638,9 @@
           <a:bodyPr/>
           <a:lstStyle/>
           <a:p>
-            <a:pPr marL="101600" indent="0">
-              <a:buNone/>
+            <a:pPr marL="342900" indent="-342900">
+              <a:buFont typeface="Arial" panose="020B0604020202020204" pitchFamily="34" charset="0"/>
+              <a:buChar char="•"/>
             </a:pPr>
             <a:r>
               <a:rPr lang="en-GB" sz="2000" dirty="0">
@@ -14091,23 +14648,227 @@
                 <a:ea typeface="Lato"/>
                 <a:cs typeface="Lato"/>
               </a:rPr>
-              <a:t>Domains (e.g. Imaging group, omics, biobanks &amp; collections) will specialize the generic/core schema into their needs and properties</a:t>
-            </a:r>
-            <a:endParaRPr lang="en-GB" dirty="0">
-              <a:latin typeface="Lato"/>
-              <a:ea typeface="Lato"/>
-              <a:cs typeface="Lato"/>
+              <a:t>Go to </a:t>
+            </a:r>
+            <a:r>
+              <a:rPr lang="en-GB" sz="2000" dirty="0">
+                <a:ea typeface="Lato"/>
+                <a:hlinkClick r:id="rId2"/>
+              </a:rPr>
+              <a:t>https://github.com/Health-RI/health-ri-metadata</a:t>
+            </a:r>
+          </a:p>
+          <a:p>
+            <a:pPr marL="742950" lvl="1" indent="-285750">
+              <a:buFont typeface="Arial" panose="020B0604020202020204" pitchFamily="34" charset="0"/>
+              <a:buChar char="•"/>
+            </a:pPr>
+            <a:r>
+              <a:rPr lang="en-GB" sz="1400" dirty="0">
+                <a:latin typeface="Lato"/>
+                <a:ea typeface="Lato"/>
+                <a:cs typeface="Lato"/>
+              </a:rPr>
+              <a:t>Request Jeroen </a:t>
+            </a:r>
+            <a:r>
+              <a:rPr lang="en-GB" sz="1400" dirty="0" err="1">
+                <a:latin typeface="Lato"/>
+                <a:ea typeface="Lato"/>
+                <a:cs typeface="Lato"/>
+              </a:rPr>
+              <a:t>Beliën</a:t>
+            </a:r>
+            <a:r>
+              <a:rPr lang="en-GB" sz="1400" dirty="0">
+                <a:latin typeface="Lato"/>
+                <a:ea typeface="Lato"/>
+                <a:cs typeface="Lato"/>
+              </a:rPr>
+              <a:t> 🧙 to add you to the HRI Metadata repo </a:t>
+            </a:r>
+          </a:p>
+          <a:p>
+            <a:pPr marL="742950" lvl="1" indent="-285750">
+              <a:buFont typeface="Arial" panose="020B0604020202020204" pitchFamily="34" charset="0"/>
+              <a:buChar char="•"/>
+            </a:pPr>
+            <a:r>
+              <a:rPr lang="en-GB" sz="1400" u="sng" dirty="0">
+                <a:solidFill>
+                  <a:schemeClr val="hlink"/>
+                </a:solidFill>
+                <a:latin typeface="Lato"/>
+                <a:ea typeface="Lato"/>
+                <a:cs typeface="Lato"/>
+                <a:hlinkClick r:id="rId3">
+                  <a:extLst>
+                    <a:ext uri="{A12FA001-AC4F-418D-AE19-62706E023703}">
+                      <ahyp:hlinkClr xmlns:ahyp="http://schemas.microsoft.com/office/drawing/2018/hyperlinkcolor" val="tx"/>
+                    </a:ext>
+                  </a:extLst>
+                </a:hlinkClick>
+              </a:rPr>
+              <a:t>health-ri-metadata</a:t>
+            </a:r>
+            <a:r>
+              <a:rPr lang="en-GB" sz="1400" u="sng" dirty="0">
+                <a:solidFill>
+                  <a:schemeClr val="hlink"/>
+                </a:solidFill>
+                <a:latin typeface="Lato"/>
+                <a:ea typeface="Lato"/>
+                <a:cs typeface="Lato"/>
+              </a:rPr>
+              <a:t>/Leaves </a:t>
+            </a:r>
+          </a:p>
+          <a:p>
+            <a:pPr marL="285750" indent="-285750">
+              <a:buFont typeface="Arial" panose="020B0604020202020204" pitchFamily="34" charset="0"/>
+              <a:buChar char="•"/>
+            </a:pPr>
+            <a:r>
+              <a:rPr lang="en-GB" sz="2468" dirty="0"/>
+              <a:t>Metadata schema </a:t>
+            </a:r>
+          </a:p>
+          <a:p>
+            <a:pPr marL="742950" lvl="1" indent="-285750">
+              <a:buFont typeface="Arial" panose="020B0604020202020204" pitchFamily="34" charset="0"/>
+              <a:buChar char="•"/>
+            </a:pPr>
+            <a:r>
+              <a:rPr lang="en-GB" sz="1934" dirty="0"/>
+              <a:t>Health-RI metadata schema diagram</a:t>
+            </a:r>
+          </a:p>
+          <a:p>
+            <a:pPr marL="742950" lvl="1" indent="-285750">
+              <a:buFont typeface="Arial" panose="020B0604020202020204" pitchFamily="34" charset="0"/>
+              <a:buChar char="•"/>
+            </a:pPr>
+            <a:r>
+              <a:rPr lang="en-GB" sz="1934" dirty="0"/>
+              <a:t>DCAT-AP specification</a:t>
+            </a:r>
+          </a:p>
+          <a:p>
+            <a:pPr marL="742950" lvl="1" indent="-285750">
+              <a:buFont typeface="Arial" panose="020B0604020202020204" pitchFamily="34" charset="0"/>
+              <a:buChar char="•"/>
+            </a:pPr>
+            <a:r>
+              <a:rPr lang="en-GB" sz="1934" dirty="0"/>
+              <a:t>DCAT-AP in SHACL and RDF</a:t>
+            </a:r>
+          </a:p>
+          <a:p>
+            <a:pPr marL="285750" indent="-285750">
+              <a:buFont typeface="Arial" panose="020B0604020202020204" pitchFamily="34" charset="0"/>
+              <a:buChar char="•"/>
+            </a:pPr>
+            <a:r>
+              <a:rPr lang="en-GB" sz="2468" dirty="0"/>
+              <a:t>Leaves</a:t>
+            </a:r>
+          </a:p>
+          <a:p>
+            <a:pPr marL="742950" lvl="1" indent="-285750">
+              <a:buFont typeface="Arial" panose="020B0604020202020204" pitchFamily="34" charset="0"/>
+              <a:buChar char="•"/>
+            </a:pPr>
+            <a:r>
+              <a:rPr lang="en-GB" sz="1934" dirty="0"/>
+              <a:t>Metadata requirements collection template (terminology inventory)</a:t>
+            </a:r>
+          </a:p>
+          <a:p>
+            <a:pPr marL="742950" lvl="1" indent="-285750">
+              <a:buFont typeface="Arial" panose="020B0604020202020204" pitchFamily="34" charset="0"/>
+              <a:buChar char="•"/>
+            </a:pPr>
+            <a:r>
+              <a:rPr lang="en-GB" sz="1934" dirty="0"/>
+              <a:t>Omics </a:t>
+            </a:r>
+            <a:r>
+              <a:rPr lang="en-GB" sz="1934" dirty="0">
+                <a:sym typeface="Wingdings" pitchFamily="2" charset="2"/>
+              </a:rPr>
+              <a:t> active</a:t>
+            </a:r>
+            <a:endParaRPr lang="en-GB" sz="1934" dirty="0"/>
+          </a:p>
+          <a:p>
+            <a:pPr marL="742950" lvl="1" indent="-285750">
+              <a:buFont typeface="Arial" panose="020B0604020202020204" pitchFamily="34" charset="0"/>
+              <a:buChar char="•"/>
+            </a:pPr>
+            <a:r>
+              <a:rPr lang="en-GB" sz="1934" dirty="0"/>
+              <a:t>Imaging</a:t>
+            </a:r>
+          </a:p>
+          <a:p>
+            <a:pPr marL="742950" lvl="1" indent="-285750">
+              <a:buFont typeface="Arial" panose="020B0604020202020204" pitchFamily="34" charset="0"/>
+              <a:buChar char="•"/>
+            </a:pPr>
+            <a:r>
+              <a:rPr lang="en-GB" sz="1934" dirty="0"/>
+              <a:t>Biobank </a:t>
+            </a:r>
+            <a:r>
+              <a:rPr lang="en-GB" sz="1934" dirty="0">
+                <a:sym typeface="Wingdings" pitchFamily="2" charset="2"/>
+              </a:rPr>
+              <a:t> starting</a:t>
+            </a:r>
+            <a:endParaRPr lang="en-GB" sz="1934" dirty="0"/>
+          </a:p>
+          <a:p>
+            <a:pPr marL="342900" indent="-342900">
+              <a:buFont typeface="Arial" panose="020B0604020202020204" pitchFamily="34" charset="0"/>
+              <a:buChar char="•"/>
+            </a:pPr>
+            <a:r>
+              <a:rPr lang="en-GB" sz="2000" dirty="0">
+                <a:latin typeface="Lato"/>
+                <a:ea typeface="Lato"/>
+                <a:cs typeface="Lato"/>
+              </a:rPr>
+              <a:t>Feedback / Result from Domain working groups are expected to be shared via Git</a:t>
+            </a:r>
+            <a:endParaRPr lang="en-GB" sz="2000" dirty="0">
+              <a:latin typeface="Lato" panose="020F0502020204030203" pitchFamily="34" charset="0"/>
+              <a:ea typeface="Lato" panose="020F0502020204030203" pitchFamily="34" charset="0"/>
+              <a:cs typeface="Lato" panose="020F0502020204030203" pitchFamily="34" charset="0"/>
             </a:endParaRPr>
           </a:p>
           <a:p>
-            <a:endParaRPr lang="en-NL" sz="1600" dirty="0"/>
+            <a:pPr marL="800100" lvl="1" indent="-342900">
+              <a:buFont typeface="Arial" panose="020B0604020202020204" pitchFamily="34" charset="0"/>
+              <a:buChar char="•"/>
+            </a:pPr>
+            <a:r>
+              <a:rPr lang="en-GB" sz="2000" dirty="0">
+                <a:latin typeface="Lato"/>
+                <a:ea typeface="Lato"/>
+                <a:cs typeface="Lato"/>
+              </a:rPr>
+              <a:t>Make a new issue on git and assign to Dena and/or Bruna</a:t>
+            </a:r>
+          </a:p>
+          <a:p>
+            <a:endParaRPr lang="en-NL" dirty="0"/>
           </a:p>
         </p:txBody>
       </p:sp>
     </p:spTree>
     <p:extLst>
       <p:ext uri="{BB962C8B-B14F-4D97-AF65-F5344CB8AC3E}">
-        <p14:creationId xmlns:p14="http://schemas.microsoft.com/office/powerpoint/2010/main" val="2177682535"/>
+        <p14:creationId xmlns:p14="http://schemas.microsoft.com/office/powerpoint/2010/main" val="2965824614"/>
       </p:ext>
     </p:extLst>
   </p:cSld>
@@ -14139,283 +14900,7 @@
           <p:cNvPr id="2" name="Title 1">
             <a:extLst>
               <a:ext uri="{FF2B5EF4-FFF2-40B4-BE49-F238E27FC236}">
-                <a16:creationId xmlns:a16="http://schemas.microsoft.com/office/drawing/2014/main" id="{239310CB-AE53-1B84-762C-1FFC1FAA9C3B}"/>
-              </a:ext>
-            </a:extLst>
-          </p:cNvPr>
-          <p:cNvSpPr>
-            <a:spLocks noGrp="1"/>
-          </p:cNvSpPr>
-          <p:nvPr>
-            <p:ph type="title"/>
-          </p:nvPr>
-        </p:nvSpPr>
-        <p:spPr>
-          <a:xfrm>
-            <a:off x="414067" y="834788"/>
-            <a:ext cx="11352363" cy="443199"/>
-          </a:xfrm>
-        </p:spPr>
-        <p:txBody>
-          <a:bodyPr/>
-          <a:lstStyle/>
-          <a:p>
-            <a:r>
-              <a:rPr lang="en-GB"/>
-              <a:t>What </a:t>
-            </a:r>
-            <a:r>
-              <a:rPr lang="en-GB">
-                <a:latin typeface="Lato" panose="020F0502020204030203" pitchFamily="34" charset="0"/>
-                <a:ea typeface="Lato" panose="020F0502020204030203" pitchFamily="34" charset="0"/>
-                <a:cs typeface="Lato" panose="020F0502020204030203" pitchFamily="34" charset="0"/>
-              </a:rPr>
-              <a:t>metadata</a:t>
-            </a:r>
-            <a:r>
-              <a:rPr lang="en-GB"/>
-              <a:t> should you prioritise?</a:t>
-            </a:r>
-            <a:endParaRPr lang="en-NL"/>
-          </a:p>
-        </p:txBody>
-      </p:sp>
-      <p:sp>
-        <p:nvSpPr>
-          <p:cNvPr id="3" name="Text Placeholder 2">
-            <a:extLst>
-              <a:ext uri="{FF2B5EF4-FFF2-40B4-BE49-F238E27FC236}">
-                <a16:creationId xmlns:a16="http://schemas.microsoft.com/office/drawing/2014/main" id="{8D29EC59-502E-8F84-6FC2-08360DE52B25}"/>
-              </a:ext>
-            </a:extLst>
-          </p:cNvPr>
-          <p:cNvSpPr>
-            <a:spLocks noGrp="1"/>
-          </p:cNvSpPr>
-          <p:nvPr>
-            <p:ph type="body" idx="1"/>
-          </p:nvPr>
-        </p:nvSpPr>
-        <p:spPr>
-          <a:xfrm>
-            <a:off x="502968" y="1447801"/>
-            <a:ext cx="11352363" cy="4575411"/>
-          </a:xfrm>
-        </p:spPr>
-        <p:txBody>
-          <a:bodyPr/>
-          <a:lstStyle/>
-          <a:p>
-            <a:pPr marL="0" lvl="0" indent="0" algn="l" rtl="0">
-              <a:spcBef>
-                <a:spcPts val="0"/>
-              </a:spcBef>
-              <a:spcAft>
-                <a:spcPts val="0"/>
-              </a:spcAft>
-              <a:buNone/>
-            </a:pPr>
-            <a:endParaRPr lang="en-GB" sz="1050" dirty="0"/>
-          </a:p>
-          <a:p>
-            <a:pPr marL="0" lvl="0" indent="0">
-              <a:spcBef>
-                <a:spcPts val="0"/>
-              </a:spcBef>
-              <a:buNone/>
-            </a:pPr>
-            <a:r>
-              <a:rPr lang="en-GB" sz="2000" dirty="0">
-                <a:latin typeface="Lato"/>
-                <a:ea typeface="Lato"/>
-                <a:cs typeface="Lato"/>
-              </a:rPr>
-              <a:t>FAIR</a:t>
-            </a:r>
-          </a:p>
-          <a:p>
-            <a:pPr marL="457200" lvl="0" indent="-304958">
-              <a:spcBef>
-                <a:spcPts val="1200"/>
-              </a:spcBef>
-              <a:buSzPct val="100000"/>
-              <a:buChar char="●"/>
-            </a:pPr>
-            <a:r>
-              <a:rPr lang="en-GB" sz="2000" dirty="0">
-                <a:latin typeface="Lato"/>
-                <a:ea typeface="Lato"/>
-                <a:cs typeface="Lato"/>
-              </a:rPr>
-              <a:t>Important to find your dataset (e.g. diagnosis, sample size, subjects (people, demo)</a:t>
-            </a:r>
-          </a:p>
-          <a:p>
-            <a:pPr marL="457200" lvl="0" indent="-304958">
-              <a:spcBef>
-                <a:spcPts val="0"/>
-              </a:spcBef>
-              <a:buSzPct val="100000"/>
-              <a:buChar char="●"/>
-            </a:pPr>
-            <a:r>
-              <a:rPr lang="en-GB" sz="2000" dirty="0">
-                <a:latin typeface="Lato"/>
-                <a:ea typeface="Lato"/>
-                <a:cs typeface="Lato"/>
-              </a:rPr>
-              <a:t>Increase accessibility (sharing protocol/access constraints)</a:t>
-            </a:r>
-          </a:p>
-          <a:p>
-            <a:pPr marL="457200" lvl="0" indent="-304958">
-              <a:spcBef>
-                <a:spcPts val="0"/>
-              </a:spcBef>
-              <a:buSzPct val="100000"/>
-              <a:buChar char="●"/>
-            </a:pPr>
-            <a:r>
-              <a:rPr lang="en-GB" sz="2000" dirty="0">
-                <a:latin typeface="Lato"/>
-                <a:ea typeface="Lato"/>
-                <a:cs typeface="Lato"/>
-              </a:rPr>
-              <a:t>Increase interoperability (which vocabulary, coding language was used in your data)</a:t>
-            </a:r>
-          </a:p>
-          <a:p>
-            <a:pPr marL="457200" lvl="0" indent="-304958">
-              <a:spcBef>
-                <a:spcPts val="0"/>
-              </a:spcBef>
-              <a:buSzPct val="100000"/>
-              <a:buChar char="●"/>
-            </a:pPr>
-            <a:r>
-              <a:rPr lang="en-GB" sz="2000" dirty="0">
-                <a:latin typeface="Lato"/>
-                <a:ea typeface="Lato"/>
-                <a:cs typeface="Lato"/>
-              </a:rPr>
-              <a:t>Increase reusability (consent/license, provenance, standards used for coding your data, study protocols as a quality standard, pointer to the data)</a:t>
-            </a:r>
-          </a:p>
-          <a:p>
-            <a:pPr marL="0" lvl="0" indent="0">
-              <a:spcBef>
-                <a:spcPts val="1200"/>
-              </a:spcBef>
-              <a:buNone/>
-            </a:pPr>
-            <a:r>
-              <a:rPr lang="en-GB" sz="2000" dirty="0">
-                <a:latin typeface="Lato"/>
-                <a:ea typeface="Lato"/>
-                <a:cs typeface="Lato"/>
-              </a:rPr>
-              <a:t>Other</a:t>
-            </a:r>
-          </a:p>
-          <a:p>
-            <a:pPr marL="457200" lvl="0" indent="-304958">
-              <a:spcBef>
-                <a:spcPts val="1200"/>
-              </a:spcBef>
-              <a:buSzPct val="100000"/>
-              <a:buChar char="●"/>
-            </a:pPr>
-            <a:r>
-              <a:rPr lang="en-GB" sz="2000" dirty="0">
-                <a:latin typeface="Lato"/>
-                <a:ea typeface="Lato"/>
-                <a:cs typeface="Lato"/>
-              </a:rPr>
-              <a:t>Important for the “visuals” of the portal (e.g. Logo URL, Landing Page URL)</a:t>
-            </a:r>
-          </a:p>
-          <a:p>
-            <a:pPr marL="457200" lvl="0" indent="-304958">
-              <a:spcBef>
-                <a:spcPts val="0"/>
-              </a:spcBef>
-              <a:buSzPct val="100000"/>
-              <a:buChar char="●"/>
-            </a:pPr>
-            <a:r>
-              <a:rPr lang="en-GB" sz="2000" dirty="0">
-                <a:latin typeface="Lato"/>
-                <a:ea typeface="Lato"/>
-                <a:cs typeface="Lato"/>
-              </a:rPr>
-              <a:t>Important for your domain (e.g. imaging example)</a:t>
-            </a:r>
-          </a:p>
-          <a:p>
-            <a:pPr marL="0" indent="0">
-              <a:spcBef>
-                <a:spcPts val="1600"/>
-              </a:spcBef>
-              <a:buNone/>
-            </a:pPr>
-            <a:endParaRPr lang="en-US" sz="1800" dirty="0">
-              <a:latin typeface="Lato"/>
-              <a:ea typeface="Lato"/>
-              <a:cs typeface="Lato"/>
-            </a:endParaRPr>
-          </a:p>
-          <a:p>
-            <a:pPr marL="50800" indent="0">
-              <a:buSzPct val="100000"/>
-              <a:buNone/>
-            </a:pPr>
-            <a:endParaRPr lang="en-US" sz="1800" dirty="0">
-              <a:latin typeface="Lato"/>
-              <a:ea typeface="Lato"/>
-              <a:cs typeface="Lato"/>
-            </a:endParaRPr>
-          </a:p>
-          <a:p>
-            <a:endParaRPr lang="en-NL" dirty="0"/>
-          </a:p>
-        </p:txBody>
-      </p:sp>
-    </p:spTree>
-    <p:extLst>
-      <p:ext uri="{BB962C8B-B14F-4D97-AF65-F5344CB8AC3E}">
-        <p14:creationId xmlns:p14="http://schemas.microsoft.com/office/powerpoint/2010/main" val="3807821885"/>
-      </p:ext>
-    </p:extLst>
-  </p:cSld>
-  <p:clrMapOvr>
-    <a:masterClrMapping/>
-  </p:clrMapOvr>
-</p:sld>
-</file>
-
-<file path=ppt/slides/slide17.xml><?xml version="1.0" encoding="utf-8"?>
-<p:sld xmlns:a="http://schemas.openxmlformats.org/drawingml/2006/main" xmlns:r="http://schemas.openxmlformats.org/officeDocument/2006/relationships" xmlns:p="http://schemas.openxmlformats.org/presentationml/2006/main">
-  <p:cSld>
-    <p:spTree>
-      <p:nvGrpSpPr>
-        <p:cNvPr id="1" name=""/>
-        <p:cNvGrpSpPr/>
-        <p:nvPr/>
-      </p:nvGrpSpPr>
-      <p:grpSpPr>
-        <a:xfrm>
-          <a:off x="0" y="0"/>
-          <a:ext cx="0" cy="0"/>
-          <a:chOff x="0" y="0"/>
-          <a:chExt cx="0" cy="0"/>
-        </a:xfrm>
-      </p:grpSpPr>
-      <p:sp>
-        <p:nvSpPr>
-          <p:cNvPr id="2" name="Title 1">
-            <a:extLst>
-              <a:ext uri="{FF2B5EF4-FFF2-40B4-BE49-F238E27FC236}">
-                <a16:creationId xmlns:a16="http://schemas.microsoft.com/office/drawing/2014/main" id="{F51C61A8-B8A9-3D1F-06A0-468DE2E24B5E}"/>
+                <a16:creationId xmlns:a16="http://schemas.microsoft.com/office/drawing/2014/main" id="{54163BDF-8706-CCAF-5B5C-20080BFE97AD}"/>
               </a:ext>
             </a:extLst>
           </p:cNvPr>
@@ -14433,7 +14918,7 @@
           <a:p>
             <a:r>
               <a:rPr lang="en-NL" dirty="0"/>
-              <a:t>Practical steps for creating domain models (leaves)</a:t>
+              <a:t>Steps towards Leaves – Collect Requirements</a:t>
             </a:r>
           </a:p>
         </p:txBody>
@@ -14443,7 +14928,7 @@
           <p:cNvPr id="3" name="Text Placeholder 2">
             <a:extLst>
               <a:ext uri="{FF2B5EF4-FFF2-40B4-BE49-F238E27FC236}">
-                <a16:creationId xmlns:a16="http://schemas.microsoft.com/office/drawing/2014/main" id="{B7CAEAF0-B489-C98D-B0E0-9383D44FA4B4}"/>
+                <a16:creationId xmlns:a16="http://schemas.microsoft.com/office/drawing/2014/main" id="{4E778717-CA8A-D4E0-AE94-4855DE49C49C}"/>
               </a:ext>
             </a:extLst>
           </p:cNvPr>
@@ -14454,114 +14939,85 @@
             <p:ph type="body" idx="1"/>
           </p:nvPr>
         </p:nvSpPr>
-        <p:spPr>
-          <a:xfrm>
-            <a:off x="414069" y="1016000"/>
-            <a:ext cx="11112706" cy="5308600"/>
-          </a:xfrm>
-          <a:noFill/>
-          <a:ln>
-            <a:noFill/>
-          </a:ln>
-        </p:spPr>
+        <p:spPr/>
         <p:txBody>
-          <a:bodyPr spcFirstLastPara="1" vert="horz" wrap="square" lIns="91425" tIns="45700" rIns="91425" bIns="45700" rtlCol="0" anchor="t" anchorCtr="0">
-            <a:noAutofit/>
-          </a:bodyPr>
+          <a:bodyPr/>
           <a:lstStyle/>
           <a:p>
-            <a:pPr marL="0" indent="0">
-              <a:spcBef>
-                <a:spcPts val="0"/>
-              </a:spcBef>
+            <a:r>
+              <a:rPr lang="en-NL" dirty="0"/>
+              <a:t>Collect requirments and define scope in form of competency queries. </a:t>
+            </a:r>
+          </a:p>
+          <a:p>
+            <a:pPr lvl="1"/>
+            <a:r>
+              <a:rPr lang="en-US" dirty="0"/>
+              <a:t>Define them using natural language</a:t>
+            </a:r>
+          </a:p>
+          <a:p>
+            <a:pPr lvl="1"/>
+            <a:r>
+              <a:rPr lang="en-US" dirty="0"/>
+              <a:t>To understand what kind of metadata is required to make data findable, reusable and etcetera.</a:t>
+            </a:r>
+          </a:p>
+          <a:p>
+            <a:pPr lvl="1"/>
+            <a:r>
+              <a:rPr lang="en-US" dirty="0"/>
+              <a:t>From the </a:t>
+            </a:r>
+            <a:r>
+              <a:rPr lang="en-US" dirty="0" err="1"/>
+              <a:t>pov</a:t>
+            </a:r>
+            <a:r>
+              <a:rPr lang="en-US" dirty="0"/>
+              <a:t> of the user that is requesting data (searching)</a:t>
+            </a:r>
+          </a:p>
+          <a:p>
+            <a:pPr lvl="1"/>
+            <a:r>
+              <a:rPr lang="en-US" dirty="0"/>
+              <a:t>These questions will later be translated to Formal queries</a:t>
+            </a:r>
+          </a:p>
+          <a:p>
+            <a:pPr lvl="1"/>
+            <a:endParaRPr lang="en-US" dirty="0"/>
+          </a:p>
+          <a:p>
+            <a:pPr marL="584200" lvl="1" indent="0">
               <a:buNone/>
             </a:pPr>
             <a:r>
-              <a:rPr lang="en-GB" sz="2000" dirty="0"/>
-              <a:t>1. Collect all the metadata requirements in a form of competency queries.  </a:t>
-            </a:r>
-            <a:r>
-              <a:rPr lang="en-GB" sz="2000" dirty="0">
-                <a:sym typeface="Wingdings" pitchFamily="2" charset="2"/>
-              </a:rPr>
-              <a:t> </a:t>
-            </a:r>
-            <a:r>
-              <a:rPr lang="en-GB" sz="2000" dirty="0">
-                <a:highlight>
-                  <a:srgbClr val="00FFFF"/>
-                </a:highlight>
-                <a:sym typeface="Wingdings" pitchFamily="2" charset="2"/>
-              </a:rPr>
-              <a:t>later on these will form your formal queries for evaluating the coverage. </a:t>
-            </a:r>
-            <a:endParaRPr lang="en-GB" sz="2000" dirty="0">
-              <a:highlight>
-                <a:srgbClr val="00FFFF"/>
-              </a:highlight>
-            </a:endParaRPr>
-          </a:p>
-          <a:p>
-            <a:pPr marL="0" indent="0">
-              <a:spcBef>
-                <a:spcPts val="0"/>
-              </a:spcBef>
+              <a:rPr lang="en-US" dirty="0"/>
+              <a:t>For example:</a:t>
+            </a:r>
+          </a:p>
+          <a:p>
+            <a:pPr marL="584200" lvl="1" indent="0">
               <a:buNone/>
             </a:pPr>
             <a:r>
-              <a:rPr lang="en-GB" sz="2000" dirty="0"/>
-              <a:t>	examples:</a:t>
-            </a:r>
-          </a:p>
-          <a:p>
-            <a:pPr lvl="2"/>
-            <a:r>
-              <a:rPr lang="en-GB" sz="2267" dirty="0"/>
-              <a:t>For the specific data collection method, give me the data and title, format, publisher? </a:t>
-            </a:r>
-          </a:p>
-          <a:p>
-            <a:pPr lvl="2"/>
-            <a:r>
-              <a:rPr lang="en-GB" sz="2267" dirty="0"/>
-              <a:t>Give me the images with modality “mammography”? </a:t>
-            </a:r>
-            <a:endParaRPr lang="en-GB" sz="2000" dirty="0"/>
-          </a:p>
-          <a:p>
-            <a:pPr marL="0" indent="0">
-              <a:spcBef>
-                <a:spcPts val="0"/>
-              </a:spcBef>
-              <a:buNone/>
-            </a:pPr>
-            <a:r>
-              <a:rPr lang="en-GB" sz="2267" dirty="0"/>
+              <a:rPr lang="en-US" dirty="0"/>
               <a:t>	</a:t>
             </a:r>
-          </a:p>
-          <a:p>
-            <a:endParaRPr lang="en-GB" sz="2534" dirty="0"/>
+            <a:endParaRPr lang="en-NL" dirty="0"/>
           </a:p>
           <a:p>
             <a:pPr lvl="1"/>
-            <a:endParaRPr lang="en-GB" sz="2000" dirty="0"/>
-          </a:p>
-          <a:p>
-            <a:pPr marL="0" indent="0">
-              <a:spcBef>
-                <a:spcPts val="0"/>
-              </a:spcBef>
-              <a:buNone/>
-            </a:pPr>
-            <a:endParaRPr lang="en-NL" sz="1050" dirty="0"/>
+            <a:endParaRPr lang="en-NL" dirty="0"/>
           </a:p>
         </p:txBody>
       </p:sp>
     </p:spTree>
     <p:extLst>
       <p:ext uri="{BB962C8B-B14F-4D97-AF65-F5344CB8AC3E}">
-        <p14:creationId xmlns:p14="http://schemas.microsoft.com/office/powerpoint/2010/main" val="312026378"/>
+        <p14:creationId xmlns:p14="http://schemas.microsoft.com/office/powerpoint/2010/main" val="1145518525"/>
       </p:ext>
     </p:extLst>
   </p:cSld>
@@ -14571,7 +15027,7 @@
 </p:sld>
 </file>
 
-<file path=ppt/slides/slide18.xml><?xml version="1.0" encoding="utf-8"?>
+<file path=ppt/slides/slide17.xml><?xml version="1.0" encoding="utf-8"?>
 <p:sld xmlns:a="http://schemas.openxmlformats.org/drawingml/2006/main" xmlns:r="http://schemas.openxmlformats.org/officeDocument/2006/relationships" xmlns:p="http://schemas.openxmlformats.org/presentationml/2006/main">
   <p:cSld>
     <p:spTree>
@@ -14618,10 +15074,10 @@
       </p:sp>
       <p:sp>
         <p:nvSpPr>
-          <p:cNvPr id="3" name="Text Placeholder 2">
+          <p:cNvPr id="5" name="Text Placeholder 4">
             <a:extLst>
               <a:ext uri="{FF2B5EF4-FFF2-40B4-BE49-F238E27FC236}">
-                <a16:creationId xmlns:a16="http://schemas.microsoft.com/office/drawing/2014/main" id="{248EBB87-4496-41E7-BE81-8CE6140F0701}"/>
+                <a16:creationId xmlns:a16="http://schemas.microsoft.com/office/drawing/2014/main" id="{CF37CE73-F0AE-6801-3653-74C77A2A87B0}"/>
               </a:ext>
             </a:extLst>
           </p:cNvPr>
@@ -14638,174 +15094,54 @@
           <a:lstStyle/>
           <a:p>
             <a:r>
+              <a:rPr lang="en-NL" dirty="0"/>
+              <a:t>By analysing the competency queries (search examples) you can extract imporant terminologies, get hints to the domain vocabualries, data dictionaries, standards, data types and so on. </a:t>
+            </a:r>
+          </a:p>
+          <a:p>
+            <a:endParaRPr lang="en-NL" dirty="0"/>
+          </a:p>
+          <a:p>
+            <a:pPr marL="342900" indent="-342900">
+              <a:buFont typeface="Arial" panose="020B0604020202020204" pitchFamily="34" charset="0"/>
+              <a:buChar char="•"/>
+            </a:pPr>
+            <a:r>
               <a:rPr lang="en-GB" sz="2000" dirty="0">
                 <a:latin typeface="Lato"/>
                 <a:ea typeface="Lato"/>
                 <a:cs typeface="Lato"/>
               </a:rPr>
-              <a:t>Go to </a:t>
-            </a:r>
-            <a:r>
-              <a:rPr lang="en-GB" sz="2000" dirty="0">
-                <a:ea typeface="Lato"/>
-                <a:hlinkClick r:id="rId3"/>
-              </a:rPr>
-              <a:t>https://github.com/Health-RI/health-ri-metadata</a:t>
-            </a:r>
-          </a:p>
-          <a:p>
-            <a:pPr lvl="1"/>
-            <a:r>
-              <a:rPr lang="en-GB" sz="1400" dirty="0">
+              <a:t>Document your domain specific requirements</a:t>
+            </a:r>
+          </a:p>
+          <a:p>
+            <a:pPr marL="742950" lvl="1" indent="-285750">
+              <a:buFont typeface="Arial" panose="020B0604020202020204" pitchFamily="34" charset="0"/>
+              <a:buChar char="•"/>
+            </a:pPr>
+            <a:endParaRPr lang="en-GB" sz="1466" dirty="0">
+              <a:latin typeface="Lato"/>
+              <a:ea typeface="Lato"/>
+              <a:cs typeface="Lato"/>
+            </a:endParaRPr>
+          </a:p>
+          <a:p>
+            <a:pPr marL="742950" lvl="1" indent="-285750">
+              <a:buFont typeface="Arial" panose="020B0604020202020204" pitchFamily="34" charset="0"/>
+              <a:buChar char="•"/>
+            </a:pPr>
+            <a:r>
+              <a:rPr lang="en-GB" sz="1800" dirty="0">
                 <a:latin typeface="Lato"/>
                 <a:ea typeface="Lato"/>
                 <a:cs typeface="Lato"/>
               </a:rPr>
-              <a:t>Request Jeroen </a:t>
-            </a:r>
-            <a:r>
-              <a:rPr lang="en-GB" sz="1400" dirty="0" err="1">
-                <a:latin typeface="Lato"/>
-                <a:ea typeface="Lato"/>
-                <a:cs typeface="Lato"/>
-              </a:rPr>
-              <a:t>Beliën</a:t>
-            </a:r>
-            <a:r>
-              <a:rPr lang="en-GB" sz="1400" dirty="0">
-                <a:latin typeface="Lato"/>
-                <a:ea typeface="Lato"/>
-                <a:cs typeface="Lato"/>
-              </a:rPr>
-              <a:t> 🧙 to add you to the HRI Metadata repo </a:t>
-            </a:r>
-            <a:r>
-              <a:rPr lang="en-GB" sz="1400" u="sng" dirty="0">
-                <a:solidFill>
-                  <a:schemeClr val="hlink"/>
-                </a:solidFill>
-                <a:latin typeface="Lato"/>
-                <a:ea typeface="Lato"/>
-                <a:cs typeface="Lato"/>
-                <a:hlinkClick r:id="rId4">
-                  <a:extLst>
-                    <a:ext uri="{A12FA001-AC4F-418D-AE19-62706E023703}">
-                      <ahyp:hlinkClr xmlns:ahyp="http://schemas.microsoft.com/office/drawing/2018/hyperlinkcolor" val="tx"/>
-                    </a:ext>
-                  </a:extLst>
-                </a:hlinkClick>
-              </a:rPr>
-              <a:t>health-ri-metadata</a:t>
-            </a:r>
-            <a:r>
-              <a:rPr lang="en-GB" sz="1400" dirty="0">
-                <a:latin typeface="Lato"/>
-                <a:ea typeface="Lato"/>
-                <a:cs typeface="Lato"/>
-              </a:rPr>
-              <a:t>/</a:t>
-            </a:r>
-            <a:r>
-              <a:rPr lang="en-GB" sz="1400" u="sng" dirty="0">
-                <a:solidFill>
-                  <a:schemeClr val="hlink"/>
-                </a:solidFill>
-                <a:latin typeface="Lato"/>
-                <a:ea typeface="Lato"/>
-                <a:cs typeface="Lato"/>
-                <a:hlinkClick r:id="rId5">
-                  <a:extLst>
-                    <a:ext uri="{A12FA001-AC4F-418D-AE19-62706E023703}">
-                      <ahyp:hlinkClr xmlns:ahyp="http://schemas.microsoft.com/office/drawing/2018/hyperlinkcolor" val="tx"/>
-                    </a:ext>
-                  </a:extLst>
-                </a:hlinkClick>
-              </a:rPr>
-              <a:t>Leaves</a:t>
-            </a:r>
-            <a:r>
-              <a:rPr lang="en-GB" sz="1400" dirty="0">
-                <a:latin typeface="Lato"/>
-                <a:ea typeface="Lato"/>
-                <a:cs typeface="Lato"/>
-              </a:rPr>
-              <a:t>/</a:t>
-            </a:r>
-            <a:endParaRPr lang="en-GB" sz="1400" dirty="0"/>
-          </a:p>
-          <a:p>
-            <a:r>
-              <a:rPr lang="en-GB" sz="2000" dirty="0">
-                <a:latin typeface="Lato"/>
-                <a:ea typeface="Lato"/>
-                <a:cs typeface="Lato"/>
-              </a:rPr>
-              <a:t>Use the metadata requirement template sheet, in the Leave folder</a:t>
-            </a:r>
-          </a:p>
-          <a:p>
-            <a:r>
-              <a:rPr lang="en-GB" sz="2000" dirty="0">
-                <a:latin typeface="Lato"/>
-                <a:ea typeface="Lato"/>
-                <a:cs typeface="Lato"/>
-              </a:rPr>
-              <a:t>Document your domain specific requirements:  </a:t>
-            </a:r>
-          </a:p>
-          <a:p>
-            <a:pPr lvl="1"/>
-            <a:r>
-              <a:rPr lang="en-GB" sz="1466" dirty="0">
-                <a:latin typeface="Lato"/>
-                <a:ea typeface="Lato"/>
-                <a:cs typeface="Lato"/>
-              </a:rPr>
-              <a:t>term | definition | role in the ontology | rules and constraint| mapping to existing standards (DICOM)</a:t>
-            </a:r>
-            <a:endParaRPr lang="en-GB" sz="1466" dirty="0">
-              <a:latin typeface="Lato" panose="020F0502020204030203" pitchFamily="34" charset="0"/>
-              <a:ea typeface="Lato" panose="020F0502020204030203" pitchFamily="34" charset="0"/>
-              <a:cs typeface="Lato" panose="020F0502020204030203" pitchFamily="34" charset="0"/>
-            </a:endParaRPr>
-          </a:p>
-          <a:p>
-            <a:r>
-              <a:rPr lang="en-GB" sz="2000" dirty="0">
-                <a:latin typeface="Lato"/>
-                <a:ea typeface="Lato"/>
-                <a:cs typeface="Lato"/>
-              </a:rPr>
-              <a:t>Feedback / Result from Domain groups are expected to be shared via Git</a:t>
-            </a:r>
-            <a:endParaRPr lang="en-GB" sz="2000" dirty="0">
-              <a:latin typeface="Lato" panose="020F0502020204030203" pitchFamily="34" charset="0"/>
-              <a:ea typeface="Lato" panose="020F0502020204030203" pitchFamily="34" charset="0"/>
-              <a:cs typeface="Lato" panose="020F0502020204030203" pitchFamily="34" charset="0"/>
-            </a:endParaRPr>
-          </a:p>
-          <a:p>
-            <a:pPr lvl="1"/>
-            <a:r>
-              <a:rPr lang="en-GB" sz="2000" dirty="0">
-                <a:latin typeface="Lato"/>
-                <a:ea typeface="Lato"/>
-                <a:cs typeface="Lato"/>
-              </a:rPr>
-              <a:t>Make a new issue on git and assign to Dena and/or Bruna</a:t>
-            </a:r>
-          </a:p>
-          <a:p>
-            <a:pPr marL="0" indent="0">
-              <a:spcBef>
-                <a:spcPts val="0"/>
-              </a:spcBef>
-              <a:buNone/>
-            </a:pPr>
-            <a:r>
-              <a:rPr lang="en-GB" sz="2000" dirty="0"/>
-              <a:t>3. </a:t>
-            </a:r>
+              <a:t>term | definition | role in the ontology | rules and constraint | vocabularies </a:t>
+            </a:r>
+            <a:endParaRPr lang="en-NL" sz="1800" dirty="0"/>
+          </a:p>
+          <a:p>
             <a:endParaRPr lang="en-NL" dirty="0"/>
           </a:p>
         </p:txBody>
@@ -14814,6 +15150,152 @@
     <p:extLst>
       <p:ext uri="{BB962C8B-B14F-4D97-AF65-F5344CB8AC3E}">
         <p14:creationId xmlns:p14="http://schemas.microsoft.com/office/powerpoint/2010/main" val="1001372399"/>
+      </p:ext>
+    </p:extLst>
+  </p:cSld>
+  <p:clrMapOvr>
+    <a:masterClrMapping/>
+  </p:clrMapOvr>
+</p:sld>
+</file>
+
+<file path=ppt/slides/slide18.xml><?xml version="1.0" encoding="utf-8"?>
+<p:sld xmlns:a="http://schemas.openxmlformats.org/drawingml/2006/main" xmlns:r="http://schemas.openxmlformats.org/officeDocument/2006/relationships" xmlns:p="http://schemas.openxmlformats.org/presentationml/2006/main">
+  <p:cSld>
+    <p:spTree>
+      <p:nvGrpSpPr>
+        <p:cNvPr id="1" name=""/>
+        <p:cNvGrpSpPr/>
+        <p:nvPr/>
+      </p:nvGrpSpPr>
+      <p:grpSpPr>
+        <a:xfrm>
+          <a:off x="0" y="0"/>
+          <a:ext cx="0" cy="0"/>
+          <a:chOff x="0" y="0"/>
+          <a:chExt cx="0" cy="0"/>
+        </a:xfrm>
+      </p:grpSpPr>
+      <p:sp>
+        <p:nvSpPr>
+          <p:cNvPr id="2" name="Title 1">
+            <a:extLst>
+              <a:ext uri="{FF2B5EF4-FFF2-40B4-BE49-F238E27FC236}">
+                <a16:creationId xmlns:a16="http://schemas.microsoft.com/office/drawing/2014/main" id="{05B9FEDF-A49C-DF0B-4D97-0630BF0B355F}"/>
+              </a:ext>
+            </a:extLst>
+          </p:cNvPr>
+          <p:cNvSpPr>
+            <a:spLocks noGrp="1"/>
+          </p:cNvSpPr>
+          <p:nvPr>
+            <p:ph type="title"/>
+          </p:nvPr>
+        </p:nvSpPr>
+        <p:spPr/>
+        <p:txBody>
+          <a:bodyPr/>
+          <a:lstStyle/>
+          <a:p>
+            <a:r>
+              <a:rPr lang="en-NL" dirty="0"/>
+              <a:t>3. Reuse Existing Standard</a:t>
+            </a:r>
+          </a:p>
+        </p:txBody>
+      </p:sp>
+      <p:sp>
+        <p:nvSpPr>
+          <p:cNvPr id="3" name="Text Placeholder 2">
+            <a:extLst>
+              <a:ext uri="{FF2B5EF4-FFF2-40B4-BE49-F238E27FC236}">
+                <a16:creationId xmlns:a16="http://schemas.microsoft.com/office/drawing/2014/main" id="{090F9205-FE33-366A-1111-462D1107F0CB}"/>
+              </a:ext>
+            </a:extLst>
+          </p:cNvPr>
+          <p:cNvSpPr>
+            <a:spLocks noGrp="1"/>
+          </p:cNvSpPr>
+          <p:nvPr>
+            <p:ph type="body" idx="1"/>
+          </p:nvPr>
+        </p:nvSpPr>
+        <p:spPr/>
+        <p:txBody>
+          <a:bodyPr/>
+          <a:lstStyle/>
+          <a:p>
+            <a:r>
+              <a:rPr lang="en-GB" b="0" i="0" dirty="0">
+                <a:solidFill>
+                  <a:srgbClr val="374151"/>
+                </a:solidFill>
+                <a:effectLst/>
+                <a:latin typeface="Söhne"/>
+              </a:rPr>
+              <a:t>leveraging pre-existing, widely accepted ontologies, vocabularies, or frameworks instead of creating new ones from scratch (</a:t>
+            </a:r>
+            <a:r>
+              <a:rPr lang="en-GB" b="1" i="0" dirty="0">
+                <a:effectLst/>
+                <a:latin typeface="Söhne"/>
+              </a:rPr>
+              <a:t>Interoperability, validation, and consistency)</a:t>
+            </a:r>
+          </a:p>
+          <a:p>
+            <a:endParaRPr lang="en-GB" b="1" dirty="0">
+              <a:latin typeface="Söhne"/>
+            </a:endParaRPr>
+          </a:p>
+          <a:p>
+            <a:r>
+              <a:rPr lang="en-GB" b="0" i="0" dirty="0">
+                <a:solidFill>
+                  <a:srgbClr val="374151"/>
+                </a:solidFill>
+                <a:effectLst/>
+                <a:latin typeface="Söhne"/>
+              </a:rPr>
+              <a:t>Example: Digital Imaging and Communications in Medicine (DICOM), is a standard for transmitting, storing, retrieving, printing, processing, and displaying medical imaging information -- Widely used in hospitals, clinics, and medical research settings. </a:t>
+            </a:r>
+            <a:r>
+              <a:rPr lang="en-GB" dirty="0"/>
+              <a:t>https://</a:t>
+            </a:r>
+            <a:r>
+              <a:rPr lang="en-GB" dirty="0" err="1"/>
+              <a:t>www.dicomstandard.org</a:t>
+            </a:r>
+            <a:r>
+              <a:rPr lang="en-GB" dirty="0"/>
+              <a:t>/, (</a:t>
+            </a:r>
+            <a:r>
+              <a:rPr lang="en-GB" dirty="0" err="1"/>
+              <a:t>Mildenberger</a:t>
+            </a:r>
+            <a:r>
+              <a:rPr lang="en-GB" dirty="0"/>
+              <a:t> et al, 2002)</a:t>
+            </a:r>
+            <a:endParaRPr lang="en-GB" b="0" i="0" dirty="0">
+              <a:solidFill>
+                <a:srgbClr val="374151"/>
+              </a:solidFill>
+              <a:effectLst/>
+              <a:latin typeface="Söhne"/>
+            </a:endParaRPr>
+          </a:p>
+          <a:p>
+            <a:endParaRPr lang="en-NL" dirty="0"/>
+          </a:p>
+        </p:txBody>
+      </p:sp>
+    </p:spTree>
+    <p:extLst>
+      <p:ext uri="{BB962C8B-B14F-4D97-AF65-F5344CB8AC3E}">
+        <p14:creationId xmlns:p14="http://schemas.microsoft.com/office/powerpoint/2010/main" val="2249175790"/>
       </p:ext>
     </p:extLst>
   </p:cSld>
@@ -14856,14 +15338,19 @@
             <p:ph type="title"/>
           </p:nvPr>
         </p:nvSpPr>
-        <p:spPr/>
+        <p:spPr>
+          <a:xfrm>
+            <a:off x="414067" y="834788"/>
+            <a:ext cx="11352363" cy="443199"/>
+          </a:xfrm>
+        </p:spPr>
         <p:txBody>
           <a:bodyPr/>
           <a:lstStyle/>
           <a:p>
             <a:r>
               <a:rPr lang="en-NL" dirty="0"/>
-              <a:t>Sematic modelling</a:t>
+              <a:t>Next step: Sematic Modelling </a:t>
             </a:r>
           </a:p>
         </p:txBody>
@@ -14923,7 +15410,7 @@
           <a:p>
             <a:r>
               <a:rPr lang="en-GB" sz="2134" dirty="0"/>
-              <a:t>Enumeration: Categorical data (controlled vocabularies)</a:t>
+              <a:t>Enumeration: Categorical data (controlled vocabularies) </a:t>
             </a:r>
           </a:p>
           <a:p>
@@ -15159,7 +15646,7 @@
           <p:cNvPr id="2" name="Title 1">
             <a:extLst>
               <a:ext uri="{FF2B5EF4-FFF2-40B4-BE49-F238E27FC236}">
-                <a16:creationId xmlns:a16="http://schemas.microsoft.com/office/drawing/2014/main" id="{79EE33A1-0805-809E-3EC0-CDC7A4435F6E}"/>
+                <a16:creationId xmlns:a16="http://schemas.microsoft.com/office/drawing/2014/main" id="{E22EEF6B-E0B1-1332-0282-86EEE858D551}"/>
               </a:ext>
             </a:extLst>
           </p:cNvPr>
@@ -15170,100 +15657,96 @@
             <p:ph type="title"/>
           </p:nvPr>
         </p:nvSpPr>
-        <p:spPr/>
+        <p:spPr>
+          <a:xfrm>
+            <a:off x="419818" y="483902"/>
+            <a:ext cx="11352363" cy="443199"/>
+          </a:xfrm>
+        </p:spPr>
         <p:txBody>
           <a:bodyPr/>
           <a:lstStyle/>
           <a:p>
             <a:r>
+              <a:rPr lang="en-GB" dirty="0"/>
+              <a:t>E</a:t>
+            </a:r>
+            <a:r>
               <a:rPr lang="en-NL" dirty="0"/>
-              <a:t>Reuse elements from DICOM </a:t>
+              <a:t>xample of a semanti model</a:t>
             </a:r>
           </a:p>
         </p:txBody>
       </p:sp>
-      <p:sp>
-        <p:nvSpPr>
-          <p:cNvPr id="4" name="Text Placeholder 2">
+      <p:pic>
+        <p:nvPicPr>
+          <p:cNvPr id="6" name="Picture 5" descr="A diagram of a diagram&#10;&#10;Description automatically generated">
             <a:extLst>
               <a:ext uri="{FF2B5EF4-FFF2-40B4-BE49-F238E27FC236}">
-                <a16:creationId xmlns:a16="http://schemas.microsoft.com/office/drawing/2014/main" id="{E32D75DF-9DE3-2FD3-1A72-2DBFC5299A73}"/>
+                <a16:creationId xmlns:a16="http://schemas.microsoft.com/office/drawing/2014/main" id="{1300A668-3236-8257-946B-6E20298C06FD}"/>
               </a:ext>
             </a:extLst>
           </p:cNvPr>
-          <p:cNvSpPr>
-            <a:spLocks noGrp="1"/>
-          </p:cNvSpPr>
-          <p:nvPr>
-            <p:ph type="body" idx="1"/>
-          </p:nvPr>
+          <p:cNvPicPr>
+            <a:picLocks noChangeAspect="1"/>
+          </p:cNvPicPr>
+          <p:nvPr/>
+        </p:nvPicPr>
+        <p:blipFill>
+          <a:blip r:embed="rId3"/>
+          <a:stretch>
+            <a:fillRect/>
+          </a:stretch>
+        </p:blipFill>
+        <p:spPr>
+          <a:xfrm>
+            <a:off x="2286000" y="1411060"/>
+            <a:ext cx="6731000" cy="4735739"/>
+          </a:xfrm>
+          <a:prstGeom prst="rect">
+            <a:avLst/>
+          </a:prstGeom>
+        </p:spPr>
+      </p:pic>
+      <p:sp>
+        <p:nvSpPr>
+          <p:cNvPr id="8" name="TextBox 7">
+            <a:extLst>
+              <a:ext uri="{FF2B5EF4-FFF2-40B4-BE49-F238E27FC236}">
+                <a16:creationId xmlns:a16="http://schemas.microsoft.com/office/drawing/2014/main" id="{2FD0C17B-9018-F232-5E00-6281D9A2C765}"/>
+              </a:ext>
+            </a:extLst>
+          </p:cNvPr>
+          <p:cNvSpPr txBox="1"/>
+          <p:nvPr/>
         </p:nvSpPr>
-        <p:spPr/>
+        <p:spPr>
+          <a:xfrm>
+            <a:off x="190500" y="5446940"/>
+            <a:ext cx="6096000" cy="646331"/>
+          </a:xfrm>
+          <a:prstGeom prst="rect">
+            <a:avLst/>
+          </a:prstGeom>
+          <a:noFill/>
+        </p:spPr>
         <p:txBody>
-          <a:bodyPr/>
+          <a:bodyPr wrap="square">
+            <a:spAutoFit/>
+          </a:bodyPr>
           <a:lstStyle/>
           <a:p>
             <a:r>
-              <a:rPr lang="en-US" dirty="0"/>
-              <a:t>Align your model with the </a:t>
-            </a:r>
-            <a:r>
               <a:rPr lang="en-NL" dirty="0"/>
-              <a:t>exsiting standards in your domain</a:t>
-            </a:r>
-          </a:p>
-          <a:p>
-            <a:endParaRPr lang="en-NL" dirty="0"/>
-          </a:p>
-          <a:p>
-            <a:r>
-              <a:rPr lang="en-GB" dirty="0"/>
-              <a:t>DICOM® is the international standard to transmit, store, retrieve, print, process, and display medical imaging information” - From https://</a:t>
-            </a:r>
-            <a:r>
-              <a:rPr lang="en-GB" dirty="0" err="1"/>
-              <a:t>www.dicomstandard.org</a:t>
-            </a:r>
-            <a:r>
-              <a:rPr lang="en-GB" dirty="0"/>
-              <a:t>/, (</a:t>
-            </a:r>
-            <a:r>
-              <a:rPr lang="en-GB" dirty="0" err="1"/>
-              <a:t>Mildenberger</a:t>
-            </a:r>
-            <a:r>
-              <a:rPr lang="en-GB" dirty="0"/>
-              <a:t> et al, 2002)</a:t>
-            </a:r>
-          </a:p>
-          <a:p>
-            <a:pPr marL="1073150" lvl="2" indent="0">
-              <a:buNone/>
-            </a:pPr>
-            <a:endParaRPr lang="en-GB" dirty="0"/>
-          </a:p>
-          <a:p>
-            <a:endParaRPr lang="en-GB" dirty="0"/>
-          </a:p>
-          <a:p>
-            <a:endParaRPr lang="en-GB" dirty="0"/>
-          </a:p>
-          <a:p>
-            <a:endParaRPr lang="en-GB" dirty="0"/>
-          </a:p>
-          <a:p>
-            <a:pPr marL="615950" lvl="1" indent="0">
-              <a:buNone/>
-            </a:pPr>
-            <a:endParaRPr lang="en-GB" dirty="0"/>
+              <a:t>https://dicom.nema.org/medical/dicom/current/output/chtml/part16/chapter_L.html#chapter_L</a:t>
+            </a:r>
           </a:p>
         </p:txBody>
       </p:sp>
     </p:spTree>
     <p:extLst>
       <p:ext uri="{BB962C8B-B14F-4D97-AF65-F5344CB8AC3E}">
-        <p14:creationId xmlns:p14="http://schemas.microsoft.com/office/powerpoint/2010/main" val="3571080125"/>
+        <p14:creationId xmlns:p14="http://schemas.microsoft.com/office/powerpoint/2010/main" val="1723458976"/>
       </p:ext>
     </p:extLst>
   </p:cSld>
@@ -15295,7 +15778,7 @@
           <p:cNvPr id="2" name="Title 1">
             <a:extLst>
               <a:ext uri="{FF2B5EF4-FFF2-40B4-BE49-F238E27FC236}">
-                <a16:creationId xmlns:a16="http://schemas.microsoft.com/office/drawing/2014/main" id="{359D7DBA-E347-8020-5364-595C54E9A47B}"/>
+                <a16:creationId xmlns:a16="http://schemas.microsoft.com/office/drawing/2014/main" id="{3B71C312-CDD0-B719-10D7-EA4F5BA11DCA}"/>
               </a:ext>
             </a:extLst>
           </p:cNvPr>
@@ -15308,7 +15791,7 @@
         </p:nvSpPr>
         <p:spPr>
           <a:xfrm>
-            <a:off x="414068" y="418985"/>
+            <a:off x="414068" y="613188"/>
             <a:ext cx="11352363" cy="443199"/>
           </a:xfrm>
         </p:spPr>
@@ -15318,7 +15801,7 @@
           <a:p>
             <a:r>
               <a:rPr lang="en-NL" dirty="0"/>
-              <a:t>Address the gap</a:t>
+              <a:t>Next step: Implement the model (Formal)</a:t>
             </a:r>
           </a:p>
         </p:txBody>
@@ -15328,7 +15811,7 @@
           <p:cNvPr id="3" name="Text Placeholder 2">
             <a:extLst>
               <a:ext uri="{FF2B5EF4-FFF2-40B4-BE49-F238E27FC236}">
-                <a16:creationId xmlns:a16="http://schemas.microsoft.com/office/drawing/2014/main" id="{5C0B47AC-9FFD-5E60-438C-4F12EAA41D86}"/>
+                <a16:creationId xmlns:a16="http://schemas.microsoft.com/office/drawing/2014/main" id="{35678D38-6485-3136-62B7-CF487ABDFAAF}"/>
               </a:ext>
             </a:extLst>
           </p:cNvPr>
@@ -15339,89 +15822,39 @@
             <p:ph type="body" idx="1"/>
           </p:nvPr>
         </p:nvSpPr>
-        <p:spPr>
-          <a:xfrm>
-            <a:off x="214372" y="1416269"/>
-            <a:ext cx="11352363" cy="4575411"/>
-          </a:xfrm>
-        </p:spPr>
+        <p:spPr/>
         <p:txBody>
           <a:bodyPr/>
           <a:lstStyle/>
           <a:p>
-            <a:pPr marL="742950" lvl="1" indent="-285750">
-              <a:buFont typeface="Courier New" panose="02070309020205020404" pitchFamily="49" charset="0"/>
-              <a:buChar char="o"/>
-            </a:pPr>
-            <a:r>
-              <a:rPr lang="en-GB" sz="1800" kern="0" dirty="0">
-                <a:effectLst/>
-                <a:latin typeface="AppleSystemUIFont"/>
-                <a:ea typeface="Calibri" panose="020F0502020204030204" pitchFamily="34" charset="0"/>
-                <a:cs typeface="AppleSystemUIFont"/>
-              </a:rPr>
-              <a:t>If you find terms in your metadata that </a:t>
-            </a:r>
-            <a:r>
-              <a:rPr lang="en-US" sz="1800" kern="0" dirty="0">
-                <a:effectLst/>
-                <a:latin typeface="AppleSystemUIFont"/>
-                <a:ea typeface="Calibri" panose="020F0502020204030204" pitchFamily="34" charset="0"/>
-                <a:cs typeface="AppleSystemUIFont"/>
-              </a:rPr>
-              <a:t>can be mapped to DICOM, it is a good practice to reuse DICOM element</a:t>
-            </a:r>
-          </a:p>
-          <a:p>
-            <a:pPr marL="742950" lvl="1" indent="-285750">
-              <a:buFont typeface="Courier New" panose="02070309020205020404" pitchFamily="49" charset="0"/>
-              <a:buChar char="o"/>
-            </a:pPr>
-            <a:endParaRPr lang="en-NL" sz="2067" kern="100" dirty="0">
-              <a:effectLst/>
-              <a:latin typeface="Calibri" panose="020F0502020204030204" pitchFamily="34" charset="0"/>
-              <a:ea typeface="Calibri" panose="020F0502020204030204" pitchFamily="34" charset="0"/>
-              <a:cs typeface="Times New Roman" panose="02020603050405020304" pitchFamily="18" charset="0"/>
-            </a:endParaRPr>
-          </a:p>
-          <a:p>
-            <a:pPr marL="742950" lvl="1" indent="-285750">
-              <a:buFont typeface="Courier New" panose="02070309020205020404" pitchFamily="49" charset="0"/>
-              <a:buChar char="o"/>
-            </a:pPr>
-            <a:r>
-              <a:rPr lang="en-GB" sz="1800" kern="0" dirty="0">
-                <a:effectLst/>
-                <a:latin typeface="AppleSystemUIFont"/>
-                <a:ea typeface="Calibri" panose="020F0502020204030204" pitchFamily="34" charset="0"/>
-                <a:cs typeface="AppleSystemUIFont"/>
-              </a:rPr>
-              <a:t>You might consider extending the standard if applicable, if the requirement definitions ar</a:t>
-            </a:r>
-            <a:r>
-              <a:rPr lang="en-GB" sz="1800" kern="0" dirty="0">
-                <a:latin typeface="AppleSystemUIFont"/>
-                <a:ea typeface="Calibri" panose="020F0502020204030204" pitchFamily="34" charset="0"/>
-                <a:cs typeface="AppleSystemUIFont"/>
-              </a:rPr>
-              <a:t>e same</a:t>
-            </a:r>
-            <a:endParaRPr lang="en-NL" sz="1800" kern="100" dirty="0">
-              <a:effectLst/>
-              <a:latin typeface="Calibri" panose="020F0502020204030204" pitchFamily="34" charset="0"/>
-              <a:ea typeface="Calibri" panose="020F0502020204030204" pitchFamily="34" charset="0"/>
-              <a:cs typeface="Times New Roman" panose="02020603050405020304" pitchFamily="18" charset="0"/>
-            </a:endParaRPr>
-          </a:p>
-          <a:p>
-            <a:endParaRPr lang="en-NL" dirty="0"/>
+            <a:r>
+              <a:rPr lang="en-GB" dirty="0"/>
+              <a:t>Encode the domain model in RDF/OWL/</a:t>
+            </a:r>
+            <a:r>
+              <a:rPr lang="en-GB" dirty="0" err="1"/>
+              <a:t>shacl</a:t>
+            </a:r>
+            <a:endParaRPr lang="en-GB" dirty="0"/>
+          </a:p>
+          <a:p>
+            <a:r>
+              <a:rPr lang="en-GB" dirty="0"/>
+              <a:t>Use SKOS for modelling Controlled vocabularies and</a:t>
+            </a:r>
+          </a:p>
+          <a:p>
+            <a:r>
+              <a:rPr lang="en-GB" dirty="0"/>
+              <a:t>Use Shape Schema language for representation Data constraints and validation rules</a:t>
+            </a:r>
           </a:p>
         </p:txBody>
       </p:sp>
     </p:spTree>
     <p:extLst>
       <p:ext uri="{BB962C8B-B14F-4D97-AF65-F5344CB8AC3E}">
-        <p14:creationId xmlns:p14="http://schemas.microsoft.com/office/powerpoint/2010/main" val="2975397528"/>
+        <p14:creationId xmlns:p14="http://schemas.microsoft.com/office/powerpoint/2010/main" val="3052729773"/>
       </p:ext>
     </p:extLst>
   </p:cSld>
@@ -15521,34 +15954,18 @@
           </a:p>
           <a:p>
             <a:r>
-              <a:rPr lang="en-GB" dirty="0">
-                <a:highlight>
-                  <a:srgbClr val="00FF00"/>
-                </a:highlight>
-              </a:rPr>
+              <a:rPr lang="en-GB" dirty="0"/>
               <a:t>Only domain experts (working groups and portal teams) can define the metadata </a:t>
             </a:r>
             <a:r>
-              <a:rPr lang="en-GB" b="1" dirty="0">
-                <a:highlight>
-                  <a:srgbClr val="00FF00"/>
-                </a:highlight>
-              </a:rPr>
+              <a:rPr lang="en-GB" b="1" dirty="0"/>
               <a:t>properties</a:t>
             </a:r>
             <a:r>
-              <a:rPr lang="en-GB" dirty="0">
-                <a:highlight>
-                  <a:srgbClr val="00FF00"/>
-                </a:highlight>
-              </a:rPr>
+              <a:rPr lang="en-GB" dirty="0"/>
               <a:t> (content).</a:t>
             </a:r>
-            <a:endParaRPr dirty="0">
-              <a:highlight>
-                <a:srgbClr val="00FF00"/>
-              </a:highlight>
-            </a:endParaRPr>
+            <a:endParaRPr dirty="0"/>
           </a:p>
           <a:p>
             <a:r>
@@ -15569,28 +15986,52 @@
               <a:buSzPts val="1500"/>
             </a:pPr>
             <a:r>
-              <a:rPr lang="en-GB" sz="2000" dirty="0"/>
+              <a:rPr lang="en-GB" sz="2000" dirty="0">
+                <a:highlight>
+                  <a:srgbClr val="00FFFF"/>
+                </a:highlight>
+              </a:rPr>
               <a:t>Once domain schemas are out for review, TMT can check and embed the obligatory fields in the core schema</a:t>
             </a:r>
-            <a:endParaRPr sz="2000" dirty="0"/>
+            <a:endParaRPr sz="2000" dirty="0">
+              <a:highlight>
+                <a:srgbClr val="00FFFF"/>
+              </a:highlight>
+            </a:endParaRPr>
           </a:p>
           <a:p>
             <a:pPr lvl="1" indent="-431789">
               <a:buSzPts val="1500"/>
             </a:pPr>
             <a:r>
-              <a:rPr lang="en-GB" sz="2000" dirty="0"/>
+              <a:rPr lang="en-GB" sz="2000" dirty="0">
+                <a:highlight>
+                  <a:srgbClr val="00FFFF"/>
+                </a:highlight>
+              </a:rPr>
               <a:t>Portal groups will review taking into account usability of the schema in health-</a:t>
             </a:r>
             <a:r>
-              <a:rPr lang="en-GB" sz="2000" dirty="0" err="1"/>
+              <a:rPr lang="en-GB" sz="2000" dirty="0" err="1">
+                <a:highlight>
+                  <a:srgbClr val="00FFFF"/>
+                </a:highlight>
+              </a:rPr>
               <a:t>ri</a:t>
             </a:r>
             <a:r>
-              <a:rPr lang="en-GB" sz="2000" dirty="0"/>
+              <a:rPr lang="en-GB" sz="2000" dirty="0">
+                <a:highlight>
+                  <a:srgbClr val="00FFFF"/>
+                </a:highlight>
+              </a:rPr>
               <a:t> infrastructure (Portal) etc</a:t>
             </a:r>
-            <a:endParaRPr sz="2000" dirty="0"/>
+            <a:endParaRPr sz="2000" dirty="0">
+              <a:highlight>
+                <a:srgbClr val="00FFFF"/>
+              </a:highlight>
+            </a:endParaRPr>
           </a:p>
         </p:txBody>
       </p:sp>
@@ -15608,120 +16049,6 @@
 </file>
 
 <file path=ppt/slides/slide23.xml><?xml version="1.0" encoding="utf-8"?>
-<p:sld xmlns:a="http://schemas.openxmlformats.org/drawingml/2006/main" xmlns:r="http://schemas.openxmlformats.org/officeDocument/2006/relationships" xmlns:p="http://schemas.openxmlformats.org/presentationml/2006/main">
-  <p:cSld>
-    <p:spTree>
-      <p:nvGrpSpPr>
-        <p:cNvPr id="1" name=""/>
-        <p:cNvGrpSpPr/>
-        <p:nvPr/>
-      </p:nvGrpSpPr>
-      <p:grpSpPr>
-        <a:xfrm>
-          <a:off x="0" y="0"/>
-          <a:ext cx="0" cy="0"/>
-          <a:chOff x="0" y="0"/>
-          <a:chExt cx="0" cy="0"/>
-        </a:xfrm>
-      </p:grpSpPr>
-      <p:sp>
-        <p:nvSpPr>
-          <p:cNvPr id="2" name="Title 1">
-            <a:extLst>
-              <a:ext uri="{FF2B5EF4-FFF2-40B4-BE49-F238E27FC236}">
-                <a16:creationId xmlns:a16="http://schemas.microsoft.com/office/drawing/2014/main" id="{3B71C312-CDD0-B719-10D7-EA4F5BA11DCA}"/>
-              </a:ext>
-            </a:extLst>
-          </p:cNvPr>
-          <p:cNvSpPr>
-            <a:spLocks noGrp="1"/>
-          </p:cNvSpPr>
-          <p:nvPr>
-            <p:ph type="title"/>
-          </p:nvPr>
-        </p:nvSpPr>
-        <p:spPr>
-          <a:xfrm>
-            <a:off x="414068" y="613188"/>
-            <a:ext cx="11352363" cy="443199"/>
-          </a:xfrm>
-        </p:spPr>
-        <p:txBody>
-          <a:bodyPr/>
-          <a:lstStyle/>
-          <a:p>
-            <a:r>
-              <a:rPr lang="en-NL" dirty="0"/>
-              <a:t>Next step: Implement (Formal)</a:t>
-            </a:r>
-          </a:p>
-        </p:txBody>
-      </p:sp>
-      <p:sp>
-        <p:nvSpPr>
-          <p:cNvPr id="3" name="Text Placeholder 2">
-            <a:extLst>
-              <a:ext uri="{FF2B5EF4-FFF2-40B4-BE49-F238E27FC236}">
-                <a16:creationId xmlns:a16="http://schemas.microsoft.com/office/drawing/2014/main" id="{35678D38-6485-3136-62B7-CF487ABDFAAF}"/>
-              </a:ext>
-            </a:extLst>
-          </p:cNvPr>
-          <p:cNvSpPr>
-            <a:spLocks noGrp="1"/>
-          </p:cNvSpPr>
-          <p:nvPr>
-            <p:ph type="body" idx="1"/>
-          </p:nvPr>
-        </p:nvSpPr>
-        <p:spPr/>
-        <p:txBody>
-          <a:bodyPr/>
-          <a:lstStyle/>
-          <a:p>
-            <a:r>
-              <a:rPr lang="en-GB" dirty="0"/>
-              <a:t>Create Formal ontologies</a:t>
-            </a:r>
-          </a:p>
-          <a:p>
-            <a:r>
-              <a:rPr lang="en-GB" dirty="0"/>
-              <a:t>The domain model in owl/</a:t>
-            </a:r>
-            <a:r>
-              <a:rPr lang="en-GB" dirty="0" err="1"/>
-              <a:t>rdf</a:t>
-            </a:r>
-            <a:endParaRPr lang="en-GB" dirty="0"/>
-          </a:p>
-          <a:p>
-            <a:r>
-              <a:rPr lang="en-GB" dirty="0"/>
-              <a:t>Vocabularies and taxonomies in SKOS</a:t>
-            </a:r>
-          </a:p>
-          <a:p>
-            <a:r>
-              <a:rPr lang="en-GB" dirty="0"/>
-              <a:t>The data validation rules and data constraints in SHACL</a:t>
-            </a:r>
-          </a:p>
-        </p:txBody>
-      </p:sp>
-    </p:spTree>
-    <p:extLst>
-      <p:ext uri="{BB962C8B-B14F-4D97-AF65-F5344CB8AC3E}">
-        <p14:creationId xmlns:p14="http://schemas.microsoft.com/office/powerpoint/2010/main" val="3052729773"/>
-      </p:ext>
-    </p:extLst>
-  </p:cSld>
-  <p:clrMapOvr>
-    <a:masterClrMapping/>
-  </p:clrMapOvr>
-</p:sld>
-</file>
-
-<file path=ppt/slides/slide24.xml><?xml version="1.0" encoding="utf-8"?>
 <p:sld xmlns:a="http://schemas.openxmlformats.org/drawingml/2006/main" xmlns:r="http://schemas.openxmlformats.org/officeDocument/2006/relationships" xmlns:p="http://schemas.openxmlformats.org/presentationml/2006/main" show="0">
   <p:cSld>
     <p:spTree>
@@ -15866,7 +16193,7 @@
 </p:sld>
 </file>
 
-<file path=ppt/slides/slide25.xml><?xml version="1.0" encoding="utf-8"?>
+<file path=ppt/slides/slide24.xml><?xml version="1.0" encoding="utf-8"?>
 <p:sld xmlns:a="http://schemas.openxmlformats.org/drawingml/2006/main" xmlns:r="http://schemas.openxmlformats.org/officeDocument/2006/relationships" xmlns:p="http://schemas.openxmlformats.org/presentationml/2006/main" show="0">
   <p:cSld>
     <p:spTree>
@@ -17026,7 +17353,7 @@
 </p:sld>
 </file>
 
-<file path=ppt/slides/slide26.xml><?xml version="1.0" encoding="utf-8"?>
+<file path=ppt/slides/slide25.xml><?xml version="1.0" encoding="utf-8"?>
 <p:sld xmlns:a="http://schemas.openxmlformats.org/drawingml/2006/main" xmlns:r="http://schemas.openxmlformats.org/officeDocument/2006/relationships" xmlns:p="http://schemas.openxmlformats.org/presentationml/2006/main">
   <p:cSld>
     <p:spTree>
@@ -17059,7 +17386,12 @@
             <p:ph type="title"/>
           </p:nvPr>
         </p:nvSpPr>
-        <p:spPr/>
+        <p:spPr>
+          <a:xfrm>
+            <a:off x="401100" y="1834400"/>
+            <a:ext cx="10251600" cy="713600"/>
+          </a:xfrm>
+        </p:spPr>
         <p:txBody>
           <a:bodyPr>
             <a:normAutofit/>
@@ -17155,7 +17487,7 @@
 </p:sld>
 </file>
 
-<file path=ppt/slides/slide27.xml><?xml version="1.0" encoding="utf-8"?>
+<file path=ppt/slides/slide26.xml><?xml version="1.0" encoding="utf-8"?>
 <p:sld xmlns:a="http://schemas.openxmlformats.org/drawingml/2006/main" xmlns:r="http://schemas.openxmlformats.org/officeDocument/2006/relationships" xmlns:p="http://schemas.openxmlformats.org/presentationml/2006/main">
   <p:cSld>
     <p:spTree>
@@ -17234,7 +17566,7 @@
         </p:spPr>
         <p:txBody>
           <a:bodyPr spcFirstLastPara="1" vert="horz" wrap="square" lIns="121900" tIns="121900" rIns="121900" bIns="121900" rtlCol="0" anchor="t" anchorCtr="0">
-            <a:normAutofit fontScale="77500" lnSpcReduction="20000"/>
+            <a:normAutofit fontScale="70000" lnSpcReduction="20000"/>
           </a:bodyPr>
           <a:lstStyle/>
           <a:p>
@@ -17265,15 +17597,7 @@
           <a:p>
             <a:r>
               <a:rPr lang="en-GB" dirty="0"/>
-              <a:t>Map your model to the </a:t>
-            </a:r>
-            <a:r>
-              <a:rPr lang="en-GB" dirty="0" err="1"/>
-              <a:t>dcat</a:t>
-            </a:r>
-            <a:r>
-              <a:rPr lang="en-GB" dirty="0"/>
-              <a:t>-ap model. Excel sheet</a:t>
+              <a:t>Make you data and metadata DCAT-AP compliant.</a:t>
             </a:r>
             <a:endParaRPr dirty="0"/>
           </a:p>
@@ -17283,6 +17607,9 @@
               <a:t>Keep your versioning in GitHub 🌻</a:t>
             </a:r>
             <a:endParaRPr dirty="0"/>
+          </a:p>
+          <a:p>
+            <a:endParaRPr lang="en-GB" dirty="0"/>
           </a:p>
           <a:p>
             <a:r>
@@ -17336,7 +17663,7 @@
         </p:blipFill>
         <p:spPr>
           <a:xfrm>
-            <a:off x="1812288" y="5000855"/>
+            <a:off x="5190488" y="5191355"/>
             <a:ext cx="257067" cy="257067"/>
           </a:xfrm>
           <a:prstGeom prst="rect">
@@ -17376,166 +17703,6 @@
           </a:ln>
         </p:spPr>
       </p:pic>
-    </p:spTree>
-  </p:cSld>
-  <p:clrMapOvr>
-    <a:masterClrMapping/>
-  </p:clrMapOvr>
-</p:sld>
-</file>
-
-<file path=ppt/slides/slide28.xml><?xml version="1.0" encoding="utf-8"?>
-<p:sld xmlns:a="http://schemas.openxmlformats.org/drawingml/2006/main" xmlns:r="http://schemas.openxmlformats.org/officeDocument/2006/relationships" xmlns:p="http://schemas.openxmlformats.org/presentationml/2006/main">
-  <p:cSld>
-    <p:spTree>
-      <p:nvGrpSpPr>
-        <p:cNvPr id="1" name="Shape 229"/>
-        <p:cNvGrpSpPr/>
-        <p:nvPr/>
-      </p:nvGrpSpPr>
-      <p:grpSpPr>
-        <a:xfrm>
-          <a:off x="0" y="0"/>
-          <a:ext cx="0" cy="0"/>
-          <a:chOff x="0" y="0"/>
-          <a:chExt cx="0" cy="0"/>
-        </a:xfrm>
-      </p:grpSpPr>
-      <p:sp>
-        <p:nvSpPr>
-          <p:cNvPr id="230" name="Google Shape;230;p28"/>
-          <p:cNvSpPr txBox="1">
-            <a:spLocks noGrp="1"/>
-          </p:cNvSpPr>
-          <p:nvPr>
-            <p:ph type="title"/>
-          </p:nvPr>
-        </p:nvSpPr>
-        <p:spPr>
-          <a:xfrm>
-            <a:off x="972600" y="1758200"/>
-            <a:ext cx="10251600" cy="713600"/>
-          </a:xfrm>
-          <a:prstGeom prst="rect">
-            <a:avLst/>
-          </a:prstGeom>
-        </p:spPr>
-        <p:txBody>
-          <a:bodyPr spcFirstLastPara="1" vert="horz" wrap="square" lIns="121900" tIns="121900" rIns="121900" bIns="121900" rtlCol="0" anchor="t" anchorCtr="0">
-            <a:normAutofit fontScale="90000"/>
-          </a:bodyPr>
-          <a:lstStyle/>
-          <a:p>
-            <a:r>
-              <a:rPr lang="en-GB" dirty="0">
-                <a:latin typeface="Lato" panose="020F0502020204030203" pitchFamily="34" charset="0"/>
-                <a:ea typeface="Lato" panose="020F0502020204030203" pitchFamily="34" charset="0"/>
-                <a:cs typeface="Lato" panose="020F0502020204030203" pitchFamily="34" charset="0"/>
-              </a:rPr>
-              <a:t>Acknowledgements</a:t>
-            </a:r>
-            <a:r>
-              <a:rPr lang="en-GB" dirty="0"/>
-              <a:t> </a:t>
-            </a:r>
-            <a:endParaRPr dirty="0"/>
-          </a:p>
-        </p:txBody>
-      </p:sp>
-      <p:sp>
-        <p:nvSpPr>
-          <p:cNvPr id="231" name="Google Shape;231;p28"/>
-          <p:cNvSpPr txBox="1">
-            <a:spLocks noGrp="1"/>
-          </p:cNvSpPr>
-          <p:nvPr>
-            <p:ph type="body" idx="1"/>
-          </p:nvPr>
-        </p:nvSpPr>
-        <p:spPr>
-          <a:xfrm>
-            <a:off x="972600" y="2771833"/>
-            <a:ext cx="10251600" cy="3014800"/>
-          </a:xfrm>
-          <a:prstGeom prst="rect">
-            <a:avLst/>
-          </a:prstGeom>
-        </p:spPr>
-        <p:txBody>
-          <a:bodyPr spcFirstLastPara="1" vert="horz" wrap="square" lIns="121900" tIns="121900" rIns="121900" bIns="121900" rtlCol="0" anchor="t" anchorCtr="0">
-            <a:normAutofit lnSpcReduction="10000"/>
-          </a:bodyPr>
-          <a:lstStyle/>
-          <a:p>
-            <a:r>
-              <a:rPr lang="en-GB" dirty="0"/>
-              <a:t>Julia</a:t>
-            </a:r>
-          </a:p>
-          <a:p>
-            <a:r>
-              <a:rPr lang="en-GB" dirty="0" err="1"/>
-              <a:t>Kees</a:t>
-            </a:r>
-            <a:endParaRPr lang="en-GB" dirty="0"/>
-          </a:p>
-          <a:p>
-            <a:r>
-              <a:rPr lang="en-GB" dirty="0"/>
-              <a:t>Luiz</a:t>
-            </a:r>
-          </a:p>
-          <a:p>
-            <a:r>
-              <a:rPr lang="en-GB" dirty="0" err="1"/>
-              <a:t>Mijke</a:t>
-            </a:r>
-            <a:endParaRPr lang="en-GB" dirty="0"/>
-          </a:p>
-          <a:p>
-            <a:r>
-              <a:rPr lang="en-GB" dirty="0"/>
-              <a:t>Marianne</a:t>
-            </a:r>
-          </a:p>
-          <a:p>
-            <a:r>
-              <a:rPr lang="en-GB" dirty="0"/>
-              <a:t>Jeroen</a:t>
-            </a:r>
-          </a:p>
-          <a:p>
-            <a:r>
-              <a:rPr lang="en-GB" dirty="0"/>
-              <a:t>Rita</a:t>
-            </a:r>
-          </a:p>
-          <a:p>
-            <a:r>
-              <a:rPr lang="en-GB" dirty="0"/>
-              <a:t>Esther</a:t>
-            </a:r>
-          </a:p>
-          <a:p>
-            <a:endParaRPr lang="en-GB" dirty="0"/>
-          </a:p>
-          <a:p>
-            <a:endParaRPr dirty="0"/>
-          </a:p>
-          <a:p>
-            <a:pPr marL="0" indent="0">
-              <a:spcBef>
-                <a:spcPts val="1600"/>
-              </a:spcBef>
-              <a:spcAft>
-                <a:spcPts val="1600"/>
-              </a:spcAft>
-              <a:buNone/>
-            </a:pPr>
-            <a:endParaRPr dirty="0"/>
-          </a:p>
-        </p:txBody>
-      </p:sp>
     </p:spTree>
   </p:cSld>
   <p:clrMapOvr>
@@ -17626,48 +17793,105 @@
             </a:pPr>
             <a:r>
               <a:rPr lang="en-GB" sz="2800" dirty="0"/>
-              <a:t>We need to comply with International standards</a:t>
+              <a:t>1. International standards –  metadata schema</a:t>
+            </a:r>
+          </a:p>
+          <a:p>
+            <a:pPr lvl="1"/>
+            <a:r>
+              <a:rPr lang="en-NL" dirty="0"/>
+              <a:t>Describe our resources according to common metadata standards with rich semantics</a:t>
+            </a:r>
+          </a:p>
+          <a:p>
+            <a:pPr lvl="1"/>
+            <a:r>
+              <a:rPr lang="en-NL" dirty="0"/>
+              <a:t>To allow unique identifiability </a:t>
+            </a:r>
+          </a:p>
+          <a:p>
+            <a:pPr lvl="1"/>
+            <a:r>
+              <a:rPr lang="en-NL" dirty="0"/>
+              <a:t>T</a:t>
+            </a:r>
+            <a:r>
+              <a:rPr lang="en-GB" dirty="0"/>
+              <a:t>o allow interoperability with EU portals</a:t>
+            </a:r>
+          </a:p>
+          <a:p>
+            <a:pPr lvl="1"/>
+            <a:r>
+              <a:rPr lang="en-GB" dirty="0"/>
+              <a:t>To make our resources unambiguous, reusable, interpretable (for people and digital applications)</a:t>
             </a:r>
           </a:p>
           <a:p>
             <a:pPr marL="101600" indent="0">
               <a:buNone/>
             </a:pPr>
-            <a:endParaRPr lang="en-GB" sz="2800" dirty="0"/>
+            <a:r>
+              <a:rPr lang="en-GB" dirty="0"/>
+              <a:t>2. Metadata catalogue / Health-RI portal</a:t>
+            </a:r>
           </a:p>
           <a:p>
             <a:pPr lvl="1"/>
             <a:r>
-              <a:rPr lang="en-NL" dirty="0"/>
-              <a:t>Describe our resources according to common metadata standards with rich semantics</a:t>
-            </a:r>
+              <a:rPr lang="en-GB" dirty="0"/>
+              <a:t>Implements the common metadata schema</a:t>
+            </a:r>
+          </a:p>
+          <a:p>
+            <a:pPr lvl="2"/>
+            <a:r>
+              <a:rPr lang="en-GB" i="0" dirty="0">
+                <a:effectLst/>
+                <a:latin typeface="Söhne"/>
+              </a:rPr>
+              <a:t>Detailed Metadata Descriptions</a:t>
+            </a:r>
+          </a:p>
+          <a:p>
+            <a:pPr lvl="2"/>
+            <a:r>
+              <a:rPr lang="en-GB" i="0" dirty="0">
+                <a:effectLst/>
+                <a:latin typeface="Söhne"/>
+              </a:rPr>
+              <a:t>Categorization &amp; Classification</a:t>
+            </a:r>
+            <a:endParaRPr lang="en-GB" dirty="0"/>
           </a:p>
           <a:p>
             <a:pPr lvl="1"/>
             <a:r>
-              <a:rPr lang="en-NL" dirty="0"/>
-              <a:t>To allow unique identifiability </a:t>
+              <a:rPr lang="en-GB" i="0" dirty="0">
+                <a:effectLst/>
+                <a:latin typeface="Söhne"/>
+              </a:rPr>
+              <a:t>Search &amp; Discovery</a:t>
             </a:r>
           </a:p>
           <a:p>
             <a:pPr lvl="1"/>
             <a:r>
-              <a:rPr lang="en-NL" dirty="0"/>
-              <a:t>T</a:t>
-            </a:r>
-            <a:r>
-              <a:rPr lang="en-GB" dirty="0"/>
-              <a:t>o allow interoperability with EU portals</a:t>
-            </a:r>
-          </a:p>
-          <a:p>
-            <a:pPr lvl="1"/>
-            <a:r>
-              <a:rPr lang="en-GB" dirty="0"/>
-              <a:t>To make our resources unambiguous, reusable, interpretable (for people and digital applications)</a:t>
-            </a:r>
-          </a:p>
-          <a:p>
+              <a:rPr lang="en-GB" dirty="0">
+                <a:latin typeface="Söhne"/>
+              </a:rPr>
+              <a:t>Agile development </a:t>
+            </a:r>
+            <a:endParaRPr lang="en-GB" i="0" dirty="0">
+              <a:effectLst/>
+              <a:latin typeface="Söhne"/>
+            </a:endParaRPr>
+          </a:p>
+          <a:p>
+            <a:pPr marL="101600" indent="0">
+              <a:buNone/>
+            </a:pPr>
             <a:endParaRPr lang="en-GB" sz="2100" i="0" dirty="0">
               <a:solidFill>
                 <a:srgbClr val="3F3F3F"/>
@@ -17758,7 +17982,7 @@
         </p:nvSpPr>
         <p:spPr>
           <a:xfrm>
-            <a:off x="414068" y="1706355"/>
+            <a:off x="414067" y="1249155"/>
             <a:ext cx="11352363" cy="4575411"/>
           </a:xfrm>
         </p:spPr>
@@ -17778,9 +18002,133 @@
             </a:pPr>
             <a:r>
               <a:rPr lang="en-GB" sz="2800" dirty="0"/>
-              <a:t>Health-RI provides a generic schema (Core) for resources to increase findability of resources (e.g. datasets)</a:t>
-            </a:r>
-            <a:endParaRPr lang="en-US" dirty="0"/>
+              <a:t>Core -- Health-RI provides a generic schema for </a:t>
+            </a:r>
+            <a:r>
+              <a:rPr lang="en-GB" sz="2800" dirty="0" err="1"/>
+              <a:t>descrbing</a:t>
+            </a:r>
+            <a:r>
+              <a:rPr lang="en-GB" sz="2800" dirty="0"/>
+              <a:t> resources to increase findability of resources (e.g. datasets)</a:t>
+            </a:r>
+          </a:p>
+          <a:p>
+            <a:pPr lvl="1">
+              <a:buFont typeface="Arial" panose="020B0604020202020204" pitchFamily="34" charset="0"/>
+              <a:buChar char="•"/>
+            </a:pPr>
+            <a:r>
+              <a:rPr lang="en-GB" b="1" i="0" dirty="0">
+                <a:solidFill>
+                  <a:srgbClr val="374151"/>
+                </a:solidFill>
+                <a:effectLst/>
+                <a:latin typeface="Söhne"/>
+              </a:rPr>
+              <a:t>F1:</a:t>
+            </a:r>
+            <a:r>
+              <a:rPr lang="en-GB" b="0" i="0" dirty="0">
+                <a:solidFill>
+                  <a:srgbClr val="374151"/>
+                </a:solidFill>
+                <a:effectLst/>
+                <a:latin typeface="Söhne"/>
+              </a:rPr>
+              <a:t> Data and metadata are assigned a globally unique and persistent identifier.</a:t>
+            </a:r>
+          </a:p>
+          <a:p>
+            <a:pPr lvl="1">
+              <a:buFont typeface="Arial" panose="020B0604020202020204" pitchFamily="34" charset="0"/>
+              <a:buChar char="•"/>
+            </a:pPr>
+            <a:r>
+              <a:rPr lang="en-GB" b="1" i="0" dirty="0">
+                <a:solidFill>
+                  <a:srgbClr val="374151"/>
+                </a:solidFill>
+                <a:effectLst/>
+                <a:latin typeface="Söhne"/>
+              </a:rPr>
+              <a:t>F2:</a:t>
+            </a:r>
+            <a:r>
+              <a:rPr lang="en-GB" b="0" i="0" dirty="0">
+                <a:solidFill>
+                  <a:srgbClr val="374151"/>
+                </a:solidFill>
+                <a:effectLst/>
+                <a:latin typeface="Söhne"/>
+              </a:rPr>
+              <a:t> Data are described with rich metadata.</a:t>
+            </a:r>
+          </a:p>
+          <a:p>
+            <a:pPr lvl="1">
+              <a:buFont typeface="Arial" panose="020B0604020202020204" pitchFamily="34" charset="0"/>
+              <a:buChar char="•"/>
+            </a:pPr>
+            <a:r>
+              <a:rPr lang="en-GB" b="1" i="0" dirty="0">
+                <a:solidFill>
+                  <a:srgbClr val="374151"/>
+                </a:solidFill>
+                <a:effectLst/>
+                <a:latin typeface="Söhne"/>
+              </a:rPr>
+              <a:t>F3:</a:t>
+            </a:r>
+            <a:r>
+              <a:rPr lang="en-GB" b="0" i="0" dirty="0">
+                <a:solidFill>
+                  <a:srgbClr val="374151"/>
+                </a:solidFill>
+                <a:effectLst/>
+                <a:latin typeface="Söhne"/>
+              </a:rPr>
+              <a:t> Metadata clearly and explicitly include the identifier of the data they describe.</a:t>
+            </a:r>
+          </a:p>
+          <a:p>
+            <a:pPr lvl="1">
+              <a:buFont typeface="Arial" panose="020B0604020202020204" pitchFamily="34" charset="0"/>
+              <a:buChar char="•"/>
+            </a:pPr>
+            <a:r>
+              <a:rPr lang="en-GB" b="1" i="0" dirty="0">
+                <a:solidFill>
+                  <a:srgbClr val="374151"/>
+                </a:solidFill>
+                <a:effectLst/>
+                <a:latin typeface="Söhne"/>
+              </a:rPr>
+              <a:t>F4:</a:t>
+            </a:r>
+            <a:r>
+              <a:rPr lang="en-GB" b="0" i="0" dirty="0">
+                <a:solidFill>
+                  <a:srgbClr val="374151"/>
+                </a:solidFill>
+                <a:effectLst/>
+                <a:latin typeface="Söhne"/>
+              </a:rPr>
+              <a:t> Data and metadata are registered or indexed in a searchable resource.</a:t>
+            </a:r>
+          </a:p>
+          <a:p>
+            <a:pPr marL="115570" lvl="0" indent="0" algn="l" rtl="0">
+              <a:spcBef>
+                <a:spcPts val="0"/>
+              </a:spcBef>
+              <a:spcAft>
+                <a:spcPts val="0"/>
+              </a:spcAft>
+              <a:buSzPct val="100000"/>
+              <a:buNone/>
+            </a:pPr>
+            <a:endParaRPr lang="en-GB" sz="2800" dirty="0"/>
           </a:p>
           <a:p>
             <a:pPr marL="457200" lvl="0" indent="-341630" algn="l" rtl="0">
@@ -17793,22 +18141,9 @@
               <a:buSzPct val="100000"/>
               <a:buChar char="●"/>
             </a:pPr>
-            <a:endParaRPr lang="en-GB" sz="2800" dirty="0"/>
-          </a:p>
-          <a:p>
-            <a:pPr marL="457200" lvl="0" indent="-341630" algn="l" rtl="0">
-              <a:spcBef>
-                <a:spcPts val="0"/>
-              </a:spcBef>
-              <a:spcAft>
-                <a:spcPts val="0"/>
-              </a:spcAft>
-              <a:buSzPct val="100000"/>
-              <a:buChar char="●"/>
-            </a:pPr>
             <a:r>
               <a:rPr lang="en-GB" sz="2800" dirty="0"/>
-              <a:t>Nodes extend the core model for covering the specialised domain metadata requirements (Leaves)</a:t>
+              <a:t>Leaves -- Nodes extend the core model for covering the specialised domain metadata requirements</a:t>
             </a:r>
           </a:p>
           <a:p>
@@ -38116,8 +38451,8 @@
         </p:nvSpPr>
         <p:spPr>
           <a:xfrm>
-            <a:off x="7423772" y="194527"/>
-            <a:ext cx="4791429" cy="584775"/>
+            <a:off x="5580475" y="194527"/>
+            <a:ext cx="6330455" cy="584775"/>
           </a:xfrm>
           <a:prstGeom prst="rect">
             <a:avLst/>
@@ -38445,193 +38780,6 @@
 </file>
 
 <file path=ppt/slides/slide7.xml><?xml version="1.0" encoding="utf-8"?>
-<p:sld xmlns:a="http://schemas.openxmlformats.org/drawingml/2006/main" xmlns:r="http://schemas.openxmlformats.org/officeDocument/2006/relationships" xmlns:p="http://schemas.openxmlformats.org/presentationml/2006/main">
-  <p:cSld>
-    <p:spTree>
-      <p:nvGrpSpPr>
-        <p:cNvPr id="1" name=""/>
-        <p:cNvGrpSpPr/>
-        <p:nvPr/>
-      </p:nvGrpSpPr>
-      <p:grpSpPr>
-        <a:xfrm>
-          <a:off x="0" y="0"/>
-          <a:ext cx="0" cy="0"/>
-          <a:chOff x="0" y="0"/>
-          <a:chExt cx="0" cy="0"/>
-        </a:xfrm>
-      </p:grpSpPr>
-      <p:sp>
-        <p:nvSpPr>
-          <p:cNvPr id="4" name="Google Shape;104;p16">
-            <a:extLst>
-              <a:ext uri="{FF2B5EF4-FFF2-40B4-BE49-F238E27FC236}">
-                <a16:creationId xmlns:a16="http://schemas.microsoft.com/office/drawing/2014/main" id="{90A67E40-CD7C-C348-3282-56223A6C814D}"/>
-              </a:ext>
-            </a:extLst>
-          </p:cNvPr>
-          <p:cNvSpPr txBox="1">
-            <a:spLocks noGrp="1"/>
-          </p:cNvSpPr>
-          <p:nvPr>
-            <p:ph type="title"/>
-          </p:nvPr>
-        </p:nvSpPr>
-        <p:spPr>
-          <a:xfrm>
-            <a:off x="414068" y="477988"/>
-            <a:ext cx="10251600" cy="713600"/>
-          </a:xfrm>
-          <a:prstGeom prst="rect">
-            <a:avLst/>
-          </a:prstGeom>
-        </p:spPr>
-        <p:txBody>
-          <a:bodyPr spcFirstLastPara="1" vert="horz" wrap="square" lIns="121900" tIns="121900" rIns="121900" bIns="121900" rtlCol="0" anchor="t" anchorCtr="0">
-            <a:normAutofit/>
-          </a:bodyPr>
-          <a:lstStyle/>
-          <a:p>
-            <a:r>
-              <a:rPr lang="en-GB" dirty="0"/>
-              <a:t>HRI Core Metadata Schema</a:t>
-            </a:r>
-            <a:endParaRPr dirty="0"/>
-          </a:p>
-        </p:txBody>
-      </p:sp>
-      <p:sp>
-        <p:nvSpPr>
-          <p:cNvPr id="5" name="Google Shape;105;p16">
-            <a:extLst>
-              <a:ext uri="{FF2B5EF4-FFF2-40B4-BE49-F238E27FC236}">
-                <a16:creationId xmlns:a16="http://schemas.microsoft.com/office/drawing/2014/main" id="{268983DA-9096-B58C-AAFC-9CD5AB89DFF7}"/>
-              </a:ext>
-            </a:extLst>
-          </p:cNvPr>
-          <p:cNvSpPr txBox="1">
-            <a:spLocks noGrp="1"/>
-          </p:cNvSpPr>
-          <p:nvPr>
-            <p:ph type="body" idx="1"/>
-          </p:nvPr>
-        </p:nvSpPr>
-        <p:spPr>
-          <a:xfrm>
-            <a:off x="526249" y="2038235"/>
-            <a:ext cx="11150743" cy="3837048"/>
-          </a:xfrm>
-          <a:prstGeom prst="rect">
-            <a:avLst/>
-          </a:prstGeom>
-        </p:spPr>
-        <p:txBody>
-          <a:bodyPr spcFirstLastPara="1" wrap="square" lIns="91425" tIns="91425" rIns="91425" bIns="91425" anchor="t" anchorCtr="0">
-            <a:normAutofit/>
-          </a:bodyPr>
-          <a:lstStyle/>
-          <a:p>
-            <a:pPr marL="457200" lvl="0" indent="-341947" algn="l" rtl="0">
-              <a:spcBef>
-                <a:spcPts val="0"/>
-              </a:spcBef>
-              <a:spcAft>
-                <a:spcPts val="0"/>
-              </a:spcAft>
-              <a:buSzPct val="100000"/>
-              <a:buChar char="●"/>
-            </a:pPr>
-            <a:r>
-              <a:rPr lang="en-GB" sz="2100" dirty="0"/>
-              <a:t>Health-RI will supply a generic schema (Core) for resources to increase findability of resources (e.g. datasets)</a:t>
-            </a:r>
-          </a:p>
-          <a:p>
-            <a:pPr marL="457200" lvl="0" indent="-341947" algn="l" rtl="0">
-              <a:spcBef>
-                <a:spcPts val="0"/>
-              </a:spcBef>
-              <a:spcAft>
-                <a:spcPts val="0"/>
-              </a:spcAft>
-              <a:buSzPct val="100000"/>
-              <a:buChar char="●"/>
-            </a:pPr>
-            <a:r>
-              <a:rPr lang="en-GB" sz="2100" dirty="0"/>
-              <a:t>Nodes extend the core model for covering the specialised domain metadata requirements (Leaves)</a:t>
-            </a:r>
-          </a:p>
-          <a:p>
-            <a:pPr marL="457200" lvl="0" indent="-341947" algn="l" rtl="0">
-              <a:spcBef>
-                <a:spcPts val="0"/>
-              </a:spcBef>
-              <a:spcAft>
-                <a:spcPts val="0"/>
-              </a:spcAft>
-              <a:buSzPct val="100000"/>
-              <a:buChar char="●"/>
-            </a:pPr>
-            <a:r>
-              <a:rPr lang="en-GB" sz="2100" dirty="0"/>
-              <a:t>Built Based on DCAT, DCAT-AP portals</a:t>
-            </a:r>
-          </a:p>
-          <a:p>
-            <a:pPr marL="457200" lvl="0" indent="-341947" algn="l" rtl="0">
-              <a:spcBef>
-                <a:spcPts val="0"/>
-              </a:spcBef>
-              <a:spcAft>
-                <a:spcPts val="0"/>
-              </a:spcAft>
-              <a:buSzPct val="100000"/>
-              <a:buChar char="●"/>
-            </a:pPr>
-            <a:r>
-              <a:rPr lang="en-GB" sz="2100" dirty="0"/>
-              <a:t>Represent it in Graph Model (</a:t>
-            </a:r>
-            <a:r>
-              <a:rPr lang="en-GB" sz="2100" dirty="0" err="1"/>
-              <a:t>rdf</a:t>
-            </a:r>
-            <a:r>
-              <a:rPr lang="en-GB" sz="2100" dirty="0"/>
-              <a:t> and its other dialects)</a:t>
-            </a:r>
-            <a:endParaRPr sz="2100" dirty="0"/>
-          </a:p>
-          <a:p>
-            <a:pPr marL="457200" lvl="0" indent="-341947" algn="l" rtl="0">
-              <a:spcBef>
-                <a:spcPts val="0"/>
-              </a:spcBef>
-              <a:spcAft>
-                <a:spcPts val="0"/>
-              </a:spcAft>
-              <a:buSzPct val="100000"/>
-              <a:buChar char="●"/>
-            </a:pPr>
-            <a:endParaRPr lang="en-GB" sz="2100" dirty="0"/>
-          </a:p>
-        </p:txBody>
-      </p:sp>
-    </p:spTree>
-    <p:extLst>
-      <p:ext uri="{BB962C8B-B14F-4D97-AF65-F5344CB8AC3E}">
-        <p14:creationId xmlns:p14="http://schemas.microsoft.com/office/powerpoint/2010/main" val="1168396301"/>
-      </p:ext>
-    </p:extLst>
-  </p:cSld>
-  <p:clrMapOvr>
-    <a:masterClrMapping/>
-  </p:clrMapOvr>
-</p:sld>
-</file>
-
-<file path=ppt/slides/slide8.xml><?xml version="1.0" encoding="utf-8"?>
 <p:sld xmlns:a="http://schemas.openxmlformats.org/drawingml/2006/main" xmlns:r="http://schemas.openxmlformats.org/officeDocument/2006/relationships" xmlns:p="http://schemas.openxmlformats.org/presentationml/2006/main">
   <p:cSld>
     <p:spTree>
@@ -38671,7 +38819,7 @@
           <a:p>
             <a:r>
               <a:rPr lang="en-GB" dirty="0"/>
-              <a:t>Defining Core – Generic metadata</a:t>
+              <a:t>Defining Core</a:t>
             </a:r>
             <a:endParaRPr lang="en-NL" dirty="0"/>
           </a:p>
@@ -38863,7 +39011,7 @@
 </p:sld>
 </file>
 
-<file path=ppt/slides/slide9.xml><?xml version="1.0" encoding="utf-8"?>
+<file path=ppt/slides/slide8.xml><?xml version="1.0" encoding="utf-8"?>
 <p:sld xmlns:a="http://schemas.openxmlformats.org/drawingml/2006/main" xmlns:r="http://schemas.openxmlformats.org/officeDocument/2006/relationships" xmlns:p="http://schemas.openxmlformats.org/presentationml/2006/main">
   <p:cSld>
     <p:spTree>
@@ -39252,6 +39400,403 @@
     <p:extLst>
       <p:ext uri="{BB962C8B-B14F-4D97-AF65-F5344CB8AC3E}">
         <p14:creationId xmlns:p14="http://schemas.microsoft.com/office/powerpoint/2010/main" val="1213726470"/>
+      </p:ext>
+    </p:extLst>
+  </p:cSld>
+  <p:clrMapOvr>
+    <a:masterClrMapping/>
+  </p:clrMapOvr>
+</p:sld>
+</file>
+
+<file path=ppt/slides/slide9.xml><?xml version="1.0" encoding="utf-8"?>
+<p:sld xmlns:a="http://schemas.openxmlformats.org/drawingml/2006/main" xmlns:r="http://schemas.openxmlformats.org/officeDocument/2006/relationships" xmlns:p="http://schemas.openxmlformats.org/presentationml/2006/main">
+  <p:cSld>
+    <p:spTree>
+      <p:nvGrpSpPr>
+        <p:cNvPr id="1" name=""/>
+        <p:cNvGrpSpPr/>
+        <p:nvPr/>
+      </p:nvGrpSpPr>
+      <p:grpSpPr>
+        <a:xfrm>
+          <a:off x="0" y="0"/>
+          <a:ext cx="0" cy="0"/>
+          <a:chOff x="0" y="0"/>
+          <a:chExt cx="0" cy="0"/>
+        </a:xfrm>
+      </p:grpSpPr>
+      <p:sp>
+        <p:nvSpPr>
+          <p:cNvPr id="2" name="Title 1">
+            <a:extLst>
+              <a:ext uri="{FF2B5EF4-FFF2-40B4-BE49-F238E27FC236}">
+                <a16:creationId xmlns:a16="http://schemas.microsoft.com/office/drawing/2014/main" id="{72395C7D-5BF7-9571-AFE5-B0360E41E81E}"/>
+              </a:ext>
+            </a:extLst>
+          </p:cNvPr>
+          <p:cNvSpPr>
+            <a:spLocks noGrp="1"/>
+          </p:cNvSpPr>
+          <p:nvPr>
+            <p:ph type="title"/>
+          </p:nvPr>
+        </p:nvSpPr>
+        <p:spPr>
+          <a:xfrm>
+            <a:off x="292818" y="415429"/>
+            <a:ext cx="11352363" cy="443199"/>
+          </a:xfrm>
+        </p:spPr>
+        <p:txBody>
+          <a:bodyPr/>
+          <a:lstStyle/>
+          <a:p>
+            <a:r>
+              <a:rPr lang="en-GB" dirty="0">
+                <a:hlinkClick r:id="rId2">
+                  <a:extLst>
+                    <a:ext uri="{A12FA001-AC4F-418D-AE19-62706E023703}">
+                      <ahyp:hlinkClr xmlns:ahyp="http://schemas.microsoft.com/office/drawing/2018/hyperlinkcolor" val="tx"/>
+                    </a:ext>
+                  </a:extLst>
+                </a:hlinkClick>
+              </a:rPr>
+              <a:t>Objectives of DCAT</a:t>
+            </a:r>
+            <a:r>
+              <a:rPr lang="en-GB" dirty="0"/>
+              <a:t>-AP</a:t>
+            </a:r>
+            <a:endParaRPr lang="en-NL" dirty="0"/>
+          </a:p>
+        </p:txBody>
+      </p:sp>
+      <p:sp>
+        <p:nvSpPr>
+          <p:cNvPr id="3" name="Text Placeholder 2">
+            <a:extLst>
+              <a:ext uri="{FF2B5EF4-FFF2-40B4-BE49-F238E27FC236}">
+                <a16:creationId xmlns:a16="http://schemas.microsoft.com/office/drawing/2014/main" id="{9E8B732C-AC67-2DC8-3B49-4CE082F6997E}"/>
+              </a:ext>
+            </a:extLst>
+          </p:cNvPr>
+          <p:cNvSpPr>
+            <a:spLocks noGrp="1"/>
+          </p:cNvSpPr>
+          <p:nvPr>
+            <p:ph type="body" idx="1"/>
+          </p:nvPr>
+        </p:nvSpPr>
+        <p:spPr>
+          <a:xfrm>
+            <a:off x="294799" y="1058585"/>
+            <a:ext cx="11352363" cy="4575411"/>
+          </a:xfrm>
+        </p:spPr>
+        <p:txBody>
+          <a:bodyPr/>
+          <a:lstStyle/>
+          <a:p>
+            <a:pPr marL="285750" lvl="0" indent="-285750" algn="l" rtl="0">
+              <a:lnSpc>
+                <a:spcPct val="95000"/>
+              </a:lnSpc>
+              <a:spcBef>
+                <a:spcPts val="0"/>
+              </a:spcBef>
+              <a:spcAft>
+                <a:spcPts val="0"/>
+              </a:spcAft>
+              <a:buSzPts val="852"/>
+              <a:buFontTx/>
+              <a:buChar char="-"/>
+            </a:pPr>
+            <a:r>
+              <a:rPr lang="en-US" sz="2000" dirty="0"/>
+              <a:t>Supporting the discovery of/access to data in a cross border and cross domain environment, by harvesting data from distributed portals. </a:t>
+            </a:r>
+          </a:p>
+          <a:p>
+            <a:pPr marL="285750" lvl="0" indent="-285750" algn="l" rtl="0">
+              <a:lnSpc>
+                <a:spcPct val="95000"/>
+              </a:lnSpc>
+              <a:spcBef>
+                <a:spcPts val="0"/>
+              </a:spcBef>
+              <a:spcAft>
+                <a:spcPts val="0"/>
+              </a:spcAft>
+              <a:buSzPts val="852"/>
+              <a:buFontTx/>
+              <a:buChar char="-"/>
+            </a:pPr>
+            <a:endParaRPr lang="en-US" sz="2000" dirty="0"/>
+          </a:p>
+          <a:p>
+            <a:pPr marL="285750" lvl="0" indent="-285750" algn="l" rtl="0">
+              <a:lnSpc>
+                <a:spcPct val="95000"/>
+              </a:lnSpc>
+              <a:spcBef>
+                <a:spcPts val="0"/>
+              </a:spcBef>
+              <a:spcAft>
+                <a:spcPts val="0"/>
+              </a:spcAft>
+              <a:buSzPts val="852"/>
+              <a:buFontTx/>
+              <a:buChar char="-"/>
+            </a:pPr>
+            <a:r>
+              <a:rPr lang="en-US" sz="2000" dirty="0"/>
+              <a:t>In the form of an application profile of W3C DCAT, by: </a:t>
+            </a:r>
+          </a:p>
+          <a:p>
+            <a:pPr marL="742950" lvl="1" indent="-285750">
+              <a:lnSpc>
+                <a:spcPct val="95000"/>
+              </a:lnSpc>
+              <a:buSzPts val="852"/>
+              <a:buFontTx/>
+              <a:buChar char="-"/>
+            </a:pPr>
+            <a:r>
+              <a:rPr lang="en-US" sz="2000" dirty="0"/>
+              <a:t>Expressing constraints and usages notes on DCAT properties and classes, and </a:t>
+            </a:r>
+          </a:p>
+          <a:p>
+            <a:pPr marL="742950" lvl="1" indent="-285750">
+              <a:lnSpc>
+                <a:spcPct val="95000"/>
+              </a:lnSpc>
+              <a:buSzPts val="852"/>
+              <a:buFontTx/>
+              <a:buChar char="-"/>
+            </a:pPr>
+            <a:r>
+              <a:rPr lang="en-US" sz="2000" dirty="0"/>
+              <a:t>Including additional properties and usages of controlled vocabularies</a:t>
+            </a:r>
+          </a:p>
+          <a:p>
+            <a:pPr marL="742950" lvl="1" indent="-285750">
+              <a:lnSpc>
+                <a:spcPct val="95000"/>
+              </a:lnSpc>
+              <a:buSzPts val="852"/>
+              <a:buFontTx/>
+              <a:buChar char="-"/>
+            </a:pPr>
+            <a:endParaRPr lang="en-US" sz="2000" dirty="0"/>
+          </a:p>
+          <a:p>
+            <a:pPr marL="285750" indent="-285750">
+              <a:lnSpc>
+                <a:spcPct val="95000"/>
+              </a:lnSpc>
+              <a:buSzPts val="852"/>
+              <a:buFontTx/>
+              <a:buChar char="-"/>
+            </a:pPr>
+            <a:r>
+              <a:rPr lang="en-US" sz="2000" dirty="0"/>
+              <a:t>In such a way that the metadata descriptions are maximally harmonized across Europe, and provide a reliable source for the European Data Portal</a:t>
+            </a:r>
+          </a:p>
+          <a:p>
+            <a:pPr marL="285750" indent="-285750">
+              <a:lnSpc>
+                <a:spcPct val="95000"/>
+              </a:lnSpc>
+              <a:buSzPts val="852"/>
+              <a:buFontTx/>
+              <a:buChar char="-"/>
+            </a:pPr>
+            <a:endParaRPr lang="en-US" sz="2000" dirty="0"/>
+          </a:p>
+          <a:p>
+            <a:pPr marL="285750" indent="-285750">
+              <a:lnSpc>
+                <a:spcPct val="95000"/>
+              </a:lnSpc>
+              <a:buSzPts val="852"/>
+              <a:buFontTx/>
+              <a:buChar char="-"/>
+            </a:pPr>
+            <a:r>
+              <a:rPr lang="en-US" sz="2000" dirty="0"/>
+              <a:t>Extensions exists to serve different communities better, </a:t>
+            </a:r>
+            <a:r>
+              <a:rPr lang="en-US" sz="2000" dirty="0" err="1"/>
+              <a:t>BregDCAT</a:t>
+            </a:r>
+            <a:r>
+              <a:rPr lang="en-US" sz="2000" dirty="0"/>
+              <a:t>-AP, GEODCAT-AP, </a:t>
+            </a:r>
+            <a:r>
+              <a:rPr lang="en-US" sz="2000" dirty="0" err="1"/>
+              <a:t>StatDCAT</a:t>
+            </a:r>
+            <a:r>
+              <a:rPr lang="en-US" sz="2000" dirty="0"/>
+              <a:t>-AP. </a:t>
+            </a:r>
+          </a:p>
+          <a:p>
+            <a:pPr marL="342900" indent="-342900">
+              <a:lnSpc>
+                <a:spcPct val="95000"/>
+              </a:lnSpc>
+              <a:buSzPts val="852"/>
+              <a:buFont typeface="Wingdings" pitchFamily="2" charset="2"/>
+              <a:buChar char="§"/>
+            </a:pPr>
+            <a:r>
+              <a:rPr lang="en-US" sz="2000" dirty="0">
+                <a:solidFill>
+                  <a:srgbClr val="000000"/>
+                </a:solidFill>
+                <a:latin typeface="Lato"/>
+                <a:ea typeface="Lato"/>
+                <a:cs typeface="Lato"/>
+              </a:rPr>
+              <a:t>Link to the specification -- </a:t>
+            </a:r>
+            <a:r>
+              <a:rPr lang="en-US" sz="2000" dirty="0">
+                <a:solidFill>
+                  <a:srgbClr val="000000"/>
+                </a:solidFill>
+                <a:latin typeface="Lato"/>
+                <a:ea typeface="Lato"/>
+                <a:cs typeface="Lato"/>
+                <a:hlinkClick r:id="rId2"/>
+              </a:rPr>
+              <a:t>https://www.w3.org/TR/vocab-dcat-2/</a:t>
+            </a:r>
+            <a:endParaRPr lang="en-US" sz="2000" dirty="0">
+              <a:solidFill>
+                <a:srgbClr val="000000"/>
+              </a:solidFill>
+              <a:latin typeface="Lato"/>
+              <a:ea typeface="Lato"/>
+              <a:cs typeface="Lato"/>
+            </a:endParaRPr>
+          </a:p>
+          <a:p>
+            <a:pPr marL="342900" indent="-342900">
+              <a:lnSpc>
+                <a:spcPct val="95000"/>
+              </a:lnSpc>
+              <a:buSzPts val="852"/>
+              <a:buFont typeface="Wingdings" pitchFamily="2" charset="2"/>
+              <a:buChar char="§"/>
+            </a:pPr>
+            <a:r>
+              <a:rPr lang="en-US" sz="2000" dirty="0">
+                <a:solidFill>
+                  <a:srgbClr val="000000"/>
+                </a:solidFill>
+                <a:latin typeface="Lato"/>
+                <a:ea typeface="Lato"/>
+                <a:cs typeface="Lato"/>
+              </a:rPr>
+              <a:t>You can also find it on health-</a:t>
+            </a:r>
+            <a:r>
+              <a:rPr lang="en-US" sz="2000" dirty="0" err="1">
+                <a:solidFill>
+                  <a:srgbClr val="000000"/>
+                </a:solidFill>
+                <a:latin typeface="Lato"/>
+                <a:ea typeface="Lato"/>
+                <a:cs typeface="Lato"/>
+              </a:rPr>
+              <a:t>ri</a:t>
+            </a:r>
+            <a:r>
+              <a:rPr lang="en-US" sz="2000" dirty="0">
+                <a:solidFill>
+                  <a:srgbClr val="000000"/>
+                </a:solidFill>
+                <a:latin typeface="Lato"/>
+                <a:ea typeface="Lato"/>
+                <a:cs typeface="Lato"/>
+              </a:rPr>
+              <a:t> git </a:t>
+            </a:r>
+            <a:r>
+              <a:rPr lang="en-US" sz="2000" dirty="0">
+                <a:solidFill>
+                  <a:srgbClr val="000000"/>
+                </a:solidFill>
+                <a:latin typeface="Lato"/>
+                <a:ea typeface="Lato"/>
+                <a:cs typeface="Lato"/>
+                <a:hlinkClick r:id="rId3"/>
+              </a:rPr>
+              <a:t>https://github.com/Health-RI/health-ri-metadata/tree/master/DCAT-AP</a:t>
+            </a:r>
+            <a:endParaRPr lang="en-US" sz="2000" dirty="0">
+              <a:solidFill>
+                <a:srgbClr val="000000"/>
+              </a:solidFill>
+              <a:latin typeface="Lato"/>
+              <a:ea typeface="Lato"/>
+              <a:cs typeface="Lato"/>
+            </a:endParaRPr>
+          </a:p>
+          <a:p>
+            <a:pPr marL="342900" indent="-342900">
+              <a:lnSpc>
+                <a:spcPct val="95000"/>
+              </a:lnSpc>
+              <a:buSzPts val="852"/>
+              <a:buFont typeface="Wingdings" pitchFamily="2" charset="2"/>
+              <a:buChar char="§"/>
+            </a:pPr>
+            <a:endParaRPr lang="en-US" sz="2000" dirty="0">
+              <a:solidFill>
+                <a:srgbClr val="000000"/>
+              </a:solidFill>
+              <a:latin typeface="Lato"/>
+              <a:ea typeface="Lato"/>
+              <a:cs typeface="Lato"/>
+            </a:endParaRPr>
+          </a:p>
+          <a:p>
+            <a:pPr marL="342900" indent="-342900">
+              <a:lnSpc>
+                <a:spcPct val="95000"/>
+              </a:lnSpc>
+              <a:buSzPts val="852"/>
+              <a:buFont typeface="Wingdings" pitchFamily="2" charset="2"/>
+              <a:buChar char="§"/>
+            </a:pPr>
+            <a:endParaRPr lang="en-US" sz="2000" dirty="0">
+              <a:solidFill>
+                <a:srgbClr val="000000"/>
+              </a:solidFill>
+              <a:latin typeface="Lato"/>
+              <a:ea typeface="Lato"/>
+              <a:cs typeface="Lato"/>
+            </a:endParaRPr>
+          </a:p>
+          <a:p>
+            <a:endParaRPr lang="en-NL" sz="1600" dirty="0"/>
+          </a:p>
+        </p:txBody>
+      </p:sp>
+    </p:spTree>
+    <p:extLst>
+      <p:ext uri="{BB962C8B-B14F-4D97-AF65-F5344CB8AC3E}">
+        <p14:creationId xmlns:p14="http://schemas.microsoft.com/office/powerpoint/2010/main" val="4267923108"/>
       </p:ext>
     </p:extLst>
   </p:cSld>

--- a/Presentations/31082023HRI_Metadata_Schema_ImagingGroup_KickOff.pptx
+++ b/Presentations/31082023HRI_Metadata_Schema_ImagingGroup_KickOff.pptx
@@ -5,7 +5,7 @@
     <p:sldMasterId id="2147483648" r:id="rId1"/>
   </p:sldMasterIdLst>
   <p:notesMasterIdLst>
-    <p:notesMasterId r:id="rId28"/>
+    <p:notesMasterId r:id="rId29"/>
   </p:notesMasterIdLst>
   <p:sldIdLst>
     <p:sldId id="309" r:id="rId2"/>
@@ -24,16 +24,17 @@
     <p:sldId id="332" r:id="rId15"/>
     <p:sldId id="348" r:id="rId16"/>
     <p:sldId id="349" r:id="rId17"/>
-    <p:sldId id="346" r:id="rId18"/>
-    <p:sldId id="350" r:id="rId19"/>
-    <p:sldId id="347" r:id="rId20"/>
-    <p:sldId id="351" r:id="rId21"/>
-    <p:sldId id="344" r:id="rId22"/>
-    <p:sldId id="336" r:id="rId23"/>
-    <p:sldId id="345" r:id="rId24"/>
-    <p:sldId id="274" r:id="rId25"/>
-    <p:sldId id="291" r:id="rId26"/>
-    <p:sldId id="270" r:id="rId27"/>
+    <p:sldId id="353" r:id="rId18"/>
+    <p:sldId id="346" r:id="rId19"/>
+    <p:sldId id="350" r:id="rId20"/>
+    <p:sldId id="347" r:id="rId21"/>
+    <p:sldId id="351" r:id="rId22"/>
+    <p:sldId id="344" r:id="rId23"/>
+    <p:sldId id="336" r:id="rId24"/>
+    <p:sldId id="345" r:id="rId25"/>
+    <p:sldId id="274" r:id="rId26"/>
+    <p:sldId id="291" r:id="rId27"/>
+    <p:sldId id="270" r:id="rId28"/>
   </p:sldIdLst>
   <p:sldSz cx="12192000" cy="6858000"/>
   <p:notesSz cx="6858000" cy="9144000"/>
@@ -940,6 +941,496 @@
           <a:bodyPr/>
           <a:lstStyle/>
           <a:p>
+            <a:pPr algn="l"/>
+            <a:r>
+              <a:rPr lang="en-GB" b="0" i="0" dirty="0">
+                <a:solidFill>
+                  <a:srgbClr val="374151"/>
+                </a:solidFill>
+                <a:effectLst/>
+                <a:latin typeface="Söhne"/>
+              </a:rPr>
+              <a:t>A user requires MRI scans of patients taken over a span of years, ideally both from patients who eventually developed Alzheimer's and those who did not. These longitudinal datasets can help her trace the progression and potential early signs of the disease. She turns to a well-known medical metadata catalogue that hosts a vast array of medical imaging data from various hospitals and research institutions.</a:t>
+            </a:r>
+          </a:p>
+          <a:p>
+            <a:pPr algn="l"/>
+            <a:r>
+              <a:rPr lang="en-GB" b="1" i="0" dirty="0">
+                <a:solidFill>
+                  <a:srgbClr val="374151"/>
+                </a:solidFill>
+                <a:effectLst/>
+                <a:latin typeface="Söhne"/>
+              </a:rPr>
+              <a:t>Using the Metadata Catalogue</a:t>
+            </a:r>
+            <a:r>
+              <a:rPr lang="en-GB" b="0" i="0" dirty="0">
+                <a:solidFill>
+                  <a:srgbClr val="374151"/>
+                </a:solidFill>
+                <a:effectLst/>
+                <a:latin typeface="Söhne"/>
+              </a:rPr>
+              <a:t>:</a:t>
+            </a:r>
+          </a:p>
+          <a:p>
+            <a:pPr algn="l">
+              <a:buFont typeface="+mj-lt"/>
+              <a:buAutoNum type="arabicPeriod"/>
+            </a:pPr>
+            <a:r>
+              <a:rPr lang="en-GB" b="1" i="0" dirty="0">
+                <a:solidFill>
+                  <a:srgbClr val="374151"/>
+                </a:solidFill>
+                <a:effectLst/>
+                <a:latin typeface="Söhne"/>
+              </a:rPr>
+              <a:t>Search by Modality</a:t>
+            </a:r>
+            <a:r>
+              <a:rPr lang="en-GB" b="0" i="0" dirty="0">
+                <a:solidFill>
+                  <a:srgbClr val="374151"/>
+                </a:solidFill>
+                <a:effectLst/>
+                <a:latin typeface="Söhne"/>
+              </a:rPr>
+              <a:t>:</a:t>
+            </a:r>
+          </a:p>
+          <a:p>
+            <a:pPr marL="742950" lvl="1" indent="-285750" algn="l">
+              <a:buFont typeface="+mj-lt"/>
+              <a:buAutoNum type="arabicPeriod"/>
+            </a:pPr>
+            <a:r>
+              <a:rPr lang="en-GB" b="0" i="0" dirty="0" err="1">
+                <a:solidFill>
+                  <a:srgbClr val="374151"/>
+                </a:solidFill>
+                <a:effectLst/>
+                <a:latin typeface="Söhne"/>
+              </a:rPr>
+              <a:t>Dr.</a:t>
+            </a:r>
+            <a:r>
+              <a:rPr lang="en-GB" b="0" i="0" dirty="0">
+                <a:solidFill>
+                  <a:srgbClr val="374151"/>
+                </a:solidFill>
+                <a:effectLst/>
+                <a:latin typeface="Söhne"/>
+              </a:rPr>
+              <a:t> Mitchell starts by filtering datasets that only contain MRI scans, ensuring she's looking at the right type of imaging data.</a:t>
+            </a:r>
+          </a:p>
+          <a:p>
+            <a:pPr algn="l">
+              <a:buFont typeface="+mj-lt"/>
+              <a:buAutoNum type="arabicPeriod"/>
+            </a:pPr>
+            <a:r>
+              <a:rPr lang="en-GB" b="1" i="0" dirty="0">
+                <a:solidFill>
+                  <a:srgbClr val="374151"/>
+                </a:solidFill>
+                <a:effectLst/>
+                <a:latin typeface="Söhne"/>
+              </a:rPr>
+              <a:t>Focus on Brain Scans</a:t>
+            </a:r>
+            <a:r>
+              <a:rPr lang="en-GB" b="0" i="0" dirty="0">
+                <a:solidFill>
+                  <a:srgbClr val="374151"/>
+                </a:solidFill>
+                <a:effectLst/>
+                <a:latin typeface="Söhne"/>
+              </a:rPr>
+              <a:t>:</a:t>
+            </a:r>
+          </a:p>
+          <a:p>
+            <a:pPr marL="742950" lvl="1" indent="-285750" algn="l">
+              <a:buFont typeface="+mj-lt"/>
+              <a:buAutoNum type="arabicPeriod"/>
+            </a:pPr>
+            <a:r>
+              <a:rPr lang="en-GB" b="0" i="0" dirty="0">
+                <a:solidFill>
+                  <a:srgbClr val="374151"/>
+                </a:solidFill>
+                <a:effectLst/>
+                <a:latin typeface="Söhne"/>
+              </a:rPr>
+              <a:t>Among MRI scans, she further refines her search to only include datasets with brain imaging, excluding other parts of the body.</a:t>
+            </a:r>
+          </a:p>
+          <a:p>
+            <a:pPr algn="l">
+              <a:buFont typeface="+mj-lt"/>
+              <a:buAutoNum type="arabicPeriod"/>
+            </a:pPr>
+            <a:r>
+              <a:rPr lang="en-GB" b="1" i="0" dirty="0">
+                <a:solidFill>
+                  <a:srgbClr val="374151"/>
+                </a:solidFill>
+                <a:effectLst/>
+                <a:latin typeface="Söhne"/>
+              </a:rPr>
+              <a:t>Time Period</a:t>
+            </a:r>
+            <a:r>
+              <a:rPr lang="en-GB" b="0" i="0" dirty="0">
+                <a:solidFill>
+                  <a:srgbClr val="374151"/>
+                </a:solidFill>
+                <a:effectLst/>
+                <a:latin typeface="Söhne"/>
+              </a:rPr>
+              <a:t>:</a:t>
+            </a:r>
+          </a:p>
+          <a:p>
+            <a:pPr marL="742950" lvl="1" indent="-285750" algn="l">
+              <a:buFont typeface="+mj-lt"/>
+              <a:buAutoNum type="arabicPeriod"/>
+            </a:pPr>
+            <a:r>
+              <a:rPr lang="en-GB" b="0" i="0" dirty="0">
+                <a:solidFill>
+                  <a:srgbClr val="374151"/>
+                </a:solidFill>
+                <a:effectLst/>
+                <a:latin typeface="Söhne"/>
+              </a:rPr>
+              <a:t>She's interested in data spanning the last 20 years, so she sets the date range from 2003 to 2023.</a:t>
+            </a:r>
+          </a:p>
+          <a:p>
+            <a:pPr algn="l">
+              <a:buFont typeface="+mj-lt"/>
+              <a:buAutoNum type="arabicPeriod"/>
+            </a:pPr>
+            <a:r>
+              <a:rPr lang="en-GB" b="1" i="0" dirty="0">
+                <a:solidFill>
+                  <a:srgbClr val="374151"/>
+                </a:solidFill>
+                <a:effectLst/>
+                <a:latin typeface="Söhne"/>
+              </a:rPr>
+              <a:t>Patient Demographics</a:t>
+            </a:r>
+            <a:r>
+              <a:rPr lang="en-GB" b="0" i="0" dirty="0">
+                <a:solidFill>
+                  <a:srgbClr val="374151"/>
+                </a:solidFill>
+                <a:effectLst/>
+                <a:latin typeface="Söhne"/>
+              </a:rPr>
+              <a:t>:</a:t>
+            </a:r>
+          </a:p>
+          <a:p>
+            <a:pPr marL="742950" lvl="1" indent="-285750" algn="l">
+              <a:buFont typeface="+mj-lt"/>
+              <a:buAutoNum type="arabicPeriod"/>
+            </a:pPr>
+            <a:r>
+              <a:rPr lang="en-GB" b="0" i="0" dirty="0" err="1">
+                <a:solidFill>
+                  <a:srgbClr val="374151"/>
+                </a:solidFill>
+                <a:effectLst/>
+                <a:latin typeface="Söhne"/>
+              </a:rPr>
+              <a:t>Dr.</a:t>
+            </a:r>
+            <a:r>
+              <a:rPr lang="en-GB" b="0" i="0" dirty="0">
+                <a:solidFill>
+                  <a:srgbClr val="374151"/>
+                </a:solidFill>
+                <a:effectLst/>
+                <a:latin typeface="Söhne"/>
+              </a:rPr>
+              <a:t> Mitchell wants a diverse dataset. She looks for datasets that include a breakdown of patient age, gender, and ethnicity.</a:t>
+            </a:r>
+          </a:p>
+          <a:p>
+            <a:pPr algn="l">
+              <a:buFont typeface="+mj-lt"/>
+              <a:buAutoNum type="arabicPeriod"/>
+            </a:pPr>
+            <a:r>
+              <a:rPr lang="en-GB" b="1" i="0" dirty="0">
+                <a:solidFill>
+                  <a:srgbClr val="374151"/>
+                </a:solidFill>
+                <a:effectLst/>
+                <a:latin typeface="Söhne"/>
+              </a:rPr>
+              <a:t>Clinical Annotations</a:t>
+            </a:r>
+            <a:r>
+              <a:rPr lang="en-GB" b="0" i="0" dirty="0">
+                <a:solidFill>
+                  <a:srgbClr val="374151"/>
+                </a:solidFill>
+                <a:effectLst/>
+                <a:latin typeface="Söhne"/>
+              </a:rPr>
+              <a:t>:</a:t>
+            </a:r>
+          </a:p>
+          <a:p>
+            <a:pPr marL="742950" lvl="1" indent="-285750" algn="l">
+              <a:buFont typeface="+mj-lt"/>
+              <a:buAutoNum type="arabicPeriod"/>
+            </a:pPr>
+            <a:r>
+              <a:rPr lang="en-GB" b="0" i="0" dirty="0">
+                <a:solidFill>
+                  <a:srgbClr val="374151"/>
+                </a:solidFill>
+                <a:effectLst/>
+                <a:latin typeface="Söhne"/>
+              </a:rPr>
+              <a:t>Datasets that come with clinical notes or annotations indicating whether a patient was later diagnosed with Alzheimer's are of particular value. She filters to prioritize these.</a:t>
+            </a:r>
+          </a:p>
+          <a:p>
+            <a:pPr algn="l">
+              <a:buFont typeface="+mj-lt"/>
+              <a:buAutoNum type="arabicPeriod"/>
+            </a:pPr>
+            <a:r>
+              <a:rPr lang="en-GB" b="1" i="0" dirty="0">
+                <a:solidFill>
+                  <a:srgbClr val="374151"/>
+                </a:solidFill>
+                <a:effectLst/>
+                <a:latin typeface="Söhne"/>
+              </a:rPr>
+              <a:t>Resolution and Quality</a:t>
+            </a:r>
+            <a:r>
+              <a:rPr lang="en-GB" b="0" i="0" dirty="0">
+                <a:solidFill>
+                  <a:srgbClr val="374151"/>
+                </a:solidFill>
+                <a:effectLst/>
+                <a:latin typeface="Söhne"/>
+              </a:rPr>
+              <a:t>:</a:t>
+            </a:r>
+          </a:p>
+          <a:p>
+            <a:pPr marL="742950" lvl="1" indent="-285750" algn="l">
+              <a:buFont typeface="+mj-lt"/>
+              <a:buAutoNum type="arabicPeriod"/>
+            </a:pPr>
+            <a:r>
+              <a:rPr lang="en-GB" b="0" i="0" dirty="0">
+                <a:solidFill>
+                  <a:srgbClr val="374151"/>
+                </a:solidFill>
+                <a:effectLst/>
+                <a:latin typeface="Söhne"/>
+              </a:rPr>
+              <a:t>High-resolution MRI scans are essential for her analysis, so she specifies a minimum acceptable resolution.</a:t>
+            </a:r>
+          </a:p>
+          <a:p>
+            <a:pPr algn="l">
+              <a:buFont typeface="+mj-lt"/>
+              <a:buAutoNum type="arabicPeriod"/>
+            </a:pPr>
+            <a:r>
+              <a:rPr lang="en-GB" b="1" i="0" dirty="0">
+                <a:solidFill>
+                  <a:srgbClr val="374151"/>
+                </a:solidFill>
+                <a:effectLst/>
+                <a:latin typeface="Söhne"/>
+              </a:rPr>
+              <a:t>Data Usage Policies</a:t>
+            </a:r>
+            <a:r>
+              <a:rPr lang="en-GB" b="0" i="0" dirty="0">
+                <a:solidFill>
+                  <a:srgbClr val="374151"/>
+                </a:solidFill>
+                <a:effectLst/>
+                <a:latin typeface="Söhne"/>
+              </a:rPr>
+              <a:t>:</a:t>
+            </a:r>
+          </a:p>
+          <a:p>
+            <a:pPr marL="742950" lvl="1" indent="-285750" algn="l">
+              <a:buFont typeface="+mj-lt"/>
+              <a:buAutoNum type="arabicPeriod"/>
+            </a:pPr>
+            <a:r>
+              <a:rPr lang="en-GB" b="0" i="0" dirty="0" err="1">
+                <a:solidFill>
+                  <a:srgbClr val="374151"/>
+                </a:solidFill>
+                <a:effectLst/>
+                <a:latin typeface="Söhne"/>
+              </a:rPr>
+              <a:t>Dr.</a:t>
+            </a:r>
+            <a:r>
+              <a:rPr lang="en-GB" b="0" i="0" dirty="0">
+                <a:solidFill>
+                  <a:srgbClr val="374151"/>
+                </a:solidFill>
+                <a:effectLst/>
+                <a:latin typeface="Söhne"/>
+              </a:rPr>
+              <a:t> Mitchell checks for datasets with clear licensing and usage terms. She prefers datasets that are available for academic research without stringent restrictions.</a:t>
+            </a:r>
+          </a:p>
+          <a:p>
+            <a:pPr algn="l">
+              <a:buFont typeface="+mj-lt"/>
+              <a:buAutoNum type="arabicPeriod"/>
+            </a:pPr>
+            <a:r>
+              <a:rPr lang="en-GB" b="1" i="0" dirty="0">
+                <a:solidFill>
+                  <a:srgbClr val="374151"/>
+                </a:solidFill>
+                <a:effectLst/>
+                <a:latin typeface="Söhne"/>
+              </a:rPr>
+              <a:t>Associated Metadata</a:t>
+            </a:r>
+            <a:r>
+              <a:rPr lang="en-GB" b="0" i="0" dirty="0">
+                <a:solidFill>
+                  <a:srgbClr val="374151"/>
+                </a:solidFill>
+                <a:effectLst/>
+                <a:latin typeface="Söhne"/>
+              </a:rPr>
+              <a:t>:</a:t>
+            </a:r>
+          </a:p>
+          <a:p>
+            <a:pPr marL="742950" lvl="1" indent="-285750" algn="l">
+              <a:buFont typeface="+mj-lt"/>
+              <a:buAutoNum type="arabicPeriod"/>
+            </a:pPr>
+            <a:r>
+              <a:rPr lang="en-GB" b="0" i="0" dirty="0">
+                <a:solidFill>
+                  <a:srgbClr val="374151"/>
+                </a:solidFill>
+                <a:effectLst/>
+                <a:latin typeface="Söhne"/>
+              </a:rPr>
+              <a:t>Metadata about the MRI machine model, settings, and software can influence the imaging results. She prefers datasets that provide this information for consistency and to understand any potential biases.</a:t>
+            </a:r>
+          </a:p>
+          <a:p>
+            <a:pPr algn="l">
+              <a:buFont typeface="+mj-lt"/>
+              <a:buAutoNum type="arabicPeriod"/>
+            </a:pPr>
+            <a:r>
+              <a:rPr lang="en-GB" b="1" i="0" dirty="0">
+                <a:solidFill>
+                  <a:srgbClr val="374151"/>
+                </a:solidFill>
+                <a:effectLst/>
+                <a:latin typeface="Söhne"/>
+              </a:rPr>
+              <a:t>Feedback and Citations</a:t>
+            </a:r>
+            <a:r>
+              <a:rPr lang="en-GB" b="0" i="0" dirty="0">
+                <a:solidFill>
+                  <a:srgbClr val="374151"/>
+                </a:solidFill>
+                <a:effectLst/>
+                <a:latin typeface="Söhne"/>
+              </a:rPr>
+              <a:t>:</a:t>
+            </a:r>
+          </a:p>
+          <a:p>
+            <a:pPr marL="742950" lvl="1" indent="-285750" algn="l">
+              <a:buFont typeface="+mj-lt"/>
+              <a:buAutoNum type="arabicPeriod"/>
+            </a:pPr>
+            <a:r>
+              <a:rPr lang="en-GB" b="0" i="0" dirty="0">
+                <a:solidFill>
+                  <a:srgbClr val="374151"/>
+                </a:solidFill>
+                <a:effectLst/>
+                <a:latin typeface="Söhne"/>
+              </a:rPr>
+              <a:t>The metadata catalogue has a feature where researchers can leave feedback or cite datasets they've used. </a:t>
+            </a:r>
+            <a:r>
+              <a:rPr lang="en-GB" b="0" i="0" dirty="0" err="1">
+                <a:solidFill>
+                  <a:srgbClr val="374151"/>
+                </a:solidFill>
+                <a:effectLst/>
+                <a:latin typeface="Söhne"/>
+              </a:rPr>
+              <a:t>Dr.</a:t>
+            </a:r>
+            <a:r>
+              <a:rPr lang="en-GB" b="0" i="0" dirty="0">
+                <a:solidFill>
+                  <a:srgbClr val="374151"/>
+                </a:solidFill>
+                <a:effectLst/>
+                <a:latin typeface="Söhne"/>
+              </a:rPr>
+              <a:t> Mitchell checks datasets with positive feedback and those frequently used in published research.</a:t>
+            </a:r>
+          </a:p>
+          <a:p>
+            <a:pPr algn="l">
+              <a:buFont typeface="+mj-lt"/>
+              <a:buAutoNum type="arabicPeriod"/>
+            </a:pPr>
+            <a:r>
+              <a:rPr lang="en-GB" b="1" i="0" dirty="0">
+                <a:solidFill>
+                  <a:srgbClr val="374151"/>
+                </a:solidFill>
+                <a:effectLst/>
+                <a:latin typeface="Söhne"/>
+              </a:rPr>
+              <a:t>Dataset Download</a:t>
+            </a:r>
+            <a:r>
+              <a:rPr lang="en-GB" b="0" i="0" dirty="0">
+                <a:solidFill>
+                  <a:srgbClr val="374151"/>
+                </a:solidFill>
+                <a:effectLst/>
+                <a:latin typeface="Söhne"/>
+              </a:rPr>
+              <a:t>:</a:t>
+            </a:r>
+          </a:p>
+          <a:p>
             <a:endParaRPr lang="en-NL" dirty="0"/>
           </a:p>
         </p:txBody>
@@ -961,7 +1452,7 @@
           <a:p>
             <a:fld id="{5E89D69C-9871-1346-B305-215A53474772}" type="slidenum">
               <a:rPr lang="en-NL" smtClean="0"/>
-              <a:t>17</a:t>
+              <a:t>16</a:t>
             </a:fld>
             <a:endParaRPr lang="en-NL"/>
           </a:p>
@@ -970,7 +1461,7 @@
     </p:spTree>
     <p:extLst>
       <p:ext uri="{BB962C8B-B14F-4D97-AF65-F5344CB8AC3E}">
-        <p14:creationId xmlns:p14="http://schemas.microsoft.com/office/powerpoint/2010/main" val="451820948"/>
+        <p14:creationId xmlns:p14="http://schemas.microsoft.com/office/powerpoint/2010/main" val="1160279141"/>
       </p:ext>
     </p:extLst>
   </p:cSld>
@@ -1045,7 +1536,91 @@
           <a:p>
             <a:fld id="{5E89D69C-9871-1346-B305-215A53474772}" type="slidenum">
               <a:rPr lang="en-NL" smtClean="0"/>
-              <a:t>20</a:t>
+              <a:t>18</a:t>
+            </a:fld>
+            <a:endParaRPr lang="en-NL"/>
+          </a:p>
+        </p:txBody>
+      </p:sp>
+    </p:spTree>
+    <p:extLst>
+      <p:ext uri="{BB962C8B-B14F-4D97-AF65-F5344CB8AC3E}">
+        <p14:creationId xmlns:p14="http://schemas.microsoft.com/office/powerpoint/2010/main" val="451820948"/>
+      </p:ext>
+    </p:extLst>
+  </p:cSld>
+  <p:clrMapOvr>
+    <a:masterClrMapping/>
+  </p:clrMapOvr>
+</p:notes>
+</file>
+
+<file path=ppt/notesSlides/notesSlide5.xml><?xml version="1.0" encoding="utf-8"?>
+<p:notes xmlns:a="http://schemas.openxmlformats.org/drawingml/2006/main" xmlns:r="http://schemas.openxmlformats.org/officeDocument/2006/relationships" xmlns:p="http://schemas.openxmlformats.org/presentationml/2006/main">
+  <p:cSld>
+    <p:spTree>
+      <p:nvGrpSpPr>
+        <p:cNvPr id="1" name=""/>
+        <p:cNvGrpSpPr/>
+        <p:nvPr/>
+      </p:nvGrpSpPr>
+      <p:grpSpPr>
+        <a:xfrm>
+          <a:off x="0" y="0"/>
+          <a:ext cx="0" cy="0"/>
+          <a:chOff x="0" y="0"/>
+          <a:chExt cx="0" cy="0"/>
+        </a:xfrm>
+      </p:grpSpPr>
+      <p:sp>
+        <p:nvSpPr>
+          <p:cNvPr id="2" name="Slide Image Placeholder 1"/>
+          <p:cNvSpPr>
+            <a:spLocks noGrp="1" noRot="1" noChangeAspect="1"/>
+          </p:cNvSpPr>
+          <p:nvPr>
+            <p:ph type="sldImg"/>
+          </p:nvPr>
+        </p:nvSpPr>
+        <p:spPr/>
+      </p:sp>
+      <p:sp>
+        <p:nvSpPr>
+          <p:cNvPr id="3" name="Notes Placeholder 2"/>
+          <p:cNvSpPr>
+            <a:spLocks noGrp="1"/>
+          </p:cNvSpPr>
+          <p:nvPr>
+            <p:ph type="body" idx="1"/>
+          </p:nvPr>
+        </p:nvSpPr>
+        <p:spPr/>
+        <p:txBody>
+          <a:bodyPr/>
+          <a:lstStyle/>
+          <a:p>
+            <a:endParaRPr lang="en-NL" dirty="0"/>
+          </a:p>
+        </p:txBody>
+      </p:sp>
+      <p:sp>
+        <p:nvSpPr>
+          <p:cNvPr id="4" name="Slide Number Placeholder 3"/>
+          <p:cNvSpPr>
+            <a:spLocks noGrp="1"/>
+          </p:cNvSpPr>
+          <p:nvPr>
+            <p:ph type="sldNum" sz="quarter" idx="5"/>
+          </p:nvPr>
+        </p:nvSpPr>
+        <p:spPr/>
+        <p:txBody>
+          <a:bodyPr/>
+          <a:lstStyle/>
+          <a:p>
+            <a:fld id="{5E89D69C-9871-1346-B305-215A53474772}" type="slidenum">
+              <a:rPr lang="en-NL" smtClean="0"/>
+              <a:t>21</a:t>
             </a:fld>
             <a:endParaRPr lang="en-NL"/>
           </a:p>
@@ -1064,7 +1639,7 @@
 </p:notes>
 </file>
 
-<file path=ppt/notesSlides/notesSlide5.xml><?xml version="1.0" encoding="utf-8"?>
+<file path=ppt/notesSlides/notesSlide6.xml><?xml version="1.0" encoding="utf-8"?>
 <p:notes xmlns:a="http://schemas.openxmlformats.org/drawingml/2006/main" xmlns:r="http://schemas.openxmlformats.org/officeDocument/2006/relationships" xmlns:p="http://schemas.openxmlformats.org/presentationml/2006/main">
   <p:cSld>
     <p:spTree>
@@ -1130,7 +1705,7 @@
 </p:notes>
 </file>
 
-<file path=ppt/notesSlides/notesSlide6.xml><?xml version="1.0" encoding="utf-8"?>
+<file path=ppt/notesSlides/notesSlide7.xml><?xml version="1.0" encoding="utf-8"?>
 <p:notes xmlns:a="http://schemas.openxmlformats.org/drawingml/2006/main" xmlns:r="http://schemas.openxmlformats.org/officeDocument/2006/relationships" xmlns:p="http://schemas.openxmlformats.org/presentationml/2006/main" showMasterSp="0" showMasterPhAnim="0">
   <p:cSld>
     <p:spTree>
@@ -14986,16 +15561,12 @@
             </a:r>
           </a:p>
           <a:p>
-            <a:pPr lvl="1"/>
-            <a:endParaRPr lang="en-US" dirty="0"/>
-          </a:p>
-          <a:p>
             <a:pPr marL="584200" lvl="1" indent="0">
               <a:buNone/>
             </a:pPr>
             <a:r>
               <a:rPr lang="en-US" dirty="0"/>
-              <a:t>For example:</a:t>
+              <a:t>For example: (see next slide)</a:t>
             </a:r>
           </a:p>
           <a:p>
@@ -15028,6 +15599,369 @@
 </file>
 
 <file path=ppt/slides/slide17.xml><?xml version="1.0" encoding="utf-8"?>
+<p:sld xmlns:a="http://schemas.openxmlformats.org/drawingml/2006/main" xmlns:r="http://schemas.openxmlformats.org/officeDocument/2006/relationships" xmlns:p="http://schemas.openxmlformats.org/presentationml/2006/main">
+  <p:cSld>
+    <p:spTree>
+      <p:nvGrpSpPr>
+        <p:cNvPr id="1" name=""/>
+        <p:cNvGrpSpPr/>
+        <p:nvPr/>
+      </p:nvGrpSpPr>
+      <p:grpSpPr>
+        <a:xfrm>
+          <a:off x="0" y="0"/>
+          <a:ext cx="0" cy="0"/>
+          <a:chOff x="0" y="0"/>
+          <a:chExt cx="0" cy="0"/>
+        </a:xfrm>
+      </p:grpSpPr>
+      <p:sp>
+        <p:nvSpPr>
+          <p:cNvPr id="3" name="Text Placeholder 2">
+            <a:extLst>
+              <a:ext uri="{FF2B5EF4-FFF2-40B4-BE49-F238E27FC236}">
+                <a16:creationId xmlns:a16="http://schemas.microsoft.com/office/drawing/2014/main" id="{8EAE82E7-DE1B-3CE6-7875-0911F49F9267}"/>
+              </a:ext>
+            </a:extLst>
+          </p:cNvPr>
+          <p:cNvSpPr>
+            <a:spLocks noGrp="1"/>
+          </p:cNvSpPr>
+          <p:nvPr>
+            <p:ph type="body" idx="1"/>
+          </p:nvPr>
+        </p:nvSpPr>
+        <p:spPr/>
+        <p:txBody>
+          <a:bodyPr/>
+          <a:lstStyle/>
+          <a:p>
+            <a:pPr marL="101600" indent="0" algn="l">
+              <a:buNone/>
+            </a:pPr>
+            <a:r>
+              <a:rPr lang="en-GB" sz="1400" b="0" i="0" dirty="0">
+                <a:solidFill>
+                  <a:schemeClr val="tx1"/>
+                </a:solidFill>
+                <a:effectLst/>
+                <a:latin typeface="Söhne"/>
+              </a:rPr>
+              <a:t>A researcher requires MRI scans of patients taken over a span of years, ideally both from patients who eventually developed Alzheimer's and those who did not. These longitudinal datasets can help her trace the progression and potential early signs of the disease. He turns to a health-</a:t>
+            </a:r>
+            <a:r>
+              <a:rPr lang="en-GB" sz="1400" b="0" i="0" dirty="0" err="1">
+                <a:solidFill>
+                  <a:schemeClr val="tx1"/>
+                </a:solidFill>
+                <a:effectLst/>
+                <a:latin typeface="Söhne"/>
+              </a:rPr>
+              <a:t>ri</a:t>
+            </a:r>
+            <a:r>
+              <a:rPr lang="en-GB" sz="1400" b="0" i="0" dirty="0">
+                <a:solidFill>
+                  <a:schemeClr val="tx1"/>
+                </a:solidFill>
+                <a:effectLst/>
+                <a:latin typeface="Söhne"/>
+              </a:rPr>
+              <a:t> medical metadata catalogue that hosts a vast array of medical imaging data from various hospitals and research institutions.</a:t>
+            </a:r>
+          </a:p>
+          <a:p>
+            <a:pPr marL="101600" indent="0" algn="l">
+              <a:buNone/>
+            </a:pPr>
+            <a:r>
+              <a:rPr lang="en-GB" sz="1100" b="1" i="0" dirty="0">
+                <a:solidFill>
+                  <a:schemeClr val="tx1"/>
+                </a:solidFill>
+                <a:effectLst/>
+                <a:latin typeface="Söhne"/>
+              </a:rPr>
+              <a:t>Using the Metadata Catalogue Portal:</a:t>
+            </a:r>
+          </a:p>
+          <a:p>
+            <a:pPr algn="l">
+              <a:buFont typeface="+mj-lt"/>
+              <a:buAutoNum type="arabicPeriod"/>
+            </a:pPr>
+            <a:r>
+              <a:rPr lang="en-GB" sz="1100" b="1" i="0" dirty="0">
+                <a:solidFill>
+                  <a:schemeClr val="tx1"/>
+                </a:solidFill>
+                <a:effectLst/>
+                <a:latin typeface="Söhne"/>
+              </a:rPr>
+              <a:t>Search by Modality</a:t>
+            </a:r>
+            <a:r>
+              <a:rPr lang="en-GB" sz="1100" b="0" i="0" dirty="0">
+                <a:solidFill>
+                  <a:schemeClr val="tx1"/>
+                </a:solidFill>
+                <a:effectLst/>
+                <a:latin typeface="Söhne"/>
+              </a:rPr>
+              <a:t>:</a:t>
+            </a:r>
+          </a:p>
+          <a:p>
+            <a:pPr marL="584200" lvl="1" indent="0" algn="l">
+              <a:buNone/>
+            </a:pPr>
+            <a:r>
+              <a:rPr lang="en-GB" sz="1100" b="0" i="0" dirty="0">
+                <a:solidFill>
+                  <a:schemeClr val="tx1"/>
+                </a:solidFill>
+                <a:effectLst/>
+                <a:latin typeface="Söhne"/>
+              </a:rPr>
+              <a:t>The user filters datasets that only contain MRI scans, ensuring she's looking at the right type of imaging data.</a:t>
+            </a:r>
+          </a:p>
+          <a:p>
+            <a:pPr algn="l">
+              <a:buFont typeface="+mj-lt"/>
+              <a:buAutoNum type="arabicPeriod"/>
+            </a:pPr>
+            <a:r>
+              <a:rPr lang="en-GB" sz="1100" b="1" i="0" dirty="0">
+                <a:solidFill>
+                  <a:schemeClr val="tx1"/>
+                </a:solidFill>
+                <a:effectLst/>
+                <a:latin typeface="Söhne"/>
+              </a:rPr>
+              <a:t>Focus on Brain Scans</a:t>
+            </a:r>
+            <a:r>
+              <a:rPr lang="en-GB" sz="1100" b="0" i="0" dirty="0">
+                <a:solidFill>
+                  <a:schemeClr val="tx1"/>
+                </a:solidFill>
+                <a:effectLst/>
+                <a:latin typeface="Söhne"/>
+              </a:rPr>
+              <a:t>: (body parts)</a:t>
+            </a:r>
+          </a:p>
+          <a:p>
+            <a:pPr marL="457200" lvl="1" indent="0" algn="l">
+              <a:buNone/>
+            </a:pPr>
+            <a:r>
+              <a:rPr lang="en-GB" sz="1100" b="0" i="0" dirty="0">
+                <a:solidFill>
+                  <a:schemeClr val="tx1"/>
+                </a:solidFill>
+                <a:effectLst/>
+                <a:latin typeface="Söhne"/>
+              </a:rPr>
+              <a:t>Among MRI scans, the user further refines her search to only include datasets with brain imaging, excluding other parts of the body.</a:t>
+            </a:r>
+          </a:p>
+          <a:p>
+            <a:pPr algn="l">
+              <a:buFont typeface="+mj-lt"/>
+              <a:buAutoNum type="arabicPeriod"/>
+            </a:pPr>
+            <a:r>
+              <a:rPr lang="en-GB" sz="1100" b="1" i="0" dirty="0">
+                <a:solidFill>
+                  <a:schemeClr val="tx1"/>
+                </a:solidFill>
+                <a:effectLst/>
+                <a:latin typeface="Söhne"/>
+              </a:rPr>
+              <a:t>Time Period</a:t>
+            </a:r>
+            <a:r>
+              <a:rPr lang="en-GB" sz="1100" b="0" i="0" dirty="0">
+                <a:solidFill>
+                  <a:schemeClr val="tx1"/>
+                </a:solidFill>
+                <a:effectLst/>
+                <a:latin typeface="Söhne"/>
+              </a:rPr>
+              <a:t>:</a:t>
+            </a:r>
+          </a:p>
+          <a:p>
+            <a:pPr marL="457200" lvl="1" indent="0" algn="l">
+              <a:buNone/>
+            </a:pPr>
+            <a:r>
+              <a:rPr lang="en-GB" sz="1100" b="0" i="0" dirty="0">
+                <a:solidFill>
+                  <a:schemeClr val="tx1"/>
+                </a:solidFill>
+                <a:effectLst/>
+                <a:latin typeface="Söhne"/>
+              </a:rPr>
+              <a:t>The user is interested in data spanning the last 20 years, so she sets the date range from 2003 to 2023.</a:t>
+            </a:r>
+          </a:p>
+          <a:p>
+            <a:pPr algn="l">
+              <a:buFont typeface="+mj-lt"/>
+              <a:buAutoNum type="arabicPeriod"/>
+            </a:pPr>
+            <a:r>
+              <a:rPr lang="en-GB" sz="1100" b="1" i="0" dirty="0">
+                <a:solidFill>
+                  <a:schemeClr val="tx1"/>
+                </a:solidFill>
+                <a:effectLst/>
+                <a:latin typeface="Söhne"/>
+              </a:rPr>
+              <a:t>Patient Demographics</a:t>
+            </a:r>
+            <a:r>
+              <a:rPr lang="en-GB" sz="1100" b="0" i="0" dirty="0">
+                <a:solidFill>
+                  <a:schemeClr val="tx1"/>
+                </a:solidFill>
+                <a:effectLst/>
+                <a:latin typeface="Söhne"/>
+              </a:rPr>
+              <a:t>:</a:t>
+            </a:r>
+          </a:p>
+          <a:p>
+            <a:pPr marL="457200" lvl="1" indent="0" algn="l">
+              <a:buNone/>
+            </a:pPr>
+            <a:r>
+              <a:rPr lang="en-GB" sz="1100" b="0" i="0" dirty="0">
+                <a:solidFill>
+                  <a:schemeClr val="tx1"/>
+                </a:solidFill>
+                <a:effectLst/>
+                <a:latin typeface="Söhne"/>
+              </a:rPr>
+              <a:t>The user wants a diverse dataset. </a:t>
+            </a:r>
+            <a:r>
+              <a:rPr lang="en-GB" sz="1100" dirty="0">
+                <a:solidFill>
+                  <a:schemeClr val="tx1"/>
+                </a:solidFill>
+                <a:latin typeface="Söhne"/>
+              </a:rPr>
+              <a:t>he</a:t>
+            </a:r>
+            <a:r>
+              <a:rPr lang="en-GB" sz="1100" b="0" i="0" dirty="0">
+                <a:solidFill>
+                  <a:schemeClr val="tx1"/>
+                </a:solidFill>
+                <a:effectLst/>
+                <a:latin typeface="Söhne"/>
+              </a:rPr>
+              <a:t> looks for datasets that include a breakdown of patient age, gender, and ethnicity.</a:t>
+            </a:r>
+          </a:p>
+          <a:p>
+            <a:pPr algn="l">
+              <a:buFont typeface="+mj-lt"/>
+              <a:buAutoNum type="arabicPeriod"/>
+            </a:pPr>
+            <a:r>
+              <a:rPr lang="en-GB" sz="1100" b="1" i="0" dirty="0">
+                <a:solidFill>
+                  <a:schemeClr val="tx1"/>
+                </a:solidFill>
+                <a:effectLst/>
+                <a:latin typeface="Söhne"/>
+              </a:rPr>
+              <a:t>Data Usage Policies</a:t>
+            </a:r>
+            <a:r>
+              <a:rPr lang="en-GB" sz="1100" b="0" i="0" dirty="0">
+                <a:solidFill>
+                  <a:schemeClr val="tx1"/>
+                </a:solidFill>
+                <a:effectLst/>
+                <a:latin typeface="Söhne"/>
+              </a:rPr>
+              <a:t>:</a:t>
+            </a:r>
+          </a:p>
+          <a:p>
+            <a:pPr marL="457200" lvl="1" indent="0" algn="l">
+              <a:buNone/>
+            </a:pPr>
+            <a:r>
+              <a:rPr lang="en-GB" sz="1100" b="0" i="0" dirty="0">
+                <a:solidFill>
+                  <a:schemeClr val="tx1"/>
+                </a:solidFill>
+                <a:effectLst/>
+                <a:latin typeface="Söhne"/>
+              </a:rPr>
+              <a:t>The user checks for datasets with clear licensing and usage terms. He prefers datasets that are available for academic research without stringent restrictions.</a:t>
+            </a:r>
+          </a:p>
+        </p:txBody>
+      </p:sp>
+      <p:sp>
+        <p:nvSpPr>
+          <p:cNvPr id="4" name="Title 1">
+            <a:extLst>
+              <a:ext uri="{FF2B5EF4-FFF2-40B4-BE49-F238E27FC236}">
+                <a16:creationId xmlns:a16="http://schemas.microsoft.com/office/drawing/2014/main" id="{13C5F610-2608-6550-C87E-91A86EEA4302}"/>
+              </a:ext>
+            </a:extLst>
+          </p:cNvPr>
+          <p:cNvSpPr>
+            <a:spLocks noGrp="1"/>
+          </p:cNvSpPr>
+          <p:nvPr>
+            <p:ph type="title"/>
+          </p:nvPr>
+        </p:nvSpPr>
+        <p:spPr>
+          <a:xfrm>
+            <a:off x="414067" y="736485"/>
+            <a:ext cx="11352363" cy="443199"/>
+          </a:xfrm>
+        </p:spPr>
+        <p:txBody>
+          <a:bodyPr/>
+          <a:lstStyle/>
+          <a:p>
+            <a:r>
+              <a:rPr lang="en-GB" dirty="0"/>
+              <a:t>E</a:t>
+            </a:r>
+            <a:r>
+              <a:rPr lang="en-NL" dirty="0"/>
+              <a:t>xample of Competency Queries</a:t>
+            </a:r>
+          </a:p>
+        </p:txBody>
+      </p:sp>
+    </p:spTree>
+    <p:extLst>
+      <p:ext uri="{BB962C8B-B14F-4D97-AF65-F5344CB8AC3E}">
+        <p14:creationId xmlns:p14="http://schemas.microsoft.com/office/powerpoint/2010/main" val="3102729053"/>
+      </p:ext>
+    </p:extLst>
+  </p:cSld>
+  <p:clrMapOvr>
+    <a:masterClrMapping/>
+  </p:clrMapOvr>
+</p:sld>
+</file>
+
+<file path=ppt/slides/slide18.xml><?xml version="1.0" encoding="utf-8"?>
 <p:sld xmlns:a="http://schemas.openxmlformats.org/drawingml/2006/main" xmlns:r="http://schemas.openxmlformats.org/officeDocument/2006/relationships" xmlns:p="http://schemas.openxmlformats.org/presentationml/2006/main">
   <p:cSld>
     <p:spTree>
@@ -15114,31 +16048,6 @@
               </a:rPr>
               <a:t>Document your domain specific requirements</a:t>
             </a:r>
-          </a:p>
-          <a:p>
-            <a:pPr marL="742950" lvl="1" indent="-285750">
-              <a:buFont typeface="Arial" panose="020B0604020202020204" pitchFamily="34" charset="0"/>
-              <a:buChar char="•"/>
-            </a:pPr>
-            <a:endParaRPr lang="en-GB" sz="1466" dirty="0">
-              <a:latin typeface="Lato"/>
-              <a:ea typeface="Lato"/>
-              <a:cs typeface="Lato"/>
-            </a:endParaRPr>
-          </a:p>
-          <a:p>
-            <a:pPr marL="742950" lvl="1" indent="-285750">
-              <a:buFont typeface="Arial" panose="020B0604020202020204" pitchFamily="34" charset="0"/>
-              <a:buChar char="•"/>
-            </a:pPr>
-            <a:r>
-              <a:rPr lang="en-GB" sz="1800" dirty="0">
-                <a:latin typeface="Lato"/>
-                <a:ea typeface="Lato"/>
-                <a:cs typeface="Lato"/>
-              </a:rPr>
-              <a:t>term | definition | role in the ontology | rules and constraint | vocabularies </a:t>
-            </a:r>
             <a:endParaRPr lang="en-NL" sz="1800" dirty="0"/>
           </a:p>
           <a:p>
@@ -15146,6 +16055,338 @@
           </a:p>
         </p:txBody>
       </p:sp>
+      <p:graphicFrame>
+        <p:nvGraphicFramePr>
+          <p:cNvPr id="8" name="Table 8">
+            <a:extLst>
+              <a:ext uri="{FF2B5EF4-FFF2-40B4-BE49-F238E27FC236}">
+                <a16:creationId xmlns:a16="http://schemas.microsoft.com/office/drawing/2014/main" id="{B41533A3-52B3-6D18-54A2-BA8911A0614D}"/>
+              </a:ext>
+            </a:extLst>
+          </p:cNvPr>
+          <p:cNvGraphicFramePr>
+            <a:graphicFrameLocks noGrp="1"/>
+          </p:cNvGraphicFramePr>
+          <p:nvPr>
+            <p:extLst>
+              <p:ext uri="{D42A27DB-BD31-4B8C-83A1-F6EECF244321}">
+                <p14:modId xmlns:p14="http://schemas.microsoft.com/office/powerpoint/2010/main" val="2650881817"/>
+              </p:ext>
+            </p:extLst>
+          </p:nvPr>
+        </p:nvGraphicFramePr>
+        <p:xfrm>
+          <a:off x="1188049" y="3907366"/>
+          <a:ext cx="9804400" cy="1927014"/>
+        </p:xfrm>
+        <a:graphic>
+          <a:graphicData uri="http://schemas.openxmlformats.org/drawingml/2006/table">
+            <a:tbl>
+              <a:tblPr firstRow="1" bandRow="1">
+                <a:tableStyleId>{5C22544A-7EE6-4342-B048-85BDC9FD1C3A}</a:tableStyleId>
+              </a:tblPr>
+              <a:tblGrid>
+                <a:gridCol w="1960880">
+                  <a:extLst>
+                    <a:ext uri="{9D8B030D-6E8A-4147-A177-3AD203B41FA5}">
+                      <a16:colId xmlns:a16="http://schemas.microsoft.com/office/drawing/2014/main" val="2833306339"/>
+                    </a:ext>
+                  </a:extLst>
+                </a:gridCol>
+                <a:gridCol w="1960880">
+                  <a:extLst>
+                    <a:ext uri="{9D8B030D-6E8A-4147-A177-3AD203B41FA5}">
+                      <a16:colId xmlns:a16="http://schemas.microsoft.com/office/drawing/2014/main" val="4091472132"/>
+                    </a:ext>
+                  </a:extLst>
+                </a:gridCol>
+                <a:gridCol w="1960880">
+                  <a:extLst>
+                    <a:ext uri="{9D8B030D-6E8A-4147-A177-3AD203B41FA5}">
+                      <a16:colId xmlns:a16="http://schemas.microsoft.com/office/drawing/2014/main" val="2585042224"/>
+                    </a:ext>
+                  </a:extLst>
+                </a:gridCol>
+                <a:gridCol w="1960880">
+                  <a:extLst>
+                    <a:ext uri="{9D8B030D-6E8A-4147-A177-3AD203B41FA5}">
+                      <a16:colId xmlns:a16="http://schemas.microsoft.com/office/drawing/2014/main" val="1921108557"/>
+                    </a:ext>
+                  </a:extLst>
+                </a:gridCol>
+                <a:gridCol w="1960880">
+                  <a:extLst>
+                    <a:ext uri="{9D8B030D-6E8A-4147-A177-3AD203B41FA5}">
+                      <a16:colId xmlns:a16="http://schemas.microsoft.com/office/drawing/2014/main" val="3943676524"/>
+                    </a:ext>
+                  </a:extLst>
+                </a:gridCol>
+              </a:tblGrid>
+              <a:tr h="370840">
+                <a:tc>
+                  <a:txBody>
+                    <a:bodyPr/>
+                    <a:lstStyle/>
+                    <a:p>
+                      <a:r>
+                        <a:rPr lang="en-NL" dirty="0"/>
+                        <a:t>term</a:t>
+                      </a:r>
+                    </a:p>
+                  </a:txBody>
+                  <a:tcPr/>
+                </a:tc>
+                <a:tc>
+                  <a:txBody>
+                    <a:bodyPr/>
+                    <a:lstStyle/>
+                    <a:p>
+                      <a:r>
+                        <a:rPr lang="en-NL" dirty="0"/>
+                        <a:t>definiton</a:t>
+                      </a:r>
+                    </a:p>
+                  </a:txBody>
+                  <a:tcPr/>
+                </a:tc>
+                <a:tc>
+                  <a:txBody>
+                    <a:bodyPr/>
+                    <a:lstStyle/>
+                    <a:p>
+                      <a:r>
+                        <a:rPr lang="en-NL" dirty="0"/>
+                        <a:t>role</a:t>
+                      </a:r>
+                    </a:p>
+                  </a:txBody>
+                  <a:tcPr/>
+                </a:tc>
+                <a:tc>
+                  <a:txBody>
+                    <a:bodyPr/>
+                    <a:lstStyle/>
+                    <a:p>
+                      <a:r>
+                        <a:rPr lang="en-GB" dirty="0"/>
+                        <a:t>R</a:t>
+                      </a:r>
+                      <a:r>
+                        <a:rPr lang="en-NL" dirty="0"/>
+                        <a:t>ules and constraint</a:t>
+                      </a:r>
+                    </a:p>
+                  </a:txBody>
+                  <a:tcPr/>
+                </a:tc>
+                <a:tc>
+                  <a:txBody>
+                    <a:bodyPr/>
+                    <a:lstStyle/>
+                    <a:p>
+                      <a:r>
+                        <a:rPr lang="en-GB" dirty="0"/>
+                        <a:t>vocabularies</a:t>
+                      </a:r>
+                      <a:endParaRPr lang="en-NL" dirty="0"/>
+                    </a:p>
+                  </a:txBody>
+                  <a:tcPr/>
+                </a:tc>
+                <a:extLst>
+                  <a:ext uri="{0D108BD9-81ED-4DB2-BD59-A6C34878D82A}">
+                    <a16:rowId xmlns:a16="http://schemas.microsoft.com/office/drawing/2014/main" val="2360623289"/>
+                  </a:ext>
+                </a:extLst>
+              </a:tr>
+              <a:tr h="545254">
+                <a:tc>
+                  <a:txBody>
+                    <a:bodyPr/>
+                    <a:lstStyle/>
+                    <a:p>
+                      <a:r>
+                        <a:rPr lang="en-GB" dirty="0"/>
+                        <a:t>I</a:t>
+                      </a:r>
+                      <a:r>
+                        <a:rPr lang="en-NL" dirty="0"/>
+                        <a:t>mage mudularity</a:t>
+                      </a:r>
+                    </a:p>
+                  </a:txBody>
+                  <a:tcPr/>
+                </a:tc>
+                <a:tc>
+                  <a:txBody>
+                    <a:bodyPr/>
+                    <a:lstStyle/>
+                    <a:p>
+                      <a:endParaRPr lang="en-NL" dirty="0"/>
+                    </a:p>
+                  </a:txBody>
+                  <a:tcPr/>
+                </a:tc>
+                <a:tc>
+                  <a:txBody>
+                    <a:bodyPr/>
+                    <a:lstStyle/>
+                    <a:p>
+                      <a:endParaRPr lang="en-NL" dirty="0"/>
+                    </a:p>
+                  </a:txBody>
+                  <a:tcPr/>
+                </a:tc>
+                <a:tc>
+                  <a:txBody>
+                    <a:bodyPr/>
+                    <a:lstStyle/>
+                    <a:p>
+                      <a:endParaRPr lang="en-NL" dirty="0"/>
+                    </a:p>
+                  </a:txBody>
+                  <a:tcPr/>
+                </a:tc>
+                <a:tc>
+                  <a:txBody>
+                    <a:bodyPr/>
+                    <a:lstStyle/>
+                    <a:p>
+                      <a:endParaRPr lang="en-NL" dirty="0"/>
+                    </a:p>
+                  </a:txBody>
+                  <a:tcPr/>
+                </a:tc>
+                <a:extLst>
+                  <a:ext uri="{0D108BD9-81ED-4DB2-BD59-A6C34878D82A}">
+                    <a16:rowId xmlns:a16="http://schemas.microsoft.com/office/drawing/2014/main" val="1875958494"/>
+                  </a:ext>
+                </a:extLst>
+              </a:tr>
+              <a:tr h="370840">
+                <a:tc>
+                  <a:txBody>
+                    <a:bodyPr/>
+                    <a:lstStyle/>
+                    <a:p>
+                      <a:r>
+                        <a:rPr lang="en-NL" dirty="0"/>
+                        <a:t>time</a:t>
+                      </a:r>
+                    </a:p>
+                  </a:txBody>
+                  <a:tcPr/>
+                </a:tc>
+                <a:tc>
+                  <a:txBody>
+                    <a:bodyPr/>
+                    <a:lstStyle/>
+                    <a:p>
+                      <a:endParaRPr lang="en-NL" dirty="0"/>
+                    </a:p>
+                  </a:txBody>
+                  <a:tcPr/>
+                </a:tc>
+                <a:tc>
+                  <a:txBody>
+                    <a:bodyPr/>
+                    <a:lstStyle/>
+                    <a:p>
+                      <a:endParaRPr lang="en-NL" dirty="0"/>
+                    </a:p>
+                  </a:txBody>
+                  <a:tcPr/>
+                </a:tc>
+                <a:tc>
+                  <a:txBody>
+                    <a:bodyPr/>
+                    <a:lstStyle/>
+                    <a:p>
+                      <a:endParaRPr lang="en-NL" dirty="0"/>
+                    </a:p>
+                  </a:txBody>
+                  <a:tcPr/>
+                </a:tc>
+                <a:tc>
+                  <a:txBody>
+                    <a:bodyPr/>
+                    <a:lstStyle/>
+                    <a:p>
+                      <a:endParaRPr lang="en-NL" dirty="0"/>
+                    </a:p>
+                  </a:txBody>
+                  <a:tcPr/>
+                </a:tc>
+                <a:extLst>
+                  <a:ext uri="{0D108BD9-81ED-4DB2-BD59-A6C34878D82A}">
+                    <a16:rowId xmlns:a16="http://schemas.microsoft.com/office/drawing/2014/main" val="2101224404"/>
+                  </a:ext>
+                </a:extLst>
+              </a:tr>
+              <a:tr h="370840">
+                <a:tc>
+                  <a:txBody>
+                    <a:bodyPr/>
+                    <a:lstStyle/>
+                    <a:p>
+                      <a:r>
+                        <a:rPr lang="en-NL" dirty="0"/>
+                        <a:t>…</a:t>
+                      </a:r>
+                    </a:p>
+                  </a:txBody>
+                  <a:tcPr/>
+                </a:tc>
+                <a:tc>
+                  <a:txBody>
+                    <a:bodyPr/>
+                    <a:lstStyle/>
+                    <a:p>
+                      <a:endParaRPr lang="en-NL" dirty="0"/>
+                    </a:p>
+                  </a:txBody>
+                  <a:tcPr/>
+                </a:tc>
+                <a:tc>
+                  <a:txBody>
+                    <a:bodyPr/>
+                    <a:lstStyle/>
+                    <a:p>
+                      <a:endParaRPr lang="en-NL" dirty="0"/>
+                    </a:p>
+                  </a:txBody>
+                  <a:tcPr/>
+                </a:tc>
+                <a:tc>
+                  <a:txBody>
+                    <a:bodyPr/>
+                    <a:lstStyle/>
+                    <a:p>
+                      <a:endParaRPr lang="en-NL" dirty="0"/>
+                    </a:p>
+                  </a:txBody>
+                  <a:tcPr/>
+                </a:tc>
+                <a:tc>
+                  <a:txBody>
+                    <a:bodyPr/>
+                    <a:lstStyle/>
+                    <a:p>
+                      <a:endParaRPr lang="en-NL" dirty="0"/>
+                    </a:p>
+                  </a:txBody>
+                  <a:tcPr/>
+                </a:tc>
+                <a:extLst>
+                  <a:ext uri="{0D108BD9-81ED-4DB2-BD59-A6C34878D82A}">
+                    <a16:rowId xmlns:a16="http://schemas.microsoft.com/office/drawing/2014/main" val="4141425850"/>
+                  </a:ext>
+                </a:extLst>
+              </a:tr>
+            </a:tbl>
+          </a:graphicData>
+        </a:graphic>
+      </p:graphicFrame>
     </p:spTree>
     <p:extLst>
       <p:ext uri="{BB962C8B-B14F-4D97-AF65-F5344CB8AC3E}">
@@ -15159,7 +16400,7 @@
 </p:sld>
 </file>
 
-<file path=ppt/slides/slide18.xml><?xml version="1.0" encoding="utf-8"?>
+<file path=ppt/slides/slide19.xml><?xml version="1.0" encoding="utf-8"?>
 <p:sld xmlns:a="http://schemas.openxmlformats.org/drawingml/2006/main" xmlns:r="http://schemas.openxmlformats.org/officeDocument/2006/relationships" xmlns:p="http://schemas.openxmlformats.org/presentationml/2006/main">
   <p:cSld>
     <p:spTree>
@@ -15242,43 +16483,11 @@
               </a:rPr>
               <a:t>Interoperability, validation, and consistency)</a:t>
             </a:r>
-          </a:p>
-          <a:p>
             <a:endParaRPr lang="en-GB" b="1" dirty="0">
               <a:latin typeface="Söhne"/>
             </a:endParaRPr>
           </a:p>
           <a:p>
-            <a:r>
-              <a:rPr lang="en-GB" b="0" i="0" dirty="0">
-                <a:solidFill>
-                  <a:srgbClr val="374151"/>
-                </a:solidFill>
-                <a:effectLst/>
-                <a:latin typeface="Söhne"/>
-              </a:rPr>
-              <a:t>Example: Digital Imaging and Communications in Medicine (DICOM), is a standard for transmitting, storing, retrieving, printing, processing, and displaying medical imaging information -- Widely used in hospitals, clinics, and medical research settings. </a:t>
-            </a:r>
-            <a:r>
-              <a:rPr lang="en-GB" dirty="0"/>
-              <a:t>https://</a:t>
-            </a:r>
-            <a:r>
-              <a:rPr lang="en-GB" dirty="0" err="1"/>
-              <a:t>www.dicomstandard.org</a:t>
-            </a:r>
-            <a:r>
-              <a:rPr lang="en-GB" dirty="0"/>
-              <a:t>/, (</a:t>
-            </a:r>
-            <a:r>
-              <a:rPr lang="en-GB" dirty="0" err="1"/>
-              <a:t>Mildenberger</a:t>
-            </a:r>
-            <a:r>
-              <a:rPr lang="en-GB" dirty="0"/>
-              <a:t> et al, 2002)</a:t>
-            </a:r>
             <a:endParaRPr lang="en-GB" b="0" i="0" dirty="0">
               <a:solidFill>
                 <a:srgbClr val="374151"/>
@@ -15288,6 +16497,45 @@
             </a:endParaRPr>
           </a:p>
           <a:p>
+            <a:r>
+              <a:rPr lang="en-GB" b="0" i="0" dirty="0">
+                <a:solidFill>
+                  <a:srgbClr val="374151"/>
+                </a:solidFill>
+                <a:effectLst/>
+                <a:latin typeface="Söhne"/>
+              </a:rPr>
+              <a:t>Digital Imaging and Communications in Medicine (DICOM), is a standard for transmitting, storing, retrieving, printing, processing, and displaying medical imaging information -- Widely used in hospitals, clinics, and medical research settings. </a:t>
+            </a:r>
+            <a:r>
+              <a:rPr lang="en-GB" dirty="0"/>
+              <a:t>https://</a:t>
+            </a:r>
+            <a:r>
+              <a:rPr lang="en-GB" dirty="0" err="1"/>
+              <a:t>www.dicomstandard.org</a:t>
+            </a:r>
+            <a:r>
+              <a:rPr lang="en-GB" dirty="0"/>
+              <a:t>/, (</a:t>
+            </a:r>
+            <a:r>
+              <a:rPr lang="en-GB" dirty="0" err="1"/>
+              <a:t>Mildenberger</a:t>
+            </a:r>
+            <a:r>
+              <a:rPr lang="en-GB" dirty="0"/>
+              <a:t> et al, 2002)</a:t>
+            </a:r>
+            <a:endParaRPr lang="en-GB" b="0" i="0" dirty="0">
+              <a:solidFill>
+                <a:srgbClr val="374151"/>
+              </a:solidFill>
+              <a:effectLst/>
+              <a:latin typeface="Söhne"/>
+            </a:endParaRPr>
+          </a:p>
+          <a:p>
             <a:endParaRPr lang="en-NL" dirty="0"/>
           </a:p>
         </p:txBody>
@@ -15296,153 +16544,6 @@
     <p:extLst>
       <p:ext uri="{BB962C8B-B14F-4D97-AF65-F5344CB8AC3E}">
         <p14:creationId xmlns:p14="http://schemas.microsoft.com/office/powerpoint/2010/main" val="2249175790"/>
-      </p:ext>
-    </p:extLst>
-  </p:cSld>
-  <p:clrMapOvr>
-    <a:masterClrMapping/>
-  </p:clrMapOvr>
-</p:sld>
-</file>
-
-<file path=ppt/slides/slide19.xml><?xml version="1.0" encoding="utf-8"?>
-<p:sld xmlns:a="http://schemas.openxmlformats.org/drawingml/2006/main" xmlns:r="http://schemas.openxmlformats.org/officeDocument/2006/relationships" xmlns:p="http://schemas.openxmlformats.org/presentationml/2006/main">
-  <p:cSld>
-    <p:spTree>
-      <p:nvGrpSpPr>
-        <p:cNvPr id="1" name=""/>
-        <p:cNvGrpSpPr/>
-        <p:nvPr/>
-      </p:nvGrpSpPr>
-      <p:grpSpPr>
-        <a:xfrm>
-          <a:off x="0" y="0"/>
-          <a:ext cx="0" cy="0"/>
-          <a:chOff x="0" y="0"/>
-          <a:chExt cx="0" cy="0"/>
-        </a:xfrm>
-      </p:grpSpPr>
-      <p:sp>
-        <p:nvSpPr>
-          <p:cNvPr id="2" name="Title 1">
-            <a:extLst>
-              <a:ext uri="{FF2B5EF4-FFF2-40B4-BE49-F238E27FC236}">
-                <a16:creationId xmlns:a16="http://schemas.microsoft.com/office/drawing/2014/main" id="{53942594-4EFE-E896-C8BF-73E896EB3DC5}"/>
-              </a:ext>
-            </a:extLst>
-          </p:cNvPr>
-          <p:cNvSpPr>
-            <a:spLocks noGrp="1"/>
-          </p:cNvSpPr>
-          <p:nvPr>
-            <p:ph type="title"/>
-          </p:nvPr>
-        </p:nvSpPr>
-        <p:spPr>
-          <a:xfrm>
-            <a:off x="414067" y="834788"/>
-            <a:ext cx="11352363" cy="443199"/>
-          </a:xfrm>
-        </p:spPr>
-        <p:txBody>
-          <a:bodyPr/>
-          <a:lstStyle/>
-          <a:p>
-            <a:r>
-              <a:rPr lang="en-NL" dirty="0"/>
-              <a:t>Next step: Sematic Modelling </a:t>
-            </a:r>
-          </a:p>
-        </p:txBody>
-      </p:sp>
-      <p:sp>
-        <p:nvSpPr>
-          <p:cNvPr id="3" name="Text Placeholder 2">
-            <a:extLst>
-              <a:ext uri="{FF2B5EF4-FFF2-40B4-BE49-F238E27FC236}">
-                <a16:creationId xmlns:a16="http://schemas.microsoft.com/office/drawing/2014/main" id="{CD2BE1E4-3F1A-6964-85E0-E996D4A6F368}"/>
-              </a:ext>
-            </a:extLst>
-          </p:cNvPr>
-          <p:cNvSpPr>
-            <a:spLocks noGrp="1"/>
-          </p:cNvSpPr>
-          <p:nvPr>
-            <p:ph type="body" idx="1"/>
-          </p:nvPr>
-        </p:nvSpPr>
-        <p:spPr/>
-        <p:txBody>
-          <a:bodyPr/>
-          <a:lstStyle/>
-          <a:p>
-            <a:pPr marL="0" indent="0">
-              <a:spcBef>
-                <a:spcPts val="0"/>
-              </a:spcBef>
-              <a:buNone/>
-            </a:pPr>
-            <a:r>
-              <a:rPr lang="en-GB" sz="2000" dirty="0"/>
-              <a:t>. Represent the terms in </a:t>
-            </a:r>
-            <a:r>
-              <a:rPr lang="en-GB" sz="2000" dirty="0" err="1"/>
-              <a:t>rdf</a:t>
-            </a:r>
-            <a:r>
-              <a:rPr lang="en-GB" sz="2000" dirty="0"/>
-              <a:t> compliant manner -- semantic modelling </a:t>
-            </a:r>
-          </a:p>
-          <a:p>
-            <a:r>
-              <a:rPr lang="en-GB" sz="2134" dirty="0"/>
-              <a:t>Classes: an abstraction mechanism for creating a collection of objects with similar characteristics. The Objects called instances of a class.  (e.g. Class(Dataset) and individual(dataset-100)  is an instance of it). </a:t>
-            </a:r>
-          </a:p>
-          <a:p>
-            <a:r>
-              <a:rPr lang="en-GB" sz="2134" dirty="0"/>
-              <a:t>Class Axioms: Class can have hierarchical relationships (subclass) which allows for inheritance and subsumption.</a:t>
-            </a:r>
-          </a:p>
-          <a:p>
-            <a:r>
-              <a:rPr lang="en-GB" sz="2134" dirty="0"/>
-              <a:t>Enumeration: Categorical data (controlled vocabularies) </a:t>
-            </a:r>
-          </a:p>
-          <a:p>
-            <a:r>
-              <a:rPr lang="en-GB" sz="2134" dirty="0"/>
-              <a:t>Datatype Property: these are relationships between instances of classes. (e.g. dataset’s title is a datatype property that related all the instance of the class dataset to a string datatype). </a:t>
-            </a:r>
-          </a:p>
-          <a:p>
-            <a:r>
-              <a:rPr lang="en-GB" sz="2134" dirty="0"/>
-              <a:t>Object Property: These are relationships between instances of two classes. For example ”</a:t>
-            </a:r>
-            <a:r>
-              <a:rPr lang="en-GB" sz="2134" dirty="0" err="1"/>
-              <a:t>hasDistribution</a:t>
-            </a:r>
-            <a:r>
-              <a:rPr lang="en-GB" sz="2134" dirty="0"/>
-              <a:t>” is an object property that related all the instances of class dataset to instances of class distribution. </a:t>
-            </a:r>
-            <a:endParaRPr lang="en-NL" sz="2134" dirty="0"/>
-          </a:p>
-          <a:p>
-            <a:endParaRPr lang="en-NL" dirty="0"/>
-          </a:p>
-        </p:txBody>
-      </p:sp>
-    </p:spTree>
-    <p:extLst>
-      <p:ext uri="{BB962C8B-B14F-4D97-AF65-F5344CB8AC3E}">
-        <p14:creationId xmlns:p14="http://schemas.microsoft.com/office/powerpoint/2010/main" val="31927972"/>
       </p:ext>
     </p:extLst>
   </p:cSld>
@@ -15625,6 +16726,153 @@
 </file>
 
 <file path=ppt/slides/slide20.xml><?xml version="1.0" encoding="utf-8"?>
+<p:sld xmlns:a="http://schemas.openxmlformats.org/drawingml/2006/main" xmlns:r="http://schemas.openxmlformats.org/officeDocument/2006/relationships" xmlns:p="http://schemas.openxmlformats.org/presentationml/2006/main">
+  <p:cSld>
+    <p:spTree>
+      <p:nvGrpSpPr>
+        <p:cNvPr id="1" name=""/>
+        <p:cNvGrpSpPr/>
+        <p:nvPr/>
+      </p:nvGrpSpPr>
+      <p:grpSpPr>
+        <a:xfrm>
+          <a:off x="0" y="0"/>
+          <a:ext cx="0" cy="0"/>
+          <a:chOff x="0" y="0"/>
+          <a:chExt cx="0" cy="0"/>
+        </a:xfrm>
+      </p:grpSpPr>
+      <p:sp>
+        <p:nvSpPr>
+          <p:cNvPr id="2" name="Title 1">
+            <a:extLst>
+              <a:ext uri="{FF2B5EF4-FFF2-40B4-BE49-F238E27FC236}">
+                <a16:creationId xmlns:a16="http://schemas.microsoft.com/office/drawing/2014/main" id="{53942594-4EFE-E896-C8BF-73E896EB3DC5}"/>
+              </a:ext>
+            </a:extLst>
+          </p:cNvPr>
+          <p:cNvSpPr>
+            <a:spLocks noGrp="1"/>
+          </p:cNvSpPr>
+          <p:nvPr>
+            <p:ph type="title"/>
+          </p:nvPr>
+        </p:nvSpPr>
+        <p:spPr>
+          <a:xfrm>
+            <a:off x="414067" y="834788"/>
+            <a:ext cx="11352363" cy="443199"/>
+          </a:xfrm>
+        </p:spPr>
+        <p:txBody>
+          <a:bodyPr/>
+          <a:lstStyle/>
+          <a:p>
+            <a:r>
+              <a:rPr lang="en-NL" dirty="0"/>
+              <a:t>Next step: Sematic Modelling </a:t>
+            </a:r>
+          </a:p>
+        </p:txBody>
+      </p:sp>
+      <p:sp>
+        <p:nvSpPr>
+          <p:cNvPr id="3" name="Text Placeholder 2">
+            <a:extLst>
+              <a:ext uri="{FF2B5EF4-FFF2-40B4-BE49-F238E27FC236}">
+                <a16:creationId xmlns:a16="http://schemas.microsoft.com/office/drawing/2014/main" id="{CD2BE1E4-3F1A-6964-85E0-E996D4A6F368}"/>
+              </a:ext>
+            </a:extLst>
+          </p:cNvPr>
+          <p:cNvSpPr>
+            <a:spLocks noGrp="1"/>
+          </p:cNvSpPr>
+          <p:nvPr>
+            <p:ph type="body" idx="1"/>
+          </p:nvPr>
+        </p:nvSpPr>
+        <p:spPr/>
+        <p:txBody>
+          <a:bodyPr/>
+          <a:lstStyle/>
+          <a:p>
+            <a:pPr marL="0" indent="0">
+              <a:spcBef>
+                <a:spcPts val="0"/>
+              </a:spcBef>
+              <a:buNone/>
+            </a:pPr>
+            <a:r>
+              <a:rPr lang="en-GB" sz="2000" dirty="0"/>
+              <a:t>. Represent the terms in </a:t>
+            </a:r>
+            <a:r>
+              <a:rPr lang="en-GB" sz="2000" dirty="0" err="1"/>
+              <a:t>rdf</a:t>
+            </a:r>
+            <a:r>
+              <a:rPr lang="en-GB" sz="2000" dirty="0"/>
+              <a:t> compliant manner -- semantic modelling </a:t>
+            </a:r>
+          </a:p>
+          <a:p>
+            <a:r>
+              <a:rPr lang="en-GB" sz="2134" dirty="0"/>
+              <a:t>Classes: an abstraction mechanism for creating a collection of objects with similar characteristics. The Objects called instances of a class.  (e.g. Class(Dataset) and individual(dataset-100)  is an instance of it). </a:t>
+            </a:r>
+          </a:p>
+          <a:p>
+            <a:r>
+              <a:rPr lang="en-GB" sz="2134" dirty="0"/>
+              <a:t>Class Axioms: Class can have hierarchical relationships (subclass) which allows for inheritance and subsumption.</a:t>
+            </a:r>
+          </a:p>
+          <a:p>
+            <a:r>
+              <a:rPr lang="en-GB" sz="2134" dirty="0"/>
+              <a:t>Enumeration: Categorical data (controlled vocabularies) </a:t>
+            </a:r>
+          </a:p>
+          <a:p>
+            <a:r>
+              <a:rPr lang="en-GB" sz="2134" dirty="0"/>
+              <a:t>Datatype Property: these are relationships between instances of classes. (e.g. dataset’s title is a datatype property that related all the instance of the class dataset to a string datatype). </a:t>
+            </a:r>
+          </a:p>
+          <a:p>
+            <a:r>
+              <a:rPr lang="en-GB" sz="2134" dirty="0"/>
+              <a:t>Object Property: These are relationships between instances of two classes. For example ”</a:t>
+            </a:r>
+            <a:r>
+              <a:rPr lang="en-GB" sz="2134" dirty="0" err="1"/>
+              <a:t>hasDistribution</a:t>
+            </a:r>
+            <a:r>
+              <a:rPr lang="en-GB" sz="2134" dirty="0"/>
+              <a:t>” is an object property that related all the instances of class dataset to instances of class distribution. </a:t>
+            </a:r>
+            <a:endParaRPr lang="en-NL" sz="2134" dirty="0"/>
+          </a:p>
+          <a:p>
+            <a:endParaRPr lang="en-NL" dirty="0"/>
+          </a:p>
+        </p:txBody>
+      </p:sp>
+    </p:spTree>
+    <p:extLst>
+      <p:ext uri="{BB962C8B-B14F-4D97-AF65-F5344CB8AC3E}">
+        <p14:creationId xmlns:p14="http://schemas.microsoft.com/office/powerpoint/2010/main" val="31927972"/>
+      </p:ext>
+    </p:extLst>
+  </p:cSld>
+  <p:clrMapOvr>
+    <a:masterClrMapping/>
+  </p:clrMapOvr>
+</p:sld>
+</file>
+
+<file path=ppt/slides/slide21.xml><?xml version="1.0" encoding="utf-8"?>
 <p:sld xmlns:a="http://schemas.openxmlformats.org/drawingml/2006/main" xmlns:r="http://schemas.openxmlformats.org/officeDocument/2006/relationships" xmlns:p="http://schemas.openxmlformats.org/presentationml/2006/main">
   <p:cSld>
     <p:spTree>
@@ -15756,7 +17004,7 @@
 </p:sld>
 </file>
 
-<file path=ppt/slides/slide21.xml><?xml version="1.0" encoding="utf-8"?>
+<file path=ppt/slides/slide22.xml><?xml version="1.0" encoding="utf-8"?>
 <p:sld xmlns:a="http://schemas.openxmlformats.org/drawingml/2006/main" xmlns:r="http://schemas.openxmlformats.org/officeDocument/2006/relationships" xmlns:p="http://schemas.openxmlformats.org/presentationml/2006/main">
   <p:cSld>
     <p:spTree>
@@ -15864,7 +17112,7 @@
 </p:sld>
 </file>
 
-<file path=ppt/slides/slide22.xml><?xml version="1.0" encoding="utf-8"?>
+<file path=ppt/slides/slide23.xml><?xml version="1.0" encoding="utf-8"?>
 <p:sld xmlns:a="http://schemas.openxmlformats.org/drawingml/2006/main" xmlns:r="http://schemas.openxmlformats.org/officeDocument/2006/relationships" xmlns:p="http://schemas.openxmlformats.org/presentationml/2006/main">
   <p:cSld>
     <p:spTree>
@@ -16048,7 +17296,7 @@
 </p:sld>
 </file>
 
-<file path=ppt/slides/slide23.xml><?xml version="1.0" encoding="utf-8"?>
+<file path=ppt/slides/slide24.xml><?xml version="1.0" encoding="utf-8"?>
 <p:sld xmlns:a="http://schemas.openxmlformats.org/drawingml/2006/main" xmlns:r="http://schemas.openxmlformats.org/officeDocument/2006/relationships" xmlns:p="http://schemas.openxmlformats.org/presentationml/2006/main" show="0">
   <p:cSld>
     <p:spTree>
@@ -16193,7 +17441,7 @@
 </p:sld>
 </file>
 
-<file path=ppt/slides/slide24.xml><?xml version="1.0" encoding="utf-8"?>
+<file path=ppt/slides/slide25.xml><?xml version="1.0" encoding="utf-8"?>
 <p:sld xmlns:a="http://schemas.openxmlformats.org/drawingml/2006/main" xmlns:r="http://schemas.openxmlformats.org/officeDocument/2006/relationships" xmlns:p="http://schemas.openxmlformats.org/presentationml/2006/main" show="0">
   <p:cSld>
     <p:spTree>
@@ -17353,7 +18601,7 @@
 </p:sld>
 </file>
 
-<file path=ppt/slides/slide25.xml><?xml version="1.0" encoding="utf-8"?>
+<file path=ppt/slides/slide26.xml><?xml version="1.0" encoding="utf-8"?>
 <p:sld xmlns:a="http://schemas.openxmlformats.org/drawingml/2006/main" xmlns:r="http://schemas.openxmlformats.org/officeDocument/2006/relationships" xmlns:p="http://schemas.openxmlformats.org/presentationml/2006/main">
   <p:cSld>
     <p:spTree>
@@ -17487,7 +18735,7 @@
 </p:sld>
 </file>
 
-<file path=ppt/slides/slide26.xml><?xml version="1.0" encoding="utf-8"?>
+<file path=ppt/slides/slide27.xml><?xml version="1.0" encoding="utf-8"?>
 <p:sld xmlns:a="http://schemas.openxmlformats.org/drawingml/2006/main" xmlns:r="http://schemas.openxmlformats.org/officeDocument/2006/relationships" xmlns:p="http://schemas.openxmlformats.org/presentationml/2006/main">
   <p:cSld>
     <p:spTree>

--- a/Presentations/31082023HRI_Metadata_Schema_ImagingGroup_KickOff.pptx
+++ b/Presentations/31082023HRI_Metadata_Schema_ImagingGroup_KickOff.pptx
@@ -15631,7 +15631,12 @@
             <p:ph type="body" idx="1"/>
           </p:nvPr>
         </p:nvSpPr>
-        <p:spPr/>
+        <p:spPr>
+          <a:xfrm>
+            <a:off x="414067" y="1333501"/>
+            <a:ext cx="11352363" cy="4575411"/>
+          </a:xfrm>
+        </p:spPr>
         <p:txBody>
           <a:bodyPr/>
           <a:lstStyle/>
@@ -15640,17 +15645,17 @@
               <a:buNone/>
             </a:pPr>
             <a:r>
-              <a:rPr lang="en-GB" sz="1400" b="0" i="0" dirty="0">
+              <a:rPr lang="en-GB" sz="1600" b="0" i="0" dirty="0">
                 <a:solidFill>
                   <a:schemeClr val="tx1"/>
                 </a:solidFill>
                 <a:effectLst/>
                 <a:latin typeface="Söhne"/>
               </a:rPr>
-              <a:t>A researcher requires MRI scans of patients taken over a span of years, ideally both from patients who eventually developed Alzheimer's and those who did not. These longitudinal datasets can help her trace the progression and potential early signs of the disease. He turns to a health-</a:t>
-            </a:r>
-            <a:r>
-              <a:rPr lang="en-GB" sz="1400" b="0" i="0" dirty="0" err="1">
+              <a:t>The story: A researcher requires MRI scans of patients taken over a span of years, ideally both from patients who eventually developed Alzheimer's and those who did not. These longitudinal datasets can help her trace the progression and potential early signs of the disease. He turns to a health-</a:t>
+            </a:r>
+            <a:r>
+              <a:rPr lang="en-GB" sz="1600" b="0" i="0" dirty="0" err="1">
                 <a:solidFill>
                   <a:schemeClr val="tx1"/>
                 </a:solidFill>
@@ -15660,7 +15665,7 @@
               <a:t>ri</a:t>
             </a:r>
             <a:r>
-              <a:rPr lang="en-GB" sz="1400" b="0" i="0" dirty="0">
+              <a:rPr lang="en-GB" sz="1600" b="0" i="0" dirty="0">
                 <a:solidFill>
                   <a:schemeClr val="tx1"/>
                 </a:solidFill>
@@ -15669,13 +15674,34 @@
               </a:rPr>
               <a:t> medical metadata catalogue that hosts a vast array of medical imaging data from various hospitals and research institutions.</a:t>
             </a:r>
+            <a:endParaRPr lang="en-GB" sz="1600" dirty="0">
+              <a:solidFill>
+                <a:schemeClr val="tx1"/>
+              </a:solidFill>
+              <a:latin typeface="Söhne"/>
+            </a:endParaRPr>
           </a:p>
           <a:p>
             <a:pPr marL="101600" indent="0" algn="l">
               <a:buNone/>
             </a:pPr>
             <a:r>
-              <a:rPr lang="en-GB" sz="1100" b="1" i="0" dirty="0">
+              <a:rPr lang="en-GB" sz="1600" b="0" i="0" dirty="0">
+                <a:solidFill>
+                  <a:schemeClr val="tx1"/>
+                </a:solidFill>
+                <a:effectLst/>
+                <a:latin typeface="Söhne"/>
+              </a:rPr>
+              <a:t>As a researcher in neurology I want to:</a:t>
+            </a:r>
+          </a:p>
+          <a:p>
+            <a:pPr marL="101600" indent="0" algn="l">
+              <a:buNone/>
+            </a:pPr>
+            <a:r>
+              <a:rPr lang="en-GB" sz="1600" b="1" i="0" dirty="0">
                 <a:solidFill>
                   <a:schemeClr val="tx1"/>
                 </a:solidFill>
@@ -15691,7 +15717,7 @@
               <a:buAutoNum type="arabicPeriod"/>
             </a:pPr>
             <a:r>
-              <a:rPr lang="en-GB" sz="1100" b="1" i="0" dirty="0">
+              <a:rPr lang="en-GB" sz="1600" b="1" i="0" dirty="0">
                 <a:solidFill>
                   <a:schemeClr val="tx1"/>
                 </a:solidFill>
@@ -15701,7 +15727,7 @@
               <a:t>Search by Modality</a:t>
             </a:r>
             <a:r>
-              <a:rPr lang="en-GB" sz="1100" b="0" i="0" dirty="0">
+              <a:rPr lang="en-GB" sz="1600" b="0" i="0" dirty="0">
                 <a:solidFill>
                   <a:schemeClr val="tx1"/>
                 </a:solidFill>
@@ -15716,14 +15742,14 @@
               <a:buNone/>
             </a:pPr>
             <a:r>
-              <a:rPr lang="en-GB" sz="1100" b="0" i="0" dirty="0">
+              <a:rPr lang="en-GB" sz="1600" b="0" i="0" dirty="0">
                 <a:solidFill>
                   <a:schemeClr val="tx1"/>
                 </a:solidFill>
                 <a:effectLst/>
                 <a:latin typeface="Söhne"/>
               </a:rPr>
-              <a:t>The user filters datasets that only contain MRI scans, ensuring she's looking at the right type of imaging data.</a:t>
+              <a:t>I would like to filters datasets that only contain MRI scans, ensuring that I am  looking at the right type of imaging data.</a:t>
             </a:r>
           </a:p>
           <a:p>
@@ -15732,7 +15758,7 @@
               <a:buAutoNum type="arabicPeriod"/>
             </a:pPr>
             <a:r>
-              <a:rPr lang="en-GB" sz="1100" b="1" i="0" dirty="0">
+              <a:rPr lang="en-GB" sz="1600" b="1" i="0" dirty="0">
                 <a:solidFill>
                   <a:schemeClr val="tx1"/>
                 </a:solidFill>
@@ -15742,7 +15768,7 @@
               <a:t>Focus on Brain Scans</a:t>
             </a:r>
             <a:r>
-              <a:rPr lang="en-GB" sz="1100" b="0" i="0" dirty="0">
+              <a:rPr lang="en-GB" sz="1600" b="0" i="0" dirty="0">
                 <a:solidFill>
                   <a:schemeClr val="tx1"/>
                 </a:solidFill>
@@ -15757,14 +15783,33 @@
               <a:buNone/>
             </a:pPr>
             <a:r>
-              <a:rPr lang="en-GB" sz="1100" b="0" i="0" dirty="0">
+              <a:rPr lang="en-GB" sz="1600" b="0" i="0" dirty="0">
                 <a:solidFill>
                   <a:schemeClr val="tx1"/>
                 </a:solidFill>
                 <a:effectLst/>
                 <a:latin typeface="Söhne"/>
               </a:rPr>
-              <a:t>Among MRI scans, the user further refines her search to only include datasets with brain imaging, excluding other parts of the body.</a:t>
+              <a:t>Among MRI scans, I </a:t>
+            </a:r>
+            <a:r>
+              <a:rPr lang="en-GB" sz="1600" dirty="0">
+                <a:solidFill>
+                  <a:schemeClr val="tx1"/>
+                </a:solidFill>
+                <a:latin typeface="Söhne"/>
+              </a:rPr>
+              <a:t>further want to refine my search</a:t>
+            </a:r>
+            <a:r>
+              <a:rPr lang="en-GB" sz="1600" b="0" i="0" dirty="0">
+                <a:solidFill>
+                  <a:schemeClr val="tx1"/>
+                </a:solidFill>
+                <a:effectLst/>
+                <a:latin typeface="Söhne"/>
+              </a:rPr>
+              <a:t> search to only include datasets with brain imaging, excluding other parts of the body.</a:t>
             </a:r>
           </a:p>
           <a:p>
@@ -15773,7 +15818,7 @@
               <a:buAutoNum type="arabicPeriod"/>
             </a:pPr>
             <a:r>
-              <a:rPr lang="en-GB" sz="1100" b="1" i="0" dirty="0">
+              <a:rPr lang="en-GB" sz="1600" b="1" i="0" dirty="0">
                 <a:solidFill>
                   <a:schemeClr val="tx1"/>
                 </a:solidFill>
@@ -15783,7 +15828,7 @@
               <a:t>Time Period</a:t>
             </a:r>
             <a:r>
-              <a:rPr lang="en-GB" sz="1100" b="0" i="0" dirty="0">
+              <a:rPr lang="en-GB" sz="1600" b="0" i="0" dirty="0">
                 <a:solidFill>
                   <a:schemeClr val="tx1"/>
                 </a:solidFill>
@@ -15798,14 +15843,14 @@
               <a:buNone/>
             </a:pPr>
             <a:r>
-              <a:rPr lang="en-GB" sz="1100" b="0" i="0" dirty="0">
+              <a:rPr lang="en-GB" sz="1600" b="0" i="0" dirty="0">
                 <a:solidFill>
                   <a:schemeClr val="tx1"/>
                 </a:solidFill>
                 <a:effectLst/>
                 <a:latin typeface="Söhne"/>
               </a:rPr>
-              <a:t>The user is interested in data spanning the last 20 years, so she sets the date range from 2003 to 2023.</a:t>
+              <a:t>I am interested in data spanning the last 20 years, so she sets the date range from 2003 to 2023.</a:t>
             </a:r>
           </a:p>
           <a:p>
@@ -15814,7 +15859,7 @@
               <a:buAutoNum type="arabicPeriod"/>
             </a:pPr>
             <a:r>
-              <a:rPr lang="en-GB" sz="1100" b="1" i="0" dirty="0">
+              <a:rPr lang="en-GB" sz="1600" b="1" i="0" dirty="0">
                 <a:solidFill>
                   <a:schemeClr val="tx1"/>
                 </a:solidFill>
@@ -15824,7 +15869,7 @@
               <a:t>Patient Demographics</a:t>
             </a:r>
             <a:r>
-              <a:rPr lang="en-GB" sz="1100" b="0" i="0" dirty="0">
+              <a:rPr lang="en-GB" sz="1600" b="0" i="0" dirty="0">
                 <a:solidFill>
                   <a:schemeClr val="tx1"/>
                 </a:solidFill>
@@ -15839,7 +15884,7 @@
               <a:buNone/>
             </a:pPr>
             <a:r>
-              <a:rPr lang="en-GB" sz="1100" b="0" i="0" dirty="0">
+              <a:rPr lang="en-GB" sz="1600" b="0" i="0" dirty="0">
                 <a:solidFill>
                   <a:schemeClr val="tx1"/>
                 </a:solidFill>
@@ -15849,7 +15894,7 @@
               <a:t>The user wants a diverse dataset. </a:t>
             </a:r>
             <a:r>
-              <a:rPr lang="en-GB" sz="1100" dirty="0">
+              <a:rPr lang="en-GB" sz="1600" dirty="0">
                 <a:solidFill>
                   <a:schemeClr val="tx1"/>
                 </a:solidFill>
@@ -15858,7 +15903,7 @@
               <a:t>he</a:t>
             </a:r>
             <a:r>
-              <a:rPr lang="en-GB" sz="1100" b="0" i="0" dirty="0">
+              <a:rPr lang="en-GB" sz="1600" b="0" i="0" dirty="0">
                 <a:solidFill>
                   <a:schemeClr val="tx1"/>
                 </a:solidFill>
@@ -15866,47 +15911,6 @@
                 <a:latin typeface="Söhne"/>
               </a:rPr>
               <a:t> looks for datasets that include a breakdown of patient age, gender, and ethnicity.</a:t>
-            </a:r>
-          </a:p>
-          <a:p>
-            <a:pPr algn="l">
-              <a:buFont typeface="+mj-lt"/>
-              <a:buAutoNum type="arabicPeriod"/>
-            </a:pPr>
-            <a:r>
-              <a:rPr lang="en-GB" sz="1100" b="1" i="0" dirty="0">
-                <a:solidFill>
-                  <a:schemeClr val="tx1"/>
-                </a:solidFill>
-                <a:effectLst/>
-                <a:latin typeface="Söhne"/>
-              </a:rPr>
-              <a:t>Data Usage Policies</a:t>
-            </a:r>
-            <a:r>
-              <a:rPr lang="en-GB" sz="1100" b="0" i="0" dirty="0">
-                <a:solidFill>
-                  <a:schemeClr val="tx1"/>
-                </a:solidFill>
-                <a:effectLst/>
-                <a:latin typeface="Söhne"/>
-              </a:rPr>
-              <a:t>:</a:t>
-            </a:r>
-          </a:p>
-          <a:p>
-            <a:pPr marL="457200" lvl="1" indent="0" algn="l">
-              <a:buNone/>
-            </a:pPr>
-            <a:r>
-              <a:rPr lang="en-GB" sz="1100" b="0" i="0" dirty="0">
-                <a:solidFill>
-                  <a:schemeClr val="tx1"/>
-                </a:solidFill>
-                <a:effectLst/>
-                <a:latin typeface="Söhne"/>
-              </a:rPr>
-              <a:t>The user checks for datasets with clear licensing and usage terms. He prefers datasets that are available for academic research without stringent restrictions.</a:t>
             </a:r>
           </a:p>
         </p:txBody>
@@ -16070,14 +16074,14 @@
           <p:nvPr>
             <p:extLst>
               <p:ext uri="{D42A27DB-BD31-4B8C-83A1-F6EECF244321}">
-                <p14:modId xmlns:p14="http://schemas.microsoft.com/office/powerpoint/2010/main" val="2650881817"/>
+                <p14:modId xmlns:p14="http://schemas.microsoft.com/office/powerpoint/2010/main" val="3194186256"/>
               </p:ext>
             </p:extLst>
           </p:nvPr>
         </p:nvGraphicFramePr>
         <p:xfrm>
           <a:off x="1188049" y="3907366"/>
-          <a:ext cx="9804400" cy="1927014"/>
+          <a:ext cx="9804400" cy="2297854"/>
         </p:xfrm>
         <a:graphic>
           <a:graphicData uri="http://schemas.openxmlformats.org/drawingml/2006/table">
@@ -16331,7 +16335,7 @@
                     <a:p>
                       <a:r>
                         <a:rPr lang="en-NL" dirty="0"/>
-                        <a:t>…</a:t>
+                        <a:t>age</a:t>
                       </a:r>
                     </a:p>
                   </a:txBody>
@@ -16380,6 +16384,66 @@
                 <a:extLst>
                   <a:ext uri="{0D108BD9-81ED-4DB2-BD59-A6C34878D82A}">
                     <a16:rowId xmlns:a16="http://schemas.microsoft.com/office/drawing/2014/main" val="4141425850"/>
+                  </a:ext>
+                </a:extLst>
+              </a:tr>
+              <a:tr h="370840">
+                <a:tc>
+                  <a:txBody>
+                    <a:bodyPr/>
+                    <a:lstStyle/>
+                    <a:p>
+                      <a:r>
+                        <a:rPr lang="en-NL" dirty="0"/>
+                        <a:t>sex</a:t>
+                      </a:r>
+                    </a:p>
+                  </a:txBody>
+                  <a:tcPr/>
+                </a:tc>
+                <a:tc>
+                  <a:txBody>
+                    <a:bodyPr/>
+                    <a:lstStyle/>
+                    <a:p>
+                      <a:endParaRPr lang="en-NL" dirty="0"/>
+                    </a:p>
+                  </a:txBody>
+                  <a:tcPr/>
+                </a:tc>
+                <a:tc>
+                  <a:txBody>
+                    <a:bodyPr/>
+                    <a:lstStyle/>
+                    <a:p>
+                      <a:endParaRPr lang="en-NL" dirty="0"/>
+                    </a:p>
+                  </a:txBody>
+                  <a:tcPr/>
+                </a:tc>
+                <a:tc>
+                  <a:txBody>
+                    <a:bodyPr/>
+                    <a:lstStyle/>
+                    <a:p>
+                      <a:endParaRPr lang="en-NL" dirty="0"/>
+                    </a:p>
+                  </a:txBody>
+                  <a:tcPr/>
+                </a:tc>
+                <a:tc>
+                  <a:txBody>
+                    <a:bodyPr/>
+                    <a:lstStyle/>
+                    <a:p>
+                      <a:endParaRPr lang="en-NL" dirty="0"/>
+                    </a:p>
+                  </a:txBody>
+                  <a:tcPr/>
+                </a:tc>
+                <a:extLst>
+                  <a:ext uri="{0D108BD9-81ED-4DB2-BD59-A6C34878D82A}">
+                    <a16:rowId xmlns:a16="http://schemas.microsoft.com/office/drawing/2014/main" val="2339855355"/>
                   </a:ext>
                 </a:extLst>
               </a:tr>
@@ -16948,7 +17012,7 @@
         </p:blipFill>
         <p:spPr>
           <a:xfrm>
-            <a:off x="2286000" y="1411060"/>
+            <a:off x="2197100" y="1061130"/>
             <a:ext cx="6731000" cy="4735739"/>
           </a:xfrm>
           <a:prstGeom prst="rect">
@@ -17077,7 +17141,7 @@
           <a:p>
             <a:r>
               <a:rPr lang="en-GB" dirty="0"/>
-              <a:t>Encode the domain model in RDF/OWL/</a:t>
+              <a:t>Encode the domain specific metadata model in RDF/OWL/</a:t>
             </a:r>
             <a:r>
               <a:rPr lang="en-GB" dirty="0" err="1"/>
@@ -17095,6 +17159,20 @@
             <a:r>
               <a:rPr lang="en-GB" dirty="0"/>
               <a:t>Use Shape Schema language for representation Data constraints and validation rules</a:t>
+            </a:r>
+          </a:p>
+          <a:p>
+            <a:r>
+              <a:rPr lang="en-GB" dirty="0"/>
+              <a:t>Translate the requirements to </a:t>
+            </a:r>
+            <a:r>
+              <a:rPr lang="en-GB" dirty="0" err="1"/>
+              <a:t>sparql</a:t>
+            </a:r>
+            <a:r>
+              <a:rPr lang="en-GB" dirty="0"/>
+              <a:t> queries for evaluation and testing in the final stage</a:t>
             </a:r>
           </a:p>
         </p:txBody>
@@ -17175,6 +17253,10 @@
           </p:nvPr>
         </p:nvSpPr>
         <p:spPr>
+          <a:xfrm>
+            <a:off x="414068" y="1141294"/>
+            <a:ext cx="11352363" cy="4575411"/>
+          </a:xfrm>
           <a:prstGeom prst="rect">
             <a:avLst/>
           </a:prstGeom>

--- a/Presentations/31082023HRI_Metadata_Schema_ImagingGroup_KickOff.pptx
+++ b/Presentations/31082023HRI_Metadata_Schema_ImagingGroup_KickOff.pptx
@@ -6203,7 +6203,7 @@
         </p:nvSpPr>
         <p:spPr>
           <a:xfrm>
-            <a:off x="3249394" y="2128749"/>
+            <a:off x="3617694" y="2027149"/>
             <a:ext cx="4713506" cy="919251"/>
           </a:xfrm>
           <a:prstGeom prst="rect">
@@ -16005,7 +16005,7 @@
           <a:p>
             <a:r>
               <a:rPr lang="en-NL" dirty="0"/>
-              <a:t>2 Creat terminology inventory</a:t>
+              <a:t>Steps towards Leaves - Creat terminology inventory</a:t>
             </a:r>
           </a:p>
         </p:txBody>
@@ -16504,7 +16504,7 @@
           <a:p>
             <a:r>
               <a:rPr lang="en-NL" dirty="0"/>
-              <a:t>3. Reuse Existing Standard</a:t>
+              <a:t>Steps towards Leaves -- Reuse Existing Standard</a:t>
             </a:r>
           </a:p>
         </p:txBody>
@@ -16985,17 +16985,17 @@
             </a:r>
             <a:r>
               <a:rPr lang="en-NL" dirty="0"/>
-              <a:t>xample of a semanti model</a:t>
+              <a:t>xample of a semantic model</a:t>
             </a:r>
           </a:p>
         </p:txBody>
       </p:sp>
       <p:pic>
         <p:nvPicPr>
-          <p:cNvPr id="6" name="Picture 5" descr="A diagram of a diagram&#10;&#10;Description automatically generated">
+          <p:cNvPr id="13" name="Picture 12" descr="A diagram of a diagram&#10;&#10;Description automatically generated">
             <a:extLst>
               <a:ext uri="{FF2B5EF4-FFF2-40B4-BE49-F238E27FC236}">
-                <a16:creationId xmlns:a16="http://schemas.microsoft.com/office/drawing/2014/main" id="{1300A668-3236-8257-946B-6E20298C06FD}"/>
+                <a16:creationId xmlns:a16="http://schemas.microsoft.com/office/drawing/2014/main" id="{A1F44145-ADF7-0357-F0DB-6C4553073270}"/>
               </a:ext>
             </a:extLst>
           </p:cNvPr>
@@ -17012,49 +17012,14 @@
         </p:blipFill>
         <p:spPr>
           <a:xfrm>
-            <a:off x="2197100" y="1061130"/>
-            <a:ext cx="6731000" cy="4735739"/>
+            <a:off x="2768600" y="992249"/>
+            <a:ext cx="7277100" cy="4873501"/>
           </a:xfrm>
           <a:prstGeom prst="rect">
             <a:avLst/>
           </a:prstGeom>
         </p:spPr>
       </p:pic>
-      <p:sp>
-        <p:nvSpPr>
-          <p:cNvPr id="8" name="TextBox 7">
-            <a:extLst>
-              <a:ext uri="{FF2B5EF4-FFF2-40B4-BE49-F238E27FC236}">
-                <a16:creationId xmlns:a16="http://schemas.microsoft.com/office/drawing/2014/main" id="{2FD0C17B-9018-F232-5E00-6281D9A2C765}"/>
-              </a:ext>
-            </a:extLst>
-          </p:cNvPr>
-          <p:cNvSpPr txBox="1"/>
-          <p:nvPr/>
-        </p:nvSpPr>
-        <p:spPr>
-          <a:xfrm>
-            <a:off x="190500" y="5446940"/>
-            <a:ext cx="6096000" cy="646331"/>
-          </a:xfrm>
-          <a:prstGeom prst="rect">
-            <a:avLst/>
-          </a:prstGeom>
-          <a:noFill/>
-        </p:spPr>
-        <p:txBody>
-          <a:bodyPr wrap="square">
-            <a:spAutoFit/>
-          </a:bodyPr>
-          <a:lstStyle/>
-          <a:p>
-            <a:r>
-              <a:rPr lang="en-NL" dirty="0"/>
-              <a:t>https://dicom.nema.org/medical/dicom/current/output/chtml/part16/chapter_L.html#chapter_L</a:t>
-            </a:r>
-          </a:p>
-        </p:txBody>
-      </p:sp>
     </p:spTree>
     <p:extLst>
       <p:ext uri="{BB962C8B-B14F-4D97-AF65-F5344CB8AC3E}">
@@ -17173,6 +17138,37 @@
             <a:r>
               <a:rPr lang="en-GB" dirty="0"/>
               <a:t> queries for evaluation and testing in the final stage</a:t>
+            </a:r>
+          </a:p>
+          <a:p>
+            <a:r>
+              <a:rPr lang="en-GB" dirty="0"/>
+              <a:t>Tools: </a:t>
+            </a:r>
+          </a:p>
+          <a:p>
+            <a:pPr lvl="1"/>
+            <a:r>
+              <a:rPr lang="en-GB" dirty="0"/>
+              <a:t>Ontology visualisation and editing tools</a:t>
+            </a:r>
+          </a:p>
+          <a:p>
+            <a:pPr lvl="2"/>
+            <a:r>
+              <a:rPr lang="en-GB" dirty="0"/>
+              <a:t>Protégé (free)</a:t>
+            </a:r>
+          </a:p>
+          <a:p>
+            <a:pPr lvl="2"/>
+            <a:r>
+              <a:rPr lang="en-GB" dirty="0" err="1"/>
+              <a:t>Metaphactory</a:t>
+            </a:r>
+            <a:r>
+              <a:rPr lang="en-GB" dirty="0"/>
+              <a:t> (commercial)</a:t>
             </a:r>
           </a:p>
         </p:txBody>

--- a/Presentations/31082023HRI_Metadata_Schema_ImagingGroup_KickOff.pptx
+++ b/Presentations/31082023HRI_Metadata_Schema_ImagingGroup_KickOff.pptx
@@ -29,10 +29,10 @@
     <p:sldId id="350" r:id="rId20"/>
     <p:sldId id="347" r:id="rId21"/>
     <p:sldId id="351" r:id="rId22"/>
-    <p:sldId id="344" r:id="rId23"/>
-    <p:sldId id="336" r:id="rId24"/>
-    <p:sldId id="345" r:id="rId25"/>
-    <p:sldId id="274" r:id="rId26"/>
+    <p:sldId id="354" r:id="rId23"/>
+    <p:sldId id="274" r:id="rId24"/>
+    <p:sldId id="344" r:id="rId25"/>
+    <p:sldId id="336" r:id="rId26"/>
     <p:sldId id="291" r:id="rId27"/>
     <p:sldId id="270" r:id="rId28"/>
   </p:sldIdLst>
@@ -1706,6 +1706,90 @@
 </file>
 
 <file path=ppt/notesSlides/notesSlide7.xml><?xml version="1.0" encoding="utf-8"?>
+<p:notes xmlns:a="http://schemas.openxmlformats.org/drawingml/2006/main" xmlns:r="http://schemas.openxmlformats.org/officeDocument/2006/relationships" xmlns:p="http://schemas.openxmlformats.org/presentationml/2006/main">
+  <p:cSld>
+    <p:spTree>
+      <p:nvGrpSpPr>
+        <p:cNvPr id="1" name=""/>
+        <p:cNvGrpSpPr/>
+        <p:nvPr/>
+      </p:nvGrpSpPr>
+      <p:grpSpPr>
+        <a:xfrm>
+          <a:off x="0" y="0"/>
+          <a:ext cx="0" cy="0"/>
+          <a:chOff x="0" y="0"/>
+          <a:chExt cx="0" cy="0"/>
+        </a:xfrm>
+      </p:grpSpPr>
+      <p:sp>
+        <p:nvSpPr>
+          <p:cNvPr id="2" name="Slide Image Placeholder 1"/>
+          <p:cNvSpPr>
+            <a:spLocks noGrp="1" noRot="1" noChangeAspect="1"/>
+          </p:cNvSpPr>
+          <p:nvPr>
+            <p:ph type="sldImg"/>
+          </p:nvPr>
+        </p:nvSpPr>
+        <p:spPr/>
+      </p:sp>
+      <p:sp>
+        <p:nvSpPr>
+          <p:cNvPr id="3" name="Notes Placeholder 2"/>
+          <p:cNvSpPr>
+            <a:spLocks noGrp="1"/>
+          </p:cNvSpPr>
+          <p:nvPr>
+            <p:ph type="body" idx="1"/>
+          </p:nvPr>
+        </p:nvSpPr>
+        <p:spPr/>
+        <p:txBody>
+          <a:bodyPr/>
+          <a:lstStyle/>
+          <a:p>
+            <a:endParaRPr lang="en-NL" dirty="0"/>
+          </a:p>
+        </p:txBody>
+      </p:sp>
+      <p:sp>
+        <p:nvSpPr>
+          <p:cNvPr id="4" name="Slide Number Placeholder 3"/>
+          <p:cNvSpPr>
+            <a:spLocks noGrp="1"/>
+          </p:cNvSpPr>
+          <p:nvPr>
+            <p:ph type="sldNum" sz="quarter" idx="5"/>
+          </p:nvPr>
+        </p:nvSpPr>
+        <p:spPr/>
+        <p:txBody>
+          <a:bodyPr/>
+          <a:lstStyle/>
+          <a:p>
+            <a:fld id="{5E89D69C-9871-1346-B305-215A53474772}" type="slidenum">
+              <a:rPr lang="en-NL" smtClean="0"/>
+              <a:t>24</a:t>
+            </a:fld>
+            <a:endParaRPr lang="en-NL"/>
+          </a:p>
+        </p:txBody>
+      </p:sp>
+    </p:spTree>
+    <p:extLst>
+      <p:ext uri="{BB962C8B-B14F-4D97-AF65-F5344CB8AC3E}">
+        <p14:creationId xmlns:p14="http://schemas.microsoft.com/office/powerpoint/2010/main" val="1715532681"/>
+      </p:ext>
+    </p:extLst>
+  </p:cSld>
+  <p:clrMapOvr>
+    <a:masterClrMapping/>
+  </p:clrMapOvr>
+</p:notes>
+</file>
+
+<file path=ppt/notesSlides/notesSlide8.xml><?xml version="1.0" encoding="utf-8"?>
 <p:notes xmlns:a="http://schemas.openxmlformats.org/drawingml/2006/main" xmlns:r="http://schemas.openxmlformats.org/officeDocument/2006/relationships" xmlns:p="http://schemas.openxmlformats.org/presentationml/2006/main" showMasterSp="0" showMasterPhAnim="0">
   <p:cSld>
     <p:spTree>
@@ -17055,6 +17139,2354 @@
           <p:cNvPr id="2" name="Title 1">
             <a:extLst>
               <a:ext uri="{FF2B5EF4-FFF2-40B4-BE49-F238E27FC236}">
+                <a16:creationId xmlns:a16="http://schemas.microsoft.com/office/drawing/2014/main" id="{B3B16BDD-4F77-8F8E-F675-02E9F492AD82}"/>
+              </a:ext>
+            </a:extLst>
+          </p:cNvPr>
+          <p:cNvSpPr>
+            <a:spLocks noGrp="1"/>
+          </p:cNvSpPr>
+          <p:nvPr>
+            <p:ph type="title"/>
+          </p:nvPr>
+        </p:nvSpPr>
+        <p:spPr/>
+        <p:txBody>
+          <a:bodyPr/>
+          <a:lstStyle/>
+          <a:p>
+            <a:endParaRPr lang="en-NL"/>
+          </a:p>
+        </p:txBody>
+      </p:sp>
+      <p:grpSp>
+        <p:nvGrpSpPr>
+          <p:cNvPr id="4" name="Group 3">
+            <a:extLst>
+              <a:ext uri="{FF2B5EF4-FFF2-40B4-BE49-F238E27FC236}">
+                <a16:creationId xmlns:a16="http://schemas.microsoft.com/office/drawing/2014/main" id="{5AAAF2E0-14FE-AD38-8BBE-2B4941751616}"/>
+              </a:ext>
+            </a:extLst>
+          </p:cNvPr>
+          <p:cNvGrpSpPr/>
+          <p:nvPr/>
+        </p:nvGrpSpPr>
+        <p:grpSpPr>
+          <a:xfrm>
+            <a:off x="663412" y="1727200"/>
+            <a:ext cx="11352363" cy="3122386"/>
+            <a:chOff x="-124278" y="2920697"/>
+            <a:chExt cx="12876654" cy="3732289"/>
+          </a:xfrm>
+        </p:grpSpPr>
+        <p:sp>
+          <p:nvSpPr>
+            <p:cNvPr id="5" name="Rectangle 4">
+              <a:extLst>
+                <a:ext uri="{FF2B5EF4-FFF2-40B4-BE49-F238E27FC236}">
+                  <a16:creationId xmlns:a16="http://schemas.microsoft.com/office/drawing/2014/main" id="{BB7F0D16-CD15-386F-CED2-22FAE81D48CF}"/>
+                </a:ext>
+              </a:extLst>
+            </p:cNvPr>
+            <p:cNvSpPr/>
+            <p:nvPr/>
+          </p:nvSpPr>
+          <p:spPr>
+            <a:xfrm>
+              <a:off x="1716209" y="2920697"/>
+              <a:ext cx="7237579" cy="1404564"/>
+            </a:xfrm>
+            <a:prstGeom prst="rect">
+              <a:avLst/>
+            </a:prstGeom>
+            <a:solidFill>
+              <a:schemeClr val="accent1">
+                <a:alpha val="14000"/>
+              </a:schemeClr>
+            </a:solidFill>
+          </p:spPr>
+          <p:style>
+            <a:lnRef idx="2">
+              <a:schemeClr val="accent1">
+                <a:shade val="15000"/>
+              </a:schemeClr>
+            </a:lnRef>
+            <a:fillRef idx="1">
+              <a:schemeClr val="accent1"/>
+            </a:fillRef>
+            <a:effectRef idx="0">
+              <a:schemeClr val="accent1"/>
+            </a:effectRef>
+            <a:fontRef idx="minor">
+              <a:schemeClr val="lt1"/>
+            </a:fontRef>
+          </p:style>
+          <p:txBody>
+            <a:bodyPr rtlCol="0" anchor="ctr"/>
+            <a:lstStyle/>
+            <a:p>
+              <a:pPr algn="ctr"/>
+              <a:endParaRPr lang="en-NL" sz="2400">
+                <a:latin typeface="Lato" panose="020F0502020204030203" pitchFamily="34" charset="0"/>
+                <a:ea typeface="Lato" panose="020F0502020204030203" pitchFamily="34" charset="0"/>
+                <a:cs typeface="Lato" panose="020F0502020204030203" pitchFamily="34" charset="0"/>
+              </a:endParaRPr>
+            </a:p>
+          </p:txBody>
+        </p:sp>
+        <p:sp>
+          <p:nvSpPr>
+            <p:cNvPr id="6" name="Oval 5">
+              <a:extLst>
+                <a:ext uri="{FF2B5EF4-FFF2-40B4-BE49-F238E27FC236}">
+                  <a16:creationId xmlns:a16="http://schemas.microsoft.com/office/drawing/2014/main" id="{57774F9E-D84F-57F5-6D90-09BDFC4BE3F6}"/>
+                </a:ext>
+              </a:extLst>
+            </p:cNvPr>
+            <p:cNvSpPr/>
+            <p:nvPr/>
+          </p:nvSpPr>
+          <p:spPr>
+            <a:xfrm>
+              <a:off x="1860885" y="3157086"/>
+              <a:ext cx="1515088" cy="949692"/>
+            </a:xfrm>
+            <a:prstGeom prst="ellipse">
+              <a:avLst/>
+            </a:prstGeom>
+            <a:solidFill>
+              <a:schemeClr val="accent2"/>
+            </a:solidFill>
+          </p:spPr>
+          <p:style>
+            <a:lnRef idx="2">
+              <a:schemeClr val="accent1">
+                <a:shade val="15000"/>
+              </a:schemeClr>
+            </a:lnRef>
+            <a:fillRef idx="1">
+              <a:schemeClr val="accent1"/>
+            </a:fillRef>
+            <a:effectRef idx="0">
+              <a:schemeClr val="accent1"/>
+            </a:effectRef>
+            <a:fontRef idx="minor">
+              <a:schemeClr val="lt1"/>
+            </a:fontRef>
+          </p:style>
+          <p:txBody>
+            <a:bodyPr rtlCol="0" anchor="ctr"/>
+            <a:lstStyle/>
+            <a:p>
+              <a:pPr algn="ctr"/>
+              <a:r>
+                <a:rPr lang="en-NL" sz="2400" dirty="0">
+                  <a:latin typeface="Lato" panose="020F0502020204030203" pitchFamily="34" charset="0"/>
+                  <a:ea typeface="Lato" panose="020F0502020204030203" pitchFamily="34" charset="0"/>
+                  <a:cs typeface="Lato" panose="020F0502020204030203" pitchFamily="34" charset="0"/>
+                </a:rPr>
+                <a:t>dataset</a:t>
+              </a:r>
+            </a:p>
+          </p:txBody>
+        </p:sp>
+        <p:sp>
+          <p:nvSpPr>
+            <p:cNvPr id="7" name="Oval 6">
+              <a:extLst>
+                <a:ext uri="{FF2B5EF4-FFF2-40B4-BE49-F238E27FC236}">
+                  <a16:creationId xmlns:a16="http://schemas.microsoft.com/office/drawing/2014/main" id="{B368A9B2-9CA9-06D3-B002-DEF7BABEA892}"/>
+                </a:ext>
+              </a:extLst>
+            </p:cNvPr>
+            <p:cNvSpPr/>
+            <p:nvPr/>
+          </p:nvSpPr>
+          <p:spPr>
+            <a:xfrm>
+              <a:off x="5708851" y="3073665"/>
+              <a:ext cx="2171032" cy="1116532"/>
+            </a:xfrm>
+            <a:prstGeom prst="ellipse">
+              <a:avLst/>
+            </a:prstGeom>
+            <a:solidFill>
+              <a:schemeClr val="accent2"/>
+            </a:solidFill>
+          </p:spPr>
+          <p:style>
+            <a:lnRef idx="2">
+              <a:schemeClr val="accent1">
+                <a:shade val="15000"/>
+              </a:schemeClr>
+            </a:lnRef>
+            <a:fillRef idx="1">
+              <a:schemeClr val="accent1"/>
+            </a:fillRef>
+            <a:effectRef idx="0">
+              <a:schemeClr val="accent1"/>
+            </a:effectRef>
+            <a:fontRef idx="minor">
+              <a:schemeClr val="lt1"/>
+            </a:fontRef>
+          </p:style>
+          <p:txBody>
+            <a:bodyPr rtlCol="0" anchor="ctr"/>
+            <a:lstStyle/>
+            <a:p>
+              <a:pPr algn="ctr"/>
+              <a:r>
+                <a:rPr lang="en-GB" sz="2400" dirty="0">
+                  <a:latin typeface="Lato" panose="020F0502020204030203" pitchFamily="34" charset="0"/>
+                  <a:ea typeface="Lato" panose="020F0502020204030203" pitchFamily="34" charset="0"/>
+                  <a:cs typeface="Lato" panose="020F0502020204030203" pitchFamily="34" charset="0"/>
+                </a:rPr>
+                <a:t>I</a:t>
+              </a:r>
+              <a:r>
+                <a:rPr lang="en-NL" sz="2400" dirty="0">
+                  <a:latin typeface="Lato" panose="020F0502020204030203" pitchFamily="34" charset="0"/>
+                  <a:ea typeface="Lato" panose="020F0502020204030203" pitchFamily="34" charset="0"/>
+                  <a:cs typeface="Lato" panose="020F0502020204030203" pitchFamily="34" charset="0"/>
+                </a:rPr>
+                <a:t>mage modality</a:t>
+              </a:r>
+            </a:p>
+          </p:txBody>
+        </p:sp>
+        <p:cxnSp>
+          <p:nvCxnSpPr>
+            <p:cNvPr id="8" name="Straight Arrow Connector 7">
+              <a:extLst>
+                <a:ext uri="{FF2B5EF4-FFF2-40B4-BE49-F238E27FC236}">
+                  <a16:creationId xmlns:a16="http://schemas.microsoft.com/office/drawing/2014/main" id="{31881DA7-D989-6814-9497-A505FDF91522}"/>
+                </a:ext>
+              </a:extLst>
+            </p:cNvPr>
+            <p:cNvCxnSpPr>
+              <a:cxnSpLocks/>
+              <a:stCxn id="6" idx="6"/>
+              <a:endCxn id="7" idx="2"/>
+            </p:cNvCxnSpPr>
+            <p:nvPr/>
+          </p:nvCxnSpPr>
+          <p:spPr>
+            <a:xfrm flipV="1">
+              <a:off x="3375973" y="3631931"/>
+              <a:ext cx="2332878" cy="1"/>
+            </a:xfrm>
+            <a:prstGeom prst="straightConnector1">
+              <a:avLst/>
+            </a:prstGeom>
+            <a:ln>
+              <a:solidFill>
+                <a:schemeClr val="tx1"/>
+              </a:solidFill>
+              <a:tailEnd type="triangle"/>
+            </a:ln>
+          </p:spPr>
+          <p:style>
+            <a:lnRef idx="1">
+              <a:schemeClr val="accent1"/>
+            </a:lnRef>
+            <a:fillRef idx="0">
+              <a:schemeClr val="accent1"/>
+            </a:fillRef>
+            <a:effectRef idx="0">
+              <a:schemeClr val="accent1"/>
+            </a:effectRef>
+            <a:fontRef idx="minor">
+              <a:schemeClr val="tx1"/>
+            </a:fontRef>
+          </p:style>
+        </p:cxnSp>
+        <p:sp>
+          <p:nvSpPr>
+            <p:cNvPr id="9" name="TextBox 8">
+              <a:extLst>
+                <a:ext uri="{FF2B5EF4-FFF2-40B4-BE49-F238E27FC236}">
+                  <a16:creationId xmlns:a16="http://schemas.microsoft.com/office/drawing/2014/main" id="{48EBFC8B-70D2-D78B-35B2-7F6A0FDB63D0}"/>
+                </a:ext>
+              </a:extLst>
+            </p:cNvPr>
+            <p:cNvSpPr txBox="1"/>
+            <p:nvPr/>
+          </p:nvSpPr>
+          <p:spPr>
+            <a:xfrm>
+              <a:off x="3815976" y="3248073"/>
+              <a:ext cx="2051725" cy="461665"/>
+            </a:xfrm>
+            <a:prstGeom prst="rect">
+              <a:avLst/>
+            </a:prstGeom>
+            <a:noFill/>
+          </p:spPr>
+          <p:txBody>
+            <a:bodyPr wrap="square" rtlCol="0">
+              <a:spAutoFit/>
+            </a:bodyPr>
+            <a:lstStyle/>
+            <a:p>
+              <a:r>
+                <a:rPr lang="en-NL" sz="2400" dirty="0">
+                  <a:latin typeface="Lato" panose="020F0502020204030203" pitchFamily="34" charset="0"/>
+                  <a:ea typeface="Lato" panose="020F0502020204030203" pitchFamily="34" charset="0"/>
+                  <a:cs typeface="Lato" panose="020F0502020204030203" pitchFamily="34" charset="0"/>
+                </a:rPr>
+                <a:t>modality</a:t>
+              </a:r>
+            </a:p>
+          </p:txBody>
+        </p:sp>
+        <p:sp>
+          <p:nvSpPr>
+            <p:cNvPr id="10" name="Oval 9">
+              <a:extLst>
+                <a:ext uri="{FF2B5EF4-FFF2-40B4-BE49-F238E27FC236}">
+                  <a16:creationId xmlns:a16="http://schemas.microsoft.com/office/drawing/2014/main" id="{A41CD7E7-D254-0CA3-3CA9-150011EAF7F0}"/>
+                </a:ext>
+              </a:extLst>
+            </p:cNvPr>
+            <p:cNvSpPr/>
+            <p:nvPr/>
+          </p:nvSpPr>
+          <p:spPr>
+            <a:xfrm>
+              <a:off x="1860884" y="5158259"/>
+              <a:ext cx="1540043" cy="949692"/>
+            </a:xfrm>
+            <a:prstGeom prst="ellipse">
+              <a:avLst/>
+            </a:prstGeom>
+            <a:solidFill>
+              <a:schemeClr val="accent5">
+                <a:lumMod val="20000"/>
+                <a:lumOff val="80000"/>
+              </a:schemeClr>
+            </a:solidFill>
+          </p:spPr>
+          <p:style>
+            <a:lnRef idx="2">
+              <a:schemeClr val="accent1">
+                <a:shade val="15000"/>
+              </a:schemeClr>
+            </a:lnRef>
+            <a:fillRef idx="1">
+              <a:schemeClr val="accent1"/>
+            </a:fillRef>
+            <a:effectRef idx="0">
+              <a:schemeClr val="accent1"/>
+            </a:effectRef>
+            <a:fontRef idx="minor">
+              <a:schemeClr val="lt1"/>
+            </a:fontRef>
+          </p:style>
+          <p:txBody>
+            <a:bodyPr rtlCol="0" anchor="ctr"/>
+            <a:lstStyle/>
+            <a:p>
+              <a:pPr algn="ctr"/>
+              <a:r>
+                <a:rPr lang="en-GB" sz="2400" dirty="0">
+                  <a:latin typeface="Lato" panose="020F0502020204030203" pitchFamily="34" charset="0"/>
+                  <a:ea typeface="Lato" panose="020F0502020204030203" pitchFamily="34" charset="0"/>
+                  <a:cs typeface="Lato" panose="020F0502020204030203" pitchFamily="34" charset="0"/>
+                </a:rPr>
+                <a:t>C</a:t>
+              </a:r>
+              <a:r>
+                <a:rPr lang="en-NL" sz="2400" dirty="0">
+                  <a:latin typeface="Lato" panose="020F0502020204030203" pitchFamily="34" charset="0"/>
+                  <a:ea typeface="Lato" panose="020F0502020204030203" pitchFamily="34" charset="0"/>
+                  <a:cs typeface="Lato" panose="020F0502020204030203" pitchFamily="34" charset="0"/>
+                </a:rPr>
+                <a:t>ol-1</a:t>
+              </a:r>
+            </a:p>
+          </p:txBody>
+        </p:sp>
+        <p:cxnSp>
+          <p:nvCxnSpPr>
+            <p:cNvPr id="11" name="Straight Arrow Connector 10">
+              <a:extLst>
+                <a:ext uri="{FF2B5EF4-FFF2-40B4-BE49-F238E27FC236}">
+                  <a16:creationId xmlns:a16="http://schemas.microsoft.com/office/drawing/2014/main" id="{5BCA90B9-C2BE-BDA4-8478-E3F6C2B34FE8}"/>
+                </a:ext>
+              </a:extLst>
+            </p:cNvPr>
+            <p:cNvCxnSpPr>
+              <a:cxnSpLocks/>
+              <a:stCxn id="10" idx="0"/>
+              <a:endCxn id="6" idx="4"/>
+            </p:cNvCxnSpPr>
+            <p:nvPr/>
+          </p:nvCxnSpPr>
+          <p:spPr>
+            <a:xfrm flipH="1" flipV="1">
+              <a:off x="2618429" y="4106778"/>
+              <a:ext cx="12477" cy="1051481"/>
+            </a:xfrm>
+            <a:prstGeom prst="straightConnector1">
+              <a:avLst/>
+            </a:prstGeom>
+            <a:ln>
+              <a:tailEnd type="triangle"/>
+            </a:ln>
+          </p:spPr>
+          <p:style>
+            <a:lnRef idx="1">
+              <a:schemeClr val="accent1"/>
+            </a:lnRef>
+            <a:fillRef idx="0">
+              <a:schemeClr val="accent1"/>
+            </a:fillRef>
+            <a:effectRef idx="0">
+              <a:schemeClr val="accent1"/>
+            </a:effectRef>
+            <a:fontRef idx="minor">
+              <a:schemeClr val="tx1"/>
+            </a:fontRef>
+          </p:style>
+        </p:cxnSp>
+        <p:sp>
+          <p:nvSpPr>
+            <p:cNvPr id="12" name="TextBox 11">
+              <a:extLst>
+                <a:ext uri="{FF2B5EF4-FFF2-40B4-BE49-F238E27FC236}">
+                  <a16:creationId xmlns:a16="http://schemas.microsoft.com/office/drawing/2014/main" id="{1A26FCC6-E0E3-3C41-92FA-9852022F6076}"/>
+                </a:ext>
+              </a:extLst>
+            </p:cNvPr>
+            <p:cNvSpPr txBox="1"/>
+            <p:nvPr/>
+          </p:nvSpPr>
+          <p:spPr>
+            <a:xfrm>
+              <a:off x="6288546" y="4431841"/>
+              <a:ext cx="2051725" cy="461665"/>
+            </a:xfrm>
+            <a:prstGeom prst="rect">
+              <a:avLst/>
+            </a:prstGeom>
+            <a:noFill/>
+          </p:spPr>
+          <p:txBody>
+            <a:bodyPr wrap="square" rtlCol="0">
+              <a:spAutoFit/>
+            </a:bodyPr>
+            <a:lstStyle/>
+            <a:p>
+              <a:r>
+                <a:rPr lang="en-GB" sz="2400" dirty="0">
+                  <a:latin typeface="Lato" panose="020F0502020204030203" pitchFamily="34" charset="0"/>
+                  <a:ea typeface="Lato" panose="020F0502020204030203" pitchFamily="34" charset="0"/>
+                  <a:cs typeface="Lato" panose="020F0502020204030203" pitchFamily="34" charset="0"/>
+                </a:rPr>
+                <a:t>r</a:t>
+              </a:r>
+              <a:r>
+                <a:rPr lang="en-NL" sz="2400" dirty="0">
+                  <a:latin typeface="Lato" panose="020F0502020204030203" pitchFamily="34" charset="0"/>
+                  <a:ea typeface="Lato" panose="020F0502020204030203" pitchFamily="34" charset="0"/>
+                  <a:cs typeface="Lato" panose="020F0502020204030203" pitchFamily="34" charset="0"/>
+                </a:rPr>
+                <a:t>df:type</a:t>
+              </a:r>
+            </a:p>
+          </p:txBody>
+        </p:sp>
+        <p:sp>
+          <p:nvSpPr>
+            <p:cNvPr id="13" name="Oval 12">
+              <a:extLst>
+                <a:ext uri="{FF2B5EF4-FFF2-40B4-BE49-F238E27FC236}">
+                  <a16:creationId xmlns:a16="http://schemas.microsoft.com/office/drawing/2014/main" id="{8439AF36-2E44-E98B-4C5B-FD19665E095B}"/>
+                </a:ext>
+              </a:extLst>
+            </p:cNvPr>
+            <p:cNvSpPr/>
+            <p:nvPr/>
+          </p:nvSpPr>
+          <p:spPr>
+            <a:xfrm>
+              <a:off x="5738321" y="5265537"/>
+              <a:ext cx="2546903" cy="949692"/>
+            </a:xfrm>
+            <a:prstGeom prst="ellipse">
+              <a:avLst/>
+            </a:prstGeom>
+            <a:solidFill>
+              <a:schemeClr val="accent5">
+                <a:lumMod val="20000"/>
+                <a:lumOff val="80000"/>
+              </a:schemeClr>
+            </a:solidFill>
+          </p:spPr>
+          <p:style>
+            <a:lnRef idx="2">
+              <a:schemeClr val="accent1">
+                <a:shade val="15000"/>
+              </a:schemeClr>
+            </a:lnRef>
+            <a:fillRef idx="1">
+              <a:schemeClr val="accent1"/>
+            </a:fillRef>
+            <a:effectRef idx="0">
+              <a:schemeClr val="accent1"/>
+            </a:effectRef>
+            <a:fontRef idx="minor">
+              <a:schemeClr val="lt1"/>
+            </a:fontRef>
+          </p:style>
+          <p:txBody>
+            <a:bodyPr rtlCol="0" anchor="ctr"/>
+            <a:lstStyle/>
+            <a:p>
+              <a:pPr algn="ctr"/>
+              <a:r>
+                <a:rPr lang="en-NL" sz="2400" dirty="0">
+                  <a:latin typeface="Lato" panose="020F0502020204030203" pitchFamily="34" charset="0"/>
+                  <a:ea typeface="Lato" panose="020F0502020204030203" pitchFamily="34" charset="0"/>
+                  <a:cs typeface="Lato" panose="020F0502020204030203" pitchFamily="34" charset="0"/>
+                </a:rPr>
+                <a:t>Mamography</a:t>
+              </a:r>
+            </a:p>
+          </p:txBody>
+        </p:sp>
+        <p:cxnSp>
+          <p:nvCxnSpPr>
+            <p:cNvPr id="14" name="Straight Arrow Connector 13">
+              <a:extLst>
+                <a:ext uri="{FF2B5EF4-FFF2-40B4-BE49-F238E27FC236}">
+                  <a16:creationId xmlns:a16="http://schemas.microsoft.com/office/drawing/2014/main" id="{EE5673AC-8FA9-366A-0132-8C8AF44D4A8C}"/>
+                </a:ext>
+              </a:extLst>
+            </p:cNvPr>
+            <p:cNvCxnSpPr>
+              <a:cxnSpLocks/>
+            </p:cNvCxnSpPr>
+            <p:nvPr/>
+          </p:nvCxnSpPr>
+          <p:spPr>
+            <a:xfrm flipV="1">
+              <a:off x="6877904" y="4190197"/>
+              <a:ext cx="0" cy="1051481"/>
+            </a:xfrm>
+            <a:prstGeom prst="straightConnector1">
+              <a:avLst/>
+            </a:prstGeom>
+            <a:ln>
+              <a:tailEnd type="triangle"/>
+            </a:ln>
+          </p:spPr>
+          <p:style>
+            <a:lnRef idx="1">
+              <a:schemeClr val="accent1"/>
+            </a:lnRef>
+            <a:fillRef idx="0">
+              <a:schemeClr val="accent1"/>
+            </a:fillRef>
+            <a:effectRef idx="0">
+              <a:schemeClr val="accent1"/>
+            </a:effectRef>
+            <a:fontRef idx="minor">
+              <a:schemeClr val="tx1"/>
+            </a:fontRef>
+          </p:style>
+        </p:cxnSp>
+        <p:sp>
+          <p:nvSpPr>
+            <p:cNvPr id="15" name="TextBox 14">
+              <a:extLst>
+                <a:ext uri="{FF2B5EF4-FFF2-40B4-BE49-F238E27FC236}">
+                  <a16:creationId xmlns:a16="http://schemas.microsoft.com/office/drawing/2014/main" id="{E628CDBA-18CA-1CC7-2527-CBDC6F378B30}"/>
+                </a:ext>
+              </a:extLst>
+            </p:cNvPr>
+            <p:cNvSpPr txBox="1"/>
+            <p:nvPr/>
+          </p:nvSpPr>
+          <p:spPr>
+            <a:xfrm>
+              <a:off x="2375064" y="4478229"/>
+              <a:ext cx="2051725" cy="461665"/>
+            </a:xfrm>
+            <a:prstGeom prst="rect">
+              <a:avLst/>
+            </a:prstGeom>
+            <a:noFill/>
+          </p:spPr>
+          <p:txBody>
+            <a:bodyPr wrap="square" rtlCol="0">
+              <a:spAutoFit/>
+            </a:bodyPr>
+            <a:lstStyle/>
+            <a:p>
+              <a:r>
+                <a:rPr lang="en-GB" sz="2400" dirty="0">
+                  <a:latin typeface="Lato" panose="020F0502020204030203" pitchFamily="34" charset="0"/>
+                  <a:ea typeface="Lato" panose="020F0502020204030203" pitchFamily="34" charset="0"/>
+                  <a:cs typeface="Lato" panose="020F0502020204030203" pitchFamily="34" charset="0"/>
+                </a:rPr>
+                <a:t>r</a:t>
+              </a:r>
+              <a:r>
+                <a:rPr lang="en-NL" sz="2400" dirty="0">
+                  <a:latin typeface="Lato" panose="020F0502020204030203" pitchFamily="34" charset="0"/>
+                  <a:ea typeface="Lato" panose="020F0502020204030203" pitchFamily="34" charset="0"/>
+                  <a:cs typeface="Lato" panose="020F0502020204030203" pitchFamily="34" charset="0"/>
+                </a:rPr>
+                <a:t>df:type</a:t>
+              </a:r>
+            </a:p>
+          </p:txBody>
+        </p:sp>
+        <p:sp>
+          <p:nvSpPr>
+            <p:cNvPr id="16" name="TextBox 15">
+              <a:extLst>
+                <a:ext uri="{FF2B5EF4-FFF2-40B4-BE49-F238E27FC236}">
+                  <a16:creationId xmlns:a16="http://schemas.microsoft.com/office/drawing/2014/main" id="{96DA2C82-A5C0-D38C-BDBC-53C13FF53E8C}"/>
+                </a:ext>
+              </a:extLst>
+            </p:cNvPr>
+            <p:cNvSpPr txBox="1"/>
+            <p:nvPr/>
+          </p:nvSpPr>
+          <p:spPr>
+            <a:xfrm>
+              <a:off x="3686595" y="5232499"/>
+              <a:ext cx="2051725" cy="830997"/>
+            </a:xfrm>
+            <a:prstGeom prst="rect">
+              <a:avLst/>
+            </a:prstGeom>
+            <a:noFill/>
+          </p:spPr>
+          <p:txBody>
+            <a:bodyPr wrap="square" rtlCol="0">
+              <a:spAutoFit/>
+            </a:bodyPr>
+            <a:lstStyle/>
+            <a:p>
+              <a:r>
+                <a:rPr lang="en-NL" sz="2400" dirty="0">
+                  <a:latin typeface="Lato" panose="020F0502020204030203" pitchFamily="34" charset="0"/>
+                  <a:ea typeface="Lato" panose="020F0502020204030203" pitchFamily="34" charset="0"/>
+                  <a:cs typeface="Lato" panose="020F0502020204030203" pitchFamily="34" charset="0"/>
+                </a:rPr>
+                <a:t>hasDistribution</a:t>
+              </a:r>
+            </a:p>
+          </p:txBody>
+        </p:sp>
+        <p:cxnSp>
+          <p:nvCxnSpPr>
+            <p:cNvPr id="17" name="Straight Arrow Connector 16">
+              <a:extLst>
+                <a:ext uri="{FF2B5EF4-FFF2-40B4-BE49-F238E27FC236}">
+                  <a16:creationId xmlns:a16="http://schemas.microsoft.com/office/drawing/2014/main" id="{ED887337-E836-BD34-1D1F-A5DCA6AE7182}"/>
+                </a:ext>
+              </a:extLst>
+            </p:cNvPr>
+            <p:cNvCxnSpPr/>
+            <p:nvPr/>
+          </p:nvCxnSpPr>
+          <p:spPr>
+            <a:xfrm>
+              <a:off x="3490763" y="5642869"/>
+              <a:ext cx="2218088" cy="1"/>
+            </a:xfrm>
+            <a:prstGeom prst="straightConnector1">
+              <a:avLst/>
+            </a:prstGeom>
+            <a:ln>
+              <a:solidFill>
+                <a:schemeClr val="tx1"/>
+              </a:solidFill>
+              <a:tailEnd type="triangle"/>
+            </a:ln>
+          </p:spPr>
+          <p:style>
+            <a:lnRef idx="1">
+              <a:schemeClr val="accent1"/>
+            </a:lnRef>
+            <a:fillRef idx="0">
+              <a:schemeClr val="accent1"/>
+            </a:fillRef>
+            <a:effectRef idx="0">
+              <a:schemeClr val="accent1"/>
+            </a:effectRef>
+            <a:fontRef idx="minor">
+              <a:schemeClr val="tx1"/>
+            </a:fontRef>
+          </p:style>
+        </p:cxnSp>
+        <p:sp>
+          <p:nvSpPr>
+            <p:cNvPr id="18" name="TextBox 17">
+              <a:extLst>
+                <a:ext uri="{FF2B5EF4-FFF2-40B4-BE49-F238E27FC236}">
+                  <a16:creationId xmlns:a16="http://schemas.microsoft.com/office/drawing/2014/main" id="{FECEEEE0-A89D-4F94-0C7A-7C149AC7F493}"/>
+                </a:ext>
+              </a:extLst>
+            </p:cNvPr>
+            <p:cNvSpPr txBox="1"/>
+            <p:nvPr/>
+          </p:nvSpPr>
+          <p:spPr>
+            <a:xfrm>
+              <a:off x="-124278" y="5360324"/>
+              <a:ext cx="1973617" cy="830997"/>
+            </a:xfrm>
+            <a:prstGeom prst="rect">
+              <a:avLst/>
+            </a:prstGeom>
+            <a:noFill/>
+          </p:spPr>
+          <p:txBody>
+            <a:bodyPr wrap="none" rtlCol="0">
+              <a:spAutoFit/>
+            </a:bodyPr>
+            <a:lstStyle/>
+            <a:p>
+              <a:r>
+                <a:rPr lang="en-GB" sz="2400" dirty="0">
+                  <a:latin typeface="Lato" panose="020F0502020204030203" pitchFamily="34" charset="0"/>
+                  <a:ea typeface="Lato" panose="020F0502020204030203" pitchFamily="34" charset="0"/>
+                  <a:cs typeface="Lato" panose="020F0502020204030203" pitchFamily="34" charset="0"/>
+                </a:rPr>
+                <a:t>I</a:t>
+              </a:r>
+              <a:r>
+                <a:rPr lang="en-NL" sz="2400" dirty="0">
+                  <a:latin typeface="Lato" panose="020F0502020204030203" pitchFamily="34" charset="0"/>
+                  <a:ea typeface="Lato" panose="020F0502020204030203" pitchFamily="34" charset="0"/>
+                  <a:cs typeface="Lato" panose="020F0502020204030203" pitchFamily="34" charset="0"/>
+                </a:rPr>
+                <a:t>nstance of </a:t>
+              </a:r>
+            </a:p>
+            <a:p>
+              <a:r>
+                <a:rPr lang="en-NL" sz="2400" dirty="0">
+                  <a:latin typeface="Lato" panose="020F0502020204030203" pitchFamily="34" charset="0"/>
+                  <a:ea typeface="Lato" panose="020F0502020204030203" pitchFamily="34" charset="0"/>
+                  <a:cs typeface="Lato" panose="020F0502020204030203" pitchFamily="34" charset="0"/>
+                </a:rPr>
+                <a:t>the metadata</a:t>
+              </a:r>
+            </a:p>
+          </p:txBody>
+        </p:sp>
+        <p:sp>
+          <p:nvSpPr>
+            <p:cNvPr id="19" name="TextBox 18">
+              <a:extLst>
+                <a:ext uri="{FF2B5EF4-FFF2-40B4-BE49-F238E27FC236}">
+                  <a16:creationId xmlns:a16="http://schemas.microsoft.com/office/drawing/2014/main" id="{FEF68C74-B0BB-E039-EB30-09992F2AEAFA}"/>
+                </a:ext>
+              </a:extLst>
+            </p:cNvPr>
+            <p:cNvSpPr txBox="1"/>
+            <p:nvPr/>
+          </p:nvSpPr>
+          <p:spPr>
+            <a:xfrm>
+              <a:off x="0" y="3318626"/>
+              <a:ext cx="1483098" cy="830997"/>
+            </a:xfrm>
+            <a:prstGeom prst="rect">
+              <a:avLst/>
+            </a:prstGeom>
+            <a:noFill/>
+          </p:spPr>
+          <p:txBody>
+            <a:bodyPr wrap="none" rtlCol="0">
+              <a:spAutoFit/>
+            </a:bodyPr>
+            <a:lstStyle/>
+            <a:p>
+              <a:r>
+                <a:rPr lang="en-GB" sz="2400" dirty="0">
+                  <a:latin typeface="Lato" panose="020F0502020204030203" pitchFamily="34" charset="0"/>
+                  <a:ea typeface="Lato" panose="020F0502020204030203" pitchFamily="34" charset="0"/>
+                  <a:cs typeface="Lato" panose="020F0502020204030203" pitchFamily="34" charset="0"/>
+                </a:rPr>
+                <a:t>M</a:t>
+              </a:r>
+              <a:r>
+                <a:rPr lang="en-NL" sz="2400" dirty="0">
+                  <a:latin typeface="Lato" panose="020F0502020204030203" pitchFamily="34" charset="0"/>
+                  <a:ea typeface="Lato" panose="020F0502020204030203" pitchFamily="34" charset="0"/>
+                  <a:cs typeface="Lato" panose="020F0502020204030203" pitchFamily="34" charset="0"/>
+                </a:rPr>
+                <a:t>etadata</a:t>
+              </a:r>
+            </a:p>
+            <a:p>
+              <a:r>
+                <a:rPr lang="en-NL" sz="2400" dirty="0">
+                  <a:latin typeface="Lato" panose="020F0502020204030203" pitchFamily="34" charset="0"/>
+                  <a:ea typeface="Lato" panose="020F0502020204030203" pitchFamily="34" charset="0"/>
+                  <a:cs typeface="Lato" panose="020F0502020204030203" pitchFamily="34" charset="0"/>
+                </a:rPr>
+                <a:t> model </a:t>
+              </a:r>
+            </a:p>
+          </p:txBody>
+        </p:sp>
+        <p:sp>
+          <p:nvSpPr>
+            <p:cNvPr id="20" name="Oval 19">
+              <a:extLst>
+                <a:ext uri="{FF2B5EF4-FFF2-40B4-BE49-F238E27FC236}">
+                  <a16:creationId xmlns:a16="http://schemas.microsoft.com/office/drawing/2014/main" id="{C98228D9-B908-A5AC-AD7B-9FD584054D21}"/>
+                </a:ext>
+              </a:extLst>
+            </p:cNvPr>
+            <p:cNvSpPr/>
+            <p:nvPr/>
+          </p:nvSpPr>
+          <p:spPr>
+            <a:xfrm>
+              <a:off x="9816936" y="4321979"/>
+              <a:ext cx="1201760" cy="880908"/>
+            </a:xfrm>
+            <a:prstGeom prst="ellipse">
+              <a:avLst/>
+            </a:prstGeom>
+            <a:solidFill>
+              <a:schemeClr val="accent2"/>
+            </a:solidFill>
+          </p:spPr>
+          <p:style>
+            <a:lnRef idx="2">
+              <a:schemeClr val="accent1">
+                <a:shade val="15000"/>
+              </a:schemeClr>
+            </a:lnRef>
+            <a:fillRef idx="1">
+              <a:schemeClr val="accent1"/>
+            </a:fillRef>
+            <a:effectRef idx="0">
+              <a:schemeClr val="accent1"/>
+            </a:effectRef>
+            <a:fontRef idx="minor">
+              <a:schemeClr val="lt1"/>
+            </a:fontRef>
+          </p:style>
+          <p:txBody>
+            <a:bodyPr rtlCol="0" anchor="ctr"/>
+            <a:lstStyle/>
+            <a:p>
+              <a:pPr algn="ctr"/>
+              <a:endParaRPr lang="en-NL" sz="2400" dirty="0">
+                <a:latin typeface="Lato" panose="020F0502020204030203" pitchFamily="34" charset="0"/>
+                <a:ea typeface="Lato" panose="020F0502020204030203" pitchFamily="34" charset="0"/>
+                <a:cs typeface="Lato" panose="020F0502020204030203" pitchFamily="34" charset="0"/>
+              </a:endParaRPr>
+            </a:p>
+          </p:txBody>
+        </p:sp>
+        <p:sp>
+          <p:nvSpPr>
+            <p:cNvPr id="21" name="Oval 20">
+              <a:extLst>
+                <a:ext uri="{FF2B5EF4-FFF2-40B4-BE49-F238E27FC236}">
+                  <a16:creationId xmlns:a16="http://schemas.microsoft.com/office/drawing/2014/main" id="{D8EE5B36-E6D1-5510-840F-F1316B0130AD}"/>
+                </a:ext>
+              </a:extLst>
+            </p:cNvPr>
+            <p:cNvSpPr/>
+            <p:nvPr/>
+          </p:nvSpPr>
+          <p:spPr>
+            <a:xfrm>
+              <a:off x="9838301" y="5303126"/>
+              <a:ext cx="1201760" cy="949692"/>
+            </a:xfrm>
+            <a:prstGeom prst="ellipse">
+              <a:avLst/>
+            </a:prstGeom>
+            <a:solidFill>
+              <a:schemeClr val="accent5">
+                <a:lumMod val="20000"/>
+                <a:lumOff val="80000"/>
+              </a:schemeClr>
+            </a:solidFill>
+          </p:spPr>
+          <p:style>
+            <a:lnRef idx="2">
+              <a:schemeClr val="accent1">
+                <a:shade val="15000"/>
+              </a:schemeClr>
+            </a:lnRef>
+            <a:fillRef idx="1">
+              <a:schemeClr val="accent1"/>
+            </a:fillRef>
+            <a:effectRef idx="0">
+              <a:schemeClr val="accent1"/>
+            </a:effectRef>
+            <a:fontRef idx="minor">
+              <a:schemeClr val="lt1"/>
+            </a:fontRef>
+          </p:style>
+          <p:txBody>
+            <a:bodyPr rtlCol="0" anchor="ctr"/>
+            <a:lstStyle/>
+            <a:p>
+              <a:pPr algn="ctr"/>
+              <a:endParaRPr lang="en-NL" sz="2400" dirty="0">
+                <a:latin typeface="Lato" panose="020F0502020204030203" pitchFamily="34" charset="0"/>
+                <a:ea typeface="Lato" panose="020F0502020204030203" pitchFamily="34" charset="0"/>
+                <a:cs typeface="Lato" panose="020F0502020204030203" pitchFamily="34" charset="0"/>
+              </a:endParaRPr>
+            </a:p>
+          </p:txBody>
+        </p:sp>
+        <p:sp>
+          <p:nvSpPr>
+            <p:cNvPr id="22" name="TextBox 21">
+              <a:extLst>
+                <a:ext uri="{FF2B5EF4-FFF2-40B4-BE49-F238E27FC236}">
+                  <a16:creationId xmlns:a16="http://schemas.microsoft.com/office/drawing/2014/main" id="{3F574E8B-9981-AD76-B337-22D14FE7776C}"/>
+                </a:ext>
+              </a:extLst>
+            </p:cNvPr>
+            <p:cNvSpPr txBox="1"/>
+            <p:nvPr/>
+          </p:nvSpPr>
+          <p:spPr>
+            <a:xfrm>
+              <a:off x="11124904" y="4510484"/>
+              <a:ext cx="1090363" cy="461665"/>
+            </a:xfrm>
+            <a:prstGeom prst="rect">
+              <a:avLst/>
+            </a:prstGeom>
+            <a:noFill/>
+          </p:spPr>
+          <p:txBody>
+            <a:bodyPr wrap="none" rtlCol="0">
+              <a:spAutoFit/>
+            </a:bodyPr>
+            <a:lstStyle/>
+            <a:p>
+              <a:r>
+                <a:rPr lang="en-US" sz="2400" dirty="0">
+                  <a:latin typeface="Lato" panose="020F0502020204030203" pitchFamily="34" charset="0"/>
+                  <a:ea typeface="Lato" panose="020F0502020204030203" pitchFamily="34" charset="0"/>
+                  <a:cs typeface="Lato" panose="020F0502020204030203" pitchFamily="34" charset="0"/>
+                </a:rPr>
+                <a:t>CLASS</a:t>
+              </a:r>
+              <a:endParaRPr lang="en-NL" sz="2400" dirty="0">
+                <a:latin typeface="Lato" panose="020F0502020204030203" pitchFamily="34" charset="0"/>
+                <a:ea typeface="Lato" panose="020F0502020204030203" pitchFamily="34" charset="0"/>
+                <a:cs typeface="Lato" panose="020F0502020204030203" pitchFamily="34" charset="0"/>
+              </a:endParaRPr>
+            </a:p>
+          </p:txBody>
+        </p:sp>
+        <p:sp>
+          <p:nvSpPr>
+            <p:cNvPr id="23" name="TextBox 22">
+              <a:extLst>
+                <a:ext uri="{FF2B5EF4-FFF2-40B4-BE49-F238E27FC236}">
+                  <a16:creationId xmlns:a16="http://schemas.microsoft.com/office/drawing/2014/main" id="{FDFAF7E5-64FD-283B-A645-3B54996C10B8}"/>
+                </a:ext>
+              </a:extLst>
+            </p:cNvPr>
+            <p:cNvSpPr txBox="1"/>
+            <p:nvPr/>
+          </p:nvSpPr>
+          <p:spPr>
+            <a:xfrm>
+              <a:off x="11067193" y="5535197"/>
+              <a:ext cx="1319592" cy="461665"/>
+            </a:xfrm>
+            <a:prstGeom prst="rect">
+              <a:avLst/>
+            </a:prstGeom>
+            <a:noFill/>
+          </p:spPr>
+          <p:txBody>
+            <a:bodyPr wrap="none" rtlCol="0">
+              <a:spAutoFit/>
+            </a:bodyPr>
+            <a:lstStyle/>
+            <a:p>
+              <a:r>
+                <a:rPr lang="en-US" sz="2400" dirty="0">
+                  <a:latin typeface="Lato" panose="020F0502020204030203" pitchFamily="34" charset="0"/>
+                  <a:ea typeface="Lato" panose="020F0502020204030203" pitchFamily="34" charset="0"/>
+                  <a:cs typeface="Lato" panose="020F0502020204030203" pitchFamily="34" charset="0"/>
+                </a:rPr>
+                <a:t>Instance</a:t>
+              </a:r>
+              <a:endParaRPr lang="en-NL" sz="2400" dirty="0">
+                <a:latin typeface="Lato" panose="020F0502020204030203" pitchFamily="34" charset="0"/>
+                <a:ea typeface="Lato" panose="020F0502020204030203" pitchFamily="34" charset="0"/>
+                <a:cs typeface="Lato" panose="020F0502020204030203" pitchFamily="34" charset="0"/>
+              </a:endParaRPr>
+            </a:p>
+          </p:txBody>
+        </p:sp>
+        <p:cxnSp>
+          <p:nvCxnSpPr>
+            <p:cNvPr id="24" name="Straight Arrow Connector 23">
+              <a:extLst>
+                <a:ext uri="{FF2B5EF4-FFF2-40B4-BE49-F238E27FC236}">
+                  <a16:creationId xmlns:a16="http://schemas.microsoft.com/office/drawing/2014/main" id="{0AE36DBC-46E0-F858-BFF4-FC6C93CB4715}"/>
+                </a:ext>
+              </a:extLst>
+            </p:cNvPr>
+            <p:cNvCxnSpPr>
+              <a:cxnSpLocks/>
+            </p:cNvCxnSpPr>
+            <p:nvPr/>
+          </p:nvCxnSpPr>
+          <p:spPr>
+            <a:xfrm flipV="1">
+              <a:off x="9821850" y="6431574"/>
+              <a:ext cx="1465527" cy="6301"/>
+            </a:xfrm>
+            <a:prstGeom prst="straightConnector1">
+              <a:avLst/>
+            </a:prstGeom>
+            <a:ln>
+              <a:solidFill>
+                <a:schemeClr val="tx1"/>
+              </a:solidFill>
+              <a:tailEnd type="triangle"/>
+            </a:ln>
+          </p:spPr>
+          <p:style>
+            <a:lnRef idx="1">
+              <a:schemeClr val="accent1"/>
+            </a:lnRef>
+            <a:fillRef idx="0">
+              <a:schemeClr val="accent1"/>
+            </a:fillRef>
+            <a:effectRef idx="0">
+              <a:schemeClr val="accent1"/>
+            </a:effectRef>
+            <a:fontRef idx="minor">
+              <a:schemeClr val="tx1"/>
+            </a:fontRef>
+          </p:style>
+        </p:cxnSp>
+        <p:sp>
+          <p:nvSpPr>
+            <p:cNvPr id="25" name="TextBox 24">
+              <a:extLst>
+                <a:ext uri="{FF2B5EF4-FFF2-40B4-BE49-F238E27FC236}">
+                  <a16:creationId xmlns:a16="http://schemas.microsoft.com/office/drawing/2014/main" id="{FD5F0921-3ACE-DC1C-00EE-A79738128FB5}"/>
+                </a:ext>
+              </a:extLst>
+            </p:cNvPr>
+            <p:cNvSpPr txBox="1"/>
+            <p:nvPr/>
+          </p:nvSpPr>
+          <p:spPr>
+            <a:xfrm>
+              <a:off x="11351287" y="6191321"/>
+              <a:ext cx="1401089" cy="461665"/>
+            </a:xfrm>
+            <a:prstGeom prst="rect">
+              <a:avLst/>
+            </a:prstGeom>
+            <a:noFill/>
+          </p:spPr>
+          <p:txBody>
+            <a:bodyPr wrap="none" rtlCol="0">
+              <a:spAutoFit/>
+            </a:bodyPr>
+            <a:lstStyle/>
+            <a:p>
+              <a:r>
+                <a:rPr lang="en-US" sz="2400" dirty="0"/>
+                <a:t>Relations </a:t>
+              </a:r>
+              <a:endParaRPr lang="en-NL" sz="2400" dirty="0"/>
+            </a:p>
+          </p:txBody>
+        </p:sp>
+        <p:sp>
+          <p:nvSpPr>
+            <p:cNvPr id="26" name="Rectangle 25">
+              <a:extLst>
+                <a:ext uri="{FF2B5EF4-FFF2-40B4-BE49-F238E27FC236}">
+                  <a16:creationId xmlns:a16="http://schemas.microsoft.com/office/drawing/2014/main" id="{51C011AF-CC73-5DED-F987-2EA2DEF27B6E}"/>
+                </a:ext>
+              </a:extLst>
+            </p:cNvPr>
+            <p:cNvSpPr/>
+            <p:nvPr/>
+          </p:nvSpPr>
+          <p:spPr>
+            <a:xfrm>
+              <a:off x="1802818" y="5092862"/>
+              <a:ext cx="7237579" cy="1404564"/>
+            </a:xfrm>
+            <a:prstGeom prst="rect">
+              <a:avLst/>
+            </a:prstGeom>
+            <a:solidFill>
+              <a:schemeClr val="accent1">
+                <a:alpha val="14000"/>
+              </a:schemeClr>
+            </a:solidFill>
+          </p:spPr>
+          <p:style>
+            <a:lnRef idx="2">
+              <a:schemeClr val="accent1">
+                <a:shade val="15000"/>
+              </a:schemeClr>
+            </a:lnRef>
+            <a:fillRef idx="1">
+              <a:schemeClr val="accent1"/>
+            </a:fillRef>
+            <a:effectRef idx="0">
+              <a:schemeClr val="accent1"/>
+            </a:effectRef>
+            <a:fontRef idx="minor">
+              <a:schemeClr val="lt1"/>
+            </a:fontRef>
+          </p:style>
+          <p:txBody>
+            <a:bodyPr rtlCol="0" anchor="ctr"/>
+            <a:lstStyle/>
+            <a:p>
+              <a:pPr algn="ctr"/>
+              <a:endParaRPr lang="en-NL" sz="2400" dirty="0">
+                <a:latin typeface="Lato" panose="020F0502020204030203" pitchFamily="34" charset="0"/>
+                <a:ea typeface="Lato" panose="020F0502020204030203" pitchFamily="34" charset="0"/>
+                <a:cs typeface="Lato" panose="020F0502020204030203" pitchFamily="34" charset="0"/>
+              </a:endParaRPr>
+            </a:p>
+          </p:txBody>
+        </p:sp>
+      </p:grpSp>
+    </p:spTree>
+    <p:extLst>
+      <p:ext uri="{BB962C8B-B14F-4D97-AF65-F5344CB8AC3E}">
+        <p14:creationId xmlns:p14="http://schemas.microsoft.com/office/powerpoint/2010/main" val="679393436"/>
+      </p:ext>
+    </p:extLst>
+  </p:cSld>
+  <p:clrMapOvr>
+    <a:masterClrMapping/>
+  </p:clrMapOvr>
+</p:sld>
+</file>
+
+<file path=ppt/slides/slide23.xml><?xml version="1.0" encoding="utf-8"?>
+<p:sld xmlns:a="http://schemas.openxmlformats.org/drawingml/2006/main" xmlns:r="http://schemas.openxmlformats.org/officeDocument/2006/relationships" xmlns:p="http://schemas.openxmlformats.org/presentationml/2006/main" show="0">
+  <p:cSld>
+    <p:spTree>
+      <p:nvGrpSpPr>
+        <p:cNvPr id="1" name=""/>
+        <p:cNvGrpSpPr/>
+        <p:nvPr/>
+      </p:nvGrpSpPr>
+      <p:grpSpPr>
+        <a:xfrm>
+          <a:off x="0" y="0"/>
+          <a:ext cx="0" cy="0"/>
+          <a:chOff x="0" y="0"/>
+          <a:chExt cx="0" cy="0"/>
+        </a:xfrm>
+      </p:grpSpPr>
+      <p:sp>
+        <p:nvSpPr>
+          <p:cNvPr id="2" name="Title 1">
+            <a:extLst>
+              <a:ext uri="{FF2B5EF4-FFF2-40B4-BE49-F238E27FC236}">
+                <a16:creationId xmlns:a16="http://schemas.microsoft.com/office/drawing/2014/main" id="{6A7A1E55-3BCE-B872-2A10-43D33FCED5B9}"/>
+              </a:ext>
+            </a:extLst>
+          </p:cNvPr>
+          <p:cNvSpPr>
+            <a:spLocks noGrp="1"/>
+          </p:cNvSpPr>
+          <p:nvPr>
+            <p:ph type="title"/>
+          </p:nvPr>
+        </p:nvSpPr>
+        <p:spPr>
+          <a:xfrm>
+            <a:off x="187581" y="1709341"/>
+            <a:ext cx="10251600" cy="713600"/>
+          </a:xfrm>
+        </p:spPr>
+        <p:txBody>
+          <a:bodyPr>
+            <a:normAutofit/>
+          </a:bodyPr>
+          <a:lstStyle/>
+          <a:p>
+            <a:r>
+              <a:rPr lang="en-NL" dirty="0">
+                <a:latin typeface="Lato" panose="020F0502020204030203" pitchFamily="34" charset="0"/>
+                <a:ea typeface="Lato" panose="020F0502020204030203" pitchFamily="34" charset="0"/>
+                <a:cs typeface="Lato" panose="020F0502020204030203" pitchFamily="34" charset="0"/>
+              </a:rPr>
+              <a:t>Metadata schema is a Graph</a:t>
+            </a:r>
+          </a:p>
+        </p:txBody>
+      </p:sp>
+      <p:grpSp>
+        <p:nvGrpSpPr>
+          <p:cNvPr id="13" name="Group 12">
+            <a:extLst>
+              <a:ext uri="{FF2B5EF4-FFF2-40B4-BE49-F238E27FC236}">
+                <a16:creationId xmlns:a16="http://schemas.microsoft.com/office/drawing/2014/main" id="{384BDBD8-DB10-E005-72F9-0036E73D1572}"/>
+              </a:ext>
+            </a:extLst>
+          </p:cNvPr>
+          <p:cNvGrpSpPr/>
+          <p:nvPr/>
+        </p:nvGrpSpPr>
+        <p:grpSpPr>
+          <a:xfrm>
+            <a:off x="-124278" y="2920697"/>
+            <a:ext cx="12876654" cy="3732289"/>
+            <a:chOff x="-124278" y="2920697"/>
+            <a:chExt cx="12876654" cy="3732289"/>
+          </a:xfrm>
+        </p:grpSpPr>
+        <p:sp>
+          <p:nvSpPr>
+            <p:cNvPr id="22" name="Rectangle 21">
+              <a:extLst>
+                <a:ext uri="{FF2B5EF4-FFF2-40B4-BE49-F238E27FC236}">
+                  <a16:creationId xmlns:a16="http://schemas.microsoft.com/office/drawing/2014/main" id="{360136BC-F0EF-34DF-AE30-9004D34336BD}"/>
+                </a:ext>
+              </a:extLst>
+            </p:cNvPr>
+            <p:cNvSpPr/>
+            <p:nvPr/>
+          </p:nvSpPr>
+          <p:spPr>
+            <a:xfrm>
+              <a:off x="1716209" y="2920697"/>
+              <a:ext cx="7237579" cy="1404564"/>
+            </a:xfrm>
+            <a:prstGeom prst="rect">
+              <a:avLst/>
+            </a:prstGeom>
+            <a:solidFill>
+              <a:schemeClr val="accent1">
+                <a:alpha val="14000"/>
+              </a:schemeClr>
+            </a:solidFill>
+          </p:spPr>
+          <p:style>
+            <a:lnRef idx="2">
+              <a:schemeClr val="accent1">
+                <a:shade val="15000"/>
+              </a:schemeClr>
+            </a:lnRef>
+            <a:fillRef idx="1">
+              <a:schemeClr val="accent1"/>
+            </a:fillRef>
+            <a:effectRef idx="0">
+              <a:schemeClr val="accent1"/>
+            </a:effectRef>
+            <a:fontRef idx="minor">
+              <a:schemeClr val="lt1"/>
+            </a:fontRef>
+          </p:style>
+          <p:txBody>
+            <a:bodyPr rtlCol="0" anchor="ctr"/>
+            <a:lstStyle/>
+            <a:p>
+              <a:pPr algn="ctr"/>
+              <a:endParaRPr lang="en-NL" sz="2400">
+                <a:latin typeface="Lato" panose="020F0502020204030203" pitchFamily="34" charset="0"/>
+                <a:ea typeface="Lato" panose="020F0502020204030203" pitchFamily="34" charset="0"/>
+                <a:cs typeface="Lato" panose="020F0502020204030203" pitchFamily="34" charset="0"/>
+              </a:endParaRPr>
+            </a:p>
+          </p:txBody>
+        </p:sp>
+        <p:sp>
+          <p:nvSpPr>
+            <p:cNvPr id="4" name="Oval 3">
+              <a:extLst>
+                <a:ext uri="{FF2B5EF4-FFF2-40B4-BE49-F238E27FC236}">
+                  <a16:creationId xmlns:a16="http://schemas.microsoft.com/office/drawing/2014/main" id="{99304919-5425-85F6-72E7-0F284E318014}"/>
+                </a:ext>
+              </a:extLst>
+            </p:cNvPr>
+            <p:cNvSpPr/>
+            <p:nvPr/>
+          </p:nvSpPr>
+          <p:spPr>
+            <a:xfrm>
+              <a:off x="1860885" y="3157086"/>
+              <a:ext cx="1515088" cy="949692"/>
+            </a:xfrm>
+            <a:prstGeom prst="ellipse">
+              <a:avLst/>
+            </a:prstGeom>
+            <a:solidFill>
+              <a:schemeClr val="accent2"/>
+            </a:solidFill>
+          </p:spPr>
+          <p:style>
+            <a:lnRef idx="2">
+              <a:schemeClr val="accent1">
+                <a:shade val="15000"/>
+              </a:schemeClr>
+            </a:lnRef>
+            <a:fillRef idx="1">
+              <a:schemeClr val="accent1"/>
+            </a:fillRef>
+            <a:effectRef idx="0">
+              <a:schemeClr val="accent1"/>
+            </a:effectRef>
+            <a:fontRef idx="minor">
+              <a:schemeClr val="lt1"/>
+            </a:fontRef>
+          </p:style>
+          <p:txBody>
+            <a:bodyPr rtlCol="0" anchor="ctr"/>
+            <a:lstStyle/>
+            <a:p>
+              <a:pPr algn="ctr"/>
+              <a:r>
+                <a:rPr lang="en-NL" sz="2400" dirty="0">
+                  <a:latin typeface="Lato" panose="020F0502020204030203" pitchFamily="34" charset="0"/>
+                  <a:ea typeface="Lato" panose="020F0502020204030203" pitchFamily="34" charset="0"/>
+                  <a:cs typeface="Lato" panose="020F0502020204030203" pitchFamily="34" charset="0"/>
+                </a:rPr>
+                <a:t>dataset</a:t>
+              </a:r>
+            </a:p>
+          </p:txBody>
+        </p:sp>
+        <p:sp>
+          <p:nvSpPr>
+            <p:cNvPr id="5" name="Oval 4">
+              <a:extLst>
+                <a:ext uri="{FF2B5EF4-FFF2-40B4-BE49-F238E27FC236}">
+                  <a16:creationId xmlns:a16="http://schemas.microsoft.com/office/drawing/2014/main" id="{3F594B3F-0E2C-2D9B-1043-392EF3EDC469}"/>
+                </a:ext>
+              </a:extLst>
+            </p:cNvPr>
+            <p:cNvSpPr/>
+            <p:nvPr/>
+          </p:nvSpPr>
+          <p:spPr>
+            <a:xfrm>
+              <a:off x="5708851" y="3073665"/>
+              <a:ext cx="2171032" cy="1116532"/>
+            </a:xfrm>
+            <a:prstGeom prst="ellipse">
+              <a:avLst/>
+            </a:prstGeom>
+            <a:solidFill>
+              <a:schemeClr val="accent2"/>
+            </a:solidFill>
+          </p:spPr>
+          <p:style>
+            <a:lnRef idx="2">
+              <a:schemeClr val="accent1">
+                <a:shade val="15000"/>
+              </a:schemeClr>
+            </a:lnRef>
+            <a:fillRef idx="1">
+              <a:schemeClr val="accent1"/>
+            </a:fillRef>
+            <a:effectRef idx="0">
+              <a:schemeClr val="accent1"/>
+            </a:effectRef>
+            <a:fontRef idx="minor">
+              <a:schemeClr val="lt1"/>
+            </a:fontRef>
+          </p:style>
+          <p:txBody>
+            <a:bodyPr rtlCol="0" anchor="ctr"/>
+            <a:lstStyle/>
+            <a:p>
+              <a:pPr algn="ctr"/>
+              <a:r>
+                <a:rPr lang="en-GB" sz="2400" dirty="0">
+                  <a:latin typeface="Lato" panose="020F0502020204030203" pitchFamily="34" charset="0"/>
+                  <a:ea typeface="Lato" panose="020F0502020204030203" pitchFamily="34" charset="0"/>
+                  <a:cs typeface="Lato" panose="020F0502020204030203" pitchFamily="34" charset="0"/>
+                </a:rPr>
+                <a:t>I</a:t>
+              </a:r>
+              <a:r>
+                <a:rPr lang="en-NL" sz="2400" dirty="0">
+                  <a:latin typeface="Lato" panose="020F0502020204030203" pitchFamily="34" charset="0"/>
+                  <a:ea typeface="Lato" panose="020F0502020204030203" pitchFamily="34" charset="0"/>
+                  <a:cs typeface="Lato" panose="020F0502020204030203" pitchFamily="34" charset="0"/>
+                </a:rPr>
+                <a:t>mage modality</a:t>
+              </a:r>
+            </a:p>
+          </p:txBody>
+        </p:sp>
+        <p:cxnSp>
+          <p:nvCxnSpPr>
+            <p:cNvPr id="7" name="Straight Arrow Connector 6">
+              <a:extLst>
+                <a:ext uri="{FF2B5EF4-FFF2-40B4-BE49-F238E27FC236}">
+                  <a16:creationId xmlns:a16="http://schemas.microsoft.com/office/drawing/2014/main" id="{1FF3B1F6-42CC-9D7E-F146-5EF602881B11}"/>
+                </a:ext>
+              </a:extLst>
+            </p:cNvPr>
+            <p:cNvCxnSpPr>
+              <a:cxnSpLocks/>
+              <a:stCxn id="4" idx="6"/>
+              <a:endCxn id="5" idx="2"/>
+            </p:cNvCxnSpPr>
+            <p:nvPr/>
+          </p:nvCxnSpPr>
+          <p:spPr>
+            <a:xfrm flipV="1">
+              <a:off x="3375973" y="3631931"/>
+              <a:ext cx="2332878" cy="1"/>
+            </a:xfrm>
+            <a:prstGeom prst="straightConnector1">
+              <a:avLst/>
+            </a:prstGeom>
+            <a:ln>
+              <a:solidFill>
+                <a:schemeClr val="tx1"/>
+              </a:solidFill>
+              <a:tailEnd type="triangle"/>
+            </a:ln>
+          </p:spPr>
+          <p:style>
+            <a:lnRef idx="1">
+              <a:schemeClr val="accent1"/>
+            </a:lnRef>
+            <a:fillRef idx="0">
+              <a:schemeClr val="accent1"/>
+            </a:fillRef>
+            <a:effectRef idx="0">
+              <a:schemeClr val="accent1"/>
+            </a:effectRef>
+            <a:fontRef idx="minor">
+              <a:schemeClr val="tx1"/>
+            </a:fontRef>
+          </p:style>
+        </p:cxnSp>
+        <p:sp>
+          <p:nvSpPr>
+            <p:cNvPr id="8" name="TextBox 7">
+              <a:extLst>
+                <a:ext uri="{FF2B5EF4-FFF2-40B4-BE49-F238E27FC236}">
+                  <a16:creationId xmlns:a16="http://schemas.microsoft.com/office/drawing/2014/main" id="{E8E73F4A-13B5-1415-15CB-FA031B84C78A}"/>
+                </a:ext>
+              </a:extLst>
+            </p:cNvPr>
+            <p:cNvSpPr txBox="1"/>
+            <p:nvPr/>
+          </p:nvSpPr>
+          <p:spPr>
+            <a:xfrm>
+              <a:off x="3815976" y="3248073"/>
+              <a:ext cx="2051725" cy="461665"/>
+            </a:xfrm>
+            <a:prstGeom prst="rect">
+              <a:avLst/>
+            </a:prstGeom>
+            <a:noFill/>
+          </p:spPr>
+          <p:txBody>
+            <a:bodyPr wrap="square" rtlCol="0">
+              <a:spAutoFit/>
+            </a:bodyPr>
+            <a:lstStyle/>
+            <a:p>
+              <a:r>
+                <a:rPr lang="en-NL" sz="2400" dirty="0">
+                  <a:latin typeface="Lato" panose="020F0502020204030203" pitchFamily="34" charset="0"/>
+                  <a:ea typeface="Lato" panose="020F0502020204030203" pitchFamily="34" charset="0"/>
+                  <a:cs typeface="Lato" panose="020F0502020204030203" pitchFamily="34" charset="0"/>
+                </a:rPr>
+                <a:t>modality</a:t>
+              </a:r>
+            </a:p>
+          </p:txBody>
+        </p:sp>
+        <p:sp>
+          <p:nvSpPr>
+            <p:cNvPr id="9" name="Oval 8">
+              <a:extLst>
+                <a:ext uri="{FF2B5EF4-FFF2-40B4-BE49-F238E27FC236}">
+                  <a16:creationId xmlns:a16="http://schemas.microsoft.com/office/drawing/2014/main" id="{4DFAD67E-0336-7EB2-B92A-BB426900C79D}"/>
+                </a:ext>
+              </a:extLst>
+            </p:cNvPr>
+            <p:cNvSpPr/>
+            <p:nvPr/>
+          </p:nvSpPr>
+          <p:spPr>
+            <a:xfrm>
+              <a:off x="1860884" y="5158259"/>
+              <a:ext cx="1540043" cy="949692"/>
+            </a:xfrm>
+            <a:prstGeom prst="ellipse">
+              <a:avLst/>
+            </a:prstGeom>
+            <a:solidFill>
+              <a:schemeClr val="accent5">
+                <a:lumMod val="20000"/>
+                <a:lumOff val="80000"/>
+              </a:schemeClr>
+            </a:solidFill>
+          </p:spPr>
+          <p:style>
+            <a:lnRef idx="2">
+              <a:schemeClr val="accent1">
+                <a:shade val="15000"/>
+              </a:schemeClr>
+            </a:lnRef>
+            <a:fillRef idx="1">
+              <a:schemeClr val="accent1"/>
+            </a:fillRef>
+            <a:effectRef idx="0">
+              <a:schemeClr val="accent1"/>
+            </a:effectRef>
+            <a:fontRef idx="minor">
+              <a:schemeClr val="lt1"/>
+            </a:fontRef>
+          </p:style>
+          <p:txBody>
+            <a:bodyPr rtlCol="0" anchor="ctr"/>
+            <a:lstStyle/>
+            <a:p>
+              <a:pPr algn="ctr"/>
+              <a:r>
+                <a:rPr lang="en-GB" sz="2400" dirty="0">
+                  <a:latin typeface="Lato" panose="020F0502020204030203" pitchFamily="34" charset="0"/>
+                  <a:ea typeface="Lato" panose="020F0502020204030203" pitchFamily="34" charset="0"/>
+                  <a:cs typeface="Lato" panose="020F0502020204030203" pitchFamily="34" charset="0"/>
+                </a:rPr>
+                <a:t>C</a:t>
+              </a:r>
+              <a:r>
+                <a:rPr lang="en-NL" sz="2400" dirty="0">
+                  <a:latin typeface="Lato" panose="020F0502020204030203" pitchFamily="34" charset="0"/>
+                  <a:ea typeface="Lato" panose="020F0502020204030203" pitchFamily="34" charset="0"/>
+                  <a:cs typeface="Lato" panose="020F0502020204030203" pitchFamily="34" charset="0"/>
+                </a:rPr>
+                <a:t>ol-1</a:t>
+              </a:r>
+            </a:p>
+          </p:txBody>
+        </p:sp>
+        <p:cxnSp>
+          <p:nvCxnSpPr>
+            <p:cNvPr id="10" name="Straight Arrow Connector 9">
+              <a:extLst>
+                <a:ext uri="{FF2B5EF4-FFF2-40B4-BE49-F238E27FC236}">
+                  <a16:creationId xmlns:a16="http://schemas.microsoft.com/office/drawing/2014/main" id="{54BC6067-0780-F0D9-FC89-2A6C7544BF31}"/>
+                </a:ext>
+              </a:extLst>
+            </p:cNvPr>
+            <p:cNvCxnSpPr>
+              <a:cxnSpLocks/>
+              <a:stCxn id="9" idx="0"/>
+              <a:endCxn id="4" idx="4"/>
+            </p:cNvCxnSpPr>
+            <p:nvPr/>
+          </p:nvCxnSpPr>
+          <p:spPr>
+            <a:xfrm flipH="1" flipV="1">
+              <a:off x="2618429" y="4106778"/>
+              <a:ext cx="12477" cy="1051481"/>
+            </a:xfrm>
+            <a:prstGeom prst="straightConnector1">
+              <a:avLst/>
+            </a:prstGeom>
+            <a:ln>
+              <a:tailEnd type="triangle"/>
+            </a:ln>
+          </p:spPr>
+          <p:style>
+            <a:lnRef idx="1">
+              <a:schemeClr val="accent1"/>
+            </a:lnRef>
+            <a:fillRef idx="0">
+              <a:schemeClr val="accent1"/>
+            </a:fillRef>
+            <a:effectRef idx="0">
+              <a:schemeClr val="accent1"/>
+            </a:effectRef>
+            <a:fontRef idx="minor">
+              <a:schemeClr val="tx1"/>
+            </a:fontRef>
+          </p:style>
+        </p:cxnSp>
+        <p:sp>
+          <p:nvSpPr>
+            <p:cNvPr id="15" name="TextBox 14">
+              <a:extLst>
+                <a:ext uri="{FF2B5EF4-FFF2-40B4-BE49-F238E27FC236}">
+                  <a16:creationId xmlns:a16="http://schemas.microsoft.com/office/drawing/2014/main" id="{1A94D932-EC48-7923-BBBD-7A3D9BE481FF}"/>
+                </a:ext>
+              </a:extLst>
+            </p:cNvPr>
+            <p:cNvSpPr txBox="1"/>
+            <p:nvPr/>
+          </p:nvSpPr>
+          <p:spPr>
+            <a:xfrm>
+              <a:off x="6288546" y="4431841"/>
+              <a:ext cx="2051725" cy="461665"/>
+            </a:xfrm>
+            <a:prstGeom prst="rect">
+              <a:avLst/>
+            </a:prstGeom>
+            <a:noFill/>
+          </p:spPr>
+          <p:txBody>
+            <a:bodyPr wrap="square" rtlCol="0">
+              <a:spAutoFit/>
+            </a:bodyPr>
+            <a:lstStyle/>
+            <a:p>
+              <a:r>
+                <a:rPr lang="en-GB" sz="2400" dirty="0">
+                  <a:latin typeface="Lato" panose="020F0502020204030203" pitchFamily="34" charset="0"/>
+                  <a:ea typeface="Lato" panose="020F0502020204030203" pitchFamily="34" charset="0"/>
+                  <a:cs typeface="Lato" panose="020F0502020204030203" pitchFamily="34" charset="0"/>
+                </a:rPr>
+                <a:t>r</a:t>
+              </a:r>
+              <a:r>
+                <a:rPr lang="en-NL" sz="2400" dirty="0">
+                  <a:latin typeface="Lato" panose="020F0502020204030203" pitchFamily="34" charset="0"/>
+                  <a:ea typeface="Lato" panose="020F0502020204030203" pitchFamily="34" charset="0"/>
+                  <a:cs typeface="Lato" panose="020F0502020204030203" pitchFamily="34" charset="0"/>
+                </a:rPr>
+                <a:t>df:type</a:t>
+              </a:r>
+            </a:p>
+          </p:txBody>
+        </p:sp>
+        <p:sp>
+          <p:nvSpPr>
+            <p:cNvPr id="17" name="Oval 16">
+              <a:extLst>
+                <a:ext uri="{FF2B5EF4-FFF2-40B4-BE49-F238E27FC236}">
+                  <a16:creationId xmlns:a16="http://schemas.microsoft.com/office/drawing/2014/main" id="{6C46C4E5-EAA3-A1E7-E214-B0E2BCB1D405}"/>
+                </a:ext>
+              </a:extLst>
+            </p:cNvPr>
+            <p:cNvSpPr/>
+            <p:nvPr/>
+          </p:nvSpPr>
+          <p:spPr>
+            <a:xfrm>
+              <a:off x="5738321" y="5265537"/>
+              <a:ext cx="2546903" cy="949692"/>
+            </a:xfrm>
+            <a:prstGeom prst="ellipse">
+              <a:avLst/>
+            </a:prstGeom>
+            <a:solidFill>
+              <a:schemeClr val="accent5">
+                <a:lumMod val="20000"/>
+                <a:lumOff val="80000"/>
+              </a:schemeClr>
+            </a:solidFill>
+          </p:spPr>
+          <p:style>
+            <a:lnRef idx="2">
+              <a:schemeClr val="accent1">
+                <a:shade val="15000"/>
+              </a:schemeClr>
+            </a:lnRef>
+            <a:fillRef idx="1">
+              <a:schemeClr val="accent1"/>
+            </a:fillRef>
+            <a:effectRef idx="0">
+              <a:schemeClr val="accent1"/>
+            </a:effectRef>
+            <a:fontRef idx="minor">
+              <a:schemeClr val="lt1"/>
+            </a:fontRef>
+          </p:style>
+          <p:txBody>
+            <a:bodyPr rtlCol="0" anchor="ctr"/>
+            <a:lstStyle/>
+            <a:p>
+              <a:pPr algn="ctr"/>
+              <a:r>
+                <a:rPr lang="en-NL" sz="2400" dirty="0">
+                  <a:latin typeface="Lato" panose="020F0502020204030203" pitchFamily="34" charset="0"/>
+                  <a:ea typeface="Lato" panose="020F0502020204030203" pitchFamily="34" charset="0"/>
+                  <a:cs typeface="Lato" panose="020F0502020204030203" pitchFamily="34" charset="0"/>
+                </a:rPr>
+                <a:t>Mamography</a:t>
+              </a:r>
+            </a:p>
+          </p:txBody>
+        </p:sp>
+        <p:cxnSp>
+          <p:nvCxnSpPr>
+            <p:cNvPr id="18" name="Straight Arrow Connector 17">
+              <a:extLst>
+                <a:ext uri="{FF2B5EF4-FFF2-40B4-BE49-F238E27FC236}">
+                  <a16:creationId xmlns:a16="http://schemas.microsoft.com/office/drawing/2014/main" id="{75A9D0AA-013F-2094-B2B5-AC57B347E95D}"/>
+                </a:ext>
+              </a:extLst>
+            </p:cNvPr>
+            <p:cNvCxnSpPr>
+              <a:cxnSpLocks/>
+            </p:cNvCxnSpPr>
+            <p:nvPr/>
+          </p:nvCxnSpPr>
+          <p:spPr>
+            <a:xfrm flipV="1">
+              <a:off x="6877904" y="4190197"/>
+              <a:ext cx="0" cy="1051481"/>
+            </a:xfrm>
+            <a:prstGeom prst="straightConnector1">
+              <a:avLst/>
+            </a:prstGeom>
+            <a:ln>
+              <a:tailEnd type="triangle"/>
+            </a:ln>
+          </p:spPr>
+          <p:style>
+            <a:lnRef idx="1">
+              <a:schemeClr val="accent1"/>
+            </a:lnRef>
+            <a:fillRef idx="0">
+              <a:schemeClr val="accent1"/>
+            </a:fillRef>
+            <a:effectRef idx="0">
+              <a:schemeClr val="accent1"/>
+            </a:effectRef>
+            <a:fontRef idx="minor">
+              <a:schemeClr val="tx1"/>
+            </a:fontRef>
+          </p:style>
+        </p:cxnSp>
+        <p:sp>
+          <p:nvSpPr>
+            <p:cNvPr id="19" name="TextBox 18">
+              <a:extLst>
+                <a:ext uri="{FF2B5EF4-FFF2-40B4-BE49-F238E27FC236}">
+                  <a16:creationId xmlns:a16="http://schemas.microsoft.com/office/drawing/2014/main" id="{DCACB125-D285-4387-3551-C66893866646}"/>
+                </a:ext>
+              </a:extLst>
+            </p:cNvPr>
+            <p:cNvSpPr txBox="1"/>
+            <p:nvPr/>
+          </p:nvSpPr>
+          <p:spPr>
+            <a:xfrm>
+              <a:off x="2375064" y="4478229"/>
+              <a:ext cx="2051725" cy="461665"/>
+            </a:xfrm>
+            <a:prstGeom prst="rect">
+              <a:avLst/>
+            </a:prstGeom>
+            <a:noFill/>
+          </p:spPr>
+          <p:txBody>
+            <a:bodyPr wrap="square" rtlCol="0">
+              <a:spAutoFit/>
+            </a:bodyPr>
+            <a:lstStyle/>
+            <a:p>
+              <a:r>
+                <a:rPr lang="en-GB" sz="2400" dirty="0">
+                  <a:latin typeface="Lato" panose="020F0502020204030203" pitchFamily="34" charset="0"/>
+                  <a:ea typeface="Lato" panose="020F0502020204030203" pitchFamily="34" charset="0"/>
+                  <a:cs typeface="Lato" panose="020F0502020204030203" pitchFamily="34" charset="0"/>
+                </a:rPr>
+                <a:t>r</a:t>
+              </a:r>
+              <a:r>
+                <a:rPr lang="en-NL" sz="2400" dirty="0">
+                  <a:latin typeface="Lato" panose="020F0502020204030203" pitchFamily="34" charset="0"/>
+                  <a:ea typeface="Lato" panose="020F0502020204030203" pitchFamily="34" charset="0"/>
+                  <a:cs typeface="Lato" panose="020F0502020204030203" pitchFamily="34" charset="0"/>
+                </a:rPr>
+                <a:t>df:type</a:t>
+              </a:r>
+            </a:p>
+          </p:txBody>
+        </p:sp>
+        <p:sp>
+          <p:nvSpPr>
+            <p:cNvPr id="20" name="TextBox 19">
+              <a:extLst>
+                <a:ext uri="{FF2B5EF4-FFF2-40B4-BE49-F238E27FC236}">
+                  <a16:creationId xmlns:a16="http://schemas.microsoft.com/office/drawing/2014/main" id="{CFF5C808-81B1-1546-1802-808E137ED569}"/>
+                </a:ext>
+              </a:extLst>
+            </p:cNvPr>
+            <p:cNvSpPr txBox="1"/>
+            <p:nvPr/>
+          </p:nvSpPr>
+          <p:spPr>
+            <a:xfrm>
+              <a:off x="3686595" y="5232499"/>
+              <a:ext cx="2051725" cy="830997"/>
+            </a:xfrm>
+            <a:prstGeom prst="rect">
+              <a:avLst/>
+            </a:prstGeom>
+            <a:noFill/>
+          </p:spPr>
+          <p:txBody>
+            <a:bodyPr wrap="square" rtlCol="0">
+              <a:spAutoFit/>
+            </a:bodyPr>
+            <a:lstStyle/>
+            <a:p>
+              <a:r>
+                <a:rPr lang="en-NL" sz="2400" dirty="0">
+                  <a:latin typeface="Lato" panose="020F0502020204030203" pitchFamily="34" charset="0"/>
+                  <a:ea typeface="Lato" panose="020F0502020204030203" pitchFamily="34" charset="0"/>
+                  <a:cs typeface="Lato" panose="020F0502020204030203" pitchFamily="34" charset="0"/>
+                </a:rPr>
+                <a:t>hasDistribution</a:t>
+              </a:r>
+            </a:p>
+          </p:txBody>
+        </p:sp>
+        <p:cxnSp>
+          <p:nvCxnSpPr>
+            <p:cNvPr id="21" name="Straight Arrow Connector 20">
+              <a:extLst>
+                <a:ext uri="{FF2B5EF4-FFF2-40B4-BE49-F238E27FC236}">
+                  <a16:creationId xmlns:a16="http://schemas.microsoft.com/office/drawing/2014/main" id="{F24FBDF8-E624-14DC-8110-CC7AAD1FC9B6}"/>
+                </a:ext>
+              </a:extLst>
+            </p:cNvPr>
+            <p:cNvCxnSpPr/>
+            <p:nvPr/>
+          </p:nvCxnSpPr>
+          <p:spPr>
+            <a:xfrm>
+              <a:off x="3490763" y="5642869"/>
+              <a:ext cx="2218088" cy="1"/>
+            </a:xfrm>
+            <a:prstGeom prst="straightConnector1">
+              <a:avLst/>
+            </a:prstGeom>
+            <a:ln>
+              <a:solidFill>
+                <a:schemeClr val="tx1"/>
+              </a:solidFill>
+              <a:tailEnd type="triangle"/>
+            </a:ln>
+          </p:spPr>
+          <p:style>
+            <a:lnRef idx="1">
+              <a:schemeClr val="accent1"/>
+            </a:lnRef>
+            <a:fillRef idx="0">
+              <a:schemeClr val="accent1"/>
+            </a:fillRef>
+            <a:effectRef idx="0">
+              <a:schemeClr val="accent1"/>
+            </a:effectRef>
+            <a:fontRef idx="minor">
+              <a:schemeClr val="tx1"/>
+            </a:fontRef>
+          </p:style>
+        </p:cxnSp>
+        <p:sp>
+          <p:nvSpPr>
+            <p:cNvPr id="24" name="TextBox 23">
+              <a:extLst>
+                <a:ext uri="{FF2B5EF4-FFF2-40B4-BE49-F238E27FC236}">
+                  <a16:creationId xmlns:a16="http://schemas.microsoft.com/office/drawing/2014/main" id="{A41A468B-81DD-F32E-3404-352EA51B6046}"/>
+                </a:ext>
+              </a:extLst>
+            </p:cNvPr>
+            <p:cNvSpPr txBox="1"/>
+            <p:nvPr/>
+          </p:nvSpPr>
+          <p:spPr>
+            <a:xfrm>
+              <a:off x="-124278" y="5360324"/>
+              <a:ext cx="1973617" cy="830997"/>
+            </a:xfrm>
+            <a:prstGeom prst="rect">
+              <a:avLst/>
+            </a:prstGeom>
+            <a:noFill/>
+          </p:spPr>
+          <p:txBody>
+            <a:bodyPr wrap="none" rtlCol="0">
+              <a:spAutoFit/>
+            </a:bodyPr>
+            <a:lstStyle/>
+            <a:p>
+              <a:r>
+                <a:rPr lang="en-GB" sz="2400" dirty="0">
+                  <a:latin typeface="Lato" panose="020F0502020204030203" pitchFamily="34" charset="0"/>
+                  <a:ea typeface="Lato" panose="020F0502020204030203" pitchFamily="34" charset="0"/>
+                  <a:cs typeface="Lato" panose="020F0502020204030203" pitchFamily="34" charset="0"/>
+                </a:rPr>
+                <a:t>I</a:t>
+              </a:r>
+              <a:r>
+                <a:rPr lang="en-NL" sz="2400" dirty="0">
+                  <a:latin typeface="Lato" panose="020F0502020204030203" pitchFamily="34" charset="0"/>
+                  <a:ea typeface="Lato" panose="020F0502020204030203" pitchFamily="34" charset="0"/>
+                  <a:cs typeface="Lato" panose="020F0502020204030203" pitchFamily="34" charset="0"/>
+                </a:rPr>
+                <a:t>nstance of </a:t>
+              </a:r>
+            </a:p>
+            <a:p>
+              <a:r>
+                <a:rPr lang="en-NL" sz="2400" dirty="0">
+                  <a:latin typeface="Lato" panose="020F0502020204030203" pitchFamily="34" charset="0"/>
+                  <a:ea typeface="Lato" panose="020F0502020204030203" pitchFamily="34" charset="0"/>
+                  <a:cs typeface="Lato" panose="020F0502020204030203" pitchFamily="34" charset="0"/>
+                </a:rPr>
+                <a:t>the metadata</a:t>
+              </a:r>
+            </a:p>
+          </p:txBody>
+        </p:sp>
+        <p:sp>
+          <p:nvSpPr>
+            <p:cNvPr id="25" name="TextBox 24">
+              <a:extLst>
+                <a:ext uri="{FF2B5EF4-FFF2-40B4-BE49-F238E27FC236}">
+                  <a16:creationId xmlns:a16="http://schemas.microsoft.com/office/drawing/2014/main" id="{2558D3B1-85D1-EC4E-0A4D-5607772DD758}"/>
+                </a:ext>
+              </a:extLst>
+            </p:cNvPr>
+            <p:cNvSpPr txBox="1"/>
+            <p:nvPr/>
+          </p:nvSpPr>
+          <p:spPr>
+            <a:xfrm>
+              <a:off x="0" y="3318626"/>
+              <a:ext cx="1483098" cy="830997"/>
+            </a:xfrm>
+            <a:prstGeom prst="rect">
+              <a:avLst/>
+            </a:prstGeom>
+            <a:noFill/>
+          </p:spPr>
+          <p:txBody>
+            <a:bodyPr wrap="none" rtlCol="0">
+              <a:spAutoFit/>
+            </a:bodyPr>
+            <a:lstStyle/>
+            <a:p>
+              <a:r>
+                <a:rPr lang="en-GB" sz="2400" dirty="0">
+                  <a:latin typeface="Lato" panose="020F0502020204030203" pitchFamily="34" charset="0"/>
+                  <a:ea typeface="Lato" panose="020F0502020204030203" pitchFamily="34" charset="0"/>
+                  <a:cs typeface="Lato" panose="020F0502020204030203" pitchFamily="34" charset="0"/>
+                </a:rPr>
+                <a:t>M</a:t>
+              </a:r>
+              <a:r>
+                <a:rPr lang="en-NL" sz="2400" dirty="0">
+                  <a:latin typeface="Lato" panose="020F0502020204030203" pitchFamily="34" charset="0"/>
+                  <a:ea typeface="Lato" panose="020F0502020204030203" pitchFamily="34" charset="0"/>
+                  <a:cs typeface="Lato" panose="020F0502020204030203" pitchFamily="34" charset="0"/>
+                </a:rPr>
+                <a:t>etadata</a:t>
+              </a:r>
+            </a:p>
+            <a:p>
+              <a:r>
+                <a:rPr lang="en-NL" sz="2400" dirty="0">
+                  <a:latin typeface="Lato" panose="020F0502020204030203" pitchFamily="34" charset="0"/>
+                  <a:ea typeface="Lato" panose="020F0502020204030203" pitchFamily="34" charset="0"/>
+                  <a:cs typeface="Lato" panose="020F0502020204030203" pitchFamily="34" charset="0"/>
+                </a:rPr>
+                <a:t> model </a:t>
+              </a:r>
+            </a:p>
+          </p:txBody>
+        </p:sp>
+        <p:sp>
+          <p:nvSpPr>
+            <p:cNvPr id="26" name="Oval 25">
+              <a:extLst>
+                <a:ext uri="{FF2B5EF4-FFF2-40B4-BE49-F238E27FC236}">
+                  <a16:creationId xmlns:a16="http://schemas.microsoft.com/office/drawing/2014/main" id="{2E6D54E8-FFE1-7FE7-BF7D-1CC9F91A6A31}"/>
+                </a:ext>
+              </a:extLst>
+            </p:cNvPr>
+            <p:cNvSpPr/>
+            <p:nvPr/>
+          </p:nvSpPr>
+          <p:spPr>
+            <a:xfrm>
+              <a:off x="9816936" y="4321979"/>
+              <a:ext cx="1201760" cy="880908"/>
+            </a:xfrm>
+            <a:prstGeom prst="ellipse">
+              <a:avLst/>
+            </a:prstGeom>
+            <a:solidFill>
+              <a:schemeClr val="accent2"/>
+            </a:solidFill>
+          </p:spPr>
+          <p:style>
+            <a:lnRef idx="2">
+              <a:schemeClr val="accent1">
+                <a:shade val="15000"/>
+              </a:schemeClr>
+            </a:lnRef>
+            <a:fillRef idx="1">
+              <a:schemeClr val="accent1"/>
+            </a:fillRef>
+            <a:effectRef idx="0">
+              <a:schemeClr val="accent1"/>
+            </a:effectRef>
+            <a:fontRef idx="minor">
+              <a:schemeClr val="lt1"/>
+            </a:fontRef>
+          </p:style>
+          <p:txBody>
+            <a:bodyPr rtlCol="0" anchor="ctr"/>
+            <a:lstStyle/>
+            <a:p>
+              <a:pPr algn="ctr"/>
+              <a:endParaRPr lang="en-NL" sz="2400" dirty="0">
+                <a:latin typeface="Lato" panose="020F0502020204030203" pitchFamily="34" charset="0"/>
+                <a:ea typeface="Lato" panose="020F0502020204030203" pitchFamily="34" charset="0"/>
+                <a:cs typeface="Lato" panose="020F0502020204030203" pitchFamily="34" charset="0"/>
+              </a:endParaRPr>
+            </a:p>
+          </p:txBody>
+        </p:sp>
+        <p:sp>
+          <p:nvSpPr>
+            <p:cNvPr id="28" name="Oval 27">
+              <a:extLst>
+                <a:ext uri="{FF2B5EF4-FFF2-40B4-BE49-F238E27FC236}">
+                  <a16:creationId xmlns:a16="http://schemas.microsoft.com/office/drawing/2014/main" id="{1B3B99AD-9694-C63E-29A2-047510612917}"/>
+                </a:ext>
+              </a:extLst>
+            </p:cNvPr>
+            <p:cNvSpPr/>
+            <p:nvPr/>
+          </p:nvSpPr>
+          <p:spPr>
+            <a:xfrm>
+              <a:off x="9838301" y="5303126"/>
+              <a:ext cx="1201760" cy="949692"/>
+            </a:xfrm>
+            <a:prstGeom prst="ellipse">
+              <a:avLst/>
+            </a:prstGeom>
+            <a:solidFill>
+              <a:schemeClr val="accent5">
+                <a:lumMod val="20000"/>
+                <a:lumOff val="80000"/>
+              </a:schemeClr>
+            </a:solidFill>
+          </p:spPr>
+          <p:style>
+            <a:lnRef idx="2">
+              <a:schemeClr val="accent1">
+                <a:shade val="15000"/>
+              </a:schemeClr>
+            </a:lnRef>
+            <a:fillRef idx="1">
+              <a:schemeClr val="accent1"/>
+            </a:fillRef>
+            <a:effectRef idx="0">
+              <a:schemeClr val="accent1"/>
+            </a:effectRef>
+            <a:fontRef idx="minor">
+              <a:schemeClr val="lt1"/>
+            </a:fontRef>
+          </p:style>
+          <p:txBody>
+            <a:bodyPr rtlCol="0" anchor="ctr"/>
+            <a:lstStyle/>
+            <a:p>
+              <a:pPr algn="ctr"/>
+              <a:endParaRPr lang="en-NL" sz="2400" dirty="0">
+                <a:latin typeface="Lato" panose="020F0502020204030203" pitchFamily="34" charset="0"/>
+                <a:ea typeface="Lato" panose="020F0502020204030203" pitchFamily="34" charset="0"/>
+                <a:cs typeface="Lato" panose="020F0502020204030203" pitchFamily="34" charset="0"/>
+              </a:endParaRPr>
+            </a:p>
+          </p:txBody>
+        </p:sp>
+        <p:sp>
+          <p:nvSpPr>
+            <p:cNvPr id="29" name="TextBox 28">
+              <a:extLst>
+                <a:ext uri="{FF2B5EF4-FFF2-40B4-BE49-F238E27FC236}">
+                  <a16:creationId xmlns:a16="http://schemas.microsoft.com/office/drawing/2014/main" id="{6BAD4D12-7D0E-D742-356F-45DF7CE5AE14}"/>
+                </a:ext>
+              </a:extLst>
+            </p:cNvPr>
+            <p:cNvSpPr txBox="1"/>
+            <p:nvPr/>
+          </p:nvSpPr>
+          <p:spPr>
+            <a:xfrm>
+              <a:off x="11124904" y="4510484"/>
+              <a:ext cx="1090363" cy="461665"/>
+            </a:xfrm>
+            <a:prstGeom prst="rect">
+              <a:avLst/>
+            </a:prstGeom>
+            <a:noFill/>
+          </p:spPr>
+          <p:txBody>
+            <a:bodyPr wrap="none" rtlCol="0">
+              <a:spAutoFit/>
+            </a:bodyPr>
+            <a:lstStyle/>
+            <a:p>
+              <a:r>
+                <a:rPr lang="en-US" sz="2400" dirty="0">
+                  <a:latin typeface="Lato" panose="020F0502020204030203" pitchFamily="34" charset="0"/>
+                  <a:ea typeface="Lato" panose="020F0502020204030203" pitchFamily="34" charset="0"/>
+                  <a:cs typeface="Lato" panose="020F0502020204030203" pitchFamily="34" charset="0"/>
+                </a:rPr>
+                <a:t>CLASS</a:t>
+              </a:r>
+              <a:endParaRPr lang="en-NL" sz="2400" dirty="0">
+                <a:latin typeface="Lato" panose="020F0502020204030203" pitchFamily="34" charset="0"/>
+                <a:ea typeface="Lato" panose="020F0502020204030203" pitchFamily="34" charset="0"/>
+                <a:cs typeface="Lato" panose="020F0502020204030203" pitchFamily="34" charset="0"/>
+              </a:endParaRPr>
+            </a:p>
+          </p:txBody>
+        </p:sp>
+        <p:sp>
+          <p:nvSpPr>
+            <p:cNvPr id="30" name="TextBox 29">
+              <a:extLst>
+                <a:ext uri="{FF2B5EF4-FFF2-40B4-BE49-F238E27FC236}">
+                  <a16:creationId xmlns:a16="http://schemas.microsoft.com/office/drawing/2014/main" id="{1DD3A3C7-346E-A590-A46A-3617A86386A2}"/>
+                </a:ext>
+              </a:extLst>
+            </p:cNvPr>
+            <p:cNvSpPr txBox="1"/>
+            <p:nvPr/>
+          </p:nvSpPr>
+          <p:spPr>
+            <a:xfrm>
+              <a:off x="11067193" y="5535197"/>
+              <a:ext cx="1319592" cy="461665"/>
+            </a:xfrm>
+            <a:prstGeom prst="rect">
+              <a:avLst/>
+            </a:prstGeom>
+            <a:noFill/>
+          </p:spPr>
+          <p:txBody>
+            <a:bodyPr wrap="none" rtlCol="0">
+              <a:spAutoFit/>
+            </a:bodyPr>
+            <a:lstStyle/>
+            <a:p>
+              <a:r>
+                <a:rPr lang="en-US" sz="2400" dirty="0">
+                  <a:latin typeface="Lato" panose="020F0502020204030203" pitchFamily="34" charset="0"/>
+                  <a:ea typeface="Lato" panose="020F0502020204030203" pitchFamily="34" charset="0"/>
+                  <a:cs typeface="Lato" panose="020F0502020204030203" pitchFamily="34" charset="0"/>
+                </a:rPr>
+                <a:t>Instance</a:t>
+              </a:r>
+              <a:endParaRPr lang="en-NL" sz="2400" dirty="0">
+                <a:latin typeface="Lato" panose="020F0502020204030203" pitchFamily="34" charset="0"/>
+                <a:ea typeface="Lato" panose="020F0502020204030203" pitchFamily="34" charset="0"/>
+                <a:cs typeface="Lato" panose="020F0502020204030203" pitchFamily="34" charset="0"/>
+              </a:endParaRPr>
+            </a:p>
+          </p:txBody>
+        </p:sp>
+        <p:cxnSp>
+          <p:nvCxnSpPr>
+            <p:cNvPr id="31" name="Straight Arrow Connector 30">
+              <a:extLst>
+                <a:ext uri="{FF2B5EF4-FFF2-40B4-BE49-F238E27FC236}">
+                  <a16:creationId xmlns:a16="http://schemas.microsoft.com/office/drawing/2014/main" id="{80E4195E-972A-9986-DDC8-E0D3FFEF8CB8}"/>
+                </a:ext>
+              </a:extLst>
+            </p:cNvPr>
+            <p:cNvCxnSpPr>
+              <a:cxnSpLocks/>
+            </p:cNvCxnSpPr>
+            <p:nvPr/>
+          </p:nvCxnSpPr>
+          <p:spPr>
+            <a:xfrm flipV="1">
+              <a:off x="9821850" y="6431574"/>
+              <a:ext cx="1465527" cy="6301"/>
+            </a:xfrm>
+            <a:prstGeom prst="straightConnector1">
+              <a:avLst/>
+            </a:prstGeom>
+            <a:ln>
+              <a:solidFill>
+                <a:schemeClr val="tx1"/>
+              </a:solidFill>
+              <a:tailEnd type="triangle"/>
+            </a:ln>
+          </p:spPr>
+          <p:style>
+            <a:lnRef idx="1">
+              <a:schemeClr val="accent1"/>
+            </a:lnRef>
+            <a:fillRef idx="0">
+              <a:schemeClr val="accent1"/>
+            </a:fillRef>
+            <a:effectRef idx="0">
+              <a:schemeClr val="accent1"/>
+            </a:effectRef>
+            <a:fontRef idx="minor">
+              <a:schemeClr val="tx1"/>
+            </a:fontRef>
+          </p:style>
+        </p:cxnSp>
+        <p:sp>
+          <p:nvSpPr>
+            <p:cNvPr id="33" name="TextBox 32">
+              <a:extLst>
+                <a:ext uri="{FF2B5EF4-FFF2-40B4-BE49-F238E27FC236}">
+                  <a16:creationId xmlns:a16="http://schemas.microsoft.com/office/drawing/2014/main" id="{AC5F3E32-FAFD-D80B-3702-E44956840104}"/>
+                </a:ext>
+              </a:extLst>
+            </p:cNvPr>
+            <p:cNvSpPr txBox="1"/>
+            <p:nvPr/>
+          </p:nvSpPr>
+          <p:spPr>
+            <a:xfrm>
+              <a:off x="11351287" y="6191321"/>
+              <a:ext cx="1401089" cy="461665"/>
+            </a:xfrm>
+            <a:prstGeom prst="rect">
+              <a:avLst/>
+            </a:prstGeom>
+            <a:noFill/>
+          </p:spPr>
+          <p:txBody>
+            <a:bodyPr wrap="none" rtlCol="0">
+              <a:spAutoFit/>
+            </a:bodyPr>
+            <a:lstStyle/>
+            <a:p>
+              <a:r>
+                <a:rPr lang="en-US" sz="2400" dirty="0"/>
+                <a:t>Relations </a:t>
+              </a:r>
+              <a:endParaRPr lang="en-NL" sz="2400" dirty="0"/>
+            </a:p>
+          </p:txBody>
+        </p:sp>
+        <p:sp>
+          <p:nvSpPr>
+            <p:cNvPr id="23" name="Rectangle 22">
+              <a:extLst>
+                <a:ext uri="{FF2B5EF4-FFF2-40B4-BE49-F238E27FC236}">
+                  <a16:creationId xmlns:a16="http://schemas.microsoft.com/office/drawing/2014/main" id="{8F30AF2C-CEFF-E6F8-90CD-ADE53F3AF17D}"/>
+                </a:ext>
+              </a:extLst>
+            </p:cNvPr>
+            <p:cNvSpPr/>
+            <p:nvPr/>
+          </p:nvSpPr>
+          <p:spPr>
+            <a:xfrm>
+              <a:off x="1802818" y="5092862"/>
+              <a:ext cx="7237579" cy="1404564"/>
+            </a:xfrm>
+            <a:prstGeom prst="rect">
+              <a:avLst/>
+            </a:prstGeom>
+            <a:solidFill>
+              <a:schemeClr val="accent1">
+                <a:alpha val="14000"/>
+              </a:schemeClr>
+            </a:solidFill>
+          </p:spPr>
+          <p:style>
+            <a:lnRef idx="2">
+              <a:schemeClr val="accent1">
+                <a:shade val="15000"/>
+              </a:schemeClr>
+            </a:lnRef>
+            <a:fillRef idx="1">
+              <a:schemeClr val="accent1"/>
+            </a:fillRef>
+            <a:effectRef idx="0">
+              <a:schemeClr val="accent1"/>
+            </a:effectRef>
+            <a:fontRef idx="minor">
+              <a:schemeClr val="lt1"/>
+            </a:fontRef>
+          </p:style>
+          <p:txBody>
+            <a:bodyPr rtlCol="0" anchor="ctr"/>
+            <a:lstStyle/>
+            <a:p>
+              <a:pPr algn="ctr"/>
+              <a:endParaRPr lang="en-NL" sz="2400" dirty="0">
+                <a:latin typeface="Lato" panose="020F0502020204030203" pitchFamily="34" charset="0"/>
+                <a:ea typeface="Lato" panose="020F0502020204030203" pitchFamily="34" charset="0"/>
+                <a:cs typeface="Lato" panose="020F0502020204030203" pitchFamily="34" charset="0"/>
+              </a:endParaRPr>
+            </a:p>
+          </p:txBody>
+        </p:sp>
+      </p:grpSp>
+    </p:spTree>
+    <p:extLst>
+      <p:ext uri="{BB962C8B-B14F-4D97-AF65-F5344CB8AC3E}">
+        <p14:creationId xmlns:p14="http://schemas.microsoft.com/office/powerpoint/2010/main" val="553191039"/>
+      </p:ext>
+    </p:extLst>
+  </p:cSld>
+  <p:clrMapOvr>
+    <a:masterClrMapping/>
+  </p:clrMapOvr>
+</p:sld>
+</file>
+
+<file path=ppt/slides/slide24.xml><?xml version="1.0" encoding="utf-8"?>
+<p:sld xmlns:a="http://schemas.openxmlformats.org/drawingml/2006/main" xmlns:r="http://schemas.openxmlformats.org/officeDocument/2006/relationships" xmlns:p="http://schemas.openxmlformats.org/presentationml/2006/main">
+  <p:cSld>
+    <p:spTree>
+      <p:nvGrpSpPr>
+        <p:cNvPr id="1" name=""/>
+        <p:cNvGrpSpPr/>
+        <p:nvPr/>
+      </p:nvGrpSpPr>
+      <p:grpSpPr>
+        <a:xfrm>
+          <a:off x="0" y="0"/>
+          <a:ext cx="0" cy="0"/>
+          <a:chOff x="0" y="0"/>
+          <a:chExt cx="0" cy="0"/>
+        </a:xfrm>
+      </p:grpSpPr>
+      <p:sp>
+        <p:nvSpPr>
+          <p:cNvPr id="2" name="Title 1">
+            <a:extLst>
+              <a:ext uri="{FF2B5EF4-FFF2-40B4-BE49-F238E27FC236}">
                 <a16:creationId xmlns:a16="http://schemas.microsoft.com/office/drawing/2014/main" id="{3B71C312-CDD0-B719-10D7-EA4F5BA11DCA}"/>
               </a:ext>
             </a:extLst>
@@ -17171,6 +19603,18 @@
               <a:t> (commercial)</a:t>
             </a:r>
           </a:p>
+          <a:p>
+            <a:pPr lvl="2"/>
+            <a:r>
+              <a:rPr lang="en-GB" dirty="0"/>
+              <a:t>Python </a:t>
+            </a:r>
+            <a:r>
+              <a:rPr lang="en-GB" dirty="0" err="1"/>
+              <a:t>RDFLib</a:t>
+            </a:r>
+            <a:endParaRPr lang="en-GB" dirty="0"/>
+          </a:p>
         </p:txBody>
       </p:sp>
     </p:spTree>
@@ -17186,7 +19630,7 @@
 </p:sld>
 </file>
 
-<file path=ppt/slides/slide23.xml><?xml version="1.0" encoding="utf-8"?>
+<file path=ppt/slides/slide25.xml><?xml version="1.0" encoding="utf-8"?>
 <p:sld xmlns:a="http://schemas.openxmlformats.org/drawingml/2006/main" xmlns:r="http://schemas.openxmlformats.org/officeDocument/2006/relationships" xmlns:p="http://schemas.openxmlformats.org/presentationml/2006/main">
   <p:cSld>
     <p:spTree>
@@ -17219,7 +19663,12 @@
             <p:ph type="title"/>
           </p:nvPr>
         </p:nvSpPr>
-        <p:spPr/>
+        <p:spPr>
+          <a:xfrm>
+            <a:off x="617268" y="533285"/>
+            <a:ext cx="11352363" cy="443199"/>
+          </a:xfrm>
+        </p:spPr>
         <p:txBody>
           <a:bodyPr/>
           <a:lstStyle/>
@@ -17365,1311 +19814,6 @@
     <p:extLst>
       <p:ext uri="{BB962C8B-B14F-4D97-AF65-F5344CB8AC3E}">
         <p14:creationId xmlns:p14="http://schemas.microsoft.com/office/powerpoint/2010/main" val="334922474"/>
-      </p:ext>
-    </p:extLst>
-  </p:cSld>
-  <p:clrMapOvr>
-    <a:masterClrMapping/>
-  </p:clrMapOvr>
-</p:sld>
-</file>
-
-<file path=ppt/slides/slide24.xml><?xml version="1.0" encoding="utf-8"?>
-<p:sld xmlns:a="http://schemas.openxmlformats.org/drawingml/2006/main" xmlns:r="http://schemas.openxmlformats.org/officeDocument/2006/relationships" xmlns:p="http://schemas.openxmlformats.org/presentationml/2006/main" show="0">
-  <p:cSld>
-    <p:spTree>
-      <p:nvGrpSpPr>
-        <p:cNvPr id="1" name=""/>
-        <p:cNvGrpSpPr/>
-        <p:nvPr/>
-      </p:nvGrpSpPr>
-      <p:grpSpPr>
-        <a:xfrm>
-          <a:off x="0" y="0"/>
-          <a:ext cx="0" cy="0"/>
-          <a:chOff x="0" y="0"/>
-          <a:chExt cx="0" cy="0"/>
-        </a:xfrm>
-      </p:grpSpPr>
-      <p:sp>
-        <p:nvSpPr>
-          <p:cNvPr id="2" name="Title 1">
-            <a:extLst>
-              <a:ext uri="{FF2B5EF4-FFF2-40B4-BE49-F238E27FC236}">
-                <a16:creationId xmlns:a16="http://schemas.microsoft.com/office/drawing/2014/main" id="{3ED7B476-AFF7-BCC5-BB41-E08ACF094A3B}"/>
-              </a:ext>
-            </a:extLst>
-          </p:cNvPr>
-          <p:cNvSpPr>
-            <a:spLocks noGrp="1"/>
-          </p:cNvSpPr>
-          <p:nvPr>
-            <p:ph type="title"/>
-          </p:nvPr>
-        </p:nvSpPr>
-        <p:spPr/>
-        <p:txBody>
-          <a:bodyPr/>
-          <a:lstStyle/>
-          <a:p>
-            <a:r>
-              <a:rPr lang="en-GB" dirty="0"/>
-              <a:t>T</a:t>
-            </a:r>
-            <a:r>
-              <a:rPr lang="en-NL" dirty="0"/>
-              <a:t>he next step: Semantic modelling</a:t>
-            </a:r>
-          </a:p>
-        </p:txBody>
-      </p:sp>
-      <p:sp>
-        <p:nvSpPr>
-          <p:cNvPr id="3" name="Text Placeholder 2">
-            <a:extLst>
-              <a:ext uri="{FF2B5EF4-FFF2-40B4-BE49-F238E27FC236}">
-                <a16:creationId xmlns:a16="http://schemas.microsoft.com/office/drawing/2014/main" id="{672D87A6-801D-1AA1-0BD7-FC7F5BC8A314}"/>
-              </a:ext>
-            </a:extLst>
-          </p:cNvPr>
-          <p:cNvSpPr>
-            <a:spLocks noGrp="1"/>
-          </p:cNvSpPr>
-          <p:nvPr>
-            <p:ph type="body" idx="1"/>
-          </p:nvPr>
-        </p:nvSpPr>
-        <p:spPr/>
-        <p:txBody>
-          <a:bodyPr/>
-          <a:lstStyle/>
-          <a:p>
-            <a:pPr marL="101600" indent="0">
-              <a:buNone/>
-            </a:pPr>
-            <a:r>
-              <a:rPr lang="en-GB" dirty="0"/>
-              <a:t>Create:</a:t>
-            </a:r>
-          </a:p>
-          <a:p>
-            <a:pPr lvl="1"/>
-            <a:r>
-              <a:rPr lang="en-GB" dirty="0"/>
-              <a:t>Classes: is an abstraction mechanism for creating a collection of objects with similar characteristics. The Objects call instances of a class.  (e.g. Class(Dataset) and individual(dataset-100)  is an instance of it). Class can have hierarchical relationships (subclass) which allows for inheritance and subsumption.</a:t>
-            </a:r>
-          </a:p>
-          <a:p>
-            <a:pPr lvl="1"/>
-            <a:r>
-              <a:rPr lang="en-GB" dirty="0"/>
-              <a:t>Enumeration: Categorical data (controlled vocabularies)</a:t>
-            </a:r>
-          </a:p>
-          <a:p>
-            <a:pPr lvl="1"/>
-            <a:r>
-              <a:rPr lang="en-GB" dirty="0"/>
-              <a:t>Class axiom: subclass and hierarchies</a:t>
-            </a:r>
-            <a:endParaRPr lang="en-GB" sz="1200" dirty="0"/>
-          </a:p>
-          <a:p>
-            <a:pPr lvl="1"/>
-            <a:r>
-              <a:rPr lang="en-GB" dirty="0"/>
-              <a:t>Datatype Property: these are relationships between instances of classes. (e.g. dataset’s title is a datatype property that related all the instance of the class dataset to a string datatype). </a:t>
-            </a:r>
-          </a:p>
-          <a:p>
-            <a:pPr lvl="1"/>
-            <a:endParaRPr lang="en-GB" dirty="0"/>
-          </a:p>
-          <a:p>
-            <a:pPr lvl="1"/>
-            <a:r>
-              <a:rPr lang="en-GB" dirty="0"/>
-              <a:t>Object Property: These are relationships between instances of two classes. For example ”</a:t>
-            </a:r>
-            <a:r>
-              <a:rPr lang="en-GB" dirty="0" err="1"/>
-              <a:t>hasDistribution</a:t>
-            </a:r>
-            <a:r>
-              <a:rPr lang="en-GB" dirty="0"/>
-              <a:t>” is an object property that related all the instances of class dataset to instances of class distribution. </a:t>
-            </a:r>
-            <a:endParaRPr lang="en-NL" dirty="0"/>
-          </a:p>
-          <a:p>
-            <a:endParaRPr lang="en-NL" dirty="0"/>
-          </a:p>
-        </p:txBody>
-      </p:sp>
-    </p:spTree>
-    <p:extLst>
-      <p:ext uri="{BB962C8B-B14F-4D97-AF65-F5344CB8AC3E}">
-        <p14:creationId xmlns:p14="http://schemas.microsoft.com/office/powerpoint/2010/main" val="2051141413"/>
-      </p:ext>
-    </p:extLst>
-  </p:cSld>
-  <p:clrMapOvr>
-    <a:masterClrMapping/>
-  </p:clrMapOvr>
-</p:sld>
-</file>
-
-<file path=ppt/slides/slide25.xml><?xml version="1.0" encoding="utf-8"?>
-<p:sld xmlns:a="http://schemas.openxmlformats.org/drawingml/2006/main" xmlns:r="http://schemas.openxmlformats.org/officeDocument/2006/relationships" xmlns:p="http://schemas.openxmlformats.org/presentationml/2006/main" show="0">
-  <p:cSld>
-    <p:spTree>
-      <p:nvGrpSpPr>
-        <p:cNvPr id="1" name=""/>
-        <p:cNvGrpSpPr/>
-        <p:nvPr/>
-      </p:nvGrpSpPr>
-      <p:grpSpPr>
-        <a:xfrm>
-          <a:off x="0" y="0"/>
-          <a:ext cx="0" cy="0"/>
-          <a:chOff x="0" y="0"/>
-          <a:chExt cx="0" cy="0"/>
-        </a:xfrm>
-      </p:grpSpPr>
-      <p:sp>
-        <p:nvSpPr>
-          <p:cNvPr id="22" name="Rectangle 21">
-            <a:extLst>
-              <a:ext uri="{FF2B5EF4-FFF2-40B4-BE49-F238E27FC236}">
-                <a16:creationId xmlns:a16="http://schemas.microsoft.com/office/drawing/2014/main" id="{360136BC-F0EF-34DF-AE30-9004D34336BD}"/>
-              </a:ext>
-            </a:extLst>
-          </p:cNvPr>
-          <p:cNvSpPr/>
-          <p:nvPr/>
-        </p:nvSpPr>
-        <p:spPr>
-          <a:xfrm>
-            <a:off x="1716209" y="2920697"/>
-            <a:ext cx="7237579" cy="1404564"/>
-          </a:xfrm>
-          <a:prstGeom prst="rect">
-            <a:avLst/>
-          </a:prstGeom>
-          <a:solidFill>
-            <a:schemeClr val="accent1">
-              <a:alpha val="14000"/>
-            </a:schemeClr>
-          </a:solidFill>
-        </p:spPr>
-        <p:style>
-          <a:lnRef idx="2">
-            <a:schemeClr val="accent1">
-              <a:shade val="15000"/>
-            </a:schemeClr>
-          </a:lnRef>
-          <a:fillRef idx="1">
-            <a:schemeClr val="accent1"/>
-          </a:fillRef>
-          <a:effectRef idx="0">
-            <a:schemeClr val="accent1"/>
-          </a:effectRef>
-          <a:fontRef idx="minor">
-            <a:schemeClr val="lt1"/>
-          </a:fontRef>
-        </p:style>
-        <p:txBody>
-          <a:bodyPr rtlCol="0" anchor="ctr"/>
-          <a:lstStyle/>
-          <a:p>
-            <a:pPr algn="ctr"/>
-            <a:endParaRPr lang="en-NL" sz="2400">
-              <a:latin typeface="Lato" panose="020F0502020204030203" pitchFamily="34" charset="0"/>
-              <a:ea typeface="Lato" panose="020F0502020204030203" pitchFamily="34" charset="0"/>
-              <a:cs typeface="Lato" panose="020F0502020204030203" pitchFamily="34" charset="0"/>
-            </a:endParaRPr>
-          </a:p>
-        </p:txBody>
-      </p:sp>
-      <p:sp>
-        <p:nvSpPr>
-          <p:cNvPr id="2" name="Title 1">
-            <a:extLst>
-              <a:ext uri="{FF2B5EF4-FFF2-40B4-BE49-F238E27FC236}">
-                <a16:creationId xmlns:a16="http://schemas.microsoft.com/office/drawing/2014/main" id="{6A7A1E55-3BCE-B872-2A10-43D33FCED5B9}"/>
-              </a:ext>
-            </a:extLst>
-          </p:cNvPr>
-          <p:cNvSpPr>
-            <a:spLocks noGrp="1"/>
-          </p:cNvSpPr>
-          <p:nvPr>
-            <p:ph type="title"/>
-          </p:nvPr>
-        </p:nvSpPr>
-        <p:spPr>
-          <a:xfrm>
-            <a:off x="187581" y="1745721"/>
-            <a:ext cx="10251600" cy="713600"/>
-          </a:xfrm>
-        </p:spPr>
-        <p:txBody>
-          <a:bodyPr>
-            <a:normAutofit/>
-          </a:bodyPr>
-          <a:lstStyle/>
-          <a:p>
-            <a:r>
-              <a:rPr lang="en-NL" dirty="0">
-                <a:latin typeface="Lato" panose="020F0502020204030203" pitchFamily="34" charset="0"/>
-                <a:ea typeface="Lato" panose="020F0502020204030203" pitchFamily="34" charset="0"/>
-                <a:cs typeface="Lato" panose="020F0502020204030203" pitchFamily="34" charset="0"/>
-              </a:rPr>
-              <a:t>Metadata schema is a Graph</a:t>
-            </a:r>
-          </a:p>
-        </p:txBody>
-      </p:sp>
-      <p:sp>
-        <p:nvSpPr>
-          <p:cNvPr id="4" name="Oval 3">
-            <a:extLst>
-              <a:ext uri="{FF2B5EF4-FFF2-40B4-BE49-F238E27FC236}">
-                <a16:creationId xmlns:a16="http://schemas.microsoft.com/office/drawing/2014/main" id="{99304919-5425-85F6-72E7-0F284E318014}"/>
-              </a:ext>
-            </a:extLst>
-          </p:cNvPr>
-          <p:cNvSpPr/>
-          <p:nvPr/>
-        </p:nvSpPr>
-        <p:spPr>
-          <a:xfrm>
-            <a:off x="1860885" y="3157086"/>
-            <a:ext cx="1515088" cy="949692"/>
-          </a:xfrm>
-          <a:prstGeom prst="ellipse">
-            <a:avLst/>
-          </a:prstGeom>
-          <a:solidFill>
-            <a:schemeClr val="accent2"/>
-          </a:solidFill>
-        </p:spPr>
-        <p:style>
-          <a:lnRef idx="2">
-            <a:schemeClr val="accent1">
-              <a:shade val="15000"/>
-            </a:schemeClr>
-          </a:lnRef>
-          <a:fillRef idx="1">
-            <a:schemeClr val="accent1"/>
-          </a:fillRef>
-          <a:effectRef idx="0">
-            <a:schemeClr val="accent1"/>
-          </a:effectRef>
-          <a:fontRef idx="minor">
-            <a:schemeClr val="lt1"/>
-          </a:fontRef>
-        </p:style>
-        <p:txBody>
-          <a:bodyPr rtlCol="0" anchor="ctr"/>
-          <a:lstStyle/>
-          <a:p>
-            <a:pPr algn="ctr"/>
-            <a:r>
-              <a:rPr lang="en-NL" sz="2400" dirty="0">
-                <a:latin typeface="Lato" panose="020F0502020204030203" pitchFamily="34" charset="0"/>
-                <a:ea typeface="Lato" panose="020F0502020204030203" pitchFamily="34" charset="0"/>
-                <a:cs typeface="Lato" panose="020F0502020204030203" pitchFamily="34" charset="0"/>
-              </a:rPr>
-              <a:t>Collection</a:t>
-            </a:r>
-          </a:p>
-        </p:txBody>
-      </p:sp>
-      <p:sp>
-        <p:nvSpPr>
-          <p:cNvPr id="5" name="Oval 4">
-            <a:extLst>
-              <a:ext uri="{FF2B5EF4-FFF2-40B4-BE49-F238E27FC236}">
-                <a16:creationId xmlns:a16="http://schemas.microsoft.com/office/drawing/2014/main" id="{3F594B3F-0E2C-2D9B-1043-392EF3EDC469}"/>
-              </a:ext>
-            </a:extLst>
-          </p:cNvPr>
-          <p:cNvSpPr/>
-          <p:nvPr/>
-        </p:nvSpPr>
-        <p:spPr>
-          <a:xfrm>
-            <a:off x="5708851" y="3073665"/>
-            <a:ext cx="2171032" cy="1116532"/>
-          </a:xfrm>
-          <a:prstGeom prst="ellipse">
-            <a:avLst/>
-          </a:prstGeom>
-          <a:solidFill>
-            <a:schemeClr val="accent2"/>
-          </a:solidFill>
-        </p:spPr>
-        <p:style>
-          <a:lnRef idx="2">
-            <a:schemeClr val="accent1">
-              <a:shade val="15000"/>
-            </a:schemeClr>
-          </a:lnRef>
-          <a:fillRef idx="1">
-            <a:schemeClr val="accent1"/>
-          </a:fillRef>
-          <a:effectRef idx="0">
-            <a:schemeClr val="accent1"/>
-          </a:effectRef>
-          <a:fontRef idx="minor">
-            <a:schemeClr val="lt1"/>
-          </a:fontRef>
-        </p:style>
-        <p:txBody>
-          <a:bodyPr rtlCol="0" anchor="ctr"/>
-          <a:lstStyle/>
-          <a:p>
-            <a:pPr algn="ctr"/>
-            <a:r>
-              <a:rPr lang="en-GB" sz="2400" dirty="0">
-                <a:latin typeface="Lato" panose="020F0502020204030203" pitchFamily="34" charset="0"/>
-                <a:ea typeface="Lato" panose="020F0502020204030203" pitchFamily="34" charset="0"/>
-                <a:cs typeface="Lato" panose="020F0502020204030203" pitchFamily="34" charset="0"/>
-              </a:rPr>
-              <a:t>I</a:t>
-            </a:r>
-            <a:r>
-              <a:rPr lang="en-NL" sz="2400" dirty="0">
-                <a:latin typeface="Lato" panose="020F0502020204030203" pitchFamily="34" charset="0"/>
-                <a:ea typeface="Lato" panose="020F0502020204030203" pitchFamily="34" charset="0"/>
-                <a:cs typeface="Lato" panose="020F0502020204030203" pitchFamily="34" charset="0"/>
-              </a:rPr>
-              <a:t>mage modality</a:t>
-            </a:r>
-          </a:p>
-        </p:txBody>
-      </p:sp>
-      <p:cxnSp>
-        <p:nvCxnSpPr>
-          <p:cNvPr id="7" name="Straight Arrow Connector 6">
-            <a:extLst>
-              <a:ext uri="{FF2B5EF4-FFF2-40B4-BE49-F238E27FC236}">
-                <a16:creationId xmlns:a16="http://schemas.microsoft.com/office/drawing/2014/main" id="{1FF3B1F6-42CC-9D7E-F146-5EF602881B11}"/>
-              </a:ext>
-            </a:extLst>
-          </p:cNvPr>
-          <p:cNvCxnSpPr>
-            <a:cxnSpLocks/>
-            <a:stCxn id="4" idx="6"/>
-            <a:endCxn id="5" idx="2"/>
-          </p:cNvCxnSpPr>
-          <p:nvPr/>
-        </p:nvCxnSpPr>
-        <p:spPr>
-          <a:xfrm flipV="1">
-            <a:off x="3375973" y="3631931"/>
-            <a:ext cx="2332878" cy="1"/>
-          </a:xfrm>
-          <a:prstGeom prst="straightConnector1">
-            <a:avLst/>
-          </a:prstGeom>
-          <a:ln>
-            <a:solidFill>
-              <a:schemeClr val="tx1"/>
-            </a:solidFill>
-            <a:tailEnd type="triangle"/>
-          </a:ln>
-        </p:spPr>
-        <p:style>
-          <a:lnRef idx="1">
-            <a:schemeClr val="accent1"/>
-          </a:lnRef>
-          <a:fillRef idx="0">
-            <a:schemeClr val="accent1"/>
-          </a:fillRef>
-          <a:effectRef idx="0">
-            <a:schemeClr val="accent1"/>
-          </a:effectRef>
-          <a:fontRef idx="minor">
-            <a:schemeClr val="tx1"/>
-          </a:fontRef>
-        </p:style>
-      </p:cxnSp>
-      <p:sp>
-        <p:nvSpPr>
-          <p:cNvPr id="8" name="TextBox 7">
-            <a:extLst>
-              <a:ext uri="{FF2B5EF4-FFF2-40B4-BE49-F238E27FC236}">
-                <a16:creationId xmlns:a16="http://schemas.microsoft.com/office/drawing/2014/main" id="{E8E73F4A-13B5-1415-15CB-FA031B84C78A}"/>
-              </a:ext>
-            </a:extLst>
-          </p:cNvPr>
-          <p:cNvSpPr txBox="1"/>
-          <p:nvPr/>
-        </p:nvSpPr>
-        <p:spPr>
-          <a:xfrm>
-            <a:off x="3815976" y="3248073"/>
-            <a:ext cx="2051725" cy="461665"/>
-          </a:xfrm>
-          <a:prstGeom prst="rect">
-            <a:avLst/>
-          </a:prstGeom>
-          <a:noFill/>
-        </p:spPr>
-        <p:txBody>
-          <a:bodyPr wrap="square" rtlCol="0">
-            <a:spAutoFit/>
-          </a:bodyPr>
-          <a:lstStyle/>
-          <a:p>
-            <a:r>
-              <a:rPr lang="en-NL" sz="2400" dirty="0">
-                <a:latin typeface="Lato" panose="020F0502020204030203" pitchFamily="34" charset="0"/>
-                <a:ea typeface="Lato" panose="020F0502020204030203" pitchFamily="34" charset="0"/>
-                <a:cs typeface="Lato" panose="020F0502020204030203" pitchFamily="34" charset="0"/>
-              </a:rPr>
-              <a:t>modality</a:t>
-            </a:r>
-          </a:p>
-        </p:txBody>
-      </p:sp>
-      <p:sp>
-        <p:nvSpPr>
-          <p:cNvPr id="9" name="Oval 8">
-            <a:extLst>
-              <a:ext uri="{FF2B5EF4-FFF2-40B4-BE49-F238E27FC236}">
-                <a16:creationId xmlns:a16="http://schemas.microsoft.com/office/drawing/2014/main" id="{4DFAD67E-0336-7EB2-B92A-BB426900C79D}"/>
-              </a:ext>
-            </a:extLst>
-          </p:cNvPr>
-          <p:cNvSpPr/>
-          <p:nvPr/>
-        </p:nvSpPr>
-        <p:spPr>
-          <a:xfrm>
-            <a:off x="1860884" y="5158259"/>
-            <a:ext cx="1540043" cy="949692"/>
-          </a:xfrm>
-          <a:prstGeom prst="ellipse">
-            <a:avLst/>
-          </a:prstGeom>
-          <a:solidFill>
-            <a:schemeClr val="accent5">
-              <a:lumMod val="20000"/>
-              <a:lumOff val="80000"/>
-            </a:schemeClr>
-          </a:solidFill>
-        </p:spPr>
-        <p:style>
-          <a:lnRef idx="2">
-            <a:schemeClr val="accent1">
-              <a:shade val="15000"/>
-            </a:schemeClr>
-          </a:lnRef>
-          <a:fillRef idx="1">
-            <a:schemeClr val="accent1"/>
-          </a:fillRef>
-          <a:effectRef idx="0">
-            <a:schemeClr val="accent1"/>
-          </a:effectRef>
-          <a:fontRef idx="minor">
-            <a:schemeClr val="lt1"/>
-          </a:fontRef>
-        </p:style>
-        <p:txBody>
-          <a:bodyPr rtlCol="0" anchor="ctr"/>
-          <a:lstStyle/>
-          <a:p>
-            <a:pPr algn="ctr"/>
-            <a:r>
-              <a:rPr lang="en-GB" sz="2400" dirty="0">
-                <a:latin typeface="Lato" panose="020F0502020204030203" pitchFamily="34" charset="0"/>
-                <a:ea typeface="Lato" panose="020F0502020204030203" pitchFamily="34" charset="0"/>
-                <a:cs typeface="Lato" panose="020F0502020204030203" pitchFamily="34" charset="0"/>
-              </a:rPr>
-              <a:t>C</a:t>
-            </a:r>
-            <a:r>
-              <a:rPr lang="en-NL" sz="2400" dirty="0">
-                <a:latin typeface="Lato" panose="020F0502020204030203" pitchFamily="34" charset="0"/>
-                <a:ea typeface="Lato" panose="020F0502020204030203" pitchFamily="34" charset="0"/>
-                <a:cs typeface="Lato" panose="020F0502020204030203" pitchFamily="34" charset="0"/>
-              </a:rPr>
-              <a:t>ol-1</a:t>
-            </a:r>
-          </a:p>
-        </p:txBody>
-      </p:sp>
-      <p:cxnSp>
-        <p:nvCxnSpPr>
-          <p:cNvPr id="10" name="Straight Arrow Connector 9">
-            <a:extLst>
-              <a:ext uri="{FF2B5EF4-FFF2-40B4-BE49-F238E27FC236}">
-                <a16:creationId xmlns:a16="http://schemas.microsoft.com/office/drawing/2014/main" id="{54BC6067-0780-F0D9-FC89-2A6C7544BF31}"/>
-              </a:ext>
-            </a:extLst>
-          </p:cNvPr>
-          <p:cNvCxnSpPr>
-            <a:cxnSpLocks/>
-            <a:stCxn id="9" idx="0"/>
-            <a:endCxn id="4" idx="4"/>
-          </p:cNvCxnSpPr>
-          <p:nvPr/>
-        </p:nvCxnSpPr>
-        <p:spPr>
-          <a:xfrm flipH="1" flipV="1">
-            <a:off x="2618429" y="4106778"/>
-            <a:ext cx="12477" cy="1051481"/>
-          </a:xfrm>
-          <a:prstGeom prst="straightConnector1">
-            <a:avLst/>
-          </a:prstGeom>
-          <a:ln>
-            <a:tailEnd type="triangle"/>
-          </a:ln>
-        </p:spPr>
-        <p:style>
-          <a:lnRef idx="1">
-            <a:schemeClr val="accent1"/>
-          </a:lnRef>
-          <a:fillRef idx="0">
-            <a:schemeClr val="accent1"/>
-          </a:fillRef>
-          <a:effectRef idx="0">
-            <a:schemeClr val="accent1"/>
-          </a:effectRef>
-          <a:fontRef idx="minor">
-            <a:schemeClr val="tx1"/>
-          </a:fontRef>
-        </p:style>
-      </p:cxnSp>
-      <p:sp>
-        <p:nvSpPr>
-          <p:cNvPr id="15" name="TextBox 14">
-            <a:extLst>
-              <a:ext uri="{FF2B5EF4-FFF2-40B4-BE49-F238E27FC236}">
-                <a16:creationId xmlns:a16="http://schemas.microsoft.com/office/drawing/2014/main" id="{1A94D932-EC48-7923-BBBD-7A3D9BE481FF}"/>
-              </a:ext>
-            </a:extLst>
-          </p:cNvPr>
-          <p:cNvSpPr txBox="1"/>
-          <p:nvPr/>
-        </p:nvSpPr>
-        <p:spPr>
-          <a:xfrm>
-            <a:off x="6288546" y="4431841"/>
-            <a:ext cx="2051725" cy="461665"/>
-          </a:xfrm>
-          <a:prstGeom prst="rect">
-            <a:avLst/>
-          </a:prstGeom>
-          <a:noFill/>
-        </p:spPr>
-        <p:txBody>
-          <a:bodyPr wrap="square" rtlCol="0">
-            <a:spAutoFit/>
-          </a:bodyPr>
-          <a:lstStyle/>
-          <a:p>
-            <a:r>
-              <a:rPr lang="en-GB" sz="2400" dirty="0">
-                <a:latin typeface="Lato" panose="020F0502020204030203" pitchFamily="34" charset="0"/>
-                <a:ea typeface="Lato" panose="020F0502020204030203" pitchFamily="34" charset="0"/>
-                <a:cs typeface="Lato" panose="020F0502020204030203" pitchFamily="34" charset="0"/>
-              </a:rPr>
-              <a:t>r</a:t>
-            </a:r>
-            <a:r>
-              <a:rPr lang="en-NL" sz="2400" dirty="0">
-                <a:latin typeface="Lato" panose="020F0502020204030203" pitchFamily="34" charset="0"/>
-                <a:ea typeface="Lato" panose="020F0502020204030203" pitchFamily="34" charset="0"/>
-                <a:cs typeface="Lato" panose="020F0502020204030203" pitchFamily="34" charset="0"/>
-              </a:rPr>
-              <a:t>df:type</a:t>
-            </a:r>
-          </a:p>
-        </p:txBody>
-      </p:sp>
-      <p:sp>
-        <p:nvSpPr>
-          <p:cNvPr id="17" name="Oval 16">
-            <a:extLst>
-              <a:ext uri="{FF2B5EF4-FFF2-40B4-BE49-F238E27FC236}">
-                <a16:creationId xmlns:a16="http://schemas.microsoft.com/office/drawing/2014/main" id="{6C46C4E5-EAA3-A1E7-E214-B0E2BCB1D405}"/>
-              </a:ext>
-            </a:extLst>
-          </p:cNvPr>
-          <p:cNvSpPr/>
-          <p:nvPr/>
-        </p:nvSpPr>
-        <p:spPr>
-          <a:xfrm>
-            <a:off x="5738321" y="5265537"/>
-            <a:ext cx="2546903" cy="949692"/>
-          </a:xfrm>
-          <a:prstGeom prst="ellipse">
-            <a:avLst/>
-          </a:prstGeom>
-          <a:solidFill>
-            <a:schemeClr val="accent5">
-              <a:lumMod val="20000"/>
-              <a:lumOff val="80000"/>
-            </a:schemeClr>
-          </a:solidFill>
-        </p:spPr>
-        <p:style>
-          <a:lnRef idx="2">
-            <a:schemeClr val="accent1">
-              <a:shade val="15000"/>
-            </a:schemeClr>
-          </a:lnRef>
-          <a:fillRef idx="1">
-            <a:schemeClr val="accent1"/>
-          </a:fillRef>
-          <a:effectRef idx="0">
-            <a:schemeClr val="accent1"/>
-          </a:effectRef>
-          <a:fontRef idx="minor">
-            <a:schemeClr val="lt1"/>
-          </a:fontRef>
-        </p:style>
-        <p:txBody>
-          <a:bodyPr rtlCol="0" anchor="ctr"/>
-          <a:lstStyle/>
-          <a:p>
-            <a:pPr algn="ctr"/>
-            <a:r>
-              <a:rPr lang="en-NL" sz="2400" dirty="0">
-                <a:latin typeface="Lato" panose="020F0502020204030203" pitchFamily="34" charset="0"/>
-                <a:ea typeface="Lato" panose="020F0502020204030203" pitchFamily="34" charset="0"/>
-                <a:cs typeface="Lato" panose="020F0502020204030203" pitchFamily="34" charset="0"/>
-              </a:rPr>
-              <a:t>Mamography</a:t>
-            </a:r>
-          </a:p>
-        </p:txBody>
-      </p:sp>
-      <p:cxnSp>
-        <p:nvCxnSpPr>
-          <p:cNvPr id="18" name="Straight Arrow Connector 17">
-            <a:extLst>
-              <a:ext uri="{FF2B5EF4-FFF2-40B4-BE49-F238E27FC236}">
-                <a16:creationId xmlns:a16="http://schemas.microsoft.com/office/drawing/2014/main" id="{75A9D0AA-013F-2094-B2B5-AC57B347E95D}"/>
-              </a:ext>
-            </a:extLst>
-          </p:cNvPr>
-          <p:cNvCxnSpPr>
-            <a:cxnSpLocks/>
-          </p:cNvCxnSpPr>
-          <p:nvPr/>
-        </p:nvCxnSpPr>
-        <p:spPr>
-          <a:xfrm flipV="1">
-            <a:off x="6877904" y="4190197"/>
-            <a:ext cx="0" cy="1051481"/>
-          </a:xfrm>
-          <a:prstGeom prst="straightConnector1">
-            <a:avLst/>
-          </a:prstGeom>
-          <a:ln>
-            <a:tailEnd type="triangle"/>
-          </a:ln>
-        </p:spPr>
-        <p:style>
-          <a:lnRef idx="1">
-            <a:schemeClr val="accent1"/>
-          </a:lnRef>
-          <a:fillRef idx="0">
-            <a:schemeClr val="accent1"/>
-          </a:fillRef>
-          <a:effectRef idx="0">
-            <a:schemeClr val="accent1"/>
-          </a:effectRef>
-          <a:fontRef idx="minor">
-            <a:schemeClr val="tx1"/>
-          </a:fontRef>
-        </p:style>
-      </p:cxnSp>
-      <p:sp>
-        <p:nvSpPr>
-          <p:cNvPr id="19" name="TextBox 18">
-            <a:extLst>
-              <a:ext uri="{FF2B5EF4-FFF2-40B4-BE49-F238E27FC236}">
-                <a16:creationId xmlns:a16="http://schemas.microsoft.com/office/drawing/2014/main" id="{DCACB125-D285-4387-3551-C66893866646}"/>
-              </a:ext>
-            </a:extLst>
-          </p:cNvPr>
-          <p:cNvSpPr txBox="1"/>
-          <p:nvPr/>
-        </p:nvSpPr>
-        <p:spPr>
-          <a:xfrm>
-            <a:off x="2375064" y="4478229"/>
-            <a:ext cx="2051725" cy="461665"/>
-          </a:xfrm>
-          <a:prstGeom prst="rect">
-            <a:avLst/>
-          </a:prstGeom>
-          <a:noFill/>
-        </p:spPr>
-        <p:txBody>
-          <a:bodyPr wrap="square" rtlCol="0">
-            <a:spAutoFit/>
-          </a:bodyPr>
-          <a:lstStyle/>
-          <a:p>
-            <a:r>
-              <a:rPr lang="en-GB" sz="2400" dirty="0">
-                <a:latin typeface="Lato" panose="020F0502020204030203" pitchFamily="34" charset="0"/>
-                <a:ea typeface="Lato" panose="020F0502020204030203" pitchFamily="34" charset="0"/>
-                <a:cs typeface="Lato" panose="020F0502020204030203" pitchFamily="34" charset="0"/>
-              </a:rPr>
-              <a:t>r</a:t>
-            </a:r>
-            <a:r>
-              <a:rPr lang="en-NL" sz="2400" dirty="0">
-                <a:latin typeface="Lato" panose="020F0502020204030203" pitchFamily="34" charset="0"/>
-                <a:ea typeface="Lato" panose="020F0502020204030203" pitchFamily="34" charset="0"/>
-                <a:cs typeface="Lato" panose="020F0502020204030203" pitchFamily="34" charset="0"/>
-              </a:rPr>
-              <a:t>df:type</a:t>
-            </a:r>
-          </a:p>
-        </p:txBody>
-      </p:sp>
-      <p:sp>
-        <p:nvSpPr>
-          <p:cNvPr id="20" name="TextBox 19">
-            <a:extLst>
-              <a:ext uri="{FF2B5EF4-FFF2-40B4-BE49-F238E27FC236}">
-                <a16:creationId xmlns:a16="http://schemas.microsoft.com/office/drawing/2014/main" id="{CFF5C808-81B1-1546-1802-808E137ED569}"/>
-              </a:ext>
-            </a:extLst>
-          </p:cNvPr>
-          <p:cNvSpPr txBox="1"/>
-          <p:nvPr/>
-        </p:nvSpPr>
-        <p:spPr>
-          <a:xfrm>
-            <a:off x="3686595" y="5232499"/>
-            <a:ext cx="2051725" cy="830997"/>
-          </a:xfrm>
-          <a:prstGeom prst="rect">
-            <a:avLst/>
-          </a:prstGeom>
-          <a:noFill/>
-        </p:spPr>
-        <p:txBody>
-          <a:bodyPr wrap="square" rtlCol="0">
-            <a:spAutoFit/>
-          </a:bodyPr>
-          <a:lstStyle/>
-          <a:p>
-            <a:r>
-              <a:rPr lang="en-NL" sz="2400" dirty="0">
-                <a:latin typeface="Lato" panose="020F0502020204030203" pitchFamily="34" charset="0"/>
-                <a:ea typeface="Lato" panose="020F0502020204030203" pitchFamily="34" charset="0"/>
-                <a:cs typeface="Lato" panose="020F0502020204030203" pitchFamily="34" charset="0"/>
-              </a:rPr>
-              <a:t>hasDistribution</a:t>
-            </a:r>
-          </a:p>
-        </p:txBody>
-      </p:sp>
-      <p:cxnSp>
-        <p:nvCxnSpPr>
-          <p:cNvPr id="21" name="Straight Arrow Connector 20">
-            <a:extLst>
-              <a:ext uri="{FF2B5EF4-FFF2-40B4-BE49-F238E27FC236}">
-                <a16:creationId xmlns:a16="http://schemas.microsoft.com/office/drawing/2014/main" id="{F24FBDF8-E624-14DC-8110-CC7AAD1FC9B6}"/>
-              </a:ext>
-            </a:extLst>
-          </p:cNvPr>
-          <p:cNvCxnSpPr/>
-          <p:nvPr/>
-        </p:nvCxnSpPr>
-        <p:spPr>
-          <a:xfrm>
-            <a:off x="3490763" y="5642869"/>
-            <a:ext cx="2218088" cy="1"/>
-          </a:xfrm>
-          <a:prstGeom prst="straightConnector1">
-            <a:avLst/>
-          </a:prstGeom>
-          <a:ln>
-            <a:solidFill>
-              <a:schemeClr val="tx1"/>
-            </a:solidFill>
-            <a:tailEnd type="triangle"/>
-          </a:ln>
-        </p:spPr>
-        <p:style>
-          <a:lnRef idx="1">
-            <a:schemeClr val="accent1"/>
-          </a:lnRef>
-          <a:fillRef idx="0">
-            <a:schemeClr val="accent1"/>
-          </a:fillRef>
-          <a:effectRef idx="0">
-            <a:schemeClr val="accent1"/>
-          </a:effectRef>
-          <a:fontRef idx="minor">
-            <a:schemeClr val="tx1"/>
-          </a:fontRef>
-        </p:style>
-      </p:cxnSp>
-      <p:sp>
-        <p:nvSpPr>
-          <p:cNvPr id="24" name="TextBox 23">
-            <a:extLst>
-              <a:ext uri="{FF2B5EF4-FFF2-40B4-BE49-F238E27FC236}">
-                <a16:creationId xmlns:a16="http://schemas.microsoft.com/office/drawing/2014/main" id="{A41A468B-81DD-F32E-3404-352EA51B6046}"/>
-              </a:ext>
-            </a:extLst>
-          </p:cNvPr>
-          <p:cNvSpPr txBox="1"/>
-          <p:nvPr/>
-        </p:nvSpPr>
-        <p:spPr>
-          <a:xfrm>
-            <a:off x="-157651" y="5421821"/>
-            <a:ext cx="1973617" cy="830997"/>
-          </a:xfrm>
-          <a:prstGeom prst="rect">
-            <a:avLst/>
-          </a:prstGeom>
-          <a:noFill/>
-        </p:spPr>
-        <p:txBody>
-          <a:bodyPr wrap="none" rtlCol="0">
-            <a:spAutoFit/>
-          </a:bodyPr>
-          <a:lstStyle/>
-          <a:p>
-            <a:r>
-              <a:rPr lang="en-GB" sz="2400" dirty="0">
-                <a:latin typeface="Lato" panose="020F0502020204030203" pitchFamily="34" charset="0"/>
-                <a:ea typeface="Lato" panose="020F0502020204030203" pitchFamily="34" charset="0"/>
-                <a:cs typeface="Lato" panose="020F0502020204030203" pitchFamily="34" charset="0"/>
-              </a:rPr>
-              <a:t>I</a:t>
-            </a:r>
-            <a:r>
-              <a:rPr lang="en-NL" sz="2400" dirty="0">
-                <a:latin typeface="Lato" panose="020F0502020204030203" pitchFamily="34" charset="0"/>
-                <a:ea typeface="Lato" panose="020F0502020204030203" pitchFamily="34" charset="0"/>
-                <a:cs typeface="Lato" panose="020F0502020204030203" pitchFamily="34" charset="0"/>
-              </a:rPr>
-              <a:t>nstance of </a:t>
-            </a:r>
-          </a:p>
-          <a:p>
-            <a:r>
-              <a:rPr lang="en-NL" sz="2400" dirty="0">
-                <a:latin typeface="Lato" panose="020F0502020204030203" pitchFamily="34" charset="0"/>
-                <a:ea typeface="Lato" panose="020F0502020204030203" pitchFamily="34" charset="0"/>
-                <a:cs typeface="Lato" panose="020F0502020204030203" pitchFamily="34" charset="0"/>
-              </a:rPr>
-              <a:t>the metadata</a:t>
-            </a:r>
-          </a:p>
-        </p:txBody>
-      </p:sp>
-      <p:sp>
-        <p:nvSpPr>
-          <p:cNvPr id="25" name="TextBox 24">
-            <a:extLst>
-              <a:ext uri="{FF2B5EF4-FFF2-40B4-BE49-F238E27FC236}">
-                <a16:creationId xmlns:a16="http://schemas.microsoft.com/office/drawing/2014/main" id="{2558D3B1-85D1-EC4E-0A4D-5607772DD758}"/>
-              </a:ext>
-            </a:extLst>
-          </p:cNvPr>
-          <p:cNvSpPr txBox="1"/>
-          <p:nvPr/>
-        </p:nvSpPr>
-        <p:spPr>
-          <a:xfrm>
-            <a:off x="0" y="3318626"/>
-            <a:ext cx="1483098" cy="830997"/>
-          </a:xfrm>
-          <a:prstGeom prst="rect">
-            <a:avLst/>
-          </a:prstGeom>
-          <a:noFill/>
-        </p:spPr>
-        <p:txBody>
-          <a:bodyPr wrap="none" rtlCol="0">
-            <a:spAutoFit/>
-          </a:bodyPr>
-          <a:lstStyle/>
-          <a:p>
-            <a:r>
-              <a:rPr lang="en-GB" sz="2400" dirty="0">
-                <a:latin typeface="Lato" panose="020F0502020204030203" pitchFamily="34" charset="0"/>
-                <a:ea typeface="Lato" panose="020F0502020204030203" pitchFamily="34" charset="0"/>
-                <a:cs typeface="Lato" panose="020F0502020204030203" pitchFamily="34" charset="0"/>
-              </a:rPr>
-              <a:t>M</a:t>
-            </a:r>
-            <a:r>
-              <a:rPr lang="en-NL" sz="2400" dirty="0">
-                <a:latin typeface="Lato" panose="020F0502020204030203" pitchFamily="34" charset="0"/>
-                <a:ea typeface="Lato" panose="020F0502020204030203" pitchFamily="34" charset="0"/>
-                <a:cs typeface="Lato" panose="020F0502020204030203" pitchFamily="34" charset="0"/>
-              </a:rPr>
-              <a:t>etadata</a:t>
-            </a:r>
-          </a:p>
-          <a:p>
-            <a:r>
-              <a:rPr lang="en-NL" sz="2400" dirty="0">
-                <a:latin typeface="Lato" panose="020F0502020204030203" pitchFamily="34" charset="0"/>
-                <a:ea typeface="Lato" panose="020F0502020204030203" pitchFamily="34" charset="0"/>
-                <a:cs typeface="Lato" panose="020F0502020204030203" pitchFamily="34" charset="0"/>
-              </a:rPr>
-              <a:t> model </a:t>
-            </a:r>
-          </a:p>
-        </p:txBody>
-      </p:sp>
-      <p:sp>
-        <p:nvSpPr>
-          <p:cNvPr id="26" name="Oval 25">
-            <a:extLst>
-              <a:ext uri="{FF2B5EF4-FFF2-40B4-BE49-F238E27FC236}">
-                <a16:creationId xmlns:a16="http://schemas.microsoft.com/office/drawing/2014/main" id="{2E6D54E8-FFE1-7FE7-BF7D-1CC9F91A6A31}"/>
-              </a:ext>
-            </a:extLst>
-          </p:cNvPr>
-          <p:cNvSpPr/>
-          <p:nvPr/>
-        </p:nvSpPr>
-        <p:spPr>
-          <a:xfrm>
-            <a:off x="9816936" y="4321979"/>
-            <a:ext cx="1201760" cy="880908"/>
-          </a:xfrm>
-          <a:prstGeom prst="ellipse">
-            <a:avLst/>
-          </a:prstGeom>
-          <a:solidFill>
-            <a:schemeClr val="accent2"/>
-          </a:solidFill>
-        </p:spPr>
-        <p:style>
-          <a:lnRef idx="2">
-            <a:schemeClr val="accent1">
-              <a:shade val="15000"/>
-            </a:schemeClr>
-          </a:lnRef>
-          <a:fillRef idx="1">
-            <a:schemeClr val="accent1"/>
-          </a:fillRef>
-          <a:effectRef idx="0">
-            <a:schemeClr val="accent1"/>
-          </a:effectRef>
-          <a:fontRef idx="minor">
-            <a:schemeClr val="lt1"/>
-          </a:fontRef>
-        </p:style>
-        <p:txBody>
-          <a:bodyPr rtlCol="0" anchor="ctr"/>
-          <a:lstStyle/>
-          <a:p>
-            <a:pPr algn="ctr"/>
-            <a:endParaRPr lang="en-NL" sz="2400" dirty="0">
-              <a:latin typeface="Lato" panose="020F0502020204030203" pitchFamily="34" charset="0"/>
-              <a:ea typeface="Lato" panose="020F0502020204030203" pitchFamily="34" charset="0"/>
-              <a:cs typeface="Lato" panose="020F0502020204030203" pitchFamily="34" charset="0"/>
-            </a:endParaRPr>
-          </a:p>
-        </p:txBody>
-      </p:sp>
-      <p:sp>
-        <p:nvSpPr>
-          <p:cNvPr id="28" name="Oval 27">
-            <a:extLst>
-              <a:ext uri="{FF2B5EF4-FFF2-40B4-BE49-F238E27FC236}">
-                <a16:creationId xmlns:a16="http://schemas.microsoft.com/office/drawing/2014/main" id="{1B3B99AD-9694-C63E-29A2-047510612917}"/>
-              </a:ext>
-            </a:extLst>
-          </p:cNvPr>
-          <p:cNvSpPr/>
-          <p:nvPr/>
-        </p:nvSpPr>
-        <p:spPr>
-          <a:xfrm>
-            <a:off x="9838301" y="5303126"/>
-            <a:ext cx="1201760" cy="949692"/>
-          </a:xfrm>
-          <a:prstGeom prst="ellipse">
-            <a:avLst/>
-          </a:prstGeom>
-          <a:solidFill>
-            <a:schemeClr val="accent5">
-              <a:lumMod val="20000"/>
-              <a:lumOff val="80000"/>
-            </a:schemeClr>
-          </a:solidFill>
-        </p:spPr>
-        <p:style>
-          <a:lnRef idx="2">
-            <a:schemeClr val="accent1">
-              <a:shade val="15000"/>
-            </a:schemeClr>
-          </a:lnRef>
-          <a:fillRef idx="1">
-            <a:schemeClr val="accent1"/>
-          </a:fillRef>
-          <a:effectRef idx="0">
-            <a:schemeClr val="accent1"/>
-          </a:effectRef>
-          <a:fontRef idx="minor">
-            <a:schemeClr val="lt1"/>
-          </a:fontRef>
-        </p:style>
-        <p:txBody>
-          <a:bodyPr rtlCol="0" anchor="ctr"/>
-          <a:lstStyle/>
-          <a:p>
-            <a:pPr algn="ctr"/>
-            <a:endParaRPr lang="en-NL" sz="2400" dirty="0">
-              <a:latin typeface="Lato" panose="020F0502020204030203" pitchFamily="34" charset="0"/>
-              <a:ea typeface="Lato" panose="020F0502020204030203" pitchFamily="34" charset="0"/>
-              <a:cs typeface="Lato" panose="020F0502020204030203" pitchFamily="34" charset="0"/>
-            </a:endParaRPr>
-          </a:p>
-        </p:txBody>
-      </p:sp>
-      <p:sp>
-        <p:nvSpPr>
-          <p:cNvPr id="29" name="TextBox 28">
-            <a:extLst>
-              <a:ext uri="{FF2B5EF4-FFF2-40B4-BE49-F238E27FC236}">
-                <a16:creationId xmlns:a16="http://schemas.microsoft.com/office/drawing/2014/main" id="{6BAD4D12-7D0E-D742-356F-45DF7CE5AE14}"/>
-              </a:ext>
-            </a:extLst>
-          </p:cNvPr>
-          <p:cNvSpPr txBox="1"/>
-          <p:nvPr/>
-        </p:nvSpPr>
-        <p:spPr>
-          <a:xfrm>
-            <a:off x="11124904" y="4510484"/>
-            <a:ext cx="1090363" cy="461665"/>
-          </a:xfrm>
-          <a:prstGeom prst="rect">
-            <a:avLst/>
-          </a:prstGeom>
-          <a:noFill/>
-        </p:spPr>
-        <p:txBody>
-          <a:bodyPr wrap="none" rtlCol="0">
-            <a:spAutoFit/>
-          </a:bodyPr>
-          <a:lstStyle/>
-          <a:p>
-            <a:r>
-              <a:rPr lang="en-US" sz="2400" dirty="0">
-                <a:latin typeface="Lato" panose="020F0502020204030203" pitchFamily="34" charset="0"/>
-                <a:ea typeface="Lato" panose="020F0502020204030203" pitchFamily="34" charset="0"/>
-                <a:cs typeface="Lato" panose="020F0502020204030203" pitchFamily="34" charset="0"/>
-              </a:rPr>
-              <a:t>CLASS</a:t>
-            </a:r>
-            <a:endParaRPr lang="en-NL" sz="2400" dirty="0">
-              <a:latin typeface="Lato" panose="020F0502020204030203" pitchFamily="34" charset="0"/>
-              <a:ea typeface="Lato" panose="020F0502020204030203" pitchFamily="34" charset="0"/>
-              <a:cs typeface="Lato" panose="020F0502020204030203" pitchFamily="34" charset="0"/>
-            </a:endParaRPr>
-          </a:p>
-        </p:txBody>
-      </p:sp>
-      <p:sp>
-        <p:nvSpPr>
-          <p:cNvPr id="30" name="TextBox 29">
-            <a:extLst>
-              <a:ext uri="{FF2B5EF4-FFF2-40B4-BE49-F238E27FC236}">
-                <a16:creationId xmlns:a16="http://schemas.microsoft.com/office/drawing/2014/main" id="{1DD3A3C7-346E-A590-A46A-3617A86386A2}"/>
-              </a:ext>
-            </a:extLst>
-          </p:cNvPr>
-          <p:cNvSpPr txBox="1"/>
-          <p:nvPr/>
-        </p:nvSpPr>
-        <p:spPr>
-          <a:xfrm>
-            <a:off x="11067193" y="5535197"/>
-            <a:ext cx="1319592" cy="461665"/>
-          </a:xfrm>
-          <a:prstGeom prst="rect">
-            <a:avLst/>
-          </a:prstGeom>
-          <a:noFill/>
-        </p:spPr>
-        <p:txBody>
-          <a:bodyPr wrap="none" rtlCol="0">
-            <a:spAutoFit/>
-          </a:bodyPr>
-          <a:lstStyle/>
-          <a:p>
-            <a:r>
-              <a:rPr lang="en-US" sz="2400" dirty="0">
-                <a:latin typeface="Lato" panose="020F0502020204030203" pitchFamily="34" charset="0"/>
-                <a:ea typeface="Lato" panose="020F0502020204030203" pitchFamily="34" charset="0"/>
-                <a:cs typeface="Lato" panose="020F0502020204030203" pitchFamily="34" charset="0"/>
-              </a:rPr>
-              <a:t>Instance</a:t>
-            </a:r>
-            <a:endParaRPr lang="en-NL" sz="2400" dirty="0">
-              <a:latin typeface="Lato" panose="020F0502020204030203" pitchFamily="34" charset="0"/>
-              <a:ea typeface="Lato" panose="020F0502020204030203" pitchFamily="34" charset="0"/>
-              <a:cs typeface="Lato" panose="020F0502020204030203" pitchFamily="34" charset="0"/>
-            </a:endParaRPr>
-          </a:p>
-        </p:txBody>
-      </p:sp>
-      <p:cxnSp>
-        <p:nvCxnSpPr>
-          <p:cNvPr id="31" name="Straight Arrow Connector 30">
-            <a:extLst>
-              <a:ext uri="{FF2B5EF4-FFF2-40B4-BE49-F238E27FC236}">
-                <a16:creationId xmlns:a16="http://schemas.microsoft.com/office/drawing/2014/main" id="{80E4195E-972A-9986-DDC8-E0D3FFEF8CB8}"/>
-              </a:ext>
-            </a:extLst>
-          </p:cNvPr>
-          <p:cNvCxnSpPr>
-            <a:cxnSpLocks/>
-          </p:cNvCxnSpPr>
-          <p:nvPr/>
-        </p:nvCxnSpPr>
-        <p:spPr>
-          <a:xfrm flipV="1">
-            <a:off x="9821850" y="6431574"/>
-            <a:ext cx="1465527" cy="6301"/>
-          </a:xfrm>
-          <a:prstGeom prst="straightConnector1">
-            <a:avLst/>
-          </a:prstGeom>
-          <a:ln>
-            <a:solidFill>
-              <a:schemeClr val="tx1"/>
-            </a:solidFill>
-            <a:tailEnd type="triangle"/>
-          </a:ln>
-        </p:spPr>
-        <p:style>
-          <a:lnRef idx="1">
-            <a:schemeClr val="accent1"/>
-          </a:lnRef>
-          <a:fillRef idx="0">
-            <a:schemeClr val="accent1"/>
-          </a:fillRef>
-          <a:effectRef idx="0">
-            <a:schemeClr val="accent1"/>
-          </a:effectRef>
-          <a:fontRef idx="minor">
-            <a:schemeClr val="tx1"/>
-          </a:fontRef>
-        </p:style>
-      </p:cxnSp>
-      <p:sp>
-        <p:nvSpPr>
-          <p:cNvPr id="33" name="TextBox 32">
-            <a:extLst>
-              <a:ext uri="{FF2B5EF4-FFF2-40B4-BE49-F238E27FC236}">
-                <a16:creationId xmlns:a16="http://schemas.microsoft.com/office/drawing/2014/main" id="{AC5F3E32-FAFD-D80B-3702-E44956840104}"/>
-              </a:ext>
-            </a:extLst>
-          </p:cNvPr>
-          <p:cNvSpPr txBox="1"/>
-          <p:nvPr/>
-        </p:nvSpPr>
-        <p:spPr>
-          <a:xfrm>
-            <a:off x="11351287" y="6191321"/>
-            <a:ext cx="1401089" cy="461665"/>
-          </a:xfrm>
-          <a:prstGeom prst="rect">
-            <a:avLst/>
-          </a:prstGeom>
-          <a:noFill/>
-        </p:spPr>
-        <p:txBody>
-          <a:bodyPr wrap="none" rtlCol="0">
-            <a:spAutoFit/>
-          </a:bodyPr>
-          <a:lstStyle/>
-          <a:p>
-            <a:r>
-              <a:rPr lang="en-US" sz="2400" dirty="0"/>
-              <a:t>Relations </a:t>
-            </a:r>
-            <a:endParaRPr lang="en-NL" sz="2400" dirty="0"/>
-          </a:p>
-        </p:txBody>
-      </p:sp>
-      <p:sp>
-        <p:nvSpPr>
-          <p:cNvPr id="23" name="Rectangle 22">
-            <a:extLst>
-              <a:ext uri="{FF2B5EF4-FFF2-40B4-BE49-F238E27FC236}">
-                <a16:creationId xmlns:a16="http://schemas.microsoft.com/office/drawing/2014/main" id="{8F30AF2C-CEFF-E6F8-90CD-ADE53F3AF17D}"/>
-              </a:ext>
-            </a:extLst>
-          </p:cNvPr>
-          <p:cNvSpPr/>
-          <p:nvPr/>
-        </p:nvSpPr>
-        <p:spPr>
-          <a:xfrm>
-            <a:off x="1802818" y="5092862"/>
-            <a:ext cx="7237579" cy="1404564"/>
-          </a:xfrm>
-          <a:prstGeom prst="rect">
-            <a:avLst/>
-          </a:prstGeom>
-          <a:solidFill>
-            <a:schemeClr val="accent1">
-              <a:alpha val="14000"/>
-            </a:schemeClr>
-          </a:solidFill>
-        </p:spPr>
-        <p:style>
-          <a:lnRef idx="2">
-            <a:schemeClr val="accent1">
-              <a:shade val="15000"/>
-            </a:schemeClr>
-          </a:lnRef>
-          <a:fillRef idx="1">
-            <a:schemeClr val="accent1"/>
-          </a:fillRef>
-          <a:effectRef idx="0">
-            <a:schemeClr val="accent1"/>
-          </a:effectRef>
-          <a:fontRef idx="minor">
-            <a:schemeClr val="lt1"/>
-          </a:fontRef>
-        </p:style>
-        <p:txBody>
-          <a:bodyPr rtlCol="0" anchor="ctr"/>
-          <a:lstStyle/>
-          <a:p>
-            <a:pPr algn="ctr"/>
-            <a:endParaRPr lang="en-NL" sz="2400" dirty="0">
-              <a:latin typeface="Lato" panose="020F0502020204030203" pitchFamily="34" charset="0"/>
-              <a:ea typeface="Lato" panose="020F0502020204030203" pitchFamily="34" charset="0"/>
-              <a:cs typeface="Lato" panose="020F0502020204030203" pitchFamily="34" charset="0"/>
-            </a:endParaRPr>
-          </a:p>
-        </p:txBody>
-      </p:sp>
-    </p:spTree>
-    <p:extLst>
-      <p:ext uri="{BB962C8B-B14F-4D97-AF65-F5344CB8AC3E}">
-        <p14:creationId xmlns:p14="http://schemas.microsoft.com/office/powerpoint/2010/main" val="553191039"/>
       </p:ext>
     </p:extLst>
   </p:cSld>

--- a/Presentations/31082023HRI_Metadata_Schema_ImagingGroup_KickOff.pptx
+++ b/Presentations/31082023HRI_Metadata_Schema_ImagingGroup_KickOff.pptx
@@ -5,14 +5,14 @@
     <p:sldMasterId id="2147483648" r:id="rId1"/>
   </p:sldMasterIdLst>
   <p:notesMasterIdLst>
-    <p:notesMasterId r:id="rId29"/>
+    <p:notesMasterId r:id="rId28"/>
   </p:notesMasterIdLst>
   <p:sldIdLst>
     <p:sldId id="309" r:id="rId2"/>
     <p:sldId id="334" r:id="rId3"/>
     <p:sldId id="283" r:id="rId4"/>
-    <p:sldId id="321" r:id="rId5"/>
-    <p:sldId id="290" r:id="rId6"/>
+    <p:sldId id="290" r:id="rId5"/>
+    <p:sldId id="321" r:id="rId6"/>
     <p:sldId id="327" r:id="rId7"/>
     <p:sldId id="337" r:id="rId8"/>
     <p:sldId id="323" r:id="rId9"/>
@@ -30,11 +30,10 @@
     <p:sldId id="347" r:id="rId21"/>
     <p:sldId id="351" r:id="rId22"/>
     <p:sldId id="354" r:id="rId23"/>
-    <p:sldId id="274" r:id="rId24"/>
-    <p:sldId id="344" r:id="rId25"/>
-    <p:sldId id="336" r:id="rId26"/>
-    <p:sldId id="291" r:id="rId27"/>
-    <p:sldId id="270" r:id="rId28"/>
+    <p:sldId id="344" r:id="rId24"/>
+    <p:sldId id="336" r:id="rId25"/>
+    <p:sldId id="291" r:id="rId26"/>
+    <p:sldId id="270" r:id="rId27"/>
   </p:sldIdLst>
   <p:sldSz cx="12192000" cy="6858000"/>
   <p:notesSz cx="6858000" cy="9144000"/>
@@ -543,110 +542,6 @@
           <a:bodyPr/>
           <a:lstStyle/>
           <a:p>
-            <a:pPr algn="l">
-              <a:buFont typeface="Arial" panose="020B0604020202020204" pitchFamily="34" charset="0"/>
-              <a:buChar char="•"/>
-            </a:pPr>
-            <a:r>
-              <a:rPr lang="en-GB" b="1" i="0" dirty="0">
-                <a:solidFill>
-                  <a:srgbClr val="374151"/>
-                </a:solidFill>
-                <a:effectLst/>
-                <a:latin typeface="Söhne"/>
-              </a:rPr>
-              <a:t>F1:</a:t>
-            </a:r>
-            <a:r>
-              <a:rPr lang="en-GB" b="0" i="0" dirty="0">
-                <a:solidFill>
-                  <a:srgbClr val="374151"/>
-                </a:solidFill>
-                <a:effectLst/>
-                <a:latin typeface="Söhne"/>
-              </a:rPr>
-              <a:t> Data and metadata are assigned a globally unique and persistent identifier.</a:t>
-            </a:r>
-          </a:p>
-          <a:p>
-            <a:pPr algn="l">
-              <a:buFont typeface="Arial" panose="020B0604020202020204" pitchFamily="34" charset="0"/>
-              <a:buChar char="•"/>
-            </a:pPr>
-            <a:r>
-              <a:rPr lang="en-GB" b="1" i="0" dirty="0">
-                <a:solidFill>
-                  <a:srgbClr val="374151"/>
-                </a:solidFill>
-                <a:effectLst/>
-                <a:latin typeface="Söhne"/>
-              </a:rPr>
-              <a:t>F2:</a:t>
-            </a:r>
-            <a:r>
-              <a:rPr lang="en-GB" b="0" i="0" dirty="0">
-                <a:solidFill>
-                  <a:srgbClr val="374151"/>
-                </a:solidFill>
-                <a:effectLst/>
-                <a:latin typeface="Söhne"/>
-              </a:rPr>
-              <a:t> Data are described with rich metadata.</a:t>
-            </a:r>
-          </a:p>
-          <a:p>
-            <a:pPr algn="l">
-              <a:buFont typeface="Arial" panose="020B0604020202020204" pitchFamily="34" charset="0"/>
-              <a:buChar char="•"/>
-            </a:pPr>
-            <a:r>
-              <a:rPr lang="en-GB" b="1" i="0" dirty="0">
-                <a:solidFill>
-                  <a:srgbClr val="374151"/>
-                </a:solidFill>
-                <a:effectLst/>
-                <a:latin typeface="Söhne"/>
-              </a:rPr>
-              <a:t>F3:</a:t>
-            </a:r>
-            <a:r>
-              <a:rPr lang="en-GB" b="0" i="0" dirty="0">
-                <a:solidFill>
-                  <a:srgbClr val="374151"/>
-                </a:solidFill>
-                <a:effectLst/>
-                <a:latin typeface="Söhne"/>
-              </a:rPr>
-              <a:t> Metadata clearly and explicitly include the identifier of the data they describe.</a:t>
-            </a:r>
-          </a:p>
-          <a:p>
-            <a:pPr algn="l">
-              <a:buFont typeface="Arial" panose="020B0604020202020204" pitchFamily="34" charset="0"/>
-              <a:buChar char="•"/>
-            </a:pPr>
-            <a:r>
-              <a:rPr lang="en-GB" b="1" i="0" dirty="0">
-                <a:solidFill>
-                  <a:srgbClr val="374151"/>
-                </a:solidFill>
-                <a:effectLst/>
-                <a:latin typeface="Söhne"/>
-              </a:rPr>
-              <a:t>F4:</a:t>
-            </a:r>
-            <a:r>
-              <a:rPr lang="en-GB" b="0" i="0" dirty="0">
-                <a:solidFill>
-                  <a:srgbClr val="374151"/>
-                </a:solidFill>
-                <a:effectLst/>
-                <a:latin typeface="Söhne"/>
-              </a:rPr>
-              <a:t> Data and metadata are registered or indexed in a searchable resource.</a:t>
-            </a:r>
-          </a:p>
-          <a:p>
             <a:endParaRPr lang="en-NL" dirty="0"/>
           </a:p>
         </p:txBody>
@@ -668,7 +563,7 @@
           <a:p>
             <a:fld id="{5E89D69C-9871-1346-B305-215A53474772}" type="slidenum">
               <a:rPr lang="en-NL" smtClean="0"/>
-              <a:t>4</a:t>
+              <a:t>1</a:t>
             </a:fld>
             <a:endParaRPr lang="en-NL"/>
           </a:p>
@@ -677,7 +572,7 @@
     </p:spTree>
     <p:extLst>
       <p:ext uri="{BB962C8B-B14F-4D97-AF65-F5344CB8AC3E}">
-        <p14:creationId xmlns:p14="http://schemas.microsoft.com/office/powerpoint/2010/main" val="2184507588"/>
+        <p14:creationId xmlns:p14="http://schemas.microsoft.com/office/powerpoint/2010/main" val="2930946805"/>
       </p:ext>
     </p:extLst>
   </p:cSld>
@@ -941,493 +836,107 @@
           <a:bodyPr/>
           <a:lstStyle/>
           <a:p>
-            <a:pPr algn="l"/>
-            <a:r>
-              <a:rPr lang="en-GB" b="0" i="0" dirty="0">
+            <a:pPr algn="l">
+              <a:buFont typeface="Arial" panose="020B0604020202020204" pitchFamily="34" charset="0"/>
+              <a:buChar char="•"/>
+            </a:pPr>
+            <a:r>
+              <a:rPr lang="en-GB" b="1" i="0" dirty="0">
                 <a:solidFill>
                   <a:srgbClr val="374151"/>
                 </a:solidFill>
                 <a:effectLst/>
                 <a:latin typeface="Söhne"/>
               </a:rPr>
-              <a:t>A user requires MRI scans of patients taken over a span of years, ideally both from patients who eventually developed Alzheimer's and those who did not. These longitudinal datasets can help her trace the progression and potential early signs of the disease. She turns to a well-known medical metadata catalogue that hosts a vast array of medical imaging data from various hospitals and research institutions.</a:t>
-            </a:r>
-          </a:p>
-          <a:p>
-            <a:pPr algn="l"/>
-            <a:r>
-              <a:rPr lang="en-GB" b="1" i="0" dirty="0">
+              <a:t>F1:</a:t>
+            </a:r>
+            <a:r>
+              <a:rPr lang="en-GB" b="0" i="0" dirty="0">
                 <a:solidFill>
                   <a:srgbClr val="374151"/>
                 </a:solidFill>
                 <a:effectLst/>
                 <a:latin typeface="Söhne"/>
               </a:rPr>
-              <a:t>Using the Metadata Catalogue</a:t>
-            </a:r>
-            <a:r>
-              <a:rPr lang="en-GB" b="0" i="0" dirty="0">
+              <a:t> Data and metadata are assigned a globally unique and persistent identifier.</a:t>
+            </a:r>
+          </a:p>
+          <a:p>
+            <a:pPr algn="l">
+              <a:buFont typeface="Arial" panose="020B0604020202020204" pitchFamily="34" charset="0"/>
+              <a:buChar char="•"/>
+            </a:pPr>
+            <a:r>
+              <a:rPr lang="en-GB" b="1" i="0" dirty="0">
                 <a:solidFill>
                   <a:srgbClr val="374151"/>
                 </a:solidFill>
                 <a:effectLst/>
                 <a:latin typeface="Söhne"/>
               </a:rPr>
-              <a:t>:</a:t>
-            </a:r>
-          </a:p>
-          <a:p>
-            <a:pPr algn="l">
-              <a:buFont typeface="+mj-lt"/>
-              <a:buAutoNum type="arabicPeriod"/>
-            </a:pPr>
-            <a:r>
-              <a:rPr lang="en-GB" b="1" i="0" dirty="0">
+              <a:t>F2:</a:t>
+            </a:r>
+            <a:r>
+              <a:rPr lang="en-GB" b="0" i="0" dirty="0">
                 <a:solidFill>
                   <a:srgbClr val="374151"/>
                 </a:solidFill>
                 <a:effectLst/>
                 <a:latin typeface="Söhne"/>
               </a:rPr>
-              <a:t>Search by Modality</a:t>
-            </a:r>
-            <a:r>
-              <a:rPr lang="en-GB" b="0" i="0" dirty="0">
+              <a:t> Data are described with rich metadata.</a:t>
+            </a:r>
+          </a:p>
+          <a:p>
+            <a:pPr algn="l">
+              <a:buFont typeface="Arial" panose="020B0604020202020204" pitchFamily="34" charset="0"/>
+              <a:buChar char="•"/>
+            </a:pPr>
+            <a:r>
+              <a:rPr lang="en-GB" b="1" i="0" dirty="0">
                 <a:solidFill>
                   <a:srgbClr val="374151"/>
                 </a:solidFill>
                 <a:effectLst/>
                 <a:latin typeface="Söhne"/>
               </a:rPr>
-              <a:t>:</a:t>
-            </a:r>
-          </a:p>
-          <a:p>
-            <a:pPr marL="742950" lvl="1" indent="-285750" algn="l">
-              <a:buFont typeface="+mj-lt"/>
-              <a:buAutoNum type="arabicPeriod"/>
-            </a:pPr>
-            <a:r>
-              <a:rPr lang="en-GB" b="0" i="0" dirty="0" err="1">
+              <a:t>F3:</a:t>
+            </a:r>
+            <a:r>
+              <a:rPr lang="en-GB" b="0" i="0" dirty="0">
                 <a:solidFill>
                   <a:srgbClr val="374151"/>
                 </a:solidFill>
                 <a:effectLst/>
                 <a:latin typeface="Söhne"/>
               </a:rPr>
-              <a:t>Dr.</a:t>
-            </a:r>
-            <a:r>
-              <a:rPr lang="en-GB" b="0" i="0" dirty="0">
+              <a:t> Metadata clearly and explicitly include the identifier of the data they describe.</a:t>
+            </a:r>
+          </a:p>
+          <a:p>
+            <a:pPr algn="l">
+              <a:buFont typeface="Arial" panose="020B0604020202020204" pitchFamily="34" charset="0"/>
+              <a:buChar char="•"/>
+            </a:pPr>
+            <a:r>
+              <a:rPr lang="en-GB" b="1" i="0" dirty="0">
                 <a:solidFill>
                   <a:srgbClr val="374151"/>
                 </a:solidFill>
                 <a:effectLst/>
                 <a:latin typeface="Söhne"/>
               </a:rPr>
-              <a:t> Mitchell starts by filtering datasets that only contain MRI scans, ensuring she's looking at the right type of imaging data.</a:t>
-            </a:r>
-          </a:p>
-          <a:p>
-            <a:pPr algn="l">
-              <a:buFont typeface="+mj-lt"/>
-              <a:buAutoNum type="arabicPeriod"/>
-            </a:pPr>
-            <a:r>
-              <a:rPr lang="en-GB" b="1" i="0" dirty="0">
+              <a:t>F4:</a:t>
+            </a:r>
+            <a:r>
+              <a:rPr lang="en-GB" b="0" i="0" dirty="0">
                 <a:solidFill>
                   <a:srgbClr val="374151"/>
                 </a:solidFill>
                 <a:effectLst/>
                 <a:latin typeface="Söhne"/>
               </a:rPr>
-              <a:t>Focus on Brain Scans</a:t>
-            </a:r>
-            <a:r>
-              <a:rPr lang="en-GB" b="0" i="0" dirty="0">
-                <a:solidFill>
-                  <a:srgbClr val="374151"/>
-                </a:solidFill>
-                <a:effectLst/>
-                <a:latin typeface="Söhne"/>
-              </a:rPr>
-              <a:t>:</a:t>
-            </a:r>
-          </a:p>
-          <a:p>
-            <a:pPr marL="742950" lvl="1" indent="-285750" algn="l">
-              <a:buFont typeface="+mj-lt"/>
-              <a:buAutoNum type="arabicPeriod"/>
-            </a:pPr>
-            <a:r>
-              <a:rPr lang="en-GB" b="0" i="0" dirty="0">
-                <a:solidFill>
-                  <a:srgbClr val="374151"/>
-                </a:solidFill>
-                <a:effectLst/>
-                <a:latin typeface="Söhne"/>
-              </a:rPr>
-              <a:t>Among MRI scans, she further refines her search to only include datasets with brain imaging, excluding other parts of the body.</a:t>
-            </a:r>
-          </a:p>
-          <a:p>
-            <a:pPr algn="l">
-              <a:buFont typeface="+mj-lt"/>
-              <a:buAutoNum type="arabicPeriod"/>
-            </a:pPr>
-            <a:r>
-              <a:rPr lang="en-GB" b="1" i="0" dirty="0">
-                <a:solidFill>
-                  <a:srgbClr val="374151"/>
-                </a:solidFill>
-                <a:effectLst/>
-                <a:latin typeface="Söhne"/>
-              </a:rPr>
-              <a:t>Time Period</a:t>
-            </a:r>
-            <a:r>
-              <a:rPr lang="en-GB" b="0" i="0" dirty="0">
-                <a:solidFill>
-                  <a:srgbClr val="374151"/>
-                </a:solidFill>
-                <a:effectLst/>
-                <a:latin typeface="Söhne"/>
-              </a:rPr>
-              <a:t>:</a:t>
-            </a:r>
-          </a:p>
-          <a:p>
-            <a:pPr marL="742950" lvl="1" indent="-285750" algn="l">
-              <a:buFont typeface="+mj-lt"/>
-              <a:buAutoNum type="arabicPeriod"/>
-            </a:pPr>
-            <a:r>
-              <a:rPr lang="en-GB" b="0" i="0" dirty="0">
-                <a:solidFill>
-                  <a:srgbClr val="374151"/>
-                </a:solidFill>
-                <a:effectLst/>
-                <a:latin typeface="Söhne"/>
-              </a:rPr>
-              <a:t>She's interested in data spanning the last 20 years, so she sets the date range from 2003 to 2023.</a:t>
-            </a:r>
-          </a:p>
-          <a:p>
-            <a:pPr algn="l">
-              <a:buFont typeface="+mj-lt"/>
-              <a:buAutoNum type="arabicPeriod"/>
-            </a:pPr>
-            <a:r>
-              <a:rPr lang="en-GB" b="1" i="0" dirty="0">
-                <a:solidFill>
-                  <a:srgbClr val="374151"/>
-                </a:solidFill>
-                <a:effectLst/>
-                <a:latin typeface="Söhne"/>
-              </a:rPr>
-              <a:t>Patient Demographics</a:t>
-            </a:r>
-            <a:r>
-              <a:rPr lang="en-GB" b="0" i="0" dirty="0">
-                <a:solidFill>
-                  <a:srgbClr val="374151"/>
-                </a:solidFill>
-                <a:effectLst/>
-                <a:latin typeface="Söhne"/>
-              </a:rPr>
-              <a:t>:</a:t>
-            </a:r>
-          </a:p>
-          <a:p>
-            <a:pPr marL="742950" lvl="1" indent="-285750" algn="l">
-              <a:buFont typeface="+mj-lt"/>
-              <a:buAutoNum type="arabicPeriod"/>
-            </a:pPr>
-            <a:r>
-              <a:rPr lang="en-GB" b="0" i="0" dirty="0" err="1">
-                <a:solidFill>
-                  <a:srgbClr val="374151"/>
-                </a:solidFill>
-                <a:effectLst/>
-                <a:latin typeface="Söhne"/>
-              </a:rPr>
-              <a:t>Dr.</a:t>
-            </a:r>
-            <a:r>
-              <a:rPr lang="en-GB" b="0" i="0" dirty="0">
-                <a:solidFill>
-                  <a:srgbClr val="374151"/>
-                </a:solidFill>
-                <a:effectLst/>
-                <a:latin typeface="Söhne"/>
-              </a:rPr>
-              <a:t> Mitchell wants a diverse dataset. She looks for datasets that include a breakdown of patient age, gender, and ethnicity.</a:t>
-            </a:r>
-          </a:p>
-          <a:p>
-            <a:pPr algn="l">
-              <a:buFont typeface="+mj-lt"/>
-              <a:buAutoNum type="arabicPeriod"/>
-            </a:pPr>
-            <a:r>
-              <a:rPr lang="en-GB" b="1" i="0" dirty="0">
-                <a:solidFill>
-                  <a:srgbClr val="374151"/>
-                </a:solidFill>
-                <a:effectLst/>
-                <a:latin typeface="Söhne"/>
-              </a:rPr>
-              <a:t>Clinical Annotations</a:t>
-            </a:r>
-            <a:r>
-              <a:rPr lang="en-GB" b="0" i="0" dirty="0">
-                <a:solidFill>
-                  <a:srgbClr val="374151"/>
-                </a:solidFill>
-                <a:effectLst/>
-                <a:latin typeface="Söhne"/>
-              </a:rPr>
-              <a:t>:</a:t>
-            </a:r>
-          </a:p>
-          <a:p>
-            <a:pPr marL="742950" lvl="1" indent="-285750" algn="l">
-              <a:buFont typeface="+mj-lt"/>
-              <a:buAutoNum type="arabicPeriod"/>
-            </a:pPr>
-            <a:r>
-              <a:rPr lang="en-GB" b="0" i="0" dirty="0">
-                <a:solidFill>
-                  <a:srgbClr val="374151"/>
-                </a:solidFill>
-                <a:effectLst/>
-                <a:latin typeface="Söhne"/>
-              </a:rPr>
-              <a:t>Datasets that come with clinical notes or annotations indicating whether a patient was later diagnosed with Alzheimer's are of particular value. She filters to prioritize these.</a:t>
-            </a:r>
-          </a:p>
-          <a:p>
-            <a:pPr algn="l">
-              <a:buFont typeface="+mj-lt"/>
-              <a:buAutoNum type="arabicPeriod"/>
-            </a:pPr>
-            <a:r>
-              <a:rPr lang="en-GB" b="1" i="0" dirty="0">
-                <a:solidFill>
-                  <a:srgbClr val="374151"/>
-                </a:solidFill>
-                <a:effectLst/>
-                <a:latin typeface="Söhne"/>
-              </a:rPr>
-              <a:t>Resolution and Quality</a:t>
-            </a:r>
-            <a:r>
-              <a:rPr lang="en-GB" b="0" i="0" dirty="0">
-                <a:solidFill>
-                  <a:srgbClr val="374151"/>
-                </a:solidFill>
-                <a:effectLst/>
-                <a:latin typeface="Söhne"/>
-              </a:rPr>
-              <a:t>:</a:t>
-            </a:r>
-          </a:p>
-          <a:p>
-            <a:pPr marL="742950" lvl="1" indent="-285750" algn="l">
-              <a:buFont typeface="+mj-lt"/>
-              <a:buAutoNum type="arabicPeriod"/>
-            </a:pPr>
-            <a:r>
-              <a:rPr lang="en-GB" b="0" i="0" dirty="0">
-                <a:solidFill>
-                  <a:srgbClr val="374151"/>
-                </a:solidFill>
-                <a:effectLst/>
-                <a:latin typeface="Söhne"/>
-              </a:rPr>
-              <a:t>High-resolution MRI scans are essential for her analysis, so she specifies a minimum acceptable resolution.</a:t>
-            </a:r>
-          </a:p>
-          <a:p>
-            <a:pPr algn="l">
-              <a:buFont typeface="+mj-lt"/>
-              <a:buAutoNum type="arabicPeriod"/>
-            </a:pPr>
-            <a:r>
-              <a:rPr lang="en-GB" b="1" i="0" dirty="0">
-                <a:solidFill>
-                  <a:srgbClr val="374151"/>
-                </a:solidFill>
-                <a:effectLst/>
-                <a:latin typeface="Söhne"/>
-              </a:rPr>
-              <a:t>Data Usage Policies</a:t>
-            </a:r>
-            <a:r>
-              <a:rPr lang="en-GB" b="0" i="0" dirty="0">
-                <a:solidFill>
-                  <a:srgbClr val="374151"/>
-                </a:solidFill>
-                <a:effectLst/>
-                <a:latin typeface="Söhne"/>
-              </a:rPr>
-              <a:t>:</a:t>
-            </a:r>
-          </a:p>
-          <a:p>
-            <a:pPr marL="742950" lvl="1" indent="-285750" algn="l">
-              <a:buFont typeface="+mj-lt"/>
-              <a:buAutoNum type="arabicPeriod"/>
-            </a:pPr>
-            <a:r>
-              <a:rPr lang="en-GB" b="0" i="0" dirty="0" err="1">
-                <a:solidFill>
-                  <a:srgbClr val="374151"/>
-                </a:solidFill>
-                <a:effectLst/>
-                <a:latin typeface="Söhne"/>
-              </a:rPr>
-              <a:t>Dr.</a:t>
-            </a:r>
-            <a:r>
-              <a:rPr lang="en-GB" b="0" i="0" dirty="0">
-                <a:solidFill>
-                  <a:srgbClr val="374151"/>
-                </a:solidFill>
-                <a:effectLst/>
-                <a:latin typeface="Söhne"/>
-              </a:rPr>
-              <a:t> Mitchell checks for datasets with clear licensing and usage terms. She prefers datasets that are available for academic research without stringent restrictions.</a:t>
-            </a:r>
-          </a:p>
-          <a:p>
-            <a:pPr algn="l">
-              <a:buFont typeface="+mj-lt"/>
-              <a:buAutoNum type="arabicPeriod"/>
-            </a:pPr>
-            <a:r>
-              <a:rPr lang="en-GB" b="1" i="0" dirty="0">
-                <a:solidFill>
-                  <a:srgbClr val="374151"/>
-                </a:solidFill>
-                <a:effectLst/>
-                <a:latin typeface="Söhne"/>
-              </a:rPr>
-              <a:t>Associated Metadata</a:t>
-            </a:r>
-            <a:r>
-              <a:rPr lang="en-GB" b="0" i="0" dirty="0">
-                <a:solidFill>
-                  <a:srgbClr val="374151"/>
-                </a:solidFill>
-                <a:effectLst/>
-                <a:latin typeface="Söhne"/>
-              </a:rPr>
-              <a:t>:</a:t>
-            </a:r>
-          </a:p>
-          <a:p>
-            <a:pPr marL="742950" lvl="1" indent="-285750" algn="l">
-              <a:buFont typeface="+mj-lt"/>
-              <a:buAutoNum type="arabicPeriod"/>
-            </a:pPr>
-            <a:r>
-              <a:rPr lang="en-GB" b="0" i="0" dirty="0">
-                <a:solidFill>
-                  <a:srgbClr val="374151"/>
-                </a:solidFill>
-                <a:effectLst/>
-                <a:latin typeface="Söhne"/>
-              </a:rPr>
-              <a:t>Metadata about the MRI machine model, settings, and software can influence the imaging results. She prefers datasets that provide this information for consistency and to understand any potential biases.</a:t>
-            </a:r>
-          </a:p>
-          <a:p>
-            <a:pPr algn="l">
-              <a:buFont typeface="+mj-lt"/>
-              <a:buAutoNum type="arabicPeriod"/>
-            </a:pPr>
-            <a:r>
-              <a:rPr lang="en-GB" b="1" i="0" dirty="0">
-                <a:solidFill>
-                  <a:srgbClr val="374151"/>
-                </a:solidFill>
-                <a:effectLst/>
-                <a:latin typeface="Söhne"/>
-              </a:rPr>
-              <a:t>Feedback and Citations</a:t>
-            </a:r>
-            <a:r>
-              <a:rPr lang="en-GB" b="0" i="0" dirty="0">
-                <a:solidFill>
-                  <a:srgbClr val="374151"/>
-                </a:solidFill>
-                <a:effectLst/>
-                <a:latin typeface="Söhne"/>
-              </a:rPr>
-              <a:t>:</a:t>
-            </a:r>
-          </a:p>
-          <a:p>
-            <a:pPr marL="742950" lvl="1" indent="-285750" algn="l">
-              <a:buFont typeface="+mj-lt"/>
-              <a:buAutoNum type="arabicPeriod"/>
-            </a:pPr>
-            <a:r>
-              <a:rPr lang="en-GB" b="0" i="0" dirty="0">
-                <a:solidFill>
-                  <a:srgbClr val="374151"/>
-                </a:solidFill>
-                <a:effectLst/>
-                <a:latin typeface="Söhne"/>
-              </a:rPr>
-              <a:t>The metadata catalogue has a feature where researchers can leave feedback or cite datasets they've used. </a:t>
-            </a:r>
-            <a:r>
-              <a:rPr lang="en-GB" b="0" i="0" dirty="0" err="1">
-                <a:solidFill>
-                  <a:srgbClr val="374151"/>
-                </a:solidFill>
-                <a:effectLst/>
-                <a:latin typeface="Söhne"/>
-              </a:rPr>
-              <a:t>Dr.</a:t>
-            </a:r>
-            <a:r>
-              <a:rPr lang="en-GB" b="0" i="0" dirty="0">
-                <a:solidFill>
-                  <a:srgbClr val="374151"/>
-                </a:solidFill>
-                <a:effectLst/>
-                <a:latin typeface="Söhne"/>
-              </a:rPr>
-              <a:t> Mitchell checks datasets with positive feedback and those frequently used in published research.</a:t>
-            </a:r>
-          </a:p>
-          <a:p>
-            <a:pPr algn="l">
-              <a:buFont typeface="+mj-lt"/>
-              <a:buAutoNum type="arabicPeriod"/>
-            </a:pPr>
-            <a:r>
-              <a:rPr lang="en-GB" b="1" i="0" dirty="0">
-                <a:solidFill>
-                  <a:srgbClr val="374151"/>
-                </a:solidFill>
-                <a:effectLst/>
-                <a:latin typeface="Söhne"/>
-              </a:rPr>
-              <a:t>Dataset Download</a:t>
-            </a:r>
-            <a:r>
-              <a:rPr lang="en-GB" b="0" i="0" dirty="0">
-                <a:solidFill>
-                  <a:srgbClr val="374151"/>
-                </a:solidFill>
-                <a:effectLst/>
-                <a:latin typeface="Söhne"/>
-              </a:rPr>
-              <a:t>:</a:t>
+              <a:t> Data and metadata are registered or indexed in a searchable resource.</a:t>
             </a:r>
           </a:p>
           <a:p>
@@ -1452,7 +961,7 @@
           <a:p>
             <a:fld id="{5E89D69C-9871-1346-B305-215A53474772}" type="slidenum">
               <a:rPr lang="en-NL" smtClean="0"/>
-              <a:t>16</a:t>
+              <a:t>5</a:t>
             </a:fld>
             <a:endParaRPr lang="en-NL"/>
           </a:p>
@@ -1461,7 +970,7 @@
     </p:spTree>
     <p:extLst>
       <p:ext uri="{BB962C8B-B14F-4D97-AF65-F5344CB8AC3E}">
-        <p14:creationId xmlns:p14="http://schemas.microsoft.com/office/powerpoint/2010/main" val="1160279141"/>
+        <p14:creationId xmlns:p14="http://schemas.microsoft.com/office/powerpoint/2010/main" val="2184507588"/>
       </p:ext>
     </p:extLst>
   </p:cSld>
@@ -1515,6 +1024,496 @@
           <a:bodyPr/>
           <a:lstStyle/>
           <a:p>
+            <a:pPr algn="l"/>
+            <a:r>
+              <a:rPr lang="en-GB" b="0" i="0" dirty="0">
+                <a:solidFill>
+                  <a:srgbClr val="374151"/>
+                </a:solidFill>
+                <a:effectLst/>
+                <a:latin typeface="Söhne"/>
+              </a:rPr>
+              <a:t>A user requires MRI scans of patients taken over a span of years, ideally both from patients who eventually developed Alzheimer's and those who did not. These longitudinal datasets can help her trace the progression and potential early signs of the disease. She turns to a well-known medical metadata catalogue that hosts a vast array of medical imaging data from various hospitals and research institutions.</a:t>
+            </a:r>
+          </a:p>
+          <a:p>
+            <a:pPr algn="l"/>
+            <a:r>
+              <a:rPr lang="en-GB" b="1" i="0" dirty="0">
+                <a:solidFill>
+                  <a:srgbClr val="374151"/>
+                </a:solidFill>
+                <a:effectLst/>
+                <a:latin typeface="Söhne"/>
+              </a:rPr>
+              <a:t>Using the Metadata Catalogue</a:t>
+            </a:r>
+            <a:r>
+              <a:rPr lang="en-GB" b="0" i="0" dirty="0">
+                <a:solidFill>
+                  <a:srgbClr val="374151"/>
+                </a:solidFill>
+                <a:effectLst/>
+                <a:latin typeface="Söhne"/>
+              </a:rPr>
+              <a:t>:</a:t>
+            </a:r>
+          </a:p>
+          <a:p>
+            <a:pPr algn="l">
+              <a:buFont typeface="+mj-lt"/>
+              <a:buAutoNum type="arabicPeriod"/>
+            </a:pPr>
+            <a:r>
+              <a:rPr lang="en-GB" b="1" i="0" dirty="0">
+                <a:solidFill>
+                  <a:srgbClr val="374151"/>
+                </a:solidFill>
+                <a:effectLst/>
+                <a:latin typeface="Söhne"/>
+              </a:rPr>
+              <a:t>Search by Modality</a:t>
+            </a:r>
+            <a:r>
+              <a:rPr lang="en-GB" b="0" i="0" dirty="0">
+                <a:solidFill>
+                  <a:srgbClr val="374151"/>
+                </a:solidFill>
+                <a:effectLst/>
+                <a:latin typeface="Söhne"/>
+              </a:rPr>
+              <a:t>:</a:t>
+            </a:r>
+          </a:p>
+          <a:p>
+            <a:pPr marL="742950" lvl="1" indent="-285750" algn="l">
+              <a:buFont typeface="+mj-lt"/>
+              <a:buAutoNum type="arabicPeriod"/>
+            </a:pPr>
+            <a:r>
+              <a:rPr lang="en-GB" b="0" i="0" dirty="0" err="1">
+                <a:solidFill>
+                  <a:srgbClr val="374151"/>
+                </a:solidFill>
+                <a:effectLst/>
+                <a:latin typeface="Söhne"/>
+              </a:rPr>
+              <a:t>Dr.</a:t>
+            </a:r>
+            <a:r>
+              <a:rPr lang="en-GB" b="0" i="0" dirty="0">
+                <a:solidFill>
+                  <a:srgbClr val="374151"/>
+                </a:solidFill>
+                <a:effectLst/>
+                <a:latin typeface="Söhne"/>
+              </a:rPr>
+              <a:t> Mitchell starts by filtering datasets that only contain MRI scans, ensuring she's looking at the right type of imaging data.</a:t>
+            </a:r>
+          </a:p>
+          <a:p>
+            <a:pPr algn="l">
+              <a:buFont typeface="+mj-lt"/>
+              <a:buAutoNum type="arabicPeriod"/>
+            </a:pPr>
+            <a:r>
+              <a:rPr lang="en-GB" b="1" i="0" dirty="0">
+                <a:solidFill>
+                  <a:srgbClr val="374151"/>
+                </a:solidFill>
+                <a:effectLst/>
+                <a:latin typeface="Söhne"/>
+              </a:rPr>
+              <a:t>Focus on Brain Scans</a:t>
+            </a:r>
+            <a:r>
+              <a:rPr lang="en-GB" b="0" i="0" dirty="0">
+                <a:solidFill>
+                  <a:srgbClr val="374151"/>
+                </a:solidFill>
+                <a:effectLst/>
+                <a:latin typeface="Söhne"/>
+              </a:rPr>
+              <a:t>:</a:t>
+            </a:r>
+          </a:p>
+          <a:p>
+            <a:pPr marL="742950" lvl="1" indent="-285750" algn="l">
+              <a:buFont typeface="+mj-lt"/>
+              <a:buAutoNum type="arabicPeriod"/>
+            </a:pPr>
+            <a:r>
+              <a:rPr lang="en-GB" b="0" i="0" dirty="0">
+                <a:solidFill>
+                  <a:srgbClr val="374151"/>
+                </a:solidFill>
+                <a:effectLst/>
+                <a:latin typeface="Söhne"/>
+              </a:rPr>
+              <a:t>Among MRI scans, she further refines her search to only include datasets with brain imaging, excluding other parts of the body.</a:t>
+            </a:r>
+          </a:p>
+          <a:p>
+            <a:pPr algn="l">
+              <a:buFont typeface="+mj-lt"/>
+              <a:buAutoNum type="arabicPeriod"/>
+            </a:pPr>
+            <a:r>
+              <a:rPr lang="en-GB" b="1" i="0" dirty="0">
+                <a:solidFill>
+                  <a:srgbClr val="374151"/>
+                </a:solidFill>
+                <a:effectLst/>
+                <a:latin typeface="Söhne"/>
+              </a:rPr>
+              <a:t>Time Period</a:t>
+            </a:r>
+            <a:r>
+              <a:rPr lang="en-GB" b="0" i="0" dirty="0">
+                <a:solidFill>
+                  <a:srgbClr val="374151"/>
+                </a:solidFill>
+                <a:effectLst/>
+                <a:latin typeface="Söhne"/>
+              </a:rPr>
+              <a:t>:</a:t>
+            </a:r>
+          </a:p>
+          <a:p>
+            <a:pPr marL="742950" lvl="1" indent="-285750" algn="l">
+              <a:buFont typeface="+mj-lt"/>
+              <a:buAutoNum type="arabicPeriod"/>
+            </a:pPr>
+            <a:r>
+              <a:rPr lang="en-GB" b="0" i="0" dirty="0">
+                <a:solidFill>
+                  <a:srgbClr val="374151"/>
+                </a:solidFill>
+                <a:effectLst/>
+                <a:latin typeface="Söhne"/>
+              </a:rPr>
+              <a:t>She's interested in data spanning the last 20 years, so she sets the date range from 2003 to 2023.</a:t>
+            </a:r>
+          </a:p>
+          <a:p>
+            <a:pPr algn="l">
+              <a:buFont typeface="+mj-lt"/>
+              <a:buAutoNum type="arabicPeriod"/>
+            </a:pPr>
+            <a:r>
+              <a:rPr lang="en-GB" b="1" i="0" dirty="0">
+                <a:solidFill>
+                  <a:srgbClr val="374151"/>
+                </a:solidFill>
+                <a:effectLst/>
+                <a:latin typeface="Söhne"/>
+              </a:rPr>
+              <a:t>Patient Demographics</a:t>
+            </a:r>
+            <a:r>
+              <a:rPr lang="en-GB" b="0" i="0" dirty="0">
+                <a:solidFill>
+                  <a:srgbClr val="374151"/>
+                </a:solidFill>
+                <a:effectLst/>
+                <a:latin typeface="Söhne"/>
+              </a:rPr>
+              <a:t>:</a:t>
+            </a:r>
+          </a:p>
+          <a:p>
+            <a:pPr marL="742950" lvl="1" indent="-285750" algn="l">
+              <a:buFont typeface="+mj-lt"/>
+              <a:buAutoNum type="arabicPeriod"/>
+            </a:pPr>
+            <a:r>
+              <a:rPr lang="en-GB" b="0" i="0" dirty="0" err="1">
+                <a:solidFill>
+                  <a:srgbClr val="374151"/>
+                </a:solidFill>
+                <a:effectLst/>
+                <a:latin typeface="Söhne"/>
+              </a:rPr>
+              <a:t>Dr.</a:t>
+            </a:r>
+            <a:r>
+              <a:rPr lang="en-GB" b="0" i="0" dirty="0">
+                <a:solidFill>
+                  <a:srgbClr val="374151"/>
+                </a:solidFill>
+                <a:effectLst/>
+                <a:latin typeface="Söhne"/>
+              </a:rPr>
+              <a:t> Mitchell wants a diverse dataset. She looks for datasets that include a breakdown of patient age, gender, and ethnicity.</a:t>
+            </a:r>
+          </a:p>
+          <a:p>
+            <a:pPr algn="l">
+              <a:buFont typeface="+mj-lt"/>
+              <a:buAutoNum type="arabicPeriod"/>
+            </a:pPr>
+            <a:r>
+              <a:rPr lang="en-GB" b="1" i="0" dirty="0">
+                <a:solidFill>
+                  <a:srgbClr val="374151"/>
+                </a:solidFill>
+                <a:effectLst/>
+                <a:latin typeface="Söhne"/>
+              </a:rPr>
+              <a:t>Clinical Annotations</a:t>
+            </a:r>
+            <a:r>
+              <a:rPr lang="en-GB" b="0" i="0" dirty="0">
+                <a:solidFill>
+                  <a:srgbClr val="374151"/>
+                </a:solidFill>
+                <a:effectLst/>
+                <a:latin typeface="Söhne"/>
+              </a:rPr>
+              <a:t>:</a:t>
+            </a:r>
+          </a:p>
+          <a:p>
+            <a:pPr marL="742950" lvl="1" indent="-285750" algn="l">
+              <a:buFont typeface="+mj-lt"/>
+              <a:buAutoNum type="arabicPeriod"/>
+            </a:pPr>
+            <a:r>
+              <a:rPr lang="en-GB" b="0" i="0" dirty="0">
+                <a:solidFill>
+                  <a:srgbClr val="374151"/>
+                </a:solidFill>
+                <a:effectLst/>
+                <a:latin typeface="Söhne"/>
+              </a:rPr>
+              <a:t>Datasets that come with clinical notes or annotations indicating whether a patient was later diagnosed with Alzheimer's are of particular value. She filters to prioritize these.</a:t>
+            </a:r>
+          </a:p>
+          <a:p>
+            <a:pPr algn="l">
+              <a:buFont typeface="+mj-lt"/>
+              <a:buAutoNum type="arabicPeriod"/>
+            </a:pPr>
+            <a:r>
+              <a:rPr lang="en-GB" b="1" i="0" dirty="0">
+                <a:solidFill>
+                  <a:srgbClr val="374151"/>
+                </a:solidFill>
+                <a:effectLst/>
+                <a:latin typeface="Söhne"/>
+              </a:rPr>
+              <a:t>Resolution and Quality</a:t>
+            </a:r>
+            <a:r>
+              <a:rPr lang="en-GB" b="0" i="0" dirty="0">
+                <a:solidFill>
+                  <a:srgbClr val="374151"/>
+                </a:solidFill>
+                <a:effectLst/>
+                <a:latin typeface="Söhne"/>
+              </a:rPr>
+              <a:t>:</a:t>
+            </a:r>
+          </a:p>
+          <a:p>
+            <a:pPr marL="742950" lvl="1" indent="-285750" algn="l">
+              <a:buFont typeface="+mj-lt"/>
+              <a:buAutoNum type="arabicPeriod"/>
+            </a:pPr>
+            <a:r>
+              <a:rPr lang="en-GB" b="0" i="0" dirty="0">
+                <a:solidFill>
+                  <a:srgbClr val="374151"/>
+                </a:solidFill>
+                <a:effectLst/>
+                <a:latin typeface="Söhne"/>
+              </a:rPr>
+              <a:t>High-resolution MRI scans are essential for her analysis, so she specifies a minimum acceptable resolution.</a:t>
+            </a:r>
+          </a:p>
+          <a:p>
+            <a:pPr algn="l">
+              <a:buFont typeface="+mj-lt"/>
+              <a:buAutoNum type="arabicPeriod"/>
+            </a:pPr>
+            <a:r>
+              <a:rPr lang="en-GB" b="1" i="0" dirty="0">
+                <a:solidFill>
+                  <a:srgbClr val="374151"/>
+                </a:solidFill>
+                <a:effectLst/>
+                <a:latin typeface="Söhne"/>
+              </a:rPr>
+              <a:t>Data Usage Policies</a:t>
+            </a:r>
+            <a:r>
+              <a:rPr lang="en-GB" b="0" i="0" dirty="0">
+                <a:solidFill>
+                  <a:srgbClr val="374151"/>
+                </a:solidFill>
+                <a:effectLst/>
+                <a:latin typeface="Söhne"/>
+              </a:rPr>
+              <a:t>:</a:t>
+            </a:r>
+          </a:p>
+          <a:p>
+            <a:pPr marL="742950" lvl="1" indent="-285750" algn="l">
+              <a:buFont typeface="+mj-lt"/>
+              <a:buAutoNum type="arabicPeriod"/>
+            </a:pPr>
+            <a:r>
+              <a:rPr lang="en-GB" b="0" i="0" dirty="0" err="1">
+                <a:solidFill>
+                  <a:srgbClr val="374151"/>
+                </a:solidFill>
+                <a:effectLst/>
+                <a:latin typeface="Söhne"/>
+              </a:rPr>
+              <a:t>Dr.</a:t>
+            </a:r>
+            <a:r>
+              <a:rPr lang="en-GB" b="0" i="0" dirty="0">
+                <a:solidFill>
+                  <a:srgbClr val="374151"/>
+                </a:solidFill>
+                <a:effectLst/>
+                <a:latin typeface="Söhne"/>
+              </a:rPr>
+              <a:t> Mitchell checks for datasets with clear licensing and usage terms. She prefers datasets that are available for academic research without stringent restrictions.</a:t>
+            </a:r>
+          </a:p>
+          <a:p>
+            <a:pPr algn="l">
+              <a:buFont typeface="+mj-lt"/>
+              <a:buAutoNum type="arabicPeriod"/>
+            </a:pPr>
+            <a:r>
+              <a:rPr lang="en-GB" b="1" i="0" dirty="0">
+                <a:solidFill>
+                  <a:srgbClr val="374151"/>
+                </a:solidFill>
+                <a:effectLst/>
+                <a:latin typeface="Söhne"/>
+              </a:rPr>
+              <a:t>Associated Metadata</a:t>
+            </a:r>
+            <a:r>
+              <a:rPr lang="en-GB" b="0" i="0" dirty="0">
+                <a:solidFill>
+                  <a:srgbClr val="374151"/>
+                </a:solidFill>
+                <a:effectLst/>
+                <a:latin typeface="Söhne"/>
+              </a:rPr>
+              <a:t>:</a:t>
+            </a:r>
+          </a:p>
+          <a:p>
+            <a:pPr marL="742950" lvl="1" indent="-285750" algn="l">
+              <a:buFont typeface="+mj-lt"/>
+              <a:buAutoNum type="arabicPeriod"/>
+            </a:pPr>
+            <a:r>
+              <a:rPr lang="en-GB" b="0" i="0" dirty="0">
+                <a:solidFill>
+                  <a:srgbClr val="374151"/>
+                </a:solidFill>
+                <a:effectLst/>
+                <a:latin typeface="Söhne"/>
+              </a:rPr>
+              <a:t>Metadata about the MRI machine model, settings, and software can influence the imaging results. She prefers datasets that provide this information for consistency and to understand any potential biases.</a:t>
+            </a:r>
+          </a:p>
+          <a:p>
+            <a:pPr algn="l">
+              <a:buFont typeface="+mj-lt"/>
+              <a:buAutoNum type="arabicPeriod"/>
+            </a:pPr>
+            <a:r>
+              <a:rPr lang="en-GB" b="1" i="0" dirty="0">
+                <a:solidFill>
+                  <a:srgbClr val="374151"/>
+                </a:solidFill>
+                <a:effectLst/>
+                <a:latin typeface="Söhne"/>
+              </a:rPr>
+              <a:t>Feedback and Citations</a:t>
+            </a:r>
+            <a:r>
+              <a:rPr lang="en-GB" b="0" i="0" dirty="0">
+                <a:solidFill>
+                  <a:srgbClr val="374151"/>
+                </a:solidFill>
+                <a:effectLst/>
+                <a:latin typeface="Söhne"/>
+              </a:rPr>
+              <a:t>:</a:t>
+            </a:r>
+          </a:p>
+          <a:p>
+            <a:pPr marL="742950" lvl="1" indent="-285750" algn="l">
+              <a:buFont typeface="+mj-lt"/>
+              <a:buAutoNum type="arabicPeriod"/>
+            </a:pPr>
+            <a:r>
+              <a:rPr lang="en-GB" b="0" i="0" dirty="0">
+                <a:solidFill>
+                  <a:srgbClr val="374151"/>
+                </a:solidFill>
+                <a:effectLst/>
+                <a:latin typeface="Söhne"/>
+              </a:rPr>
+              <a:t>The metadata catalogue has a feature where researchers can leave feedback or cite datasets they've used. </a:t>
+            </a:r>
+            <a:r>
+              <a:rPr lang="en-GB" b="0" i="0" dirty="0" err="1">
+                <a:solidFill>
+                  <a:srgbClr val="374151"/>
+                </a:solidFill>
+                <a:effectLst/>
+                <a:latin typeface="Söhne"/>
+              </a:rPr>
+              <a:t>Dr.</a:t>
+            </a:r>
+            <a:r>
+              <a:rPr lang="en-GB" b="0" i="0" dirty="0">
+                <a:solidFill>
+                  <a:srgbClr val="374151"/>
+                </a:solidFill>
+                <a:effectLst/>
+                <a:latin typeface="Söhne"/>
+              </a:rPr>
+              <a:t> Mitchell checks datasets with positive feedback and those frequently used in published research.</a:t>
+            </a:r>
+          </a:p>
+          <a:p>
+            <a:pPr algn="l">
+              <a:buFont typeface="+mj-lt"/>
+              <a:buAutoNum type="arabicPeriod"/>
+            </a:pPr>
+            <a:r>
+              <a:rPr lang="en-GB" b="1" i="0" dirty="0">
+                <a:solidFill>
+                  <a:srgbClr val="374151"/>
+                </a:solidFill>
+                <a:effectLst/>
+                <a:latin typeface="Söhne"/>
+              </a:rPr>
+              <a:t>Dataset Download</a:t>
+            </a:r>
+            <a:r>
+              <a:rPr lang="en-GB" b="0" i="0" dirty="0">
+                <a:solidFill>
+                  <a:srgbClr val="374151"/>
+                </a:solidFill>
+                <a:effectLst/>
+                <a:latin typeface="Söhne"/>
+              </a:rPr>
+              <a:t>:</a:t>
+            </a:r>
+          </a:p>
+          <a:p>
             <a:endParaRPr lang="en-NL" dirty="0"/>
           </a:p>
         </p:txBody>
@@ -1536,7 +1535,7 @@
           <a:p>
             <a:fld id="{5E89D69C-9871-1346-B305-215A53474772}" type="slidenum">
               <a:rPr lang="en-NL" smtClean="0"/>
-              <a:t>18</a:t>
+              <a:t>16</a:t>
             </a:fld>
             <a:endParaRPr lang="en-NL"/>
           </a:p>
@@ -1545,7 +1544,7 @@
     </p:spTree>
     <p:extLst>
       <p:ext uri="{BB962C8B-B14F-4D97-AF65-F5344CB8AC3E}">
-        <p14:creationId xmlns:p14="http://schemas.microsoft.com/office/powerpoint/2010/main" val="451820948"/>
+        <p14:creationId xmlns:p14="http://schemas.microsoft.com/office/powerpoint/2010/main" val="1160279141"/>
       </p:ext>
     </p:extLst>
   </p:cSld>
@@ -1620,7 +1619,7 @@
           <a:p>
             <a:fld id="{5E89D69C-9871-1346-B305-215A53474772}" type="slidenum">
               <a:rPr lang="en-NL" smtClean="0"/>
-              <a:t>21</a:t>
+              <a:t>18</a:t>
             </a:fld>
             <a:endParaRPr lang="en-NL"/>
           </a:p>
@@ -1629,7 +1628,7 @@
     </p:spTree>
     <p:extLst>
       <p:ext uri="{BB962C8B-B14F-4D97-AF65-F5344CB8AC3E}">
-        <p14:creationId xmlns:p14="http://schemas.microsoft.com/office/powerpoint/2010/main" val="3684584153"/>
+        <p14:creationId xmlns:p14="http://schemas.microsoft.com/office/powerpoint/2010/main" val="451820948"/>
       </p:ext>
     </p:extLst>
   </p:cSld>
@@ -1666,12 +1665,7 @@
             <p:ph type="sldImg"/>
           </p:nvPr>
         </p:nvSpPr>
-        <p:spPr>
-          <a:xfrm>
-            <a:off x="381000" y="685800"/>
-            <a:ext cx="6096000" cy="3429000"/>
-          </a:xfrm>
-        </p:spPr>
+        <p:spPr/>
       </p:sp>
       <p:sp>
         <p:nvSpPr>
@@ -1692,10 +1686,33 @@
           </a:p>
         </p:txBody>
       </p:sp>
+      <p:sp>
+        <p:nvSpPr>
+          <p:cNvPr id="4" name="Slide Number Placeholder 3"/>
+          <p:cNvSpPr>
+            <a:spLocks noGrp="1"/>
+          </p:cNvSpPr>
+          <p:nvPr>
+            <p:ph type="sldNum" sz="quarter" idx="5"/>
+          </p:nvPr>
+        </p:nvSpPr>
+        <p:spPr/>
+        <p:txBody>
+          <a:bodyPr/>
+          <a:lstStyle/>
+          <a:p>
+            <a:fld id="{5E89D69C-9871-1346-B305-215A53474772}" type="slidenum">
+              <a:rPr lang="en-NL" smtClean="0"/>
+              <a:t>21</a:t>
+            </a:fld>
+            <a:endParaRPr lang="en-NL"/>
+          </a:p>
+        </p:txBody>
+      </p:sp>
     </p:spTree>
     <p:extLst>
       <p:ext uri="{BB962C8B-B14F-4D97-AF65-F5344CB8AC3E}">
-        <p14:creationId xmlns:p14="http://schemas.microsoft.com/office/powerpoint/2010/main" val="1431779132"/>
+        <p14:creationId xmlns:p14="http://schemas.microsoft.com/office/powerpoint/2010/main" val="3684584153"/>
       </p:ext>
     </p:extLst>
   </p:cSld>
@@ -1770,7 +1787,7 @@
           <a:p>
             <a:fld id="{5E89D69C-9871-1346-B305-215A53474772}" type="slidenum">
               <a:rPr lang="en-NL" smtClean="0"/>
-              <a:t>24</a:t>
+              <a:t>23</a:t>
             </a:fld>
             <a:endParaRPr lang="en-NL"/>
           </a:p>
@@ -6575,7 +6592,7 @@
         </p:spPr>
         <p:txBody>
           <a:bodyPr spcFirstLastPara="1" vert="horz" wrap="square" lIns="121900" tIns="121900" rIns="121900" bIns="121900" rtlCol="0" anchor="t" anchorCtr="0">
-            <a:normAutofit fontScale="92500"/>
+            <a:normAutofit fontScale="85000" lnSpcReduction="20000"/>
           </a:bodyPr>
           <a:lstStyle>
             <a:lvl1pPr marL="457200" marR="0" lvl="0" indent="-355600" algn="l" defTabSz="914400" rtl="0" eaLnBrk="1" latinLnBrk="0" hangingPunct="1">
@@ -6822,7 +6839,28 @@
             </a:pPr>
             <a:r>
               <a:rPr lang="en-GB" b="1" dirty="0"/>
-              <a:t>Dena Tahvildari - Bruna dos Santos Vieira</a:t>
+              <a:t>Dena Tahvildari </a:t>
+            </a:r>
+          </a:p>
+          <a:p>
+            <a:pPr marL="101600" indent="0">
+              <a:spcBef>
+                <a:spcPts val="0"/>
+              </a:spcBef>
+              <a:buNone/>
+            </a:pPr>
+            <a:endParaRPr lang="en-GB" b="1" dirty="0"/>
+          </a:p>
+          <a:p>
+            <a:pPr marL="101600" indent="0">
+              <a:spcBef>
+                <a:spcPts val="0"/>
+              </a:spcBef>
+              <a:buNone/>
+            </a:pPr>
+            <a:r>
+              <a:rPr lang="en-GB" b="1" dirty="0"/>
+              <a:t>Slides adopted from Bruna dos Santos Vieira</a:t>
             </a:r>
           </a:p>
           <a:p>
@@ -7441,7 +7479,7 @@
                 <a:ea typeface="Lato" panose="020F0502020204030203" pitchFamily="34" charset="0"/>
                 <a:cs typeface="Lato" panose="020F0502020204030203" pitchFamily="34" charset="0"/>
               </a:rPr>
-              <a:t>All resources must describe/ provide the core metadata with the core metadata schema </a:t>
+              <a:t>All resources must be described based on the core metadata schema. </a:t>
             </a:r>
           </a:p>
           <a:p>
@@ -15289,8 +15327,8 @@
         </p:nvSpPr>
         <p:spPr>
           <a:xfrm>
-            <a:off x="414068" y="1141294"/>
-            <a:ext cx="11352363" cy="4575411"/>
+            <a:off x="414068" y="1028700"/>
+            <a:ext cx="11352363" cy="4688005"/>
           </a:xfrm>
         </p:spPr>
         <p:txBody>
@@ -15389,7 +15427,7 @@
             </a:pPr>
             <a:r>
               <a:rPr lang="en-GB" sz="2468" dirty="0"/>
-              <a:t>Metadata schema </a:t>
+              <a:t>Core -- Metadata schema </a:t>
             </a:r>
           </a:p>
           <a:p>
@@ -15466,8 +15504,15 @@
             </a:pPr>
             <a:r>
               <a:rPr lang="en-GB" sz="1934" dirty="0"/>
-              <a:t>Imaging</a:t>
-            </a:r>
+              <a:t>Imaging </a:t>
+            </a:r>
+            <a:r>
+              <a:rPr lang="en-GB" sz="1934" dirty="0">
+                <a:sym typeface="Wingdings" pitchFamily="2" charset="2"/>
+              </a:rPr>
+              <a:t> starting</a:t>
+            </a:r>
+            <a:endParaRPr lang="en-GB" sz="1934" dirty="0"/>
           </a:p>
           <a:p>
             <a:pPr marL="742950" lvl="1" indent="-285750">
@@ -15598,7 +15643,12 @@
             <p:ph type="body" idx="1"/>
           </p:nvPr>
         </p:nvSpPr>
-        <p:spPr/>
+        <p:spPr>
+          <a:xfrm>
+            <a:off x="414067" y="1141294"/>
+            <a:ext cx="11352363" cy="4575411"/>
+          </a:xfrm>
+        </p:spPr>
         <p:txBody>
           <a:bodyPr/>
           <a:lstStyle/>
@@ -15717,7 +15767,7 @@
         </p:nvSpPr>
         <p:spPr>
           <a:xfrm>
-            <a:off x="414067" y="1333501"/>
+            <a:off x="414066" y="1141294"/>
             <a:ext cx="11352363" cy="4575411"/>
           </a:xfrm>
         </p:spPr>
@@ -15756,7 +15806,7 @@
                 <a:effectLst/>
                 <a:latin typeface="Söhne"/>
               </a:rPr>
-              <a:t> medical metadata catalogue that hosts a vast array of medical imaging data from various hospitals and research institutions.</a:t>
+              <a:t> medical metadata catalogue that hosts a vast array of medical imaging data from various hospitals and research institutions. Using the following search filters, I want to get the collection title and distributions and data services.</a:t>
             </a:r>
             <a:endParaRPr lang="en-GB" sz="1600" dirty="0">
               <a:solidFill>
@@ -16017,7 +16067,7 @@
         </p:nvSpPr>
         <p:spPr>
           <a:xfrm>
-            <a:off x="414067" y="736485"/>
+            <a:off x="414066" y="393585"/>
             <a:ext cx="11352363" cy="443199"/>
           </a:xfrm>
         </p:spPr>
@@ -16121,9 +16171,6 @@
             </a:r>
           </a:p>
           <a:p>
-            <a:endParaRPr lang="en-NL" dirty="0"/>
-          </a:p>
-          <a:p>
             <a:pPr marL="342900" indent="-342900">
               <a:buFont typeface="Arial" panose="020B0604020202020204" pitchFamily="34" charset="0"/>
               <a:buChar char="•"/>
@@ -16136,10 +16183,15 @@
               </a:rPr>
               <a:t>Document your domain specific requirements</a:t>
             </a:r>
+            <a:r>
+              <a:rPr lang="en-NL" sz="2000" dirty="0">
+                <a:latin typeface="Lato"/>
+                <a:ea typeface="Lato"/>
+                <a:cs typeface="Lato"/>
+              </a:rPr>
+              <a:t>.</a:t>
+            </a:r>
             <a:endParaRPr lang="en-NL" sz="1800" dirty="0"/>
-          </a:p>
-          <a:p>
-            <a:endParaRPr lang="en-NL" dirty="0"/>
           </a:p>
         </p:txBody>
       </p:sp>
@@ -16158,14 +16210,14 @@
           <p:nvPr>
             <p:extLst>
               <p:ext uri="{D42A27DB-BD31-4B8C-83A1-F6EECF244321}">
-                <p14:modId xmlns:p14="http://schemas.microsoft.com/office/powerpoint/2010/main" val="3194186256"/>
+                <p14:modId xmlns:p14="http://schemas.microsoft.com/office/powerpoint/2010/main" val="75905213"/>
               </p:ext>
             </p:extLst>
           </p:nvPr>
         </p:nvGraphicFramePr>
         <p:xfrm>
-          <a:off x="1188049" y="3907366"/>
-          <a:ext cx="9804400" cy="2297854"/>
+          <a:off x="1188049" y="3429000"/>
+          <a:ext cx="9804402" cy="2392680"/>
         </p:xfrm>
         <a:graphic>
           <a:graphicData uri="http://schemas.openxmlformats.org/drawingml/2006/table">
@@ -16174,38 +16226,45 @@
                 <a:tableStyleId>{5C22544A-7EE6-4342-B048-85BDC9FD1C3A}</a:tableStyleId>
               </a:tblPr>
               <a:tblGrid>
-                <a:gridCol w="1960880">
+                <a:gridCol w="1634067">
                   <a:extLst>
                     <a:ext uri="{9D8B030D-6E8A-4147-A177-3AD203B41FA5}">
                       <a16:colId xmlns:a16="http://schemas.microsoft.com/office/drawing/2014/main" val="2833306339"/>
                     </a:ext>
                   </a:extLst>
                 </a:gridCol>
-                <a:gridCol w="1960880">
+                <a:gridCol w="1634067">
                   <a:extLst>
                     <a:ext uri="{9D8B030D-6E8A-4147-A177-3AD203B41FA5}">
                       <a16:colId xmlns:a16="http://schemas.microsoft.com/office/drawing/2014/main" val="4091472132"/>
                     </a:ext>
                   </a:extLst>
                 </a:gridCol>
-                <a:gridCol w="1960880">
+                <a:gridCol w="1634067">
                   <a:extLst>
                     <a:ext uri="{9D8B030D-6E8A-4147-A177-3AD203B41FA5}">
                       <a16:colId xmlns:a16="http://schemas.microsoft.com/office/drawing/2014/main" val="2585042224"/>
                     </a:ext>
                   </a:extLst>
                 </a:gridCol>
-                <a:gridCol w="1960880">
+                <a:gridCol w="1634067">
                   <a:extLst>
                     <a:ext uri="{9D8B030D-6E8A-4147-A177-3AD203B41FA5}">
                       <a16:colId xmlns:a16="http://schemas.microsoft.com/office/drawing/2014/main" val="1921108557"/>
                     </a:ext>
                   </a:extLst>
                 </a:gridCol>
-                <a:gridCol w="1960880">
+                <a:gridCol w="1634067">
                   <a:extLst>
                     <a:ext uri="{9D8B030D-6E8A-4147-A177-3AD203B41FA5}">
                       <a16:colId xmlns:a16="http://schemas.microsoft.com/office/drawing/2014/main" val="3943676524"/>
+                    </a:ext>
+                  </a:extLst>
+                </a:gridCol>
+                <a:gridCol w="1634067">
+                  <a:extLst>
+                    <a:ext uri="{9D8B030D-6E8A-4147-A177-3AD203B41FA5}">
+                      <a16:colId xmlns:a16="http://schemas.microsoft.com/office/drawing/2014/main" val="2959981851"/>
                     </a:ext>
                   </a:extLst>
                 </a:gridCol>
@@ -16281,6 +16340,19 @@
                   </a:txBody>
                   <a:tcPr/>
                 </a:tc>
+                <a:tc>
+                  <a:txBody>
+                    <a:bodyPr/>
+                    <a:lstStyle/>
+                    <a:p>
+                      <a:r>
+                        <a:rPr lang="en-NL" dirty="0"/>
+                        <a:t>datatype</a:t>
+                      </a:r>
+                    </a:p>
+                  </a:txBody>
+                  <a:tcPr/>
+                </a:tc>
                 <a:extLst>
                   <a:ext uri="{0D108BD9-81ED-4DB2-BD59-A6C34878D82A}">
                     <a16:rowId xmlns:a16="http://schemas.microsoft.com/office/drawing/2014/main" val="2360623289"/>
@@ -16301,6 +16373,16 @@
                         <a:rPr lang="en-NL" dirty="0"/>
                         <a:t>mage mudularity</a:t>
                       </a:r>
+                    </a:p>
+                  </a:txBody>
+                  <a:tcPr/>
+                </a:tc>
+                <a:tc>
+                  <a:txBody>
+                    <a:bodyPr/>
+                    <a:lstStyle/>
+                    <a:p>
+                      <a:endParaRPr lang="en-NL" dirty="0"/>
                     </a:p>
                   </a:txBody>
                   <a:tcPr/>
@@ -16405,6 +16487,16 @@
                   </a:txBody>
                   <a:tcPr/>
                 </a:tc>
+                <a:tc>
+                  <a:txBody>
+                    <a:bodyPr/>
+                    <a:lstStyle/>
+                    <a:p>
+                      <a:endParaRPr lang="en-NL" dirty="0"/>
+                    </a:p>
+                  </a:txBody>
+                  <a:tcPr/>
+                </a:tc>
                 <a:extLst>
                   <a:ext uri="{0D108BD9-81ED-4DB2-BD59-A6C34878D82A}">
                     <a16:rowId xmlns:a16="http://schemas.microsoft.com/office/drawing/2014/main" val="2101224404"/>
@@ -16421,6 +16513,16 @@
                         <a:rPr lang="en-NL" dirty="0"/>
                         <a:t>age</a:t>
                       </a:r>
+                    </a:p>
+                  </a:txBody>
+                  <a:tcPr/>
+                </a:tc>
+                <a:tc>
+                  <a:txBody>
+                    <a:bodyPr/>
+                    <a:lstStyle/>
+                    <a:p>
+                      <a:endParaRPr lang="en-NL" dirty="0"/>
                     </a:p>
                   </a:txBody>
                   <a:tcPr/>
@@ -16525,6 +16627,16 @@
                   </a:txBody>
                   <a:tcPr/>
                 </a:tc>
+                <a:tc>
+                  <a:txBody>
+                    <a:bodyPr/>
+                    <a:lstStyle/>
+                    <a:p>
+                      <a:endParaRPr lang="en-NL" dirty="0"/>
+                    </a:p>
+                  </a:txBody>
+                  <a:tcPr/>
+                </a:tc>
                 <a:extLst>
                   <a:ext uri="{0D108BD9-81ED-4DB2-BD59-A6C34878D82A}">
                     <a16:rowId xmlns:a16="http://schemas.microsoft.com/office/drawing/2014/main" val="2339855355"/>
@@ -16609,7 +16721,12 @@
             <p:ph type="body" idx="1"/>
           </p:nvPr>
         </p:nvSpPr>
-        <p:spPr/>
+        <p:spPr>
+          <a:xfrm>
+            <a:off x="185468" y="1058744"/>
+            <a:ext cx="11352363" cy="3017956"/>
+          </a:xfrm>
+        </p:spPr>
         <p:txBody>
           <a:bodyPr/>
           <a:lstStyle/>
@@ -16631,11 +16748,6 @@
               </a:rPr>
               <a:t>Interoperability, validation, and consistency)</a:t>
             </a:r>
-            <a:endParaRPr lang="en-GB" b="1" dirty="0">
-              <a:latin typeface="Söhne"/>
-            </a:endParaRPr>
-          </a:p>
-          <a:p>
             <a:endParaRPr lang="en-GB" b="0" i="0" dirty="0">
               <a:solidFill>
                 <a:srgbClr val="374151"/>
@@ -16688,6 +16800,522 @@
           </a:p>
         </p:txBody>
       </p:sp>
+      <p:graphicFrame>
+        <p:nvGraphicFramePr>
+          <p:cNvPr id="5" name="Table 8">
+            <a:extLst>
+              <a:ext uri="{FF2B5EF4-FFF2-40B4-BE49-F238E27FC236}">
+                <a16:creationId xmlns:a16="http://schemas.microsoft.com/office/drawing/2014/main" id="{68519680-D14E-0B81-F083-AF6892929467}"/>
+              </a:ext>
+            </a:extLst>
+          </p:cNvPr>
+          <p:cNvGraphicFramePr>
+            <a:graphicFrameLocks noGrp="1"/>
+          </p:cNvGraphicFramePr>
+          <p:nvPr>
+            <p:extLst>
+              <p:ext uri="{D42A27DB-BD31-4B8C-83A1-F6EECF244321}">
+                <p14:modId xmlns:p14="http://schemas.microsoft.com/office/powerpoint/2010/main" val="575385053"/>
+              </p:ext>
+            </p:extLst>
+          </p:nvPr>
+        </p:nvGraphicFramePr>
+        <p:xfrm>
+          <a:off x="1276947" y="3975100"/>
+          <a:ext cx="9391053" cy="2667000"/>
+        </p:xfrm>
+        <a:graphic>
+          <a:graphicData uri="http://schemas.openxmlformats.org/drawingml/2006/table">
+            <a:tbl>
+              <a:tblPr firstRow="1" bandRow="1">
+                <a:tableStyleId>{5C22544A-7EE6-4342-B048-85BDC9FD1C3A}</a:tableStyleId>
+              </a:tblPr>
+              <a:tblGrid>
+                <a:gridCol w="1341579">
+                  <a:extLst>
+                    <a:ext uri="{9D8B030D-6E8A-4147-A177-3AD203B41FA5}">
+                      <a16:colId xmlns:a16="http://schemas.microsoft.com/office/drawing/2014/main" val="2833306339"/>
+                    </a:ext>
+                  </a:extLst>
+                </a:gridCol>
+                <a:gridCol w="1341579">
+                  <a:extLst>
+                    <a:ext uri="{9D8B030D-6E8A-4147-A177-3AD203B41FA5}">
+                      <a16:colId xmlns:a16="http://schemas.microsoft.com/office/drawing/2014/main" val="4091472132"/>
+                    </a:ext>
+                  </a:extLst>
+                </a:gridCol>
+                <a:gridCol w="1341579">
+                  <a:extLst>
+                    <a:ext uri="{9D8B030D-6E8A-4147-A177-3AD203B41FA5}">
+                      <a16:colId xmlns:a16="http://schemas.microsoft.com/office/drawing/2014/main" val="2585042224"/>
+                    </a:ext>
+                  </a:extLst>
+                </a:gridCol>
+                <a:gridCol w="1341579">
+                  <a:extLst>
+                    <a:ext uri="{9D8B030D-6E8A-4147-A177-3AD203B41FA5}">
+                      <a16:colId xmlns:a16="http://schemas.microsoft.com/office/drawing/2014/main" val="1921108557"/>
+                    </a:ext>
+                  </a:extLst>
+                </a:gridCol>
+                <a:gridCol w="1341579">
+                  <a:extLst>
+                    <a:ext uri="{9D8B030D-6E8A-4147-A177-3AD203B41FA5}">
+                      <a16:colId xmlns:a16="http://schemas.microsoft.com/office/drawing/2014/main" val="3943676524"/>
+                    </a:ext>
+                  </a:extLst>
+                </a:gridCol>
+                <a:gridCol w="1341579">
+                  <a:extLst>
+                    <a:ext uri="{9D8B030D-6E8A-4147-A177-3AD203B41FA5}">
+                      <a16:colId xmlns:a16="http://schemas.microsoft.com/office/drawing/2014/main" val="2959981851"/>
+                    </a:ext>
+                  </a:extLst>
+                </a:gridCol>
+                <a:gridCol w="1341579">
+                  <a:extLst>
+                    <a:ext uri="{9D8B030D-6E8A-4147-A177-3AD203B41FA5}">
+                      <a16:colId xmlns:a16="http://schemas.microsoft.com/office/drawing/2014/main" val="2568593310"/>
+                    </a:ext>
+                  </a:extLst>
+                </a:gridCol>
+              </a:tblGrid>
+              <a:tr h="370840">
+                <a:tc>
+                  <a:txBody>
+                    <a:bodyPr/>
+                    <a:lstStyle/>
+                    <a:p>
+                      <a:r>
+                        <a:rPr lang="en-NL" dirty="0"/>
+                        <a:t>term</a:t>
+                      </a:r>
+                    </a:p>
+                  </a:txBody>
+                  <a:tcPr/>
+                </a:tc>
+                <a:tc>
+                  <a:txBody>
+                    <a:bodyPr/>
+                    <a:lstStyle/>
+                    <a:p>
+                      <a:r>
+                        <a:rPr lang="en-NL" dirty="0"/>
+                        <a:t>definiton</a:t>
+                      </a:r>
+                    </a:p>
+                  </a:txBody>
+                  <a:tcPr/>
+                </a:tc>
+                <a:tc>
+                  <a:txBody>
+                    <a:bodyPr/>
+                    <a:lstStyle/>
+                    <a:p>
+                      <a:r>
+                        <a:rPr lang="en-NL" dirty="0"/>
+                        <a:t>role</a:t>
+                      </a:r>
+                    </a:p>
+                  </a:txBody>
+                  <a:tcPr/>
+                </a:tc>
+                <a:tc>
+                  <a:txBody>
+                    <a:bodyPr/>
+                    <a:lstStyle/>
+                    <a:p>
+                      <a:r>
+                        <a:rPr lang="en-GB" dirty="0"/>
+                        <a:t>R</a:t>
+                      </a:r>
+                      <a:r>
+                        <a:rPr lang="en-NL" dirty="0"/>
+                        <a:t>ules and constraint</a:t>
+                      </a:r>
+                    </a:p>
+                  </a:txBody>
+                  <a:tcPr/>
+                </a:tc>
+                <a:tc>
+                  <a:txBody>
+                    <a:bodyPr/>
+                    <a:lstStyle/>
+                    <a:p>
+                      <a:r>
+                        <a:rPr lang="en-GB" dirty="0"/>
+                        <a:t>vocabularies</a:t>
+                      </a:r>
+                      <a:endParaRPr lang="en-NL" dirty="0"/>
+                    </a:p>
+                  </a:txBody>
+                  <a:tcPr/>
+                </a:tc>
+                <a:tc>
+                  <a:txBody>
+                    <a:bodyPr/>
+                    <a:lstStyle/>
+                    <a:p>
+                      <a:r>
+                        <a:rPr lang="en-NL" dirty="0"/>
+                        <a:t>datatype</a:t>
+                      </a:r>
+                    </a:p>
+                  </a:txBody>
+                  <a:tcPr/>
+                </a:tc>
+                <a:tc>
+                  <a:txBody>
+                    <a:bodyPr/>
+                    <a:lstStyle/>
+                    <a:p>
+                      <a:r>
+                        <a:rPr lang="en-GB" dirty="0"/>
+                        <a:t>T</a:t>
+                      </a:r>
+                      <a:r>
+                        <a:rPr lang="en-NL" dirty="0"/>
+                        <a:t>arget element in dicom</a:t>
+                      </a:r>
+                    </a:p>
+                  </a:txBody>
+                  <a:tcPr/>
+                </a:tc>
+                <a:extLst>
+                  <a:ext uri="{0D108BD9-81ED-4DB2-BD59-A6C34878D82A}">
+                    <a16:rowId xmlns:a16="http://schemas.microsoft.com/office/drawing/2014/main" val="2360623289"/>
+                  </a:ext>
+                </a:extLst>
+              </a:tr>
+              <a:tr h="545254">
+                <a:tc>
+                  <a:txBody>
+                    <a:bodyPr/>
+                    <a:lstStyle/>
+                    <a:p>
+                      <a:r>
+                        <a:rPr lang="en-GB" dirty="0"/>
+                        <a:t>I</a:t>
+                      </a:r>
+                      <a:r>
+                        <a:rPr lang="en-NL" dirty="0"/>
+                        <a:t>mage mudularity</a:t>
+                      </a:r>
+                    </a:p>
+                  </a:txBody>
+                  <a:tcPr/>
+                </a:tc>
+                <a:tc>
+                  <a:txBody>
+                    <a:bodyPr/>
+                    <a:lstStyle/>
+                    <a:p>
+                      <a:endParaRPr lang="en-NL" dirty="0"/>
+                    </a:p>
+                  </a:txBody>
+                  <a:tcPr/>
+                </a:tc>
+                <a:tc>
+                  <a:txBody>
+                    <a:bodyPr/>
+                    <a:lstStyle/>
+                    <a:p>
+                      <a:endParaRPr lang="en-NL" dirty="0"/>
+                    </a:p>
+                  </a:txBody>
+                  <a:tcPr/>
+                </a:tc>
+                <a:tc>
+                  <a:txBody>
+                    <a:bodyPr/>
+                    <a:lstStyle/>
+                    <a:p>
+                      <a:endParaRPr lang="en-NL" dirty="0"/>
+                    </a:p>
+                  </a:txBody>
+                  <a:tcPr/>
+                </a:tc>
+                <a:tc>
+                  <a:txBody>
+                    <a:bodyPr/>
+                    <a:lstStyle/>
+                    <a:p>
+                      <a:endParaRPr lang="en-NL" dirty="0"/>
+                    </a:p>
+                  </a:txBody>
+                  <a:tcPr/>
+                </a:tc>
+                <a:tc>
+                  <a:txBody>
+                    <a:bodyPr/>
+                    <a:lstStyle/>
+                    <a:p>
+                      <a:endParaRPr lang="en-NL" dirty="0"/>
+                    </a:p>
+                  </a:txBody>
+                  <a:tcPr/>
+                </a:tc>
+                <a:tc>
+                  <a:txBody>
+                    <a:bodyPr/>
+                    <a:lstStyle/>
+                    <a:p>
+                      <a:endParaRPr lang="en-NL" dirty="0"/>
+                    </a:p>
+                  </a:txBody>
+                  <a:tcPr/>
+                </a:tc>
+                <a:extLst>
+                  <a:ext uri="{0D108BD9-81ED-4DB2-BD59-A6C34878D82A}">
+                    <a16:rowId xmlns:a16="http://schemas.microsoft.com/office/drawing/2014/main" val="1875958494"/>
+                  </a:ext>
+                </a:extLst>
+              </a:tr>
+              <a:tr h="370840">
+                <a:tc>
+                  <a:txBody>
+                    <a:bodyPr/>
+                    <a:lstStyle/>
+                    <a:p>
+                      <a:r>
+                        <a:rPr lang="en-NL" dirty="0"/>
+                        <a:t>time</a:t>
+                      </a:r>
+                    </a:p>
+                  </a:txBody>
+                  <a:tcPr/>
+                </a:tc>
+                <a:tc>
+                  <a:txBody>
+                    <a:bodyPr/>
+                    <a:lstStyle/>
+                    <a:p>
+                      <a:endParaRPr lang="en-NL" dirty="0"/>
+                    </a:p>
+                  </a:txBody>
+                  <a:tcPr/>
+                </a:tc>
+                <a:tc>
+                  <a:txBody>
+                    <a:bodyPr/>
+                    <a:lstStyle/>
+                    <a:p>
+                      <a:endParaRPr lang="en-NL" dirty="0"/>
+                    </a:p>
+                  </a:txBody>
+                  <a:tcPr/>
+                </a:tc>
+                <a:tc>
+                  <a:txBody>
+                    <a:bodyPr/>
+                    <a:lstStyle/>
+                    <a:p>
+                      <a:endParaRPr lang="en-NL" dirty="0"/>
+                    </a:p>
+                  </a:txBody>
+                  <a:tcPr/>
+                </a:tc>
+                <a:tc>
+                  <a:txBody>
+                    <a:bodyPr/>
+                    <a:lstStyle/>
+                    <a:p>
+                      <a:endParaRPr lang="en-NL" dirty="0"/>
+                    </a:p>
+                  </a:txBody>
+                  <a:tcPr/>
+                </a:tc>
+                <a:tc>
+                  <a:txBody>
+                    <a:bodyPr/>
+                    <a:lstStyle/>
+                    <a:p>
+                      <a:endParaRPr lang="en-NL" dirty="0"/>
+                    </a:p>
+                  </a:txBody>
+                  <a:tcPr/>
+                </a:tc>
+                <a:tc>
+                  <a:txBody>
+                    <a:bodyPr/>
+                    <a:lstStyle/>
+                    <a:p>
+                      <a:endParaRPr lang="en-NL" dirty="0"/>
+                    </a:p>
+                  </a:txBody>
+                  <a:tcPr/>
+                </a:tc>
+                <a:extLst>
+                  <a:ext uri="{0D108BD9-81ED-4DB2-BD59-A6C34878D82A}">
+                    <a16:rowId xmlns:a16="http://schemas.microsoft.com/office/drawing/2014/main" val="2101224404"/>
+                  </a:ext>
+                </a:extLst>
+              </a:tr>
+              <a:tr h="370840">
+                <a:tc>
+                  <a:txBody>
+                    <a:bodyPr/>
+                    <a:lstStyle/>
+                    <a:p>
+                      <a:r>
+                        <a:rPr lang="en-NL" dirty="0"/>
+                        <a:t>age</a:t>
+                      </a:r>
+                    </a:p>
+                  </a:txBody>
+                  <a:tcPr/>
+                </a:tc>
+                <a:tc>
+                  <a:txBody>
+                    <a:bodyPr/>
+                    <a:lstStyle/>
+                    <a:p>
+                      <a:endParaRPr lang="en-NL" dirty="0"/>
+                    </a:p>
+                  </a:txBody>
+                  <a:tcPr/>
+                </a:tc>
+                <a:tc>
+                  <a:txBody>
+                    <a:bodyPr/>
+                    <a:lstStyle/>
+                    <a:p>
+                      <a:endParaRPr lang="en-NL" dirty="0"/>
+                    </a:p>
+                  </a:txBody>
+                  <a:tcPr/>
+                </a:tc>
+                <a:tc>
+                  <a:txBody>
+                    <a:bodyPr/>
+                    <a:lstStyle/>
+                    <a:p>
+                      <a:endParaRPr lang="en-NL" dirty="0"/>
+                    </a:p>
+                  </a:txBody>
+                  <a:tcPr/>
+                </a:tc>
+                <a:tc>
+                  <a:txBody>
+                    <a:bodyPr/>
+                    <a:lstStyle/>
+                    <a:p>
+                      <a:endParaRPr lang="en-NL" dirty="0"/>
+                    </a:p>
+                  </a:txBody>
+                  <a:tcPr/>
+                </a:tc>
+                <a:tc>
+                  <a:txBody>
+                    <a:bodyPr/>
+                    <a:lstStyle/>
+                    <a:p>
+                      <a:endParaRPr lang="en-NL" dirty="0"/>
+                    </a:p>
+                  </a:txBody>
+                  <a:tcPr/>
+                </a:tc>
+                <a:tc>
+                  <a:txBody>
+                    <a:bodyPr/>
+                    <a:lstStyle/>
+                    <a:p>
+                      <a:endParaRPr lang="en-NL" dirty="0"/>
+                    </a:p>
+                  </a:txBody>
+                  <a:tcPr/>
+                </a:tc>
+                <a:extLst>
+                  <a:ext uri="{0D108BD9-81ED-4DB2-BD59-A6C34878D82A}">
+                    <a16:rowId xmlns:a16="http://schemas.microsoft.com/office/drawing/2014/main" val="4141425850"/>
+                  </a:ext>
+                </a:extLst>
+              </a:tr>
+              <a:tr h="370840">
+                <a:tc>
+                  <a:txBody>
+                    <a:bodyPr/>
+                    <a:lstStyle/>
+                    <a:p>
+                      <a:r>
+                        <a:rPr lang="en-NL" dirty="0"/>
+                        <a:t>sex</a:t>
+                      </a:r>
+                    </a:p>
+                  </a:txBody>
+                  <a:tcPr/>
+                </a:tc>
+                <a:tc>
+                  <a:txBody>
+                    <a:bodyPr/>
+                    <a:lstStyle/>
+                    <a:p>
+                      <a:endParaRPr lang="en-NL" dirty="0"/>
+                    </a:p>
+                  </a:txBody>
+                  <a:tcPr/>
+                </a:tc>
+                <a:tc>
+                  <a:txBody>
+                    <a:bodyPr/>
+                    <a:lstStyle/>
+                    <a:p>
+                      <a:endParaRPr lang="en-NL" dirty="0"/>
+                    </a:p>
+                  </a:txBody>
+                  <a:tcPr/>
+                </a:tc>
+                <a:tc>
+                  <a:txBody>
+                    <a:bodyPr/>
+                    <a:lstStyle/>
+                    <a:p>
+                      <a:endParaRPr lang="en-NL" dirty="0"/>
+                    </a:p>
+                  </a:txBody>
+                  <a:tcPr/>
+                </a:tc>
+                <a:tc>
+                  <a:txBody>
+                    <a:bodyPr/>
+                    <a:lstStyle/>
+                    <a:p>
+                      <a:endParaRPr lang="en-NL" dirty="0"/>
+                    </a:p>
+                  </a:txBody>
+                  <a:tcPr/>
+                </a:tc>
+                <a:tc>
+                  <a:txBody>
+                    <a:bodyPr/>
+                    <a:lstStyle/>
+                    <a:p>
+                      <a:endParaRPr lang="en-NL" dirty="0"/>
+                    </a:p>
+                  </a:txBody>
+                  <a:tcPr/>
+                </a:tc>
+                <a:tc>
+                  <a:txBody>
+                    <a:bodyPr/>
+                    <a:lstStyle/>
+                    <a:p>
+                      <a:endParaRPr lang="en-NL" dirty="0"/>
+                    </a:p>
+                  </a:txBody>
+                  <a:tcPr/>
+                </a:tc>
+                <a:extLst>
+                  <a:ext uri="{0D108BD9-81ED-4DB2-BD59-A6C34878D82A}">
+                    <a16:rowId xmlns:a16="http://schemas.microsoft.com/office/drawing/2014/main" val="2339855355"/>
+                  </a:ext>
+                </a:extLst>
+              </a:tr>
+            </a:tbl>
+          </a:graphicData>
+        </a:graphic>
+      </p:graphicFrame>
     </p:spTree>
     <p:extLst>
       <p:ext uri="{BB962C8B-B14F-4D97-AF65-F5344CB8AC3E}">
@@ -16736,7 +17364,7 @@
         </p:nvSpPr>
         <p:spPr>
           <a:xfrm>
-            <a:off x="414068" y="456802"/>
+            <a:off x="388668" y="596502"/>
             <a:ext cx="7688700" cy="535200"/>
           </a:xfrm>
           <a:prstGeom prst="rect">
@@ -16918,7 +17546,7 @@
           <a:p>
             <a:r>
               <a:rPr lang="en-NL" dirty="0"/>
-              <a:t>Next step: Sematic Modelling </a:t>
+              <a:t>Next step 1: Sematic Modelling </a:t>
             </a:r>
           </a:p>
         </p:txBody>
@@ -18285,1187 +18913,6 @@
 </file>
 
 <file path=ppt/slides/slide23.xml><?xml version="1.0" encoding="utf-8"?>
-<p:sld xmlns:a="http://schemas.openxmlformats.org/drawingml/2006/main" xmlns:r="http://schemas.openxmlformats.org/officeDocument/2006/relationships" xmlns:p="http://schemas.openxmlformats.org/presentationml/2006/main" show="0">
-  <p:cSld>
-    <p:spTree>
-      <p:nvGrpSpPr>
-        <p:cNvPr id="1" name=""/>
-        <p:cNvGrpSpPr/>
-        <p:nvPr/>
-      </p:nvGrpSpPr>
-      <p:grpSpPr>
-        <a:xfrm>
-          <a:off x="0" y="0"/>
-          <a:ext cx="0" cy="0"/>
-          <a:chOff x="0" y="0"/>
-          <a:chExt cx="0" cy="0"/>
-        </a:xfrm>
-      </p:grpSpPr>
-      <p:sp>
-        <p:nvSpPr>
-          <p:cNvPr id="2" name="Title 1">
-            <a:extLst>
-              <a:ext uri="{FF2B5EF4-FFF2-40B4-BE49-F238E27FC236}">
-                <a16:creationId xmlns:a16="http://schemas.microsoft.com/office/drawing/2014/main" id="{6A7A1E55-3BCE-B872-2A10-43D33FCED5B9}"/>
-              </a:ext>
-            </a:extLst>
-          </p:cNvPr>
-          <p:cNvSpPr>
-            <a:spLocks noGrp="1"/>
-          </p:cNvSpPr>
-          <p:nvPr>
-            <p:ph type="title"/>
-          </p:nvPr>
-        </p:nvSpPr>
-        <p:spPr>
-          <a:xfrm>
-            <a:off x="187581" y="1709341"/>
-            <a:ext cx="10251600" cy="713600"/>
-          </a:xfrm>
-        </p:spPr>
-        <p:txBody>
-          <a:bodyPr>
-            <a:normAutofit/>
-          </a:bodyPr>
-          <a:lstStyle/>
-          <a:p>
-            <a:r>
-              <a:rPr lang="en-NL" dirty="0">
-                <a:latin typeface="Lato" panose="020F0502020204030203" pitchFamily="34" charset="0"/>
-                <a:ea typeface="Lato" panose="020F0502020204030203" pitchFamily="34" charset="0"/>
-                <a:cs typeface="Lato" panose="020F0502020204030203" pitchFamily="34" charset="0"/>
-              </a:rPr>
-              <a:t>Metadata schema is a Graph</a:t>
-            </a:r>
-          </a:p>
-        </p:txBody>
-      </p:sp>
-      <p:grpSp>
-        <p:nvGrpSpPr>
-          <p:cNvPr id="13" name="Group 12">
-            <a:extLst>
-              <a:ext uri="{FF2B5EF4-FFF2-40B4-BE49-F238E27FC236}">
-                <a16:creationId xmlns:a16="http://schemas.microsoft.com/office/drawing/2014/main" id="{384BDBD8-DB10-E005-72F9-0036E73D1572}"/>
-              </a:ext>
-            </a:extLst>
-          </p:cNvPr>
-          <p:cNvGrpSpPr/>
-          <p:nvPr/>
-        </p:nvGrpSpPr>
-        <p:grpSpPr>
-          <a:xfrm>
-            <a:off x="-124278" y="2920697"/>
-            <a:ext cx="12876654" cy="3732289"/>
-            <a:chOff x="-124278" y="2920697"/>
-            <a:chExt cx="12876654" cy="3732289"/>
-          </a:xfrm>
-        </p:grpSpPr>
-        <p:sp>
-          <p:nvSpPr>
-            <p:cNvPr id="22" name="Rectangle 21">
-              <a:extLst>
-                <a:ext uri="{FF2B5EF4-FFF2-40B4-BE49-F238E27FC236}">
-                  <a16:creationId xmlns:a16="http://schemas.microsoft.com/office/drawing/2014/main" id="{360136BC-F0EF-34DF-AE30-9004D34336BD}"/>
-                </a:ext>
-              </a:extLst>
-            </p:cNvPr>
-            <p:cNvSpPr/>
-            <p:nvPr/>
-          </p:nvSpPr>
-          <p:spPr>
-            <a:xfrm>
-              <a:off x="1716209" y="2920697"/>
-              <a:ext cx="7237579" cy="1404564"/>
-            </a:xfrm>
-            <a:prstGeom prst="rect">
-              <a:avLst/>
-            </a:prstGeom>
-            <a:solidFill>
-              <a:schemeClr val="accent1">
-                <a:alpha val="14000"/>
-              </a:schemeClr>
-            </a:solidFill>
-          </p:spPr>
-          <p:style>
-            <a:lnRef idx="2">
-              <a:schemeClr val="accent1">
-                <a:shade val="15000"/>
-              </a:schemeClr>
-            </a:lnRef>
-            <a:fillRef idx="1">
-              <a:schemeClr val="accent1"/>
-            </a:fillRef>
-            <a:effectRef idx="0">
-              <a:schemeClr val="accent1"/>
-            </a:effectRef>
-            <a:fontRef idx="minor">
-              <a:schemeClr val="lt1"/>
-            </a:fontRef>
-          </p:style>
-          <p:txBody>
-            <a:bodyPr rtlCol="0" anchor="ctr"/>
-            <a:lstStyle/>
-            <a:p>
-              <a:pPr algn="ctr"/>
-              <a:endParaRPr lang="en-NL" sz="2400">
-                <a:latin typeface="Lato" panose="020F0502020204030203" pitchFamily="34" charset="0"/>
-                <a:ea typeface="Lato" panose="020F0502020204030203" pitchFamily="34" charset="0"/>
-                <a:cs typeface="Lato" panose="020F0502020204030203" pitchFamily="34" charset="0"/>
-              </a:endParaRPr>
-            </a:p>
-          </p:txBody>
-        </p:sp>
-        <p:sp>
-          <p:nvSpPr>
-            <p:cNvPr id="4" name="Oval 3">
-              <a:extLst>
-                <a:ext uri="{FF2B5EF4-FFF2-40B4-BE49-F238E27FC236}">
-                  <a16:creationId xmlns:a16="http://schemas.microsoft.com/office/drawing/2014/main" id="{99304919-5425-85F6-72E7-0F284E318014}"/>
-                </a:ext>
-              </a:extLst>
-            </p:cNvPr>
-            <p:cNvSpPr/>
-            <p:nvPr/>
-          </p:nvSpPr>
-          <p:spPr>
-            <a:xfrm>
-              <a:off x="1860885" y="3157086"/>
-              <a:ext cx="1515088" cy="949692"/>
-            </a:xfrm>
-            <a:prstGeom prst="ellipse">
-              <a:avLst/>
-            </a:prstGeom>
-            <a:solidFill>
-              <a:schemeClr val="accent2"/>
-            </a:solidFill>
-          </p:spPr>
-          <p:style>
-            <a:lnRef idx="2">
-              <a:schemeClr val="accent1">
-                <a:shade val="15000"/>
-              </a:schemeClr>
-            </a:lnRef>
-            <a:fillRef idx="1">
-              <a:schemeClr val="accent1"/>
-            </a:fillRef>
-            <a:effectRef idx="0">
-              <a:schemeClr val="accent1"/>
-            </a:effectRef>
-            <a:fontRef idx="minor">
-              <a:schemeClr val="lt1"/>
-            </a:fontRef>
-          </p:style>
-          <p:txBody>
-            <a:bodyPr rtlCol="0" anchor="ctr"/>
-            <a:lstStyle/>
-            <a:p>
-              <a:pPr algn="ctr"/>
-              <a:r>
-                <a:rPr lang="en-NL" sz="2400" dirty="0">
-                  <a:latin typeface="Lato" panose="020F0502020204030203" pitchFamily="34" charset="0"/>
-                  <a:ea typeface="Lato" panose="020F0502020204030203" pitchFamily="34" charset="0"/>
-                  <a:cs typeface="Lato" panose="020F0502020204030203" pitchFamily="34" charset="0"/>
-                </a:rPr>
-                <a:t>dataset</a:t>
-              </a:r>
-            </a:p>
-          </p:txBody>
-        </p:sp>
-        <p:sp>
-          <p:nvSpPr>
-            <p:cNvPr id="5" name="Oval 4">
-              <a:extLst>
-                <a:ext uri="{FF2B5EF4-FFF2-40B4-BE49-F238E27FC236}">
-                  <a16:creationId xmlns:a16="http://schemas.microsoft.com/office/drawing/2014/main" id="{3F594B3F-0E2C-2D9B-1043-392EF3EDC469}"/>
-                </a:ext>
-              </a:extLst>
-            </p:cNvPr>
-            <p:cNvSpPr/>
-            <p:nvPr/>
-          </p:nvSpPr>
-          <p:spPr>
-            <a:xfrm>
-              <a:off x="5708851" y="3073665"/>
-              <a:ext cx="2171032" cy="1116532"/>
-            </a:xfrm>
-            <a:prstGeom prst="ellipse">
-              <a:avLst/>
-            </a:prstGeom>
-            <a:solidFill>
-              <a:schemeClr val="accent2"/>
-            </a:solidFill>
-          </p:spPr>
-          <p:style>
-            <a:lnRef idx="2">
-              <a:schemeClr val="accent1">
-                <a:shade val="15000"/>
-              </a:schemeClr>
-            </a:lnRef>
-            <a:fillRef idx="1">
-              <a:schemeClr val="accent1"/>
-            </a:fillRef>
-            <a:effectRef idx="0">
-              <a:schemeClr val="accent1"/>
-            </a:effectRef>
-            <a:fontRef idx="minor">
-              <a:schemeClr val="lt1"/>
-            </a:fontRef>
-          </p:style>
-          <p:txBody>
-            <a:bodyPr rtlCol="0" anchor="ctr"/>
-            <a:lstStyle/>
-            <a:p>
-              <a:pPr algn="ctr"/>
-              <a:r>
-                <a:rPr lang="en-GB" sz="2400" dirty="0">
-                  <a:latin typeface="Lato" panose="020F0502020204030203" pitchFamily="34" charset="0"/>
-                  <a:ea typeface="Lato" panose="020F0502020204030203" pitchFamily="34" charset="0"/>
-                  <a:cs typeface="Lato" panose="020F0502020204030203" pitchFamily="34" charset="0"/>
-                </a:rPr>
-                <a:t>I</a:t>
-              </a:r>
-              <a:r>
-                <a:rPr lang="en-NL" sz="2400" dirty="0">
-                  <a:latin typeface="Lato" panose="020F0502020204030203" pitchFamily="34" charset="0"/>
-                  <a:ea typeface="Lato" panose="020F0502020204030203" pitchFamily="34" charset="0"/>
-                  <a:cs typeface="Lato" panose="020F0502020204030203" pitchFamily="34" charset="0"/>
-                </a:rPr>
-                <a:t>mage modality</a:t>
-              </a:r>
-            </a:p>
-          </p:txBody>
-        </p:sp>
-        <p:cxnSp>
-          <p:nvCxnSpPr>
-            <p:cNvPr id="7" name="Straight Arrow Connector 6">
-              <a:extLst>
-                <a:ext uri="{FF2B5EF4-FFF2-40B4-BE49-F238E27FC236}">
-                  <a16:creationId xmlns:a16="http://schemas.microsoft.com/office/drawing/2014/main" id="{1FF3B1F6-42CC-9D7E-F146-5EF602881B11}"/>
-                </a:ext>
-              </a:extLst>
-            </p:cNvPr>
-            <p:cNvCxnSpPr>
-              <a:cxnSpLocks/>
-              <a:stCxn id="4" idx="6"/>
-              <a:endCxn id="5" idx="2"/>
-            </p:cNvCxnSpPr>
-            <p:nvPr/>
-          </p:nvCxnSpPr>
-          <p:spPr>
-            <a:xfrm flipV="1">
-              <a:off x="3375973" y="3631931"/>
-              <a:ext cx="2332878" cy="1"/>
-            </a:xfrm>
-            <a:prstGeom prst="straightConnector1">
-              <a:avLst/>
-            </a:prstGeom>
-            <a:ln>
-              <a:solidFill>
-                <a:schemeClr val="tx1"/>
-              </a:solidFill>
-              <a:tailEnd type="triangle"/>
-            </a:ln>
-          </p:spPr>
-          <p:style>
-            <a:lnRef idx="1">
-              <a:schemeClr val="accent1"/>
-            </a:lnRef>
-            <a:fillRef idx="0">
-              <a:schemeClr val="accent1"/>
-            </a:fillRef>
-            <a:effectRef idx="0">
-              <a:schemeClr val="accent1"/>
-            </a:effectRef>
-            <a:fontRef idx="minor">
-              <a:schemeClr val="tx1"/>
-            </a:fontRef>
-          </p:style>
-        </p:cxnSp>
-        <p:sp>
-          <p:nvSpPr>
-            <p:cNvPr id="8" name="TextBox 7">
-              <a:extLst>
-                <a:ext uri="{FF2B5EF4-FFF2-40B4-BE49-F238E27FC236}">
-                  <a16:creationId xmlns:a16="http://schemas.microsoft.com/office/drawing/2014/main" id="{E8E73F4A-13B5-1415-15CB-FA031B84C78A}"/>
-                </a:ext>
-              </a:extLst>
-            </p:cNvPr>
-            <p:cNvSpPr txBox="1"/>
-            <p:nvPr/>
-          </p:nvSpPr>
-          <p:spPr>
-            <a:xfrm>
-              <a:off x="3815976" y="3248073"/>
-              <a:ext cx="2051725" cy="461665"/>
-            </a:xfrm>
-            <a:prstGeom prst="rect">
-              <a:avLst/>
-            </a:prstGeom>
-            <a:noFill/>
-          </p:spPr>
-          <p:txBody>
-            <a:bodyPr wrap="square" rtlCol="0">
-              <a:spAutoFit/>
-            </a:bodyPr>
-            <a:lstStyle/>
-            <a:p>
-              <a:r>
-                <a:rPr lang="en-NL" sz="2400" dirty="0">
-                  <a:latin typeface="Lato" panose="020F0502020204030203" pitchFamily="34" charset="0"/>
-                  <a:ea typeface="Lato" panose="020F0502020204030203" pitchFamily="34" charset="0"/>
-                  <a:cs typeface="Lato" panose="020F0502020204030203" pitchFamily="34" charset="0"/>
-                </a:rPr>
-                <a:t>modality</a:t>
-              </a:r>
-            </a:p>
-          </p:txBody>
-        </p:sp>
-        <p:sp>
-          <p:nvSpPr>
-            <p:cNvPr id="9" name="Oval 8">
-              <a:extLst>
-                <a:ext uri="{FF2B5EF4-FFF2-40B4-BE49-F238E27FC236}">
-                  <a16:creationId xmlns:a16="http://schemas.microsoft.com/office/drawing/2014/main" id="{4DFAD67E-0336-7EB2-B92A-BB426900C79D}"/>
-                </a:ext>
-              </a:extLst>
-            </p:cNvPr>
-            <p:cNvSpPr/>
-            <p:nvPr/>
-          </p:nvSpPr>
-          <p:spPr>
-            <a:xfrm>
-              <a:off x="1860884" y="5158259"/>
-              <a:ext cx="1540043" cy="949692"/>
-            </a:xfrm>
-            <a:prstGeom prst="ellipse">
-              <a:avLst/>
-            </a:prstGeom>
-            <a:solidFill>
-              <a:schemeClr val="accent5">
-                <a:lumMod val="20000"/>
-                <a:lumOff val="80000"/>
-              </a:schemeClr>
-            </a:solidFill>
-          </p:spPr>
-          <p:style>
-            <a:lnRef idx="2">
-              <a:schemeClr val="accent1">
-                <a:shade val="15000"/>
-              </a:schemeClr>
-            </a:lnRef>
-            <a:fillRef idx="1">
-              <a:schemeClr val="accent1"/>
-            </a:fillRef>
-            <a:effectRef idx="0">
-              <a:schemeClr val="accent1"/>
-            </a:effectRef>
-            <a:fontRef idx="minor">
-              <a:schemeClr val="lt1"/>
-            </a:fontRef>
-          </p:style>
-          <p:txBody>
-            <a:bodyPr rtlCol="0" anchor="ctr"/>
-            <a:lstStyle/>
-            <a:p>
-              <a:pPr algn="ctr"/>
-              <a:r>
-                <a:rPr lang="en-GB" sz="2400" dirty="0">
-                  <a:latin typeface="Lato" panose="020F0502020204030203" pitchFamily="34" charset="0"/>
-                  <a:ea typeface="Lato" panose="020F0502020204030203" pitchFamily="34" charset="0"/>
-                  <a:cs typeface="Lato" panose="020F0502020204030203" pitchFamily="34" charset="0"/>
-                </a:rPr>
-                <a:t>C</a:t>
-              </a:r>
-              <a:r>
-                <a:rPr lang="en-NL" sz="2400" dirty="0">
-                  <a:latin typeface="Lato" panose="020F0502020204030203" pitchFamily="34" charset="0"/>
-                  <a:ea typeface="Lato" panose="020F0502020204030203" pitchFamily="34" charset="0"/>
-                  <a:cs typeface="Lato" panose="020F0502020204030203" pitchFamily="34" charset="0"/>
-                </a:rPr>
-                <a:t>ol-1</a:t>
-              </a:r>
-            </a:p>
-          </p:txBody>
-        </p:sp>
-        <p:cxnSp>
-          <p:nvCxnSpPr>
-            <p:cNvPr id="10" name="Straight Arrow Connector 9">
-              <a:extLst>
-                <a:ext uri="{FF2B5EF4-FFF2-40B4-BE49-F238E27FC236}">
-                  <a16:creationId xmlns:a16="http://schemas.microsoft.com/office/drawing/2014/main" id="{54BC6067-0780-F0D9-FC89-2A6C7544BF31}"/>
-                </a:ext>
-              </a:extLst>
-            </p:cNvPr>
-            <p:cNvCxnSpPr>
-              <a:cxnSpLocks/>
-              <a:stCxn id="9" idx="0"/>
-              <a:endCxn id="4" idx="4"/>
-            </p:cNvCxnSpPr>
-            <p:nvPr/>
-          </p:nvCxnSpPr>
-          <p:spPr>
-            <a:xfrm flipH="1" flipV="1">
-              <a:off x="2618429" y="4106778"/>
-              <a:ext cx="12477" cy="1051481"/>
-            </a:xfrm>
-            <a:prstGeom prst="straightConnector1">
-              <a:avLst/>
-            </a:prstGeom>
-            <a:ln>
-              <a:tailEnd type="triangle"/>
-            </a:ln>
-          </p:spPr>
-          <p:style>
-            <a:lnRef idx="1">
-              <a:schemeClr val="accent1"/>
-            </a:lnRef>
-            <a:fillRef idx="0">
-              <a:schemeClr val="accent1"/>
-            </a:fillRef>
-            <a:effectRef idx="0">
-              <a:schemeClr val="accent1"/>
-            </a:effectRef>
-            <a:fontRef idx="minor">
-              <a:schemeClr val="tx1"/>
-            </a:fontRef>
-          </p:style>
-        </p:cxnSp>
-        <p:sp>
-          <p:nvSpPr>
-            <p:cNvPr id="15" name="TextBox 14">
-              <a:extLst>
-                <a:ext uri="{FF2B5EF4-FFF2-40B4-BE49-F238E27FC236}">
-                  <a16:creationId xmlns:a16="http://schemas.microsoft.com/office/drawing/2014/main" id="{1A94D932-EC48-7923-BBBD-7A3D9BE481FF}"/>
-                </a:ext>
-              </a:extLst>
-            </p:cNvPr>
-            <p:cNvSpPr txBox="1"/>
-            <p:nvPr/>
-          </p:nvSpPr>
-          <p:spPr>
-            <a:xfrm>
-              <a:off x="6288546" y="4431841"/>
-              <a:ext cx="2051725" cy="461665"/>
-            </a:xfrm>
-            <a:prstGeom prst="rect">
-              <a:avLst/>
-            </a:prstGeom>
-            <a:noFill/>
-          </p:spPr>
-          <p:txBody>
-            <a:bodyPr wrap="square" rtlCol="0">
-              <a:spAutoFit/>
-            </a:bodyPr>
-            <a:lstStyle/>
-            <a:p>
-              <a:r>
-                <a:rPr lang="en-GB" sz="2400" dirty="0">
-                  <a:latin typeface="Lato" panose="020F0502020204030203" pitchFamily="34" charset="0"/>
-                  <a:ea typeface="Lato" panose="020F0502020204030203" pitchFamily="34" charset="0"/>
-                  <a:cs typeface="Lato" panose="020F0502020204030203" pitchFamily="34" charset="0"/>
-                </a:rPr>
-                <a:t>r</a:t>
-              </a:r>
-              <a:r>
-                <a:rPr lang="en-NL" sz="2400" dirty="0">
-                  <a:latin typeface="Lato" panose="020F0502020204030203" pitchFamily="34" charset="0"/>
-                  <a:ea typeface="Lato" panose="020F0502020204030203" pitchFamily="34" charset="0"/>
-                  <a:cs typeface="Lato" panose="020F0502020204030203" pitchFamily="34" charset="0"/>
-                </a:rPr>
-                <a:t>df:type</a:t>
-              </a:r>
-            </a:p>
-          </p:txBody>
-        </p:sp>
-        <p:sp>
-          <p:nvSpPr>
-            <p:cNvPr id="17" name="Oval 16">
-              <a:extLst>
-                <a:ext uri="{FF2B5EF4-FFF2-40B4-BE49-F238E27FC236}">
-                  <a16:creationId xmlns:a16="http://schemas.microsoft.com/office/drawing/2014/main" id="{6C46C4E5-EAA3-A1E7-E214-B0E2BCB1D405}"/>
-                </a:ext>
-              </a:extLst>
-            </p:cNvPr>
-            <p:cNvSpPr/>
-            <p:nvPr/>
-          </p:nvSpPr>
-          <p:spPr>
-            <a:xfrm>
-              <a:off x="5738321" y="5265537"/>
-              <a:ext cx="2546903" cy="949692"/>
-            </a:xfrm>
-            <a:prstGeom prst="ellipse">
-              <a:avLst/>
-            </a:prstGeom>
-            <a:solidFill>
-              <a:schemeClr val="accent5">
-                <a:lumMod val="20000"/>
-                <a:lumOff val="80000"/>
-              </a:schemeClr>
-            </a:solidFill>
-          </p:spPr>
-          <p:style>
-            <a:lnRef idx="2">
-              <a:schemeClr val="accent1">
-                <a:shade val="15000"/>
-              </a:schemeClr>
-            </a:lnRef>
-            <a:fillRef idx="1">
-              <a:schemeClr val="accent1"/>
-            </a:fillRef>
-            <a:effectRef idx="0">
-              <a:schemeClr val="accent1"/>
-            </a:effectRef>
-            <a:fontRef idx="minor">
-              <a:schemeClr val="lt1"/>
-            </a:fontRef>
-          </p:style>
-          <p:txBody>
-            <a:bodyPr rtlCol="0" anchor="ctr"/>
-            <a:lstStyle/>
-            <a:p>
-              <a:pPr algn="ctr"/>
-              <a:r>
-                <a:rPr lang="en-NL" sz="2400" dirty="0">
-                  <a:latin typeface="Lato" panose="020F0502020204030203" pitchFamily="34" charset="0"/>
-                  <a:ea typeface="Lato" panose="020F0502020204030203" pitchFamily="34" charset="0"/>
-                  <a:cs typeface="Lato" panose="020F0502020204030203" pitchFamily="34" charset="0"/>
-                </a:rPr>
-                <a:t>Mamography</a:t>
-              </a:r>
-            </a:p>
-          </p:txBody>
-        </p:sp>
-        <p:cxnSp>
-          <p:nvCxnSpPr>
-            <p:cNvPr id="18" name="Straight Arrow Connector 17">
-              <a:extLst>
-                <a:ext uri="{FF2B5EF4-FFF2-40B4-BE49-F238E27FC236}">
-                  <a16:creationId xmlns:a16="http://schemas.microsoft.com/office/drawing/2014/main" id="{75A9D0AA-013F-2094-B2B5-AC57B347E95D}"/>
-                </a:ext>
-              </a:extLst>
-            </p:cNvPr>
-            <p:cNvCxnSpPr>
-              <a:cxnSpLocks/>
-            </p:cNvCxnSpPr>
-            <p:nvPr/>
-          </p:nvCxnSpPr>
-          <p:spPr>
-            <a:xfrm flipV="1">
-              <a:off x="6877904" y="4190197"/>
-              <a:ext cx="0" cy="1051481"/>
-            </a:xfrm>
-            <a:prstGeom prst="straightConnector1">
-              <a:avLst/>
-            </a:prstGeom>
-            <a:ln>
-              <a:tailEnd type="triangle"/>
-            </a:ln>
-          </p:spPr>
-          <p:style>
-            <a:lnRef idx="1">
-              <a:schemeClr val="accent1"/>
-            </a:lnRef>
-            <a:fillRef idx="0">
-              <a:schemeClr val="accent1"/>
-            </a:fillRef>
-            <a:effectRef idx="0">
-              <a:schemeClr val="accent1"/>
-            </a:effectRef>
-            <a:fontRef idx="minor">
-              <a:schemeClr val="tx1"/>
-            </a:fontRef>
-          </p:style>
-        </p:cxnSp>
-        <p:sp>
-          <p:nvSpPr>
-            <p:cNvPr id="19" name="TextBox 18">
-              <a:extLst>
-                <a:ext uri="{FF2B5EF4-FFF2-40B4-BE49-F238E27FC236}">
-                  <a16:creationId xmlns:a16="http://schemas.microsoft.com/office/drawing/2014/main" id="{DCACB125-D285-4387-3551-C66893866646}"/>
-                </a:ext>
-              </a:extLst>
-            </p:cNvPr>
-            <p:cNvSpPr txBox="1"/>
-            <p:nvPr/>
-          </p:nvSpPr>
-          <p:spPr>
-            <a:xfrm>
-              <a:off x="2375064" y="4478229"/>
-              <a:ext cx="2051725" cy="461665"/>
-            </a:xfrm>
-            <a:prstGeom prst="rect">
-              <a:avLst/>
-            </a:prstGeom>
-            <a:noFill/>
-          </p:spPr>
-          <p:txBody>
-            <a:bodyPr wrap="square" rtlCol="0">
-              <a:spAutoFit/>
-            </a:bodyPr>
-            <a:lstStyle/>
-            <a:p>
-              <a:r>
-                <a:rPr lang="en-GB" sz="2400" dirty="0">
-                  <a:latin typeface="Lato" panose="020F0502020204030203" pitchFamily="34" charset="0"/>
-                  <a:ea typeface="Lato" panose="020F0502020204030203" pitchFamily="34" charset="0"/>
-                  <a:cs typeface="Lato" panose="020F0502020204030203" pitchFamily="34" charset="0"/>
-                </a:rPr>
-                <a:t>r</a:t>
-              </a:r>
-              <a:r>
-                <a:rPr lang="en-NL" sz="2400" dirty="0">
-                  <a:latin typeface="Lato" panose="020F0502020204030203" pitchFamily="34" charset="0"/>
-                  <a:ea typeface="Lato" panose="020F0502020204030203" pitchFamily="34" charset="0"/>
-                  <a:cs typeface="Lato" panose="020F0502020204030203" pitchFamily="34" charset="0"/>
-                </a:rPr>
-                <a:t>df:type</a:t>
-              </a:r>
-            </a:p>
-          </p:txBody>
-        </p:sp>
-        <p:sp>
-          <p:nvSpPr>
-            <p:cNvPr id="20" name="TextBox 19">
-              <a:extLst>
-                <a:ext uri="{FF2B5EF4-FFF2-40B4-BE49-F238E27FC236}">
-                  <a16:creationId xmlns:a16="http://schemas.microsoft.com/office/drawing/2014/main" id="{CFF5C808-81B1-1546-1802-808E137ED569}"/>
-                </a:ext>
-              </a:extLst>
-            </p:cNvPr>
-            <p:cNvSpPr txBox="1"/>
-            <p:nvPr/>
-          </p:nvSpPr>
-          <p:spPr>
-            <a:xfrm>
-              <a:off x="3686595" y="5232499"/>
-              <a:ext cx="2051725" cy="830997"/>
-            </a:xfrm>
-            <a:prstGeom prst="rect">
-              <a:avLst/>
-            </a:prstGeom>
-            <a:noFill/>
-          </p:spPr>
-          <p:txBody>
-            <a:bodyPr wrap="square" rtlCol="0">
-              <a:spAutoFit/>
-            </a:bodyPr>
-            <a:lstStyle/>
-            <a:p>
-              <a:r>
-                <a:rPr lang="en-NL" sz="2400" dirty="0">
-                  <a:latin typeface="Lato" panose="020F0502020204030203" pitchFamily="34" charset="0"/>
-                  <a:ea typeface="Lato" panose="020F0502020204030203" pitchFamily="34" charset="0"/>
-                  <a:cs typeface="Lato" panose="020F0502020204030203" pitchFamily="34" charset="0"/>
-                </a:rPr>
-                <a:t>hasDistribution</a:t>
-              </a:r>
-            </a:p>
-          </p:txBody>
-        </p:sp>
-        <p:cxnSp>
-          <p:nvCxnSpPr>
-            <p:cNvPr id="21" name="Straight Arrow Connector 20">
-              <a:extLst>
-                <a:ext uri="{FF2B5EF4-FFF2-40B4-BE49-F238E27FC236}">
-                  <a16:creationId xmlns:a16="http://schemas.microsoft.com/office/drawing/2014/main" id="{F24FBDF8-E624-14DC-8110-CC7AAD1FC9B6}"/>
-                </a:ext>
-              </a:extLst>
-            </p:cNvPr>
-            <p:cNvCxnSpPr/>
-            <p:nvPr/>
-          </p:nvCxnSpPr>
-          <p:spPr>
-            <a:xfrm>
-              <a:off x="3490763" y="5642869"/>
-              <a:ext cx="2218088" cy="1"/>
-            </a:xfrm>
-            <a:prstGeom prst="straightConnector1">
-              <a:avLst/>
-            </a:prstGeom>
-            <a:ln>
-              <a:solidFill>
-                <a:schemeClr val="tx1"/>
-              </a:solidFill>
-              <a:tailEnd type="triangle"/>
-            </a:ln>
-          </p:spPr>
-          <p:style>
-            <a:lnRef idx="1">
-              <a:schemeClr val="accent1"/>
-            </a:lnRef>
-            <a:fillRef idx="0">
-              <a:schemeClr val="accent1"/>
-            </a:fillRef>
-            <a:effectRef idx="0">
-              <a:schemeClr val="accent1"/>
-            </a:effectRef>
-            <a:fontRef idx="minor">
-              <a:schemeClr val="tx1"/>
-            </a:fontRef>
-          </p:style>
-        </p:cxnSp>
-        <p:sp>
-          <p:nvSpPr>
-            <p:cNvPr id="24" name="TextBox 23">
-              <a:extLst>
-                <a:ext uri="{FF2B5EF4-FFF2-40B4-BE49-F238E27FC236}">
-                  <a16:creationId xmlns:a16="http://schemas.microsoft.com/office/drawing/2014/main" id="{A41A468B-81DD-F32E-3404-352EA51B6046}"/>
-                </a:ext>
-              </a:extLst>
-            </p:cNvPr>
-            <p:cNvSpPr txBox="1"/>
-            <p:nvPr/>
-          </p:nvSpPr>
-          <p:spPr>
-            <a:xfrm>
-              <a:off x="-124278" y="5360324"/>
-              <a:ext cx="1973617" cy="830997"/>
-            </a:xfrm>
-            <a:prstGeom prst="rect">
-              <a:avLst/>
-            </a:prstGeom>
-            <a:noFill/>
-          </p:spPr>
-          <p:txBody>
-            <a:bodyPr wrap="none" rtlCol="0">
-              <a:spAutoFit/>
-            </a:bodyPr>
-            <a:lstStyle/>
-            <a:p>
-              <a:r>
-                <a:rPr lang="en-GB" sz="2400" dirty="0">
-                  <a:latin typeface="Lato" panose="020F0502020204030203" pitchFamily="34" charset="0"/>
-                  <a:ea typeface="Lato" panose="020F0502020204030203" pitchFamily="34" charset="0"/>
-                  <a:cs typeface="Lato" panose="020F0502020204030203" pitchFamily="34" charset="0"/>
-                </a:rPr>
-                <a:t>I</a:t>
-              </a:r>
-              <a:r>
-                <a:rPr lang="en-NL" sz="2400" dirty="0">
-                  <a:latin typeface="Lato" panose="020F0502020204030203" pitchFamily="34" charset="0"/>
-                  <a:ea typeface="Lato" panose="020F0502020204030203" pitchFamily="34" charset="0"/>
-                  <a:cs typeface="Lato" panose="020F0502020204030203" pitchFamily="34" charset="0"/>
-                </a:rPr>
-                <a:t>nstance of </a:t>
-              </a:r>
-            </a:p>
-            <a:p>
-              <a:r>
-                <a:rPr lang="en-NL" sz="2400" dirty="0">
-                  <a:latin typeface="Lato" panose="020F0502020204030203" pitchFamily="34" charset="0"/>
-                  <a:ea typeface="Lato" panose="020F0502020204030203" pitchFamily="34" charset="0"/>
-                  <a:cs typeface="Lato" panose="020F0502020204030203" pitchFamily="34" charset="0"/>
-                </a:rPr>
-                <a:t>the metadata</a:t>
-              </a:r>
-            </a:p>
-          </p:txBody>
-        </p:sp>
-        <p:sp>
-          <p:nvSpPr>
-            <p:cNvPr id="25" name="TextBox 24">
-              <a:extLst>
-                <a:ext uri="{FF2B5EF4-FFF2-40B4-BE49-F238E27FC236}">
-                  <a16:creationId xmlns:a16="http://schemas.microsoft.com/office/drawing/2014/main" id="{2558D3B1-85D1-EC4E-0A4D-5607772DD758}"/>
-                </a:ext>
-              </a:extLst>
-            </p:cNvPr>
-            <p:cNvSpPr txBox="1"/>
-            <p:nvPr/>
-          </p:nvSpPr>
-          <p:spPr>
-            <a:xfrm>
-              <a:off x="0" y="3318626"/>
-              <a:ext cx="1483098" cy="830997"/>
-            </a:xfrm>
-            <a:prstGeom prst="rect">
-              <a:avLst/>
-            </a:prstGeom>
-            <a:noFill/>
-          </p:spPr>
-          <p:txBody>
-            <a:bodyPr wrap="none" rtlCol="0">
-              <a:spAutoFit/>
-            </a:bodyPr>
-            <a:lstStyle/>
-            <a:p>
-              <a:r>
-                <a:rPr lang="en-GB" sz="2400" dirty="0">
-                  <a:latin typeface="Lato" panose="020F0502020204030203" pitchFamily="34" charset="0"/>
-                  <a:ea typeface="Lato" panose="020F0502020204030203" pitchFamily="34" charset="0"/>
-                  <a:cs typeface="Lato" panose="020F0502020204030203" pitchFamily="34" charset="0"/>
-                </a:rPr>
-                <a:t>M</a:t>
-              </a:r>
-              <a:r>
-                <a:rPr lang="en-NL" sz="2400" dirty="0">
-                  <a:latin typeface="Lato" panose="020F0502020204030203" pitchFamily="34" charset="0"/>
-                  <a:ea typeface="Lato" panose="020F0502020204030203" pitchFamily="34" charset="0"/>
-                  <a:cs typeface="Lato" panose="020F0502020204030203" pitchFamily="34" charset="0"/>
-                </a:rPr>
-                <a:t>etadata</a:t>
-              </a:r>
-            </a:p>
-            <a:p>
-              <a:r>
-                <a:rPr lang="en-NL" sz="2400" dirty="0">
-                  <a:latin typeface="Lato" panose="020F0502020204030203" pitchFamily="34" charset="0"/>
-                  <a:ea typeface="Lato" panose="020F0502020204030203" pitchFamily="34" charset="0"/>
-                  <a:cs typeface="Lato" panose="020F0502020204030203" pitchFamily="34" charset="0"/>
-                </a:rPr>
-                <a:t> model </a:t>
-              </a:r>
-            </a:p>
-          </p:txBody>
-        </p:sp>
-        <p:sp>
-          <p:nvSpPr>
-            <p:cNvPr id="26" name="Oval 25">
-              <a:extLst>
-                <a:ext uri="{FF2B5EF4-FFF2-40B4-BE49-F238E27FC236}">
-                  <a16:creationId xmlns:a16="http://schemas.microsoft.com/office/drawing/2014/main" id="{2E6D54E8-FFE1-7FE7-BF7D-1CC9F91A6A31}"/>
-                </a:ext>
-              </a:extLst>
-            </p:cNvPr>
-            <p:cNvSpPr/>
-            <p:nvPr/>
-          </p:nvSpPr>
-          <p:spPr>
-            <a:xfrm>
-              <a:off x="9816936" y="4321979"/>
-              <a:ext cx="1201760" cy="880908"/>
-            </a:xfrm>
-            <a:prstGeom prst="ellipse">
-              <a:avLst/>
-            </a:prstGeom>
-            <a:solidFill>
-              <a:schemeClr val="accent2"/>
-            </a:solidFill>
-          </p:spPr>
-          <p:style>
-            <a:lnRef idx="2">
-              <a:schemeClr val="accent1">
-                <a:shade val="15000"/>
-              </a:schemeClr>
-            </a:lnRef>
-            <a:fillRef idx="1">
-              <a:schemeClr val="accent1"/>
-            </a:fillRef>
-            <a:effectRef idx="0">
-              <a:schemeClr val="accent1"/>
-            </a:effectRef>
-            <a:fontRef idx="minor">
-              <a:schemeClr val="lt1"/>
-            </a:fontRef>
-          </p:style>
-          <p:txBody>
-            <a:bodyPr rtlCol="0" anchor="ctr"/>
-            <a:lstStyle/>
-            <a:p>
-              <a:pPr algn="ctr"/>
-              <a:endParaRPr lang="en-NL" sz="2400" dirty="0">
-                <a:latin typeface="Lato" panose="020F0502020204030203" pitchFamily="34" charset="0"/>
-                <a:ea typeface="Lato" panose="020F0502020204030203" pitchFamily="34" charset="0"/>
-                <a:cs typeface="Lato" panose="020F0502020204030203" pitchFamily="34" charset="0"/>
-              </a:endParaRPr>
-            </a:p>
-          </p:txBody>
-        </p:sp>
-        <p:sp>
-          <p:nvSpPr>
-            <p:cNvPr id="28" name="Oval 27">
-              <a:extLst>
-                <a:ext uri="{FF2B5EF4-FFF2-40B4-BE49-F238E27FC236}">
-                  <a16:creationId xmlns:a16="http://schemas.microsoft.com/office/drawing/2014/main" id="{1B3B99AD-9694-C63E-29A2-047510612917}"/>
-                </a:ext>
-              </a:extLst>
-            </p:cNvPr>
-            <p:cNvSpPr/>
-            <p:nvPr/>
-          </p:nvSpPr>
-          <p:spPr>
-            <a:xfrm>
-              <a:off x="9838301" y="5303126"/>
-              <a:ext cx="1201760" cy="949692"/>
-            </a:xfrm>
-            <a:prstGeom prst="ellipse">
-              <a:avLst/>
-            </a:prstGeom>
-            <a:solidFill>
-              <a:schemeClr val="accent5">
-                <a:lumMod val="20000"/>
-                <a:lumOff val="80000"/>
-              </a:schemeClr>
-            </a:solidFill>
-          </p:spPr>
-          <p:style>
-            <a:lnRef idx="2">
-              <a:schemeClr val="accent1">
-                <a:shade val="15000"/>
-              </a:schemeClr>
-            </a:lnRef>
-            <a:fillRef idx="1">
-              <a:schemeClr val="accent1"/>
-            </a:fillRef>
-            <a:effectRef idx="0">
-              <a:schemeClr val="accent1"/>
-            </a:effectRef>
-            <a:fontRef idx="minor">
-              <a:schemeClr val="lt1"/>
-            </a:fontRef>
-          </p:style>
-          <p:txBody>
-            <a:bodyPr rtlCol="0" anchor="ctr"/>
-            <a:lstStyle/>
-            <a:p>
-              <a:pPr algn="ctr"/>
-              <a:endParaRPr lang="en-NL" sz="2400" dirty="0">
-                <a:latin typeface="Lato" panose="020F0502020204030203" pitchFamily="34" charset="0"/>
-                <a:ea typeface="Lato" panose="020F0502020204030203" pitchFamily="34" charset="0"/>
-                <a:cs typeface="Lato" panose="020F0502020204030203" pitchFamily="34" charset="0"/>
-              </a:endParaRPr>
-            </a:p>
-          </p:txBody>
-        </p:sp>
-        <p:sp>
-          <p:nvSpPr>
-            <p:cNvPr id="29" name="TextBox 28">
-              <a:extLst>
-                <a:ext uri="{FF2B5EF4-FFF2-40B4-BE49-F238E27FC236}">
-                  <a16:creationId xmlns:a16="http://schemas.microsoft.com/office/drawing/2014/main" id="{6BAD4D12-7D0E-D742-356F-45DF7CE5AE14}"/>
-                </a:ext>
-              </a:extLst>
-            </p:cNvPr>
-            <p:cNvSpPr txBox="1"/>
-            <p:nvPr/>
-          </p:nvSpPr>
-          <p:spPr>
-            <a:xfrm>
-              <a:off x="11124904" y="4510484"/>
-              <a:ext cx="1090363" cy="461665"/>
-            </a:xfrm>
-            <a:prstGeom prst="rect">
-              <a:avLst/>
-            </a:prstGeom>
-            <a:noFill/>
-          </p:spPr>
-          <p:txBody>
-            <a:bodyPr wrap="none" rtlCol="0">
-              <a:spAutoFit/>
-            </a:bodyPr>
-            <a:lstStyle/>
-            <a:p>
-              <a:r>
-                <a:rPr lang="en-US" sz="2400" dirty="0">
-                  <a:latin typeface="Lato" panose="020F0502020204030203" pitchFamily="34" charset="0"/>
-                  <a:ea typeface="Lato" panose="020F0502020204030203" pitchFamily="34" charset="0"/>
-                  <a:cs typeface="Lato" panose="020F0502020204030203" pitchFamily="34" charset="0"/>
-                </a:rPr>
-                <a:t>CLASS</a:t>
-              </a:r>
-              <a:endParaRPr lang="en-NL" sz="2400" dirty="0">
-                <a:latin typeface="Lato" panose="020F0502020204030203" pitchFamily="34" charset="0"/>
-                <a:ea typeface="Lato" panose="020F0502020204030203" pitchFamily="34" charset="0"/>
-                <a:cs typeface="Lato" panose="020F0502020204030203" pitchFamily="34" charset="0"/>
-              </a:endParaRPr>
-            </a:p>
-          </p:txBody>
-        </p:sp>
-        <p:sp>
-          <p:nvSpPr>
-            <p:cNvPr id="30" name="TextBox 29">
-              <a:extLst>
-                <a:ext uri="{FF2B5EF4-FFF2-40B4-BE49-F238E27FC236}">
-                  <a16:creationId xmlns:a16="http://schemas.microsoft.com/office/drawing/2014/main" id="{1DD3A3C7-346E-A590-A46A-3617A86386A2}"/>
-                </a:ext>
-              </a:extLst>
-            </p:cNvPr>
-            <p:cNvSpPr txBox="1"/>
-            <p:nvPr/>
-          </p:nvSpPr>
-          <p:spPr>
-            <a:xfrm>
-              <a:off x="11067193" y="5535197"/>
-              <a:ext cx="1319592" cy="461665"/>
-            </a:xfrm>
-            <a:prstGeom prst="rect">
-              <a:avLst/>
-            </a:prstGeom>
-            <a:noFill/>
-          </p:spPr>
-          <p:txBody>
-            <a:bodyPr wrap="none" rtlCol="0">
-              <a:spAutoFit/>
-            </a:bodyPr>
-            <a:lstStyle/>
-            <a:p>
-              <a:r>
-                <a:rPr lang="en-US" sz="2400" dirty="0">
-                  <a:latin typeface="Lato" panose="020F0502020204030203" pitchFamily="34" charset="0"/>
-                  <a:ea typeface="Lato" panose="020F0502020204030203" pitchFamily="34" charset="0"/>
-                  <a:cs typeface="Lato" panose="020F0502020204030203" pitchFamily="34" charset="0"/>
-                </a:rPr>
-                <a:t>Instance</a:t>
-              </a:r>
-              <a:endParaRPr lang="en-NL" sz="2400" dirty="0">
-                <a:latin typeface="Lato" panose="020F0502020204030203" pitchFamily="34" charset="0"/>
-                <a:ea typeface="Lato" panose="020F0502020204030203" pitchFamily="34" charset="0"/>
-                <a:cs typeface="Lato" panose="020F0502020204030203" pitchFamily="34" charset="0"/>
-              </a:endParaRPr>
-            </a:p>
-          </p:txBody>
-        </p:sp>
-        <p:cxnSp>
-          <p:nvCxnSpPr>
-            <p:cNvPr id="31" name="Straight Arrow Connector 30">
-              <a:extLst>
-                <a:ext uri="{FF2B5EF4-FFF2-40B4-BE49-F238E27FC236}">
-                  <a16:creationId xmlns:a16="http://schemas.microsoft.com/office/drawing/2014/main" id="{80E4195E-972A-9986-DDC8-E0D3FFEF8CB8}"/>
-                </a:ext>
-              </a:extLst>
-            </p:cNvPr>
-            <p:cNvCxnSpPr>
-              <a:cxnSpLocks/>
-            </p:cNvCxnSpPr>
-            <p:nvPr/>
-          </p:nvCxnSpPr>
-          <p:spPr>
-            <a:xfrm flipV="1">
-              <a:off x="9821850" y="6431574"/>
-              <a:ext cx="1465527" cy="6301"/>
-            </a:xfrm>
-            <a:prstGeom prst="straightConnector1">
-              <a:avLst/>
-            </a:prstGeom>
-            <a:ln>
-              <a:solidFill>
-                <a:schemeClr val="tx1"/>
-              </a:solidFill>
-              <a:tailEnd type="triangle"/>
-            </a:ln>
-          </p:spPr>
-          <p:style>
-            <a:lnRef idx="1">
-              <a:schemeClr val="accent1"/>
-            </a:lnRef>
-            <a:fillRef idx="0">
-              <a:schemeClr val="accent1"/>
-            </a:fillRef>
-            <a:effectRef idx="0">
-              <a:schemeClr val="accent1"/>
-            </a:effectRef>
-            <a:fontRef idx="minor">
-              <a:schemeClr val="tx1"/>
-            </a:fontRef>
-          </p:style>
-        </p:cxnSp>
-        <p:sp>
-          <p:nvSpPr>
-            <p:cNvPr id="33" name="TextBox 32">
-              <a:extLst>
-                <a:ext uri="{FF2B5EF4-FFF2-40B4-BE49-F238E27FC236}">
-                  <a16:creationId xmlns:a16="http://schemas.microsoft.com/office/drawing/2014/main" id="{AC5F3E32-FAFD-D80B-3702-E44956840104}"/>
-                </a:ext>
-              </a:extLst>
-            </p:cNvPr>
-            <p:cNvSpPr txBox="1"/>
-            <p:nvPr/>
-          </p:nvSpPr>
-          <p:spPr>
-            <a:xfrm>
-              <a:off x="11351287" y="6191321"/>
-              <a:ext cx="1401089" cy="461665"/>
-            </a:xfrm>
-            <a:prstGeom prst="rect">
-              <a:avLst/>
-            </a:prstGeom>
-            <a:noFill/>
-          </p:spPr>
-          <p:txBody>
-            <a:bodyPr wrap="none" rtlCol="0">
-              <a:spAutoFit/>
-            </a:bodyPr>
-            <a:lstStyle/>
-            <a:p>
-              <a:r>
-                <a:rPr lang="en-US" sz="2400" dirty="0"/>
-                <a:t>Relations </a:t>
-              </a:r>
-              <a:endParaRPr lang="en-NL" sz="2400" dirty="0"/>
-            </a:p>
-          </p:txBody>
-        </p:sp>
-        <p:sp>
-          <p:nvSpPr>
-            <p:cNvPr id="23" name="Rectangle 22">
-              <a:extLst>
-                <a:ext uri="{FF2B5EF4-FFF2-40B4-BE49-F238E27FC236}">
-                  <a16:creationId xmlns:a16="http://schemas.microsoft.com/office/drawing/2014/main" id="{8F30AF2C-CEFF-E6F8-90CD-ADE53F3AF17D}"/>
-                </a:ext>
-              </a:extLst>
-            </p:cNvPr>
-            <p:cNvSpPr/>
-            <p:nvPr/>
-          </p:nvSpPr>
-          <p:spPr>
-            <a:xfrm>
-              <a:off x="1802818" y="5092862"/>
-              <a:ext cx="7237579" cy="1404564"/>
-            </a:xfrm>
-            <a:prstGeom prst="rect">
-              <a:avLst/>
-            </a:prstGeom>
-            <a:solidFill>
-              <a:schemeClr val="accent1">
-                <a:alpha val="14000"/>
-              </a:schemeClr>
-            </a:solidFill>
-          </p:spPr>
-          <p:style>
-            <a:lnRef idx="2">
-              <a:schemeClr val="accent1">
-                <a:shade val="15000"/>
-              </a:schemeClr>
-            </a:lnRef>
-            <a:fillRef idx="1">
-              <a:schemeClr val="accent1"/>
-            </a:fillRef>
-            <a:effectRef idx="0">
-              <a:schemeClr val="accent1"/>
-            </a:effectRef>
-            <a:fontRef idx="minor">
-              <a:schemeClr val="lt1"/>
-            </a:fontRef>
-          </p:style>
-          <p:txBody>
-            <a:bodyPr rtlCol="0" anchor="ctr"/>
-            <a:lstStyle/>
-            <a:p>
-              <a:pPr algn="ctr"/>
-              <a:endParaRPr lang="en-NL" sz="2400" dirty="0">
-                <a:latin typeface="Lato" panose="020F0502020204030203" pitchFamily="34" charset="0"/>
-                <a:ea typeface="Lato" panose="020F0502020204030203" pitchFamily="34" charset="0"/>
-                <a:cs typeface="Lato" panose="020F0502020204030203" pitchFamily="34" charset="0"/>
-              </a:endParaRPr>
-            </a:p>
-          </p:txBody>
-        </p:sp>
-      </p:grpSp>
-    </p:spTree>
-    <p:extLst>
-      <p:ext uri="{BB962C8B-B14F-4D97-AF65-F5344CB8AC3E}">
-        <p14:creationId xmlns:p14="http://schemas.microsoft.com/office/powerpoint/2010/main" val="553191039"/>
-      </p:ext>
-    </p:extLst>
-  </p:cSld>
-  <p:clrMapOvr>
-    <a:masterClrMapping/>
-  </p:clrMapOvr>
-</p:sld>
-</file>
-
-<file path=ppt/slides/slide24.xml><?xml version="1.0" encoding="utf-8"?>
 <p:sld xmlns:a="http://schemas.openxmlformats.org/drawingml/2006/main" xmlns:r="http://schemas.openxmlformats.org/officeDocument/2006/relationships" xmlns:p="http://schemas.openxmlformats.org/presentationml/2006/main">
   <p:cSld>
     <p:spTree>
@@ -19510,7 +18957,7 @@
           <a:p>
             <a:r>
               <a:rPr lang="en-NL" dirty="0"/>
-              <a:t>Next step: Implement the model (Formal)</a:t>
+              <a:t>Next step 2: Implement the model (Formal)</a:t>
             </a:r>
           </a:p>
         </p:txBody>
@@ -19630,7 +19077,7 @@
 </p:sld>
 </file>
 
-<file path=ppt/slides/slide25.xml><?xml version="1.0" encoding="utf-8"?>
+<file path=ppt/slides/slide24.xml><?xml version="1.0" encoding="utf-8"?>
 <p:sld xmlns:a="http://schemas.openxmlformats.org/drawingml/2006/main" xmlns:r="http://schemas.openxmlformats.org/officeDocument/2006/relationships" xmlns:p="http://schemas.openxmlformats.org/presentationml/2006/main">
   <p:cSld>
     <p:spTree>
@@ -19743,11 +19190,7 @@
             <a:endParaRPr dirty="0"/>
           </a:p>
           <a:p>
-            <a:r>
-              <a:rPr lang="en-GB" dirty="0"/>
-              <a:t>TMT add main properties from DCAT, DCAT AP portals, and supplied schemas from the nodes</a:t>
-            </a:r>
-            <a:endParaRPr dirty="0"/>
+            <a:endParaRPr lang="en-GB" b="1" dirty="0"/>
           </a:p>
           <a:p>
             <a:r>
@@ -19823,7 +19266,7 @@
 </p:sld>
 </file>
 
-<file path=ppt/slides/slide26.xml><?xml version="1.0" encoding="utf-8"?>
+<file path=ppt/slides/slide25.xml><?xml version="1.0" encoding="utf-8"?>
 <p:sld xmlns:a="http://schemas.openxmlformats.org/drawingml/2006/main" xmlns:r="http://schemas.openxmlformats.org/officeDocument/2006/relationships" xmlns:p="http://schemas.openxmlformats.org/presentationml/2006/main">
   <p:cSld>
     <p:spTree>
@@ -19893,8 +19336,8 @@
         </p:nvSpPr>
         <p:spPr>
           <a:xfrm>
-            <a:off x="267925" y="2746666"/>
-            <a:ext cx="10251600" cy="3014800"/>
+            <a:off x="267925" y="2548000"/>
+            <a:ext cx="10251600" cy="3213466"/>
           </a:xfrm>
         </p:spPr>
         <p:txBody>
@@ -19918,15 +19361,21 @@
           </a:p>
           <a:p>
             <a:endParaRPr lang="en-GB" dirty="0">
-              <a:hlinkClick r:id="rId3"/>
+              <a:hlinkClick r:id=""/>
             </a:endParaRPr>
           </a:p>
           <a:p>
+            <a:r>
+              <a:rPr lang="en-GB" dirty="0">
+                <a:hlinkClick r:id=""/>
+              </a:rPr>
+              <a:t>Metadata Requirement sheet</a:t>
+            </a:r>
             <a:r>
               <a:rPr lang="en-GB" dirty="0">
                 <a:hlinkClick r:id="rId3"/>
               </a:rPr>
-              <a:t>Metadata Requirement sheet </a:t>
+              <a:t> </a:t>
             </a:r>
           </a:p>
           <a:p>
@@ -19957,7 +19406,7 @@
 </p:sld>
 </file>
 
-<file path=ppt/slides/slide27.xml><?xml version="1.0" encoding="utf-8"?>
+<file path=ppt/slides/slide26.xml><?xml version="1.0" encoding="utf-8"?>
 <p:sld xmlns:a="http://schemas.openxmlformats.org/drawingml/2006/main" xmlns:r="http://schemas.openxmlformats.org/officeDocument/2006/relationships" xmlns:p="http://schemas.openxmlformats.org/presentationml/2006/main">
   <p:cSld>
     <p:spTree>
@@ -20336,7 +19785,7 @@
             <a:endParaRPr lang="en-GB" dirty="0"/>
           </a:p>
           <a:p>
-            <a:pPr lvl="1"/>
+            <a:pPr lvl="2"/>
             <a:r>
               <a:rPr lang="en-GB" i="0" dirty="0">
                 <a:effectLst/>
@@ -20384,320 +19833,6 @@
 </file>
 
 <file path=ppt/slides/slide4.xml><?xml version="1.0" encoding="utf-8"?>
-<p:sld xmlns:a="http://schemas.openxmlformats.org/drawingml/2006/main" xmlns:r="http://schemas.openxmlformats.org/officeDocument/2006/relationships" xmlns:p="http://schemas.openxmlformats.org/presentationml/2006/main">
-  <p:cSld>
-    <p:spTree>
-      <p:nvGrpSpPr>
-        <p:cNvPr id="1" name=""/>
-        <p:cNvGrpSpPr/>
-        <p:nvPr/>
-      </p:nvGrpSpPr>
-      <p:grpSpPr>
-        <a:xfrm>
-          <a:off x="0" y="0"/>
-          <a:ext cx="0" cy="0"/>
-          <a:chOff x="0" y="0"/>
-          <a:chExt cx="0" cy="0"/>
-        </a:xfrm>
-      </p:grpSpPr>
-      <p:sp>
-        <p:nvSpPr>
-          <p:cNvPr id="2" name="Title 1">
-            <a:extLst>
-              <a:ext uri="{FF2B5EF4-FFF2-40B4-BE49-F238E27FC236}">
-                <a16:creationId xmlns:a16="http://schemas.microsoft.com/office/drawing/2014/main" id="{03FD819D-2F9E-6CFF-85F9-6C7BE0715B6A}"/>
-              </a:ext>
-            </a:extLst>
-          </p:cNvPr>
-          <p:cNvSpPr>
-            <a:spLocks noGrp="1"/>
-          </p:cNvSpPr>
-          <p:nvPr>
-            <p:ph type="title"/>
-          </p:nvPr>
-        </p:nvSpPr>
-        <p:spPr>
-          <a:xfrm>
-            <a:off x="414067" y="576234"/>
-            <a:ext cx="11352364" cy="443199"/>
-          </a:xfrm>
-        </p:spPr>
-        <p:txBody>
-          <a:bodyPr/>
-          <a:lstStyle/>
-          <a:p>
-            <a:r>
-              <a:rPr lang="en-GB" dirty="0"/>
-              <a:t>HRI Core Metadata Schema</a:t>
-            </a:r>
-            <a:endParaRPr lang="en-NL" dirty="0"/>
-          </a:p>
-        </p:txBody>
-      </p:sp>
-      <p:sp>
-        <p:nvSpPr>
-          <p:cNvPr id="3" name="Text Placeholder 2">
-            <a:extLst>
-              <a:ext uri="{FF2B5EF4-FFF2-40B4-BE49-F238E27FC236}">
-                <a16:creationId xmlns:a16="http://schemas.microsoft.com/office/drawing/2014/main" id="{C9A22A75-14AF-768E-2CE3-5739FAB96EA2}"/>
-              </a:ext>
-            </a:extLst>
-          </p:cNvPr>
-          <p:cNvSpPr>
-            <a:spLocks noGrp="1"/>
-          </p:cNvSpPr>
-          <p:nvPr>
-            <p:ph type="body" idx="1"/>
-          </p:nvPr>
-        </p:nvSpPr>
-        <p:spPr>
-          <a:xfrm>
-            <a:off x="414067" y="1249155"/>
-            <a:ext cx="11352363" cy="4575411"/>
-          </a:xfrm>
-        </p:spPr>
-        <p:txBody>
-          <a:bodyPr/>
-          <a:lstStyle/>
-          <a:p>
-            <a:pPr marL="457200" lvl="0" indent="-341630" algn="l" rtl="0">
-              <a:spcBef>
-                <a:spcPts val="0"/>
-              </a:spcBef>
-              <a:spcAft>
-                <a:spcPts val="0"/>
-              </a:spcAft>
-              <a:buSzPct val="100000"/>
-              <a:buChar char="●"/>
-            </a:pPr>
-            <a:r>
-              <a:rPr lang="en-GB" sz="2800" dirty="0"/>
-              <a:t>Core -- Health-RI provides a generic schema for </a:t>
-            </a:r>
-            <a:r>
-              <a:rPr lang="en-GB" sz="2800" dirty="0" err="1"/>
-              <a:t>descrbing</a:t>
-            </a:r>
-            <a:r>
-              <a:rPr lang="en-GB" sz="2800" dirty="0"/>
-              <a:t> resources to increase findability of resources (e.g. datasets)</a:t>
-            </a:r>
-          </a:p>
-          <a:p>
-            <a:pPr lvl="1">
-              <a:buFont typeface="Arial" panose="020B0604020202020204" pitchFamily="34" charset="0"/>
-              <a:buChar char="•"/>
-            </a:pPr>
-            <a:r>
-              <a:rPr lang="en-GB" b="1" i="0" dirty="0">
-                <a:solidFill>
-                  <a:srgbClr val="374151"/>
-                </a:solidFill>
-                <a:effectLst/>
-                <a:latin typeface="Söhne"/>
-              </a:rPr>
-              <a:t>F1:</a:t>
-            </a:r>
-            <a:r>
-              <a:rPr lang="en-GB" b="0" i="0" dirty="0">
-                <a:solidFill>
-                  <a:srgbClr val="374151"/>
-                </a:solidFill>
-                <a:effectLst/>
-                <a:latin typeface="Söhne"/>
-              </a:rPr>
-              <a:t> Data and metadata are assigned a globally unique and persistent identifier.</a:t>
-            </a:r>
-          </a:p>
-          <a:p>
-            <a:pPr lvl="1">
-              <a:buFont typeface="Arial" panose="020B0604020202020204" pitchFamily="34" charset="0"/>
-              <a:buChar char="•"/>
-            </a:pPr>
-            <a:r>
-              <a:rPr lang="en-GB" b="1" i="0" dirty="0">
-                <a:solidFill>
-                  <a:srgbClr val="374151"/>
-                </a:solidFill>
-                <a:effectLst/>
-                <a:latin typeface="Söhne"/>
-              </a:rPr>
-              <a:t>F2:</a:t>
-            </a:r>
-            <a:r>
-              <a:rPr lang="en-GB" b="0" i="0" dirty="0">
-                <a:solidFill>
-                  <a:srgbClr val="374151"/>
-                </a:solidFill>
-                <a:effectLst/>
-                <a:latin typeface="Söhne"/>
-              </a:rPr>
-              <a:t> Data are described with rich metadata.</a:t>
-            </a:r>
-          </a:p>
-          <a:p>
-            <a:pPr lvl="1">
-              <a:buFont typeface="Arial" panose="020B0604020202020204" pitchFamily="34" charset="0"/>
-              <a:buChar char="•"/>
-            </a:pPr>
-            <a:r>
-              <a:rPr lang="en-GB" b="1" i="0" dirty="0">
-                <a:solidFill>
-                  <a:srgbClr val="374151"/>
-                </a:solidFill>
-                <a:effectLst/>
-                <a:latin typeface="Söhne"/>
-              </a:rPr>
-              <a:t>F3:</a:t>
-            </a:r>
-            <a:r>
-              <a:rPr lang="en-GB" b="0" i="0" dirty="0">
-                <a:solidFill>
-                  <a:srgbClr val="374151"/>
-                </a:solidFill>
-                <a:effectLst/>
-                <a:latin typeface="Söhne"/>
-              </a:rPr>
-              <a:t> Metadata clearly and explicitly include the identifier of the data they describe.</a:t>
-            </a:r>
-          </a:p>
-          <a:p>
-            <a:pPr lvl="1">
-              <a:buFont typeface="Arial" panose="020B0604020202020204" pitchFamily="34" charset="0"/>
-              <a:buChar char="•"/>
-            </a:pPr>
-            <a:r>
-              <a:rPr lang="en-GB" b="1" i="0" dirty="0">
-                <a:solidFill>
-                  <a:srgbClr val="374151"/>
-                </a:solidFill>
-                <a:effectLst/>
-                <a:latin typeface="Söhne"/>
-              </a:rPr>
-              <a:t>F4:</a:t>
-            </a:r>
-            <a:r>
-              <a:rPr lang="en-GB" b="0" i="0" dirty="0">
-                <a:solidFill>
-                  <a:srgbClr val="374151"/>
-                </a:solidFill>
-                <a:effectLst/>
-                <a:latin typeface="Söhne"/>
-              </a:rPr>
-              <a:t> Data and metadata are registered or indexed in a searchable resource.</a:t>
-            </a:r>
-          </a:p>
-          <a:p>
-            <a:pPr marL="115570" lvl="0" indent="0" algn="l" rtl="0">
-              <a:spcBef>
-                <a:spcPts val="0"/>
-              </a:spcBef>
-              <a:spcAft>
-                <a:spcPts val="0"/>
-              </a:spcAft>
-              <a:buSzPct val="100000"/>
-              <a:buNone/>
-            </a:pPr>
-            <a:endParaRPr lang="en-GB" sz="2800" dirty="0"/>
-          </a:p>
-          <a:p>
-            <a:pPr marL="457200" lvl="0" indent="-341630" algn="l" rtl="0">
-              <a:spcBef>
-                <a:spcPts val="0"/>
-              </a:spcBef>
-              <a:spcAft>
-                <a:spcPts val="0"/>
-              </a:spcAft>
-              <a:buSzPct val="100000"/>
-              <a:buChar char="●"/>
-            </a:pPr>
-            <a:r>
-              <a:rPr lang="en-GB" sz="2800" dirty="0"/>
-              <a:t>Leaves -- Nodes extend the core model for covering the specialised domain metadata requirements</a:t>
-            </a:r>
-          </a:p>
-          <a:p>
-            <a:pPr marL="457200" lvl="0" indent="-341630" algn="l" rtl="0">
-              <a:spcBef>
-                <a:spcPts val="0"/>
-              </a:spcBef>
-              <a:spcAft>
-                <a:spcPts val="0"/>
-              </a:spcAft>
-              <a:buSzPct val="100000"/>
-              <a:buChar char="●"/>
-            </a:pPr>
-            <a:endParaRPr lang="en-GB" sz="2800" dirty="0"/>
-          </a:p>
-          <a:p>
-            <a:pPr marL="457200" lvl="0" indent="-341630" algn="l" rtl="0">
-              <a:spcBef>
-                <a:spcPts val="0"/>
-              </a:spcBef>
-              <a:spcAft>
-                <a:spcPts val="0"/>
-              </a:spcAft>
-              <a:buSzPct val="100000"/>
-              <a:buChar char="●"/>
-            </a:pPr>
-            <a:r>
-              <a:rPr lang="en-GB" sz="2800" dirty="0"/>
-              <a:t>Built on DCAT, DCAT-AP for data exchange between portals</a:t>
-            </a:r>
-          </a:p>
-          <a:p>
-            <a:pPr marL="457200" lvl="0" indent="-341630" algn="l" rtl="0">
-              <a:spcBef>
-                <a:spcPts val="0"/>
-              </a:spcBef>
-              <a:spcAft>
-                <a:spcPts val="0"/>
-              </a:spcAft>
-              <a:buSzPct val="100000"/>
-              <a:buChar char="●"/>
-            </a:pPr>
-            <a:endParaRPr lang="en-GB" sz="2800" dirty="0"/>
-          </a:p>
-          <a:p>
-            <a:pPr marL="457200" lvl="0" indent="-341630" algn="l" rtl="0">
-              <a:spcBef>
-                <a:spcPts val="0"/>
-              </a:spcBef>
-              <a:spcAft>
-                <a:spcPts val="0"/>
-              </a:spcAft>
-              <a:buSzPct val="100000"/>
-              <a:buChar char="●"/>
-            </a:pPr>
-            <a:r>
-              <a:rPr lang="en-GB" sz="2800" dirty="0"/>
-              <a:t>Represented it in graph model (</a:t>
-            </a:r>
-            <a:r>
-              <a:rPr lang="en-GB" sz="2800" dirty="0" err="1"/>
-              <a:t>rdf</a:t>
-            </a:r>
-            <a:r>
-              <a:rPr lang="en-GB" sz="2800" dirty="0"/>
-              <a:t> compliant)</a:t>
-            </a:r>
-          </a:p>
-        </p:txBody>
-      </p:sp>
-    </p:spTree>
-    <p:extLst>
-      <p:ext uri="{BB962C8B-B14F-4D97-AF65-F5344CB8AC3E}">
-        <p14:creationId xmlns:p14="http://schemas.microsoft.com/office/powerpoint/2010/main" val="3874569351"/>
-      </p:ext>
-    </p:extLst>
-  </p:cSld>
-  <p:clrMapOvr>
-    <a:masterClrMapping/>
-  </p:clrMapOvr>
-</p:sld>
-</file>
-
-<file path=ppt/slides/slide5.xml><?xml version="1.0" encoding="utf-8"?>
 <p:sld xmlns:a="http://schemas.openxmlformats.org/drawingml/2006/main" xmlns:r="http://schemas.openxmlformats.org/officeDocument/2006/relationships" xmlns:p="http://schemas.openxmlformats.org/presentationml/2006/main">
   <p:cSld>
     <p:spTree>
@@ -21040,7 +20175,7 @@
               <a:buFont typeface="Calibri"/>
             </a:pPr>
             <a:r>
-              <a:rPr lang="en-GB" sz="3000" b="1">
+              <a:rPr lang="en-GB" sz="3000" b="1" dirty="0">
                 <a:solidFill>
                   <a:schemeClr val="accent1"/>
                 </a:solidFill>
@@ -21051,7 +20186,7 @@
               <a:t>The Sunflower 1.0</a:t>
             </a:r>
             <a:br>
-              <a:rPr lang="en-GB" sz="3000" b="1">
+              <a:rPr lang="en-GB" sz="3000" b="1" dirty="0">
                 <a:solidFill>
                   <a:schemeClr val="accent1"/>
                 </a:solidFill>
@@ -21060,7 +20195,7 @@
                 <a:sym typeface="Calibri"/>
               </a:rPr>
             </a:br>
-            <a:endParaRPr lang="en-NL" sz="3000" b="1">
+            <a:endParaRPr lang="en-NL" sz="3000" b="1" dirty="0">
               <a:solidFill>
                 <a:schemeClr val="accent1"/>
               </a:solidFill>
@@ -29225,7 +28360,7 @@
           <a:p>
             <a:pPr algn="ctr"/>
             <a:br>
-              <a:rPr lang="en-GB" sz="1300">
+              <a:rPr lang="en-GB" sz="1300" dirty="0">
                 <a:solidFill>
                   <a:schemeClr val="lt1"/>
                 </a:solidFill>
@@ -29236,7 +28371,7 @@
               </a:rPr>
             </a:br>
             <a:r>
-              <a:rPr lang="en-GB" sz="1300" b="1">
+              <a:rPr lang="en-GB" sz="1300" b="1" dirty="0">
                 <a:solidFill>
                   <a:schemeClr val="lt1"/>
                 </a:solidFill>
@@ -29247,7 +28382,7 @@
               </a:rPr>
               <a:t>DCAT AP Portals</a:t>
             </a:r>
-            <a:endParaRPr sz="1300" b="1">
+            <a:endParaRPr sz="1300" b="1" dirty="0">
               <a:solidFill>
                 <a:schemeClr val="lt1"/>
               </a:solidFill>
@@ -29260,7 +28395,7 @@
           <a:p>
             <a:pPr algn="ctr"/>
             <a:r>
-              <a:rPr lang="en-GB" sz="1300" b="1">
+              <a:rPr lang="en-GB" sz="1300" b="1" dirty="0">
                 <a:solidFill>
                   <a:schemeClr val="lt1"/>
                 </a:solidFill>
@@ -29271,7 +28406,7 @@
               </a:rPr>
               <a:t>(mandatory fields)</a:t>
             </a:r>
-            <a:endParaRPr sz="1300" b="1">
+            <a:endParaRPr sz="1300" b="1" dirty="0">
               <a:solidFill>
                 <a:schemeClr val="lt1"/>
               </a:solidFill>
@@ -34809,6 +33944,312 @@
     <p:extLst>
       <p:ext uri="{BB962C8B-B14F-4D97-AF65-F5344CB8AC3E}">
         <p14:creationId xmlns:p14="http://schemas.microsoft.com/office/powerpoint/2010/main" val="3797837447"/>
+      </p:ext>
+    </p:extLst>
+  </p:cSld>
+  <p:clrMapOvr>
+    <a:masterClrMapping/>
+  </p:clrMapOvr>
+</p:sld>
+</file>
+
+<file path=ppt/slides/slide5.xml><?xml version="1.0" encoding="utf-8"?>
+<p:sld xmlns:a="http://schemas.openxmlformats.org/drawingml/2006/main" xmlns:r="http://schemas.openxmlformats.org/officeDocument/2006/relationships" xmlns:p="http://schemas.openxmlformats.org/presentationml/2006/main">
+  <p:cSld>
+    <p:spTree>
+      <p:nvGrpSpPr>
+        <p:cNvPr id="1" name=""/>
+        <p:cNvGrpSpPr/>
+        <p:nvPr/>
+      </p:nvGrpSpPr>
+      <p:grpSpPr>
+        <a:xfrm>
+          <a:off x="0" y="0"/>
+          <a:ext cx="0" cy="0"/>
+          <a:chOff x="0" y="0"/>
+          <a:chExt cx="0" cy="0"/>
+        </a:xfrm>
+      </p:grpSpPr>
+      <p:sp>
+        <p:nvSpPr>
+          <p:cNvPr id="2" name="Title 1">
+            <a:extLst>
+              <a:ext uri="{FF2B5EF4-FFF2-40B4-BE49-F238E27FC236}">
+                <a16:creationId xmlns:a16="http://schemas.microsoft.com/office/drawing/2014/main" id="{03FD819D-2F9E-6CFF-85F9-6C7BE0715B6A}"/>
+              </a:ext>
+            </a:extLst>
+          </p:cNvPr>
+          <p:cNvSpPr>
+            <a:spLocks noGrp="1"/>
+          </p:cNvSpPr>
+          <p:nvPr>
+            <p:ph type="title"/>
+          </p:nvPr>
+        </p:nvSpPr>
+        <p:spPr>
+          <a:xfrm>
+            <a:off x="414067" y="576234"/>
+            <a:ext cx="11352364" cy="443199"/>
+          </a:xfrm>
+        </p:spPr>
+        <p:txBody>
+          <a:bodyPr/>
+          <a:lstStyle/>
+          <a:p>
+            <a:r>
+              <a:rPr lang="en-GB" dirty="0"/>
+              <a:t>HRI Core Metadata Schema</a:t>
+            </a:r>
+            <a:endParaRPr lang="en-NL" dirty="0"/>
+          </a:p>
+        </p:txBody>
+      </p:sp>
+      <p:sp>
+        <p:nvSpPr>
+          <p:cNvPr id="3" name="Text Placeholder 2">
+            <a:extLst>
+              <a:ext uri="{FF2B5EF4-FFF2-40B4-BE49-F238E27FC236}">
+                <a16:creationId xmlns:a16="http://schemas.microsoft.com/office/drawing/2014/main" id="{C9A22A75-14AF-768E-2CE3-5739FAB96EA2}"/>
+              </a:ext>
+            </a:extLst>
+          </p:cNvPr>
+          <p:cNvSpPr>
+            <a:spLocks noGrp="1"/>
+          </p:cNvSpPr>
+          <p:nvPr>
+            <p:ph type="body" idx="1"/>
+          </p:nvPr>
+        </p:nvSpPr>
+        <p:spPr>
+          <a:xfrm>
+            <a:off x="414067" y="1249155"/>
+            <a:ext cx="11352363" cy="4575411"/>
+          </a:xfrm>
+        </p:spPr>
+        <p:txBody>
+          <a:bodyPr/>
+          <a:lstStyle/>
+          <a:p>
+            <a:pPr marL="457200" lvl="0" indent="-341630" algn="l" rtl="0">
+              <a:spcBef>
+                <a:spcPts val="0"/>
+              </a:spcBef>
+              <a:spcAft>
+                <a:spcPts val="0"/>
+              </a:spcAft>
+              <a:buSzPct val="100000"/>
+              <a:buChar char="●"/>
+            </a:pPr>
+            <a:r>
+              <a:rPr lang="en-GB" sz="2800" dirty="0"/>
+              <a:t>Core -- Health-RI provides a generic schema for describing resources to increase findability of resources (e.g. datasets)</a:t>
+            </a:r>
+          </a:p>
+          <a:p>
+            <a:pPr lvl="1">
+              <a:buFont typeface="Arial" panose="020B0604020202020204" pitchFamily="34" charset="0"/>
+              <a:buChar char="•"/>
+            </a:pPr>
+            <a:r>
+              <a:rPr lang="en-GB" b="1" i="0" dirty="0">
+                <a:solidFill>
+                  <a:srgbClr val="374151"/>
+                </a:solidFill>
+                <a:effectLst/>
+                <a:latin typeface="Söhne"/>
+              </a:rPr>
+              <a:t>F1:</a:t>
+            </a:r>
+            <a:r>
+              <a:rPr lang="en-GB" b="0" i="0" dirty="0">
+                <a:solidFill>
+                  <a:srgbClr val="374151"/>
+                </a:solidFill>
+                <a:effectLst/>
+                <a:latin typeface="Söhne"/>
+              </a:rPr>
+              <a:t> Data and metadata are assigned a globally unique and persistent identifier.</a:t>
+            </a:r>
+          </a:p>
+          <a:p>
+            <a:pPr lvl="1">
+              <a:buFont typeface="Arial" panose="020B0604020202020204" pitchFamily="34" charset="0"/>
+              <a:buChar char="•"/>
+            </a:pPr>
+            <a:r>
+              <a:rPr lang="en-GB" b="1" i="0" dirty="0">
+                <a:solidFill>
+                  <a:srgbClr val="374151"/>
+                </a:solidFill>
+                <a:effectLst/>
+                <a:latin typeface="Söhne"/>
+              </a:rPr>
+              <a:t>F2:</a:t>
+            </a:r>
+            <a:r>
+              <a:rPr lang="en-GB" b="0" i="0" dirty="0">
+                <a:solidFill>
+                  <a:srgbClr val="374151"/>
+                </a:solidFill>
+                <a:effectLst/>
+                <a:latin typeface="Söhne"/>
+              </a:rPr>
+              <a:t> Data are described with rich metadata.</a:t>
+            </a:r>
+          </a:p>
+          <a:p>
+            <a:pPr lvl="1">
+              <a:buFont typeface="Arial" panose="020B0604020202020204" pitchFamily="34" charset="0"/>
+              <a:buChar char="•"/>
+            </a:pPr>
+            <a:r>
+              <a:rPr lang="en-GB" b="1" i="0" dirty="0">
+                <a:solidFill>
+                  <a:srgbClr val="374151"/>
+                </a:solidFill>
+                <a:effectLst/>
+                <a:latin typeface="Söhne"/>
+              </a:rPr>
+              <a:t>F3:</a:t>
+            </a:r>
+            <a:r>
+              <a:rPr lang="en-GB" b="0" i="0" dirty="0">
+                <a:solidFill>
+                  <a:srgbClr val="374151"/>
+                </a:solidFill>
+                <a:effectLst/>
+                <a:latin typeface="Söhne"/>
+              </a:rPr>
+              <a:t> Metadata clearly and explicitly include the identifier of the data they describe.</a:t>
+            </a:r>
+          </a:p>
+          <a:p>
+            <a:pPr lvl="1">
+              <a:buFont typeface="Arial" panose="020B0604020202020204" pitchFamily="34" charset="0"/>
+              <a:buChar char="•"/>
+            </a:pPr>
+            <a:r>
+              <a:rPr lang="en-GB" b="1" i="0" dirty="0">
+                <a:solidFill>
+                  <a:srgbClr val="374151"/>
+                </a:solidFill>
+                <a:effectLst/>
+                <a:latin typeface="Söhne"/>
+              </a:rPr>
+              <a:t>F4:</a:t>
+            </a:r>
+            <a:r>
+              <a:rPr lang="en-GB" b="0" i="0" dirty="0">
+                <a:solidFill>
+                  <a:srgbClr val="374151"/>
+                </a:solidFill>
+                <a:effectLst/>
+                <a:latin typeface="Söhne"/>
+              </a:rPr>
+              <a:t> Data and metadata are registered or indexed in a searchable resource.</a:t>
+            </a:r>
+          </a:p>
+          <a:p>
+            <a:pPr marL="115570" lvl="0" indent="0" algn="l" rtl="0">
+              <a:spcBef>
+                <a:spcPts val="0"/>
+              </a:spcBef>
+              <a:spcAft>
+                <a:spcPts val="0"/>
+              </a:spcAft>
+              <a:buSzPct val="100000"/>
+              <a:buNone/>
+            </a:pPr>
+            <a:endParaRPr lang="en-GB" sz="2800" dirty="0"/>
+          </a:p>
+          <a:p>
+            <a:pPr marL="457200" lvl="0" indent="-341630" algn="l" rtl="0">
+              <a:spcBef>
+                <a:spcPts val="0"/>
+              </a:spcBef>
+              <a:spcAft>
+                <a:spcPts val="0"/>
+              </a:spcAft>
+              <a:buSzPct val="100000"/>
+              <a:buChar char="●"/>
+            </a:pPr>
+            <a:r>
+              <a:rPr lang="en-GB" sz="2800" dirty="0"/>
+              <a:t>Leaves -- Nodes extend the core model for covering the specialised domain metadata requirements</a:t>
+            </a:r>
+          </a:p>
+          <a:p>
+            <a:pPr marL="457200" lvl="0" indent="-341630" algn="l" rtl="0">
+              <a:spcBef>
+                <a:spcPts val="0"/>
+              </a:spcBef>
+              <a:spcAft>
+                <a:spcPts val="0"/>
+              </a:spcAft>
+              <a:buSzPct val="100000"/>
+              <a:buChar char="●"/>
+            </a:pPr>
+            <a:endParaRPr lang="en-GB" sz="2800" dirty="0"/>
+          </a:p>
+          <a:p>
+            <a:pPr marL="457200" lvl="0" indent="-341630" algn="l" rtl="0">
+              <a:spcBef>
+                <a:spcPts val="0"/>
+              </a:spcBef>
+              <a:spcAft>
+                <a:spcPts val="0"/>
+              </a:spcAft>
+              <a:buSzPct val="100000"/>
+              <a:buChar char="●"/>
+            </a:pPr>
+            <a:r>
+              <a:rPr lang="en-GB" sz="2800" dirty="0"/>
+              <a:t>Built on DCAT, DCAT-AP for data exchange between portals</a:t>
+            </a:r>
+          </a:p>
+          <a:p>
+            <a:pPr marL="457200" lvl="0" indent="-341630" algn="l" rtl="0">
+              <a:spcBef>
+                <a:spcPts val="0"/>
+              </a:spcBef>
+              <a:spcAft>
+                <a:spcPts val="0"/>
+              </a:spcAft>
+              <a:buSzPct val="100000"/>
+              <a:buChar char="●"/>
+            </a:pPr>
+            <a:endParaRPr lang="en-GB" sz="2800" dirty="0"/>
+          </a:p>
+          <a:p>
+            <a:pPr marL="457200" lvl="0" indent="-341630" algn="l" rtl="0">
+              <a:spcBef>
+                <a:spcPts val="0"/>
+              </a:spcBef>
+              <a:spcAft>
+                <a:spcPts val="0"/>
+              </a:spcAft>
+              <a:buSzPct val="100000"/>
+              <a:buChar char="●"/>
+            </a:pPr>
+            <a:r>
+              <a:rPr lang="en-GB" sz="2800" dirty="0"/>
+              <a:t>Represented it in graph model (</a:t>
+            </a:r>
+            <a:r>
+              <a:rPr lang="en-GB" sz="2800" dirty="0" err="1"/>
+              <a:t>rdf</a:t>
+            </a:r>
+            <a:r>
+              <a:rPr lang="en-GB" sz="2800" dirty="0"/>
+              <a:t> compliant)</a:t>
+            </a:r>
+          </a:p>
+        </p:txBody>
+      </p:sp>
+    </p:spTree>
+    <p:extLst>
+      <p:ext uri="{BB962C8B-B14F-4D97-AF65-F5344CB8AC3E}">
+        <p14:creationId xmlns:p14="http://schemas.microsoft.com/office/powerpoint/2010/main" val="3874569351"/>
       </p:ext>
     </p:extLst>
   </p:cSld>
@@ -40335,14 +39776,14 @@
           </a:lstStyle>
           <a:p>
             <a:r>
-              <a:rPr lang="en-GB">
+              <a:rPr lang="en-GB" dirty="0">
                 <a:latin typeface="Lato" panose="020F0502020204030203" pitchFamily="34" charset="0"/>
                 <a:ea typeface="Lato" panose="020F0502020204030203" pitchFamily="34" charset="0"/>
                 <a:cs typeface="Lato" panose="020F0502020204030203" pitchFamily="34" charset="0"/>
               </a:rPr>
               <a:t>Health-RI core metadata schemas </a:t>
             </a:r>
-            <a:endParaRPr>
+            <a:endParaRPr dirty="0">
               <a:latin typeface="Lato" panose="020F0502020204030203" pitchFamily="34" charset="0"/>
               <a:ea typeface="Lato" panose="020F0502020204030203" pitchFamily="34" charset="0"/>
               <a:cs typeface="Lato" panose="020F0502020204030203" pitchFamily="34" charset="0"/>
@@ -40944,7 +40385,7 @@
                 <a:ea typeface="Lato" panose="020F0502020204030203" pitchFamily="34" charset="0"/>
                 <a:cs typeface="Lato" panose="020F0502020204030203" pitchFamily="34" charset="0"/>
               </a:rPr>
-              <a:t>All resources must describe/ provide the core metadata with the core metadata schema</a:t>
+              <a:t>All resources must describe/ provide the metadata using the core metadata schema</a:t>
             </a:r>
           </a:p>
         </p:txBody>
@@ -41854,8 +41295,8 @@
         </p:blipFill>
         <p:spPr>
           <a:xfrm>
-            <a:off x="6012586" y="1428317"/>
-            <a:ext cx="5492745" cy="4001365"/>
+            <a:off x="6246856" y="1428316"/>
+            <a:ext cx="5688731" cy="4582809"/>
           </a:xfrm>
           <a:prstGeom prst="rect">
             <a:avLst/>
@@ -41960,8 +41401,8 @@
         </p:nvSpPr>
         <p:spPr>
           <a:xfrm>
-            <a:off x="294799" y="1058585"/>
-            <a:ext cx="11352363" cy="4575411"/>
+            <a:off x="292818" y="637028"/>
+            <a:ext cx="11479363" cy="5560572"/>
           </a:xfrm>
         </p:spPr>
         <p:txBody>
@@ -41982,10 +41423,25 @@
               <a:buFontTx/>
               <a:buChar char="-"/>
             </a:pPr>
-            <a:r>
-              <a:rPr lang="en-US" sz="2000" dirty="0"/>
-              <a:t>Supporting the discovery of/access to data in a cross border and cross domain environment, by harvesting data from distributed portals. </a:t>
-            </a:r>
+            <a:endParaRPr lang="en-US" sz="2000" dirty="0"/>
+          </a:p>
+          <a:p>
+            <a:pPr marL="285750" indent="-285750">
+              <a:lnSpc>
+                <a:spcPct val="95000"/>
+              </a:lnSpc>
+              <a:spcBef>
+                <a:spcPts val="0"/>
+              </a:spcBef>
+              <a:buSzPts val="852"/>
+              <a:buFontTx/>
+              <a:buChar char="-"/>
+            </a:pPr>
+            <a:r>
+              <a:rPr lang="en-GB" sz="2000" dirty="0"/>
+              <a:t>Specialized version of DCAT, targeting the specific needs of public sector datasets in Europe.</a:t>
+            </a:r>
+            <a:endParaRPr lang="en-US" sz="2000" dirty="0"/>
           </a:p>
           <a:p>
             <a:pPr marL="285750" lvl="0" indent="-285750" algn="l" rtl="0">
@@ -42021,42 +41477,20 @@
             </a:pPr>
             <a:r>
               <a:rPr lang="en-US" sz="2000" dirty="0"/>
-              <a:t>In the form of an application profile of W3C DCAT, by: </a:t>
-            </a:r>
-          </a:p>
-          <a:p>
-            <a:pPr marL="742950" lvl="1" indent="-285750">
+              <a:t>Supporting the discovery of/access to data in a cross border and cross domain environment, by harvesting data from distributed portals. </a:t>
+            </a:r>
+          </a:p>
+          <a:p>
+            <a:pPr marL="285750" lvl="0" indent="-285750" algn="l" rtl="0">
               <a:lnSpc>
                 <a:spcPct val="95000"/>
               </a:lnSpc>
-              <a:buSzPts val="852"/>
-              <a:buFontTx/>
-              <a:buChar char="-"/>
-            </a:pPr>
-            <a:r>
-              <a:rPr lang="en-US" sz="2000" dirty="0"/>
-              <a:t>Expressing constraints and usages notes on DCAT properties and classes, and </a:t>
-            </a:r>
-          </a:p>
-          <a:p>
-            <a:pPr marL="742950" lvl="1" indent="-285750">
-              <a:lnSpc>
-                <a:spcPct val="95000"/>
-              </a:lnSpc>
-              <a:buSzPts val="852"/>
-              <a:buFontTx/>
-              <a:buChar char="-"/>
-            </a:pPr>
-            <a:r>
-              <a:rPr lang="en-US" sz="2000" dirty="0"/>
-              <a:t>Including additional properties and usages of controlled vocabularies</a:t>
-            </a:r>
-          </a:p>
-          <a:p>
-            <a:pPr marL="742950" lvl="1" indent="-285750">
-              <a:lnSpc>
-                <a:spcPct val="95000"/>
-              </a:lnSpc>
+              <a:spcBef>
+                <a:spcPts val="0"/>
+              </a:spcBef>
+              <a:spcAft>
+                <a:spcPts val="0"/>
+              </a:spcAft>
               <a:buSzPts val="852"/>
               <a:buFontTx/>
               <a:buChar char="-"/>
@@ -42064,21 +41498,55 @@
             <a:endParaRPr lang="en-US" sz="2000" dirty="0"/>
           </a:p>
           <a:p>
-            <a:pPr marL="285750" indent="-285750">
+            <a:pPr marL="285750" lvl="0" indent="-285750" algn="l" rtl="0">
               <a:lnSpc>
                 <a:spcPct val="95000"/>
               </a:lnSpc>
+              <a:spcBef>
+                <a:spcPts val="0"/>
+              </a:spcBef>
+              <a:spcAft>
+                <a:spcPts val="0"/>
+              </a:spcAft>
               <a:buSzPts val="852"/>
               <a:buFontTx/>
               <a:buChar char="-"/>
             </a:pPr>
             <a:r>
               <a:rPr lang="en-US" sz="2000" dirty="0"/>
-              <a:t>In such a way that the metadata descriptions are maximally harmonized across Europe, and provide a reliable source for the European Data Portal</a:t>
-            </a:r>
-          </a:p>
-          <a:p>
-            <a:pPr marL="285750" indent="-285750">
+              <a:t>In the form of an application profile of W3C DCAT, by: </a:t>
+            </a:r>
+          </a:p>
+          <a:p>
+            <a:pPr marL="742950" lvl="1" indent="-285750">
+              <a:lnSpc>
+                <a:spcPct val="95000"/>
+              </a:lnSpc>
+              <a:buSzPts val="852"/>
+              <a:buFontTx/>
+              <a:buChar char="-"/>
+            </a:pPr>
+            <a:r>
+              <a:rPr lang="en-US" sz="2000" dirty="0"/>
+              <a:t>Expressing constraints and usages notes on DCAT properties and classes, and </a:t>
+            </a:r>
+          </a:p>
+          <a:p>
+            <a:pPr marL="742950" lvl="1" indent="-285750">
+              <a:lnSpc>
+                <a:spcPct val="95000"/>
+              </a:lnSpc>
+              <a:buSzPts val="852"/>
+              <a:buFontTx/>
+              <a:buChar char="-"/>
+            </a:pPr>
+            <a:r>
+              <a:rPr lang="en-US" sz="2000" dirty="0"/>
+              <a:t>Including additional properties and usages of controlled vocabularies</a:t>
+            </a:r>
+          </a:p>
+          <a:p>
+            <a:pPr marL="742950" lvl="1" indent="-285750">
               <a:lnSpc>
                 <a:spcPct val="95000"/>
               </a:lnSpc>
@@ -42099,6 +41567,20 @@
             </a:pPr>
             <a:r>
               <a:rPr lang="en-US" sz="2000" dirty="0"/>
+              <a:t>In such a way that the metadata descriptions are maximally harmonized across Europe, and provide a reliable source for the European Data Portal</a:t>
+            </a:r>
+          </a:p>
+          <a:p>
+            <a:pPr marL="285750" indent="-285750">
+              <a:lnSpc>
+                <a:spcPct val="95000"/>
+              </a:lnSpc>
+              <a:buSzPts val="852"/>
+              <a:buFontTx/>
+              <a:buChar char="-"/>
+            </a:pPr>
+            <a:r>
+              <a:rPr lang="en-US" sz="2000" dirty="0"/>
               <a:t>Extensions exists to serve different communities better, </a:t>
             </a:r>
             <a:r>
@@ -42128,7 +41610,7 @@
               <a:buChar char="§"/>
             </a:pPr>
             <a:r>
-              <a:rPr lang="en-US" sz="2000" dirty="0">
+              <a:rPr lang="en-US" sz="1600" dirty="0">
                 <a:solidFill>
                   <a:srgbClr val="000000"/>
                 </a:solidFill>
@@ -42139,7 +41621,7 @@
               <a:t>Link to the specification -- </a:t>
             </a:r>
             <a:r>
-              <a:rPr lang="en-US" sz="2000" dirty="0">
+              <a:rPr lang="en-US" sz="1600" dirty="0">
                 <a:solidFill>
                   <a:srgbClr val="000000"/>
                 </a:solidFill>
@@ -42150,7 +41632,7 @@
               </a:rPr>
               <a:t>https://www.w3.org/TR/vocab-dcat-2/</a:t>
             </a:r>
-            <a:endParaRPr lang="en-US" sz="2000" dirty="0">
+            <a:endParaRPr lang="en-US" sz="1600" dirty="0">
               <a:solidFill>
                 <a:srgbClr val="000000"/>
               </a:solidFill>
@@ -42169,7 +41651,7 @@
               <a:buChar char="§"/>
             </a:pPr>
             <a:r>
-              <a:rPr lang="en-US" sz="2000" dirty="0">
+              <a:rPr lang="en-US" sz="1600" dirty="0">
                 <a:solidFill>
                   <a:srgbClr val="000000"/>
                 </a:solidFill>
@@ -42180,7 +41662,7 @@
               <a:t>You can also find it on health-</a:t>
             </a:r>
             <a:r>
-              <a:rPr lang="en-US" sz="2000" dirty="0" err="1">
+              <a:rPr lang="en-US" sz="1600" dirty="0" err="1">
                 <a:solidFill>
                   <a:srgbClr val="000000"/>
                 </a:solidFill>
@@ -42191,7 +41673,7 @@
               <a:t>ri</a:t>
             </a:r>
             <a:r>
-              <a:rPr lang="en-US" sz="2000" dirty="0">
+              <a:rPr lang="en-US" sz="1600" dirty="0">
                 <a:solidFill>
                   <a:srgbClr val="000000"/>
                 </a:solidFill>
@@ -42202,7 +41684,7 @@
               <a:t> git </a:t>
             </a:r>
             <a:r>
-              <a:rPr lang="en-US" sz="2000" dirty="0">
+              <a:rPr lang="en-US" sz="1600" dirty="0">
                 <a:solidFill>
                   <a:srgbClr val="000000"/>
                 </a:solidFill>
@@ -42213,7 +41695,7 @@
               </a:rPr>
               <a:t>https://github.com/Health-RI/health-ri-metadata/tree/master/DCAT-AP</a:t>
             </a:r>
-            <a:endParaRPr lang="en-US" sz="2000" dirty="0">
+            <a:endParaRPr lang="en-US" sz="1600" dirty="0">
               <a:solidFill>
                 <a:srgbClr val="000000"/>
               </a:solidFill>

--- a/Presentations/31082023HRI_Metadata_Schema_ImagingGroup_KickOff.pptx
+++ b/Presentations/31082023HRI_Metadata_Schema_ImagingGroup_KickOff.pptx
@@ -7529,23 +7529,7 @@
                 <a:ea typeface="Lato" panose="020F0502020204030203" pitchFamily="34" charset="0"/>
                 <a:cs typeface="Lato" panose="020F0502020204030203" pitchFamily="34" charset="0"/>
               </a:rPr>
-              <a:t>Think of listing the resources and collect metadata instances that will be part of health-</a:t>
-            </a:r>
-            <a:r>
-              <a:rPr lang="en-US" sz="2800" dirty="0" err="1">
-                <a:latin typeface="Lato" panose="020F0502020204030203" pitchFamily="34" charset="0"/>
-                <a:ea typeface="Lato" panose="020F0502020204030203" pitchFamily="34" charset="0"/>
-                <a:cs typeface="Lato" panose="020F0502020204030203" pitchFamily="34" charset="0"/>
-              </a:rPr>
-              <a:t>ri</a:t>
-            </a:r>
-            <a:r>
-              <a:rPr lang="en-US" sz="2800" dirty="0">
-                <a:latin typeface="Lato" panose="020F0502020204030203" pitchFamily="34" charset="0"/>
-                <a:ea typeface="Lato" panose="020F0502020204030203" pitchFamily="34" charset="0"/>
-                <a:cs typeface="Lato" panose="020F0502020204030203" pitchFamily="34" charset="0"/>
-              </a:rPr>
-              <a:t> portal</a:t>
+              <a:t>Also, list the resources, collection service, and collect instances</a:t>
             </a:r>
             <a:endParaRPr lang="en-NL" dirty="0"/>
           </a:p>
@@ -16732,7 +16716,7 @@
           <a:lstStyle/>
           <a:p>
             <a:r>
-              <a:rPr lang="en-GB" b="0" i="0" dirty="0">
+              <a:rPr lang="en-GB" sz="1600" b="0" i="0" dirty="0">
                 <a:solidFill>
                   <a:srgbClr val="374151"/>
                 </a:solidFill>
@@ -16742,13 +16726,13 @@
               <a:t>leveraging pre-existing, widely accepted ontologies, vocabularies, or frameworks instead of creating new ones from scratch (</a:t>
             </a:r>
             <a:r>
-              <a:rPr lang="en-GB" b="1" i="0" dirty="0">
+              <a:rPr lang="en-GB" sz="1600" b="1" i="0" dirty="0">
                 <a:effectLst/>
                 <a:latin typeface="Söhne"/>
               </a:rPr>
               <a:t>Interoperability, validation, and consistency)</a:t>
             </a:r>
-            <a:endParaRPr lang="en-GB" b="0" i="0" dirty="0">
+            <a:endParaRPr lang="en-GB" sz="1600" b="0" i="0" dirty="0">
               <a:solidFill>
                 <a:srgbClr val="374151"/>
               </a:solidFill>
@@ -16758,7 +16742,7 @@
           </a:p>
           <a:p>
             <a:r>
-              <a:rPr lang="en-GB" b="0" i="0" dirty="0">
+              <a:rPr lang="en-GB" sz="1600" b="0" i="0" dirty="0">
                 <a:solidFill>
                   <a:srgbClr val="374151"/>
                 </a:solidFill>
@@ -16768,26 +16752,26 @@
               <a:t>Digital Imaging and Communications in Medicine (DICOM), is a standard for transmitting, storing, retrieving, printing, processing, and displaying medical imaging information -- Widely used in hospitals, clinics, and medical research settings. </a:t>
             </a:r>
             <a:r>
-              <a:rPr lang="en-GB" dirty="0"/>
+              <a:rPr lang="en-GB" sz="1600" dirty="0"/>
               <a:t>https://</a:t>
             </a:r>
             <a:r>
-              <a:rPr lang="en-GB" dirty="0" err="1"/>
+              <a:rPr lang="en-GB" sz="1600" dirty="0" err="1"/>
               <a:t>www.dicomstandard.org</a:t>
             </a:r>
             <a:r>
-              <a:rPr lang="en-GB" dirty="0"/>
+              <a:rPr lang="en-GB" sz="1600" dirty="0"/>
               <a:t>/, (</a:t>
             </a:r>
             <a:r>
-              <a:rPr lang="en-GB" dirty="0" err="1"/>
+              <a:rPr lang="en-GB" sz="1600" dirty="0" err="1"/>
               <a:t>Mildenberger</a:t>
             </a:r>
             <a:r>
-              <a:rPr lang="en-GB" dirty="0"/>
+              <a:rPr lang="en-GB" sz="1600" dirty="0"/>
               <a:t> et al, 2002)</a:t>
             </a:r>
-            <a:endParaRPr lang="en-GB" b="0" i="0" dirty="0">
+            <a:endParaRPr lang="en-GB" sz="1600" b="0" i="0" dirty="0">
               <a:solidFill>
                 <a:srgbClr val="374151"/>
               </a:solidFill>
@@ -16796,7 +16780,10 @@
             </a:endParaRPr>
           </a:p>
           <a:p>
-            <a:endParaRPr lang="en-NL" dirty="0"/>
+            <a:r>
+              <a:rPr lang="en-NL" sz="1600" dirty="0"/>
+              <a:t>FAIR, Architecture team will analyse and review the inventory in collaboration with the Domain working groups. This is a prerequisit for semantic modelling in the next steps.</a:t>
+            </a:r>
           </a:p>
         </p:txBody>
       </p:sp>
@@ -16815,14 +16802,14 @@
           <p:nvPr>
             <p:extLst>
               <p:ext uri="{D42A27DB-BD31-4B8C-83A1-F6EECF244321}">
-                <p14:modId xmlns:p14="http://schemas.microsoft.com/office/powerpoint/2010/main" val="575385053"/>
+                <p14:modId xmlns:p14="http://schemas.microsoft.com/office/powerpoint/2010/main" val="3542215323"/>
               </p:ext>
             </p:extLst>
           </p:nvPr>
         </p:nvGraphicFramePr>
         <p:xfrm>
-          <a:off x="1276947" y="3975100"/>
-          <a:ext cx="9391053" cy="2667000"/>
+          <a:off x="938463" y="3429000"/>
+          <a:ext cx="9669380" cy="2651760"/>
         </p:xfrm>
         <a:graphic>
           <a:graphicData uri="http://schemas.openxmlformats.org/drawingml/2006/table">
@@ -16831,49 +16818,49 @@
                 <a:tableStyleId>{5C22544A-7EE6-4342-B048-85BDC9FD1C3A}</a:tableStyleId>
               </a:tblPr>
               <a:tblGrid>
-                <a:gridCol w="1341579">
+                <a:gridCol w="1381340">
                   <a:extLst>
                     <a:ext uri="{9D8B030D-6E8A-4147-A177-3AD203B41FA5}">
                       <a16:colId xmlns:a16="http://schemas.microsoft.com/office/drawing/2014/main" val="2833306339"/>
                     </a:ext>
                   </a:extLst>
                 </a:gridCol>
-                <a:gridCol w="1341579">
+                <a:gridCol w="1381340">
                   <a:extLst>
                     <a:ext uri="{9D8B030D-6E8A-4147-A177-3AD203B41FA5}">
                       <a16:colId xmlns:a16="http://schemas.microsoft.com/office/drawing/2014/main" val="4091472132"/>
                     </a:ext>
                   </a:extLst>
                 </a:gridCol>
-                <a:gridCol w="1341579">
+                <a:gridCol w="1381340">
                   <a:extLst>
                     <a:ext uri="{9D8B030D-6E8A-4147-A177-3AD203B41FA5}">
                       <a16:colId xmlns:a16="http://schemas.microsoft.com/office/drawing/2014/main" val="2585042224"/>
                     </a:ext>
                   </a:extLst>
                 </a:gridCol>
-                <a:gridCol w="1341579">
+                <a:gridCol w="1381340">
                   <a:extLst>
                     <a:ext uri="{9D8B030D-6E8A-4147-A177-3AD203B41FA5}">
                       <a16:colId xmlns:a16="http://schemas.microsoft.com/office/drawing/2014/main" val="1921108557"/>
                     </a:ext>
                   </a:extLst>
                 </a:gridCol>
-                <a:gridCol w="1341579">
+                <a:gridCol w="1381340">
                   <a:extLst>
                     <a:ext uri="{9D8B030D-6E8A-4147-A177-3AD203B41FA5}">
                       <a16:colId xmlns:a16="http://schemas.microsoft.com/office/drawing/2014/main" val="3943676524"/>
                     </a:ext>
                   </a:extLst>
                 </a:gridCol>
-                <a:gridCol w="1341579">
+                <a:gridCol w="1381340">
                   <a:extLst>
                     <a:ext uri="{9D8B030D-6E8A-4147-A177-3AD203B41FA5}">
                       <a16:colId xmlns:a16="http://schemas.microsoft.com/office/drawing/2014/main" val="2959981851"/>
                     </a:ext>
                   </a:extLst>
                 </a:gridCol>
-                <a:gridCol w="1341579">
+                <a:gridCol w="1381340">
                   <a:extLst>
                     <a:ext uri="{9D8B030D-6E8A-4147-A177-3AD203B41FA5}">
                       <a16:colId xmlns:a16="http://schemas.microsoft.com/office/drawing/2014/main" val="2568593310"/>
@@ -16881,7 +16868,7 @@
                   </a:extLst>
                 </a:gridCol>
               </a:tblGrid>
-              <a:tr h="370840">
+              <a:tr h="816841">
                 <a:tc>
                   <a:txBody>
                     <a:bodyPr/>
@@ -16988,7 +16975,7 @@
                   </a:ext>
                 </a:extLst>
               </a:tr>
-              <a:tr h="545254">
+              <a:tr h="571789">
                 <a:tc>
                   <a:txBody>
                     <a:bodyPr/>
@@ -17072,7 +17059,7 @@
                   </a:ext>
                 </a:extLst>
               </a:tr>
-              <a:tr h="370840">
+              <a:tr h="326736">
                 <a:tc>
                   <a:txBody>
                     <a:bodyPr/>
@@ -17152,7 +17139,7 @@
                   </a:ext>
                 </a:extLst>
               </a:tr>
-              <a:tr h="370840">
+              <a:tr h="326736">
                 <a:tc>
                   <a:txBody>
                     <a:bodyPr/>
@@ -17232,7 +17219,7 @@
                   </a:ext>
                 </a:extLst>
               </a:tr>
-              <a:tr h="370840">
+              <a:tr h="326736">
                 <a:tc>
                   <a:txBody>
                     <a:bodyPr/>

--- a/Presentations/31082023HRI_Metadata_Schema_ImagingGroup_KickOff.pptx
+++ b/Presentations/31082023HRI_Metadata_Schema_ImagingGroup_KickOff.pptx
@@ -6860,7 +6860,7 @@
             </a:pPr>
             <a:r>
               <a:rPr lang="en-GB" b="1" dirty="0"/>
-              <a:t>Slides adopted from Bruna dos Santos Vieira</a:t>
+              <a:t>Slides are adopted from Bruna dos Santos Vieira</a:t>
             </a:r>
           </a:p>
           <a:p>
@@ -7529,7 +7529,7 @@
                 <a:ea typeface="Lato" panose="020F0502020204030203" pitchFamily="34" charset="0"/>
                 <a:cs typeface="Lato" panose="020F0502020204030203" pitchFamily="34" charset="0"/>
               </a:rPr>
-              <a:t>Also, list the resources, collection service, and collect instances</a:t>
+              <a:t>Also, list the resources, collection service, and collect metadata instances</a:t>
             </a:r>
             <a:endParaRPr lang="en-NL" dirty="0"/>
           </a:p>
@@ -16716,7 +16716,7 @@
           <a:lstStyle/>
           <a:p>
             <a:r>
-              <a:rPr lang="en-GB" sz="1600" b="0" i="0" dirty="0">
+              <a:rPr lang="en-GB" sz="1800" b="0" i="0" dirty="0">
                 <a:solidFill>
                   <a:srgbClr val="374151"/>
                 </a:solidFill>
@@ -16726,13 +16726,13 @@
               <a:t>leveraging pre-existing, widely accepted ontologies, vocabularies, or frameworks instead of creating new ones from scratch (</a:t>
             </a:r>
             <a:r>
-              <a:rPr lang="en-GB" sz="1600" b="1" i="0" dirty="0">
+              <a:rPr lang="en-GB" sz="1800" b="1" i="0" dirty="0">
                 <a:effectLst/>
                 <a:latin typeface="Söhne"/>
               </a:rPr>
               <a:t>Interoperability, validation, and consistency)</a:t>
             </a:r>
-            <a:endParaRPr lang="en-GB" sz="1600" b="0" i="0" dirty="0">
+            <a:endParaRPr lang="en-GB" sz="1800" b="0" i="0" dirty="0">
               <a:solidFill>
                 <a:srgbClr val="374151"/>
               </a:solidFill>
@@ -16741,8 +16741,9 @@
             </a:endParaRPr>
           </a:p>
           <a:p>
-            <a:r>
-              <a:rPr lang="en-GB" sz="1600" b="0" i="0" dirty="0">
+            <a:pPr lvl="1"/>
+            <a:r>
+              <a:rPr lang="en-GB" sz="1800" b="0" i="0" dirty="0">
                 <a:solidFill>
                   <a:srgbClr val="374151"/>
                 </a:solidFill>
@@ -16752,26 +16753,26 @@
               <a:t>Digital Imaging and Communications in Medicine (DICOM), is a standard for transmitting, storing, retrieving, printing, processing, and displaying medical imaging information -- Widely used in hospitals, clinics, and medical research settings. </a:t>
             </a:r>
             <a:r>
-              <a:rPr lang="en-GB" sz="1600" dirty="0"/>
+              <a:rPr lang="en-GB" sz="1800" dirty="0"/>
               <a:t>https://</a:t>
             </a:r>
             <a:r>
-              <a:rPr lang="en-GB" sz="1600" dirty="0" err="1"/>
+              <a:rPr lang="en-GB" sz="1800" dirty="0" err="1"/>
               <a:t>www.dicomstandard.org</a:t>
             </a:r>
             <a:r>
-              <a:rPr lang="en-GB" sz="1600" dirty="0"/>
+              <a:rPr lang="en-GB" sz="1800" dirty="0"/>
               <a:t>/, (</a:t>
             </a:r>
             <a:r>
-              <a:rPr lang="en-GB" sz="1600" dirty="0" err="1"/>
+              <a:rPr lang="en-GB" sz="1800" dirty="0" err="1"/>
               <a:t>Mildenberger</a:t>
             </a:r>
             <a:r>
-              <a:rPr lang="en-GB" sz="1600" dirty="0"/>
+              <a:rPr lang="en-GB" sz="1800" dirty="0"/>
               <a:t> et al, 2002)</a:t>
             </a:r>
-            <a:endParaRPr lang="en-GB" sz="1600" b="0" i="0" dirty="0">
+            <a:endParaRPr lang="en-GB" sz="1800" b="0" i="0" dirty="0">
               <a:solidFill>
                 <a:srgbClr val="374151"/>
               </a:solidFill>
@@ -16781,7 +16782,7 @@
           </a:p>
           <a:p>
             <a:r>
-              <a:rPr lang="en-NL" sz="1600" dirty="0"/>
+              <a:rPr lang="en-NL" sz="1800" dirty="0"/>
               <a:t>FAIR, Architecture team will analyse and review the inventory in collaboration with the Domain working groups. This is a prerequisit for semantic modelling in the next steps.</a:t>
             </a:r>
           </a:p>
@@ -17581,13 +17582,13 @@
           <a:p>
             <a:r>
               <a:rPr lang="en-GB" sz="2134" dirty="0"/>
-              <a:t>Classes: an abstraction mechanism for creating a collection of objects with similar characteristics. The Objects called instances of a class.  (e.g. Class(Dataset) and individual(dataset-100)  is an instance of it). </a:t>
+              <a:t>Classes: an abstraction mechanism for creating a collection of objects with similar characteristics. The Objects called instances of a class.  (e.g. Class(Collection) and individual(Collection_1)  is an instance of it). </a:t>
             </a:r>
           </a:p>
           <a:p>
             <a:r>
               <a:rPr lang="en-GB" sz="2134" dirty="0"/>
-              <a:t>Class Axioms: Class can have hierarchical relationships (subclass) which allows for inheritance and subsumption.</a:t>
+              <a:t>Class Axioms: Class can have hierarchical relationships (subclass) which allows for inheritance and subsumption. </a:t>
             </a:r>
           </a:p>
           <a:p>
@@ -29943,7 +29944,7 @@
           <a:p>
             <a:pPr algn="ctr"/>
             <a:r>
-              <a:rPr lang="en-GB" sz="1100">
+              <a:rPr lang="en-GB" sz="1100" dirty="0">
                 <a:solidFill>
                   <a:schemeClr val="dk2"/>
                 </a:solidFill>
@@ -29952,9 +29953,9 @@
                 <a:cs typeface="Roboto"/>
                 <a:sym typeface="Roboto"/>
               </a:rPr>
-              <a:t>Transcrip</a:t>
-            </a:r>
-            <a:endParaRPr sz="1100">
+              <a:t>Transcript</a:t>
+            </a:r>
+            <a:endParaRPr sz="1100" dirty="0">
               <a:solidFill>
                 <a:schemeClr val="dk2"/>
               </a:solidFill>
@@ -30795,7 +30796,7 @@
           <a:p>
             <a:pPr algn="ctr"/>
             <a:r>
-              <a:rPr lang="en-GB" sz="1300">
+              <a:rPr lang="en-GB" sz="1300" dirty="0">
                 <a:solidFill>
                   <a:schemeClr val="dk2"/>
                 </a:solidFill>
@@ -30806,7 +30807,7 @@
               </a:rPr>
               <a:t>Clinical</a:t>
             </a:r>
-            <a:endParaRPr sz="1300">
+            <a:endParaRPr sz="1300" dirty="0">
               <a:solidFill>
                 <a:schemeClr val="dk2"/>
               </a:solidFill>
